--- a/concept_presentation.pptx
+++ b/concept_presentation.pptx
@@ -1,11 +1,36 @@
 
 <file path=ppt/presentation.xml><?xml version="1.0" encoding="utf-8"?>
-<p:presentation xmlns:a="http://schemas.openxmlformats.org/drawingml/2006/main" xmlns:r="http://schemas.openxmlformats.org/officeDocument/2006/relationships" xmlns:p="http://schemas.openxmlformats.org/presentationml/2006/main" saveSubsetFonts="1">
+<p:presentation xmlns:a="http://schemas.openxmlformats.org/drawingml/2006/main" xmlns:r="http://schemas.openxmlformats.org/officeDocument/2006/relationships" xmlns:p="http://schemas.openxmlformats.org/presentationml/2006/main" showSpecialPlsOnTitleSld="0" saveSubsetFonts="1">
   <p:sldMasterIdLst>
-    <p:sldMasterId id="2147483648" r:id="rId1"/>
+    <p:sldMasterId id="2147483660" r:id="rId1"/>
   </p:sldMasterIdLst>
+  <p:notesMasterIdLst>
+    <p:notesMasterId r:id="rId22"/>
+  </p:notesMasterIdLst>
+  <p:handoutMasterIdLst>
+    <p:handoutMasterId r:id="rId23"/>
+  </p:handoutMasterIdLst>
   <p:sldIdLst>
     <p:sldId id="256" r:id="rId2"/>
+    <p:sldId id="257" r:id="rId3"/>
+    <p:sldId id="258" r:id="rId4"/>
+    <p:sldId id="259" r:id="rId5"/>
+    <p:sldId id="260" r:id="rId6"/>
+    <p:sldId id="261" r:id="rId7"/>
+    <p:sldId id="262" r:id="rId8"/>
+    <p:sldId id="263" r:id="rId9"/>
+    <p:sldId id="264" r:id="rId10"/>
+    <p:sldId id="265" r:id="rId11"/>
+    <p:sldId id="266" r:id="rId12"/>
+    <p:sldId id="267" r:id="rId13"/>
+    <p:sldId id="268" r:id="rId14"/>
+    <p:sldId id="270" r:id="rId15"/>
+    <p:sldId id="269" r:id="rId16"/>
+    <p:sldId id="271" r:id="rId17"/>
+    <p:sldId id="272" r:id="rId18"/>
+    <p:sldId id="273" r:id="rId19"/>
+    <p:sldId id="274" r:id="rId20"/>
+    <p:sldId id="275" r:id="rId21"/>
   </p:sldIdLst>
   <p:sldSz cx="9144000" cy="6858000" type="screen4x3"/>
   <p:notesSz cx="6858000" cy="9144000"/>
@@ -107,6 +132,523 @@
 </p:presentation>
 </file>
 
+<file path=ppt/handoutMasters/handoutMaster1.xml><?xml version="1.0" encoding="utf-8"?>
+<p:handoutMaster xmlns:a="http://schemas.openxmlformats.org/drawingml/2006/main" xmlns:r="http://schemas.openxmlformats.org/officeDocument/2006/relationships" xmlns:p="http://schemas.openxmlformats.org/presentationml/2006/main">
+  <p:cSld>
+    <p:bg>
+      <p:bgRef idx="1001">
+        <a:schemeClr val="bg1"/>
+      </p:bgRef>
+    </p:bg>
+    <p:spTree>
+      <p:nvGrpSpPr>
+        <p:cNvPr id="1" name=""/>
+        <p:cNvGrpSpPr/>
+        <p:nvPr/>
+      </p:nvGrpSpPr>
+      <p:grpSpPr>
+        <a:xfrm>
+          <a:off x="0" y="0"/>
+          <a:ext cx="0" cy="0"/>
+          <a:chOff x="0" y="0"/>
+          <a:chExt cx="0" cy="0"/>
+        </a:xfrm>
+      </p:grpSpPr>
+      <p:sp>
+        <p:nvSpPr>
+          <p:cNvPr id="2" name="Header Placeholder 1"/>
+          <p:cNvSpPr>
+            <a:spLocks noGrp="1"/>
+          </p:cNvSpPr>
+          <p:nvPr>
+            <p:ph type="hdr" sz="quarter"/>
+          </p:nvPr>
+        </p:nvSpPr>
+        <p:spPr>
+          <a:xfrm>
+            <a:off x="0" y="0"/>
+            <a:ext cx="2971800" cy="457200"/>
+          </a:xfrm>
+          <a:prstGeom prst="rect">
+            <a:avLst/>
+          </a:prstGeom>
+        </p:spPr>
+        <p:txBody>
+          <a:bodyPr vert="horz" lIns="91440" tIns="45720" rIns="91440" bIns="45720" rtlCol="0"/>
+          <a:lstStyle>
+            <a:lvl1pPr algn="l">
+              <a:defRPr sz="1200"/>
+            </a:lvl1pPr>
+          </a:lstStyle>
+          <a:p>
+            <a:endParaRPr lang="en-US"/>
+          </a:p>
+        </p:txBody>
+      </p:sp>
+      <p:sp>
+        <p:nvSpPr>
+          <p:cNvPr id="3" name="Date Placeholder 2"/>
+          <p:cNvSpPr>
+            <a:spLocks noGrp="1"/>
+          </p:cNvSpPr>
+          <p:nvPr>
+            <p:ph type="dt" sz="quarter" idx="1"/>
+          </p:nvPr>
+        </p:nvSpPr>
+        <p:spPr>
+          <a:xfrm>
+            <a:off x="3884613" y="0"/>
+            <a:ext cx="2971800" cy="457200"/>
+          </a:xfrm>
+          <a:prstGeom prst="rect">
+            <a:avLst/>
+          </a:prstGeom>
+        </p:spPr>
+        <p:txBody>
+          <a:bodyPr vert="horz" lIns="91440" tIns="45720" rIns="91440" bIns="45720" rtlCol="0"/>
+          <a:lstStyle>
+            <a:lvl1pPr algn="r">
+              <a:defRPr sz="1200"/>
+            </a:lvl1pPr>
+          </a:lstStyle>
+          <a:p>
+            <a:fld id="{61AA28D4-F388-CD4D-863E-D2DC4ADDE27D}" type="datetimeFigureOut">
+              <a:rPr lang="en-US" smtClean="0"/>
+              <a:t>10.12.14</a:t>
+            </a:fld>
+            <a:endParaRPr lang="en-US"/>
+          </a:p>
+        </p:txBody>
+      </p:sp>
+      <p:sp>
+        <p:nvSpPr>
+          <p:cNvPr id="4" name="Footer Placeholder 3"/>
+          <p:cNvSpPr>
+            <a:spLocks noGrp="1"/>
+          </p:cNvSpPr>
+          <p:nvPr>
+            <p:ph type="ftr" sz="quarter" idx="2"/>
+          </p:nvPr>
+        </p:nvSpPr>
+        <p:spPr>
+          <a:xfrm>
+            <a:off x="0" y="8685213"/>
+            <a:ext cx="2971800" cy="457200"/>
+          </a:xfrm>
+          <a:prstGeom prst="rect">
+            <a:avLst/>
+          </a:prstGeom>
+        </p:spPr>
+        <p:txBody>
+          <a:bodyPr vert="horz" lIns="91440" tIns="45720" rIns="91440" bIns="45720" rtlCol="0" anchor="b"/>
+          <a:lstStyle>
+            <a:lvl1pPr algn="l">
+              <a:defRPr sz="1200"/>
+            </a:lvl1pPr>
+          </a:lstStyle>
+          <a:p>
+            <a:endParaRPr lang="en-US"/>
+          </a:p>
+        </p:txBody>
+      </p:sp>
+      <p:sp>
+        <p:nvSpPr>
+          <p:cNvPr id="5" name="Slide Number Placeholder 4"/>
+          <p:cNvSpPr>
+            <a:spLocks noGrp="1"/>
+          </p:cNvSpPr>
+          <p:nvPr>
+            <p:ph type="sldNum" sz="quarter" idx="3"/>
+          </p:nvPr>
+        </p:nvSpPr>
+        <p:spPr>
+          <a:xfrm>
+            <a:off x="3884613" y="8685213"/>
+            <a:ext cx="2971800" cy="457200"/>
+          </a:xfrm>
+          <a:prstGeom prst="rect">
+            <a:avLst/>
+          </a:prstGeom>
+        </p:spPr>
+        <p:txBody>
+          <a:bodyPr vert="horz" lIns="91440" tIns="45720" rIns="91440" bIns="45720" rtlCol="0" anchor="b"/>
+          <a:lstStyle>
+            <a:lvl1pPr algn="r">
+              <a:defRPr sz="1200"/>
+            </a:lvl1pPr>
+          </a:lstStyle>
+          <a:p>
+            <a:fld id="{A017F43A-6382-094D-80B3-6F394295CEAB}" type="slidenum">
+              <a:rPr lang="en-US" smtClean="0"/>
+              <a:t>‹#›</a:t>
+            </a:fld>
+            <a:endParaRPr lang="en-US"/>
+          </a:p>
+        </p:txBody>
+      </p:sp>
+    </p:spTree>
+    <p:extLst>
+      <p:ext uri="{BB962C8B-B14F-4D97-AF65-F5344CB8AC3E}">
+        <p14:creationId xmlns:p14="http://schemas.microsoft.com/office/powerpoint/2010/main" val="3097622416"/>
+      </p:ext>
+    </p:extLst>
+  </p:cSld>
+  <p:clrMap bg1="lt1" tx1="dk1" bg2="lt2" tx2="dk2" accent1="accent1" accent2="accent2" accent3="accent3" accent4="accent4" accent5="accent5" accent6="accent6" hlink="hlink" folHlink="folHlink"/>
+  <p:hf hdr="0" ftr="0" dt="0"/>
+</p:handoutMaster>
+</file>
+
+<file path=ppt/notesMasters/notesMaster1.xml><?xml version="1.0" encoding="utf-8"?>
+<p:notesMaster xmlns:a="http://schemas.openxmlformats.org/drawingml/2006/main" xmlns:r="http://schemas.openxmlformats.org/officeDocument/2006/relationships" xmlns:p="http://schemas.openxmlformats.org/presentationml/2006/main">
+  <p:cSld>
+    <p:bg>
+      <p:bgRef idx="1001">
+        <a:schemeClr val="bg1"/>
+      </p:bgRef>
+    </p:bg>
+    <p:spTree>
+      <p:nvGrpSpPr>
+        <p:cNvPr id="1" name=""/>
+        <p:cNvGrpSpPr/>
+        <p:nvPr/>
+      </p:nvGrpSpPr>
+      <p:grpSpPr>
+        <a:xfrm>
+          <a:off x="0" y="0"/>
+          <a:ext cx="0" cy="0"/>
+          <a:chOff x="0" y="0"/>
+          <a:chExt cx="0" cy="0"/>
+        </a:xfrm>
+      </p:grpSpPr>
+      <p:sp>
+        <p:nvSpPr>
+          <p:cNvPr id="2" name="Header Placeholder 1"/>
+          <p:cNvSpPr>
+            <a:spLocks noGrp="1"/>
+          </p:cNvSpPr>
+          <p:nvPr>
+            <p:ph type="hdr" sz="quarter"/>
+          </p:nvPr>
+        </p:nvSpPr>
+        <p:spPr>
+          <a:xfrm>
+            <a:off x="0" y="0"/>
+            <a:ext cx="2971800" cy="457200"/>
+          </a:xfrm>
+          <a:prstGeom prst="rect">
+            <a:avLst/>
+          </a:prstGeom>
+        </p:spPr>
+        <p:txBody>
+          <a:bodyPr vert="horz" lIns="91440" tIns="45720" rIns="91440" bIns="45720" rtlCol="0"/>
+          <a:lstStyle>
+            <a:lvl1pPr algn="l">
+              <a:defRPr sz="1200"/>
+            </a:lvl1pPr>
+          </a:lstStyle>
+          <a:p>
+            <a:endParaRPr lang="en-US"/>
+          </a:p>
+        </p:txBody>
+      </p:sp>
+      <p:sp>
+        <p:nvSpPr>
+          <p:cNvPr id="3" name="Date Placeholder 2"/>
+          <p:cNvSpPr>
+            <a:spLocks noGrp="1"/>
+          </p:cNvSpPr>
+          <p:nvPr>
+            <p:ph type="dt" idx="1"/>
+          </p:nvPr>
+        </p:nvSpPr>
+        <p:spPr>
+          <a:xfrm>
+            <a:off x="3884613" y="0"/>
+            <a:ext cx="2971800" cy="457200"/>
+          </a:xfrm>
+          <a:prstGeom prst="rect">
+            <a:avLst/>
+          </a:prstGeom>
+        </p:spPr>
+        <p:txBody>
+          <a:bodyPr vert="horz" lIns="91440" tIns="45720" rIns="91440" bIns="45720" rtlCol="0"/>
+          <a:lstStyle>
+            <a:lvl1pPr algn="r">
+              <a:defRPr sz="1200"/>
+            </a:lvl1pPr>
+          </a:lstStyle>
+          <a:p>
+            <a:fld id="{18E3DBB1-AED9-AA4B-940F-86C1FBD997C3}" type="datetimeFigureOut">
+              <a:rPr lang="en-US" smtClean="0"/>
+              <a:t>10.12.14</a:t>
+            </a:fld>
+            <a:endParaRPr lang="en-US"/>
+          </a:p>
+        </p:txBody>
+      </p:sp>
+      <p:sp>
+        <p:nvSpPr>
+          <p:cNvPr id="4" name="Slide Image Placeholder 3"/>
+          <p:cNvSpPr>
+            <a:spLocks noGrp="1" noRot="1" noChangeAspect="1"/>
+          </p:cNvSpPr>
+          <p:nvPr>
+            <p:ph type="sldImg" idx="2"/>
+          </p:nvPr>
+        </p:nvSpPr>
+        <p:spPr>
+          <a:xfrm>
+            <a:off x="1143000" y="685800"/>
+            <a:ext cx="4572000" cy="3429000"/>
+          </a:xfrm>
+          <a:prstGeom prst="rect">
+            <a:avLst/>
+          </a:prstGeom>
+          <a:noFill/>
+          <a:ln w="12700">
+            <a:solidFill>
+              <a:prstClr val="black"/>
+            </a:solidFill>
+          </a:ln>
+        </p:spPr>
+        <p:txBody>
+          <a:bodyPr vert="horz" lIns="91440" tIns="45720" rIns="91440" bIns="45720" rtlCol="0" anchor="ctr"/>
+          <a:lstStyle/>
+          <a:p>
+            <a:endParaRPr lang="en-US"/>
+          </a:p>
+        </p:txBody>
+      </p:sp>
+      <p:sp>
+        <p:nvSpPr>
+          <p:cNvPr id="5" name="Notes Placeholder 4"/>
+          <p:cNvSpPr>
+            <a:spLocks noGrp="1"/>
+          </p:cNvSpPr>
+          <p:nvPr>
+            <p:ph type="body" sz="quarter" idx="3"/>
+          </p:nvPr>
+        </p:nvSpPr>
+        <p:spPr>
+          <a:xfrm>
+            <a:off x="685800" y="4343400"/>
+            <a:ext cx="5486400" cy="4114800"/>
+          </a:xfrm>
+          <a:prstGeom prst="rect">
+            <a:avLst/>
+          </a:prstGeom>
+        </p:spPr>
+        <p:txBody>
+          <a:bodyPr vert="horz" lIns="91440" tIns="45720" rIns="91440" bIns="45720" rtlCol="0"/>
+          <a:lstStyle/>
+          <a:p>
+            <a:pPr lvl="0"/>
+            <a:r>
+              <a:rPr lang="de-CH" smtClean="0"/>
+              <a:t>Click to edit Master text styles</a:t>
+            </a:r>
+          </a:p>
+          <a:p>
+            <a:pPr lvl="1"/>
+            <a:r>
+              <a:rPr lang="de-CH" smtClean="0"/>
+              <a:t>Second level</a:t>
+            </a:r>
+          </a:p>
+          <a:p>
+            <a:pPr lvl="2"/>
+            <a:r>
+              <a:rPr lang="de-CH" smtClean="0"/>
+              <a:t>Third level</a:t>
+            </a:r>
+          </a:p>
+          <a:p>
+            <a:pPr lvl="3"/>
+            <a:r>
+              <a:rPr lang="de-CH" smtClean="0"/>
+              <a:t>Fourth level</a:t>
+            </a:r>
+          </a:p>
+          <a:p>
+            <a:pPr lvl="4"/>
+            <a:r>
+              <a:rPr lang="de-CH" smtClean="0"/>
+              <a:t>Fifth level</a:t>
+            </a:r>
+            <a:endParaRPr lang="en-US"/>
+          </a:p>
+        </p:txBody>
+      </p:sp>
+      <p:sp>
+        <p:nvSpPr>
+          <p:cNvPr id="6" name="Footer Placeholder 5"/>
+          <p:cNvSpPr>
+            <a:spLocks noGrp="1"/>
+          </p:cNvSpPr>
+          <p:nvPr>
+            <p:ph type="ftr" sz="quarter" idx="4"/>
+          </p:nvPr>
+        </p:nvSpPr>
+        <p:spPr>
+          <a:xfrm>
+            <a:off x="0" y="8685213"/>
+            <a:ext cx="2971800" cy="457200"/>
+          </a:xfrm>
+          <a:prstGeom prst="rect">
+            <a:avLst/>
+          </a:prstGeom>
+        </p:spPr>
+        <p:txBody>
+          <a:bodyPr vert="horz" lIns="91440" tIns="45720" rIns="91440" bIns="45720" rtlCol="0" anchor="b"/>
+          <a:lstStyle>
+            <a:lvl1pPr algn="l">
+              <a:defRPr sz="1200"/>
+            </a:lvl1pPr>
+          </a:lstStyle>
+          <a:p>
+            <a:endParaRPr lang="en-US"/>
+          </a:p>
+        </p:txBody>
+      </p:sp>
+      <p:sp>
+        <p:nvSpPr>
+          <p:cNvPr id="7" name="Slide Number Placeholder 6"/>
+          <p:cNvSpPr>
+            <a:spLocks noGrp="1"/>
+          </p:cNvSpPr>
+          <p:nvPr>
+            <p:ph type="sldNum" sz="quarter" idx="5"/>
+          </p:nvPr>
+        </p:nvSpPr>
+        <p:spPr>
+          <a:xfrm>
+            <a:off x="3884613" y="8685213"/>
+            <a:ext cx="2971800" cy="457200"/>
+          </a:xfrm>
+          <a:prstGeom prst="rect">
+            <a:avLst/>
+          </a:prstGeom>
+        </p:spPr>
+        <p:txBody>
+          <a:bodyPr vert="horz" lIns="91440" tIns="45720" rIns="91440" bIns="45720" rtlCol="0" anchor="b"/>
+          <a:lstStyle>
+            <a:lvl1pPr algn="r">
+              <a:defRPr sz="1200"/>
+            </a:lvl1pPr>
+          </a:lstStyle>
+          <a:p>
+            <a:fld id="{7A5E1329-8783-B347-BB71-6F100FAD1B34}" type="slidenum">
+              <a:rPr lang="en-US" smtClean="0"/>
+              <a:t>‹#›</a:t>
+            </a:fld>
+            <a:endParaRPr lang="en-US"/>
+          </a:p>
+        </p:txBody>
+      </p:sp>
+    </p:spTree>
+    <p:extLst>
+      <p:ext uri="{BB962C8B-B14F-4D97-AF65-F5344CB8AC3E}">
+        <p14:creationId xmlns:p14="http://schemas.microsoft.com/office/powerpoint/2010/main" val="2989022872"/>
+      </p:ext>
+    </p:extLst>
+  </p:cSld>
+  <p:clrMap bg1="lt1" tx1="dk1" bg2="lt2" tx2="dk2" accent1="accent1" accent2="accent2" accent3="accent3" accent4="accent4" accent5="accent5" accent6="accent6" hlink="hlink" folHlink="folHlink"/>
+  <p:hf hdr="0" ftr="0" dt="0"/>
+  <p:notesStyle>
+    <a:lvl1pPr marL="0" algn="l" defTabSz="457200" rtl="0" eaLnBrk="1" latinLnBrk="0" hangingPunct="1">
+      <a:defRPr sz="1200" kern="1200">
+        <a:solidFill>
+          <a:schemeClr val="tx1"/>
+        </a:solidFill>
+        <a:latin typeface="+mn-lt"/>
+        <a:ea typeface="+mn-ea"/>
+        <a:cs typeface="+mn-cs"/>
+      </a:defRPr>
+    </a:lvl1pPr>
+    <a:lvl2pPr marL="457200" algn="l" defTabSz="457200" rtl="0" eaLnBrk="1" latinLnBrk="0" hangingPunct="1">
+      <a:defRPr sz="1200" kern="1200">
+        <a:solidFill>
+          <a:schemeClr val="tx1"/>
+        </a:solidFill>
+        <a:latin typeface="+mn-lt"/>
+        <a:ea typeface="+mn-ea"/>
+        <a:cs typeface="+mn-cs"/>
+      </a:defRPr>
+    </a:lvl2pPr>
+    <a:lvl3pPr marL="914400" algn="l" defTabSz="457200" rtl="0" eaLnBrk="1" latinLnBrk="0" hangingPunct="1">
+      <a:defRPr sz="1200" kern="1200">
+        <a:solidFill>
+          <a:schemeClr val="tx1"/>
+        </a:solidFill>
+        <a:latin typeface="+mn-lt"/>
+        <a:ea typeface="+mn-ea"/>
+        <a:cs typeface="+mn-cs"/>
+      </a:defRPr>
+    </a:lvl3pPr>
+    <a:lvl4pPr marL="1371600" algn="l" defTabSz="457200" rtl="0" eaLnBrk="1" latinLnBrk="0" hangingPunct="1">
+      <a:defRPr sz="1200" kern="1200">
+        <a:solidFill>
+          <a:schemeClr val="tx1"/>
+        </a:solidFill>
+        <a:latin typeface="+mn-lt"/>
+        <a:ea typeface="+mn-ea"/>
+        <a:cs typeface="+mn-cs"/>
+      </a:defRPr>
+    </a:lvl4pPr>
+    <a:lvl5pPr marL="1828800" algn="l" defTabSz="457200" rtl="0" eaLnBrk="1" latinLnBrk="0" hangingPunct="1">
+      <a:defRPr sz="1200" kern="1200">
+        <a:solidFill>
+          <a:schemeClr val="tx1"/>
+        </a:solidFill>
+        <a:latin typeface="+mn-lt"/>
+        <a:ea typeface="+mn-ea"/>
+        <a:cs typeface="+mn-cs"/>
+      </a:defRPr>
+    </a:lvl5pPr>
+    <a:lvl6pPr marL="2286000" algn="l" defTabSz="457200" rtl="0" eaLnBrk="1" latinLnBrk="0" hangingPunct="1">
+      <a:defRPr sz="1200" kern="1200">
+        <a:solidFill>
+          <a:schemeClr val="tx1"/>
+        </a:solidFill>
+        <a:latin typeface="+mn-lt"/>
+        <a:ea typeface="+mn-ea"/>
+        <a:cs typeface="+mn-cs"/>
+      </a:defRPr>
+    </a:lvl6pPr>
+    <a:lvl7pPr marL="2743200" algn="l" defTabSz="457200" rtl="0" eaLnBrk="1" latinLnBrk="0" hangingPunct="1">
+      <a:defRPr sz="1200" kern="1200">
+        <a:solidFill>
+          <a:schemeClr val="tx1"/>
+        </a:solidFill>
+        <a:latin typeface="+mn-lt"/>
+        <a:ea typeface="+mn-ea"/>
+        <a:cs typeface="+mn-cs"/>
+      </a:defRPr>
+    </a:lvl7pPr>
+    <a:lvl8pPr marL="3200400" algn="l" defTabSz="457200" rtl="0" eaLnBrk="1" latinLnBrk="0" hangingPunct="1">
+      <a:defRPr sz="1200" kern="1200">
+        <a:solidFill>
+          <a:schemeClr val="tx1"/>
+        </a:solidFill>
+        <a:latin typeface="+mn-lt"/>
+        <a:ea typeface="+mn-ea"/>
+        <a:cs typeface="+mn-cs"/>
+      </a:defRPr>
+    </a:lvl8pPr>
+    <a:lvl9pPr marL="3657600" algn="l" defTabSz="457200" rtl="0" eaLnBrk="1" latinLnBrk="0" hangingPunct="1">
+      <a:defRPr sz="1200" kern="1200">
+        <a:solidFill>
+          <a:schemeClr val="tx1"/>
+        </a:solidFill>
+        <a:latin typeface="+mn-lt"/>
+        <a:ea typeface="+mn-ea"/>
+        <a:cs typeface="+mn-cs"/>
+      </a:defRPr>
+    </a:lvl9pPr>
+  </p:notesStyle>
+</p:notesMaster>
+</file>
+
 <file path=ppt/slideLayouts/slideLayout1.xml><?xml version="1.0" encoding="utf-8"?>
 <p:sldLayout xmlns:a="http://schemas.openxmlformats.org/drawingml/2006/main" xmlns:r="http://schemas.openxmlformats.org/officeDocument/2006/relationships" xmlns:p="http://schemas.openxmlformats.org/presentationml/2006/main" type="title" preserve="1">
   <p:cSld name="Title Slide">
@@ -136,28 +678,19 @@
         </p:nvSpPr>
         <p:spPr>
           <a:xfrm>
-            <a:off x="685800" y="609601"/>
-            <a:ext cx="7772400" cy="4267200"/>
+            <a:off x="685800" y="2130425"/>
+            <a:ext cx="7772400" cy="1470025"/>
           </a:xfrm>
         </p:spPr>
         <p:txBody>
-          <a:bodyPr anchor="b">
-            <a:noAutofit/>
-          </a:bodyPr>
-          <a:lstStyle>
-            <a:lvl1pPr>
-              <a:lnSpc>
-                <a:spcPct val="100000"/>
-              </a:lnSpc>
-              <a:defRPr sz="8000"/>
-            </a:lvl1pPr>
-          </a:lstStyle>
+          <a:bodyPr/>
+          <a:lstStyle/>
           <a:p>
             <a:r>
               <a:rPr lang="de-CH" smtClean="0"/>
               <a:t>Click to edit Master title style</a:t>
             </a:r>
-            <a:endParaRPr lang="en-US" dirty="0"/>
+            <a:endParaRPr lang="en-US"/>
           </a:p>
         </p:txBody>
       </p:sp>
@@ -173,18 +706,16 @@
         </p:nvSpPr>
         <p:spPr>
           <a:xfrm>
-            <a:off x="1371600" y="4953000"/>
-            <a:ext cx="6400800" cy="1219200"/>
+            <a:off x="1371600" y="3886200"/>
+            <a:ext cx="6400800" cy="1752600"/>
           </a:xfrm>
         </p:spPr>
         <p:txBody>
-          <a:bodyPr>
-            <a:normAutofit/>
-          </a:bodyPr>
+          <a:bodyPr/>
           <a:lstStyle>
             <a:lvl1pPr marL="0" indent="0" algn="ctr">
               <a:buNone/>
-              <a:defRPr sz="2400">
+              <a:defRPr>
                 <a:solidFill>
                   <a:schemeClr val="tx1">
                     <a:tint val="75000"/>
@@ -278,13 +809,13 @@
               <a:rPr lang="de-CH" smtClean="0"/>
               <a:t>Click to edit Master subtitle style</a:t>
             </a:r>
-            <a:endParaRPr lang="en-US" dirty="0"/>
-          </a:p>
-        </p:txBody>
-      </p:sp>
-      <p:sp>
-        <p:nvSpPr>
-          <p:cNvPr id="7" name="Date Placeholder 6"/>
+            <a:endParaRPr lang="en-US"/>
+          </a:p>
+        </p:txBody>
+      </p:sp>
+      <p:sp>
+        <p:nvSpPr>
+          <p:cNvPr id="4" name="Date Placeholder 3"/>
           <p:cNvSpPr>
             <a:spLocks noGrp="1"/>
           </p:cNvSpPr>
@@ -297,9 +828,9 @@
           <a:bodyPr/>
           <a:lstStyle/>
           <a:p>
-            <a:fld id="{216C5678-EE20-4FA5-88E2-6E0BD67A2E26}" type="datetime1">
-              <a:rPr lang="en-US" smtClean="0"/>
-              <a:t>18.11.14</a:t>
+            <a:fld id="{0F437512-6A85-4845-8272-E57429F1E23A}" type="datetime1">
+              <a:rPr lang="de-CH" smtClean="0"/>
+              <a:t>10.12.14</a:t>
             </a:fld>
             <a:endParaRPr lang="en-US" dirty="0"/>
           </a:p>
@@ -307,12 +838,35 @@
       </p:sp>
       <p:sp>
         <p:nvSpPr>
-          <p:cNvPr id="8" name="Slide Number Placeholder 7"/>
-          <p:cNvSpPr>
-            <a:spLocks noGrp="1"/>
-          </p:cNvSpPr>
-          <p:nvPr>
-            <p:ph type="sldNum" sz="quarter" idx="11"/>
+          <p:cNvPr id="5" name="Footer Placeholder 4"/>
+          <p:cNvSpPr>
+            <a:spLocks noGrp="1"/>
+          </p:cNvSpPr>
+          <p:nvPr>
+            <p:ph type="ftr" sz="quarter" idx="11"/>
+          </p:nvPr>
+        </p:nvSpPr>
+        <p:spPr/>
+        <p:txBody>
+          <a:bodyPr/>
+          <a:lstStyle/>
+          <a:p>
+            <a:r>
+              <a:rPr lang="en-US" smtClean="0"/>
+              <a:t>MSc. Concept Presentation David Schenkel</a:t>
+            </a:r>
+            <a:endParaRPr lang="en-US" dirty="0"/>
+          </a:p>
+        </p:txBody>
+      </p:sp>
+      <p:sp>
+        <p:nvSpPr>
+          <p:cNvPr id="6" name="Slide Number Placeholder 5"/>
+          <p:cNvSpPr>
+            <a:spLocks noGrp="1"/>
+          </p:cNvSpPr>
+          <p:nvPr>
+            <p:ph type="sldNum" sz="quarter" idx="12"/>
           </p:nvPr>
         </p:nvSpPr>
         <p:spPr/>
@@ -329,30 +883,12 @@
           </a:p>
         </p:txBody>
       </p:sp>
-      <p:sp>
-        <p:nvSpPr>
-          <p:cNvPr id="9" name="Footer Placeholder 8"/>
-          <p:cNvSpPr>
-            <a:spLocks noGrp="1"/>
-          </p:cNvSpPr>
-          <p:nvPr>
-            <p:ph type="ftr" sz="quarter" idx="12"/>
-          </p:nvPr>
-        </p:nvSpPr>
-        <p:spPr/>
-        <p:txBody>
-          <a:bodyPr/>
-          <a:lstStyle/>
-          <a:p>
-            <a:r>
-              <a:rPr lang="en-US" smtClean="0"/>
-              <a:t>Footer Text</a:t>
-            </a:r>
-            <a:endParaRPr lang="en-US" dirty="0"/>
-          </a:p>
-        </p:txBody>
-      </p:sp>
     </p:spTree>
+    <p:extLst>
+      <p:ext uri="{BB962C8B-B14F-4D97-AF65-F5344CB8AC3E}">
+        <p14:creationId xmlns:p14="http://schemas.microsoft.com/office/powerpoint/2010/main" val="3230410902"/>
+      </p:ext>
+    </p:extLst>
   </p:cSld>
   <p:clrMapOvr>
     <a:masterClrMapping/>
@@ -396,7 +932,7 @@
               <a:rPr lang="de-CH" smtClean="0"/>
               <a:t>Click to edit Master title style</a:t>
             </a:r>
-            <a:endParaRPr lang="en-US" dirty="0"/>
+            <a:endParaRPr lang="en-US"/>
           </a:p>
         </p:txBody>
       </p:sp>
@@ -467,32 +1003,32 @@
           <a:bodyPr/>
           <a:lstStyle/>
           <a:p>
-            <a:fld id="{EA051B39-B140-43FE-96DB-472A2B59CE7C}" type="datetime1">
+            <a:fld id="{89BAAA09-27EA-FB49-BA55-97081CD4DB14}" type="datetime1">
+              <a:rPr lang="de-CH" smtClean="0"/>
+              <a:t>10.12.14</a:t>
+            </a:fld>
+            <a:endParaRPr lang="en-US"/>
+          </a:p>
+        </p:txBody>
+      </p:sp>
+      <p:sp>
+        <p:nvSpPr>
+          <p:cNvPr id="5" name="Footer Placeholder 4"/>
+          <p:cNvSpPr>
+            <a:spLocks noGrp="1"/>
+          </p:cNvSpPr>
+          <p:nvPr>
+            <p:ph type="ftr" sz="quarter" idx="11"/>
+          </p:nvPr>
+        </p:nvSpPr>
+        <p:spPr/>
+        <p:txBody>
+          <a:bodyPr/>
+          <a:lstStyle/>
+          <a:p>
+            <a:r>
               <a:rPr lang="en-US" smtClean="0"/>
-              <a:t>18.11.14</a:t>
-            </a:fld>
-            <a:endParaRPr lang="en-US"/>
-          </a:p>
-        </p:txBody>
-      </p:sp>
-      <p:sp>
-        <p:nvSpPr>
-          <p:cNvPr id="5" name="Footer Placeholder 4"/>
-          <p:cNvSpPr>
-            <a:spLocks noGrp="1"/>
-          </p:cNvSpPr>
-          <p:nvPr>
-            <p:ph type="ftr" sz="quarter" idx="11"/>
-          </p:nvPr>
-        </p:nvSpPr>
-        <p:spPr/>
-        <p:txBody>
-          <a:bodyPr/>
-          <a:lstStyle/>
-          <a:p>
-            <a:r>
-              <a:rPr lang="en-US" smtClean="0"/>
-              <a:t>Footer Text</a:t>
+              <a:t>MSc. Concept Presentation David Schenkel</a:t>
             </a:r>
             <a:endParaRPr lang="en-US"/>
           </a:p>
@@ -523,6 +1059,11 @@
         </p:txBody>
       </p:sp>
     </p:spTree>
+    <p:extLst>
+      <p:ext uri="{BB962C8B-B14F-4D97-AF65-F5344CB8AC3E}">
+        <p14:creationId xmlns:p14="http://schemas.microsoft.com/office/powerpoint/2010/main" val="1410999787"/>
+      </p:ext>
+    </p:extLst>
   </p:cSld>
   <p:clrMapOvr>
     <a:masterClrMapping/>
@@ -571,7 +1112,7 @@
               <a:rPr lang="de-CH" smtClean="0"/>
               <a:t>Click to edit Master title style</a:t>
             </a:r>
-            <a:endParaRPr lang="en-US" dirty="0"/>
+            <a:endParaRPr lang="en-US"/>
           </a:p>
         </p:txBody>
       </p:sp>
@@ -647,32 +1188,32 @@
           <a:bodyPr/>
           <a:lstStyle/>
           <a:p>
-            <a:fld id="{DA600BB2-27C5-458B-ABCE-839C88CF47CE}" type="datetime1">
+            <a:fld id="{8ABB462F-4B89-5643-B824-C27F9E0F03DC}" type="datetime1">
+              <a:rPr lang="de-CH" smtClean="0"/>
+              <a:t>10.12.14</a:t>
+            </a:fld>
+            <a:endParaRPr lang="en-US"/>
+          </a:p>
+        </p:txBody>
+      </p:sp>
+      <p:sp>
+        <p:nvSpPr>
+          <p:cNvPr id="5" name="Footer Placeholder 4"/>
+          <p:cNvSpPr>
+            <a:spLocks noGrp="1"/>
+          </p:cNvSpPr>
+          <p:nvPr>
+            <p:ph type="ftr" sz="quarter" idx="11"/>
+          </p:nvPr>
+        </p:nvSpPr>
+        <p:spPr/>
+        <p:txBody>
+          <a:bodyPr/>
+          <a:lstStyle/>
+          <a:p>
+            <a:r>
               <a:rPr lang="en-US" smtClean="0"/>
-              <a:t>18.11.14</a:t>
-            </a:fld>
-            <a:endParaRPr lang="en-US"/>
-          </a:p>
-        </p:txBody>
-      </p:sp>
-      <p:sp>
-        <p:nvSpPr>
-          <p:cNvPr id="5" name="Footer Placeholder 4"/>
-          <p:cNvSpPr>
-            <a:spLocks noGrp="1"/>
-          </p:cNvSpPr>
-          <p:nvPr>
-            <p:ph type="ftr" sz="quarter" idx="11"/>
-          </p:nvPr>
-        </p:nvSpPr>
-        <p:spPr/>
-        <p:txBody>
-          <a:bodyPr/>
-          <a:lstStyle/>
-          <a:p>
-            <a:r>
-              <a:rPr lang="en-US" smtClean="0"/>
-              <a:t>Footer Text</a:t>
+              <a:t>MSc. Concept Presentation David Schenkel</a:t>
             </a:r>
             <a:endParaRPr lang="en-US"/>
           </a:p>
@@ -703,6 +1244,11 @@
         </p:txBody>
       </p:sp>
     </p:spTree>
+    <p:extLst>
+      <p:ext uri="{BB962C8B-B14F-4D97-AF65-F5344CB8AC3E}">
+        <p14:creationId xmlns:p14="http://schemas.microsoft.com/office/powerpoint/2010/main" val="2179916630"/>
+      </p:ext>
+    </p:extLst>
   </p:cSld>
   <p:clrMapOvr>
     <a:masterClrMapping/>
@@ -746,7 +1292,7 @@
               <a:rPr lang="de-CH" smtClean="0"/>
               <a:t>Click to edit Master title style</a:t>
             </a:r>
-            <a:endParaRPr lang="en-US" dirty="0"/>
+            <a:endParaRPr lang="en-US"/>
           </a:p>
         </p:txBody>
       </p:sp>
@@ -763,25 +1309,7 @@
         <p:spPr/>
         <p:txBody>
           <a:bodyPr/>
-          <a:lstStyle>
-            <a:lvl5pPr>
-              <a:defRPr/>
-            </a:lvl5pPr>
-            <a:lvl6pPr>
-              <a:defRPr/>
-            </a:lvl6pPr>
-            <a:lvl7pPr>
-              <a:defRPr/>
-            </a:lvl7pPr>
-            <a:lvl8pPr>
-              <a:defRPr/>
-            </a:lvl8pPr>
-            <a:lvl9pPr>
-              <a:buFont typeface="Arial" pitchFamily="34" charset="0"/>
-              <a:buChar char="•"/>
-              <a:defRPr/>
-            </a:lvl9pPr>
-          </a:lstStyle>
+          <a:lstStyle/>
           <a:p>
             <a:pPr lvl="0"/>
             <a:r>
@@ -816,7 +1344,7 @@
               <a:rPr lang="de-CH" smtClean="0"/>
               <a:t>Fifth level</a:t>
             </a:r>
-            <a:endParaRPr lang="en-US" dirty="0" smtClean="0"/>
+            <a:endParaRPr lang="en-US"/>
           </a:p>
         </p:txBody>
       </p:sp>
@@ -835,32 +1363,32 @@
           <a:bodyPr/>
           <a:lstStyle/>
           <a:p>
-            <a:fld id="{B11D738E-8962-435F-8C43-147B8DD7E819}" type="datetime1">
+            <a:fld id="{715510DB-BC7D-744B-9435-A40E4B1419F0}" type="datetime1">
+              <a:rPr lang="de-CH" smtClean="0"/>
+              <a:t>10.12.14</a:t>
+            </a:fld>
+            <a:endParaRPr lang="en-US"/>
+          </a:p>
+        </p:txBody>
+      </p:sp>
+      <p:sp>
+        <p:nvSpPr>
+          <p:cNvPr id="5" name="Footer Placeholder 4"/>
+          <p:cNvSpPr>
+            <a:spLocks noGrp="1"/>
+          </p:cNvSpPr>
+          <p:nvPr>
+            <p:ph type="ftr" sz="quarter" idx="11"/>
+          </p:nvPr>
+        </p:nvSpPr>
+        <p:spPr/>
+        <p:txBody>
+          <a:bodyPr/>
+          <a:lstStyle/>
+          <a:p>
+            <a:r>
               <a:rPr lang="en-US" smtClean="0"/>
-              <a:t>18.11.14</a:t>
-            </a:fld>
-            <a:endParaRPr lang="en-US"/>
-          </a:p>
-        </p:txBody>
-      </p:sp>
-      <p:sp>
-        <p:nvSpPr>
-          <p:cNvPr id="5" name="Footer Placeholder 4"/>
-          <p:cNvSpPr>
-            <a:spLocks noGrp="1"/>
-          </p:cNvSpPr>
-          <p:nvPr>
-            <p:ph type="ftr" sz="quarter" idx="11"/>
-          </p:nvPr>
-        </p:nvSpPr>
-        <p:spPr/>
-        <p:txBody>
-          <a:bodyPr/>
-          <a:lstStyle/>
-          <a:p>
-            <a:r>
-              <a:rPr lang="en-US" smtClean="0"/>
-              <a:t>Footer Text</a:t>
+              <a:t>MSc. Concept Presentation David Schenkel</a:t>
             </a:r>
             <a:endParaRPr lang="en-US"/>
           </a:p>
@@ -891,6 +1419,11 @@
         </p:txBody>
       </p:sp>
     </p:spTree>
+    <p:extLst>
+      <p:ext uri="{BB962C8B-B14F-4D97-AF65-F5344CB8AC3E}">
+        <p14:creationId xmlns:p14="http://schemas.microsoft.com/office/powerpoint/2010/main" val="3348402611"/>
+      </p:ext>
+    </p:extLst>
   </p:cSld>
   <p:clrMapOvr>
     <a:masterClrMapping/>
@@ -927,67 +1460,46 @@
         </p:nvSpPr>
         <p:spPr>
           <a:xfrm>
-            <a:off x="722313" y="1371600"/>
-            <a:ext cx="7772400" cy="2505075"/>
+            <a:off x="722313" y="4406900"/>
+            <a:ext cx="7772400" cy="1362075"/>
           </a:xfrm>
         </p:spPr>
         <p:txBody>
+          <a:bodyPr anchor="t"/>
+          <a:lstStyle>
+            <a:lvl1pPr algn="l">
+              <a:defRPr sz="4000" b="1" cap="all"/>
+            </a:lvl1pPr>
+          </a:lstStyle>
+          <a:p>
+            <a:r>
+              <a:rPr lang="de-CH" smtClean="0"/>
+              <a:t>Click to edit Master title style</a:t>
+            </a:r>
+            <a:endParaRPr lang="en-US"/>
+          </a:p>
+        </p:txBody>
+      </p:sp>
+      <p:sp>
+        <p:nvSpPr>
+          <p:cNvPr id="3" name="Text Placeholder 2"/>
+          <p:cNvSpPr>
+            <a:spLocks noGrp="1"/>
+          </p:cNvSpPr>
+          <p:nvPr>
+            <p:ph type="body" idx="1"/>
+          </p:nvPr>
+        </p:nvSpPr>
+        <p:spPr>
+          <a:xfrm>
+            <a:off x="722313" y="2906713"/>
+            <a:ext cx="7772400" cy="1500187"/>
+          </a:xfrm>
+        </p:spPr>
+        <p:txBody>
           <a:bodyPr anchor="b"/>
           <a:lstStyle>
-            <a:lvl1pPr algn="ctr" defTabSz="914400" rtl="0" eaLnBrk="1" latinLnBrk="0" hangingPunct="1">
-              <a:lnSpc>
-                <a:spcPct val="100000"/>
-              </a:lnSpc>
-              <a:spcBef>
-                <a:spcPct val="0"/>
-              </a:spcBef>
-              <a:buNone/>
-              <a:defRPr lang="en-US" sz="4800" kern="1200" dirty="0" smtClean="0">
-                <a:solidFill>
-                  <a:schemeClr val="tx2"/>
-                </a:solidFill>
-                <a:effectLst>
-                  <a:outerShdw blurRad="63500" dist="38100" dir="5400000" algn="t" rotWithShape="0">
-                    <a:prstClr val="black">
-                      <a:alpha val="25000"/>
-                    </a:prstClr>
-                  </a:outerShdw>
-                </a:effectLst>
-                <a:latin typeface="+mn-lt"/>
-                <a:ea typeface="+mj-ea"/>
-                <a:cs typeface="+mj-cs"/>
-              </a:defRPr>
-            </a:lvl1pPr>
-          </a:lstStyle>
-          <a:p>
-            <a:r>
-              <a:rPr lang="de-CH" smtClean="0"/>
-              <a:t>Click to edit Master title style</a:t>
-            </a:r>
-            <a:endParaRPr lang="en-US" dirty="0"/>
-          </a:p>
-        </p:txBody>
-      </p:sp>
-      <p:sp>
-        <p:nvSpPr>
-          <p:cNvPr id="3" name="Text Placeholder 2"/>
-          <p:cNvSpPr>
-            <a:spLocks noGrp="1"/>
-          </p:cNvSpPr>
-          <p:nvPr>
-            <p:ph type="body" idx="1"/>
-          </p:nvPr>
-        </p:nvSpPr>
-        <p:spPr>
-          <a:xfrm>
-            <a:off x="722313" y="4068763"/>
-            <a:ext cx="7772400" cy="1131887"/>
-          </a:xfrm>
-        </p:spPr>
-        <p:txBody>
-          <a:bodyPr anchor="t"/>
-          <a:lstStyle>
-            <a:lvl1pPr marL="0" indent="0" algn="ctr">
+            <a:lvl1pPr marL="0" indent="0">
               <a:buNone/>
               <a:defRPr sz="2000">
                 <a:solidFill>
@@ -1102,32 +1614,32 @@
           <a:bodyPr/>
           <a:lstStyle/>
           <a:p>
-            <a:fld id="{09CAEA93-55E7-4DA9-90C2-089A26EEFEC4}" type="datetime1">
+            <a:fld id="{B61E0C69-2429-DE4B-835E-8D58A2A4C43E}" type="datetime1">
+              <a:rPr lang="de-CH" smtClean="0"/>
+              <a:t>10.12.14</a:t>
+            </a:fld>
+            <a:endParaRPr lang="en-US"/>
+          </a:p>
+        </p:txBody>
+      </p:sp>
+      <p:sp>
+        <p:nvSpPr>
+          <p:cNvPr id="5" name="Footer Placeholder 4"/>
+          <p:cNvSpPr>
+            <a:spLocks noGrp="1"/>
+          </p:cNvSpPr>
+          <p:nvPr>
+            <p:ph type="ftr" sz="quarter" idx="11"/>
+          </p:nvPr>
+        </p:nvSpPr>
+        <p:spPr/>
+        <p:txBody>
+          <a:bodyPr/>
+          <a:lstStyle/>
+          <a:p>
+            <a:r>
               <a:rPr lang="en-US" smtClean="0"/>
-              <a:t>18.11.14</a:t>
-            </a:fld>
-            <a:endParaRPr lang="en-US"/>
-          </a:p>
-        </p:txBody>
-      </p:sp>
-      <p:sp>
-        <p:nvSpPr>
-          <p:cNvPr id="5" name="Footer Placeholder 4"/>
-          <p:cNvSpPr>
-            <a:spLocks noGrp="1"/>
-          </p:cNvSpPr>
-          <p:nvPr>
-            <p:ph type="ftr" sz="quarter" idx="11"/>
-          </p:nvPr>
-        </p:nvSpPr>
-        <p:spPr/>
-        <p:txBody>
-          <a:bodyPr/>
-          <a:lstStyle/>
-          <a:p>
-            <a:r>
-              <a:rPr lang="en-US" smtClean="0"/>
-              <a:t>Footer Text</a:t>
+              <a:t>MSc. Concept Presentation David Schenkel</a:t>
             </a:r>
             <a:endParaRPr lang="en-US"/>
           </a:p>
@@ -1157,157 +1669,12 @@
           </a:p>
         </p:txBody>
       </p:sp>
-      <p:sp>
-        <p:nvSpPr>
-          <p:cNvPr id="7" name="Oval 6"/>
-          <p:cNvSpPr/>
-          <p:nvPr/>
-        </p:nvSpPr>
-        <p:spPr>
-          <a:xfrm>
-            <a:off x="4495800" y="3924300"/>
-            <a:ext cx="84772" cy="84772"/>
-          </a:xfrm>
-          <a:prstGeom prst="ellipse">
-            <a:avLst/>
-          </a:prstGeom>
-          <a:solidFill>
-            <a:schemeClr val="tx1">
-              <a:lumMod val="50000"/>
-              <a:lumOff val="50000"/>
-            </a:schemeClr>
-          </a:solidFill>
-          <a:ln w="12700">
-            <a:noFill/>
-          </a:ln>
-          <a:effectLst/>
-        </p:spPr>
-        <p:style>
-          <a:lnRef idx="2">
-            <a:schemeClr val="accent1">
-              <a:shade val="50000"/>
-            </a:schemeClr>
-          </a:lnRef>
-          <a:fillRef idx="1">
-            <a:schemeClr val="accent1"/>
-          </a:fillRef>
-          <a:effectRef idx="0">
-            <a:schemeClr val="accent1"/>
-          </a:effectRef>
-          <a:fontRef idx="minor">
-            <a:schemeClr val="lt1"/>
-          </a:fontRef>
-        </p:style>
-        <p:txBody>
-          <a:bodyPr rtlCol="0" anchor="ctr"/>
-          <a:lstStyle/>
-          <a:p>
-            <a:pPr algn="ctr"/>
-            <a:endParaRPr lang="en-US"/>
-          </a:p>
-        </p:txBody>
-      </p:sp>
-      <p:sp>
-        <p:nvSpPr>
-          <p:cNvPr id="8" name="Oval 7"/>
-          <p:cNvSpPr/>
-          <p:nvPr/>
-        </p:nvSpPr>
-        <p:spPr>
-          <a:xfrm>
-            <a:off x="4695825" y="3924300"/>
-            <a:ext cx="84772" cy="84772"/>
-          </a:xfrm>
-          <a:prstGeom prst="ellipse">
-            <a:avLst/>
-          </a:prstGeom>
-          <a:solidFill>
-            <a:schemeClr val="tx1">
-              <a:lumMod val="50000"/>
-              <a:lumOff val="50000"/>
-            </a:schemeClr>
-          </a:solidFill>
-          <a:ln w="12700">
-            <a:noFill/>
-          </a:ln>
-          <a:effectLst/>
-        </p:spPr>
-        <p:style>
-          <a:lnRef idx="2">
-            <a:schemeClr val="accent1">
-              <a:shade val="50000"/>
-            </a:schemeClr>
-          </a:lnRef>
-          <a:fillRef idx="1">
-            <a:schemeClr val="accent1"/>
-          </a:fillRef>
-          <a:effectRef idx="0">
-            <a:schemeClr val="accent1"/>
-          </a:effectRef>
-          <a:fontRef idx="minor">
-            <a:schemeClr val="lt1"/>
-          </a:fontRef>
-        </p:style>
-        <p:txBody>
-          <a:bodyPr rtlCol="0" anchor="ctr"/>
-          <a:lstStyle/>
-          <a:p>
-            <a:pPr algn="ctr"/>
-            <a:endParaRPr lang="en-US"/>
-          </a:p>
-        </p:txBody>
-      </p:sp>
-      <p:sp>
-        <p:nvSpPr>
-          <p:cNvPr id="9" name="Oval 8"/>
-          <p:cNvSpPr/>
-          <p:nvPr/>
-        </p:nvSpPr>
-        <p:spPr>
-          <a:xfrm>
-            <a:off x="4296728" y="3924300"/>
-            <a:ext cx="84772" cy="84772"/>
-          </a:xfrm>
-          <a:prstGeom prst="ellipse">
-            <a:avLst/>
-          </a:prstGeom>
-          <a:solidFill>
-            <a:schemeClr val="tx1">
-              <a:lumMod val="50000"/>
-              <a:lumOff val="50000"/>
-            </a:schemeClr>
-          </a:solidFill>
-          <a:ln w="12700">
-            <a:noFill/>
-          </a:ln>
-          <a:effectLst/>
-        </p:spPr>
-        <p:style>
-          <a:lnRef idx="2">
-            <a:schemeClr val="accent1">
-              <a:shade val="50000"/>
-            </a:schemeClr>
-          </a:lnRef>
-          <a:fillRef idx="1">
-            <a:schemeClr val="accent1"/>
-          </a:fillRef>
-          <a:effectRef idx="0">
-            <a:schemeClr val="accent1"/>
-          </a:effectRef>
-          <a:fontRef idx="minor">
-            <a:schemeClr val="lt1"/>
-          </a:fontRef>
-        </p:style>
-        <p:txBody>
-          <a:bodyPr rtlCol="0" anchor="ctr"/>
-          <a:lstStyle/>
-          <a:p>
-            <a:pPr algn="ctr"/>
-            <a:endParaRPr lang="en-US"/>
-          </a:p>
-        </p:txBody>
-      </p:sp>
     </p:spTree>
+    <p:extLst>
+      <p:ext uri="{BB962C8B-B14F-4D97-AF65-F5344CB8AC3E}">
+        <p14:creationId xmlns:p14="http://schemas.microsoft.com/office/powerpoint/2010/main" val="565147865"/>
+      </p:ext>
+    </p:extLst>
   </p:cSld>
   <p:clrMapOvr>
     <a:masterClrMapping/>
@@ -1357,6 +1724,91 @@
       </p:sp>
       <p:sp>
         <p:nvSpPr>
+          <p:cNvPr id="3" name="Content Placeholder 2"/>
+          <p:cNvSpPr>
+            <a:spLocks noGrp="1"/>
+          </p:cNvSpPr>
+          <p:nvPr>
+            <p:ph sz="half" idx="1"/>
+          </p:nvPr>
+        </p:nvSpPr>
+        <p:spPr>
+          <a:xfrm>
+            <a:off x="457200" y="1600200"/>
+            <a:ext cx="4038600" cy="4525963"/>
+          </a:xfrm>
+        </p:spPr>
+        <p:txBody>
+          <a:bodyPr/>
+          <a:lstStyle>
+            <a:lvl1pPr>
+              <a:defRPr sz="2800"/>
+            </a:lvl1pPr>
+            <a:lvl2pPr>
+              <a:defRPr sz="2400"/>
+            </a:lvl2pPr>
+            <a:lvl3pPr>
+              <a:defRPr sz="2000"/>
+            </a:lvl3pPr>
+            <a:lvl4pPr>
+              <a:defRPr sz="1800"/>
+            </a:lvl4pPr>
+            <a:lvl5pPr>
+              <a:defRPr sz="1800"/>
+            </a:lvl5pPr>
+            <a:lvl6pPr>
+              <a:defRPr sz="1800"/>
+            </a:lvl6pPr>
+            <a:lvl7pPr>
+              <a:defRPr sz="1800"/>
+            </a:lvl7pPr>
+            <a:lvl8pPr>
+              <a:defRPr sz="1800"/>
+            </a:lvl8pPr>
+            <a:lvl9pPr>
+              <a:defRPr sz="1800"/>
+            </a:lvl9pPr>
+          </a:lstStyle>
+          <a:p>
+            <a:pPr lvl="0"/>
+            <a:r>
+              <a:rPr lang="de-CH" smtClean="0"/>
+              <a:t>Click to edit Master text styles</a:t>
+            </a:r>
+          </a:p>
+          <a:p>
+            <a:pPr lvl="1"/>
+            <a:r>
+              <a:rPr lang="de-CH" smtClean="0"/>
+              <a:t>Second level</a:t>
+            </a:r>
+          </a:p>
+          <a:p>
+            <a:pPr lvl="2"/>
+            <a:r>
+              <a:rPr lang="de-CH" smtClean="0"/>
+              <a:t>Third level</a:t>
+            </a:r>
+          </a:p>
+          <a:p>
+            <a:pPr lvl="3"/>
+            <a:r>
+              <a:rPr lang="de-CH" smtClean="0"/>
+              <a:t>Fourth level</a:t>
+            </a:r>
+          </a:p>
+          <a:p>
+            <a:pPr lvl="4"/>
+            <a:r>
+              <a:rPr lang="de-CH" smtClean="0"/>
+              <a:t>Fifth level</a:t>
+            </a:r>
+            <a:endParaRPr lang="en-US"/>
+          </a:p>
+        </p:txBody>
+      </p:sp>
+      <p:sp>
+        <p:nvSpPr>
           <p:cNvPr id="4" name="Content Placeholder 3"/>
           <p:cNvSpPr>
             <a:spLocks noGrp="1"/>
@@ -1375,31 +1827,31 @@
           <a:bodyPr/>
           <a:lstStyle>
             <a:lvl1pPr>
-              <a:defRPr sz="2400"/>
+              <a:defRPr sz="2800"/>
             </a:lvl1pPr>
             <a:lvl2pPr>
-              <a:defRPr sz="1600"/>
+              <a:defRPr sz="2400"/>
             </a:lvl2pPr>
             <a:lvl3pPr>
-              <a:defRPr sz="1600"/>
+              <a:defRPr sz="2000"/>
             </a:lvl3pPr>
             <a:lvl4pPr>
-              <a:defRPr sz="1600"/>
+              <a:defRPr sz="1800"/>
             </a:lvl4pPr>
             <a:lvl5pPr>
-              <a:defRPr sz="1600"/>
+              <a:defRPr sz="1800"/>
             </a:lvl5pPr>
             <a:lvl6pPr>
-              <a:defRPr sz="1600"/>
+              <a:defRPr sz="1800"/>
             </a:lvl6pPr>
             <a:lvl7pPr>
-              <a:defRPr sz="1600"/>
+              <a:defRPr sz="1800"/>
             </a:lvl7pPr>
             <a:lvl8pPr>
-              <a:defRPr sz="1600"/>
+              <a:defRPr sz="1800"/>
             </a:lvl8pPr>
             <a:lvl9pPr>
-              <a:defRPr sz="1600"/>
+              <a:defRPr sz="1800"/>
             </a:lvl9pPr>
           </a:lstStyle>
           <a:p>
@@ -1436,7 +1888,7 @@
               <a:rPr lang="de-CH" smtClean="0"/>
               <a:t>Fifth level</a:t>
             </a:r>
-            <a:endParaRPr lang="en-US" dirty="0" smtClean="0"/>
+            <a:endParaRPr lang="en-US"/>
           </a:p>
         </p:txBody>
       </p:sp>
@@ -1455,32 +1907,32 @@
           <a:bodyPr/>
           <a:lstStyle/>
           <a:p>
-            <a:fld id="{E34CF3C7-6809-4F39-BD67-A75817BDDE0A}" type="datetime1">
+            <a:fld id="{D87505BE-013C-D94D-846C-441118E4A473}" type="datetime1">
+              <a:rPr lang="de-CH" smtClean="0"/>
+              <a:t>10.12.14</a:t>
+            </a:fld>
+            <a:endParaRPr lang="en-US"/>
+          </a:p>
+        </p:txBody>
+      </p:sp>
+      <p:sp>
+        <p:nvSpPr>
+          <p:cNvPr id="6" name="Footer Placeholder 5"/>
+          <p:cNvSpPr>
+            <a:spLocks noGrp="1"/>
+          </p:cNvSpPr>
+          <p:nvPr>
+            <p:ph type="ftr" sz="quarter" idx="11"/>
+          </p:nvPr>
+        </p:nvSpPr>
+        <p:spPr/>
+        <p:txBody>
+          <a:bodyPr/>
+          <a:lstStyle/>
+          <a:p>
+            <a:r>
               <a:rPr lang="en-US" smtClean="0"/>
-              <a:t>18.11.14</a:t>
-            </a:fld>
-            <a:endParaRPr lang="en-US"/>
-          </a:p>
-        </p:txBody>
-      </p:sp>
-      <p:sp>
-        <p:nvSpPr>
-          <p:cNvPr id="6" name="Footer Placeholder 5"/>
-          <p:cNvSpPr>
-            <a:spLocks noGrp="1"/>
-          </p:cNvSpPr>
-          <p:nvPr>
-            <p:ph type="ftr" sz="quarter" idx="11"/>
-          </p:nvPr>
-        </p:nvSpPr>
-        <p:spPr/>
-        <p:txBody>
-          <a:bodyPr/>
-          <a:lstStyle/>
-          <a:p>
-            <a:r>
-              <a:rPr lang="en-US" smtClean="0"/>
-              <a:t>Footer Text</a:t>
+              <a:t>MSc. Concept Presentation David Schenkel</a:t>
             </a:r>
             <a:endParaRPr lang="en-US"/>
           </a:p>
@@ -1510,64 +1962,12 @@
           </a:p>
         </p:txBody>
       </p:sp>
-      <p:sp>
-        <p:nvSpPr>
-          <p:cNvPr id="9" name="Content Placeholder 8"/>
-          <p:cNvSpPr>
-            <a:spLocks noGrp="1"/>
-          </p:cNvSpPr>
-          <p:nvPr>
-            <p:ph sz="quarter" idx="13"/>
-          </p:nvPr>
-        </p:nvSpPr>
-        <p:spPr>
-          <a:xfrm>
-            <a:off x="365760" y="1600200"/>
-            <a:ext cx="4041648" cy="4526280"/>
-          </a:xfrm>
-        </p:spPr>
-        <p:txBody>
-          <a:bodyPr/>
-          <a:lstStyle/>
-          <a:p>
-            <a:pPr lvl="0"/>
-            <a:r>
-              <a:rPr lang="de-CH" smtClean="0"/>
-              <a:t>Click to edit Master text styles</a:t>
-            </a:r>
-          </a:p>
-          <a:p>
-            <a:pPr lvl="1"/>
-            <a:r>
-              <a:rPr lang="de-CH" smtClean="0"/>
-              <a:t>Second level</a:t>
-            </a:r>
-          </a:p>
-          <a:p>
-            <a:pPr lvl="2"/>
-            <a:r>
-              <a:rPr lang="de-CH" smtClean="0"/>
-              <a:t>Third level</a:t>
-            </a:r>
-          </a:p>
-          <a:p>
-            <a:pPr lvl="3"/>
-            <a:r>
-              <a:rPr lang="de-CH" smtClean="0"/>
-              <a:t>Fourth level</a:t>
-            </a:r>
-          </a:p>
-          <a:p>
-            <a:pPr lvl="4"/>
-            <a:r>
-              <a:rPr lang="de-CH" smtClean="0"/>
-              <a:t>Fifth level</a:t>
-            </a:r>
-            <a:endParaRPr lang="en-US"/>
-          </a:p>
-        </p:txBody>
-      </p:sp>
     </p:spTree>
+    <p:extLst>
+      <p:ext uri="{BB962C8B-B14F-4D97-AF65-F5344CB8AC3E}">
+        <p14:creationId xmlns:p14="http://schemas.microsoft.com/office/powerpoint/2010/main" val="590003158"/>
+      </p:ext>
+    </p:extLst>
   </p:cSld>
   <p:clrMapOvr>
     <a:masterClrMapping/>
@@ -1631,18 +2031,16 @@
         </p:nvSpPr>
         <p:spPr>
           <a:xfrm>
-            <a:off x="457200" y="1600200"/>
-            <a:ext cx="4040188" cy="609600"/>
+            <a:off x="457200" y="1535113"/>
+            <a:ext cx="4040188" cy="639762"/>
           </a:xfrm>
         </p:spPr>
         <p:txBody>
-          <a:bodyPr anchor="b">
-            <a:noAutofit/>
-          </a:bodyPr>
+          <a:bodyPr anchor="b"/>
           <a:lstStyle>
-            <a:lvl1pPr marL="0" indent="0" algn="ctr">
+            <a:lvl1pPr marL="0" indent="0">
               <a:buNone/>
-              <a:defRPr sz="2400" b="0"/>
+              <a:defRPr sz="2400" b="1"/>
             </a:lvl1pPr>
             <a:lvl2pPr marL="457200" indent="0">
               <a:buNone/>
@@ -1688,28 +2086,111 @@
       </p:sp>
       <p:sp>
         <p:nvSpPr>
-          <p:cNvPr id="5" name="Text Placeholder 4"/>
-          <p:cNvSpPr>
-            <a:spLocks noGrp="1"/>
-          </p:cNvSpPr>
-          <p:nvPr>
-            <p:ph type="body" sz="quarter" idx="3"/>
+          <p:cNvPr id="4" name="Content Placeholder 3"/>
+          <p:cNvSpPr>
+            <a:spLocks noGrp="1"/>
+          </p:cNvSpPr>
+          <p:nvPr>
+            <p:ph sz="half" idx="2"/>
           </p:nvPr>
         </p:nvSpPr>
         <p:spPr>
           <a:xfrm>
-            <a:off x="4648200" y="1600200"/>
-            <a:ext cx="4041775" cy="609600"/>
+            <a:off x="457200" y="2174875"/>
+            <a:ext cx="4040188" cy="3951288"/>
           </a:xfrm>
         </p:spPr>
         <p:txBody>
-          <a:bodyPr anchor="b">
-            <a:noAutofit/>
-          </a:bodyPr>
+          <a:bodyPr/>
           <a:lstStyle>
-            <a:lvl1pPr marL="0" indent="0" algn="ctr">
+            <a:lvl1pPr>
+              <a:defRPr sz="2400"/>
+            </a:lvl1pPr>
+            <a:lvl2pPr>
+              <a:defRPr sz="2000"/>
+            </a:lvl2pPr>
+            <a:lvl3pPr>
+              <a:defRPr sz="1800"/>
+            </a:lvl3pPr>
+            <a:lvl4pPr>
+              <a:defRPr sz="1600"/>
+            </a:lvl4pPr>
+            <a:lvl5pPr>
+              <a:defRPr sz="1600"/>
+            </a:lvl5pPr>
+            <a:lvl6pPr>
+              <a:defRPr sz="1600"/>
+            </a:lvl6pPr>
+            <a:lvl7pPr>
+              <a:defRPr sz="1600"/>
+            </a:lvl7pPr>
+            <a:lvl8pPr>
+              <a:defRPr sz="1600"/>
+            </a:lvl8pPr>
+            <a:lvl9pPr>
+              <a:defRPr sz="1600"/>
+            </a:lvl9pPr>
+          </a:lstStyle>
+          <a:p>
+            <a:pPr lvl="0"/>
+            <a:r>
+              <a:rPr lang="de-CH" smtClean="0"/>
+              <a:t>Click to edit Master text styles</a:t>
+            </a:r>
+          </a:p>
+          <a:p>
+            <a:pPr lvl="1"/>
+            <a:r>
+              <a:rPr lang="de-CH" smtClean="0"/>
+              <a:t>Second level</a:t>
+            </a:r>
+          </a:p>
+          <a:p>
+            <a:pPr lvl="2"/>
+            <a:r>
+              <a:rPr lang="de-CH" smtClean="0"/>
+              <a:t>Third level</a:t>
+            </a:r>
+          </a:p>
+          <a:p>
+            <a:pPr lvl="3"/>
+            <a:r>
+              <a:rPr lang="de-CH" smtClean="0"/>
+              <a:t>Fourth level</a:t>
+            </a:r>
+          </a:p>
+          <a:p>
+            <a:pPr lvl="4"/>
+            <a:r>
+              <a:rPr lang="de-CH" smtClean="0"/>
+              <a:t>Fifth level</a:t>
+            </a:r>
+            <a:endParaRPr lang="en-US"/>
+          </a:p>
+        </p:txBody>
+      </p:sp>
+      <p:sp>
+        <p:nvSpPr>
+          <p:cNvPr id="5" name="Text Placeholder 4"/>
+          <p:cNvSpPr>
+            <a:spLocks noGrp="1"/>
+          </p:cNvSpPr>
+          <p:nvPr>
+            <p:ph type="body" sz="quarter" idx="3"/>
+          </p:nvPr>
+        </p:nvSpPr>
+        <p:spPr>
+          <a:xfrm>
+            <a:off x="4645025" y="1535113"/>
+            <a:ext cx="4041775" cy="639762"/>
+          </a:xfrm>
+        </p:spPr>
+        <p:txBody>
+          <a:bodyPr anchor="b"/>
+          <a:lstStyle>
+            <a:lvl1pPr marL="0" indent="0">
               <a:buNone/>
-              <a:defRPr sz="2400" b="0"/>
+              <a:defRPr sz="2400" b="1"/>
             </a:lvl1pPr>
             <a:lvl2pPr marL="457200" indent="0">
               <a:buNone/>
@@ -1755,6 +2236,91 @@
       </p:sp>
       <p:sp>
         <p:nvSpPr>
+          <p:cNvPr id="6" name="Content Placeholder 5"/>
+          <p:cNvSpPr>
+            <a:spLocks noGrp="1"/>
+          </p:cNvSpPr>
+          <p:nvPr>
+            <p:ph sz="quarter" idx="4"/>
+          </p:nvPr>
+        </p:nvSpPr>
+        <p:spPr>
+          <a:xfrm>
+            <a:off x="4645025" y="2174875"/>
+            <a:ext cx="4041775" cy="3951288"/>
+          </a:xfrm>
+        </p:spPr>
+        <p:txBody>
+          <a:bodyPr/>
+          <a:lstStyle>
+            <a:lvl1pPr>
+              <a:defRPr sz="2400"/>
+            </a:lvl1pPr>
+            <a:lvl2pPr>
+              <a:defRPr sz="2000"/>
+            </a:lvl2pPr>
+            <a:lvl3pPr>
+              <a:defRPr sz="1800"/>
+            </a:lvl3pPr>
+            <a:lvl4pPr>
+              <a:defRPr sz="1600"/>
+            </a:lvl4pPr>
+            <a:lvl5pPr>
+              <a:defRPr sz="1600"/>
+            </a:lvl5pPr>
+            <a:lvl6pPr>
+              <a:defRPr sz="1600"/>
+            </a:lvl6pPr>
+            <a:lvl7pPr>
+              <a:defRPr sz="1600"/>
+            </a:lvl7pPr>
+            <a:lvl8pPr>
+              <a:defRPr sz="1600"/>
+            </a:lvl8pPr>
+            <a:lvl9pPr>
+              <a:defRPr sz="1600"/>
+            </a:lvl9pPr>
+          </a:lstStyle>
+          <a:p>
+            <a:pPr lvl="0"/>
+            <a:r>
+              <a:rPr lang="de-CH" smtClean="0"/>
+              <a:t>Click to edit Master text styles</a:t>
+            </a:r>
+          </a:p>
+          <a:p>
+            <a:pPr lvl="1"/>
+            <a:r>
+              <a:rPr lang="de-CH" smtClean="0"/>
+              <a:t>Second level</a:t>
+            </a:r>
+          </a:p>
+          <a:p>
+            <a:pPr lvl="2"/>
+            <a:r>
+              <a:rPr lang="de-CH" smtClean="0"/>
+              <a:t>Third level</a:t>
+            </a:r>
+          </a:p>
+          <a:p>
+            <a:pPr lvl="3"/>
+            <a:r>
+              <a:rPr lang="de-CH" smtClean="0"/>
+              <a:t>Fourth level</a:t>
+            </a:r>
+          </a:p>
+          <a:p>
+            <a:pPr lvl="4"/>
+            <a:r>
+              <a:rPr lang="de-CH" smtClean="0"/>
+              <a:t>Fifth level</a:t>
+            </a:r>
+            <a:endParaRPr lang="en-US"/>
+          </a:p>
+        </p:txBody>
+      </p:sp>
+      <p:sp>
+        <p:nvSpPr>
           <p:cNvPr id="7" name="Date Placeholder 6"/>
           <p:cNvSpPr>
             <a:spLocks noGrp="1"/>
@@ -1768,32 +2334,32 @@
           <a:bodyPr/>
           <a:lstStyle/>
           <a:p>
-            <a:fld id="{F7EAEB24-CE78-465C-A726-91D0868FA48F}" type="datetime1">
+            <a:fld id="{9DF16ACF-2C5C-2949-9911-E22A6FEA238D}" type="datetime1">
+              <a:rPr lang="de-CH" smtClean="0"/>
+              <a:t>10.12.14</a:t>
+            </a:fld>
+            <a:endParaRPr lang="en-US"/>
+          </a:p>
+        </p:txBody>
+      </p:sp>
+      <p:sp>
+        <p:nvSpPr>
+          <p:cNvPr id="8" name="Footer Placeholder 7"/>
+          <p:cNvSpPr>
+            <a:spLocks noGrp="1"/>
+          </p:cNvSpPr>
+          <p:nvPr>
+            <p:ph type="ftr" sz="quarter" idx="11"/>
+          </p:nvPr>
+        </p:nvSpPr>
+        <p:spPr/>
+        <p:txBody>
+          <a:bodyPr/>
+          <a:lstStyle/>
+          <a:p>
+            <a:r>
               <a:rPr lang="en-US" smtClean="0"/>
-              <a:t>18.11.14</a:t>
-            </a:fld>
-            <a:endParaRPr lang="en-US"/>
-          </a:p>
-        </p:txBody>
-      </p:sp>
-      <p:sp>
-        <p:nvSpPr>
-          <p:cNvPr id="8" name="Footer Placeholder 7"/>
-          <p:cNvSpPr>
-            <a:spLocks noGrp="1"/>
-          </p:cNvSpPr>
-          <p:nvPr>
-            <p:ph type="ftr" sz="quarter" idx="11"/>
-          </p:nvPr>
-        </p:nvSpPr>
-        <p:spPr/>
-        <p:txBody>
-          <a:bodyPr/>
-          <a:lstStyle/>
-          <a:p>
-            <a:r>
-              <a:rPr lang="en-US" smtClean="0"/>
-              <a:t>Footer Text</a:t>
+              <a:t>MSc. Concept Presentation David Schenkel</a:t>
             </a:r>
             <a:endParaRPr lang="en-US"/>
           </a:p>
@@ -1823,121 +2389,12 @@
           </a:p>
         </p:txBody>
       </p:sp>
-      <p:sp>
-        <p:nvSpPr>
-          <p:cNvPr id="11" name="Content Placeholder 10"/>
-          <p:cNvSpPr>
-            <a:spLocks noGrp="1"/>
-          </p:cNvSpPr>
-          <p:nvPr>
-            <p:ph sz="quarter" idx="13"/>
-          </p:nvPr>
-        </p:nvSpPr>
-        <p:spPr>
-          <a:xfrm>
-            <a:off x="457200" y="2212848"/>
-            <a:ext cx="4041648" cy="3913632"/>
-          </a:xfrm>
-        </p:spPr>
-        <p:txBody>
-          <a:bodyPr/>
-          <a:lstStyle/>
-          <a:p>
-            <a:pPr lvl="0"/>
-            <a:r>
-              <a:rPr lang="de-CH" smtClean="0"/>
-              <a:t>Click to edit Master text styles</a:t>
-            </a:r>
-          </a:p>
-          <a:p>
-            <a:pPr lvl="1"/>
-            <a:r>
-              <a:rPr lang="de-CH" smtClean="0"/>
-              <a:t>Second level</a:t>
-            </a:r>
-          </a:p>
-          <a:p>
-            <a:pPr lvl="2"/>
-            <a:r>
-              <a:rPr lang="de-CH" smtClean="0"/>
-              <a:t>Third level</a:t>
-            </a:r>
-          </a:p>
-          <a:p>
-            <a:pPr lvl="3"/>
-            <a:r>
-              <a:rPr lang="de-CH" smtClean="0"/>
-              <a:t>Fourth level</a:t>
-            </a:r>
-          </a:p>
-          <a:p>
-            <a:pPr lvl="4"/>
-            <a:r>
-              <a:rPr lang="de-CH" smtClean="0"/>
-              <a:t>Fifth level</a:t>
-            </a:r>
-            <a:endParaRPr lang="en-US" dirty="0"/>
-          </a:p>
-        </p:txBody>
-      </p:sp>
-      <p:sp>
-        <p:nvSpPr>
-          <p:cNvPr id="13" name="Content Placeholder 12"/>
-          <p:cNvSpPr>
-            <a:spLocks noGrp="1"/>
-          </p:cNvSpPr>
-          <p:nvPr>
-            <p:ph sz="quarter" idx="14"/>
-          </p:nvPr>
-        </p:nvSpPr>
-        <p:spPr>
-          <a:xfrm>
-            <a:off x="4672584" y="2212848"/>
-            <a:ext cx="4041648" cy="3913187"/>
-          </a:xfrm>
-        </p:spPr>
-        <p:txBody>
-          <a:bodyPr/>
-          <a:lstStyle/>
-          <a:p>
-            <a:pPr lvl="0"/>
-            <a:r>
-              <a:rPr lang="de-CH" smtClean="0"/>
-              <a:t>Click to edit Master text styles</a:t>
-            </a:r>
-          </a:p>
-          <a:p>
-            <a:pPr lvl="1"/>
-            <a:r>
-              <a:rPr lang="de-CH" smtClean="0"/>
-              <a:t>Second level</a:t>
-            </a:r>
-          </a:p>
-          <a:p>
-            <a:pPr lvl="2"/>
-            <a:r>
-              <a:rPr lang="de-CH" smtClean="0"/>
-              <a:t>Third level</a:t>
-            </a:r>
-          </a:p>
-          <a:p>
-            <a:pPr lvl="3"/>
-            <a:r>
-              <a:rPr lang="de-CH" smtClean="0"/>
-              <a:t>Fourth level</a:t>
-            </a:r>
-          </a:p>
-          <a:p>
-            <a:pPr lvl="4"/>
-            <a:r>
-              <a:rPr lang="de-CH" smtClean="0"/>
-              <a:t>Fifth level</a:t>
-            </a:r>
-            <a:endParaRPr lang="en-US" dirty="0"/>
-          </a:p>
-        </p:txBody>
-      </p:sp>
     </p:spTree>
+    <p:extLst>
+      <p:ext uri="{BB962C8B-B14F-4D97-AF65-F5344CB8AC3E}">
+        <p14:creationId xmlns:p14="http://schemas.microsoft.com/office/powerpoint/2010/main" val="2944409561"/>
+      </p:ext>
+    </p:extLst>
   </p:cSld>
   <p:clrMapOvr>
     <a:masterClrMapping/>
@@ -1981,7 +2438,7 @@
               <a:rPr lang="de-CH" smtClean="0"/>
               <a:t>Click to edit Master title style</a:t>
             </a:r>
-            <a:endParaRPr lang="en-US" dirty="0"/>
+            <a:endParaRPr lang="en-US"/>
           </a:p>
         </p:txBody>
       </p:sp>
@@ -2000,32 +2457,32 @@
           <a:bodyPr/>
           <a:lstStyle/>
           <a:p>
-            <a:fld id="{40BAADF0-1749-4E8B-9691-B44A5F8C0895}" type="datetime1">
+            <a:fld id="{256B82F5-4A74-AA47-95FD-C6EC54EC49D2}" type="datetime1">
+              <a:rPr lang="de-CH" smtClean="0"/>
+              <a:t>10.12.14</a:t>
+            </a:fld>
+            <a:endParaRPr lang="en-US"/>
+          </a:p>
+        </p:txBody>
+      </p:sp>
+      <p:sp>
+        <p:nvSpPr>
+          <p:cNvPr id="4" name="Footer Placeholder 3"/>
+          <p:cNvSpPr>
+            <a:spLocks noGrp="1"/>
+          </p:cNvSpPr>
+          <p:nvPr>
+            <p:ph type="ftr" sz="quarter" idx="11"/>
+          </p:nvPr>
+        </p:nvSpPr>
+        <p:spPr/>
+        <p:txBody>
+          <a:bodyPr/>
+          <a:lstStyle/>
+          <a:p>
+            <a:r>
               <a:rPr lang="en-US" smtClean="0"/>
-              <a:t>18.11.14</a:t>
-            </a:fld>
-            <a:endParaRPr lang="en-US"/>
-          </a:p>
-        </p:txBody>
-      </p:sp>
-      <p:sp>
-        <p:nvSpPr>
-          <p:cNvPr id="4" name="Footer Placeholder 3"/>
-          <p:cNvSpPr>
-            <a:spLocks noGrp="1"/>
-          </p:cNvSpPr>
-          <p:nvPr>
-            <p:ph type="ftr" sz="quarter" idx="11"/>
-          </p:nvPr>
-        </p:nvSpPr>
-        <p:spPr/>
-        <p:txBody>
-          <a:bodyPr/>
-          <a:lstStyle/>
-          <a:p>
-            <a:r>
-              <a:rPr lang="en-US" smtClean="0"/>
-              <a:t>Footer Text</a:t>
+              <a:t>MSc. Concept Presentation David Schenkel</a:t>
             </a:r>
             <a:endParaRPr lang="en-US"/>
           </a:p>
@@ -2056,6 +2513,11 @@
         </p:txBody>
       </p:sp>
     </p:spTree>
+    <p:extLst>
+      <p:ext uri="{BB962C8B-B14F-4D97-AF65-F5344CB8AC3E}">
+        <p14:creationId xmlns:p14="http://schemas.microsoft.com/office/powerpoint/2010/main" val="2231247145"/>
+      </p:ext>
+    </p:extLst>
   </p:cSld>
   <p:clrMapOvr>
     <a:masterClrMapping/>
@@ -2095,32 +2557,32 @@
           <a:bodyPr/>
           <a:lstStyle/>
           <a:p>
-            <a:fld id="{A8AF628A-A867-4937-BBE5-207DB6F9C51A}" type="datetime1">
+            <a:fld id="{09470DF1-3D53-E74E-B318-12C474EF531E}" type="datetime1">
+              <a:rPr lang="de-CH" smtClean="0"/>
+              <a:t>10.12.14</a:t>
+            </a:fld>
+            <a:endParaRPr lang="en-US"/>
+          </a:p>
+        </p:txBody>
+      </p:sp>
+      <p:sp>
+        <p:nvSpPr>
+          <p:cNvPr id="3" name="Footer Placeholder 2"/>
+          <p:cNvSpPr>
+            <a:spLocks noGrp="1"/>
+          </p:cNvSpPr>
+          <p:nvPr>
+            <p:ph type="ftr" sz="quarter" idx="11"/>
+          </p:nvPr>
+        </p:nvSpPr>
+        <p:spPr/>
+        <p:txBody>
+          <a:bodyPr/>
+          <a:lstStyle/>
+          <a:p>
+            <a:r>
               <a:rPr lang="en-US" smtClean="0"/>
-              <a:t>18.11.14</a:t>
-            </a:fld>
-            <a:endParaRPr lang="en-US"/>
-          </a:p>
-        </p:txBody>
-      </p:sp>
-      <p:sp>
-        <p:nvSpPr>
-          <p:cNvPr id="3" name="Footer Placeholder 2"/>
-          <p:cNvSpPr>
-            <a:spLocks noGrp="1"/>
-          </p:cNvSpPr>
-          <p:nvPr>
-            <p:ph type="ftr" sz="quarter" idx="11"/>
-          </p:nvPr>
-        </p:nvSpPr>
-        <p:spPr/>
-        <p:txBody>
-          <a:bodyPr/>
-          <a:lstStyle/>
-          <a:p>
-            <a:r>
-              <a:rPr lang="en-US" smtClean="0"/>
-              <a:t>Footer Text</a:t>
+              <a:t>MSc. Concept Presentation David Schenkel</a:t>
             </a:r>
             <a:endParaRPr lang="en-US"/>
           </a:p>
@@ -2151,6 +2613,11 @@
         </p:txBody>
       </p:sp>
     </p:spTree>
+    <p:extLst>
+      <p:ext uri="{BB962C8B-B14F-4D97-AF65-F5344CB8AC3E}">
+        <p14:creationId xmlns:p14="http://schemas.microsoft.com/office/powerpoint/2010/main" val="378876881"/>
+      </p:ext>
+    </p:extLst>
   </p:cSld>
   <p:clrMapOvr>
     <a:masterClrMapping/>
@@ -2187,26 +2654,15 @@
         </p:nvSpPr>
         <p:spPr>
           <a:xfrm>
-            <a:off x="5907087" y="266700"/>
-            <a:ext cx="3008313" cy="2095500"/>
+            <a:off x="457200" y="273050"/>
+            <a:ext cx="3008313" cy="1162050"/>
           </a:xfrm>
         </p:spPr>
         <p:txBody>
           <a:bodyPr anchor="b"/>
           <a:lstStyle>
-            <a:lvl1pPr algn="ctr">
-              <a:lnSpc>
-                <a:spcPct val="100000"/>
-              </a:lnSpc>
-              <a:defRPr sz="2800" b="0">
-                <a:effectLst>
-                  <a:outerShdw blurRad="50800" dist="25400" dir="5400000" algn="t" rotWithShape="0">
-                    <a:prstClr val="black">
-                      <a:alpha val="25000"/>
-                    </a:prstClr>
-                  </a:outerShdw>
-                </a:effectLst>
-              </a:defRPr>
+            <a:lvl1pPr algn="l">
+              <a:defRPr sz="2000" b="1"/>
             </a:lvl1pPr>
           </a:lstStyle>
           <a:p>
@@ -2214,7 +2670,7 @@
               <a:rPr lang="de-CH" smtClean="0"/>
               <a:t>Click to edit Master title style</a:t>
             </a:r>
-            <a:endParaRPr lang="en-US" dirty="0"/>
+            <a:endParaRPr lang="en-US"/>
           </a:p>
         </p:txBody>
       </p:sp>
@@ -2230,8 +2686,8 @@
         </p:nvSpPr>
         <p:spPr>
           <a:xfrm>
-            <a:off x="719137" y="273050"/>
-            <a:ext cx="4995863" cy="5853113"/>
+            <a:off x="3575050" y="273050"/>
+            <a:ext cx="5111750" cy="5853113"/>
           </a:xfrm>
         </p:spPr>
         <p:txBody>
@@ -2299,7 +2755,7 @@
               <a:rPr lang="de-CH" smtClean="0"/>
               <a:t>Fifth level</a:t>
             </a:r>
-            <a:endParaRPr lang="en-US" dirty="0"/>
+            <a:endParaRPr lang="en-US"/>
           </a:p>
         </p:txBody>
       </p:sp>
@@ -2315,21 +2771,16 @@
         </p:nvSpPr>
         <p:spPr>
           <a:xfrm>
-            <a:off x="5907087" y="2438400"/>
-            <a:ext cx="3008313" cy="3687763"/>
+            <a:off x="457200" y="1435100"/>
+            <a:ext cx="3008313" cy="4691063"/>
           </a:xfrm>
         </p:spPr>
         <p:txBody>
-          <a:bodyPr>
-            <a:normAutofit/>
-          </a:bodyPr>
+          <a:bodyPr/>
           <a:lstStyle>
-            <a:lvl1pPr marL="0" indent="0" algn="ctr">
-              <a:lnSpc>
-                <a:spcPct val="125000"/>
-              </a:lnSpc>
+            <a:lvl1pPr marL="0" indent="0">
               <a:buNone/>
-              <a:defRPr sz="1600"/>
+              <a:defRPr sz="1400"/>
             </a:lvl1pPr>
             <a:lvl2pPr marL="457200" indent="0">
               <a:buNone/>
@@ -2388,32 +2839,32 @@
           <a:bodyPr/>
           <a:lstStyle/>
           <a:p>
-            <a:fld id="{118BBB94-68E6-4675-A946-F1C5994EDBD7}" type="datetime1">
+            <a:fld id="{4D5D0285-993C-DE46-9D70-C01531A479A1}" type="datetime1">
+              <a:rPr lang="de-CH" smtClean="0"/>
+              <a:t>10.12.14</a:t>
+            </a:fld>
+            <a:endParaRPr lang="en-US"/>
+          </a:p>
+        </p:txBody>
+      </p:sp>
+      <p:sp>
+        <p:nvSpPr>
+          <p:cNvPr id="6" name="Footer Placeholder 5"/>
+          <p:cNvSpPr>
+            <a:spLocks noGrp="1"/>
+          </p:cNvSpPr>
+          <p:nvPr>
+            <p:ph type="ftr" sz="quarter" idx="11"/>
+          </p:nvPr>
+        </p:nvSpPr>
+        <p:spPr/>
+        <p:txBody>
+          <a:bodyPr/>
+          <a:lstStyle/>
+          <a:p>
+            <a:r>
               <a:rPr lang="en-US" smtClean="0"/>
-              <a:t>18.11.14</a:t>
-            </a:fld>
-            <a:endParaRPr lang="en-US"/>
-          </a:p>
-        </p:txBody>
-      </p:sp>
-      <p:sp>
-        <p:nvSpPr>
-          <p:cNvPr id="6" name="Footer Placeholder 5"/>
-          <p:cNvSpPr>
-            <a:spLocks noGrp="1"/>
-          </p:cNvSpPr>
-          <p:nvPr>
-            <p:ph type="ftr" sz="quarter" idx="11"/>
-          </p:nvPr>
-        </p:nvSpPr>
-        <p:spPr/>
-        <p:txBody>
-          <a:bodyPr/>
-          <a:lstStyle/>
-          <a:p>
-            <a:r>
-              <a:rPr lang="en-US" smtClean="0"/>
-              <a:t>Footer Text</a:t>
+              <a:t>MSc. Concept Presentation David Schenkel</a:t>
             </a:r>
             <a:endParaRPr lang="en-US"/>
           </a:p>
@@ -2444,6 +2895,11 @@
         </p:txBody>
       </p:sp>
     </p:spTree>
+    <p:extLst>
+      <p:ext uri="{BB962C8B-B14F-4D97-AF65-F5344CB8AC3E}">
+        <p14:creationId xmlns:p14="http://schemas.microsoft.com/office/powerpoint/2010/main" val="889451784"/>
+      </p:ext>
+    </p:extLst>
   </p:cSld>
   <p:clrMapOvr>
     <a:masterClrMapping/>
@@ -2480,18 +2936,15 @@
         </p:nvSpPr>
         <p:spPr>
           <a:xfrm>
-            <a:off x="1679576" y="228600"/>
-            <a:ext cx="5711824" cy="895350"/>
+            <a:off x="1792288" y="4800600"/>
+            <a:ext cx="5486400" cy="566738"/>
           </a:xfrm>
         </p:spPr>
         <p:txBody>
           <a:bodyPr anchor="b"/>
           <a:lstStyle>
-            <a:lvl1pPr algn="ctr">
-              <a:lnSpc>
-                <a:spcPct val="100000"/>
-              </a:lnSpc>
-              <a:defRPr sz="2800" b="0"/>
+            <a:lvl1pPr algn="l">
+              <a:defRPr sz="2000" b="1"/>
             </a:lvl1pPr>
           </a:lstStyle>
           <a:p>
@@ -2499,7 +2952,7 @@
               <a:rPr lang="de-CH" smtClean="0"/>
               <a:t>Click to edit Master title style</a:t>
             </a:r>
-            <a:endParaRPr lang="en-US" dirty="0"/>
+            <a:endParaRPr lang="en-US"/>
           </a:p>
         </p:txBody>
       </p:sp>
@@ -2515,26 +2968,14 @@
         </p:nvSpPr>
         <p:spPr>
           <a:xfrm>
-            <a:off x="1508126" y="1143000"/>
-            <a:ext cx="6054724" cy="4541044"/>
+            <a:off x="1792288" y="612775"/>
+            <a:ext cx="5486400" cy="4114800"/>
           </a:xfrm>
-          <a:ln w="76200">
-            <a:solidFill>
-              <a:schemeClr val="bg1"/>
-            </a:solidFill>
-          </a:ln>
-          <a:effectLst>
-            <a:outerShdw blurRad="88900" dist="50800" dir="5400000" algn="ctr" rotWithShape="0">
-              <a:srgbClr val="000000">
-                <a:alpha val="25000"/>
-              </a:srgbClr>
-            </a:outerShdw>
-          </a:effectLst>
         </p:spPr>
         <p:txBody>
-          <a:bodyPr anchor="t"/>
+          <a:bodyPr/>
           <a:lstStyle>
-            <a:lvl1pPr marL="0" indent="0" algn="ctr">
+            <a:lvl1pPr marL="0" indent="0">
               <a:buNone/>
               <a:defRPr sz="3200"/>
             </a:lvl1pPr>
@@ -2572,11 +3013,7 @@
             </a:lvl9pPr>
           </a:lstStyle>
           <a:p>
-            <a:r>
-              <a:rPr lang="de-CH" smtClean="0"/>
-              <a:t>Drag picture to placeholder or click icon to add</a:t>
-            </a:r>
-            <a:endParaRPr lang="en-US" dirty="0"/>
+            <a:endParaRPr lang="en-US"/>
           </a:p>
         </p:txBody>
       </p:sp>
@@ -2592,18 +3029,16 @@
         </p:nvSpPr>
         <p:spPr>
           <a:xfrm>
-            <a:off x="1679576" y="5810250"/>
-            <a:ext cx="5711824" cy="533400"/>
+            <a:off x="1792288" y="5367338"/>
+            <a:ext cx="5486400" cy="804862"/>
           </a:xfrm>
         </p:spPr>
         <p:txBody>
-          <a:bodyPr>
-            <a:normAutofit/>
-          </a:bodyPr>
+          <a:bodyPr/>
           <a:lstStyle>
-            <a:lvl1pPr marL="0" indent="0" algn="ctr">
+            <a:lvl1pPr marL="0" indent="0">
               <a:buNone/>
-              <a:defRPr sz="1600"/>
+              <a:defRPr sz="1400"/>
             </a:lvl1pPr>
             <a:lvl2pPr marL="457200" indent="0">
               <a:buNone/>
@@ -2662,32 +3097,32 @@
           <a:bodyPr/>
           <a:lstStyle/>
           <a:p>
-            <a:fld id="{DC3B8377-21E3-4835-B75D-4E2847E2750F}" type="datetime1">
+            <a:fld id="{3324E98A-A18D-5D4D-9488-3A18075BBA41}" type="datetime1">
+              <a:rPr lang="de-CH" smtClean="0"/>
+              <a:t>10.12.14</a:t>
+            </a:fld>
+            <a:endParaRPr lang="en-US"/>
+          </a:p>
+        </p:txBody>
+      </p:sp>
+      <p:sp>
+        <p:nvSpPr>
+          <p:cNvPr id="6" name="Footer Placeholder 5"/>
+          <p:cNvSpPr>
+            <a:spLocks noGrp="1"/>
+          </p:cNvSpPr>
+          <p:nvPr>
+            <p:ph type="ftr" sz="quarter" idx="11"/>
+          </p:nvPr>
+        </p:nvSpPr>
+        <p:spPr/>
+        <p:txBody>
+          <a:bodyPr/>
+          <a:lstStyle/>
+          <a:p>
+            <a:r>
               <a:rPr lang="en-US" smtClean="0"/>
-              <a:t>18.11.14</a:t>
-            </a:fld>
-            <a:endParaRPr lang="en-US"/>
-          </a:p>
-        </p:txBody>
-      </p:sp>
-      <p:sp>
-        <p:nvSpPr>
-          <p:cNvPr id="6" name="Footer Placeholder 5"/>
-          <p:cNvSpPr>
-            <a:spLocks noGrp="1"/>
-          </p:cNvSpPr>
-          <p:nvPr>
-            <p:ph type="ftr" sz="quarter" idx="11"/>
-          </p:nvPr>
-        </p:nvSpPr>
-        <p:spPr/>
-        <p:txBody>
-          <a:bodyPr/>
-          <a:lstStyle/>
-          <a:p>
-            <a:r>
-              <a:rPr lang="en-US" smtClean="0"/>
-              <a:t>Footer Text</a:t>
+              <a:t>MSc. Concept Presentation David Schenkel</a:t>
             </a:r>
             <a:endParaRPr lang="en-US"/>
           </a:p>
@@ -2718,6 +3153,11 @@
         </p:txBody>
       </p:sp>
     </p:spTree>
+    <p:extLst>
+      <p:ext uri="{BB962C8B-B14F-4D97-AF65-F5344CB8AC3E}">
+        <p14:creationId xmlns:p14="http://schemas.microsoft.com/office/powerpoint/2010/main" val="2480553358"/>
+      </p:ext>
+    </p:extLst>
   </p:cSld>
   <p:clrMapOvr>
     <a:masterClrMapping/>
@@ -2729,7 +3169,7 @@
 <p:sldMaster xmlns:a="http://schemas.openxmlformats.org/drawingml/2006/main" xmlns:r="http://schemas.openxmlformats.org/officeDocument/2006/relationships" xmlns:p="http://schemas.openxmlformats.org/presentationml/2006/main">
   <p:cSld>
     <p:bg>
-      <p:bgRef idx="1002">
+      <p:bgRef idx="1001">
         <a:schemeClr val="bg1"/>
       </p:bgRef>
     </p:bg>
@@ -2759,16 +3199,16 @@
         </p:nvSpPr>
         <p:spPr>
           <a:xfrm>
-            <a:off x="457200" y="0"/>
-            <a:ext cx="8229600" cy="1600200"/>
+            <a:off x="457200" y="274638"/>
+            <a:ext cx="8229600" cy="1143000"/>
           </a:xfrm>
           <a:prstGeom prst="rect">
             <a:avLst/>
           </a:prstGeom>
         </p:spPr>
         <p:txBody>
-          <a:bodyPr vert="horz" lIns="91440" tIns="45720" rIns="91440" bIns="45720" rtlCol="0" anchor="b">
-            <a:noAutofit/>
+          <a:bodyPr vert="horz" lIns="91440" tIns="45720" rIns="91440" bIns="45720" rtlCol="0" anchor="ctr">
+            <a:normAutofit/>
           </a:bodyPr>
           <a:lstStyle/>
           <a:p>
@@ -2776,7 +3216,7 @@
               <a:rPr lang="de-CH" smtClean="0"/>
               <a:t>Click to edit Master title style</a:t>
             </a:r>
-            <a:endParaRPr lang="en-US" dirty="0"/>
+            <a:endParaRPr lang="en-US"/>
           </a:p>
         </p:txBody>
       </p:sp>
@@ -2838,7 +3278,7 @@
               <a:rPr lang="de-CH" smtClean="0"/>
               <a:t>Fifth level</a:t>
             </a:r>
-            <a:endParaRPr lang="en-US" dirty="0" smtClean="0"/>
+            <a:endParaRPr lang="en-US"/>
           </a:p>
         </p:txBody>
       </p:sp>
@@ -2854,111 +3294,105 @@
         </p:nvSpPr>
         <p:spPr>
           <a:xfrm>
-            <a:off x="6363347" y="6356350"/>
-            <a:ext cx="2085975" cy="365125"/>
+            <a:off x="457200" y="6356350"/>
+            <a:ext cx="2133600" cy="365125"/>
           </a:xfrm>
           <a:prstGeom prst="rect">
             <a:avLst/>
           </a:prstGeom>
         </p:spPr>
         <p:txBody>
-          <a:bodyPr vert="horz" lIns="91440" tIns="45720" rIns="45720" bIns="45720" rtlCol="0" anchor="ctr"/>
+          <a:bodyPr vert="horz" lIns="91440" tIns="45720" rIns="91440" bIns="45720" rtlCol="0" anchor="ctr"/>
+          <a:lstStyle>
+            <a:lvl1pPr algn="l">
+              <a:defRPr sz="1200">
+                <a:solidFill>
+                  <a:schemeClr val="tx1">
+                    <a:tint val="75000"/>
+                  </a:schemeClr>
+                </a:solidFill>
+              </a:defRPr>
+            </a:lvl1pPr>
+          </a:lstStyle>
+          <a:p>
+            <a:fld id="{5B734BC3-F574-E44E-91D5-080B5DAF0250}" type="datetime1">
+              <a:rPr lang="de-CH" smtClean="0"/>
+              <a:t>10.12.14</a:t>
+            </a:fld>
+            <a:endParaRPr lang="en-US" dirty="0"/>
+          </a:p>
+        </p:txBody>
+      </p:sp>
+      <p:sp>
+        <p:nvSpPr>
+          <p:cNvPr id="5" name="Footer Placeholder 4"/>
+          <p:cNvSpPr>
+            <a:spLocks noGrp="1"/>
+          </p:cNvSpPr>
+          <p:nvPr>
+            <p:ph type="ftr" sz="quarter" idx="3"/>
+          </p:nvPr>
+        </p:nvSpPr>
+        <p:spPr>
+          <a:xfrm>
+            <a:off x="3124200" y="6356350"/>
+            <a:ext cx="2895600" cy="365125"/>
+          </a:xfrm>
+          <a:prstGeom prst="rect">
+            <a:avLst/>
+          </a:prstGeom>
+        </p:spPr>
+        <p:txBody>
+          <a:bodyPr vert="horz" lIns="91440" tIns="45720" rIns="91440" bIns="45720" rtlCol="0" anchor="ctr"/>
+          <a:lstStyle>
+            <a:lvl1pPr algn="ctr">
+              <a:defRPr sz="1200">
+                <a:solidFill>
+                  <a:schemeClr val="tx1">
+                    <a:tint val="75000"/>
+                  </a:schemeClr>
+                </a:solidFill>
+              </a:defRPr>
+            </a:lvl1pPr>
+          </a:lstStyle>
+          <a:p>
+            <a:r>
+              <a:rPr lang="en-US" smtClean="0"/>
+              <a:t>MSc. Concept Presentation David Schenkel</a:t>
+            </a:r>
+            <a:endParaRPr lang="en-US" dirty="0"/>
+          </a:p>
+        </p:txBody>
+      </p:sp>
+      <p:sp>
+        <p:nvSpPr>
+          <p:cNvPr id="6" name="Slide Number Placeholder 5"/>
+          <p:cNvSpPr>
+            <a:spLocks noGrp="1"/>
+          </p:cNvSpPr>
+          <p:nvPr>
+            <p:ph type="sldNum" sz="quarter" idx="4"/>
+          </p:nvPr>
+        </p:nvSpPr>
+        <p:spPr>
+          <a:xfrm>
+            <a:off x="6553200" y="6356350"/>
+            <a:ext cx="2133600" cy="365125"/>
+          </a:xfrm>
+          <a:prstGeom prst="rect">
+            <a:avLst/>
+          </a:prstGeom>
+        </p:spPr>
+        <p:txBody>
+          <a:bodyPr vert="horz" lIns="91440" tIns="45720" rIns="91440" bIns="45720" rtlCol="0" anchor="ctr"/>
           <a:lstStyle>
             <a:lvl1pPr algn="r">
               <a:defRPr sz="1200">
                 <a:solidFill>
                   <a:schemeClr val="tx1">
-                    <a:lumMod val="65000"/>
-                    <a:lumOff val="35000"/>
+                    <a:tint val="75000"/>
                   </a:schemeClr>
                 </a:solidFill>
-                <a:latin typeface="Century Gothic" pitchFamily="34" charset="0"/>
-              </a:defRPr>
-            </a:lvl1pPr>
-          </a:lstStyle>
-          <a:p>
-            <a:fld id="{B0C4986D-6BE9-4264-908F-02DB36FD8D6C}" type="datetime1">
-              <a:rPr lang="en-US" smtClean="0"/>
-              <a:t>18.11.14</a:t>
-            </a:fld>
-            <a:endParaRPr lang="en-US" dirty="0"/>
-          </a:p>
-        </p:txBody>
-      </p:sp>
-      <p:sp>
-        <p:nvSpPr>
-          <p:cNvPr id="5" name="Footer Placeholder 4"/>
-          <p:cNvSpPr>
-            <a:spLocks noGrp="1"/>
-          </p:cNvSpPr>
-          <p:nvPr>
-            <p:ph type="ftr" sz="quarter" idx="3"/>
-          </p:nvPr>
-        </p:nvSpPr>
-        <p:spPr>
-          <a:xfrm>
-            <a:off x="659165" y="6356350"/>
-            <a:ext cx="2847975" cy="365125"/>
-          </a:xfrm>
-          <a:prstGeom prst="rect">
-            <a:avLst/>
-          </a:prstGeom>
-        </p:spPr>
-        <p:txBody>
-          <a:bodyPr vert="horz" lIns="45720" tIns="45720" rIns="91440" bIns="45720" rtlCol="0" anchor="ctr"/>
-          <a:lstStyle>
-            <a:lvl1pPr algn="l">
-              <a:defRPr sz="1200">
-                <a:solidFill>
-                  <a:schemeClr val="tx1">
-                    <a:lumMod val="65000"/>
-                    <a:lumOff val="35000"/>
-                  </a:schemeClr>
-                </a:solidFill>
-                <a:latin typeface="Century Gothic" pitchFamily="34" charset="0"/>
-              </a:defRPr>
-            </a:lvl1pPr>
-          </a:lstStyle>
-          <a:p>
-            <a:r>
-              <a:rPr lang="en-US" smtClean="0"/>
-              <a:t>Footer Text</a:t>
-            </a:r>
-            <a:endParaRPr lang="en-US" dirty="0"/>
-          </a:p>
-        </p:txBody>
-      </p:sp>
-      <p:sp>
-        <p:nvSpPr>
-          <p:cNvPr id="6" name="Slide Number Placeholder 5"/>
-          <p:cNvSpPr>
-            <a:spLocks noGrp="1"/>
-          </p:cNvSpPr>
-          <p:nvPr>
-            <p:ph type="sldNum" sz="quarter" idx="4"/>
-          </p:nvPr>
-        </p:nvSpPr>
-        <p:spPr>
-          <a:xfrm>
-            <a:off x="8543278" y="6356350"/>
-            <a:ext cx="561975" cy="365125"/>
-          </a:xfrm>
-          <a:prstGeom prst="rect">
-            <a:avLst/>
-          </a:prstGeom>
-        </p:spPr>
-        <p:txBody>
-          <a:bodyPr vert="horz" lIns="27432" tIns="45720" rIns="45720" bIns="45720" rtlCol="0" anchor="ctr"/>
-          <a:lstStyle>
-            <a:lvl1pPr algn="l">
-              <a:defRPr sz="1200">
-                <a:solidFill>
-                  <a:schemeClr val="tx1">
-                    <a:lumMod val="65000"/>
-                    <a:lumOff val="35000"/>
-                  </a:schemeClr>
-                </a:solidFill>
-                <a:latin typeface="Century Gothic" pitchFamily="34" charset="0"/>
               </a:defRPr>
             </a:lvl1pPr>
           </a:lstStyle>
@@ -2972,316 +3406,177 @@
           </a:p>
         </p:txBody>
       </p:sp>
-      <p:sp>
-        <p:nvSpPr>
-          <p:cNvPr id="7" name="Oval 6"/>
-          <p:cNvSpPr/>
-          <p:nvPr/>
-        </p:nvSpPr>
-        <p:spPr>
-          <a:xfrm>
-            <a:off x="8457760" y="6499384"/>
-            <a:ext cx="84772" cy="84772"/>
-          </a:xfrm>
-          <a:prstGeom prst="ellipse">
-            <a:avLst/>
-          </a:prstGeom>
-          <a:solidFill>
-            <a:schemeClr val="tx1">
-              <a:lumMod val="50000"/>
-              <a:lumOff val="50000"/>
-            </a:schemeClr>
-          </a:solidFill>
-          <a:ln w="12700">
-            <a:noFill/>
-          </a:ln>
-          <a:effectLst/>
-        </p:spPr>
-        <p:style>
-          <a:lnRef idx="2">
-            <a:schemeClr val="accent1">
-              <a:shade val="50000"/>
-            </a:schemeClr>
-          </a:lnRef>
-          <a:fillRef idx="1">
-            <a:schemeClr val="accent1"/>
-          </a:fillRef>
-          <a:effectRef idx="0">
-            <a:schemeClr val="accent1"/>
-          </a:effectRef>
-          <a:fontRef idx="minor">
-            <a:schemeClr val="lt1"/>
-          </a:fontRef>
-        </p:style>
-        <p:txBody>
-          <a:bodyPr rtlCol="0" anchor="ctr"/>
-          <a:lstStyle/>
-          <a:p>
-            <a:pPr marL="0" algn="ctr" defTabSz="914400" rtl="0" eaLnBrk="1" latinLnBrk="0" hangingPunct="1"/>
-            <a:endParaRPr lang="en-US" sz="1800" kern="1200">
-              <a:solidFill>
-                <a:schemeClr val="lt1"/>
-              </a:solidFill>
-              <a:latin typeface="+mn-lt"/>
-              <a:ea typeface="+mn-ea"/>
-              <a:cs typeface="+mn-cs"/>
-            </a:endParaRPr>
-          </a:p>
-        </p:txBody>
-      </p:sp>
-      <p:sp>
-        <p:nvSpPr>
-          <p:cNvPr id="8" name="Oval 7"/>
-          <p:cNvSpPr/>
-          <p:nvPr/>
-        </p:nvSpPr>
-        <p:spPr>
-          <a:xfrm>
-            <a:off x="569119" y="6499384"/>
-            <a:ext cx="84772" cy="84772"/>
-          </a:xfrm>
-          <a:prstGeom prst="ellipse">
-            <a:avLst/>
-          </a:prstGeom>
-          <a:solidFill>
-            <a:schemeClr val="tx1">
-              <a:lumMod val="50000"/>
-              <a:lumOff val="50000"/>
-            </a:schemeClr>
-          </a:solidFill>
-          <a:ln w="12700">
-            <a:noFill/>
-          </a:ln>
-          <a:effectLst/>
-        </p:spPr>
-        <p:style>
-          <a:lnRef idx="2">
-            <a:schemeClr val="accent1">
-              <a:shade val="50000"/>
-            </a:schemeClr>
-          </a:lnRef>
-          <a:fillRef idx="1">
-            <a:schemeClr val="accent1"/>
-          </a:fillRef>
-          <a:effectRef idx="0">
-            <a:schemeClr val="accent1"/>
-          </a:effectRef>
-          <a:fontRef idx="minor">
-            <a:schemeClr val="lt1"/>
-          </a:fontRef>
-        </p:style>
-        <p:txBody>
-          <a:bodyPr rtlCol="0" anchor="ctr"/>
-          <a:lstStyle/>
-          <a:p>
-            <a:pPr algn="ctr"/>
-            <a:endParaRPr lang="en-US"/>
-          </a:p>
-        </p:txBody>
-      </p:sp>
     </p:spTree>
+    <p:extLst>
+      <p:ext uri="{BB962C8B-B14F-4D97-AF65-F5344CB8AC3E}">
+        <p14:creationId xmlns:p14="http://schemas.microsoft.com/office/powerpoint/2010/main" val="1208037728"/>
+      </p:ext>
+    </p:extLst>
   </p:cSld>
   <p:clrMap bg1="lt1" tx1="dk1" bg2="lt2" tx2="dk2" accent1="accent1" accent2="accent2" accent3="accent3" accent4="accent4" accent5="accent5" accent6="accent6" hlink="hlink" folHlink="folHlink"/>
   <p:sldLayoutIdLst>
-    <p:sldLayoutId id="2147483649" r:id="rId1"/>
-    <p:sldLayoutId id="2147483650" r:id="rId2"/>
-    <p:sldLayoutId id="2147483651" r:id="rId3"/>
-    <p:sldLayoutId id="2147483652" r:id="rId4"/>
-    <p:sldLayoutId id="2147483653" r:id="rId5"/>
-    <p:sldLayoutId id="2147483654" r:id="rId6"/>
-    <p:sldLayoutId id="2147483655" r:id="rId7"/>
-    <p:sldLayoutId id="2147483656" r:id="rId8"/>
-    <p:sldLayoutId id="2147483657" r:id="rId9"/>
-    <p:sldLayoutId id="2147483658" r:id="rId10"/>
-    <p:sldLayoutId id="2147483659" r:id="rId11"/>
+    <p:sldLayoutId id="2147483661" r:id="rId1"/>
+    <p:sldLayoutId id="2147483662" r:id="rId2"/>
+    <p:sldLayoutId id="2147483663" r:id="rId3"/>
+    <p:sldLayoutId id="2147483664" r:id="rId4"/>
+    <p:sldLayoutId id="2147483665" r:id="rId5"/>
+    <p:sldLayoutId id="2147483666" r:id="rId6"/>
+    <p:sldLayoutId id="2147483667" r:id="rId7"/>
+    <p:sldLayoutId id="2147483668" r:id="rId8"/>
+    <p:sldLayoutId id="2147483669" r:id="rId9"/>
+    <p:sldLayoutId id="2147483670" r:id="rId10"/>
+    <p:sldLayoutId id="2147483671" r:id="rId11"/>
   </p:sldLayoutIdLst>
-  <p:hf sldNum="0" hdr="0" ftr="0" dt="0"/>
+  <p:hf hdr="0" dt="0"/>
   <p:txStyles>
     <p:titleStyle>
-      <a:lvl1pPr algn="ctr" defTabSz="914400" rtl="0" eaLnBrk="1" latinLnBrk="0" hangingPunct="1">
-        <a:lnSpc>
-          <a:spcPts val="5800"/>
-        </a:lnSpc>
+      <a:lvl1pPr algn="ctr" defTabSz="457200" rtl="0" eaLnBrk="1" latinLnBrk="0" hangingPunct="1">
         <a:spcBef>
           <a:spcPct val="0"/>
         </a:spcBef>
         <a:buNone/>
-        <a:defRPr sz="5400" kern="1200">
+        <a:defRPr sz="4400" kern="1200">
           <a:solidFill>
-            <a:schemeClr val="tx2"/>
+            <a:schemeClr val="tx1"/>
           </a:solidFill>
-          <a:effectLst>
-            <a:outerShdw blurRad="63500" dist="38100" dir="5400000" algn="t" rotWithShape="0">
-              <a:prstClr val="black">
-                <a:alpha val="25000"/>
-              </a:prstClr>
-            </a:outerShdw>
-          </a:effectLst>
-          <a:latin typeface="+mn-lt"/>
+          <a:latin typeface="+mj-lt"/>
           <a:ea typeface="+mj-ea"/>
           <a:cs typeface="+mj-cs"/>
         </a:defRPr>
       </a:lvl1pPr>
     </p:titleStyle>
     <p:bodyStyle>
-      <a:lvl1pPr marL="342900" indent="-342900" algn="l" defTabSz="914400" rtl="0" eaLnBrk="1" latinLnBrk="0" hangingPunct="1">
+      <a:lvl1pPr marL="342900" indent="-342900" algn="l" defTabSz="457200" rtl="0" eaLnBrk="1" latinLnBrk="0" hangingPunct="1">
         <a:spcBef>
           <a:spcPct val="20000"/>
         </a:spcBef>
-        <a:buFont typeface="Arial" pitchFamily="34" charset="0"/>
+        <a:buFont typeface="Arial"/>
         <a:buChar char="•"/>
-        <a:defRPr sz="2400" kern="1200">
+        <a:defRPr sz="3200" kern="1200">
           <a:solidFill>
-            <a:schemeClr val="tx1">
-              <a:lumMod val="50000"/>
-              <a:lumOff val="50000"/>
-            </a:schemeClr>
+            <a:schemeClr val="tx1"/>
           </a:solidFill>
-          <a:latin typeface="+mj-lt"/>
+          <a:latin typeface="+mn-lt"/>
           <a:ea typeface="+mn-ea"/>
           <a:cs typeface="+mn-cs"/>
         </a:defRPr>
       </a:lvl1pPr>
-      <a:lvl2pPr marL="742950" indent="-285750" algn="l" defTabSz="914400" rtl="0" eaLnBrk="1" latinLnBrk="0" hangingPunct="1">
+      <a:lvl2pPr marL="742950" indent="-285750" algn="l" defTabSz="457200" rtl="0" eaLnBrk="1" latinLnBrk="0" hangingPunct="1">
         <a:spcBef>
           <a:spcPct val="20000"/>
         </a:spcBef>
-        <a:buFont typeface="Courier New" pitchFamily="49" charset="0"/>
-        <a:buChar char="o"/>
-        <a:defRPr sz="1600" kern="1200">
+        <a:buFont typeface="Arial"/>
+        <a:buChar char="–"/>
+        <a:defRPr sz="2800" kern="1200">
           <a:solidFill>
-            <a:schemeClr val="tx1">
-              <a:lumMod val="50000"/>
-              <a:lumOff val="50000"/>
-            </a:schemeClr>
+            <a:schemeClr val="tx1"/>
           </a:solidFill>
-          <a:latin typeface="+mj-lt"/>
+          <a:latin typeface="+mn-lt"/>
           <a:ea typeface="+mn-ea"/>
           <a:cs typeface="+mn-cs"/>
         </a:defRPr>
       </a:lvl2pPr>
-      <a:lvl3pPr marL="1143000" indent="-228600" algn="l" defTabSz="914400" rtl="0" eaLnBrk="1" latinLnBrk="0" hangingPunct="1">
+      <a:lvl3pPr marL="1143000" indent="-228600" algn="l" defTabSz="457200" rtl="0" eaLnBrk="1" latinLnBrk="0" hangingPunct="1">
         <a:spcBef>
           <a:spcPct val="20000"/>
         </a:spcBef>
-        <a:buFont typeface="Arial" pitchFamily="34" charset="0"/>
+        <a:buFont typeface="Arial"/>
         <a:buChar char="•"/>
-        <a:defRPr sz="1600" kern="1200">
+        <a:defRPr sz="2400" kern="1200">
           <a:solidFill>
-            <a:schemeClr val="tx1">
-              <a:lumMod val="50000"/>
-              <a:lumOff val="50000"/>
-            </a:schemeClr>
+            <a:schemeClr val="tx1"/>
           </a:solidFill>
-          <a:latin typeface="+mj-lt"/>
+          <a:latin typeface="+mn-lt"/>
           <a:ea typeface="+mn-ea"/>
           <a:cs typeface="+mn-cs"/>
         </a:defRPr>
       </a:lvl3pPr>
-      <a:lvl4pPr marL="1600200" indent="-228600" algn="l" defTabSz="914400" rtl="0" eaLnBrk="1" latinLnBrk="0" hangingPunct="1">
+      <a:lvl4pPr marL="1600200" indent="-228600" algn="l" defTabSz="457200" rtl="0" eaLnBrk="1" latinLnBrk="0" hangingPunct="1">
         <a:spcBef>
           <a:spcPct val="20000"/>
         </a:spcBef>
-        <a:buFont typeface="Courier New" pitchFamily="49" charset="0"/>
-        <a:buChar char="o"/>
-        <a:defRPr sz="1600" kern="1200">
+        <a:buFont typeface="Arial"/>
+        <a:buChar char="–"/>
+        <a:defRPr sz="2000" kern="1200">
           <a:solidFill>
-            <a:schemeClr val="tx1">
-              <a:lumMod val="50000"/>
-              <a:lumOff val="50000"/>
-            </a:schemeClr>
+            <a:schemeClr val="tx1"/>
           </a:solidFill>
-          <a:latin typeface="+mj-lt"/>
+          <a:latin typeface="+mn-lt"/>
           <a:ea typeface="+mn-ea"/>
           <a:cs typeface="+mn-cs"/>
         </a:defRPr>
       </a:lvl4pPr>
-      <a:lvl5pPr marL="2057400" indent="-228600" algn="l" defTabSz="914400" rtl="0" eaLnBrk="1" latinLnBrk="0" hangingPunct="1">
+      <a:lvl5pPr marL="2057400" indent="-228600" algn="l" defTabSz="457200" rtl="0" eaLnBrk="1" latinLnBrk="0" hangingPunct="1">
         <a:spcBef>
           <a:spcPct val="20000"/>
         </a:spcBef>
-        <a:buFont typeface="Arial" pitchFamily="34" charset="0"/>
-        <a:buChar char="•"/>
-        <a:defRPr sz="1600" kern="1200">
+        <a:buFont typeface="Arial"/>
+        <a:buChar char="»"/>
+        <a:defRPr sz="2000" kern="1200">
           <a:solidFill>
-            <a:schemeClr val="tx1">
-              <a:lumMod val="50000"/>
-              <a:lumOff val="50000"/>
-            </a:schemeClr>
+            <a:schemeClr val="tx1"/>
           </a:solidFill>
-          <a:latin typeface="+mj-lt"/>
+          <a:latin typeface="+mn-lt"/>
           <a:ea typeface="+mn-ea"/>
           <a:cs typeface="+mn-cs"/>
         </a:defRPr>
       </a:lvl5pPr>
-      <a:lvl6pPr marL="2514600" indent="-228600" algn="l" defTabSz="914400" rtl="0" eaLnBrk="1" latinLnBrk="0" hangingPunct="1">
+      <a:lvl6pPr marL="2514600" indent="-228600" algn="l" defTabSz="457200" rtl="0" eaLnBrk="1" latinLnBrk="0" hangingPunct="1">
         <a:spcBef>
           <a:spcPct val="20000"/>
         </a:spcBef>
-        <a:buFont typeface="Courier New" pitchFamily="49" charset="0"/>
-        <a:buChar char="o"/>
-        <a:defRPr sz="1600" kern="1200">
+        <a:buFont typeface="Arial"/>
+        <a:buChar char="•"/>
+        <a:defRPr sz="2000" kern="1200">
           <a:solidFill>
-            <a:schemeClr val="tx1">
-              <a:lumMod val="50000"/>
-              <a:lumOff val="50000"/>
-            </a:schemeClr>
+            <a:schemeClr val="tx1"/>
           </a:solidFill>
-          <a:latin typeface="+mj-lt"/>
+          <a:latin typeface="+mn-lt"/>
           <a:ea typeface="+mn-ea"/>
           <a:cs typeface="+mn-cs"/>
         </a:defRPr>
       </a:lvl6pPr>
-      <a:lvl7pPr marL="2971800" indent="-228600" algn="l" defTabSz="914400" rtl="0" eaLnBrk="1" latinLnBrk="0" hangingPunct="1">
+      <a:lvl7pPr marL="2971800" indent="-228600" algn="l" defTabSz="457200" rtl="0" eaLnBrk="1" latinLnBrk="0" hangingPunct="1">
         <a:spcBef>
           <a:spcPct val="20000"/>
         </a:spcBef>
-        <a:buFont typeface="Arial" pitchFamily="34" charset="0"/>
+        <a:buFont typeface="Arial"/>
         <a:buChar char="•"/>
-        <a:defRPr sz="1600" kern="1200">
+        <a:defRPr sz="2000" kern="1200">
           <a:solidFill>
-            <a:schemeClr val="tx1">
-              <a:lumMod val="50000"/>
-              <a:lumOff val="50000"/>
-            </a:schemeClr>
+            <a:schemeClr val="tx1"/>
           </a:solidFill>
-          <a:latin typeface="+mj-lt"/>
+          <a:latin typeface="+mn-lt"/>
           <a:ea typeface="+mn-ea"/>
           <a:cs typeface="+mn-cs"/>
         </a:defRPr>
       </a:lvl7pPr>
-      <a:lvl8pPr marL="3429000" indent="-228600" algn="l" defTabSz="914400" rtl="0" eaLnBrk="1" latinLnBrk="0" hangingPunct="1">
+      <a:lvl8pPr marL="3429000" indent="-228600" algn="l" defTabSz="457200" rtl="0" eaLnBrk="1" latinLnBrk="0" hangingPunct="1">
         <a:spcBef>
           <a:spcPct val="20000"/>
         </a:spcBef>
-        <a:buFont typeface="Courier New" pitchFamily="49" charset="0"/>
-        <a:buChar char="o"/>
-        <a:defRPr sz="1600" kern="1200">
+        <a:buFont typeface="Arial"/>
+        <a:buChar char="•"/>
+        <a:defRPr sz="2000" kern="1200">
           <a:solidFill>
-            <a:schemeClr val="tx1">
-              <a:lumMod val="50000"/>
-              <a:lumOff val="50000"/>
-            </a:schemeClr>
+            <a:schemeClr val="tx1"/>
           </a:solidFill>
-          <a:latin typeface="+mj-lt"/>
+          <a:latin typeface="+mn-lt"/>
           <a:ea typeface="+mn-ea"/>
           <a:cs typeface="+mn-cs"/>
         </a:defRPr>
       </a:lvl8pPr>
-      <a:lvl9pPr marL="3886200" indent="-228600" algn="l" defTabSz="914400" rtl="0" eaLnBrk="1" latinLnBrk="0" hangingPunct="1">
+      <a:lvl9pPr marL="3886200" indent="-228600" algn="l" defTabSz="457200" rtl="0" eaLnBrk="1" latinLnBrk="0" hangingPunct="1">
         <a:spcBef>
           <a:spcPct val="20000"/>
         </a:spcBef>
-        <a:buFont typeface="Arial" pitchFamily="34" charset="0"/>
+        <a:buFont typeface="Arial"/>
         <a:buChar char="•"/>
-        <a:defRPr sz="1600" kern="1200">
+        <a:defRPr sz="2000" kern="1200">
           <a:solidFill>
-            <a:schemeClr val="tx1">
-              <a:lumMod val="50000"/>
-              <a:lumOff val="50000"/>
-            </a:schemeClr>
+            <a:schemeClr val="tx1"/>
           </a:solidFill>
-          <a:latin typeface="+mj-lt"/>
+          <a:latin typeface="+mn-lt"/>
           <a:ea typeface="+mn-ea"/>
           <a:cs typeface="+mn-cs"/>
         </a:defRPr>
@@ -3291,7 +3586,7 @@
       <a:defPPr>
         <a:defRPr lang="en-US"/>
       </a:defPPr>
-      <a:lvl1pPr marL="0" algn="l" defTabSz="914400" rtl="0" eaLnBrk="1" latinLnBrk="0" hangingPunct="1">
+      <a:lvl1pPr marL="0" algn="l" defTabSz="457200" rtl="0" eaLnBrk="1" latinLnBrk="0" hangingPunct="1">
         <a:defRPr sz="1800" kern="1200">
           <a:solidFill>
             <a:schemeClr val="tx1"/>
@@ -3301,7 +3596,7 @@
           <a:cs typeface="+mn-cs"/>
         </a:defRPr>
       </a:lvl1pPr>
-      <a:lvl2pPr marL="457200" algn="l" defTabSz="914400" rtl="0" eaLnBrk="1" latinLnBrk="0" hangingPunct="1">
+      <a:lvl2pPr marL="457200" algn="l" defTabSz="457200" rtl="0" eaLnBrk="1" latinLnBrk="0" hangingPunct="1">
         <a:defRPr sz="1800" kern="1200">
           <a:solidFill>
             <a:schemeClr val="tx1"/>
@@ -3311,7 +3606,7 @@
           <a:cs typeface="+mn-cs"/>
         </a:defRPr>
       </a:lvl2pPr>
-      <a:lvl3pPr marL="914400" algn="l" defTabSz="914400" rtl="0" eaLnBrk="1" latinLnBrk="0" hangingPunct="1">
+      <a:lvl3pPr marL="914400" algn="l" defTabSz="457200" rtl="0" eaLnBrk="1" latinLnBrk="0" hangingPunct="1">
         <a:defRPr sz="1800" kern="1200">
           <a:solidFill>
             <a:schemeClr val="tx1"/>
@@ -3321,7 +3616,7 @@
           <a:cs typeface="+mn-cs"/>
         </a:defRPr>
       </a:lvl3pPr>
-      <a:lvl4pPr marL="1371600" algn="l" defTabSz="914400" rtl="0" eaLnBrk="1" latinLnBrk="0" hangingPunct="1">
+      <a:lvl4pPr marL="1371600" algn="l" defTabSz="457200" rtl="0" eaLnBrk="1" latinLnBrk="0" hangingPunct="1">
         <a:defRPr sz="1800" kern="1200">
           <a:solidFill>
             <a:schemeClr val="tx1"/>
@@ -3331,7 +3626,7 @@
           <a:cs typeface="+mn-cs"/>
         </a:defRPr>
       </a:lvl4pPr>
-      <a:lvl5pPr marL="1828800" algn="l" defTabSz="914400" rtl="0" eaLnBrk="1" latinLnBrk="0" hangingPunct="1">
+      <a:lvl5pPr marL="1828800" algn="l" defTabSz="457200" rtl="0" eaLnBrk="1" latinLnBrk="0" hangingPunct="1">
         <a:defRPr sz="1800" kern="1200">
           <a:solidFill>
             <a:schemeClr val="tx1"/>
@@ -3341,7 +3636,7 @@
           <a:cs typeface="+mn-cs"/>
         </a:defRPr>
       </a:lvl5pPr>
-      <a:lvl6pPr marL="2286000" algn="l" defTabSz="914400" rtl="0" eaLnBrk="1" latinLnBrk="0" hangingPunct="1">
+      <a:lvl6pPr marL="2286000" algn="l" defTabSz="457200" rtl="0" eaLnBrk="1" latinLnBrk="0" hangingPunct="1">
         <a:defRPr sz="1800" kern="1200">
           <a:solidFill>
             <a:schemeClr val="tx1"/>
@@ -3351,7 +3646,7 @@
           <a:cs typeface="+mn-cs"/>
         </a:defRPr>
       </a:lvl6pPr>
-      <a:lvl7pPr marL="2743200" algn="l" defTabSz="914400" rtl="0" eaLnBrk="1" latinLnBrk="0" hangingPunct="1">
+      <a:lvl7pPr marL="2743200" algn="l" defTabSz="457200" rtl="0" eaLnBrk="1" latinLnBrk="0" hangingPunct="1">
         <a:defRPr sz="1800" kern="1200">
           <a:solidFill>
             <a:schemeClr val="tx1"/>
@@ -3361,7 +3656,7 @@
           <a:cs typeface="+mn-cs"/>
         </a:defRPr>
       </a:lvl7pPr>
-      <a:lvl8pPr marL="3200400" algn="l" defTabSz="914400" rtl="0" eaLnBrk="1" latinLnBrk="0" hangingPunct="1">
+      <a:lvl8pPr marL="3200400" algn="l" defTabSz="457200" rtl="0" eaLnBrk="1" latinLnBrk="0" hangingPunct="1">
         <a:defRPr sz="1800" kern="1200">
           <a:solidFill>
             <a:schemeClr val="tx1"/>
@@ -3371,7 +3666,7 @@
           <a:cs typeface="+mn-cs"/>
         </a:defRPr>
       </a:lvl8pPr>
-      <a:lvl9pPr marL="3657600" algn="l" defTabSz="914400" rtl="0" eaLnBrk="1" latinLnBrk="0" hangingPunct="1">
+      <a:lvl9pPr marL="3657600" algn="l" defTabSz="457200" rtl="0" eaLnBrk="1" latinLnBrk="0" hangingPunct="1">
         <a:defRPr sz="1800" kern="1200">
           <a:solidFill>
             <a:schemeClr val="tx1"/>
@@ -3415,7 +3710,9 @@
         </p:nvSpPr>
         <p:spPr/>
         <p:txBody>
-          <a:bodyPr/>
+          <a:bodyPr>
+            <a:normAutofit fontScale="90000"/>
+          </a:bodyPr>
           <a:lstStyle/>
           <a:p>
             <a:r>
@@ -3472,10 +3769,3037 @@
 </p:sld>
 </file>
 
+<file path=ppt/slides/slide10.xml><?xml version="1.0" encoding="utf-8"?>
+<p:sld xmlns:a="http://schemas.openxmlformats.org/drawingml/2006/main" xmlns:r="http://schemas.openxmlformats.org/officeDocument/2006/relationships" xmlns:p="http://schemas.openxmlformats.org/presentationml/2006/main">
+  <p:cSld>
+    <p:spTree>
+      <p:nvGrpSpPr>
+        <p:cNvPr id="1" name=""/>
+        <p:cNvGrpSpPr/>
+        <p:nvPr/>
+      </p:nvGrpSpPr>
+      <p:grpSpPr>
+        <a:xfrm>
+          <a:off x="0" y="0"/>
+          <a:ext cx="0" cy="0"/>
+          <a:chOff x="0" y="0"/>
+          <a:chExt cx="0" cy="0"/>
+        </a:xfrm>
+      </p:grpSpPr>
+      <p:sp>
+        <p:nvSpPr>
+          <p:cNvPr id="2" name="Title 1"/>
+          <p:cNvSpPr>
+            <a:spLocks noGrp="1"/>
+          </p:cNvSpPr>
+          <p:nvPr>
+            <p:ph type="title"/>
+          </p:nvPr>
+        </p:nvSpPr>
+        <p:spPr/>
+        <p:txBody>
+          <a:bodyPr>
+            <a:normAutofit fontScale="90000"/>
+          </a:bodyPr>
+          <a:lstStyle/>
+          <a:p>
+            <a:r>
+              <a:rPr lang="en-GB" dirty="0"/>
+              <a:t>Data preparation 2/2: Extracting LSP </a:t>
+            </a:r>
+            <a:r>
+              <a:rPr lang="en-GB" dirty="0" smtClean="0"/>
+              <a:t>indices</a:t>
+            </a:r>
+            <a:endParaRPr lang="en-US" dirty="0"/>
+          </a:p>
+        </p:txBody>
+      </p:sp>
+      <p:sp>
+        <p:nvSpPr>
+          <p:cNvPr id="3" name="Content Placeholder 2"/>
+          <p:cNvSpPr>
+            <a:spLocks noGrp="1"/>
+          </p:cNvSpPr>
+          <p:nvPr>
+            <p:ph idx="1"/>
+          </p:nvPr>
+        </p:nvSpPr>
+        <p:spPr/>
+        <p:txBody>
+          <a:bodyPr>
+            <a:normAutofit fontScale="92500" lnSpcReduction="20000"/>
+          </a:bodyPr>
+          <a:lstStyle/>
+          <a:p>
+            <a:pPr lvl="0"/>
+            <a:r>
+              <a:rPr lang="en-GB" dirty="0"/>
+              <a:t>Get Start of Season, End of Season and Growing Season Length</a:t>
+            </a:r>
+            <a:endParaRPr lang="de-CH" dirty="0"/>
+          </a:p>
+          <a:p>
+            <a:pPr lvl="0"/>
+            <a:r>
+              <a:rPr lang="en-GB" dirty="0"/>
+              <a:t>Harmonic Analysis to get smooth yearly LAI profiles using HANTS</a:t>
+            </a:r>
+            <a:endParaRPr lang="de-CH" dirty="0"/>
+          </a:p>
+          <a:p>
+            <a:pPr lvl="1"/>
+            <a:r>
+              <a:rPr lang="en-GB" dirty="0"/>
+              <a:t>Developed for NDVI, but same principle applies for LAI</a:t>
+            </a:r>
+            <a:endParaRPr lang="de-CH" dirty="0"/>
+          </a:p>
+          <a:p>
+            <a:pPr lvl="0"/>
+            <a:r>
+              <a:rPr lang="en-GB" dirty="0"/>
+              <a:t>Wide range of possible SOS definitions, Midpoint or Max-Increase will be used</a:t>
+            </a:r>
+            <a:endParaRPr lang="de-CH" dirty="0"/>
+          </a:p>
+          <a:p>
+            <a:pPr lvl="0"/>
+            <a:r>
+              <a:rPr lang="en-GB" dirty="0"/>
+              <a:t>EOS defined as first day after SOS where LAI value is below LAI</a:t>
+            </a:r>
+            <a:r>
+              <a:rPr lang="en-GB" baseline="-25000" dirty="0"/>
+              <a:t>SOS</a:t>
+            </a:r>
+            <a:endParaRPr lang="de-CH" dirty="0"/>
+          </a:p>
+          <a:p>
+            <a:pPr lvl="0"/>
+            <a:r>
+              <a:rPr lang="en-GB" dirty="0"/>
+              <a:t>Process all LAI-re data, random sample of LAI-3g over all years</a:t>
+            </a:r>
+            <a:endParaRPr lang="de-CH" dirty="0"/>
+          </a:p>
+          <a:p>
+            <a:endParaRPr lang="en-US" dirty="0"/>
+          </a:p>
+        </p:txBody>
+      </p:sp>
+      <p:sp>
+        <p:nvSpPr>
+          <p:cNvPr id="4" name="Footer Placeholder 3"/>
+          <p:cNvSpPr>
+            <a:spLocks noGrp="1"/>
+          </p:cNvSpPr>
+          <p:nvPr>
+            <p:ph type="ftr" sz="quarter" idx="11"/>
+          </p:nvPr>
+        </p:nvSpPr>
+        <p:spPr/>
+        <p:txBody>
+          <a:bodyPr/>
+          <a:lstStyle/>
+          <a:p>
+            <a:r>
+              <a:rPr lang="en-US" smtClean="0"/>
+              <a:t>MSc. Concept Presentation David Schenkel</a:t>
+            </a:r>
+            <a:endParaRPr lang="en-US"/>
+          </a:p>
+        </p:txBody>
+      </p:sp>
+      <p:sp>
+        <p:nvSpPr>
+          <p:cNvPr id="5" name="Slide Number Placeholder 4"/>
+          <p:cNvSpPr>
+            <a:spLocks noGrp="1"/>
+          </p:cNvSpPr>
+          <p:nvPr>
+            <p:ph type="sldNum" sz="quarter" idx="12"/>
+          </p:nvPr>
+        </p:nvSpPr>
+        <p:spPr/>
+        <p:txBody>
+          <a:bodyPr/>
+          <a:lstStyle/>
+          <a:p>
+            <a:fld id="{BA9B540C-44DA-4F69-89C9-7C84606640D3}" type="slidenum">
+              <a:rPr lang="en-US" smtClean="0"/>
+              <a:pPr/>
+              <a:t>10</a:t>
+            </a:fld>
+            <a:endParaRPr lang="en-US"/>
+          </a:p>
+        </p:txBody>
+      </p:sp>
+    </p:spTree>
+    <p:extLst>
+      <p:ext uri="{BB962C8B-B14F-4D97-AF65-F5344CB8AC3E}">
+        <p14:creationId xmlns:p14="http://schemas.microsoft.com/office/powerpoint/2010/main" val="3939210545"/>
+      </p:ext>
+    </p:extLst>
+  </p:cSld>
+  <p:clrMapOvr>
+    <a:masterClrMapping/>
+  </p:clrMapOvr>
+</p:sld>
+</file>
+
+<file path=ppt/slides/slide11.xml><?xml version="1.0" encoding="utf-8"?>
+<p:sld xmlns:a="http://schemas.openxmlformats.org/drawingml/2006/main" xmlns:r="http://schemas.openxmlformats.org/officeDocument/2006/relationships" xmlns:p="http://schemas.openxmlformats.org/presentationml/2006/main">
+  <p:cSld>
+    <p:spTree>
+      <p:nvGrpSpPr>
+        <p:cNvPr id="1" name=""/>
+        <p:cNvGrpSpPr/>
+        <p:nvPr/>
+      </p:nvGrpSpPr>
+      <p:grpSpPr>
+        <a:xfrm>
+          <a:off x="0" y="0"/>
+          <a:ext cx="0" cy="0"/>
+          <a:chOff x="0" y="0"/>
+          <a:chExt cx="0" cy="0"/>
+        </a:xfrm>
+      </p:grpSpPr>
+      <p:sp>
+        <p:nvSpPr>
+          <p:cNvPr id="2" name="Title 1"/>
+          <p:cNvSpPr>
+            <a:spLocks noGrp="1"/>
+          </p:cNvSpPr>
+          <p:nvPr>
+            <p:ph type="title"/>
+          </p:nvPr>
+        </p:nvSpPr>
+        <p:spPr/>
+        <p:txBody>
+          <a:bodyPr>
+            <a:normAutofit/>
+          </a:bodyPr>
+          <a:lstStyle/>
+          <a:p>
+            <a:r>
+              <a:rPr lang="en-GB" b="1" dirty="0"/>
+              <a:t>Plausibility analysis of LAI-</a:t>
+            </a:r>
+            <a:r>
+              <a:rPr lang="en-GB" b="1" dirty="0" smtClean="0"/>
+              <a:t>re</a:t>
+            </a:r>
+            <a:endParaRPr lang="en-US" dirty="0"/>
+          </a:p>
+        </p:txBody>
+      </p:sp>
+      <p:sp>
+        <p:nvSpPr>
+          <p:cNvPr id="3" name="Content Placeholder 2"/>
+          <p:cNvSpPr>
+            <a:spLocks noGrp="1"/>
+          </p:cNvSpPr>
+          <p:nvPr>
+            <p:ph idx="1"/>
+          </p:nvPr>
+        </p:nvSpPr>
+        <p:spPr/>
+        <p:txBody>
+          <a:bodyPr/>
+          <a:lstStyle/>
+          <a:p>
+            <a:pPr lvl="0"/>
+            <a:r>
+              <a:rPr lang="en-GB" dirty="0"/>
+              <a:t>Compare raw LAI-re data to LAI3g data for Land surface points (yearly averages, monthly averages)</a:t>
+            </a:r>
+            <a:endParaRPr lang="de-CH" dirty="0"/>
+          </a:p>
+          <a:p>
+            <a:r>
+              <a:rPr lang="en-GB" dirty="0"/>
+              <a:t>Compare extracted LSP indices</a:t>
+            </a:r>
+            <a:r>
+              <a:rPr lang="de-CH" dirty="0" smtClean="0">
+                <a:effectLst/>
+              </a:rPr>
+              <a:t> </a:t>
+            </a:r>
+            <a:endParaRPr lang="en-US" dirty="0"/>
+          </a:p>
+        </p:txBody>
+      </p:sp>
+      <p:sp>
+        <p:nvSpPr>
+          <p:cNvPr id="4" name="Footer Placeholder 3"/>
+          <p:cNvSpPr>
+            <a:spLocks noGrp="1"/>
+          </p:cNvSpPr>
+          <p:nvPr>
+            <p:ph type="ftr" sz="quarter" idx="11"/>
+          </p:nvPr>
+        </p:nvSpPr>
+        <p:spPr/>
+        <p:txBody>
+          <a:bodyPr/>
+          <a:lstStyle/>
+          <a:p>
+            <a:r>
+              <a:rPr lang="en-US" smtClean="0"/>
+              <a:t>MSc. Concept Presentation David Schenkel</a:t>
+            </a:r>
+            <a:endParaRPr lang="en-US"/>
+          </a:p>
+        </p:txBody>
+      </p:sp>
+      <p:sp>
+        <p:nvSpPr>
+          <p:cNvPr id="5" name="Slide Number Placeholder 4"/>
+          <p:cNvSpPr>
+            <a:spLocks noGrp="1"/>
+          </p:cNvSpPr>
+          <p:nvPr>
+            <p:ph type="sldNum" sz="quarter" idx="12"/>
+          </p:nvPr>
+        </p:nvSpPr>
+        <p:spPr/>
+        <p:txBody>
+          <a:bodyPr/>
+          <a:lstStyle/>
+          <a:p>
+            <a:fld id="{BA9B540C-44DA-4F69-89C9-7C84606640D3}" type="slidenum">
+              <a:rPr lang="en-US" smtClean="0"/>
+              <a:pPr/>
+              <a:t>11</a:t>
+            </a:fld>
+            <a:endParaRPr lang="en-US"/>
+          </a:p>
+        </p:txBody>
+      </p:sp>
+    </p:spTree>
+    <p:extLst>
+      <p:ext uri="{BB962C8B-B14F-4D97-AF65-F5344CB8AC3E}">
+        <p14:creationId xmlns:p14="http://schemas.microsoft.com/office/powerpoint/2010/main" val="1814485911"/>
+      </p:ext>
+    </p:extLst>
+  </p:cSld>
+  <p:clrMapOvr>
+    <a:masterClrMapping/>
+  </p:clrMapOvr>
+</p:sld>
+</file>
+
+<file path=ppt/slides/slide12.xml><?xml version="1.0" encoding="utf-8"?>
+<p:sld xmlns:a="http://schemas.openxmlformats.org/drawingml/2006/main" xmlns:r="http://schemas.openxmlformats.org/officeDocument/2006/relationships" xmlns:p="http://schemas.openxmlformats.org/presentationml/2006/main">
+  <p:cSld>
+    <p:spTree>
+      <p:nvGrpSpPr>
+        <p:cNvPr id="1" name=""/>
+        <p:cNvGrpSpPr/>
+        <p:nvPr/>
+      </p:nvGrpSpPr>
+      <p:grpSpPr>
+        <a:xfrm>
+          <a:off x="0" y="0"/>
+          <a:ext cx="0" cy="0"/>
+          <a:chOff x="0" y="0"/>
+          <a:chExt cx="0" cy="0"/>
+        </a:xfrm>
+      </p:grpSpPr>
+      <p:sp>
+        <p:nvSpPr>
+          <p:cNvPr id="2" name="Title 1"/>
+          <p:cNvSpPr>
+            <a:spLocks noGrp="1"/>
+          </p:cNvSpPr>
+          <p:nvPr>
+            <p:ph type="title"/>
+          </p:nvPr>
+        </p:nvSpPr>
+        <p:spPr/>
+        <p:txBody>
+          <a:bodyPr>
+            <a:normAutofit fontScale="90000"/>
+          </a:bodyPr>
+          <a:lstStyle/>
+          <a:p>
+            <a:r>
+              <a:rPr lang="en-GB" dirty="0" err="1" smtClean="0"/>
+              <a:t>Analyzing</a:t>
+            </a:r>
+            <a:r>
+              <a:rPr lang="en-GB" dirty="0" smtClean="0"/>
+              <a:t> </a:t>
+            </a:r>
+            <a:r>
+              <a:rPr lang="en-GB" dirty="0"/>
+              <a:t>Changes in Climatic Controls</a:t>
+            </a:r>
+            <a:r>
+              <a:rPr lang="de-CH" dirty="0" smtClean="0">
+                <a:effectLst/>
+              </a:rPr>
+              <a:t> </a:t>
+            </a:r>
+            <a:endParaRPr lang="en-US" dirty="0"/>
+          </a:p>
+        </p:txBody>
+      </p:sp>
+      <p:sp>
+        <p:nvSpPr>
+          <p:cNvPr id="3" name="Content Placeholder 2"/>
+          <p:cNvSpPr>
+            <a:spLocks noGrp="1"/>
+          </p:cNvSpPr>
+          <p:nvPr>
+            <p:ph idx="1"/>
+          </p:nvPr>
+        </p:nvSpPr>
+        <p:spPr/>
+        <p:txBody>
+          <a:bodyPr/>
+          <a:lstStyle/>
+          <a:p>
+            <a:pPr lvl="0"/>
+            <a:r>
+              <a:rPr lang="en-GB" dirty="0"/>
+              <a:t>Get monthly statistics over all available years to check for trends within data</a:t>
+            </a:r>
+            <a:endParaRPr lang="de-CH" dirty="0"/>
+          </a:p>
+        </p:txBody>
+      </p:sp>
+      <p:sp>
+        <p:nvSpPr>
+          <p:cNvPr id="4" name="Footer Placeholder 3"/>
+          <p:cNvSpPr>
+            <a:spLocks noGrp="1"/>
+          </p:cNvSpPr>
+          <p:nvPr>
+            <p:ph type="ftr" sz="quarter" idx="11"/>
+          </p:nvPr>
+        </p:nvSpPr>
+        <p:spPr/>
+        <p:txBody>
+          <a:bodyPr/>
+          <a:lstStyle/>
+          <a:p>
+            <a:r>
+              <a:rPr lang="en-US" smtClean="0"/>
+              <a:t>MSc. Concept Presentation David Schenkel</a:t>
+            </a:r>
+            <a:endParaRPr lang="en-US"/>
+          </a:p>
+        </p:txBody>
+      </p:sp>
+      <p:sp>
+        <p:nvSpPr>
+          <p:cNvPr id="5" name="Slide Number Placeholder 4"/>
+          <p:cNvSpPr>
+            <a:spLocks noGrp="1"/>
+          </p:cNvSpPr>
+          <p:nvPr>
+            <p:ph type="sldNum" sz="quarter" idx="12"/>
+          </p:nvPr>
+        </p:nvSpPr>
+        <p:spPr/>
+        <p:txBody>
+          <a:bodyPr/>
+          <a:lstStyle/>
+          <a:p>
+            <a:fld id="{BA9B540C-44DA-4F69-89C9-7C84606640D3}" type="slidenum">
+              <a:rPr lang="en-US" smtClean="0"/>
+              <a:pPr/>
+              <a:t>12</a:t>
+            </a:fld>
+            <a:endParaRPr lang="en-US"/>
+          </a:p>
+        </p:txBody>
+      </p:sp>
+    </p:spTree>
+    <p:extLst>
+      <p:ext uri="{BB962C8B-B14F-4D97-AF65-F5344CB8AC3E}">
+        <p14:creationId xmlns:p14="http://schemas.microsoft.com/office/powerpoint/2010/main" val="1672917286"/>
+      </p:ext>
+    </p:extLst>
+  </p:cSld>
+  <p:clrMapOvr>
+    <a:masterClrMapping/>
+  </p:clrMapOvr>
+</p:sld>
+</file>
+
+<file path=ppt/slides/slide13.xml><?xml version="1.0" encoding="utf-8"?>
+<p:sld xmlns:a="http://schemas.openxmlformats.org/drawingml/2006/main" xmlns:r="http://schemas.openxmlformats.org/officeDocument/2006/relationships" xmlns:p="http://schemas.openxmlformats.org/presentationml/2006/main">
+  <p:cSld>
+    <p:spTree>
+      <p:nvGrpSpPr>
+        <p:cNvPr id="1" name=""/>
+        <p:cNvGrpSpPr/>
+        <p:nvPr/>
+      </p:nvGrpSpPr>
+      <p:grpSpPr>
+        <a:xfrm>
+          <a:off x="0" y="0"/>
+          <a:ext cx="0" cy="0"/>
+          <a:chOff x="0" y="0"/>
+          <a:chExt cx="0" cy="0"/>
+        </a:xfrm>
+      </p:grpSpPr>
+      <p:sp>
+        <p:nvSpPr>
+          <p:cNvPr id="2" name="Title 1"/>
+          <p:cNvSpPr>
+            <a:spLocks noGrp="1"/>
+          </p:cNvSpPr>
+          <p:nvPr>
+            <p:ph type="title"/>
+          </p:nvPr>
+        </p:nvSpPr>
+        <p:spPr/>
+        <p:txBody>
+          <a:bodyPr>
+            <a:normAutofit/>
+          </a:bodyPr>
+          <a:lstStyle/>
+          <a:p>
+            <a:r>
+              <a:rPr lang="en-GB" dirty="0"/>
+              <a:t>	Compare Climatic Controls to </a:t>
+            </a:r>
+            <a:r>
+              <a:rPr lang="en-GB" dirty="0" smtClean="0"/>
+              <a:t>LAI</a:t>
+            </a:r>
+            <a:endParaRPr lang="en-US" dirty="0"/>
+          </a:p>
+        </p:txBody>
+      </p:sp>
+      <p:sp>
+        <p:nvSpPr>
+          <p:cNvPr id="3" name="Content Placeholder 2"/>
+          <p:cNvSpPr>
+            <a:spLocks noGrp="1"/>
+          </p:cNvSpPr>
+          <p:nvPr>
+            <p:ph idx="1"/>
+          </p:nvPr>
+        </p:nvSpPr>
+        <p:spPr/>
+        <p:txBody>
+          <a:bodyPr/>
+          <a:lstStyle/>
+          <a:p>
+            <a:pPr lvl="0"/>
+            <a:r>
+              <a:rPr lang="en-GB" dirty="0"/>
+              <a:t>Calculate correlation coefficient for climate controls and LSP indices</a:t>
+            </a:r>
+            <a:endParaRPr lang="de-CH" dirty="0"/>
+          </a:p>
+          <a:p>
+            <a:pPr lvl="0"/>
+            <a:r>
+              <a:rPr lang="en-GB" dirty="0"/>
+              <a:t>Different ways to go about it:</a:t>
+            </a:r>
+            <a:endParaRPr lang="de-CH" dirty="0"/>
+          </a:p>
+          <a:p>
+            <a:pPr lvl="1"/>
+            <a:r>
+              <a:rPr lang="en-GB" dirty="0"/>
+              <a:t>Compare SOS to control factors on this day/month</a:t>
+            </a:r>
+            <a:endParaRPr lang="de-CH" dirty="0"/>
+          </a:p>
+          <a:p>
+            <a:pPr lvl="1"/>
+            <a:r>
+              <a:rPr lang="en-GB" dirty="0"/>
+              <a:t>Compare SOS to control factors in the preceding month</a:t>
+            </a:r>
+            <a:endParaRPr lang="de-CH" dirty="0"/>
+          </a:p>
+          <a:p>
+            <a:pPr lvl="1"/>
+            <a:r>
+              <a:rPr lang="en-GB" dirty="0"/>
+              <a:t>Compare GSL to annual mean or monthly means</a:t>
+            </a:r>
+            <a:endParaRPr lang="de-CH" dirty="0"/>
+          </a:p>
+          <a:p>
+            <a:pPr lvl="1"/>
+            <a:r>
+              <a:rPr lang="en-GB" dirty="0"/>
+              <a:t>…</a:t>
+            </a:r>
+            <a:endParaRPr lang="de-CH" dirty="0"/>
+          </a:p>
+          <a:p>
+            <a:endParaRPr lang="en-US" dirty="0"/>
+          </a:p>
+        </p:txBody>
+      </p:sp>
+      <p:sp>
+        <p:nvSpPr>
+          <p:cNvPr id="4" name="Footer Placeholder 3"/>
+          <p:cNvSpPr>
+            <a:spLocks noGrp="1"/>
+          </p:cNvSpPr>
+          <p:nvPr>
+            <p:ph type="ftr" sz="quarter" idx="11"/>
+          </p:nvPr>
+        </p:nvSpPr>
+        <p:spPr/>
+        <p:txBody>
+          <a:bodyPr/>
+          <a:lstStyle/>
+          <a:p>
+            <a:r>
+              <a:rPr lang="en-US" smtClean="0"/>
+              <a:t>MSc. Concept Presentation David Schenkel</a:t>
+            </a:r>
+            <a:endParaRPr lang="en-US"/>
+          </a:p>
+        </p:txBody>
+      </p:sp>
+      <p:sp>
+        <p:nvSpPr>
+          <p:cNvPr id="5" name="Slide Number Placeholder 4"/>
+          <p:cNvSpPr>
+            <a:spLocks noGrp="1"/>
+          </p:cNvSpPr>
+          <p:nvPr>
+            <p:ph type="sldNum" sz="quarter" idx="12"/>
+          </p:nvPr>
+        </p:nvSpPr>
+        <p:spPr/>
+        <p:txBody>
+          <a:bodyPr/>
+          <a:lstStyle/>
+          <a:p>
+            <a:fld id="{BA9B540C-44DA-4F69-89C9-7C84606640D3}" type="slidenum">
+              <a:rPr lang="en-US" smtClean="0"/>
+              <a:pPr/>
+              <a:t>13</a:t>
+            </a:fld>
+            <a:endParaRPr lang="en-US"/>
+          </a:p>
+        </p:txBody>
+      </p:sp>
+    </p:spTree>
+    <p:extLst>
+      <p:ext uri="{BB962C8B-B14F-4D97-AF65-F5344CB8AC3E}">
+        <p14:creationId xmlns:p14="http://schemas.microsoft.com/office/powerpoint/2010/main" val="806189477"/>
+      </p:ext>
+    </p:extLst>
+  </p:cSld>
+  <p:clrMapOvr>
+    <a:masterClrMapping/>
+  </p:clrMapOvr>
+</p:sld>
+</file>
+
+<file path=ppt/slides/slide14.xml><?xml version="1.0" encoding="utf-8"?>
+<p:sld xmlns:a="http://schemas.openxmlformats.org/drawingml/2006/main" xmlns:r="http://schemas.openxmlformats.org/officeDocument/2006/relationships" xmlns:p="http://schemas.openxmlformats.org/presentationml/2006/main">
+  <p:cSld>
+    <p:spTree>
+      <p:nvGrpSpPr>
+        <p:cNvPr id="1" name=""/>
+        <p:cNvGrpSpPr/>
+        <p:nvPr/>
+      </p:nvGrpSpPr>
+      <p:grpSpPr>
+        <a:xfrm>
+          <a:off x="0" y="0"/>
+          <a:ext cx="0" cy="0"/>
+          <a:chOff x="0" y="0"/>
+          <a:chExt cx="0" cy="0"/>
+        </a:xfrm>
+      </p:grpSpPr>
+      <p:sp>
+        <p:nvSpPr>
+          <p:cNvPr id="2" name="Title 1"/>
+          <p:cNvSpPr>
+            <a:spLocks noGrp="1"/>
+          </p:cNvSpPr>
+          <p:nvPr>
+            <p:ph type="title"/>
+          </p:nvPr>
+        </p:nvSpPr>
+        <p:spPr/>
+        <p:txBody>
+          <a:bodyPr/>
+          <a:lstStyle/>
+          <a:p>
+            <a:r>
+              <a:rPr lang="en-US" dirty="0" smtClean="0"/>
+              <a:t>Content</a:t>
+            </a:r>
+            <a:endParaRPr lang="en-US" dirty="0"/>
+          </a:p>
+        </p:txBody>
+      </p:sp>
+      <p:sp>
+        <p:nvSpPr>
+          <p:cNvPr id="3" name="Content Placeholder 2"/>
+          <p:cNvSpPr>
+            <a:spLocks noGrp="1"/>
+          </p:cNvSpPr>
+          <p:nvPr>
+            <p:ph idx="1"/>
+          </p:nvPr>
+        </p:nvSpPr>
+        <p:spPr/>
+        <p:txBody>
+          <a:bodyPr/>
+          <a:lstStyle/>
+          <a:p>
+            <a:r>
+              <a:rPr lang="en-US" dirty="0" smtClean="0"/>
+              <a:t>Introduction</a:t>
+            </a:r>
+          </a:p>
+          <a:p>
+            <a:r>
+              <a:rPr lang="en-US" dirty="0" smtClean="0"/>
+              <a:t>Materials and Methods</a:t>
+            </a:r>
+          </a:p>
+          <a:p>
+            <a:r>
+              <a:rPr lang="en-US" b="1" dirty="0" smtClean="0"/>
+              <a:t>Challenges</a:t>
+            </a:r>
+          </a:p>
+          <a:p>
+            <a:r>
+              <a:rPr lang="en-US" dirty="0" smtClean="0"/>
+              <a:t>Expected Results</a:t>
+            </a:r>
+          </a:p>
+          <a:p>
+            <a:r>
+              <a:rPr lang="en-US" dirty="0" smtClean="0"/>
+              <a:t>Questions/Comments</a:t>
+            </a:r>
+            <a:endParaRPr lang="en-US" dirty="0"/>
+          </a:p>
+        </p:txBody>
+      </p:sp>
+      <p:sp>
+        <p:nvSpPr>
+          <p:cNvPr id="5" name="Footer Placeholder 4"/>
+          <p:cNvSpPr>
+            <a:spLocks noGrp="1"/>
+          </p:cNvSpPr>
+          <p:nvPr>
+            <p:ph type="ftr" sz="quarter" idx="11"/>
+          </p:nvPr>
+        </p:nvSpPr>
+        <p:spPr/>
+        <p:txBody>
+          <a:bodyPr/>
+          <a:lstStyle/>
+          <a:p>
+            <a:r>
+              <a:rPr lang="en-US" smtClean="0"/>
+              <a:t>MSc. Concept Presentation David Schenkel</a:t>
+            </a:r>
+            <a:endParaRPr lang="en-US"/>
+          </a:p>
+        </p:txBody>
+      </p:sp>
+      <p:sp>
+        <p:nvSpPr>
+          <p:cNvPr id="6" name="Slide Number Placeholder 5"/>
+          <p:cNvSpPr>
+            <a:spLocks noGrp="1"/>
+          </p:cNvSpPr>
+          <p:nvPr>
+            <p:ph type="sldNum" sz="quarter" idx="12"/>
+          </p:nvPr>
+        </p:nvSpPr>
+        <p:spPr/>
+        <p:txBody>
+          <a:bodyPr/>
+          <a:lstStyle/>
+          <a:p>
+            <a:fld id="{BA9B540C-44DA-4F69-89C9-7C84606640D3}" type="slidenum">
+              <a:rPr lang="en-US" smtClean="0"/>
+              <a:pPr/>
+              <a:t>14</a:t>
+            </a:fld>
+            <a:endParaRPr lang="en-US"/>
+          </a:p>
+        </p:txBody>
+      </p:sp>
+    </p:spTree>
+    <p:extLst>
+      <p:ext uri="{BB962C8B-B14F-4D97-AF65-F5344CB8AC3E}">
+        <p14:creationId xmlns:p14="http://schemas.microsoft.com/office/powerpoint/2010/main" val="3514274067"/>
+      </p:ext>
+    </p:extLst>
+  </p:cSld>
+  <p:clrMapOvr>
+    <a:masterClrMapping/>
+  </p:clrMapOvr>
+</p:sld>
+</file>
+
+<file path=ppt/slides/slide15.xml><?xml version="1.0" encoding="utf-8"?>
+<p:sld xmlns:a="http://schemas.openxmlformats.org/drawingml/2006/main" xmlns:r="http://schemas.openxmlformats.org/officeDocument/2006/relationships" xmlns:p="http://schemas.openxmlformats.org/presentationml/2006/main">
+  <p:cSld>
+    <p:spTree>
+      <p:nvGrpSpPr>
+        <p:cNvPr id="1" name=""/>
+        <p:cNvGrpSpPr/>
+        <p:nvPr/>
+      </p:nvGrpSpPr>
+      <p:grpSpPr>
+        <a:xfrm>
+          <a:off x="0" y="0"/>
+          <a:ext cx="0" cy="0"/>
+          <a:chOff x="0" y="0"/>
+          <a:chExt cx="0" cy="0"/>
+        </a:xfrm>
+      </p:grpSpPr>
+      <p:sp>
+        <p:nvSpPr>
+          <p:cNvPr id="2" name="Title 1"/>
+          <p:cNvSpPr>
+            <a:spLocks noGrp="1"/>
+          </p:cNvSpPr>
+          <p:nvPr>
+            <p:ph type="title"/>
+          </p:nvPr>
+        </p:nvSpPr>
+        <p:spPr/>
+        <p:txBody>
+          <a:bodyPr/>
+          <a:lstStyle/>
+          <a:p>
+            <a:r>
+              <a:rPr lang="en-GB" dirty="0"/>
+              <a:t>LAI Dataset Comparison</a:t>
+            </a:r>
+            <a:r>
+              <a:rPr lang="de-CH" dirty="0" smtClean="0">
+                <a:effectLst/>
+              </a:rPr>
+              <a:t> </a:t>
+            </a:r>
+            <a:endParaRPr lang="en-US" dirty="0"/>
+          </a:p>
+        </p:txBody>
+      </p:sp>
+      <p:sp>
+        <p:nvSpPr>
+          <p:cNvPr id="3" name="Content Placeholder 2"/>
+          <p:cNvSpPr>
+            <a:spLocks noGrp="1"/>
+          </p:cNvSpPr>
+          <p:nvPr>
+            <p:ph idx="1"/>
+          </p:nvPr>
+        </p:nvSpPr>
+        <p:spPr/>
+        <p:txBody>
+          <a:bodyPr/>
+          <a:lstStyle/>
+          <a:p>
+            <a:pPr lvl="0"/>
+            <a:r>
+              <a:rPr lang="en-GB" dirty="0"/>
+              <a:t>Both datasets connected to MODIS LAI</a:t>
+            </a:r>
+            <a:endParaRPr lang="de-CH" dirty="0"/>
+          </a:p>
+          <a:p>
+            <a:pPr lvl="0"/>
+            <a:r>
+              <a:rPr lang="en-GB" dirty="0"/>
+              <a:t>No absolute plausibility test possible within the scope of thesis</a:t>
+            </a:r>
+            <a:endParaRPr lang="de-CH" dirty="0"/>
+          </a:p>
+          <a:p>
+            <a:pPr lvl="0"/>
+            <a:r>
+              <a:rPr lang="en-GB" dirty="0"/>
+              <a:t>Differences in both datasets could arise for several reasons:</a:t>
+            </a:r>
+            <a:endParaRPr lang="de-CH" dirty="0"/>
+          </a:p>
+          <a:p>
+            <a:pPr lvl="1"/>
+            <a:r>
+              <a:rPr lang="en-GB" dirty="0"/>
+              <a:t>LAI3g could be limited by NDVI saturation</a:t>
+            </a:r>
+            <a:endParaRPr lang="de-CH" dirty="0"/>
+          </a:p>
+          <a:p>
+            <a:pPr lvl="1"/>
+            <a:r>
+              <a:rPr lang="en-GB" dirty="0" err="1"/>
+              <a:t>LAIre</a:t>
+            </a:r>
+            <a:r>
+              <a:rPr lang="en-GB" dirty="0"/>
+              <a:t> could be limited by model assumptions or GSI</a:t>
+            </a:r>
+            <a:endParaRPr lang="de-CH" dirty="0"/>
+          </a:p>
+          <a:p>
+            <a:endParaRPr lang="en-US" dirty="0"/>
+          </a:p>
+        </p:txBody>
+      </p:sp>
+      <p:sp>
+        <p:nvSpPr>
+          <p:cNvPr id="4" name="Footer Placeholder 3"/>
+          <p:cNvSpPr>
+            <a:spLocks noGrp="1"/>
+          </p:cNvSpPr>
+          <p:nvPr>
+            <p:ph type="ftr" sz="quarter" idx="11"/>
+          </p:nvPr>
+        </p:nvSpPr>
+        <p:spPr/>
+        <p:txBody>
+          <a:bodyPr/>
+          <a:lstStyle/>
+          <a:p>
+            <a:r>
+              <a:rPr lang="en-US" smtClean="0"/>
+              <a:t>MSc. Concept Presentation David Schenkel</a:t>
+            </a:r>
+            <a:endParaRPr lang="en-US"/>
+          </a:p>
+        </p:txBody>
+      </p:sp>
+      <p:sp>
+        <p:nvSpPr>
+          <p:cNvPr id="5" name="Slide Number Placeholder 4"/>
+          <p:cNvSpPr>
+            <a:spLocks noGrp="1"/>
+          </p:cNvSpPr>
+          <p:nvPr>
+            <p:ph type="sldNum" sz="quarter" idx="12"/>
+          </p:nvPr>
+        </p:nvSpPr>
+        <p:spPr/>
+        <p:txBody>
+          <a:bodyPr/>
+          <a:lstStyle/>
+          <a:p>
+            <a:fld id="{BA9B540C-44DA-4F69-89C9-7C84606640D3}" type="slidenum">
+              <a:rPr lang="en-US" smtClean="0"/>
+              <a:pPr/>
+              <a:t>15</a:t>
+            </a:fld>
+            <a:endParaRPr lang="en-US"/>
+          </a:p>
+        </p:txBody>
+      </p:sp>
+    </p:spTree>
+    <p:extLst>
+      <p:ext uri="{BB962C8B-B14F-4D97-AF65-F5344CB8AC3E}">
+        <p14:creationId xmlns:p14="http://schemas.microsoft.com/office/powerpoint/2010/main" val="1426741293"/>
+      </p:ext>
+    </p:extLst>
+  </p:cSld>
+  <p:clrMapOvr>
+    <a:masterClrMapping/>
+  </p:clrMapOvr>
+</p:sld>
+</file>
+
+<file path=ppt/slides/slide16.xml><?xml version="1.0" encoding="utf-8"?>
+<p:sld xmlns:a="http://schemas.openxmlformats.org/drawingml/2006/main" xmlns:r="http://schemas.openxmlformats.org/officeDocument/2006/relationships" xmlns:p="http://schemas.openxmlformats.org/presentationml/2006/main">
+  <p:cSld>
+    <p:spTree>
+      <p:nvGrpSpPr>
+        <p:cNvPr id="1" name=""/>
+        <p:cNvGrpSpPr/>
+        <p:nvPr/>
+      </p:nvGrpSpPr>
+      <p:grpSpPr>
+        <a:xfrm>
+          <a:off x="0" y="0"/>
+          <a:ext cx="0" cy="0"/>
+          <a:chOff x="0" y="0"/>
+          <a:chExt cx="0" cy="0"/>
+        </a:xfrm>
+      </p:grpSpPr>
+      <p:sp>
+        <p:nvSpPr>
+          <p:cNvPr id="2" name="Title 1"/>
+          <p:cNvSpPr>
+            <a:spLocks noGrp="1"/>
+          </p:cNvSpPr>
+          <p:nvPr>
+            <p:ph type="title"/>
+          </p:nvPr>
+        </p:nvSpPr>
+        <p:spPr/>
+        <p:txBody>
+          <a:bodyPr>
+            <a:normAutofit/>
+          </a:bodyPr>
+          <a:lstStyle/>
+          <a:p>
+            <a:r>
+              <a:rPr lang="en-GB" dirty="0" smtClean="0"/>
+              <a:t>Climatic Controls</a:t>
+            </a:r>
+            <a:endParaRPr lang="en-US" dirty="0"/>
+          </a:p>
+        </p:txBody>
+      </p:sp>
+      <p:sp>
+        <p:nvSpPr>
+          <p:cNvPr id="3" name="Content Placeholder 2"/>
+          <p:cNvSpPr>
+            <a:spLocks noGrp="1"/>
+          </p:cNvSpPr>
+          <p:nvPr>
+            <p:ph idx="1"/>
+          </p:nvPr>
+        </p:nvSpPr>
+        <p:spPr/>
+        <p:txBody>
+          <a:bodyPr/>
+          <a:lstStyle/>
+          <a:p>
+            <a:pPr lvl="0"/>
+            <a:r>
+              <a:rPr lang="en-GB" dirty="0"/>
+              <a:t>Based on linear functions and thresholds</a:t>
+            </a:r>
+            <a:endParaRPr lang="de-CH" dirty="0"/>
+          </a:p>
+          <a:p>
+            <a:pPr lvl="1"/>
+            <a:r>
+              <a:rPr lang="en-GB" dirty="0"/>
+              <a:t>Oversimplified</a:t>
+            </a:r>
+            <a:endParaRPr lang="de-CH" dirty="0"/>
+          </a:p>
+          <a:p>
+            <a:pPr lvl="0"/>
+            <a:r>
+              <a:rPr lang="en-GB" dirty="0"/>
+              <a:t>No absolute T/VPD data, constrained by GSI data</a:t>
+            </a:r>
+            <a:endParaRPr lang="de-CH" dirty="0"/>
+          </a:p>
+          <a:p>
+            <a:endParaRPr lang="en-US" dirty="0"/>
+          </a:p>
+        </p:txBody>
+      </p:sp>
+      <p:sp>
+        <p:nvSpPr>
+          <p:cNvPr id="4" name="Footer Placeholder 3"/>
+          <p:cNvSpPr>
+            <a:spLocks noGrp="1"/>
+          </p:cNvSpPr>
+          <p:nvPr>
+            <p:ph type="ftr" sz="quarter" idx="11"/>
+          </p:nvPr>
+        </p:nvSpPr>
+        <p:spPr/>
+        <p:txBody>
+          <a:bodyPr/>
+          <a:lstStyle/>
+          <a:p>
+            <a:r>
+              <a:rPr lang="en-US" smtClean="0"/>
+              <a:t>MSc. Concept Presentation David Schenkel</a:t>
+            </a:r>
+            <a:endParaRPr lang="en-US"/>
+          </a:p>
+        </p:txBody>
+      </p:sp>
+      <p:sp>
+        <p:nvSpPr>
+          <p:cNvPr id="5" name="Slide Number Placeholder 4"/>
+          <p:cNvSpPr>
+            <a:spLocks noGrp="1"/>
+          </p:cNvSpPr>
+          <p:nvPr>
+            <p:ph type="sldNum" sz="quarter" idx="12"/>
+          </p:nvPr>
+        </p:nvSpPr>
+        <p:spPr/>
+        <p:txBody>
+          <a:bodyPr/>
+          <a:lstStyle/>
+          <a:p>
+            <a:fld id="{BA9B540C-44DA-4F69-89C9-7C84606640D3}" type="slidenum">
+              <a:rPr lang="en-US" smtClean="0"/>
+              <a:pPr/>
+              <a:t>16</a:t>
+            </a:fld>
+            <a:endParaRPr lang="en-US"/>
+          </a:p>
+        </p:txBody>
+      </p:sp>
+    </p:spTree>
+    <p:extLst>
+      <p:ext uri="{BB962C8B-B14F-4D97-AF65-F5344CB8AC3E}">
+        <p14:creationId xmlns:p14="http://schemas.microsoft.com/office/powerpoint/2010/main" val="3963676623"/>
+      </p:ext>
+    </p:extLst>
+  </p:cSld>
+  <p:clrMapOvr>
+    <a:masterClrMapping/>
+  </p:clrMapOvr>
+</p:sld>
+</file>
+
+<file path=ppt/slides/slide17.xml><?xml version="1.0" encoding="utf-8"?>
+<p:sld xmlns:a="http://schemas.openxmlformats.org/drawingml/2006/main" xmlns:r="http://schemas.openxmlformats.org/officeDocument/2006/relationships" xmlns:p="http://schemas.openxmlformats.org/presentationml/2006/main">
+  <p:cSld>
+    <p:spTree>
+      <p:nvGrpSpPr>
+        <p:cNvPr id="1" name=""/>
+        <p:cNvGrpSpPr/>
+        <p:nvPr/>
+      </p:nvGrpSpPr>
+      <p:grpSpPr>
+        <a:xfrm>
+          <a:off x="0" y="0"/>
+          <a:ext cx="0" cy="0"/>
+          <a:chOff x="0" y="0"/>
+          <a:chExt cx="0" cy="0"/>
+        </a:xfrm>
+      </p:grpSpPr>
+      <p:sp>
+        <p:nvSpPr>
+          <p:cNvPr id="2" name="Title 1"/>
+          <p:cNvSpPr>
+            <a:spLocks noGrp="1"/>
+          </p:cNvSpPr>
+          <p:nvPr>
+            <p:ph type="title"/>
+          </p:nvPr>
+        </p:nvSpPr>
+        <p:spPr/>
+        <p:txBody>
+          <a:bodyPr>
+            <a:normAutofit/>
+          </a:bodyPr>
+          <a:lstStyle/>
+          <a:p>
+            <a:r>
+              <a:rPr lang="en-GB" dirty="0"/>
+              <a:t>Effect of Climatic Controls on </a:t>
+            </a:r>
+            <a:r>
+              <a:rPr lang="en-GB" dirty="0" smtClean="0"/>
+              <a:t>LSP</a:t>
+            </a:r>
+            <a:endParaRPr lang="en-US" dirty="0"/>
+          </a:p>
+        </p:txBody>
+      </p:sp>
+      <p:sp>
+        <p:nvSpPr>
+          <p:cNvPr id="3" name="Content Placeholder 2"/>
+          <p:cNvSpPr>
+            <a:spLocks noGrp="1"/>
+          </p:cNvSpPr>
+          <p:nvPr>
+            <p:ph idx="1"/>
+          </p:nvPr>
+        </p:nvSpPr>
+        <p:spPr/>
+        <p:txBody>
+          <a:bodyPr/>
+          <a:lstStyle/>
+          <a:p>
+            <a:pPr lvl="0"/>
+            <a:r>
+              <a:rPr lang="en-GB" dirty="0"/>
+              <a:t>Explorative approach</a:t>
+            </a:r>
+            <a:endParaRPr lang="de-CH" dirty="0"/>
+          </a:p>
+          <a:p>
+            <a:pPr lvl="1"/>
+            <a:r>
+              <a:rPr lang="en-GB" dirty="0"/>
+              <a:t>So many Possibilities, very little time</a:t>
+            </a:r>
+            <a:endParaRPr lang="de-CH" dirty="0"/>
+          </a:p>
+          <a:p>
+            <a:pPr lvl="0"/>
+            <a:r>
+              <a:rPr lang="en-GB" dirty="0"/>
+              <a:t>No prior work to draw on</a:t>
+            </a:r>
+            <a:endParaRPr lang="de-CH" dirty="0"/>
+          </a:p>
+          <a:p>
+            <a:endParaRPr lang="en-US" dirty="0"/>
+          </a:p>
+        </p:txBody>
+      </p:sp>
+      <p:sp>
+        <p:nvSpPr>
+          <p:cNvPr id="4" name="Footer Placeholder 3"/>
+          <p:cNvSpPr>
+            <a:spLocks noGrp="1"/>
+          </p:cNvSpPr>
+          <p:nvPr>
+            <p:ph type="ftr" sz="quarter" idx="11"/>
+          </p:nvPr>
+        </p:nvSpPr>
+        <p:spPr/>
+        <p:txBody>
+          <a:bodyPr/>
+          <a:lstStyle/>
+          <a:p>
+            <a:r>
+              <a:rPr lang="en-US" smtClean="0"/>
+              <a:t>MSc. Concept Presentation David Schenkel</a:t>
+            </a:r>
+            <a:endParaRPr lang="en-US"/>
+          </a:p>
+        </p:txBody>
+      </p:sp>
+      <p:sp>
+        <p:nvSpPr>
+          <p:cNvPr id="5" name="Slide Number Placeholder 4"/>
+          <p:cNvSpPr>
+            <a:spLocks noGrp="1"/>
+          </p:cNvSpPr>
+          <p:nvPr>
+            <p:ph type="sldNum" sz="quarter" idx="12"/>
+          </p:nvPr>
+        </p:nvSpPr>
+        <p:spPr/>
+        <p:txBody>
+          <a:bodyPr/>
+          <a:lstStyle/>
+          <a:p>
+            <a:fld id="{BA9B540C-44DA-4F69-89C9-7C84606640D3}" type="slidenum">
+              <a:rPr lang="en-US" smtClean="0"/>
+              <a:pPr/>
+              <a:t>17</a:t>
+            </a:fld>
+            <a:endParaRPr lang="en-US"/>
+          </a:p>
+        </p:txBody>
+      </p:sp>
+    </p:spTree>
+    <p:extLst>
+      <p:ext uri="{BB962C8B-B14F-4D97-AF65-F5344CB8AC3E}">
+        <p14:creationId xmlns:p14="http://schemas.microsoft.com/office/powerpoint/2010/main" val="4231464201"/>
+      </p:ext>
+    </p:extLst>
+  </p:cSld>
+  <p:clrMapOvr>
+    <a:masterClrMapping/>
+  </p:clrMapOvr>
+</p:sld>
+</file>
+
+<file path=ppt/slides/slide18.xml><?xml version="1.0" encoding="utf-8"?>
+<p:sld xmlns:a="http://schemas.openxmlformats.org/drawingml/2006/main" xmlns:r="http://schemas.openxmlformats.org/officeDocument/2006/relationships" xmlns:p="http://schemas.openxmlformats.org/presentationml/2006/main">
+  <p:cSld>
+    <p:spTree>
+      <p:nvGrpSpPr>
+        <p:cNvPr id="1" name=""/>
+        <p:cNvGrpSpPr/>
+        <p:nvPr/>
+      </p:nvGrpSpPr>
+      <p:grpSpPr>
+        <a:xfrm>
+          <a:off x="0" y="0"/>
+          <a:ext cx="0" cy="0"/>
+          <a:chOff x="0" y="0"/>
+          <a:chExt cx="0" cy="0"/>
+        </a:xfrm>
+      </p:grpSpPr>
+      <p:sp>
+        <p:nvSpPr>
+          <p:cNvPr id="2" name="Title 1"/>
+          <p:cNvSpPr>
+            <a:spLocks noGrp="1"/>
+          </p:cNvSpPr>
+          <p:nvPr>
+            <p:ph type="title"/>
+          </p:nvPr>
+        </p:nvSpPr>
+        <p:spPr/>
+        <p:txBody>
+          <a:bodyPr/>
+          <a:lstStyle/>
+          <a:p>
+            <a:r>
+              <a:rPr lang="en-US" dirty="0" smtClean="0"/>
+              <a:t>Content</a:t>
+            </a:r>
+            <a:endParaRPr lang="en-US" dirty="0"/>
+          </a:p>
+        </p:txBody>
+      </p:sp>
+      <p:sp>
+        <p:nvSpPr>
+          <p:cNvPr id="3" name="Content Placeholder 2"/>
+          <p:cNvSpPr>
+            <a:spLocks noGrp="1"/>
+          </p:cNvSpPr>
+          <p:nvPr>
+            <p:ph idx="1"/>
+          </p:nvPr>
+        </p:nvSpPr>
+        <p:spPr/>
+        <p:txBody>
+          <a:bodyPr/>
+          <a:lstStyle/>
+          <a:p>
+            <a:r>
+              <a:rPr lang="en-US" dirty="0" smtClean="0"/>
+              <a:t>Introduction</a:t>
+            </a:r>
+          </a:p>
+          <a:p>
+            <a:r>
+              <a:rPr lang="en-US" dirty="0" smtClean="0"/>
+              <a:t>Materials and Methods</a:t>
+            </a:r>
+          </a:p>
+          <a:p>
+            <a:r>
+              <a:rPr lang="en-US" dirty="0" smtClean="0"/>
+              <a:t>Challenges</a:t>
+            </a:r>
+          </a:p>
+          <a:p>
+            <a:r>
+              <a:rPr lang="en-US" b="1" dirty="0" smtClean="0"/>
+              <a:t>Expected Results</a:t>
+            </a:r>
+          </a:p>
+          <a:p>
+            <a:r>
+              <a:rPr lang="en-US" dirty="0" smtClean="0"/>
+              <a:t>Questions/Comments</a:t>
+            </a:r>
+            <a:endParaRPr lang="en-US" dirty="0"/>
+          </a:p>
+        </p:txBody>
+      </p:sp>
+      <p:sp>
+        <p:nvSpPr>
+          <p:cNvPr id="5" name="Footer Placeholder 4"/>
+          <p:cNvSpPr>
+            <a:spLocks noGrp="1"/>
+          </p:cNvSpPr>
+          <p:nvPr>
+            <p:ph type="ftr" sz="quarter" idx="11"/>
+          </p:nvPr>
+        </p:nvSpPr>
+        <p:spPr/>
+        <p:txBody>
+          <a:bodyPr/>
+          <a:lstStyle/>
+          <a:p>
+            <a:r>
+              <a:rPr lang="en-US" smtClean="0"/>
+              <a:t>MSc. Concept Presentation David Schenkel</a:t>
+            </a:r>
+            <a:endParaRPr lang="en-US"/>
+          </a:p>
+        </p:txBody>
+      </p:sp>
+      <p:sp>
+        <p:nvSpPr>
+          <p:cNvPr id="6" name="Slide Number Placeholder 5"/>
+          <p:cNvSpPr>
+            <a:spLocks noGrp="1"/>
+          </p:cNvSpPr>
+          <p:nvPr>
+            <p:ph type="sldNum" sz="quarter" idx="12"/>
+          </p:nvPr>
+        </p:nvSpPr>
+        <p:spPr/>
+        <p:txBody>
+          <a:bodyPr/>
+          <a:lstStyle/>
+          <a:p>
+            <a:fld id="{BA9B540C-44DA-4F69-89C9-7C84606640D3}" type="slidenum">
+              <a:rPr lang="en-US" smtClean="0"/>
+              <a:pPr/>
+              <a:t>18</a:t>
+            </a:fld>
+            <a:endParaRPr lang="en-US"/>
+          </a:p>
+        </p:txBody>
+      </p:sp>
+    </p:spTree>
+    <p:extLst>
+      <p:ext uri="{BB962C8B-B14F-4D97-AF65-F5344CB8AC3E}">
+        <p14:creationId xmlns:p14="http://schemas.microsoft.com/office/powerpoint/2010/main" val="2065250361"/>
+      </p:ext>
+    </p:extLst>
+  </p:cSld>
+  <p:clrMapOvr>
+    <a:masterClrMapping/>
+  </p:clrMapOvr>
+</p:sld>
+</file>
+
+<file path=ppt/slides/slide19.xml><?xml version="1.0" encoding="utf-8"?>
+<p:sld xmlns:a="http://schemas.openxmlformats.org/drawingml/2006/main" xmlns:r="http://schemas.openxmlformats.org/officeDocument/2006/relationships" xmlns:p="http://schemas.openxmlformats.org/presentationml/2006/main">
+  <p:cSld>
+    <p:spTree>
+      <p:nvGrpSpPr>
+        <p:cNvPr id="1" name=""/>
+        <p:cNvGrpSpPr/>
+        <p:nvPr/>
+      </p:nvGrpSpPr>
+      <p:grpSpPr>
+        <a:xfrm>
+          <a:off x="0" y="0"/>
+          <a:ext cx="0" cy="0"/>
+          <a:chOff x="0" y="0"/>
+          <a:chExt cx="0" cy="0"/>
+        </a:xfrm>
+      </p:grpSpPr>
+      <p:sp>
+        <p:nvSpPr>
+          <p:cNvPr id="2" name="Title 1"/>
+          <p:cNvSpPr>
+            <a:spLocks noGrp="1"/>
+          </p:cNvSpPr>
+          <p:nvPr>
+            <p:ph type="title"/>
+          </p:nvPr>
+        </p:nvSpPr>
+        <p:spPr/>
+        <p:txBody>
+          <a:bodyPr>
+            <a:normAutofit/>
+          </a:bodyPr>
+          <a:lstStyle/>
+          <a:p>
+            <a:r>
+              <a:rPr lang="en-GB" dirty="0"/>
+              <a:t>Expected </a:t>
+            </a:r>
+            <a:r>
+              <a:rPr lang="en-GB" dirty="0" smtClean="0"/>
+              <a:t>Results</a:t>
+            </a:r>
+            <a:endParaRPr lang="en-US" dirty="0"/>
+          </a:p>
+        </p:txBody>
+      </p:sp>
+      <p:sp>
+        <p:nvSpPr>
+          <p:cNvPr id="3" name="Content Placeholder 2"/>
+          <p:cNvSpPr>
+            <a:spLocks noGrp="1"/>
+          </p:cNvSpPr>
+          <p:nvPr>
+            <p:ph idx="1"/>
+          </p:nvPr>
+        </p:nvSpPr>
+        <p:spPr/>
+        <p:txBody>
+          <a:bodyPr/>
+          <a:lstStyle/>
+          <a:p>
+            <a:pPr lvl="0"/>
+            <a:r>
+              <a:rPr lang="en-GB" dirty="0"/>
+              <a:t>Slight rise of GSL in temperature-controlled areas</a:t>
+            </a:r>
+            <a:endParaRPr lang="de-CH" dirty="0"/>
+          </a:p>
+          <a:p>
+            <a:r>
+              <a:rPr lang="en-GB" dirty="0"/>
+              <a:t>no expectations for VPD, unclear how it affects LSP</a:t>
+            </a:r>
+            <a:r>
+              <a:rPr lang="de-CH" dirty="0" smtClean="0">
+                <a:effectLst/>
+              </a:rPr>
+              <a:t> </a:t>
+            </a:r>
+            <a:endParaRPr lang="en-US" dirty="0"/>
+          </a:p>
+        </p:txBody>
+      </p:sp>
+      <p:sp>
+        <p:nvSpPr>
+          <p:cNvPr id="4" name="Footer Placeholder 3"/>
+          <p:cNvSpPr>
+            <a:spLocks noGrp="1"/>
+          </p:cNvSpPr>
+          <p:nvPr>
+            <p:ph type="ftr" sz="quarter" idx="11"/>
+          </p:nvPr>
+        </p:nvSpPr>
+        <p:spPr/>
+        <p:txBody>
+          <a:bodyPr/>
+          <a:lstStyle/>
+          <a:p>
+            <a:r>
+              <a:rPr lang="en-US" smtClean="0"/>
+              <a:t>MSc. Concept Presentation David Schenkel</a:t>
+            </a:r>
+            <a:endParaRPr lang="en-US"/>
+          </a:p>
+        </p:txBody>
+      </p:sp>
+      <p:sp>
+        <p:nvSpPr>
+          <p:cNvPr id="5" name="Slide Number Placeholder 4"/>
+          <p:cNvSpPr>
+            <a:spLocks noGrp="1"/>
+          </p:cNvSpPr>
+          <p:nvPr>
+            <p:ph type="sldNum" sz="quarter" idx="12"/>
+          </p:nvPr>
+        </p:nvSpPr>
+        <p:spPr/>
+        <p:txBody>
+          <a:bodyPr/>
+          <a:lstStyle/>
+          <a:p>
+            <a:fld id="{BA9B540C-44DA-4F69-89C9-7C84606640D3}" type="slidenum">
+              <a:rPr lang="en-US" smtClean="0"/>
+              <a:pPr/>
+              <a:t>19</a:t>
+            </a:fld>
+            <a:endParaRPr lang="en-US"/>
+          </a:p>
+        </p:txBody>
+      </p:sp>
+    </p:spTree>
+    <p:extLst>
+      <p:ext uri="{BB962C8B-B14F-4D97-AF65-F5344CB8AC3E}">
+        <p14:creationId xmlns:p14="http://schemas.microsoft.com/office/powerpoint/2010/main" val="2244223920"/>
+      </p:ext>
+    </p:extLst>
+  </p:cSld>
+  <p:clrMapOvr>
+    <a:masterClrMapping/>
+  </p:clrMapOvr>
+</p:sld>
+</file>
+
+<file path=ppt/slides/slide2.xml><?xml version="1.0" encoding="utf-8"?>
+<p:sld xmlns:a="http://schemas.openxmlformats.org/drawingml/2006/main" xmlns:r="http://schemas.openxmlformats.org/officeDocument/2006/relationships" xmlns:p="http://schemas.openxmlformats.org/presentationml/2006/main">
+  <p:cSld>
+    <p:spTree>
+      <p:nvGrpSpPr>
+        <p:cNvPr id="1" name=""/>
+        <p:cNvGrpSpPr/>
+        <p:nvPr/>
+      </p:nvGrpSpPr>
+      <p:grpSpPr>
+        <a:xfrm>
+          <a:off x="0" y="0"/>
+          <a:ext cx="0" cy="0"/>
+          <a:chOff x="0" y="0"/>
+          <a:chExt cx="0" cy="0"/>
+        </a:xfrm>
+      </p:grpSpPr>
+      <p:sp>
+        <p:nvSpPr>
+          <p:cNvPr id="2" name="Title 1"/>
+          <p:cNvSpPr>
+            <a:spLocks noGrp="1"/>
+          </p:cNvSpPr>
+          <p:nvPr>
+            <p:ph type="title"/>
+          </p:nvPr>
+        </p:nvSpPr>
+        <p:spPr/>
+        <p:txBody>
+          <a:bodyPr/>
+          <a:lstStyle/>
+          <a:p>
+            <a:r>
+              <a:rPr lang="en-US" dirty="0" smtClean="0"/>
+              <a:t>Content</a:t>
+            </a:r>
+            <a:endParaRPr lang="en-US" dirty="0"/>
+          </a:p>
+        </p:txBody>
+      </p:sp>
+      <p:sp>
+        <p:nvSpPr>
+          <p:cNvPr id="3" name="Content Placeholder 2"/>
+          <p:cNvSpPr>
+            <a:spLocks noGrp="1"/>
+          </p:cNvSpPr>
+          <p:nvPr>
+            <p:ph idx="1"/>
+          </p:nvPr>
+        </p:nvSpPr>
+        <p:spPr/>
+        <p:txBody>
+          <a:bodyPr/>
+          <a:lstStyle/>
+          <a:p>
+            <a:r>
+              <a:rPr lang="en-US" b="1" dirty="0" smtClean="0"/>
+              <a:t>Introduction</a:t>
+            </a:r>
+          </a:p>
+          <a:p>
+            <a:r>
+              <a:rPr lang="en-US" dirty="0" smtClean="0"/>
+              <a:t>Materials and Methods</a:t>
+            </a:r>
+          </a:p>
+          <a:p>
+            <a:r>
+              <a:rPr lang="en-US" dirty="0" smtClean="0"/>
+              <a:t>Challenges</a:t>
+            </a:r>
+          </a:p>
+          <a:p>
+            <a:r>
+              <a:rPr lang="en-US" dirty="0" smtClean="0"/>
+              <a:t>Expected Results</a:t>
+            </a:r>
+          </a:p>
+          <a:p>
+            <a:r>
+              <a:rPr lang="en-US" dirty="0" smtClean="0"/>
+              <a:t>Questions/Comments</a:t>
+            </a:r>
+            <a:endParaRPr lang="en-US" dirty="0"/>
+          </a:p>
+        </p:txBody>
+      </p:sp>
+      <p:sp>
+        <p:nvSpPr>
+          <p:cNvPr id="5" name="Footer Placeholder 4"/>
+          <p:cNvSpPr>
+            <a:spLocks noGrp="1"/>
+          </p:cNvSpPr>
+          <p:nvPr>
+            <p:ph type="ftr" sz="quarter" idx="11"/>
+          </p:nvPr>
+        </p:nvSpPr>
+        <p:spPr/>
+        <p:txBody>
+          <a:bodyPr/>
+          <a:lstStyle/>
+          <a:p>
+            <a:r>
+              <a:rPr lang="en-US" smtClean="0"/>
+              <a:t>MSc. Concept Presentation David Schenkel</a:t>
+            </a:r>
+            <a:endParaRPr lang="en-US"/>
+          </a:p>
+        </p:txBody>
+      </p:sp>
+      <p:sp>
+        <p:nvSpPr>
+          <p:cNvPr id="6" name="Slide Number Placeholder 5"/>
+          <p:cNvSpPr>
+            <a:spLocks noGrp="1"/>
+          </p:cNvSpPr>
+          <p:nvPr>
+            <p:ph type="sldNum" sz="quarter" idx="12"/>
+          </p:nvPr>
+        </p:nvSpPr>
+        <p:spPr/>
+        <p:txBody>
+          <a:bodyPr/>
+          <a:lstStyle/>
+          <a:p>
+            <a:fld id="{BA9B540C-44DA-4F69-89C9-7C84606640D3}" type="slidenum">
+              <a:rPr lang="en-US" smtClean="0"/>
+              <a:pPr/>
+              <a:t>2</a:t>
+            </a:fld>
+            <a:endParaRPr lang="en-US"/>
+          </a:p>
+        </p:txBody>
+      </p:sp>
+    </p:spTree>
+    <p:extLst>
+      <p:ext uri="{BB962C8B-B14F-4D97-AF65-F5344CB8AC3E}">
+        <p14:creationId xmlns:p14="http://schemas.microsoft.com/office/powerpoint/2010/main" val="14853446"/>
+      </p:ext>
+    </p:extLst>
+  </p:cSld>
+  <p:clrMapOvr>
+    <a:masterClrMapping/>
+  </p:clrMapOvr>
+</p:sld>
+</file>
+
+<file path=ppt/slides/slide20.xml><?xml version="1.0" encoding="utf-8"?>
+<p:sld xmlns:a="http://schemas.openxmlformats.org/drawingml/2006/main" xmlns:r="http://schemas.openxmlformats.org/officeDocument/2006/relationships" xmlns:p="http://schemas.openxmlformats.org/presentationml/2006/main">
+  <p:cSld>
+    <p:spTree>
+      <p:nvGrpSpPr>
+        <p:cNvPr id="1" name=""/>
+        <p:cNvGrpSpPr/>
+        <p:nvPr/>
+      </p:nvGrpSpPr>
+      <p:grpSpPr>
+        <a:xfrm>
+          <a:off x="0" y="0"/>
+          <a:ext cx="0" cy="0"/>
+          <a:chOff x="0" y="0"/>
+          <a:chExt cx="0" cy="0"/>
+        </a:xfrm>
+      </p:grpSpPr>
+      <p:sp>
+        <p:nvSpPr>
+          <p:cNvPr id="2" name="Title 1"/>
+          <p:cNvSpPr>
+            <a:spLocks noGrp="1"/>
+          </p:cNvSpPr>
+          <p:nvPr>
+            <p:ph type="title"/>
+          </p:nvPr>
+        </p:nvSpPr>
+        <p:spPr/>
+        <p:txBody>
+          <a:bodyPr/>
+          <a:lstStyle/>
+          <a:p>
+            <a:endParaRPr lang="en-US"/>
+          </a:p>
+        </p:txBody>
+      </p:sp>
+      <p:sp>
+        <p:nvSpPr>
+          <p:cNvPr id="3" name="Content Placeholder 2"/>
+          <p:cNvSpPr>
+            <a:spLocks noGrp="1"/>
+          </p:cNvSpPr>
+          <p:nvPr>
+            <p:ph idx="1"/>
+          </p:nvPr>
+        </p:nvSpPr>
+        <p:spPr/>
+        <p:txBody>
+          <a:bodyPr/>
+          <a:lstStyle/>
+          <a:p>
+            <a:pPr marL="0" indent="0" algn="ctr">
+              <a:buNone/>
+            </a:pPr>
+            <a:endParaRPr lang="en-US" dirty="0" smtClean="0"/>
+          </a:p>
+          <a:p>
+            <a:pPr marL="0" indent="0" algn="ctr">
+              <a:buNone/>
+            </a:pPr>
+            <a:r>
+              <a:rPr lang="en-US" dirty="0" smtClean="0"/>
+              <a:t>Thank you for your attention!</a:t>
+            </a:r>
+          </a:p>
+          <a:p>
+            <a:pPr marL="0" indent="0" algn="ctr">
+              <a:buNone/>
+            </a:pPr>
+            <a:endParaRPr lang="en-US" dirty="0"/>
+          </a:p>
+          <a:p>
+            <a:pPr marL="0" indent="0" algn="ctr">
+              <a:buNone/>
+            </a:pPr>
+            <a:r>
+              <a:rPr lang="en-US" smtClean="0"/>
+              <a:t>Question time</a:t>
+            </a:r>
+            <a:r>
+              <a:rPr lang="en-US" dirty="0" smtClean="0"/>
+              <a:t>!</a:t>
+            </a:r>
+            <a:endParaRPr lang="en-US" dirty="0"/>
+          </a:p>
+        </p:txBody>
+      </p:sp>
+      <p:sp>
+        <p:nvSpPr>
+          <p:cNvPr id="4" name="Footer Placeholder 3"/>
+          <p:cNvSpPr>
+            <a:spLocks noGrp="1"/>
+          </p:cNvSpPr>
+          <p:nvPr>
+            <p:ph type="ftr" sz="quarter" idx="11"/>
+          </p:nvPr>
+        </p:nvSpPr>
+        <p:spPr/>
+        <p:txBody>
+          <a:bodyPr/>
+          <a:lstStyle/>
+          <a:p>
+            <a:r>
+              <a:rPr lang="en-US" smtClean="0"/>
+              <a:t>MSc. Concept Presentation David Schenkel</a:t>
+            </a:r>
+            <a:endParaRPr lang="en-US"/>
+          </a:p>
+        </p:txBody>
+      </p:sp>
+      <p:sp>
+        <p:nvSpPr>
+          <p:cNvPr id="5" name="Slide Number Placeholder 4"/>
+          <p:cNvSpPr>
+            <a:spLocks noGrp="1"/>
+          </p:cNvSpPr>
+          <p:nvPr>
+            <p:ph type="sldNum" sz="quarter" idx="12"/>
+          </p:nvPr>
+        </p:nvSpPr>
+        <p:spPr/>
+        <p:txBody>
+          <a:bodyPr/>
+          <a:lstStyle/>
+          <a:p>
+            <a:fld id="{BA9B540C-44DA-4F69-89C9-7C84606640D3}" type="slidenum">
+              <a:rPr lang="en-US" smtClean="0"/>
+              <a:pPr/>
+              <a:t>20</a:t>
+            </a:fld>
+            <a:endParaRPr lang="en-US"/>
+          </a:p>
+        </p:txBody>
+      </p:sp>
+    </p:spTree>
+    <p:extLst>
+      <p:ext uri="{BB962C8B-B14F-4D97-AF65-F5344CB8AC3E}">
+        <p14:creationId xmlns:p14="http://schemas.microsoft.com/office/powerpoint/2010/main" val="638810489"/>
+      </p:ext>
+    </p:extLst>
+  </p:cSld>
+  <p:clrMapOvr>
+    <a:masterClrMapping/>
+  </p:clrMapOvr>
+</p:sld>
+</file>
+
+<file path=ppt/slides/slide3.xml><?xml version="1.0" encoding="utf-8"?>
+<p:sld xmlns:a="http://schemas.openxmlformats.org/drawingml/2006/main" xmlns:r="http://schemas.openxmlformats.org/officeDocument/2006/relationships" xmlns:p="http://schemas.openxmlformats.org/presentationml/2006/main">
+  <p:cSld>
+    <p:spTree>
+      <p:nvGrpSpPr>
+        <p:cNvPr id="1" name=""/>
+        <p:cNvGrpSpPr/>
+        <p:nvPr/>
+      </p:nvGrpSpPr>
+      <p:grpSpPr>
+        <a:xfrm>
+          <a:off x="0" y="0"/>
+          <a:ext cx="0" cy="0"/>
+          <a:chOff x="0" y="0"/>
+          <a:chExt cx="0" cy="0"/>
+        </a:xfrm>
+      </p:grpSpPr>
+      <p:sp>
+        <p:nvSpPr>
+          <p:cNvPr id="2" name="Title 1"/>
+          <p:cNvSpPr>
+            <a:spLocks noGrp="1"/>
+          </p:cNvSpPr>
+          <p:nvPr>
+            <p:ph type="title"/>
+          </p:nvPr>
+        </p:nvSpPr>
+        <p:spPr/>
+        <p:txBody>
+          <a:bodyPr/>
+          <a:lstStyle/>
+          <a:p>
+            <a:r>
+              <a:rPr lang="en-GB" dirty="0"/>
+              <a:t>Land Surface Phenology</a:t>
+            </a:r>
+            <a:r>
+              <a:rPr lang="de-CH" dirty="0" smtClean="0">
+                <a:effectLst/>
+              </a:rPr>
+              <a:t> </a:t>
+            </a:r>
+            <a:endParaRPr lang="en-US" dirty="0"/>
+          </a:p>
+        </p:txBody>
+      </p:sp>
+      <p:sp>
+        <p:nvSpPr>
+          <p:cNvPr id="3" name="Content Placeholder 2"/>
+          <p:cNvSpPr>
+            <a:spLocks noGrp="1"/>
+          </p:cNvSpPr>
+          <p:nvPr>
+            <p:ph idx="1"/>
+          </p:nvPr>
+        </p:nvSpPr>
+        <p:spPr/>
+        <p:txBody>
+          <a:bodyPr/>
+          <a:lstStyle/>
+          <a:p>
+            <a:endParaRPr lang="en-US"/>
+          </a:p>
+        </p:txBody>
+      </p:sp>
+      <p:sp>
+        <p:nvSpPr>
+          <p:cNvPr id="4" name="Footer Placeholder 3"/>
+          <p:cNvSpPr>
+            <a:spLocks noGrp="1"/>
+          </p:cNvSpPr>
+          <p:nvPr>
+            <p:ph type="ftr" sz="quarter" idx="11"/>
+          </p:nvPr>
+        </p:nvSpPr>
+        <p:spPr/>
+        <p:txBody>
+          <a:bodyPr/>
+          <a:lstStyle/>
+          <a:p>
+            <a:r>
+              <a:rPr lang="en-US" smtClean="0"/>
+              <a:t>MSc. Concept Presentation David Schenkel</a:t>
+            </a:r>
+            <a:endParaRPr lang="en-US"/>
+          </a:p>
+        </p:txBody>
+      </p:sp>
+      <p:sp>
+        <p:nvSpPr>
+          <p:cNvPr id="5" name="Slide Number Placeholder 4"/>
+          <p:cNvSpPr>
+            <a:spLocks noGrp="1"/>
+          </p:cNvSpPr>
+          <p:nvPr>
+            <p:ph type="sldNum" sz="quarter" idx="12"/>
+          </p:nvPr>
+        </p:nvSpPr>
+        <p:spPr/>
+        <p:txBody>
+          <a:bodyPr/>
+          <a:lstStyle/>
+          <a:p>
+            <a:fld id="{BA9B540C-44DA-4F69-89C9-7C84606640D3}" type="slidenum">
+              <a:rPr lang="en-US" smtClean="0"/>
+              <a:pPr/>
+              <a:t>3</a:t>
+            </a:fld>
+            <a:endParaRPr lang="en-US"/>
+          </a:p>
+        </p:txBody>
+      </p:sp>
+    </p:spTree>
+    <p:extLst>
+      <p:ext uri="{BB962C8B-B14F-4D97-AF65-F5344CB8AC3E}">
+        <p14:creationId xmlns:p14="http://schemas.microsoft.com/office/powerpoint/2010/main" val="2034635076"/>
+      </p:ext>
+    </p:extLst>
+  </p:cSld>
+  <p:clrMapOvr>
+    <a:masterClrMapping/>
+  </p:clrMapOvr>
+</p:sld>
+</file>
+
+<file path=ppt/slides/slide4.xml><?xml version="1.0" encoding="utf-8"?>
+<p:sld xmlns:a="http://schemas.openxmlformats.org/drawingml/2006/main" xmlns:r="http://schemas.openxmlformats.org/officeDocument/2006/relationships" xmlns:p="http://schemas.openxmlformats.org/presentationml/2006/main">
+  <p:cSld>
+    <p:spTree>
+      <p:nvGrpSpPr>
+        <p:cNvPr id="1" name=""/>
+        <p:cNvGrpSpPr/>
+        <p:nvPr/>
+      </p:nvGrpSpPr>
+      <p:grpSpPr>
+        <a:xfrm>
+          <a:off x="0" y="0"/>
+          <a:ext cx="0" cy="0"/>
+          <a:chOff x="0" y="0"/>
+          <a:chExt cx="0" cy="0"/>
+        </a:xfrm>
+      </p:grpSpPr>
+      <p:sp>
+        <p:nvSpPr>
+          <p:cNvPr id="2" name="Title 1"/>
+          <p:cNvSpPr>
+            <a:spLocks noGrp="1"/>
+          </p:cNvSpPr>
+          <p:nvPr>
+            <p:ph type="title"/>
+          </p:nvPr>
+        </p:nvSpPr>
+        <p:spPr/>
+        <p:txBody>
+          <a:bodyPr>
+            <a:normAutofit/>
+          </a:bodyPr>
+          <a:lstStyle/>
+          <a:p>
+            <a:r>
+              <a:rPr lang="en-GB" dirty="0"/>
+              <a:t>Climatic Controls in the </a:t>
+            </a:r>
+            <a:r>
+              <a:rPr lang="en-GB" dirty="0" smtClean="0"/>
+              <a:t>LSP</a:t>
+            </a:r>
+            <a:endParaRPr lang="de-CH" dirty="0"/>
+          </a:p>
+        </p:txBody>
+      </p:sp>
+      <p:sp>
+        <p:nvSpPr>
+          <p:cNvPr id="3" name="Content Placeholder 2"/>
+          <p:cNvSpPr>
+            <a:spLocks noGrp="1"/>
+          </p:cNvSpPr>
+          <p:nvPr>
+            <p:ph idx="1"/>
+          </p:nvPr>
+        </p:nvSpPr>
+        <p:spPr/>
+        <p:txBody>
+          <a:bodyPr/>
+          <a:lstStyle/>
+          <a:p>
+            <a:r>
+              <a:rPr lang="en-GB" dirty="0" smtClean="0"/>
+              <a:t>Growing </a:t>
+            </a:r>
+            <a:r>
+              <a:rPr lang="en-GB" dirty="0"/>
+              <a:t>Season Index (Jolly 2005)</a:t>
+            </a:r>
+            <a:endParaRPr lang="de-CH" dirty="0"/>
+          </a:p>
+          <a:p>
+            <a:r>
+              <a:rPr lang="de-DE" dirty="0" err="1" smtClean="0"/>
+              <a:t>Based</a:t>
+            </a:r>
+            <a:r>
+              <a:rPr lang="de-DE" dirty="0" smtClean="0"/>
+              <a:t> </a:t>
+            </a:r>
+            <a:r>
+              <a:rPr lang="de-DE" dirty="0"/>
+              <a:t>on </a:t>
+            </a:r>
+            <a:r>
+              <a:rPr lang="de-DE" dirty="0" err="1"/>
+              <a:t>Temperature</a:t>
+            </a:r>
+            <a:r>
+              <a:rPr lang="de-DE" dirty="0"/>
+              <a:t>, </a:t>
+            </a:r>
+            <a:r>
+              <a:rPr lang="de-DE" dirty="0" err="1"/>
+              <a:t>Vapour</a:t>
+            </a:r>
+            <a:r>
+              <a:rPr lang="de-DE" dirty="0"/>
+              <a:t> </a:t>
+            </a:r>
+            <a:r>
+              <a:rPr lang="de-DE" dirty="0" err="1"/>
+              <a:t>Pressure</a:t>
+            </a:r>
+            <a:r>
+              <a:rPr lang="de-DE" dirty="0"/>
+              <a:t> </a:t>
+            </a:r>
+            <a:r>
+              <a:rPr lang="de-DE" dirty="0" err="1"/>
+              <a:t>Defficit</a:t>
+            </a:r>
+            <a:r>
+              <a:rPr lang="de-DE" dirty="0"/>
+              <a:t> (VPD) </a:t>
+            </a:r>
+            <a:r>
+              <a:rPr lang="de-DE" dirty="0" err="1"/>
+              <a:t>and</a:t>
+            </a:r>
+            <a:r>
+              <a:rPr lang="de-DE" dirty="0"/>
+              <a:t> </a:t>
+            </a:r>
+            <a:r>
+              <a:rPr lang="de-DE" dirty="0" err="1"/>
+              <a:t>photoperiod</a:t>
+            </a:r>
+            <a:endParaRPr lang="de-CH" dirty="0"/>
+          </a:p>
+          <a:p>
+            <a:r>
+              <a:rPr lang="de-DE" dirty="0" err="1" smtClean="0"/>
+              <a:t>Very</a:t>
+            </a:r>
+            <a:r>
+              <a:rPr lang="de-DE" dirty="0" smtClean="0"/>
+              <a:t> </a:t>
+            </a:r>
+            <a:r>
+              <a:rPr lang="de-DE" dirty="0"/>
+              <a:t>simple linear </a:t>
+            </a:r>
+            <a:r>
+              <a:rPr lang="de-DE" dirty="0" err="1"/>
+              <a:t>relationships</a:t>
+            </a:r>
+            <a:r>
+              <a:rPr lang="de-DE" dirty="0"/>
+              <a:t> </a:t>
+            </a:r>
+            <a:r>
+              <a:rPr lang="de-DE" dirty="0" err="1"/>
+              <a:t>and</a:t>
+            </a:r>
+            <a:r>
+              <a:rPr lang="de-DE" dirty="0"/>
+              <a:t> </a:t>
+            </a:r>
+            <a:r>
+              <a:rPr lang="de-DE" dirty="0" err="1"/>
+              <a:t>thresholds</a:t>
+            </a:r>
+            <a:r>
+              <a:rPr lang="de-DE" dirty="0"/>
+              <a:t> </a:t>
+            </a:r>
+            <a:endParaRPr lang="de-CH" dirty="0"/>
+          </a:p>
+        </p:txBody>
+      </p:sp>
+      <p:sp>
+        <p:nvSpPr>
+          <p:cNvPr id="4" name="Footer Placeholder 3"/>
+          <p:cNvSpPr>
+            <a:spLocks noGrp="1"/>
+          </p:cNvSpPr>
+          <p:nvPr>
+            <p:ph type="ftr" sz="quarter" idx="11"/>
+          </p:nvPr>
+        </p:nvSpPr>
+        <p:spPr/>
+        <p:txBody>
+          <a:bodyPr/>
+          <a:lstStyle/>
+          <a:p>
+            <a:r>
+              <a:rPr lang="en-US" smtClean="0"/>
+              <a:t>MSc. Concept Presentation David Schenkel</a:t>
+            </a:r>
+            <a:endParaRPr lang="en-US"/>
+          </a:p>
+        </p:txBody>
+      </p:sp>
+      <p:sp>
+        <p:nvSpPr>
+          <p:cNvPr id="5" name="Slide Number Placeholder 4"/>
+          <p:cNvSpPr>
+            <a:spLocks noGrp="1"/>
+          </p:cNvSpPr>
+          <p:nvPr>
+            <p:ph type="sldNum" sz="quarter" idx="12"/>
+          </p:nvPr>
+        </p:nvSpPr>
+        <p:spPr/>
+        <p:txBody>
+          <a:bodyPr/>
+          <a:lstStyle/>
+          <a:p>
+            <a:fld id="{BA9B540C-44DA-4F69-89C9-7C84606640D3}" type="slidenum">
+              <a:rPr lang="en-US" smtClean="0"/>
+              <a:pPr/>
+              <a:t>4</a:t>
+            </a:fld>
+            <a:endParaRPr lang="en-US"/>
+          </a:p>
+        </p:txBody>
+      </p:sp>
+    </p:spTree>
+    <p:extLst>
+      <p:ext uri="{BB962C8B-B14F-4D97-AF65-F5344CB8AC3E}">
+        <p14:creationId xmlns:p14="http://schemas.microsoft.com/office/powerpoint/2010/main" val="3794526226"/>
+      </p:ext>
+    </p:extLst>
+  </p:cSld>
+  <p:clrMapOvr>
+    <a:masterClrMapping/>
+  </p:clrMapOvr>
+</p:sld>
+</file>
+
+<file path=ppt/slides/slide5.xml><?xml version="1.0" encoding="utf-8"?>
+<p:sld xmlns:a="http://schemas.openxmlformats.org/drawingml/2006/main" xmlns:r="http://schemas.openxmlformats.org/officeDocument/2006/relationships" xmlns:p="http://schemas.openxmlformats.org/presentationml/2006/main">
+  <p:cSld>
+    <p:spTree>
+      <p:nvGrpSpPr>
+        <p:cNvPr id="1" name=""/>
+        <p:cNvGrpSpPr/>
+        <p:nvPr/>
+      </p:nvGrpSpPr>
+      <p:grpSpPr>
+        <a:xfrm>
+          <a:off x="0" y="0"/>
+          <a:ext cx="0" cy="0"/>
+          <a:chOff x="0" y="0"/>
+          <a:chExt cx="0" cy="0"/>
+        </a:xfrm>
+      </p:grpSpPr>
+      <p:sp>
+        <p:nvSpPr>
+          <p:cNvPr id="2" name="Title 1"/>
+          <p:cNvSpPr>
+            <a:spLocks noGrp="1"/>
+          </p:cNvSpPr>
+          <p:nvPr>
+            <p:ph type="title"/>
+          </p:nvPr>
+        </p:nvSpPr>
+        <p:spPr/>
+        <p:txBody>
+          <a:bodyPr/>
+          <a:lstStyle/>
+          <a:p>
+            <a:r>
+              <a:rPr lang="en-US" dirty="0" smtClean="0"/>
+              <a:t>LAI Reanalysis</a:t>
+            </a:r>
+            <a:endParaRPr lang="en-US" dirty="0"/>
+          </a:p>
+        </p:txBody>
+      </p:sp>
+      <p:sp>
+        <p:nvSpPr>
+          <p:cNvPr id="3" name="Content Placeholder 2"/>
+          <p:cNvSpPr>
+            <a:spLocks noGrp="1"/>
+          </p:cNvSpPr>
+          <p:nvPr>
+            <p:ph idx="1"/>
+          </p:nvPr>
+        </p:nvSpPr>
+        <p:spPr/>
+        <p:txBody>
+          <a:bodyPr>
+            <a:normAutofit lnSpcReduction="10000"/>
+          </a:bodyPr>
+          <a:lstStyle/>
+          <a:p>
+            <a:pPr lvl="0"/>
+            <a:r>
+              <a:rPr lang="en-GB" b="1" dirty="0"/>
+              <a:t>Modelled</a:t>
+            </a:r>
+            <a:r>
+              <a:rPr lang="en-GB" dirty="0"/>
+              <a:t> LAI based on GSI,  Plant Functional Type (PFT) and elevation </a:t>
+            </a:r>
+            <a:r>
+              <a:rPr lang="en-GB" dirty="0" smtClean="0"/>
+              <a:t>classes (</a:t>
+            </a:r>
+            <a:r>
+              <a:rPr lang="en-GB" dirty="0" err="1" smtClean="0"/>
+              <a:t>Stöckli</a:t>
+            </a:r>
+            <a:r>
+              <a:rPr lang="en-GB" dirty="0" smtClean="0"/>
+              <a:t> et al. 2011)</a:t>
+            </a:r>
+            <a:endParaRPr lang="de-CH" dirty="0"/>
+          </a:p>
+          <a:p>
+            <a:pPr lvl="0"/>
+            <a:r>
+              <a:rPr lang="en-GB" dirty="0"/>
+              <a:t>Prediction assimilated with 10 years of MODIS LAI and FPAR data</a:t>
+            </a:r>
+            <a:endParaRPr lang="de-CH" dirty="0"/>
+          </a:p>
+          <a:p>
+            <a:pPr lvl="0"/>
+            <a:r>
+              <a:rPr lang="en-GB" dirty="0"/>
+              <a:t>50 years of global LAI &amp; FPAR data (1 </a:t>
+            </a:r>
+            <a:r>
+              <a:rPr lang="en-GB" dirty="0" err="1"/>
+              <a:t>deg</a:t>
+            </a:r>
+            <a:r>
+              <a:rPr lang="en-GB" dirty="0"/>
+              <a:t> resolution)</a:t>
+            </a:r>
+            <a:endParaRPr lang="de-CH" dirty="0"/>
+          </a:p>
+          <a:p>
+            <a:pPr lvl="0"/>
+            <a:r>
+              <a:rPr lang="en-GB" dirty="0"/>
+              <a:t>32 years of global LAI &amp; FPAR data (0.5 </a:t>
+            </a:r>
+            <a:r>
+              <a:rPr lang="en-GB" dirty="0" err="1"/>
+              <a:t>deg</a:t>
+            </a:r>
+            <a:r>
+              <a:rPr lang="en-GB" dirty="0"/>
+              <a:t> resolution)</a:t>
+            </a:r>
+            <a:endParaRPr lang="de-CH" dirty="0"/>
+          </a:p>
+          <a:p>
+            <a:endParaRPr lang="de-CH" dirty="0"/>
+          </a:p>
+          <a:p>
+            <a:endParaRPr lang="en-US" dirty="0"/>
+          </a:p>
+        </p:txBody>
+      </p:sp>
+      <p:sp>
+        <p:nvSpPr>
+          <p:cNvPr id="4" name="Footer Placeholder 3"/>
+          <p:cNvSpPr>
+            <a:spLocks noGrp="1"/>
+          </p:cNvSpPr>
+          <p:nvPr>
+            <p:ph type="ftr" sz="quarter" idx="11"/>
+          </p:nvPr>
+        </p:nvSpPr>
+        <p:spPr/>
+        <p:txBody>
+          <a:bodyPr/>
+          <a:lstStyle/>
+          <a:p>
+            <a:r>
+              <a:rPr lang="en-US" smtClean="0"/>
+              <a:t>MSc. Concept Presentation David Schenkel</a:t>
+            </a:r>
+            <a:endParaRPr lang="en-US"/>
+          </a:p>
+        </p:txBody>
+      </p:sp>
+      <p:sp>
+        <p:nvSpPr>
+          <p:cNvPr id="5" name="Slide Number Placeholder 4"/>
+          <p:cNvSpPr>
+            <a:spLocks noGrp="1"/>
+          </p:cNvSpPr>
+          <p:nvPr>
+            <p:ph type="sldNum" sz="quarter" idx="12"/>
+          </p:nvPr>
+        </p:nvSpPr>
+        <p:spPr/>
+        <p:txBody>
+          <a:bodyPr/>
+          <a:lstStyle/>
+          <a:p>
+            <a:fld id="{BA9B540C-44DA-4F69-89C9-7C84606640D3}" type="slidenum">
+              <a:rPr lang="en-US" smtClean="0"/>
+              <a:pPr/>
+              <a:t>5</a:t>
+            </a:fld>
+            <a:endParaRPr lang="en-US"/>
+          </a:p>
+        </p:txBody>
+      </p:sp>
+    </p:spTree>
+    <p:extLst>
+      <p:ext uri="{BB962C8B-B14F-4D97-AF65-F5344CB8AC3E}">
+        <p14:creationId xmlns:p14="http://schemas.microsoft.com/office/powerpoint/2010/main" val="731536536"/>
+      </p:ext>
+    </p:extLst>
+  </p:cSld>
+  <p:clrMapOvr>
+    <a:masterClrMapping/>
+  </p:clrMapOvr>
+</p:sld>
+</file>
+
+<file path=ppt/slides/slide6.xml><?xml version="1.0" encoding="utf-8"?>
+<p:sld xmlns:a="http://schemas.openxmlformats.org/drawingml/2006/main" xmlns:r="http://schemas.openxmlformats.org/officeDocument/2006/relationships" xmlns:p="http://schemas.openxmlformats.org/presentationml/2006/main">
+  <p:cSld>
+    <p:spTree>
+      <p:nvGrpSpPr>
+        <p:cNvPr id="1" name=""/>
+        <p:cNvGrpSpPr/>
+        <p:nvPr/>
+      </p:nvGrpSpPr>
+      <p:grpSpPr>
+        <a:xfrm>
+          <a:off x="0" y="0"/>
+          <a:ext cx="0" cy="0"/>
+          <a:chOff x="0" y="0"/>
+          <a:chExt cx="0" cy="0"/>
+        </a:xfrm>
+      </p:grpSpPr>
+      <p:sp>
+        <p:nvSpPr>
+          <p:cNvPr id="2" name="Title 1"/>
+          <p:cNvSpPr>
+            <a:spLocks noGrp="1"/>
+          </p:cNvSpPr>
+          <p:nvPr>
+            <p:ph type="title"/>
+          </p:nvPr>
+        </p:nvSpPr>
+        <p:spPr/>
+        <p:txBody>
+          <a:bodyPr>
+            <a:normAutofit/>
+          </a:bodyPr>
+          <a:lstStyle/>
+          <a:p>
+            <a:r>
+              <a:rPr lang="en-GB" dirty="0" smtClean="0"/>
+              <a:t>How plausible is LAI-re?</a:t>
+            </a:r>
+            <a:endParaRPr lang="en-US" dirty="0"/>
+          </a:p>
+        </p:txBody>
+      </p:sp>
+      <p:sp>
+        <p:nvSpPr>
+          <p:cNvPr id="3" name="Content Placeholder 2"/>
+          <p:cNvSpPr>
+            <a:spLocks noGrp="1"/>
+          </p:cNvSpPr>
+          <p:nvPr>
+            <p:ph idx="1"/>
+          </p:nvPr>
+        </p:nvSpPr>
+        <p:spPr/>
+        <p:txBody>
+          <a:bodyPr/>
+          <a:lstStyle/>
+          <a:p>
+            <a:pPr lvl="0"/>
+            <a:r>
+              <a:rPr lang="en-GB" dirty="0" smtClean="0"/>
+              <a:t>Comparison </a:t>
+            </a:r>
+            <a:r>
+              <a:rPr lang="en-GB" dirty="0"/>
+              <a:t>to an established LAI product is needed</a:t>
+            </a:r>
+            <a:endParaRPr lang="de-CH" dirty="0"/>
+          </a:p>
+          <a:p>
+            <a:pPr lvl="0"/>
+            <a:r>
+              <a:rPr lang="en-GB" dirty="0"/>
+              <a:t>LAI3g is the newest iteration of the AVHRR GIMMS </a:t>
+            </a:r>
+            <a:r>
+              <a:rPr lang="en-GB" dirty="0" err="1"/>
+              <a:t>timeseries</a:t>
+            </a:r>
+            <a:endParaRPr lang="de-CH" dirty="0"/>
+          </a:p>
+          <a:p>
+            <a:pPr lvl="0"/>
+            <a:r>
+              <a:rPr lang="en-GB" dirty="0"/>
+              <a:t>LAI3g computed with remotely sensed NDVI3g and MODIS LAI and FPAR neural network</a:t>
+            </a:r>
+            <a:endParaRPr lang="de-CH" dirty="0"/>
+          </a:p>
+          <a:p>
+            <a:endParaRPr lang="en-US" dirty="0"/>
+          </a:p>
+        </p:txBody>
+      </p:sp>
+      <p:sp>
+        <p:nvSpPr>
+          <p:cNvPr id="4" name="Footer Placeholder 3"/>
+          <p:cNvSpPr>
+            <a:spLocks noGrp="1"/>
+          </p:cNvSpPr>
+          <p:nvPr>
+            <p:ph type="ftr" sz="quarter" idx="11"/>
+          </p:nvPr>
+        </p:nvSpPr>
+        <p:spPr/>
+        <p:txBody>
+          <a:bodyPr/>
+          <a:lstStyle/>
+          <a:p>
+            <a:r>
+              <a:rPr lang="en-US" smtClean="0"/>
+              <a:t>MSc. Concept Presentation David Schenkel</a:t>
+            </a:r>
+            <a:endParaRPr lang="en-US"/>
+          </a:p>
+        </p:txBody>
+      </p:sp>
+      <p:sp>
+        <p:nvSpPr>
+          <p:cNvPr id="5" name="Slide Number Placeholder 4"/>
+          <p:cNvSpPr>
+            <a:spLocks noGrp="1"/>
+          </p:cNvSpPr>
+          <p:nvPr>
+            <p:ph type="sldNum" sz="quarter" idx="12"/>
+          </p:nvPr>
+        </p:nvSpPr>
+        <p:spPr/>
+        <p:txBody>
+          <a:bodyPr/>
+          <a:lstStyle/>
+          <a:p>
+            <a:fld id="{BA9B540C-44DA-4F69-89C9-7C84606640D3}" type="slidenum">
+              <a:rPr lang="en-US" smtClean="0"/>
+              <a:pPr/>
+              <a:t>6</a:t>
+            </a:fld>
+            <a:endParaRPr lang="en-US"/>
+          </a:p>
+        </p:txBody>
+      </p:sp>
+    </p:spTree>
+    <p:extLst>
+      <p:ext uri="{BB962C8B-B14F-4D97-AF65-F5344CB8AC3E}">
+        <p14:creationId xmlns:p14="http://schemas.microsoft.com/office/powerpoint/2010/main" val="1173314887"/>
+      </p:ext>
+    </p:extLst>
+  </p:cSld>
+  <p:clrMapOvr>
+    <a:masterClrMapping/>
+  </p:clrMapOvr>
+</p:sld>
+</file>
+
+<file path=ppt/slides/slide7.xml><?xml version="1.0" encoding="utf-8"?>
+<p:sld xmlns:a="http://schemas.openxmlformats.org/drawingml/2006/main" xmlns:r="http://schemas.openxmlformats.org/officeDocument/2006/relationships" xmlns:p="http://schemas.openxmlformats.org/presentationml/2006/main">
+  <p:cSld>
+    <p:spTree>
+      <p:nvGrpSpPr>
+        <p:cNvPr id="1" name=""/>
+        <p:cNvGrpSpPr/>
+        <p:nvPr/>
+      </p:nvGrpSpPr>
+      <p:grpSpPr>
+        <a:xfrm>
+          <a:off x="0" y="0"/>
+          <a:ext cx="0" cy="0"/>
+          <a:chOff x="0" y="0"/>
+          <a:chExt cx="0" cy="0"/>
+        </a:xfrm>
+      </p:grpSpPr>
+      <p:sp>
+        <p:nvSpPr>
+          <p:cNvPr id="2" name="Title 1"/>
+          <p:cNvSpPr>
+            <a:spLocks noGrp="1"/>
+          </p:cNvSpPr>
+          <p:nvPr>
+            <p:ph type="title"/>
+          </p:nvPr>
+        </p:nvSpPr>
+        <p:spPr/>
+        <p:txBody>
+          <a:bodyPr>
+            <a:normAutofit/>
+          </a:bodyPr>
+          <a:lstStyle/>
+          <a:p>
+            <a:r>
+              <a:rPr lang="en-GB" dirty="0" smtClean="0"/>
+              <a:t>Research Questions</a:t>
+            </a:r>
+            <a:endParaRPr lang="en-US" dirty="0"/>
+          </a:p>
+        </p:txBody>
+      </p:sp>
+      <p:sp>
+        <p:nvSpPr>
+          <p:cNvPr id="3" name="Content Placeholder 2"/>
+          <p:cNvSpPr>
+            <a:spLocks noGrp="1"/>
+          </p:cNvSpPr>
+          <p:nvPr>
+            <p:ph idx="1"/>
+          </p:nvPr>
+        </p:nvSpPr>
+        <p:spPr/>
+        <p:txBody>
+          <a:bodyPr>
+            <a:normAutofit/>
+          </a:bodyPr>
+          <a:lstStyle/>
+          <a:p>
+            <a:pPr lvl="0"/>
+            <a:r>
+              <a:rPr lang="en-GB" dirty="0" smtClean="0"/>
+              <a:t>How </a:t>
+            </a:r>
+            <a:r>
+              <a:rPr lang="en-GB" dirty="0"/>
+              <a:t>does the LAI-re compare to the LAI3g dataset? </a:t>
+            </a:r>
+            <a:r>
+              <a:rPr lang="en-GB" dirty="0" smtClean="0"/>
+              <a:t>(How) Do </a:t>
+            </a:r>
+            <a:r>
+              <a:rPr lang="en-GB" dirty="0"/>
+              <a:t>they </a:t>
+            </a:r>
+            <a:r>
+              <a:rPr lang="en-GB" dirty="0" smtClean="0"/>
+              <a:t>differ? </a:t>
+            </a:r>
+            <a:endParaRPr lang="de-CH" dirty="0"/>
+          </a:p>
+          <a:p>
+            <a:pPr lvl="0"/>
+            <a:r>
+              <a:rPr lang="en-GB" dirty="0"/>
+              <a:t>How do climatic controls (temperature, VPD) impact different </a:t>
+            </a:r>
+            <a:r>
+              <a:rPr lang="en-GB" dirty="0" smtClean="0"/>
+              <a:t>regions over time?</a:t>
+            </a:r>
+            <a:endParaRPr lang="de-CH" dirty="0"/>
+          </a:p>
+          <a:p>
+            <a:pPr lvl="0"/>
+            <a:r>
+              <a:rPr lang="en-GB" dirty="0"/>
+              <a:t>(How) do changes in LSP depend on changes in climatic controls? </a:t>
+            </a:r>
+            <a:endParaRPr lang="de-CH" dirty="0"/>
+          </a:p>
+          <a:p>
+            <a:endParaRPr lang="en-US" dirty="0"/>
+          </a:p>
+        </p:txBody>
+      </p:sp>
+      <p:sp>
+        <p:nvSpPr>
+          <p:cNvPr id="4" name="Footer Placeholder 3"/>
+          <p:cNvSpPr>
+            <a:spLocks noGrp="1"/>
+          </p:cNvSpPr>
+          <p:nvPr>
+            <p:ph type="ftr" sz="quarter" idx="11"/>
+          </p:nvPr>
+        </p:nvSpPr>
+        <p:spPr/>
+        <p:txBody>
+          <a:bodyPr/>
+          <a:lstStyle/>
+          <a:p>
+            <a:r>
+              <a:rPr lang="en-US" smtClean="0"/>
+              <a:t>MSc. Concept Presentation David Schenkel</a:t>
+            </a:r>
+            <a:endParaRPr lang="en-US"/>
+          </a:p>
+        </p:txBody>
+      </p:sp>
+      <p:sp>
+        <p:nvSpPr>
+          <p:cNvPr id="5" name="Slide Number Placeholder 4"/>
+          <p:cNvSpPr>
+            <a:spLocks noGrp="1"/>
+          </p:cNvSpPr>
+          <p:nvPr>
+            <p:ph type="sldNum" sz="quarter" idx="12"/>
+          </p:nvPr>
+        </p:nvSpPr>
+        <p:spPr/>
+        <p:txBody>
+          <a:bodyPr/>
+          <a:lstStyle/>
+          <a:p>
+            <a:fld id="{BA9B540C-44DA-4F69-89C9-7C84606640D3}" type="slidenum">
+              <a:rPr lang="en-US" smtClean="0"/>
+              <a:pPr/>
+              <a:t>7</a:t>
+            </a:fld>
+            <a:endParaRPr lang="en-US"/>
+          </a:p>
+        </p:txBody>
+      </p:sp>
+    </p:spTree>
+    <p:extLst>
+      <p:ext uri="{BB962C8B-B14F-4D97-AF65-F5344CB8AC3E}">
+        <p14:creationId xmlns:p14="http://schemas.microsoft.com/office/powerpoint/2010/main" val="3696580849"/>
+      </p:ext>
+    </p:extLst>
+  </p:cSld>
+  <p:clrMapOvr>
+    <a:masterClrMapping/>
+  </p:clrMapOvr>
+</p:sld>
+</file>
+
+<file path=ppt/slides/slide8.xml><?xml version="1.0" encoding="utf-8"?>
+<p:sld xmlns:a="http://schemas.openxmlformats.org/drawingml/2006/main" xmlns:r="http://schemas.openxmlformats.org/officeDocument/2006/relationships" xmlns:p="http://schemas.openxmlformats.org/presentationml/2006/main">
+  <p:cSld>
+    <p:spTree>
+      <p:nvGrpSpPr>
+        <p:cNvPr id="1" name=""/>
+        <p:cNvGrpSpPr/>
+        <p:nvPr/>
+      </p:nvGrpSpPr>
+      <p:grpSpPr>
+        <a:xfrm>
+          <a:off x="0" y="0"/>
+          <a:ext cx="0" cy="0"/>
+          <a:chOff x="0" y="0"/>
+          <a:chExt cx="0" cy="0"/>
+        </a:xfrm>
+      </p:grpSpPr>
+      <p:sp>
+        <p:nvSpPr>
+          <p:cNvPr id="2" name="Title 1"/>
+          <p:cNvSpPr>
+            <a:spLocks noGrp="1"/>
+          </p:cNvSpPr>
+          <p:nvPr>
+            <p:ph type="title"/>
+          </p:nvPr>
+        </p:nvSpPr>
+        <p:spPr/>
+        <p:txBody>
+          <a:bodyPr/>
+          <a:lstStyle/>
+          <a:p>
+            <a:r>
+              <a:rPr lang="en-US" dirty="0" smtClean="0"/>
+              <a:t>Content</a:t>
+            </a:r>
+            <a:endParaRPr lang="en-US" dirty="0"/>
+          </a:p>
+        </p:txBody>
+      </p:sp>
+      <p:sp>
+        <p:nvSpPr>
+          <p:cNvPr id="3" name="Content Placeholder 2"/>
+          <p:cNvSpPr>
+            <a:spLocks noGrp="1"/>
+          </p:cNvSpPr>
+          <p:nvPr>
+            <p:ph idx="1"/>
+          </p:nvPr>
+        </p:nvSpPr>
+        <p:spPr/>
+        <p:txBody>
+          <a:bodyPr/>
+          <a:lstStyle/>
+          <a:p>
+            <a:r>
+              <a:rPr lang="en-US" dirty="0" smtClean="0"/>
+              <a:t>Introduction</a:t>
+            </a:r>
+          </a:p>
+          <a:p>
+            <a:r>
+              <a:rPr lang="en-US" b="1" dirty="0" smtClean="0"/>
+              <a:t>Materials and Methods</a:t>
+            </a:r>
+          </a:p>
+          <a:p>
+            <a:r>
+              <a:rPr lang="en-US" dirty="0" smtClean="0"/>
+              <a:t>Challenges</a:t>
+            </a:r>
+          </a:p>
+          <a:p>
+            <a:r>
+              <a:rPr lang="en-US" dirty="0" smtClean="0"/>
+              <a:t>Expected Results</a:t>
+            </a:r>
+          </a:p>
+          <a:p>
+            <a:r>
+              <a:rPr lang="en-US" dirty="0" smtClean="0"/>
+              <a:t>Questions/Comments</a:t>
+            </a:r>
+          </a:p>
+          <a:p>
+            <a:pPr marL="0" indent="0">
+              <a:buNone/>
+            </a:pPr>
+            <a:endParaRPr lang="en-US" dirty="0"/>
+          </a:p>
+        </p:txBody>
+      </p:sp>
+      <p:sp>
+        <p:nvSpPr>
+          <p:cNvPr id="4" name="Footer Placeholder 3"/>
+          <p:cNvSpPr>
+            <a:spLocks noGrp="1"/>
+          </p:cNvSpPr>
+          <p:nvPr>
+            <p:ph type="ftr" sz="quarter" idx="11"/>
+          </p:nvPr>
+        </p:nvSpPr>
+        <p:spPr/>
+        <p:txBody>
+          <a:bodyPr/>
+          <a:lstStyle/>
+          <a:p>
+            <a:r>
+              <a:rPr lang="en-US" smtClean="0"/>
+              <a:t>MSc. Concept Presentation David Schenkel</a:t>
+            </a:r>
+            <a:endParaRPr lang="en-US"/>
+          </a:p>
+        </p:txBody>
+      </p:sp>
+      <p:sp>
+        <p:nvSpPr>
+          <p:cNvPr id="5" name="Slide Number Placeholder 4"/>
+          <p:cNvSpPr>
+            <a:spLocks noGrp="1"/>
+          </p:cNvSpPr>
+          <p:nvPr>
+            <p:ph type="sldNum" sz="quarter" idx="12"/>
+          </p:nvPr>
+        </p:nvSpPr>
+        <p:spPr/>
+        <p:txBody>
+          <a:bodyPr/>
+          <a:lstStyle/>
+          <a:p>
+            <a:fld id="{BA9B540C-44DA-4F69-89C9-7C84606640D3}" type="slidenum">
+              <a:rPr lang="en-US" smtClean="0"/>
+              <a:pPr/>
+              <a:t>8</a:t>
+            </a:fld>
+            <a:endParaRPr lang="en-US"/>
+          </a:p>
+        </p:txBody>
+      </p:sp>
+    </p:spTree>
+    <p:extLst>
+      <p:ext uri="{BB962C8B-B14F-4D97-AF65-F5344CB8AC3E}">
+        <p14:creationId xmlns:p14="http://schemas.microsoft.com/office/powerpoint/2010/main" val="4020068410"/>
+      </p:ext>
+    </p:extLst>
+  </p:cSld>
+  <p:clrMapOvr>
+    <a:masterClrMapping/>
+  </p:clrMapOvr>
+</p:sld>
+</file>
+
+<file path=ppt/slides/slide9.xml><?xml version="1.0" encoding="utf-8"?>
+<p:sld xmlns:a="http://schemas.openxmlformats.org/drawingml/2006/main" xmlns:r="http://schemas.openxmlformats.org/officeDocument/2006/relationships" xmlns:p="http://schemas.openxmlformats.org/presentationml/2006/main">
+  <p:cSld>
+    <p:spTree>
+      <p:nvGrpSpPr>
+        <p:cNvPr id="1" name=""/>
+        <p:cNvGrpSpPr/>
+        <p:nvPr/>
+      </p:nvGrpSpPr>
+      <p:grpSpPr>
+        <a:xfrm>
+          <a:off x="0" y="0"/>
+          <a:ext cx="0" cy="0"/>
+          <a:chOff x="0" y="0"/>
+          <a:chExt cx="0" cy="0"/>
+        </a:xfrm>
+      </p:grpSpPr>
+      <p:sp>
+        <p:nvSpPr>
+          <p:cNvPr id="2" name="Title 1"/>
+          <p:cNvSpPr>
+            <a:spLocks noGrp="1"/>
+          </p:cNvSpPr>
+          <p:nvPr>
+            <p:ph type="title"/>
+          </p:nvPr>
+        </p:nvSpPr>
+        <p:spPr/>
+        <p:txBody>
+          <a:bodyPr>
+            <a:normAutofit/>
+          </a:bodyPr>
+          <a:lstStyle/>
+          <a:p>
+            <a:r>
+              <a:rPr lang="en-GB" dirty="0" smtClean="0"/>
+              <a:t>Data &amp; Data preparation 1/2</a:t>
+            </a:r>
+            <a:endParaRPr lang="en-US" dirty="0"/>
+          </a:p>
+        </p:txBody>
+      </p:sp>
+      <p:sp>
+        <p:nvSpPr>
+          <p:cNvPr id="3" name="Content Placeholder 2"/>
+          <p:cNvSpPr>
+            <a:spLocks noGrp="1"/>
+          </p:cNvSpPr>
+          <p:nvPr>
+            <p:ph idx="1"/>
+          </p:nvPr>
+        </p:nvSpPr>
+        <p:spPr/>
+        <p:txBody>
+          <a:bodyPr>
+            <a:normAutofit fontScale="85000" lnSpcReduction="10000"/>
+          </a:bodyPr>
+          <a:lstStyle/>
+          <a:p>
+            <a:r>
+              <a:rPr lang="en-GB" i="1" dirty="0" smtClean="0"/>
+              <a:t>Available </a:t>
+            </a:r>
+            <a:r>
+              <a:rPr lang="en-GB" i="1" dirty="0"/>
+              <a:t>data</a:t>
+            </a:r>
+            <a:endParaRPr lang="de-CH" dirty="0"/>
+          </a:p>
+          <a:p>
+            <a:pPr lvl="0"/>
+            <a:r>
+              <a:rPr lang="en-GB" dirty="0"/>
+              <a:t>LAI3g: 30 years (1982-2011) of global, 15-day composite LAI data (spatial resolution: 1/12 degree)</a:t>
+            </a:r>
+            <a:endParaRPr lang="de-CH" dirty="0"/>
+          </a:p>
+          <a:p>
+            <a:pPr lvl="0"/>
+            <a:r>
+              <a:rPr lang="en-GB" dirty="0"/>
+              <a:t>LAI-re: 33 years (1980-2012) of global, daily LAI and climatic control data</a:t>
+            </a:r>
+            <a:r>
+              <a:rPr lang="en-GB" b="1" dirty="0"/>
+              <a:t> </a:t>
+            </a:r>
+            <a:r>
+              <a:rPr lang="en-GB" dirty="0"/>
+              <a:t>(spatial resolution ½ degree)</a:t>
+            </a:r>
+            <a:r>
+              <a:rPr lang="en-GB" b="1" dirty="0"/>
+              <a:t/>
+            </a:r>
+            <a:br>
+              <a:rPr lang="en-GB" b="1" dirty="0"/>
+            </a:br>
+            <a:r>
+              <a:rPr lang="en-GB" i="1" dirty="0"/>
+              <a:t>Preparation:</a:t>
+            </a:r>
+            <a:endParaRPr lang="de-CH" dirty="0"/>
+          </a:p>
+          <a:p>
+            <a:pPr lvl="0"/>
+            <a:r>
+              <a:rPr lang="en-GB" dirty="0"/>
+              <a:t>Resize LAI3g to fit LAI-re resolution (1/2 degree, bilinear)</a:t>
+            </a:r>
+            <a:endParaRPr lang="de-CH" dirty="0"/>
+          </a:p>
+          <a:p>
+            <a:pPr lvl="0"/>
+            <a:r>
+              <a:rPr lang="en-GB" dirty="0"/>
+              <a:t>resample temporal frequency of LAI-re (daily) to fit LAI3g (15 day composites)</a:t>
+            </a:r>
+            <a:endParaRPr lang="de-CH" dirty="0"/>
+          </a:p>
+        </p:txBody>
+      </p:sp>
+      <p:sp>
+        <p:nvSpPr>
+          <p:cNvPr id="4" name="Footer Placeholder 3"/>
+          <p:cNvSpPr>
+            <a:spLocks noGrp="1"/>
+          </p:cNvSpPr>
+          <p:nvPr>
+            <p:ph type="ftr" sz="quarter" idx="11"/>
+          </p:nvPr>
+        </p:nvSpPr>
+        <p:spPr/>
+        <p:txBody>
+          <a:bodyPr/>
+          <a:lstStyle/>
+          <a:p>
+            <a:r>
+              <a:rPr lang="en-US" smtClean="0"/>
+              <a:t>MSc. Concept Presentation David Schenkel</a:t>
+            </a:r>
+            <a:endParaRPr lang="en-US"/>
+          </a:p>
+        </p:txBody>
+      </p:sp>
+      <p:sp>
+        <p:nvSpPr>
+          <p:cNvPr id="5" name="Slide Number Placeholder 4"/>
+          <p:cNvSpPr>
+            <a:spLocks noGrp="1"/>
+          </p:cNvSpPr>
+          <p:nvPr>
+            <p:ph type="sldNum" sz="quarter" idx="12"/>
+          </p:nvPr>
+        </p:nvSpPr>
+        <p:spPr/>
+        <p:txBody>
+          <a:bodyPr/>
+          <a:lstStyle/>
+          <a:p>
+            <a:fld id="{BA9B540C-44DA-4F69-89C9-7C84606640D3}" type="slidenum">
+              <a:rPr lang="en-US" smtClean="0"/>
+              <a:pPr/>
+              <a:t>9</a:t>
+            </a:fld>
+            <a:endParaRPr lang="en-US"/>
+          </a:p>
+        </p:txBody>
+      </p:sp>
+    </p:spTree>
+    <p:extLst>
+      <p:ext uri="{BB962C8B-B14F-4D97-AF65-F5344CB8AC3E}">
+        <p14:creationId xmlns:p14="http://schemas.microsoft.com/office/powerpoint/2010/main" val="514367902"/>
+      </p:ext>
+    </p:extLst>
+  </p:cSld>
+  <p:clrMapOvr>
+    <a:masterClrMapping/>
+  </p:clrMapOvr>
+</p:sld>
+</file>
+
 <file path=ppt/theme/theme1.xml><?xml version="1.0" encoding="utf-8"?>
-<a:theme xmlns:a="http://schemas.openxmlformats.org/drawingml/2006/main" name="Executive">
+<a:theme xmlns:a="http://schemas.openxmlformats.org/drawingml/2006/main" name="Office Theme">
   <a:themeElements>
-    <a:clrScheme name="Executive">
+    <a:clrScheme name="Office">
       <a:dk1>
         <a:sysClr val="windowText" lastClr="000000"/>
       </a:dk1>
@@ -3483,83 +6807,48 @@
         <a:sysClr val="window" lastClr="FFFFFF"/>
       </a:lt1>
       <a:dk2>
-        <a:srgbClr val="2F5897"/>
+        <a:srgbClr val="1F497D"/>
       </a:dk2>
       <a:lt2>
-        <a:srgbClr val="E4E9EF"/>
+        <a:srgbClr val="EEECE1"/>
       </a:lt2>
       <a:accent1>
-        <a:srgbClr val="6076B4"/>
+        <a:srgbClr val="4F81BD"/>
       </a:accent1>
       <a:accent2>
-        <a:srgbClr val="9C5252"/>
+        <a:srgbClr val="C0504D"/>
       </a:accent2>
       <a:accent3>
-        <a:srgbClr val="E68422"/>
+        <a:srgbClr val="9BBB59"/>
       </a:accent3>
       <a:accent4>
-        <a:srgbClr val="846648"/>
+        <a:srgbClr val="8064A2"/>
       </a:accent4>
       <a:accent5>
-        <a:srgbClr val="63891F"/>
+        <a:srgbClr val="4BACC6"/>
       </a:accent5>
       <a:accent6>
-        <a:srgbClr val="758085"/>
+        <a:srgbClr val="F79646"/>
       </a:accent6>
       <a:hlink>
-        <a:srgbClr val="3399FF"/>
+        <a:srgbClr val="0000FF"/>
       </a:hlink>
       <a:folHlink>
-        <a:srgbClr val="B2B2B2"/>
+        <a:srgbClr val="800080"/>
       </a:folHlink>
     </a:clrScheme>
-    <a:fontScheme name="Executive">
+    <a:fontScheme name="Office">
       <a:majorFont>
-        <a:latin typeface="Century Gothic"/>
+        <a:latin typeface="Calibri"/>
         <a:ea typeface=""/>
         <a:cs typeface=""/>
-        <a:font script="Jpan" typeface="ＭＳ ゴシック"/>
-        <a:font script="Hang" typeface="HY중고딕"/>
-        <a:font script="Hans" typeface="微软雅黑"/>
-        <a:font script="Hant" typeface="微軟正黑體"/>
-        <a:font script="Arab" typeface="Tahoma"/>
-        <a:font script="Hebr" typeface="Gisha"/>
-        <a:font script="Thai" typeface="DilleniaUPC"/>
-        <a:font script="Ethi" typeface="Nyala"/>
-        <a:font script="Beng" typeface="Vrinda"/>
-        <a:font script="Gujr" typeface="Shruti"/>
-        <a:font script="Khmr" typeface="DaunPenh"/>
-        <a:font script="Knda" typeface="Tunga"/>
-        <a:font script="Guru" typeface="Raavi"/>
-        <a:font script="Cans" typeface="Euphemia"/>
-        <a:font script="Cher" typeface="Plantagenet Cherokee"/>
-        <a:font script="Yiii" typeface="Microsoft Yi Baiti"/>
-        <a:font script="Tibt" typeface="Microsoft Himalaya"/>
-        <a:font script="Thaa" typeface="MV Boli"/>
-        <a:font script="Deva" typeface="Mangal"/>
-        <a:font script="Telu" typeface="Gautami"/>
-        <a:font script="Taml" typeface="Latha"/>
-        <a:font script="Syrc" typeface="Estrangelo Edessa"/>
-        <a:font script="Orya" typeface="Kalinga"/>
-        <a:font script="Mlym" typeface="Kartika"/>
-        <a:font script="Laoo" typeface="DokChampa"/>
-        <a:font script="Sinh" typeface="Iskoola Pota"/>
-        <a:font script="Mong" typeface="Mongolian Baiti"/>
-        <a:font script="Viet" typeface="Tahoma"/>
-        <a:font script="Uigh" typeface="Microsoft Uighur"/>
-        <a:font script="Geor" typeface="Sylfaen"/>
-      </a:majorFont>
-      <a:minorFont>
-        <a:latin typeface="Palatino Linotype"/>
-        <a:ea typeface=""/>
-        <a:cs typeface=""/>
-        <a:font script="Jpan" typeface="HGS明朝E"/>
+        <a:font script="Jpan" typeface="ＭＳ Ｐゴシック"/>
         <a:font script="Hang" typeface="맑은 고딕"/>
         <a:font script="Hans" typeface="宋体"/>
         <a:font script="Hant" typeface="新細明體"/>
         <a:font script="Arab" typeface="Times New Roman"/>
         <a:font script="Hebr" typeface="Times New Roman"/>
-        <a:font script="Thai" typeface="Browallia New"/>
+        <a:font script="Thai" typeface="Angsana New"/>
         <a:font script="Ethi" typeface="Nyala"/>
         <a:font script="Beng" typeface="Vrinda"/>
         <a:font script="Gujr" typeface="Shruti"/>
@@ -3583,9 +6872,44 @@
         <a:font script="Viet" typeface="Times New Roman"/>
         <a:font script="Uigh" typeface="Microsoft Uighur"/>
         <a:font script="Geor" typeface="Sylfaen"/>
+      </a:majorFont>
+      <a:minorFont>
+        <a:latin typeface="Calibri"/>
+        <a:ea typeface=""/>
+        <a:cs typeface=""/>
+        <a:font script="Jpan" typeface="ＭＳ Ｐゴシック"/>
+        <a:font script="Hang" typeface="맑은 고딕"/>
+        <a:font script="Hans" typeface="宋体"/>
+        <a:font script="Hant" typeface="新細明體"/>
+        <a:font script="Arab" typeface="Arial"/>
+        <a:font script="Hebr" typeface="Arial"/>
+        <a:font script="Thai" typeface="Cordia New"/>
+        <a:font script="Ethi" typeface="Nyala"/>
+        <a:font script="Beng" typeface="Vrinda"/>
+        <a:font script="Gujr" typeface="Shruti"/>
+        <a:font script="Khmr" typeface="DaunPenh"/>
+        <a:font script="Knda" typeface="Tunga"/>
+        <a:font script="Guru" typeface="Raavi"/>
+        <a:font script="Cans" typeface="Euphemia"/>
+        <a:font script="Cher" typeface="Plantagenet Cherokee"/>
+        <a:font script="Yiii" typeface="Microsoft Yi Baiti"/>
+        <a:font script="Tibt" typeface="Microsoft Himalaya"/>
+        <a:font script="Thaa" typeface="MV Boli"/>
+        <a:font script="Deva" typeface="Mangal"/>
+        <a:font script="Telu" typeface="Gautami"/>
+        <a:font script="Taml" typeface="Latha"/>
+        <a:font script="Syrc" typeface="Estrangelo Edessa"/>
+        <a:font script="Orya" typeface="Kalinga"/>
+        <a:font script="Mlym" typeface="Kartika"/>
+        <a:font script="Laoo" typeface="DokChampa"/>
+        <a:font script="Sinh" typeface="Iskoola Pota"/>
+        <a:font script="Mong" typeface="Mongolian Baiti"/>
+        <a:font script="Viet" typeface="Arial"/>
+        <a:font script="Uigh" typeface="Microsoft Uighur"/>
+        <a:font script="Geor" typeface="Sylfaen"/>
       </a:minorFont>
     </a:fontScheme>
-    <a:fmtScheme name="Executive">
+    <a:fmtScheme name="Office">
       <a:fillStyleLst>
         <a:solidFill>
           <a:schemeClr val="phClr"/>
@@ -3617,20 +6941,16 @@
           <a:gsLst>
             <a:gs pos="0">
               <a:schemeClr val="phClr">
-                <a:shade val="51000"/>
-                <a:satMod val="130000"/>
-              </a:schemeClr>
-            </a:gs>
-            <a:gs pos="80000">
-              <a:schemeClr val="phClr">
-                <a:shade val="93000"/>
+                <a:tint val="100000"/>
+                <a:shade val="100000"/>
                 <a:satMod val="130000"/>
               </a:schemeClr>
             </a:gs>
             <a:gs pos="100000">
               <a:schemeClr val="phClr">
-                <a:shade val="94000"/>
-                <a:satMod val="135000"/>
+                <a:tint val="50000"/>
+                <a:shade val="100000"/>
+                <a:satMod val="350000"/>
               </a:schemeClr>
             </a:gs>
           </a:gsLst>
@@ -3647,13 +6967,13 @@
           </a:solidFill>
           <a:prstDash val="solid"/>
         </a:ln>
-        <a:ln w="28575" cap="flat" cmpd="sng" algn="ctr">
+        <a:ln w="25400" cap="flat" cmpd="sng" algn="ctr">
           <a:solidFill>
             <a:schemeClr val="phClr"/>
           </a:solidFill>
           <a:prstDash val="solid"/>
         </a:ln>
-        <a:ln w="50800" cap="flat" cmpd="sng" algn="ctr">
+        <a:ln w="38100" cap="flat" cmpd="sng" algn="ctr">
           <a:solidFill>
             <a:schemeClr val="phClr"/>
           </a:solidFill>
@@ -3706,24 +7026,42 @@
         </a:solidFill>
         <a:gradFill rotWithShape="1">
           <a:gsLst>
-            <a:gs pos="50000">
+            <a:gs pos="0">
+              <a:schemeClr val="phClr">
+                <a:tint val="40000"/>
+                <a:satMod val="350000"/>
+              </a:schemeClr>
+            </a:gs>
+            <a:gs pos="40000">
+              <a:schemeClr val="phClr">
+                <a:tint val="45000"/>
+                <a:shade val="99000"/>
+                <a:satMod val="350000"/>
+              </a:schemeClr>
+            </a:gs>
+            <a:gs pos="100000">
+              <a:schemeClr val="phClr">
+                <a:shade val="20000"/>
+                <a:satMod val="255000"/>
+              </a:schemeClr>
+            </a:gs>
+          </a:gsLst>
+          <a:path path="circle">
+            <a:fillToRect l="50000" t="-80000" r="50000" b="180000"/>
+          </a:path>
+        </a:gradFill>
+        <a:gradFill rotWithShape="1">
+          <a:gsLst>
+            <a:gs pos="0">
               <a:schemeClr val="phClr">
                 <a:tint val="80000"/>
-                <a:satMod val="250000"/>
+                <a:satMod val="300000"/>
               </a:schemeClr>
             </a:gs>
-            <a:gs pos="76000">
+            <a:gs pos="100000">
               <a:schemeClr val="phClr">
-                <a:tint val="90000"/>
-                <a:shade val="90000"/>
+                <a:shade val="30000"/>
                 <a:satMod val="200000"/>
-              </a:schemeClr>
-            </a:gs>
-            <a:gs pos="92000">
-              <a:schemeClr val="phClr">
-                <a:tint val="90000"/>
-                <a:shade val="70000"/>
-                <a:satMod val="250000"/>
               </a:schemeClr>
             </a:gs>
           </a:gsLst>
@@ -3731,23 +7069,689 @@
             <a:fillToRect l="50000" t="50000" r="50000" b="50000"/>
           </a:path>
         </a:gradFill>
-        <a:blipFill>
-          <a:blip xmlns:r="http://schemas.openxmlformats.org/officeDocument/2006/relationships" r:embed="rId1">
-            <a:duotone>
-              <a:schemeClr val="phClr">
-                <a:tint val="95000"/>
-              </a:schemeClr>
-              <a:schemeClr val="phClr">
-                <a:shade val="90000"/>
-              </a:schemeClr>
-            </a:duotone>
-          </a:blip>
-          <a:tile tx="0" ty="0" sx="100000" sy="100000" flip="none" algn="tl"/>
-        </a:blipFill>
       </a:bgFillStyleLst>
     </a:fmtScheme>
   </a:themeElements>
-  <a:objectDefaults/>
+  <a:objectDefaults>
+    <a:spDef>
+      <a:spPr/>
+      <a:bodyPr/>
+      <a:lstStyle/>
+      <a:style>
+        <a:lnRef idx="1">
+          <a:schemeClr val="accent1"/>
+        </a:lnRef>
+        <a:fillRef idx="3">
+          <a:schemeClr val="accent1"/>
+        </a:fillRef>
+        <a:effectRef idx="2">
+          <a:schemeClr val="accent1"/>
+        </a:effectRef>
+        <a:fontRef idx="minor">
+          <a:schemeClr val="lt1"/>
+        </a:fontRef>
+      </a:style>
+    </a:spDef>
+    <a:lnDef>
+      <a:spPr/>
+      <a:bodyPr/>
+      <a:lstStyle/>
+      <a:style>
+        <a:lnRef idx="2">
+          <a:schemeClr val="accent1"/>
+        </a:lnRef>
+        <a:fillRef idx="0">
+          <a:schemeClr val="accent1"/>
+        </a:fillRef>
+        <a:effectRef idx="1">
+          <a:schemeClr val="accent1"/>
+        </a:effectRef>
+        <a:fontRef idx="minor">
+          <a:schemeClr val="tx1"/>
+        </a:fontRef>
+      </a:style>
+    </a:lnDef>
+  </a:objectDefaults>
+  <a:extraClrSchemeLst/>
+</a:theme>
+</file>
+
+<file path=ppt/theme/theme2.xml><?xml version="1.0" encoding="utf-8"?>
+<a:theme xmlns:a="http://schemas.openxmlformats.org/drawingml/2006/main" name="Office Theme">
+  <a:themeElements>
+    <a:clrScheme name="Office">
+      <a:dk1>
+        <a:sysClr val="windowText" lastClr="000000"/>
+      </a:dk1>
+      <a:lt1>
+        <a:sysClr val="window" lastClr="FFFFFF"/>
+      </a:lt1>
+      <a:dk2>
+        <a:srgbClr val="1F497D"/>
+      </a:dk2>
+      <a:lt2>
+        <a:srgbClr val="EEECE1"/>
+      </a:lt2>
+      <a:accent1>
+        <a:srgbClr val="4F81BD"/>
+      </a:accent1>
+      <a:accent2>
+        <a:srgbClr val="C0504D"/>
+      </a:accent2>
+      <a:accent3>
+        <a:srgbClr val="9BBB59"/>
+      </a:accent3>
+      <a:accent4>
+        <a:srgbClr val="8064A2"/>
+      </a:accent4>
+      <a:accent5>
+        <a:srgbClr val="4BACC6"/>
+      </a:accent5>
+      <a:accent6>
+        <a:srgbClr val="F79646"/>
+      </a:accent6>
+      <a:hlink>
+        <a:srgbClr val="0000FF"/>
+      </a:hlink>
+      <a:folHlink>
+        <a:srgbClr val="800080"/>
+      </a:folHlink>
+    </a:clrScheme>
+    <a:fontScheme name="Office">
+      <a:majorFont>
+        <a:latin typeface="Calibri"/>
+        <a:ea typeface=""/>
+        <a:cs typeface=""/>
+        <a:font script="Jpan" typeface="ＭＳ Ｐゴシック"/>
+        <a:font script="Hang" typeface="맑은 고딕"/>
+        <a:font script="Hans" typeface="宋体"/>
+        <a:font script="Hant" typeface="新細明體"/>
+        <a:font script="Arab" typeface="Times New Roman"/>
+        <a:font script="Hebr" typeface="Times New Roman"/>
+        <a:font script="Thai" typeface="Angsana New"/>
+        <a:font script="Ethi" typeface="Nyala"/>
+        <a:font script="Beng" typeface="Vrinda"/>
+        <a:font script="Gujr" typeface="Shruti"/>
+        <a:font script="Khmr" typeface="MoolBoran"/>
+        <a:font script="Knda" typeface="Tunga"/>
+        <a:font script="Guru" typeface="Raavi"/>
+        <a:font script="Cans" typeface="Euphemia"/>
+        <a:font script="Cher" typeface="Plantagenet Cherokee"/>
+        <a:font script="Yiii" typeface="Microsoft Yi Baiti"/>
+        <a:font script="Tibt" typeface="Microsoft Himalaya"/>
+        <a:font script="Thaa" typeface="MV Boli"/>
+        <a:font script="Deva" typeface="Mangal"/>
+        <a:font script="Telu" typeface="Gautami"/>
+        <a:font script="Taml" typeface="Latha"/>
+        <a:font script="Syrc" typeface="Estrangelo Edessa"/>
+        <a:font script="Orya" typeface="Kalinga"/>
+        <a:font script="Mlym" typeface="Kartika"/>
+        <a:font script="Laoo" typeface="DokChampa"/>
+        <a:font script="Sinh" typeface="Iskoola Pota"/>
+        <a:font script="Mong" typeface="Mongolian Baiti"/>
+        <a:font script="Viet" typeface="Times New Roman"/>
+        <a:font script="Uigh" typeface="Microsoft Uighur"/>
+        <a:font script="Geor" typeface="Sylfaen"/>
+      </a:majorFont>
+      <a:minorFont>
+        <a:latin typeface="Calibri"/>
+        <a:ea typeface=""/>
+        <a:cs typeface=""/>
+        <a:font script="Jpan" typeface="ＭＳ Ｐゴシック"/>
+        <a:font script="Hang" typeface="맑은 고딕"/>
+        <a:font script="Hans" typeface="宋体"/>
+        <a:font script="Hant" typeface="新細明體"/>
+        <a:font script="Arab" typeface="Arial"/>
+        <a:font script="Hebr" typeface="Arial"/>
+        <a:font script="Thai" typeface="Cordia New"/>
+        <a:font script="Ethi" typeface="Nyala"/>
+        <a:font script="Beng" typeface="Vrinda"/>
+        <a:font script="Gujr" typeface="Shruti"/>
+        <a:font script="Khmr" typeface="DaunPenh"/>
+        <a:font script="Knda" typeface="Tunga"/>
+        <a:font script="Guru" typeface="Raavi"/>
+        <a:font script="Cans" typeface="Euphemia"/>
+        <a:font script="Cher" typeface="Plantagenet Cherokee"/>
+        <a:font script="Yiii" typeface="Microsoft Yi Baiti"/>
+        <a:font script="Tibt" typeface="Microsoft Himalaya"/>
+        <a:font script="Thaa" typeface="MV Boli"/>
+        <a:font script="Deva" typeface="Mangal"/>
+        <a:font script="Telu" typeface="Gautami"/>
+        <a:font script="Taml" typeface="Latha"/>
+        <a:font script="Syrc" typeface="Estrangelo Edessa"/>
+        <a:font script="Orya" typeface="Kalinga"/>
+        <a:font script="Mlym" typeface="Kartika"/>
+        <a:font script="Laoo" typeface="DokChampa"/>
+        <a:font script="Sinh" typeface="Iskoola Pota"/>
+        <a:font script="Mong" typeface="Mongolian Baiti"/>
+        <a:font script="Viet" typeface="Arial"/>
+        <a:font script="Uigh" typeface="Microsoft Uighur"/>
+        <a:font script="Geor" typeface="Sylfaen"/>
+      </a:minorFont>
+    </a:fontScheme>
+    <a:fmtScheme name="Office">
+      <a:fillStyleLst>
+        <a:solidFill>
+          <a:schemeClr val="phClr"/>
+        </a:solidFill>
+        <a:gradFill rotWithShape="1">
+          <a:gsLst>
+            <a:gs pos="0">
+              <a:schemeClr val="phClr">
+                <a:tint val="50000"/>
+                <a:satMod val="300000"/>
+              </a:schemeClr>
+            </a:gs>
+            <a:gs pos="35000">
+              <a:schemeClr val="phClr">
+                <a:tint val="37000"/>
+                <a:satMod val="300000"/>
+              </a:schemeClr>
+            </a:gs>
+            <a:gs pos="100000">
+              <a:schemeClr val="phClr">
+                <a:tint val="15000"/>
+                <a:satMod val="350000"/>
+              </a:schemeClr>
+            </a:gs>
+          </a:gsLst>
+          <a:lin ang="16200000" scaled="1"/>
+        </a:gradFill>
+        <a:gradFill rotWithShape="1">
+          <a:gsLst>
+            <a:gs pos="0">
+              <a:schemeClr val="phClr">
+                <a:tint val="100000"/>
+                <a:shade val="100000"/>
+                <a:satMod val="130000"/>
+              </a:schemeClr>
+            </a:gs>
+            <a:gs pos="100000">
+              <a:schemeClr val="phClr">
+                <a:tint val="50000"/>
+                <a:shade val="100000"/>
+                <a:satMod val="350000"/>
+              </a:schemeClr>
+            </a:gs>
+          </a:gsLst>
+          <a:lin ang="16200000" scaled="0"/>
+        </a:gradFill>
+      </a:fillStyleLst>
+      <a:lnStyleLst>
+        <a:ln w="9525" cap="flat" cmpd="sng" algn="ctr">
+          <a:solidFill>
+            <a:schemeClr val="phClr">
+              <a:shade val="95000"/>
+              <a:satMod val="105000"/>
+            </a:schemeClr>
+          </a:solidFill>
+          <a:prstDash val="solid"/>
+        </a:ln>
+        <a:ln w="25400" cap="flat" cmpd="sng" algn="ctr">
+          <a:solidFill>
+            <a:schemeClr val="phClr"/>
+          </a:solidFill>
+          <a:prstDash val="solid"/>
+        </a:ln>
+        <a:ln w="38100" cap="flat" cmpd="sng" algn="ctr">
+          <a:solidFill>
+            <a:schemeClr val="phClr"/>
+          </a:solidFill>
+          <a:prstDash val="solid"/>
+        </a:ln>
+      </a:lnStyleLst>
+      <a:effectStyleLst>
+        <a:effectStyle>
+          <a:effectLst>
+            <a:outerShdw blurRad="40000" dist="20000" dir="5400000" rotWithShape="0">
+              <a:srgbClr val="000000">
+                <a:alpha val="38000"/>
+              </a:srgbClr>
+            </a:outerShdw>
+          </a:effectLst>
+        </a:effectStyle>
+        <a:effectStyle>
+          <a:effectLst>
+            <a:outerShdw blurRad="40000" dist="23000" dir="5400000" rotWithShape="0">
+              <a:srgbClr val="000000">
+                <a:alpha val="35000"/>
+              </a:srgbClr>
+            </a:outerShdw>
+          </a:effectLst>
+        </a:effectStyle>
+        <a:effectStyle>
+          <a:effectLst>
+            <a:outerShdw blurRad="40000" dist="23000" dir="5400000" rotWithShape="0">
+              <a:srgbClr val="000000">
+                <a:alpha val="35000"/>
+              </a:srgbClr>
+            </a:outerShdw>
+          </a:effectLst>
+          <a:scene3d>
+            <a:camera prst="orthographicFront">
+              <a:rot lat="0" lon="0" rev="0"/>
+            </a:camera>
+            <a:lightRig rig="threePt" dir="t">
+              <a:rot lat="0" lon="0" rev="1200000"/>
+            </a:lightRig>
+          </a:scene3d>
+          <a:sp3d>
+            <a:bevelT w="63500" h="25400"/>
+          </a:sp3d>
+        </a:effectStyle>
+      </a:effectStyleLst>
+      <a:bgFillStyleLst>
+        <a:solidFill>
+          <a:schemeClr val="phClr"/>
+        </a:solidFill>
+        <a:gradFill rotWithShape="1">
+          <a:gsLst>
+            <a:gs pos="0">
+              <a:schemeClr val="phClr">
+                <a:tint val="40000"/>
+                <a:satMod val="350000"/>
+              </a:schemeClr>
+            </a:gs>
+            <a:gs pos="40000">
+              <a:schemeClr val="phClr">
+                <a:tint val="45000"/>
+                <a:shade val="99000"/>
+                <a:satMod val="350000"/>
+              </a:schemeClr>
+            </a:gs>
+            <a:gs pos="100000">
+              <a:schemeClr val="phClr">
+                <a:shade val="20000"/>
+                <a:satMod val="255000"/>
+              </a:schemeClr>
+            </a:gs>
+          </a:gsLst>
+          <a:path path="circle">
+            <a:fillToRect l="50000" t="-80000" r="50000" b="180000"/>
+          </a:path>
+        </a:gradFill>
+        <a:gradFill rotWithShape="1">
+          <a:gsLst>
+            <a:gs pos="0">
+              <a:schemeClr val="phClr">
+                <a:tint val="80000"/>
+                <a:satMod val="300000"/>
+              </a:schemeClr>
+            </a:gs>
+            <a:gs pos="100000">
+              <a:schemeClr val="phClr">
+                <a:shade val="30000"/>
+                <a:satMod val="200000"/>
+              </a:schemeClr>
+            </a:gs>
+          </a:gsLst>
+          <a:path path="circle">
+            <a:fillToRect l="50000" t="50000" r="50000" b="50000"/>
+          </a:path>
+        </a:gradFill>
+      </a:bgFillStyleLst>
+    </a:fmtScheme>
+  </a:themeElements>
+  <a:objectDefaults>
+    <a:spDef>
+      <a:spPr/>
+      <a:bodyPr/>
+      <a:lstStyle/>
+      <a:style>
+        <a:lnRef idx="1">
+          <a:schemeClr val="accent1"/>
+        </a:lnRef>
+        <a:fillRef idx="3">
+          <a:schemeClr val="accent1"/>
+        </a:fillRef>
+        <a:effectRef idx="2">
+          <a:schemeClr val="accent1"/>
+        </a:effectRef>
+        <a:fontRef idx="minor">
+          <a:schemeClr val="lt1"/>
+        </a:fontRef>
+      </a:style>
+    </a:spDef>
+    <a:lnDef>
+      <a:spPr/>
+      <a:bodyPr/>
+      <a:lstStyle/>
+      <a:style>
+        <a:lnRef idx="2">
+          <a:schemeClr val="accent1"/>
+        </a:lnRef>
+        <a:fillRef idx="0">
+          <a:schemeClr val="accent1"/>
+        </a:fillRef>
+        <a:effectRef idx="1">
+          <a:schemeClr val="accent1"/>
+        </a:effectRef>
+        <a:fontRef idx="minor">
+          <a:schemeClr val="tx1"/>
+        </a:fontRef>
+      </a:style>
+    </a:lnDef>
+  </a:objectDefaults>
+  <a:extraClrSchemeLst/>
+</a:theme>
+</file>
+
+<file path=ppt/theme/theme3.xml><?xml version="1.0" encoding="utf-8"?>
+<a:theme xmlns:a="http://schemas.openxmlformats.org/drawingml/2006/main" name="Office Theme">
+  <a:themeElements>
+    <a:clrScheme name="Office">
+      <a:dk1>
+        <a:sysClr val="windowText" lastClr="000000"/>
+      </a:dk1>
+      <a:lt1>
+        <a:sysClr val="window" lastClr="FFFFFF"/>
+      </a:lt1>
+      <a:dk2>
+        <a:srgbClr val="1F497D"/>
+      </a:dk2>
+      <a:lt2>
+        <a:srgbClr val="EEECE1"/>
+      </a:lt2>
+      <a:accent1>
+        <a:srgbClr val="4F81BD"/>
+      </a:accent1>
+      <a:accent2>
+        <a:srgbClr val="C0504D"/>
+      </a:accent2>
+      <a:accent3>
+        <a:srgbClr val="9BBB59"/>
+      </a:accent3>
+      <a:accent4>
+        <a:srgbClr val="8064A2"/>
+      </a:accent4>
+      <a:accent5>
+        <a:srgbClr val="4BACC6"/>
+      </a:accent5>
+      <a:accent6>
+        <a:srgbClr val="F79646"/>
+      </a:accent6>
+      <a:hlink>
+        <a:srgbClr val="0000FF"/>
+      </a:hlink>
+      <a:folHlink>
+        <a:srgbClr val="800080"/>
+      </a:folHlink>
+    </a:clrScheme>
+    <a:fontScheme name="Office">
+      <a:majorFont>
+        <a:latin typeface="Calibri"/>
+        <a:ea typeface=""/>
+        <a:cs typeface=""/>
+        <a:font script="Jpan" typeface="ＭＳ Ｐゴシック"/>
+        <a:font script="Hang" typeface="맑은 고딕"/>
+        <a:font script="Hans" typeface="宋体"/>
+        <a:font script="Hant" typeface="新細明體"/>
+        <a:font script="Arab" typeface="Times New Roman"/>
+        <a:font script="Hebr" typeface="Times New Roman"/>
+        <a:font script="Thai" typeface="Angsana New"/>
+        <a:font script="Ethi" typeface="Nyala"/>
+        <a:font script="Beng" typeface="Vrinda"/>
+        <a:font script="Gujr" typeface="Shruti"/>
+        <a:font script="Khmr" typeface="MoolBoran"/>
+        <a:font script="Knda" typeface="Tunga"/>
+        <a:font script="Guru" typeface="Raavi"/>
+        <a:font script="Cans" typeface="Euphemia"/>
+        <a:font script="Cher" typeface="Plantagenet Cherokee"/>
+        <a:font script="Yiii" typeface="Microsoft Yi Baiti"/>
+        <a:font script="Tibt" typeface="Microsoft Himalaya"/>
+        <a:font script="Thaa" typeface="MV Boli"/>
+        <a:font script="Deva" typeface="Mangal"/>
+        <a:font script="Telu" typeface="Gautami"/>
+        <a:font script="Taml" typeface="Latha"/>
+        <a:font script="Syrc" typeface="Estrangelo Edessa"/>
+        <a:font script="Orya" typeface="Kalinga"/>
+        <a:font script="Mlym" typeface="Kartika"/>
+        <a:font script="Laoo" typeface="DokChampa"/>
+        <a:font script="Sinh" typeface="Iskoola Pota"/>
+        <a:font script="Mong" typeface="Mongolian Baiti"/>
+        <a:font script="Viet" typeface="Times New Roman"/>
+        <a:font script="Uigh" typeface="Microsoft Uighur"/>
+        <a:font script="Geor" typeface="Sylfaen"/>
+      </a:majorFont>
+      <a:minorFont>
+        <a:latin typeface="Calibri"/>
+        <a:ea typeface=""/>
+        <a:cs typeface=""/>
+        <a:font script="Jpan" typeface="ＭＳ Ｐゴシック"/>
+        <a:font script="Hang" typeface="맑은 고딕"/>
+        <a:font script="Hans" typeface="宋体"/>
+        <a:font script="Hant" typeface="新細明體"/>
+        <a:font script="Arab" typeface="Arial"/>
+        <a:font script="Hebr" typeface="Arial"/>
+        <a:font script="Thai" typeface="Cordia New"/>
+        <a:font script="Ethi" typeface="Nyala"/>
+        <a:font script="Beng" typeface="Vrinda"/>
+        <a:font script="Gujr" typeface="Shruti"/>
+        <a:font script="Khmr" typeface="DaunPenh"/>
+        <a:font script="Knda" typeface="Tunga"/>
+        <a:font script="Guru" typeface="Raavi"/>
+        <a:font script="Cans" typeface="Euphemia"/>
+        <a:font script="Cher" typeface="Plantagenet Cherokee"/>
+        <a:font script="Yiii" typeface="Microsoft Yi Baiti"/>
+        <a:font script="Tibt" typeface="Microsoft Himalaya"/>
+        <a:font script="Thaa" typeface="MV Boli"/>
+        <a:font script="Deva" typeface="Mangal"/>
+        <a:font script="Telu" typeface="Gautami"/>
+        <a:font script="Taml" typeface="Latha"/>
+        <a:font script="Syrc" typeface="Estrangelo Edessa"/>
+        <a:font script="Orya" typeface="Kalinga"/>
+        <a:font script="Mlym" typeface="Kartika"/>
+        <a:font script="Laoo" typeface="DokChampa"/>
+        <a:font script="Sinh" typeface="Iskoola Pota"/>
+        <a:font script="Mong" typeface="Mongolian Baiti"/>
+        <a:font script="Viet" typeface="Arial"/>
+        <a:font script="Uigh" typeface="Microsoft Uighur"/>
+        <a:font script="Geor" typeface="Sylfaen"/>
+      </a:minorFont>
+    </a:fontScheme>
+    <a:fmtScheme name="Office">
+      <a:fillStyleLst>
+        <a:solidFill>
+          <a:schemeClr val="phClr"/>
+        </a:solidFill>
+        <a:gradFill rotWithShape="1">
+          <a:gsLst>
+            <a:gs pos="0">
+              <a:schemeClr val="phClr">
+                <a:tint val="50000"/>
+                <a:satMod val="300000"/>
+              </a:schemeClr>
+            </a:gs>
+            <a:gs pos="35000">
+              <a:schemeClr val="phClr">
+                <a:tint val="37000"/>
+                <a:satMod val="300000"/>
+              </a:schemeClr>
+            </a:gs>
+            <a:gs pos="100000">
+              <a:schemeClr val="phClr">
+                <a:tint val="15000"/>
+                <a:satMod val="350000"/>
+              </a:schemeClr>
+            </a:gs>
+          </a:gsLst>
+          <a:lin ang="16200000" scaled="1"/>
+        </a:gradFill>
+        <a:gradFill rotWithShape="1">
+          <a:gsLst>
+            <a:gs pos="0">
+              <a:schemeClr val="phClr">
+                <a:tint val="100000"/>
+                <a:shade val="100000"/>
+                <a:satMod val="130000"/>
+              </a:schemeClr>
+            </a:gs>
+            <a:gs pos="100000">
+              <a:schemeClr val="phClr">
+                <a:tint val="50000"/>
+                <a:shade val="100000"/>
+                <a:satMod val="350000"/>
+              </a:schemeClr>
+            </a:gs>
+          </a:gsLst>
+          <a:lin ang="16200000" scaled="0"/>
+        </a:gradFill>
+      </a:fillStyleLst>
+      <a:lnStyleLst>
+        <a:ln w="9525" cap="flat" cmpd="sng" algn="ctr">
+          <a:solidFill>
+            <a:schemeClr val="phClr">
+              <a:shade val="95000"/>
+              <a:satMod val="105000"/>
+            </a:schemeClr>
+          </a:solidFill>
+          <a:prstDash val="solid"/>
+        </a:ln>
+        <a:ln w="25400" cap="flat" cmpd="sng" algn="ctr">
+          <a:solidFill>
+            <a:schemeClr val="phClr"/>
+          </a:solidFill>
+          <a:prstDash val="solid"/>
+        </a:ln>
+        <a:ln w="38100" cap="flat" cmpd="sng" algn="ctr">
+          <a:solidFill>
+            <a:schemeClr val="phClr"/>
+          </a:solidFill>
+          <a:prstDash val="solid"/>
+        </a:ln>
+      </a:lnStyleLst>
+      <a:effectStyleLst>
+        <a:effectStyle>
+          <a:effectLst>
+            <a:outerShdw blurRad="40000" dist="20000" dir="5400000" rotWithShape="0">
+              <a:srgbClr val="000000">
+                <a:alpha val="38000"/>
+              </a:srgbClr>
+            </a:outerShdw>
+          </a:effectLst>
+        </a:effectStyle>
+        <a:effectStyle>
+          <a:effectLst>
+            <a:outerShdw blurRad="40000" dist="23000" dir="5400000" rotWithShape="0">
+              <a:srgbClr val="000000">
+                <a:alpha val="35000"/>
+              </a:srgbClr>
+            </a:outerShdw>
+          </a:effectLst>
+        </a:effectStyle>
+        <a:effectStyle>
+          <a:effectLst>
+            <a:outerShdw blurRad="40000" dist="23000" dir="5400000" rotWithShape="0">
+              <a:srgbClr val="000000">
+                <a:alpha val="35000"/>
+              </a:srgbClr>
+            </a:outerShdw>
+          </a:effectLst>
+          <a:scene3d>
+            <a:camera prst="orthographicFront">
+              <a:rot lat="0" lon="0" rev="0"/>
+            </a:camera>
+            <a:lightRig rig="threePt" dir="t">
+              <a:rot lat="0" lon="0" rev="1200000"/>
+            </a:lightRig>
+          </a:scene3d>
+          <a:sp3d>
+            <a:bevelT w="63500" h="25400"/>
+          </a:sp3d>
+        </a:effectStyle>
+      </a:effectStyleLst>
+      <a:bgFillStyleLst>
+        <a:solidFill>
+          <a:schemeClr val="phClr"/>
+        </a:solidFill>
+        <a:gradFill rotWithShape="1">
+          <a:gsLst>
+            <a:gs pos="0">
+              <a:schemeClr val="phClr">
+                <a:tint val="40000"/>
+                <a:satMod val="350000"/>
+              </a:schemeClr>
+            </a:gs>
+            <a:gs pos="40000">
+              <a:schemeClr val="phClr">
+                <a:tint val="45000"/>
+                <a:shade val="99000"/>
+                <a:satMod val="350000"/>
+              </a:schemeClr>
+            </a:gs>
+            <a:gs pos="100000">
+              <a:schemeClr val="phClr">
+                <a:shade val="20000"/>
+                <a:satMod val="255000"/>
+              </a:schemeClr>
+            </a:gs>
+          </a:gsLst>
+          <a:path path="circle">
+            <a:fillToRect l="50000" t="-80000" r="50000" b="180000"/>
+          </a:path>
+        </a:gradFill>
+        <a:gradFill rotWithShape="1">
+          <a:gsLst>
+            <a:gs pos="0">
+              <a:schemeClr val="phClr">
+                <a:tint val="80000"/>
+                <a:satMod val="300000"/>
+              </a:schemeClr>
+            </a:gs>
+            <a:gs pos="100000">
+              <a:schemeClr val="phClr">
+                <a:shade val="30000"/>
+                <a:satMod val="200000"/>
+              </a:schemeClr>
+            </a:gs>
+          </a:gsLst>
+          <a:path path="circle">
+            <a:fillToRect l="50000" t="50000" r="50000" b="50000"/>
+          </a:path>
+        </a:gradFill>
+      </a:bgFillStyleLst>
+    </a:fmtScheme>
+  </a:themeElements>
+  <a:objectDefaults>
+    <a:spDef>
+      <a:spPr/>
+      <a:bodyPr/>
+      <a:lstStyle/>
+      <a:style>
+        <a:lnRef idx="1">
+          <a:schemeClr val="accent1"/>
+        </a:lnRef>
+        <a:fillRef idx="3">
+          <a:schemeClr val="accent1"/>
+        </a:fillRef>
+        <a:effectRef idx="2">
+          <a:schemeClr val="accent1"/>
+        </a:effectRef>
+        <a:fontRef idx="minor">
+          <a:schemeClr val="lt1"/>
+        </a:fontRef>
+      </a:style>
+    </a:spDef>
+    <a:lnDef>
+      <a:spPr/>
+      <a:bodyPr/>
+      <a:lstStyle/>
+      <a:style>
+        <a:lnRef idx="2">
+          <a:schemeClr val="accent1"/>
+        </a:lnRef>
+        <a:fillRef idx="0">
+          <a:schemeClr val="accent1"/>
+        </a:fillRef>
+        <a:effectRef idx="1">
+          <a:schemeClr val="accent1"/>
+        </a:effectRef>
+        <a:fontRef idx="minor">
+          <a:schemeClr val="tx1"/>
+        </a:fontRef>
+      </a:style>
+    </a:lnDef>
+  </a:objectDefaults>
   <a:extraClrSchemeLst/>
 </a:theme>
 </file>
--- a/concept_presentation.pptx
+++ b/concept_presentation.pptx
@@ -5,32 +5,34 @@
     <p:sldMasterId id="2147483660" r:id="rId1"/>
   </p:sldMasterIdLst>
   <p:notesMasterIdLst>
-    <p:notesMasterId r:id="rId22"/>
+    <p:notesMasterId r:id="rId24"/>
   </p:notesMasterIdLst>
   <p:handoutMasterIdLst>
-    <p:handoutMasterId r:id="rId23"/>
+    <p:handoutMasterId r:id="rId25"/>
   </p:handoutMasterIdLst>
   <p:sldIdLst>
     <p:sldId id="256" r:id="rId2"/>
     <p:sldId id="257" r:id="rId3"/>
     <p:sldId id="258" r:id="rId4"/>
     <p:sldId id="259" r:id="rId5"/>
-    <p:sldId id="260" r:id="rId6"/>
-    <p:sldId id="261" r:id="rId7"/>
-    <p:sldId id="262" r:id="rId8"/>
-    <p:sldId id="263" r:id="rId9"/>
-    <p:sldId id="264" r:id="rId10"/>
-    <p:sldId id="265" r:id="rId11"/>
-    <p:sldId id="266" r:id="rId12"/>
+    <p:sldId id="262" r:id="rId6"/>
+    <p:sldId id="263" r:id="rId7"/>
+    <p:sldId id="264" r:id="rId8"/>
+    <p:sldId id="260" r:id="rId9"/>
+    <p:sldId id="276" r:id="rId10"/>
+    <p:sldId id="261" r:id="rId11"/>
+    <p:sldId id="265" r:id="rId12"/>
     <p:sldId id="267" r:id="rId13"/>
     <p:sldId id="268" r:id="rId14"/>
-    <p:sldId id="270" r:id="rId15"/>
-    <p:sldId id="269" r:id="rId16"/>
-    <p:sldId id="271" r:id="rId17"/>
-    <p:sldId id="272" r:id="rId18"/>
-    <p:sldId id="273" r:id="rId19"/>
-    <p:sldId id="274" r:id="rId20"/>
-    <p:sldId id="275" r:id="rId21"/>
+    <p:sldId id="274" r:id="rId15"/>
+    <p:sldId id="270" r:id="rId16"/>
+    <p:sldId id="269" r:id="rId17"/>
+    <p:sldId id="271" r:id="rId18"/>
+    <p:sldId id="272" r:id="rId19"/>
+    <p:sldId id="277" r:id="rId20"/>
+    <p:sldId id="278" r:id="rId21"/>
+    <p:sldId id="275" r:id="rId22"/>
+    <p:sldId id="279" r:id="rId23"/>
   </p:sldIdLst>
   <p:sldSz cx="9144000" cy="6858000" type="screen4x3"/>
   <p:notesSz cx="6858000" cy="9144000"/>
@@ -214,7 +216,7 @@
           <a:p>
             <a:fld id="{61AA28D4-F388-CD4D-863E-D2DC4ADDE27D}" type="datetimeFigureOut">
               <a:rPr lang="en-US" smtClean="0"/>
-              <a:t>10.12.14</a:t>
+              <a:t>15.12.14</a:t>
             </a:fld>
             <a:endParaRPr lang="en-US"/>
           </a:p>
@@ -380,7 +382,7 @@
           <a:p>
             <a:fld id="{18E3DBB1-AED9-AA4B-940F-86C1FBD997C3}" type="datetimeFigureOut">
               <a:rPr lang="en-US" smtClean="0"/>
-              <a:t>10.12.14</a:t>
+              <a:t>15.12.14</a:t>
             </a:fld>
             <a:endParaRPr lang="en-US"/>
           </a:p>
@@ -649,6 +651,174 @@
 </p:notesMaster>
 </file>
 
+<file path=ppt/notesSlides/notesSlide1.xml><?xml version="1.0" encoding="utf-8"?>
+<p:notes xmlns:a="http://schemas.openxmlformats.org/drawingml/2006/main" xmlns:r="http://schemas.openxmlformats.org/officeDocument/2006/relationships" xmlns:p="http://schemas.openxmlformats.org/presentationml/2006/main">
+  <p:cSld>
+    <p:spTree>
+      <p:nvGrpSpPr>
+        <p:cNvPr id="1" name=""/>
+        <p:cNvGrpSpPr/>
+        <p:nvPr/>
+      </p:nvGrpSpPr>
+      <p:grpSpPr>
+        <a:xfrm>
+          <a:off x="0" y="0"/>
+          <a:ext cx="0" cy="0"/>
+          <a:chOff x="0" y="0"/>
+          <a:chExt cx="0" cy="0"/>
+        </a:xfrm>
+      </p:grpSpPr>
+      <p:sp>
+        <p:nvSpPr>
+          <p:cNvPr id="2" name="Slide Image Placeholder 1"/>
+          <p:cNvSpPr>
+            <a:spLocks noGrp="1" noRot="1" noChangeAspect="1"/>
+          </p:cNvSpPr>
+          <p:nvPr>
+            <p:ph type="sldImg"/>
+          </p:nvPr>
+        </p:nvSpPr>
+        <p:spPr/>
+      </p:sp>
+      <p:sp>
+        <p:nvSpPr>
+          <p:cNvPr id="3" name="Notes Placeholder 2"/>
+          <p:cNvSpPr>
+            <a:spLocks noGrp="1"/>
+          </p:cNvSpPr>
+          <p:nvPr>
+            <p:ph type="body" idx="1"/>
+          </p:nvPr>
+        </p:nvSpPr>
+        <p:spPr/>
+        <p:txBody>
+          <a:bodyPr/>
+          <a:lstStyle/>
+          <a:p>
+            <a:endParaRPr lang="en-US" dirty="0"/>
+          </a:p>
+        </p:txBody>
+      </p:sp>
+      <p:sp>
+        <p:nvSpPr>
+          <p:cNvPr id="4" name="Slide Number Placeholder 3"/>
+          <p:cNvSpPr>
+            <a:spLocks noGrp="1"/>
+          </p:cNvSpPr>
+          <p:nvPr>
+            <p:ph type="sldNum" sz="quarter" idx="10"/>
+          </p:nvPr>
+        </p:nvSpPr>
+        <p:spPr/>
+        <p:txBody>
+          <a:bodyPr/>
+          <a:lstStyle/>
+          <a:p>
+            <a:fld id="{7A5E1329-8783-B347-BB71-6F100FAD1B34}" type="slidenum">
+              <a:rPr lang="en-US" smtClean="0"/>
+              <a:t>1</a:t>
+            </a:fld>
+            <a:endParaRPr lang="en-US"/>
+          </a:p>
+        </p:txBody>
+      </p:sp>
+    </p:spTree>
+    <p:extLst>
+      <p:ext uri="{BB962C8B-B14F-4D97-AF65-F5344CB8AC3E}">
+        <p14:creationId xmlns:p14="http://schemas.microsoft.com/office/powerpoint/2010/main" val="2963585314"/>
+      </p:ext>
+    </p:extLst>
+  </p:cSld>
+  <p:clrMapOvr>
+    <a:masterClrMapping/>
+  </p:clrMapOvr>
+</p:notes>
+</file>
+
+<file path=ppt/notesSlides/notesSlide2.xml><?xml version="1.0" encoding="utf-8"?>
+<p:notes xmlns:a="http://schemas.openxmlformats.org/drawingml/2006/main" xmlns:r="http://schemas.openxmlformats.org/officeDocument/2006/relationships" xmlns:p="http://schemas.openxmlformats.org/presentationml/2006/main">
+  <p:cSld>
+    <p:spTree>
+      <p:nvGrpSpPr>
+        <p:cNvPr id="1" name=""/>
+        <p:cNvGrpSpPr/>
+        <p:nvPr/>
+      </p:nvGrpSpPr>
+      <p:grpSpPr>
+        <a:xfrm>
+          <a:off x="0" y="0"/>
+          <a:ext cx="0" cy="0"/>
+          <a:chOff x="0" y="0"/>
+          <a:chExt cx="0" cy="0"/>
+        </a:xfrm>
+      </p:grpSpPr>
+      <p:sp>
+        <p:nvSpPr>
+          <p:cNvPr id="2" name="Slide Image Placeholder 1"/>
+          <p:cNvSpPr>
+            <a:spLocks noGrp="1" noRot="1" noChangeAspect="1"/>
+          </p:cNvSpPr>
+          <p:nvPr>
+            <p:ph type="sldImg"/>
+          </p:nvPr>
+        </p:nvSpPr>
+        <p:spPr/>
+      </p:sp>
+      <p:sp>
+        <p:nvSpPr>
+          <p:cNvPr id="3" name="Notes Placeholder 2"/>
+          <p:cNvSpPr>
+            <a:spLocks noGrp="1"/>
+          </p:cNvSpPr>
+          <p:nvPr>
+            <p:ph type="body" idx="1"/>
+          </p:nvPr>
+        </p:nvSpPr>
+        <p:spPr/>
+        <p:txBody>
+          <a:bodyPr/>
+          <a:lstStyle/>
+          <a:p>
+            <a:endParaRPr lang="en-US" dirty="0"/>
+          </a:p>
+        </p:txBody>
+      </p:sp>
+      <p:sp>
+        <p:nvSpPr>
+          <p:cNvPr id="4" name="Slide Number Placeholder 3"/>
+          <p:cNvSpPr>
+            <a:spLocks noGrp="1"/>
+          </p:cNvSpPr>
+          <p:nvPr>
+            <p:ph type="sldNum" sz="quarter" idx="10"/>
+          </p:nvPr>
+        </p:nvSpPr>
+        <p:spPr/>
+        <p:txBody>
+          <a:bodyPr/>
+          <a:lstStyle/>
+          <a:p>
+            <a:fld id="{7A5E1329-8783-B347-BB71-6F100FAD1B34}" type="slidenum">
+              <a:rPr lang="en-US" smtClean="0"/>
+              <a:t>9</a:t>
+            </a:fld>
+            <a:endParaRPr lang="en-US"/>
+          </a:p>
+        </p:txBody>
+      </p:sp>
+    </p:spTree>
+    <p:extLst>
+      <p:ext uri="{BB962C8B-B14F-4D97-AF65-F5344CB8AC3E}">
+        <p14:creationId xmlns:p14="http://schemas.microsoft.com/office/powerpoint/2010/main" val="1763822347"/>
+      </p:ext>
+    </p:extLst>
+  </p:cSld>
+  <p:clrMapOvr>
+    <a:masterClrMapping/>
+  </p:clrMapOvr>
+</p:notes>
+</file>
+
 <file path=ppt/slideLayouts/slideLayout1.xml><?xml version="1.0" encoding="utf-8"?>
 <p:sldLayout xmlns:a="http://schemas.openxmlformats.org/drawingml/2006/main" xmlns:r="http://schemas.openxmlformats.org/officeDocument/2006/relationships" xmlns:p="http://schemas.openxmlformats.org/presentationml/2006/main" type="title" preserve="1">
   <p:cSld name="Title Slide">
@@ -830,7 +1000,7 @@
           <a:p>
             <a:fld id="{0F437512-6A85-4845-8272-E57429F1E23A}" type="datetime1">
               <a:rPr lang="de-CH" smtClean="0"/>
-              <a:t>10.12.14</a:t>
+              <a:t>15.12.14</a:t>
             </a:fld>
             <a:endParaRPr lang="en-US" dirty="0"/>
           </a:p>
@@ -1005,7 +1175,7 @@
           <a:p>
             <a:fld id="{89BAAA09-27EA-FB49-BA55-97081CD4DB14}" type="datetime1">
               <a:rPr lang="de-CH" smtClean="0"/>
-              <a:t>10.12.14</a:t>
+              <a:t>15.12.14</a:t>
             </a:fld>
             <a:endParaRPr lang="en-US"/>
           </a:p>
@@ -1190,7 +1360,7 @@
           <a:p>
             <a:fld id="{8ABB462F-4B89-5643-B824-C27F9E0F03DC}" type="datetime1">
               <a:rPr lang="de-CH" smtClean="0"/>
-              <a:t>10.12.14</a:t>
+              <a:t>15.12.14</a:t>
             </a:fld>
             <a:endParaRPr lang="en-US"/>
           </a:p>
@@ -1365,7 +1535,7 @@
           <a:p>
             <a:fld id="{715510DB-BC7D-744B-9435-A40E4B1419F0}" type="datetime1">
               <a:rPr lang="de-CH" smtClean="0"/>
-              <a:t>10.12.14</a:t>
+              <a:t>15.12.14</a:t>
             </a:fld>
             <a:endParaRPr lang="en-US"/>
           </a:p>
@@ -1428,6 +1598,13 @@
   <p:clrMapOvr>
     <a:masterClrMapping/>
   </p:clrMapOvr>
+  <p:timing>
+    <p:tnLst>
+      <p:par>
+        <p:cTn xmlns:p14="http://schemas.microsoft.com/office/powerpoint/2010/main" id="1" dur="indefinite" restart="never" nodeType="tmRoot"/>
+      </p:par>
+    </p:tnLst>
+  </p:timing>
 </p:sldLayout>
 </file>
 
@@ -1616,7 +1793,7 @@
           <a:p>
             <a:fld id="{B61E0C69-2429-DE4B-835E-8D58A2A4C43E}" type="datetime1">
               <a:rPr lang="de-CH" smtClean="0"/>
-              <a:t>10.12.14</a:t>
+              <a:t>15.12.14</a:t>
             </a:fld>
             <a:endParaRPr lang="en-US"/>
           </a:p>
@@ -1909,7 +2086,7 @@
           <a:p>
             <a:fld id="{D87505BE-013C-D94D-846C-441118E4A473}" type="datetime1">
               <a:rPr lang="de-CH" smtClean="0"/>
-              <a:t>10.12.14</a:t>
+              <a:t>15.12.14</a:t>
             </a:fld>
             <a:endParaRPr lang="en-US"/>
           </a:p>
@@ -2336,7 +2513,7 @@
           <a:p>
             <a:fld id="{9DF16ACF-2C5C-2949-9911-E22A6FEA238D}" type="datetime1">
               <a:rPr lang="de-CH" smtClean="0"/>
-              <a:t>10.12.14</a:t>
+              <a:t>15.12.14</a:t>
             </a:fld>
             <a:endParaRPr lang="en-US"/>
           </a:p>
@@ -2459,7 +2636,7 @@
           <a:p>
             <a:fld id="{256B82F5-4A74-AA47-95FD-C6EC54EC49D2}" type="datetime1">
               <a:rPr lang="de-CH" smtClean="0"/>
-              <a:t>10.12.14</a:t>
+              <a:t>15.12.14</a:t>
             </a:fld>
             <a:endParaRPr lang="en-US"/>
           </a:p>
@@ -2559,7 +2736,7 @@
           <a:p>
             <a:fld id="{09470DF1-3D53-E74E-B318-12C474EF531E}" type="datetime1">
               <a:rPr lang="de-CH" smtClean="0"/>
-              <a:t>10.12.14</a:t>
+              <a:t>15.12.14</a:t>
             </a:fld>
             <a:endParaRPr lang="en-US"/>
           </a:p>
@@ -2841,7 +3018,7 @@
           <a:p>
             <a:fld id="{4D5D0285-993C-DE46-9D70-C01531A479A1}" type="datetime1">
               <a:rPr lang="de-CH" smtClean="0"/>
-              <a:t>10.12.14</a:t>
+              <a:t>15.12.14</a:t>
             </a:fld>
             <a:endParaRPr lang="en-US"/>
           </a:p>
@@ -3099,7 +3276,7 @@
           <a:p>
             <a:fld id="{3324E98A-A18D-5D4D-9488-3A18075BBA41}" type="datetime1">
               <a:rPr lang="de-CH" smtClean="0"/>
-              <a:t>10.12.14</a:t>
+              <a:t>15.12.14</a:t>
             </a:fld>
             <a:endParaRPr lang="en-US"/>
           </a:p>
@@ -3205,6 +3382,7 @@
           <a:prstGeom prst="rect">
             <a:avLst/>
           </a:prstGeom>
+          <a:noFill/>
         </p:spPr>
         <p:txBody>
           <a:bodyPr vert="horz" lIns="91440" tIns="45720" rIns="91440" bIns="45720" rtlCol="0" anchor="ctr">
@@ -3213,10 +3391,26 @@
           <a:lstStyle/>
           <a:p>
             <a:r>
-              <a:rPr lang="de-CH" smtClean="0"/>
-              <a:t>Click to edit Master title style</a:t>
-            </a:r>
-            <a:endParaRPr lang="en-US"/>
+              <a:rPr lang="de-CH" dirty="0" smtClean="0"/>
+              <a:t>Click </a:t>
+            </a:r>
+            <a:r>
+              <a:rPr lang="de-CH" dirty="0" err="1" smtClean="0"/>
+              <a:t>to</a:t>
+            </a:r>
+            <a:r>
+              <a:rPr lang="de-CH" dirty="0" smtClean="0"/>
+              <a:t> </a:t>
+            </a:r>
+            <a:r>
+              <a:rPr lang="de-CH" dirty="0" err="1" smtClean="0"/>
+              <a:t>edit</a:t>
+            </a:r>
+            <a:r>
+              <a:rPr lang="de-CH" dirty="0" smtClean="0"/>
+              <a:t> Master title style</a:t>
+            </a:r>
+            <a:endParaRPr lang="en-US" dirty="0"/>
           </a:p>
         </p:txBody>
       </p:sp>
@@ -3317,7 +3511,7 @@
           <a:p>
             <a:fld id="{5B734BC3-F574-E44E-91D5-080B5DAF0250}" type="datetime1">
               <a:rPr lang="de-CH" smtClean="0"/>
-              <a:t>10.12.14</a:t>
+              <a:t>15.12.14</a:t>
             </a:fld>
             <a:endParaRPr lang="en-US" dirty="0"/>
           </a:p>
@@ -3708,7 +3902,12 @@
             <p:ph type="ctrTitle"/>
           </p:nvPr>
         </p:nvSpPr>
-        <p:spPr/>
+        <p:spPr>
+          <a:xfrm>
+            <a:off x="685800" y="440058"/>
+            <a:ext cx="7772400" cy="1470025"/>
+          </a:xfrm>
+        </p:spPr>
         <p:txBody>
           <a:bodyPr>
             <a:normAutofit fontScale="90000"/>
@@ -3732,27 +3931,108 @@
             <p:ph type="subTitle" idx="1"/>
           </p:nvPr>
         </p:nvSpPr>
-        <p:spPr/>
-        <p:txBody>
-          <a:bodyPr/>
-          <a:lstStyle/>
-          <a:p>
-            <a:r>
-              <a:rPr lang="en-US" dirty="0" smtClean="0"/>
+        <p:spPr>
+          <a:xfrm>
+            <a:off x="1371600" y="5440065"/>
+            <a:ext cx="6400800" cy="1348528"/>
+          </a:xfrm>
+        </p:spPr>
+        <p:txBody>
+          <a:bodyPr>
+            <a:normAutofit/>
+          </a:bodyPr>
+          <a:lstStyle/>
+          <a:p>
+            <a:r>
+              <a:rPr lang="en-US" sz="1800" dirty="0" smtClean="0"/>
               <a:t>MSc Concept Presentation</a:t>
             </a:r>
             <a:br>
-              <a:rPr lang="en-US" dirty="0" smtClean="0"/>
+              <a:rPr lang="en-US" sz="1800" dirty="0" smtClean="0"/>
             </a:br>
             <a:r>
-              <a:rPr lang="en-US" dirty="0" smtClean="0"/>
+              <a:rPr lang="en-US" sz="1800" dirty="0" smtClean="0"/>
               <a:t>David </a:t>
             </a:r>
             <a:r>
-              <a:rPr lang="en-US" smtClean="0"/>
+              <a:rPr lang="en-US" sz="1800" dirty="0" err="1" smtClean="0"/>
               <a:t>Schenkel</a:t>
             </a:r>
-            <a:endParaRPr lang="en-US"/>
+            <a:endParaRPr lang="en-US" sz="1800" dirty="0" smtClean="0"/>
+          </a:p>
+          <a:p>
+            <a:r>
+              <a:rPr lang="en-US" sz="1800" dirty="0" smtClean="0"/>
+              <a:t>UZH – Remote Sensing Laboratories</a:t>
+            </a:r>
+            <a:endParaRPr lang="en-US" sz="1800" dirty="0" smtClean="0"/>
+          </a:p>
+          <a:p>
+            <a:r>
+              <a:rPr lang="en-US" sz="1800" dirty="0" smtClean="0"/>
+              <a:t>17 December 2014</a:t>
+            </a:r>
+            <a:endParaRPr lang="en-US" sz="1800" dirty="0"/>
+          </a:p>
+        </p:txBody>
+      </p:sp>
+      <p:pic>
+        <p:nvPicPr>
+          <p:cNvPr id="4" name="Picture 3" descr="jolly-global.png"/>
+          <p:cNvPicPr>
+            <a:picLocks noChangeAspect="1"/>
+          </p:cNvPicPr>
+          <p:nvPr/>
+        </p:nvPicPr>
+        <p:blipFill>
+          <a:blip r:embed="rId3">
+            <a:extLst>
+              <a:ext uri="{28A0092B-C50C-407E-A947-70E740481C1C}">
+                <a14:useLocalDpi xmlns:a14="http://schemas.microsoft.com/office/drawing/2010/main" val="0"/>
+              </a:ext>
+            </a:extLst>
+          </a:blip>
+          <a:stretch>
+            <a:fillRect/>
+          </a:stretch>
+        </p:blipFill>
+        <p:spPr>
+          <a:xfrm>
+            <a:off x="685800" y="2147405"/>
+            <a:ext cx="7645564" cy="3335565"/>
+          </a:xfrm>
+          <a:prstGeom prst="rect">
+            <a:avLst/>
+          </a:prstGeom>
+        </p:spPr>
+      </p:pic>
+      <p:sp>
+        <p:nvSpPr>
+          <p:cNvPr id="6" name="TextBox 5"/>
+          <p:cNvSpPr txBox="1"/>
+          <p:nvPr/>
+        </p:nvSpPr>
+        <p:spPr>
+          <a:xfrm>
+            <a:off x="7371426" y="4976716"/>
+            <a:ext cx="801947" cy="276999"/>
+          </a:xfrm>
+          <a:prstGeom prst="rect">
+            <a:avLst/>
+          </a:prstGeom>
+          <a:noFill/>
+        </p:spPr>
+        <p:txBody>
+          <a:bodyPr wrap="none" rtlCol="0">
+            <a:spAutoFit/>
+          </a:bodyPr>
+          <a:lstStyle/>
+          <a:p>
+            <a:r>
+              <a:rPr lang="en-US" sz="1200" dirty="0" smtClean="0"/>
+              <a:t>Jolly 2005</a:t>
+            </a:r>
+            <a:endParaRPr lang="en-US" sz="1200" dirty="0"/>
           </a:p>
         </p:txBody>
       </p:sp>
@@ -3766,6 +4046,13 @@
   <p:clrMapOvr>
     <a:masterClrMapping/>
   </p:clrMapOvr>
+  <p:timing>
+    <p:tnLst>
+      <p:par>
+        <p:cTn xmlns:p14="http://schemas.microsoft.com/office/powerpoint/2010/main" id="1" dur="indefinite" restart="never" nodeType="tmRoot"/>
+      </p:par>
+    </p:tnLst>
+  </p:timing>
 </p:sld>
 </file>
 
@@ -3804,12 +4091,12 @@
           <a:lstStyle/>
           <a:p>
             <a:r>
-              <a:rPr lang="en-GB" dirty="0"/>
-              <a:t>Data preparation 2/2: Extracting LSP </a:t>
-            </a:r>
-            <a:r>
               <a:rPr lang="en-GB" dirty="0" smtClean="0"/>
-              <a:t>indices</a:t>
+              <a:t>Comparison: Modelled vs. </a:t>
+            </a:r>
+            <a:r>
+              <a:rPr lang="en-GB" dirty="0" smtClean="0"/>
+              <a:t>Measured</a:t>
             </a:r>
             <a:endParaRPr lang="en-US" dirty="0"/>
           </a:p>
@@ -3828,63 +4115,53 @@
         <p:spPr/>
         <p:txBody>
           <a:bodyPr>
-            <a:normAutofit fontScale="92500" lnSpcReduction="20000"/>
+            <a:normAutofit/>
           </a:bodyPr>
           <a:lstStyle/>
           <a:p>
             <a:pPr lvl="0"/>
             <a:r>
-              <a:rPr lang="en-GB" dirty="0"/>
-              <a:t>Get Start of Season, End of Season and Growing Season Length</a:t>
-            </a:r>
-            <a:endParaRPr lang="de-CH" dirty="0"/>
-          </a:p>
-          <a:p>
-            <a:pPr lvl="0"/>
-            <a:r>
-              <a:rPr lang="en-GB" dirty="0"/>
-              <a:t>Harmonic Analysis to get smooth yearly LAI profiles using HANTS</a:t>
-            </a:r>
-            <a:endParaRPr lang="de-CH" dirty="0"/>
+              <a:rPr lang="en-GB" dirty="0" smtClean="0"/>
+              <a:t>LAI-re not yet </a:t>
+            </a:r>
+            <a:r>
+              <a:rPr lang="en-GB" dirty="0" smtClean="0"/>
+              <a:t>proved </a:t>
+            </a:r>
+            <a:r>
+              <a:rPr lang="en-GB" dirty="0" smtClean="0"/>
+              <a:t>and tested</a:t>
+            </a:r>
           </a:p>
           <a:p>
             <a:pPr lvl="1"/>
             <a:r>
-              <a:rPr lang="en-GB" dirty="0"/>
-              <a:t>Developed for NDVI, but same principle applies for LAI</a:t>
-            </a:r>
-            <a:endParaRPr lang="de-CH" dirty="0"/>
-          </a:p>
-          <a:p>
-            <a:pPr lvl="0"/>
-            <a:r>
-              <a:rPr lang="en-GB" dirty="0"/>
-              <a:t>Wide range of possible SOS definitions, Midpoint or Max-Increase will be used</a:t>
-            </a:r>
-            <a:endParaRPr lang="de-CH" dirty="0"/>
-          </a:p>
-          <a:p>
-            <a:pPr lvl="0"/>
-            <a:r>
-              <a:rPr lang="en-GB" dirty="0"/>
-              <a:t>EOS defined as first day after SOS where LAI value is below LAI</a:t>
-            </a:r>
-            <a:r>
-              <a:rPr lang="en-GB" baseline="-25000" dirty="0"/>
-              <a:t>SOS</a:t>
-            </a:r>
-            <a:endParaRPr lang="de-CH" dirty="0"/>
-          </a:p>
-          <a:p>
-            <a:pPr lvl="0"/>
-            <a:r>
-              <a:rPr lang="en-GB" dirty="0"/>
-              <a:t>Process all LAI-re data, random sample of LAI-3g over all years</a:t>
-            </a:r>
-            <a:endParaRPr lang="de-CH" dirty="0"/>
-          </a:p>
-          <a:p>
-            <a:endParaRPr lang="en-US" dirty="0"/>
+              <a:rPr lang="en-GB" dirty="0" smtClean="0"/>
+              <a:t>Plausibility analysis necessary</a:t>
+            </a:r>
+          </a:p>
+          <a:p>
+            <a:r>
+              <a:rPr lang="en-GB" dirty="0" smtClean="0"/>
+              <a:t>LAI3g as reference dataset</a:t>
+            </a:r>
+          </a:p>
+          <a:p>
+            <a:r>
+              <a:rPr lang="en-GB" dirty="0" smtClean="0"/>
+              <a:t>Compare raw LAI-re data to LAI3g data (yearly averages, monthly averages)</a:t>
+            </a:r>
+          </a:p>
+          <a:p>
+            <a:r>
+              <a:rPr lang="en-GB" dirty="0" smtClean="0"/>
+              <a:t>Compare extracted LSP indices and </a:t>
+            </a:r>
+            <a:r>
+              <a:rPr lang="en-GB" dirty="0" smtClean="0"/>
+              <a:t>trend</a:t>
+            </a:r>
+            <a:endParaRPr lang="en-GB" dirty="0" smtClean="0"/>
           </a:p>
         </p:txBody>
       </p:sp>
@@ -3935,16 +4212,126 @@
           </a:p>
         </p:txBody>
       </p:sp>
+      <p:grpSp>
+        <p:nvGrpSpPr>
+          <p:cNvPr id="6" name="Group 5"/>
+          <p:cNvGrpSpPr/>
+          <p:nvPr/>
+        </p:nvGrpSpPr>
+        <p:grpSpPr>
+          <a:xfrm>
+            <a:off x="0" y="0"/>
+            <a:ext cx="9144000" cy="384830"/>
+            <a:chOff x="0" y="0"/>
+            <a:chExt cx="9144000" cy="384830"/>
+          </a:xfrm>
+        </p:grpSpPr>
+        <p:sp>
+          <p:nvSpPr>
+            <p:cNvPr id="7" name="Rectangle 6"/>
+            <p:cNvSpPr/>
+            <p:nvPr/>
+          </p:nvSpPr>
+          <p:spPr>
+            <a:xfrm>
+              <a:off x="0" y="0"/>
+              <a:ext cx="9144000" cy="384830"/>
+            </a:xfrm>
+            <a:prstGeom prst="rect">
+              <a:avLst/>
+            </a:prstGeom>
+            <a:solidFill>
+              <a:schemeClr val="bg1">
+                <a:lumMod val="85000"/>
+              </a:schemeClr>
+            </a:solidFill>
+            <a:ln>
+              <a:noFill/>
+            </a:ln>
+            <a:effectLst/>
+          </p:spPr>
+          <p:style>
+            <a:lnRef idx="1">
+              <a:schemeClr val="accent1"/>
+            </a:lnRef>
+            <a:fillRef idx="3">
+              <a:schemeClr val="accent1"/>
+            </a:fillRef>
+            <a:effectRef idx="2">
+              <a:schemeClr val="accent1"/>
+            </a:effectRef>
+            <a:fontRef idx="minor">
+              <a:schemeClr val="lt1"/>
+            </a:fontRef>
+          </p:style>
+          <p:txBody>
+            <a:bodyPr rtlCol="0" anchor="ctr"/>
+            <a:lstStyle/>
+            <a:p>
+              <a:pPr algn="ctr"/>
+              <a:endParaRPr lang="en-US"/>
+            </a:p>
+          </p:txBody>
+        </p:sp>
+        <p:sp>
+          <p:nvSpPr>
+            <p:cNvPr id="8" name="TextBox 7"/>
+            <p:cNvSpPr txBox="1"/>
+            <p:nvPr/>
+          </p:nvSpPr>
+          <p:spPr>
+            <a:xfrm>
+              <a:off x="614933" y="13372"/>
+              <a:ext cx="7840608" cy="369332"/>
+            </a:xfrm>
+            <a:prstGeom prst="rect">
+              <a:avLst/>
+            </a:prstGeom>
+            <a:noFill/>
+          </p:spPr>
+          <p:txBody>
+            <a:bodyPr wrap="none" rtlCol="0">
+              <a:spAutoFit/>
+            </a:bodyPr>
+            <a:lstStyle/>
+            <a:p>
+              <a:r>
+                <a:rPr lang="en-US" dirty="0" smtClean="0"/>
+                <a:t>Introduction | </a:t>
+              </a:r>
+              <a:r>
+                <a:rPr lang="en-US" b="1" dirty="0" smtClean="0"/>
+                <a:t>Materials and Method</a:t>
+              </a:r>
+              <a:r>
+                <a:rPr lang="en-US" dirty="0" smtClean="0"/>
+                <a:t> | Expected Results | Challenges | </a:t>
+              </a:r>
+              <a:r>
+                <a:rPr lang="en-US" dirty="0"/>
+                <a:t>Timetable</a:t>
+              </a:r>
+            </a:p>
+          </p:txBody>
+        </p:sp>
+      </p:grpSp>
     </p:spTree>
     <p:extLst>
       <p:ext uri="{BB962C8B-B14F-4D97-AF65-F5344CB8AC3E}">
-        <p14:creationId xmlns:p14="http://schemas.microsoft.com/office/powerpoint/2010/main" val="3939210545"/>
+        <p14:creationId xmlns:p14="http://schemas.microsoft.com/office/powerpoint/2010/main" val="1173314887"/>
       </p:ext>
     </p:extLst>
   </p:cSld>
   <p:clrMapOvr>
     <a:masterClrMapping/>
   </p:clrMapOvr>
+  <p:timing>
+    <p:tnLst>
+      <p:par>
+        <p:cTn xmlns:p14="http://schemas.microsoft.com/office/powerpoint/2010/main" id="1" dur="indefinite" restart="never" nodeType="tmRoot"/>
+      </p:par>
+    </p:tnLst>
+  </p:timing>
 </p:sld>
 </file>
 
@@ -3983,12 +4370,16 @@
           <a:lstStyle/>
           <a:p>
             <a:r>
-              <a:rPr lang="en-GB" b="1" dirty="0"/>
-              <a:t>Plausibility analysis of LAI-</a:t>
-            </a:r>
-            <a:r>
-              <a:rPr lang="en-GB" b="1" dirty="0" smtClean="0"/>
-              <a:t>re</a:t>
+              <a:rPr lang="en-GB" dirty="0" smtClean="0"/>
+              <a:t>Extracting </a:t>
+            </a:r>
+            <a:r>
+              <a:rPr lang="en-GB" dirty="0"/>
+              <a:t>LSP I</a:t>
+            </a:r>
+            <a:r>
+              <a:rPr lang="en-GB" dirty="0" smtClean="0"/>
+              <a:t>ndices</a:t>
             </a:r>
             <a:endParaRPr lang="en-US" dirty="0"/>
           </a:p>
@@ -4006,28 +4397,92 @@
         </p:nvSpPr>
         <p:spPr/>
         <p:txBody>
-          <a:bodyPr/>
+          <a:bodyPr>
+            <a:normAutofit/>
+          </a:bodyPr>
           <a:lstStyle/>
           <a:p>
             <a:pPr lvl="0"/>
             <a:r>
-              <a:rPr lang="en-GB" dirty="0"/>
-              <a:t>Compare raw LAI-re data to LAI3g data for Land surface points (yearly averages, monthly averages)</a:t>
-            </a:r>
-            <a:endParaRPr lang="de-CH" dirty="0"/>
-          </a:p>
-          <a:p>
-            <a:r>
-              <a:rPr lang="en-GB" dirty="0"/>
-              <a:t>Compare extracted LSP indices</a:t>
-            </a:r>
-            <a:r>
-              <a:rPr lang="de-CH" dirty="0" smtClean="0">
-                <a:effectLst/>
-              </a:rPr>
-              <a:t> </a:t>
-            </a:r>
-            <a:endParaRPr lang="en-US" dirty="0"/>
+              <a:rPr lang="en-GB" sz="2200" dirty="0" smtClean="0"/>
+              <a:t>Goal: Get </a:t>
+            </a:r>
+            <a:r>
+              <a:rPr lang="en-GB" sz="2200" i="1" dirty="0" smtClean="0"/>
+              <a:t>Start of Season</a:t>
+            </a:r>
+            <a:r>
+              <a:rPr lang="en-GB" sz="2200" dirty="0" smtClean="0"/>
+              <a:t>, </a:t>
+            </a:r>
+            <a:r>
+              <a:rPr lang="en-GB" sz="2200" i="1" dirty="0" smtClean="0"/>
+              <a:t>End of Season </a:t>
+            </a:r>
+            <a:r>
+              <a:rPr lang="en-GB" sz="2200" dirty="0" smtClean="0"/>
+              <a:t>and </a:t>
+            </a:r>
+            <a:r>
+              <a:rPr lang="en-GB" sz="2200" i="1" dirty="0" smtClean="0"/>
+              <a:t>Growing Season Length</a:t>
+            </a:r>
+          </a:p>
+          <a:p>
+            <a:pPr lvl="0"/>
+            <a:r>
+              <a:rPr lang="en-GB" sz="2200" dirty="0" smtClean="0"/>
+              <a:t>Harmonic Analysis to get smooth yearly LAI profiles using HANTS-algorithm (</a:t>
+            </a:r>
+            <a:r>
+              <a:rPr lang="en-GB" sz="2200" dirty="0" err="1" smtClean="0"/>
+              <a:t>Roerink</a:t>
+            </a:r>
+            <a:r>
+              <a:rPr lang="en-GB" sz="2200" dirty="0" smtClean="0"/>
+              <a:t> et al. 2000)</a:t>
+            </a:r>
+          </a:p>
+          <a:p>
+            <a:pPr lvl="1"/>
+            <a:r>
+              <a:rPr lang="en-GB" sz="2200" dirty="0" smtClean="0"/>
+              <a:t>Developed for NDVI, </a:t>
+            </a:r>
+            <a:br>
+              <a:rPr lang="en-GB" sz="2200" dirty="0" smtClean="0"/>
+            </a:br>
+            <a:r>
+              <a:rPr lang="en-GB" sz="2200" dirty="0" smtClean="0"/>
+              <a:t>but same principle </a:t>
+            </a:r>
+            <a:br>
+              <a:rPr lang="en-GB" sz="2200" dirty="0" smtClean="0"/>
+            </a:br>
+            <a:r>
+              <a:rPr lang="en-GB" sz="2200" dirty="0" smtClean="0"/>
+              <a:t>applies for LAI</a:t>
+            </a:r>
+          </a:p>
+          <a:p>
+            <a:r>
+              <a:rPr lang="en-GB" sz="2400" dirty="0" smtClean="0"/>
+              <a:t>Several possibilities</a:t>
+            </a:r>
+            <a:br>
+              <a:rPr lang="en-GB" sz="2400" dirty="0" smtClean="0"/>
+            </a:br>
+            <a:r>
+              <a:rPr lang="en-GB" sz="2400" dirty="0" smtClean="0"/>
+              <a:t>for definition of SOS/EOS</a:t>
+            </a:r>
+          </a:p>
+          <a:p>
+            <a:r>
+              <a:rPr lang="en-GB" sz="2000" dirty="0" smtClean="0"/>
+              <a:t>GSL = EOS - SOS</a:t>
+            </a:r>
+            <a:endParaRPr lang="en-GB" sz="2000" dirty="0"/>
           </a:p>
         </p:txBody>
       </p:sp>
@@ -4078,16 +4533,186 @@
           </a:p>
         </p:txBody>
       </p:sp>
+      <p:pic>
+        <p:nvPicPr>
+          <p:cNvPr id="6" name="Picture 5" descr="Bildschirmfoto 2014-03-26 um 15.55.46.png"/>
+          <p:cNvPicPr>
+            <a:picLocks noChangeAspect="1"/>
+          </p:cNvPicPr>
+          <p:nvPr/>
+        </p:nvPicPr>
+        <p:blipFill>
+          <a:blip r:embed="rId2" cstate="screen">
+            <a:extLst>
+              <a:ext uri="{28A0092B-C50C-407E-A947-70E740481C1C}">
+                <a14:useLocalDpi xmlns:a14="http://schemas.microsoft.com/office/drawing/2010/main"/>
+              </a:ext>
+            </a:extLst>
+          </a:blip>
+          <a:stretch>
+            <a:fillRect/>
+          </a:stretch>
+        </p:blipFill>
+        <p:spPr>
+          <a:xfrm>
+            <a:off x="4221793" y="3247846"/>
+            <a:ext cx="3981301" cy="2240665"/>
+          </a:xfrm>
+          <a:prstGeom prst="rect">
+            <a:avLst/>
+          </a:prstGeom>
+        </p:spPr>
+      </p:pic>
+      <p:sp>
+        <p:nvSpPr>
+          <p:cNvPr id="7" name="TextBox 6"/>
+          <p:cNvSpPr txBox="1"/>
+          <p:nvPr/>
+        </p:nvSpPr>
+        <p:spPr>
+          <a:xfrm>
+            <a:off x="6363603" y="5496723"/>
+            <a:ext cx="1839491" cy="369332"/>
+          </a:xfrm>
+          <a:prstGeom prst="rect">
+            <a:avLst/>
+          </a:prstGeom>
+          <a:noFill/>
+        </p:spPr>
+        <p:txBody>
+          <a:bodyPr wrap="none" rtlCol="0">
+            <a:spAutoFit/>
+          </a:bodyPr>
+          <a:lstStyle/>
+          <a:p>
+            <a:r>
+              <a:rPr lang="en-US" dirty="0" smtClean="0"/>
+              <a:t>Reed et al. (2003)</a:t>
+            </a:r>
+            <a:endParaRPr lang="en-US" dirty="0"/>
+          </a:p>
+        </p:txBody>
+      </p:sp>
+      <p:grpSp>
+        <p:nvGrpSpPr>
+          <p:cNvPr id="8" name="Group 7"/>
+          <p:cNvGrpSpPr/>
+          <p:nvPr/>
+        </p:nvGrpSpPr>
+        <p:grpSpPr>
+          <a:xfrm>
+            <a:off x="0" y="0"/>
+            <a:ext cx="9144000" cy="384830"/>
+            <a:chOff x="0" y="0"/>
+            <a:chExt cx="9144000" cy="384830"/>
+          </a:xfrm>
+        </p:grpSpPr>
+        <p:sp>
+          <p:nvSpPr>
+            <p:cNvPr id="9" name="Rectangle 8"/>
+            <p:cNvSpPr/>
+            <p:nvPr/>
+          </p:nvSpPr>
+          <p:spPr>
+            <a:xfrm>
+              <a:off x="0" y="0"/>
+              <a:ext cx="9144000" cy="384830"/>
+            </a:xfrm>
+            <a:prstGeom prst="rect">
+              <a:avLst/>
+            </a:prstGeom>
+            <a:solidFill>
+              <a:schemeClr val="bg1">
+                <a:lumMod val="85000"/>
+              </a:schemeClr>
+            </a:solidFill>
+            <a:ln>
+              <a:noFill/>
+            </a:ln>
+            <a:effectLst/>
+          </p:spPr>
+          <p:style>
+            <a:lnRef idx="1">
+              <a:schemeClr val="accent1"/>
+            </a:lnRef>
+            <a:fillRef idx="3">
+              <a:schemeClr val="accent1"/>
+            </a:fillRef>
+            <a:effectRef idx="2">
+              <a:schemeClr val="accent1"/>
+            </a:effectRef>
+            <a:fontRef idx="minor">
+              <a:schemeClr val="lt1"/>
+            </a:fontRef>
+          </p:style>
+          <p:txBody>
+            <a:bodyPr rtlCol="0" anchor="ctr"/>
+            <a:lstStyle/>
+            <a:p>
+              <a:pPr algn="ctr"/>
+              <a:endParaRPr lang="en-US"/>
+            </a:p>
+          </p:txBody>
+        </p:sp>
+        <p:sp>
+          <p:nvSpPr>
+            <p:cNvPr id="10" name="TextBox 9"/>
+            <p:cNvSpPr txBox="1"/>
+            <p:nvPr/>
+          </p:nvSpPr>
+          <p:spPr>
+            <a:xfrm>
+              <a:off x="614933" y="13372"/>
+              <a:ext cx="7840608" cy="369332"/>
+            </a:xfrm>
+            <a:prstGeom prst="rect">
+              <a:avLst/>
+            </a:prstGeom>
+            <a:noFill/>
+          </p:spPr>
+          <p:txBody>
+            <a:bodyPr wrap="none" rtlCol="0">
+              <a:spAutoFit/>
+            </a:bodyPr>
+            <a:lstStyle/>
+            <a:p>
+              <a:r>
+                <a:rPr lang="en-US" dirty="0" smtClean="0"/>
+                <a:t>Introduction | </a:t>
+              </a:r>
+              <a:r>
+                <a:rPr lang="en-US" b="1" dirty="0" smtClean="0"/>
+                <a:t>Materials and Method</a:t>
+              </a:r>
+              <a:r>
+                <a:rPr lang="en-US" dirty="0" smtClean="0"/>
+                <a:t> | Expected Results | Challenges | </a:t>
+              </a:r>
+              <a:r>
+                <a:rPr lang="en-US" dirty="0"/>
+                <a:t>Timetable</a:t>
+              </a:r>
+            </a:p>
+          </p:txBody>
+        </p:sp>
+      </p:grpSp>
     </p:spTree>
     <p:extLst>
       <p:ext uri="{BB962C8B-B14F-4D97-AF65-F5344CB8AC3E}">
-        <p14:creationId xmlns:p14="http://schemas.microsoft.com/office/powerpoint/2010/main" val="1814485911"/>
+        <p14:creationId xmlns:p14="http://schemas.microsoft.com/office/powerpoint/2010/main" val="3939210545"/>
       </p:ext>
     </p:extLst>
   </p:cSld>
   <p:clrMapOvr>
     <a:masterClrMapping/>
   </p:clrMapOvr>
+  <p:timing>
+    <p:tnLst>
+      <p:par>
+        <p:cTn xmlns:p14="http://schemas.microsoft.com/office/powerpoint/2010/main" id="1" dur="indefinite" restart="never" nodeType="tmRoot"/>
+      </p:par>
+    </p:tnLst>
+  </p:timing>
 </p:sld>
 </file>
 
@@ -4126,12 +4751,8 @@
           <a:lstStyle/>
           <a:p>
             <a:r>
-              <a:rPr lang="en-GB" dirty="0" err="1" smtClean="0"/>
-              <a:t>Analyzing</a:t>
-            </a:r>
-            <a:r>
               <a:rPr lang="en-GB" dirty="0" smtClean="0"/>
-              <a:t> </a:t>
+              <a:t>Analysing </a:t>
             </a:r>
             <a:r>
               <a:rPr lang="en-GB" dirty="0"/>
@@ -4164,8 +4785,15 @@
           <a:p>
             <a:pPr lvl="0"/>
             <a:r>
-              <a:rPr lang="en-GB" dirty="0"/>
-              <a:t>Get monthly statistics over all available years to check for trends within data</a:t>
+              <a:rPr lang="en-GB" dirty="0" smtClean="0"/>
+              <a:t>Trend analysis for monthly and yearly averages</a:t>
+            </a:r>
+          </a:p>
+          <a:p>
+            <a:pPr lvl="0"/>
+            <a:r>
+              <a:rPr lang="en-GB" dirty="0" smtClean="0"/>
+              <a:t>Extract and analyse LSP indices</a:t>
             </a:r>
             <a:endParaRPr lang="de-CH" dirty="0"/>
           </a:p>
@@ -4218,6 +4846,109 @@
           </a:p>
         </p:txBody>
       </p:sp>
+      <p:grpSp>
+        <p:nvGrpSpPr>
+          <p:cNvPr id="6" name="Group 5"/>
+          <p:cNvGrpSpPr/>
+          <p:nvPr/>
+        </p:nvGrpSpPr>
+        <p:grpSpPr>
+          <a:xfrm>
+            <a:off x="0" y="0"/>
+            <a:ext cx="9144000" cy="384830"/>
+            <a:chOff x="0" y="0"/>
+            <a:chExt cx="9144000" cy="384830"/>
+          </a:xfrm>
+        </p:grpSpPr>
+        <p:sp>
+          <p:nvSpPr>
+            <p:cNvPr id="7" name="Rectangle 6"/>
+            <p:cNvSpPr/>
+            <p:nvPr/>
+          </p:nvSpPr>
+          <p:spPr>
+            <a:xfrm>
+              <a:off x="0" y="0"/>
+              <a:ext cx="9144000" cy="384830"/>
+            </a:xfrm>
+            <a:prstGeom prst="rect">
+              <a:avLst/>
+            </a:prstGeom>
+            <a:solidFill>
+              <a:schemeClr val="bg1">
+                <a:lumMod val="85000"/>
+              </a:schemeClr>
+            </a:solidFill>
+            <a:ln>
+              <a:noFill/>
+            </a:ln>
+            <a:effectLst/>
+          </p:spPr>
+          <p:style>
+            <a:lnRef idx="1">
+              <a:schemeClr val="accent1"/>
+            </a:lnRef>
+            <a:fillRef idx="3">
+              <a:schemeClr val="accent1"/>
+            </a:fillRef>
+            <a:effectRef idx="2">
+              <a:schemeClr val="accent1"/>
+            </a:effectRef>
+            <a:fontRef idx="minor">
+              <a:schemeClr val="lt1"/>
+            </a:fontRef>
+          </p:style>
+          <p:txBody>
+            <a:bodyPr rtlCol="0" anchor="ctr"/>
+            <a:lstStyle/>
+            <a:p>
+              <a:pPr algn="ctr"/>
+              <a:endParaRPr lang="en-US"/>
+            </a:p>
+          </p:txBody>
+        </p:sp>
+        <p:sp>
+          <p:nvSpPr>
+            <p:cNvPr id="8" name="TextBox 7"/>
+            <p:cNvSpPr txBox="1"/>
+            <p:nvPr/>
+          </p:nvSpPr>
+          <p:spPr>
+            <a:xfrm>
+              <a:off x="614933" y="13372"/>
+              <a:ext cx="7840608" cy="369332"/>
+            </a:xfrm>
+            <a:prstGeom prst="rect">
+              <a:avLst/>
+            </a:prstGeom>
+            <a:noFill/>
+          </p:spPr>
+          <p:txBody>
+            <a:bodyPr wrap="none" rtlCol="0">
+              <a:spAutoFit/>
+            </a:bodyPr>
+            <a:lstStyle/>
+            <a:p>
+              <a:r>
+                <a:rPr lang="en-US" dirty="0" smtClean="0"/>
+                <a:t>Introduction | </a:t>
+              </a:r>
+              <a:r>
+                <a:rPr lang="en-US" b="1" dirty="0" smtClean="0"/>
+                <a:t>Materials and Method</a:t>
+              </a:r>
+              <a:r>
+                <a:rPr lang="en-US" dirty="0" smtClean="0"/>
+                <a:t> | Expected Results | Challenges | </a:t>
+              </a:r>
+              <a:r>
+                <a:rPr lang="en-US" dirty="0"/>
+                <a:t>Timetable</a:t>
+              </a:r>
+            </a:p>
+          </p:txBody>
+        </p:sp>
+      </p:grpSp>
     </p:spTree>
     <p:extLst>
       <p:ext uri="{BB962C8B-B14F-4D97-AF65-F5344CB8AC3E}">
@@ -4228,6 +4959,13 @@
   <p:clrMapOvr>
     <a:masterClrMapping/>
   </p:clrMapOvr>
+  <p:timing>
+    <p:tnLst>
+      <p:par>
+        <p:cTn xmlns:p14="http://schemas.microsoft.com/office/powerpoint/2010/main" id="1" dur="indefinite" restart="never" nodeType="tmRoot"/>
+      </p:par>
+    </p:tnLst>
+  </p:timing>
 </p:sld>
 </file>
 
@@ -4391,6 +5129,109 @@
           </a:p>
         </p:txBody>
       </p:sp>
+      <p:grpSp>
+        <p:nvGrpSpPr>
+          <p:cNvPr id="6" name="Group 5"/>
+          <p:cNvGrpSpPr/>
+          <p:nvPr/>
+        </p:nvGrpSpPr>
+        <p:grpSpPr>
+          <a:xfrm>
+            <a:off x="0" y="0"/>
+            <a:ext cx="9144000" cy="384830"/>
+            <a:chOff x="0" y="0"/>
+            <a:chExt cx="9144000" cy="384830"/>
+          </a:xfrm>
+        </p:grpSpPr>
+        <p:sp>
+          <p:nvSpPr>
+            <p:cNvPr id="7" name="Rectangle 6"/>
+            <p:cNvSpPr/>
+            <p:nvPr/>
+          </p:nvSpPr>
+          <p:spPr>
+            <a:xfrm>
+              <a:off x="0" y="0"/>
+              <a:ext cx="9144000" cy="384830"/>
+            </a:xfrm>
+            <a:prstGeom prst="rect">
+              <a:avLst/>
+            </a:prstGeom>
+            <a:solidFill>
+              <a:schemeClr val="bg1">
+                <a:lumMod val="85000"/>
+              </a:schemeClr>
+            </a:solidFill>
+            <a:ln>
+              <a:noFill/>
+            </a:ln>
+            <a:effectLst/>
+          </p:spPr>
+          <p:style>
+            <a:lnRef idx="1">
+              <a:schemeClr val="accent1"/>
+            </a:lnRef>
+            <a:fillRef idx="3">
+              <a:schemeClr val="accent1"/>
+            </a:fillRef>
+            <a:effectRef idx="2">
+              <a:schemeClr val="accent1"/>
+            </a:effectRef>
+            <a:fontRef idx="minor">
+              <a:schemeClr val="lt1"/>
+            </a:fontRef>
+          </p:style>
+          <p:txBody>
+            <a:bodyPr rtlCol="0" anchor="ctr"/>
+            <a:lstStyle/>
+            <a:p>
+              <a:pPr algn="ctr"/>
+              <a:endParaRPr lang="en-US"/>
+            </a:p>
+          </p:txBody>
+        </p:sp>
+        <p:sp>
+          <p:nvSpPr>
+            <p:cNvPr id="8" name="TextBox 7"/>
+            <p:cNvSpPr txBox="1"/>
+            <p:nvPr/>
+          </p:nvSpPr>
+          <p:spPr>
+            <a:xfrm>
+              <a:off x="614933" y="13372"/>
+              <a:ext cx="7840608" cy="369332"/>
+            </a:xfrm>
+            <a:prstGeom prst="rect">
+              <a:avLst/>
+            </a:prstGeom>
+            <a:noFill/>
+          </p:spPr>
+          <p:txBody>
+            <a:bodyPr wrap="none" rtlCol="0">
+              <a:spAutoFit/>
+            </a:bodyPr>
+            <a:lstStyle/>
+            <a:p>
+              <a:r>
+                <a:rPr lang="en-US" dirty="0" smtClean="0"/>
+                <a:t>Introduction | </a:t>
+              </a:r>
+              <a:r>
+                <a:rPr lang="en-US" b="1" dirty="0" smtClean="0"/>
+                <a:t>Materials and Method</a:t>
+              </a:r>
+              <a:r>
+                <a:rPr lang="en-US" dirty="0" smtClean="0"/>
+                <a:t> | Expected Results | Challenges | </a:t>
+              </a:r>
+              <a:r>
+                <a:rPr lang="en-US" dirty="0"/>
+                <a:t>Timetable</a:t>
+              </a:r>
+            </a:p>
+          </p:txBody>
+        </p:sp>
+      </p:grpSp>
     </p:spTree>
     <p:extLst>
       <p:ext uri="{BB962C8B-B14F-4D97-AF65-F5344CB8AC3E}">
@@ -4401,6 +5242,13 @@
   <p:clrMapOvr>
     <a:masterClrMapping/>
   </p:clrMapOvr>
+  <p:timing>
+    <p:tnLst>
+      <p:par>
+        <p:cTn xmlns:p14="http://schemas.microsoft.com/office/powerpoint/2010/main" id="1" dur="indefinite" restart="never" nodeType="tmRoot"/>
+      </p:par>
+    </p:tnLst>
+  </p:timing>
 </p:sld>
 </file>
 
@@ -4433,12 +5281,18 @@
         </p:nvSpPr>
         <p:spPr/>
         <p:txBody>
-          <a:bodyPr/>
-          <a:lstStyle/>
-          <a:p>
-            <a:r>
-              <a:rPr lang="en-US" dirty="0" smtClean="0"/>
-              <a:t>Content</a:t>
+          <a:bodyPr>
+            <a:normAutofit/>
+          </a:bodyPr>
+          <a:lstStyle/>
+          <a:p>
+            <a:r>
+              <a:rPr lang="en-GB" dirty="0"/>
+              <a:t>Expected </a:t>
+            </a:r>
+            <a:r>
+              <a:rPr lang="en-GB" dirty="0" smtClean="0"/>
+              <a:t>Results</a:t>
             </a:r>
             <a:endParaRPr lang="en-US" dirty="0"/>
           </a:p>
@@ -4456,44 +5310,56 @@
         </p:nvSpPr>
         <p:spPr/>
         <p:txBody>
-          <a:bodyPr/>
-          <a:lstStyle/>
-          <a:p>
-            <a:r>
-              <a:rPr lang="en-US" dirty="0" smtClean="0"/>
-              <a:t>Introduction</a:t>
-            </a:r>
-          </a:p>
-          <a:p>
-            <a:r>
-              <a:rPr lang="en-US" dirty="0" smtClean="0"/>
-              <a:t>Materials and Methods</a:t>
-            </a:r>
-          </a:p>
-          <a:p>
-            <a:r>
-              <a:rPr lang="en-US" b="1" dirty="0" smtClean="0"/>
-              <a:t>Challenges</a:t>
-            </a:r>
-          </a:p>
-          <a:p>
-            <a:r>
-              <a:rPr lang="en-US" dirty="0" smtClean="0"/>
-              <a:t>Expected Results</a:t>
-            </a:r>
-          </a:p>
-          <a:p>
-            <a:r>
-              <a:rPr lang="en-US" dirty="0" smtClean="0"/>
-              <a:t>Questions/Comments</a:t>
-            </a:r>
-            <a:endParaRPr lang="en-US" dirty="0"/>
-          </a:p>
-        </p:txBody>
-      </p:sp>
-      <p:sp>
-        <p:nvSpPr>
-          <p:cNvPr id="5" name="Footer Placeholder 4"/>
+          <a:bodyPr>
+            <a:normAutofit/>
+          </a:bodyPr>
+          <a:lstStyle/>
+          <a:p>
+            <a:r>
+              <a:rPr lang="en-GB" i="1" dirty="0" smtClean="0"/>
+              <a:t>LAI3g-LAIre</a:t>
+            </a:r>
+            <a:r>
+              <a:rPr lang="en-GB" dirty="0" smtClean="0"/>
+              <a:t>: generally good agreement expected </a:t>
+            </a:r>
+          </a:p>
+          <a:p>
+            <a:r>
+              <a:rPr lang="en-GB" i="1" dirty="0" smtClean="0"/>
+              <a:t>Climatic Controls</a:t>
+            </a:r>
+            <a:r>
+              <a:rPr lang="en-GB" dirty="0" smtClean="0"/>
+              <a:t>: </a:t>
+            </a:r>
+          </a:p>
+          <a:p>
+            <a:pPr lvl="1"/>
+            <a:r>
+              <a:rPr lang="en-GB" dirty="0" smtClean="0"/>
+              <a:t>rising temperatures global, differences regionally</a:t>
+            </a:r>
+          </a:p>
+          <a:p>
+            <a:pPr lvl="1"/>
+            <a:r>
+              <a:rPr lang="en-GB" dirty="0" smtClean="0"/>
+              <a:t>VPD hard to predict</a:t>
+            </a:r>
+          </a:p>
+          <a:p>
+            <a:r>
+              <a:rPr lang="en-GB" dirty="0" smtClean="0"/>
+              <a:t>Climatic Controls and LAI: GSL-lengthening with increase in T </a:t>
+            </a:r>
+            <a:endParaRPr lang="en-GB" dirty="0"/>
+          </a:p>
+        </p:txBody>
+      </p:sp>
+      <p:sp>
+        <p:nvSpPr>
+          <p:cNvPr id="4" name="Footer Placeholder 3"/>
           <p:cNvSpPr>
             <a:spLocks noGrp="1"/>
           </p:cNvSpPr>
@@ -4516,7 +5382,7 @@
       </p:sp>
       <p:sp>
         <p:nvSpPr>
-          <p:cNvPr id="6" name="Slide Number Placeholder 5"/>
+          <p:cNvPr id="5" name="Slide Number Placeholder 4"/>
           <p:cNvSpPr>
             <a:spLocks noGrp="1"/>
           </p:cNvSpPr>
@@ -4538,16 +5404,126 @@
           </a:p>
         </p:txBody>
       </p:sp>
+      <p:grpSp>
+        <p:nvGrpSpPr>
+          <p:cNvPr id="6" name="Group 5"/>
+          <p:cNvGrpSpPr/>
+          <p:nvPr/>
+        </p:nvGrpSpPr>
+        <p:grpSpPr>
+          <a:xfrm>
+            <a:off x="0" y="0"/>
+            <a:ext cx="9144000" cy="384830"/>
+            <a:chOff x="0" y="0"/>
+            <a:chExt cx="9144000" cy="384830"/>
+          </a:xfrm>
+        </p:grpSpPr>
+        <p:sp>
+          <p:nvSpPr>
+            <p:cNvPr id="7" name="Rectangle 6"/>
+            <p:cNvSpPr/>
+            <p:nvPr/>
+          </p:nvSpPr>
+          <p:spPr>
+            <a:xfrm>
+              <a:off x="0" y="0"/>
+              <a:ext cx="9144000" cy="384830"/>
+            </a:xfrm>
+            <a:prstGeom prst="rect">
+              <a:avLst/>
+            </a:prstGeom>
+            <a:solidFill>
+              <a:schemeClr val="bg1">
+                <a:lumMod val="85000"/>
+              </a:schemeClr>
+            </a:solidFill>
+            <a:ln>
+              <a:noFill/>
+            </a:ln>
+            <a:effectLst/>
+          </p:spPr>
+          <p:style>
+            <a:lnRef idx="1">
+              <a:schemeClr val="accent1"/>
+            </a:lnRef>
+            <a:fillRef idx="3">
+              <a:schemeClr val="accent1"/>
+            </a:fillRef>
+            <a:effectRef idx="2">
+              <a:schemeClr val="accent1"/>
+            </a:effectRef>
+            <a:fontRef idx="minor">
+              <a:schemeClr val="lt1"/>
+            </a:fontRef>
+          </p:style>
+          <p:txBody>
+            <a:bodyPr rtlCol="0" anchor="ctr"/>
+            <a:lstStyle/>
+            <a:p>
+              <a:pPr algn="ctr"/>
+              <a:endParaRPr lang="en-US"/>
+            </a:p>
+          </p:txBody>
+        </p:sp>
+        <p:sp>
+          <p:nvSpPr>
+            <p:cNvPr id="8" name="TextBox 7"/>
+            <p:cNvSpPr txBox="1"/>
+            <p:nvPr/>
+          </p:nvSpPr>
+          <p:spPr>
+            <a:xfrm>
+              <a:off x="614933" y="13372"/>
+              <a:ext cx="7840608" cy="369332"/>
+            </a:xfrm>
+            <a:prstGeom prst="rect">
+              <a:avLst/>
+            </a:prstGeom>
+            <a:noFill/>
+          </p:spPr>
+          <p:txBody>
+            <a:bodyPr wrap="none" rtlCol="0">
+              <a:spAutoFit/>
+            </a:bodyPr>
+            <a:lstStyle/>
+            <a:p>
+              <a:r>
+                <a:rPr lang="en-US" dirty="0" smtClean="0"/>
+                <a:t>Introduction | Materials and Method | </a:t>
+              </a:r>
+              <a:r>
+                <a:rPr lang="en-US" b="1" dirty="0" smtClean="0"/>
+                <a:t>Expected Results </a:t>
+              </a:r>
+              <a:r>
+                <a:rPr lang="en-US" dirty="0" smtClean="0"/>
+                <a:t>| Challenges | </a:t>
+              </a:r>
+              <a:r>
+                <a:rPr lang="en-US" dirty="0"/>
+                <a:t>Timetable</a:t>
+              </a:r>
+            </a:p>
+          </p:txBody>
+        </p:sp>
+      </p:grpSp>
     </p:spTree>
     <p:extLst>
       <p:ext uri="{BB962C8B-B14F-4D97-AF65-F5344CB8AC3E}">
-        <p14:creationId xmlns:p14="http://schemas.microsoft.com/office/powerpoint/2010/main" val="3514274067"/>
+        <p14:creationId xmlns:p14="http://schemas.microsoft.com/office/powerpoint/2010/main" val="2244223920"/>
       </p:ext>
     </p:extLst>
   </p:cSld>
   <p:clrMapOvr>
     <a:masterClrMapping/>
   </p:clrMapOvr>
+  <p:timing>
+    <p:tnLst>
+      <p:par>
+        <p:cTn xmlns:p14="http://schemas.microsoft.com/office/powerpoint/2010/main" id="1" dur="indefinite" restart="never" nodeType="tmRoot"/>
+      </p:par>
+    </p:tnLst>
+  </p:timing>
 </p:sld>
 </file>
 
@@ -4584,14 +5560,8 @@
           <a:lstStyle/>
           <a:p>
             <a:r>
-              <a:rPr lang="en-GB" dirty="0"/>
-              <a:t>LAI Dataset Comparison</a:t>
-            </a:r>
-            <a:r>
-              <a:rPr lang="de-CH" dirty="0" smtClean="0">
-                <a:effectLst/>
-              </a:rPr>
-              <a:t> </a:t>
+              <a:rPr lang="en-US" dirty="0" smtClean="0"/>
+              <a:t>Contents</a:t>
             </a:r>
             <a:endParaRPr lang="en-US" dirty="0"/>
           </a:p>
@@ -4612,57 +5582,43 @@
           <a:bodyPr/>
           <a:lstStyle/>
           <a:p>
-            <a:pPr lvl="0"/>
-            <a:r>
-              <a:rPr lang="en-GB" dirty="0"/>
-              <a:t>Both datasets connected to MODIS LAI</a:t>
-            </a:r>
-            <a:endParaRPr lang="de-CH" dirty="0"/>
-          </a:p>
-          <a:p>
-            <a:pPr lvl="0"/>
-            <a:r>
-              <a:rPr lang="en-GB" dirty="0"/>
-              <a:t>No absolute plausibility test possible within the scope of thesis</a:t>
-            </a:r>
-            <a:endParaRPr lang="de-CH" dirty="0"/>
-          </a:p>
-          <a:p>
-            <a:pPr lvl="0"/>
-            <a:r>
-              <a:rPr lang="en-GB" dirty="0"/>
-              <a:t>Differences in both datasets could arise for several reasons:</a:t>
-            </a:r>
-            <a:endParaRPr lang="de-CH" dirty="0"/>
-          </a:p>
-          <a:p>
-            <a:pPr lvl="1"/>
-            <a:r>
-              <a:rPr lang="en-GB" dirty="0"/>
-              <a:t>LAI3g could be limited by NDVI saturation</a:t>
-            </a:r>
-            <a:endParaRPr lang="de-CH" dirty="0"/>
-          </a:p>
-          <a:p>
-            <a:pPr lvl="1"/>
-            <a:r>
-              <a:rPr lang="en-GB" dirty="0" err="1"/>
-              <a:t>LAIre</a:t>
-            </a:r>
-            <a:r>
-              <a:rPr lang="en-GB" dirty="0"/>
-              <a:t> could be limited by model assumptions or GSI</a:t>
-            </a:r>
-            <a:endParaRPr lang="de-CH" dirty="0"/>
-          </a:p>
-          <a:p>
+            <a:r>
+              <a:rPr lang="en-US" dirty="0" smtClean="0"/>
+              <a:t>Introduction</a:t>
+            </a:r>
+          </a:p>
+          <a:p>
+            <a:r>
+              <a:rPr lang="en-US" dirty="0" smtClean="0"/>
+              <a:t>Materials and Methods</a:t>
+            </a:r>
+            <a:endParaRPr lang="en-US" b="1" dirty="0" smtClean="0"/>
+          </a:p>
+          <a:p>
+            <a:r>
+              <a:rPr lang="en-US" dirty="0" smtClean="0"/>
+              <a:t>Expected Results</a:t>
+            </a:r>
+          </a:p>
+          <a:p>
+            <a:r>
+              <a:rPr lang="en-US" b="1" dirty="0"/>
+              <a:t>Challenges</a:t>
+            </a:r>
+            <a:endParaRPr lang="en-US" b="1" dirty="0" smtClean="0"/>
+          </a:p>
+          <a:p>
+            <a:r>
+              <a:rPr lang="en-US" dirty="0"/>
+              <a:t>Timetable</a:t>
+            </a:r>
             <a:endParaRPr lang="en-US" dirty="0"/>
           </a:p>
         </p:txBody>
       </p:sp>
       <p:sp>
         <p:nvSpPr>
-          <p:cNvPr id="4" name="Footer Placeholder 3"/>
+          <p:cNvPr id="5" name="Footer Placeholder 4"/>
           <p:cNvSpPr>
             <a:spLocks noGrp="1"/>
           </p:cNvSpPr>
@@ -4685,7 +5641,7 @@
       </p:sp>
       <p:sp>
         <p:nvSpPr>
-          <p:cNvPr id="5" name="Slide Number Placeholder 4"/>
+          <p:cNvPr id="6" name="Slide Number Placeholder 5"/>
           <p:cNvSpPr>
             <a:spLocks noGrp="1"/>
           </p:cNvSpPr>
@@ -4710,13 +5666,20 @@
     </p:spTree>
     <p:extLst>
       <p:ext uri="{BB962C8B-B14F-4D97-AF65-F5344CB8AC3E}">
-        <p14:creationId xmlns:p14="http://schemas.microsoft.com/office/powerpoint/2010/main" val="1426741293"/>
+        <p14:creationId xmlns:p14="http://schemas.microsoft.com/office/powerpoint/2010/main" val="3514274067"/>
       </p:ext>
     </p:extLst>
   </p:cSld>
   <p:clrMapOvr>
     <a:masterClrMapping/>
   </p:clrMapOvr>
+  <p:timing>
+    <p:tnLst>
+      <p:par>
+        <p:cTn xmlns:p14="http://schemas.microsoft.com/office/powerpoint/2010/main" id="1" dur="indefinite" restart="never" nodeType="tmRoot"/>
+      </p:par>
+    </p:tnLst>
+  </p:timing>
 </p:sld>
 </file>
 
@@ -4749,54 +5712,78 @@
         </p:nvSpPr>
         <p:spPr/>
         <p:txBody>
-          <a:bodyPr>
-            <a:normAutofit/>
-          </a:bodyPr>
-          <a:lstStyle/>
-          <a:p>
+          <a:bodyPr/>
+          <a:lstStyle/>
+          <a:p>
+            <a:r>
+              <a:rPr lang="en-GB" dirty="0"/>
+              <a:t>LAI Dataset Comparison</a:t>
+            </a:r>
+            <a:r>
+              <a:rPr lang="de-CH" dirty="0" smtClean="0">
+                <a:effectLst/>
+              </a:rPr>
+              <a:t> </a:t>
+            </a:r>
+            <a:endParaRPr lang="en-US" dirty="0"/>
+          </a:p>
+        </p:txBody>
+      </p:sp>
+      <p:sp>
+        <p:nvSpPr>
+          <p:cNvPr id="3" name="Content Placeholder 2"/>
+          <p:cNvSpPr>
+            <a:spLocks noGrp="1"/>
+          </p:cNvSpPr>
+          <p:nvPr>
+            <p:ph idx="1"/>
+          </p:nvPr>
+        </p:nvSpPr>
+        <p:spPr/>
+        <p:txBody>
+          <a:bodyPr/>
+          <a:lstStyle/>
+          <a:p>
+            <a:pPr lvl="0"/>
+            <a:r>
+              <a:rPr lang="en-GB" dirty="0"/>
+              <a:t>Both datasets connected to MODIS LAI</a:t>
+            </a:r>
+            <a:endParaRPr lang="de-CH" dirty="0"/>
+          </a:p>
+          <a:p>
+            <a:pPr lvl="0"/>
+            <a:r>
+              <a:rPr lang="en-GB" dirty="0"/>
+              <a:t>No absolute plausibility test possible within the scope of thesis</a:t>
+            </a:r>
+            <a:endParaRPr lang="de-CH" dirty="0"/>
+          </a:p>
+          <a:p>
+            <a:pPr lvl="0"/>
+            <a:r>
+              <a:rPr lang="en-GB" dirty="0"/>
+              <a:t>Differences in both datasets could arise for several reasons:</a:t>
+            </a:r>
+            <a:endParaRPr lang="de-CH" dirty="0"/>
+          </a:p>
+          <a:p>
+            <a:pPr lvl="1"/>
+            <a:r>
+              <a:rPr lang="en-GB" dirty="0"/>
+              <a:t>LAI3g could be limited by NDVI saturation</a:t>
+            </a:r>
+            <a:endParaRPr lang="de-CH" dirty="0"/>
+          </a:p>
+          <a:p>
+            <a:pPr lvl="1"/>
             <a:r>
               <a:rPr lang="en-GB" dirty="0" smtClean="0"/>
-              <a:t>Climatic Controls</a:t>
-            </a:r>
-            <a:endParaRPr lang="en-US" dirty="0"/>
-          </a:p>
-        </p:txBody>
-      </p:sp>
-      <p:sp>
-        <p:nvSpPr>
-          <p:cNvPr id="3" name="Content Placeholder 2"/>
-          <p:cNvSpPr>
-            <a:spLocks noGrp="1"/>
-          </p:cNvSpPr>
-          <p:nvPr>
-            <p:ph idx="1"/>
-          </p:nvPr>
-        </p:nvSpPr>
-        <p:spPr/>
-        <p:txBody>
-          <a:bodyPr/>
-          <a:lstStyle/>
-          <a:p>
-            <a:pPr lvl="0"/>
+              <a:t>LAI-re </a:t>
+            </a:r>
             <a:r>
               <a:rPr lang="en-GB" dirty="0"/>
-              <a:t>Based on linear functions and thresholds</a:t>
-            </a:r>
-            <a:endParaRPr lang="de-CH" dirty="0"/>
-          </a:p>
-          <a:p>
-            <a:pPr lvl="1"/>
-            <a:r>
-              <a:rPr lang="en-GB" dirty="0"/>
-              <a:t>Oversimplified</a:t>
-            </a:r>
-            <a:endParaRPr lang="de-CH" dirty="0"/>
-          </a:p>
-          <a:p>
-            <a:pPr lvl="0"/>
-            <a:r>
-              <a:rPr lang="en-GB" dirty="0"/>
-              <a:t>No absolute T/VPD data, constrained by GSI data</a:t>
+              <a:t>could be limited by model assumptions or GSI</a:t>
             </a:r>
             <a:endParaRPr lang="de-CH" dirty="0"/>
           </a:p>
@@ -4852,16 +5839,126 @@
           </a:p>
         </p:txBody>
       </p:sp>
+      <p:grpSp>
+        <p:nvGrpSpPr>
+          <p:cNvPr id="6" name="Group 5"/>
+          <p:cNvGrpSpPr/>
+          <p:nvPr/>
+        </p:nvGrpSpPr>
+        <p:grpSpPr>
+          <a:xfrm>
+            <a:off x="0" y="0"/>
+            <a:ext cx="9144000" cy="384830"/>
+            <a:chOff x="0" y="0"/>
+            <a:chExt cx="9144000" cy="384830"/>
+          </a:xfrm>
+        </p:grpSpPr>
+        <p:sp>
+          <p:nvSpPr>
+            <p:cNvPr id="7" name="Rectangle 6"/>
+            <p:cNvSpPr/>
+            <p:nvPr/>
+          </p:nvSpPr>
+          <p:spPr>
+            <a:xfrm>
+              <a:off x="0" y="0"/>
+              <a:ext cx="9144000" cy="384830"/>
+            </a:xfrm>
+            <a:prstGeom prst="rect">
+              <a:avLst/>
+            </a:prstGeom>
+            <a:solidFill>
+              <a:schemeClr val="bg1">
+                <a:lumMod val="85000"/>
+              </a:schemeClr>
+            </a:solidFill>
+            <a:ln>
+              <a:noFill/>
+            </a:ln>
+            <a:effectLst/>
+          </p:spPr>
+          <p:style>
+            <a:lnRef idx="1">
+              <a:schemeClr val="accent1"/>
+            </a:lnRef>
+            <a:fillRef idx="3">
+              <a:schemeClr val="accent1"/>
+            </a:fillRef>
+            <a:effectRef idx="2">
+              <a:schemeClr val="accent1"/>
+            </a:effectRef>
+            <a:fontRef idx="minor">
+              <a:schemeClr val="lt1"/>
+            </a:fontRef>
+          </p:style>
+          <p:txBody>
+            <a:bodyPr rtlCol="0" anchor="ctr"/>
+            <a:lstStyle/>
+            <a:p>
+              <a:pPr algn="ctr"/>
+              <a:endParaRPr lang="en-US"/>
+            </a:p>
+          </p:txBody>
+        </p:sp>
+        <p:sp>
+          <p:nvSpPr>
+            <p:cNvPr id="8" name="TextBox 7"/>
+            <p:cNvSpPr txBox="1"/>
+            <p:nvPr/>
+          </p:nvSpPr>
+          <p:spPr>
+            <a:xfrm>
+              <a:off x="614933" y="13372"/>
+              <a:ext cx="7840608" cy="369332"/>
+            </a:xfrm>
+            <a:prstGeom prst="rect">
+              <a:avLst/>
+            </a:prstGeom>
+            <a:noFill/>
+          </p:spPr>
+          <p:txBody>
+            <a:bodyPr wrap="none" rtlCol="0">
+              <a:spAutoFit/>
+            </a:bodyPr>
+            <a:lstStyle/>
+            <a:p>
+              <a:r>
+                <a:rPr lang="en-US" dirty="0" smtClean="0"/>
+                <a:t>Introduction | Materials and Method | Expected Results | </a:t>
+              </a:r>
+              <a:r>
+                <a:rPr lang="en-US" b="1" dirty="0" smtClean="0"/>
+                <a:t>Challenges </a:t>
+              </a:r>
+              <a:r>
+                <a:rPr lang="en-US" dirty="0" smtClean="0"/>
+                <a:t>| </a:t>
+              </a:r>
+              <a:r>
+                <a:rPr lang="en-US" dirty="0"/>
+                <a:t>Timetable</a:t>
+              </a:r>
+            </a:p>
+          </p:txBody>
+        </p:sp>
+      </p:grpSp>
     </p:spTree>
     <p:extLst>
       <p:ext uri="{BB962C8B-B14F-4D97-AF65-F5344CB8AC3E}">
-        <p14:creationId xmlns:p14="http://schemas.microsoft.com/office/powerpoint/2010/main" val="3963676623"/>
+        <p14:creationId xmlns:p14="http://schemas.microsoft.com/office/powerpoint/2010/main" val="1426741293"/>
       </p:ext>
     </p:extLst>
   </p:cSld>
   <p:clrMapOvr>
     <a:masterClrMapping/>
   </p:clrMapOvr>
+  <p:timing>
+    <p:tnLst>
+      <p:par>
+        <p:cTn xmlns:p14="http://schemas.microsoft.com/office/powerpoint/2010/main" id="1" dur="indefinite" restart="never" nodeType="tmRoot"/>
+      </p:par>
+    </p:tnLst>
+  </p:timing>
 </p:sld>
 </file>
 
@@ -4900,56 +5997,64 @@
           <a:lstStyle/>
           <a:p>
             <a:r>
+              <a:rPr lang="en-GB" dirty="0" smtClean="0"/>
+              <a:t>Climatic Controls</a:t>
+            </a:r>
+            <a:endParaRPr lang="en-US" dirty="0"/>
+          </a:p>
+        </p:txBody>
+      </p:sp>
+      <p:sp>
+        <p:nvSpPr>
+          <p:cNvPr id="3" name="Content Placeholder 2"/>
+          <p:cNvSpPr>
+            <a:spLocks noGrp="1"/>
+          </p:cNvSpPr>
+          <p:nvPr>
+            <p:ph idx="1"/>
+          </p:nvPr>
+        </p:nvSpPr>
+        <p:spPr/>
+        <p:txBody>
+          <a:bodyPr/>
+          <a:lstStyle/>
+          <a:p>
+            <a:pPr lvl="0"/>
+            <a:r>
               <a:rPr lang="en-GB" dirty="0"/>
-              <a:t>Effect of Climatic Controls on </a:t>
-            </a:r>
+              <a:t>Based on linear functions and thresholds</a:t>
+            </a:r>
+            <a:endParaRPr lang="de-CH" dirty="0"/>
+          </a:p>
+          <a:p>
+            <a:pPr lvl="1"/>
+            <a:r>
+              <a:rPr lang="en-GB" dirty="0"/>
+              <a:t>Oversimplified</a:t>
+            </a:r>
+            <a:endParaRPr lang="de-CH" dirty="0"/>
+          </a:p>
+          <a:p>
+            <a:r>
+              <a:rPr lang="en-GB" dirty="0"/>
+              <a:t>Analysis constrained by GSI data</a:t>
+            </a:r>
+            <a:endParaRPr lang="de-CH" dirty="0"/>
+          </a:p>
+          <a:p>
+            <a:pPr lvl="1"/>
             <a:r>
               <a:rPr lang="en-GB" dirty="0" smtClean="0"/>
-              <a:t>LSP</a:t>
-            </a:r>
-            <a:endParaRPr lang="en-US" dirty="0"/>
-          </a:p>
-        </p:txBody>
-      </p:sp>
-      <p:sp>
-        <p:nvSpPr>
-          <p:cNvPr id="3" name="Content Placeholder 2"/>
-          <p:cNvSpPr>
-            <a:spLocks noGrp="1"/>
-          </p:cNvSpPr>
-          <p:nvPr>
-            <p:ph idx="1"/>
-          </p:nvPr>
-        </p:nvSpPr>
-        <p:spPr/>
-        <p:txBody>
-          <a:bodyPr/>
-          <a:lstStyle/>
-          <a:p>
-            <a:pPr lvl="0"/>
+              <a:t>No </a:t>
+            </a:r>
             <a:r>
               <a:rPr lang="en-GB" dirty="0"/>
-              <a:t>Explorative approach</a:t>
-            </a:r>
-            <a:endParaRPr lang="de-CH" dirty="0"/>
-          </a:p>
-          <a:p>
-            <a:pPr lvl="1"/>
-            <a:r>
-              <a:rPr lang="en-GB" dirty="0"/>
-              <a:t>So many Possibilities, very little time</a:t>
-            </a:r>
-            <a:endParaRPr lang="de-CH" dirty="0"/>
-          </a:p>
-          <a:p>
-            <a:pPr lvl="0"/>
-            <a:r>
-              <a:rPr lang="en-GB" dirty="0"/>
-              <a:t>No prior work to draw on</a:t>
-            </a:r>
-            <a:endParaRPr lang="de-CH" dirty="0"/>
-          </a:p>
-          <a:p>
+              <a:t>absolute T/VPD </a:t>
+            </a:r>
+            <a:r>
+              <a:rPr lang="en-GB" dirty="0" smtClean="0"/>
+              <a:t>data </a:t>
+            </a:r>
             <a:endParaRPr lang="en-US" dirty="0"/>
           </a:p>
         </p:txBody>
@@ -5001,16 +6106,126 @@
           </a:p>
         </p:txBody>
       </p:sp>
+      <p:grpSp>
+        <p:nvGrpSpPr>
+          <p:cNvPr id="9" name="Group 8"/>
+          <p:cNvGrpSpPr/>
+          <p:nvPr/>
+        </p:nvGrpSpPr>
+        <p:grpSpPr>
+          <a:xfrm>
+            <a:off x="0" y="0"/>
+            <a:ext cx="9144000" cy="384830"/>
+            <a:chOff x="0" y="0"/>
+            <a:chExt cx="9144000" cy="384830"/>
+          </a:xfrm>
+        </p:grpSpPr>
+        <p:sp>
+          <p:nvSpPr>
+            <p:cNvPr id="10" name="Rectangle 9"/>
+            <p:cNvSpPr/>
+            <p:nvPr/>
+          </p:nvSpPr>
+          <p:spPr>
+            <a:xfrm>
+              <a:off x="0" y="0"/>
+              <a:ext cx="9144000" cy="384830"/>
+            </a:xfrm>
+            <a:prstGeom prst="rect">
+              <a:avLst/>
+            </a:prstGeom>
+            <a:solidFill>
+              <a:schemeClr val="bg1">
+                <a:lumMod val="85000"/>
+              </a:schemeClr>
+            </a:solidFill>
+            <a:ln>
+              <a:noFill/>
+            </a:ln>
+            <a:effectLst/>
+          </p:spPr>
+          <p:style>
+            <a:lnRef idx="1">
+              <a:schemeClr val="accent1"/>
+            </a:lnRef>
+            <a:fillRef idx="3">
+              <a:schemeClr val="accent1"/>
+            </a:fillRef>
+            <a:effectRef idx="2">
+              <a:schemeClr val="accent1"/>
+            </a:effectRef>
+            <a:fontRef idx="minor">
+              <a:schemeClr val="lt1"/>
+            </a:fontRef>
+          </p:style>
+          <p:txBody>
+            <a:bodyPr rtlCol="0" anchor="ctr"/>
+            <a:lstStyle/>
+            <a:p>
+              <a:pPr algn="ctr"/>
+              <a:endParaRPr lang="en-US"/>
+            </a:p>
+          </p:txBody>
+        </p:sp>
+        <p:sp>
+          <p:nvSpPr>
+            <p:cNvPr id="11" name="TextBox 10"/>
+            <p:cNvSpPr txBox="1"/>
+            <p:nvPr/>
+          </p:nvSpPr>
+          <p:spPr>
+            <a:xfrm>
+              <a:off x="614933" y="13372"/>
+              <a:ext cx="7840608" cy="369332"/>
+            </a:xfrm>
+            <a:prstGeom prst="rect">
+              <a:avLst/>
+            </a:prstGeom>
+            <a:noFill/>
+          </p:spPr>
+          <p:txBody>
+            <a:bodyPr wrap="none" rtlCol="0">
+              <a:spAutoFit/>
+            </a:bodyPr>
+            <a:lstStyle/>
+            <a:p>
+              <a:r>
+                <a:rPr lang="en-US" dirty="0" smtClean="0"/>
+                <a:t>Introduction | Materials and Method | Expected Results | </a:t>
+              </a:r>
+              <a:r>
+                <a:rPr lang="en-US" b="1" dirty="0" smtClean="0"/>
+                <a:t>Challenges </a:t>
+              </a:r>
+              <a:r>
+                <a:rPr lang="en-US" dirty="0" smtClean="0"/>
+                <a:t>| </a:t>
+              </a:r>
+              <a:r>
+                <a:rPr lang="en-US" dirty="0"/>
+                <a:t>Timetable</a:t>
+              </a:r>
+            </a:p>
+          </p:txBody>
+        </p:sp>
+      </p:grpSp>
     </p:spTree>
     <p:extLst>
       <p:ext uri="{BB962C8B-B14F-4D97-AF65-F5344CB8AC3E}">
-        <p14:creationId xmlns:p14="http://schemas.microsoft.com/office/powerpoint/2010/main" val="4231464201"/>
+        <p14:creationId xmlns:p14="http://schemas.microsoft.com/office/powerpoint/2010/main" val="3963676623"/>
       </p:ext>
     </p:extLst>
   </p:cSld>
   <p:clrMapOvr>
     <a:masterClrMapping/>
   </p:clrMapOvr>
+  <p:timing>
+    <p:tnLst>
+      <p:par>
+        <p:cTn xmlns:p14="http://schemas.microsoft.com/office/powerpoint/2010/main" id="1" dur="indefinite" restart="never" nodeType="tmRoot"/>
+      </p:par>
+    </p:tnLst>
+  </p:timing>
 </p:sld>
 </file>
 
@@ -5043,12 +6258,18 @@
         </p:nvSpPr>
         <p:spPr/>
         <p:txBody>
-          <a:bodyPr/>
-          <a:lstStyle/>
-          <a:p>
-            <a:r>
-              <a:rPr lang="en-US" dirty="0" smtClean="0"/>
-              <a:t>Content</a:t>
+          <a:bodyPr>
+            <a:normAutofit/>
+          </a:bodyPr>
+          <a:lstStyle/>
+          <a:p>
+            <a:r>
+              <a:rPr lang="en-GB" dirty="0"/>
+              <a:t>Effect of Climatic Controls on </a:t>
+            </a:r>
+            <a:r>
+              <a:rPr lang="en-GB" dirty="0" smtClean="0"/>
+              <a:t>LSP</a:t>
             </a:r>
             <a:endParaRPr lang="en-US" dirty="0"/>
           </a:p>
@@ -5069,41 +6290,60 @@
           <a:bodyPr/>
           <a:lstStyle/>
           <a:p>
-            <a:r>
-              <a:rPr lang="en-US" dirty="0" smtClean="0"/>
-              <a:t>Introduction</a:t>
-            </a:r>
-          </a:p>
-          <a:p>
-            <a:r>
-              <a:rPr lang="en-US" dirty="0" smtClean="0"/>
-              <a:t>Materials and Methods</a:t>
-            </a:r>
-          </a:p>
-          <a:p>
-            <a:r>
-              <a:rPr lang="en-US" dirty="0" smtClean="0"/>
-              <a:t>Challenges</a:t>
-            </a:r>
-          </a:p>
-          <a:p>
-            <a:r>
-              <a:rPr lang="en-US" b="1" dirty="0" smtClean="0"/>
-              <a:t>Expected Results</a:t>
-            </a:r>
-          </a:p>
-          <a:p>
-            <a:r>
-              <a:rPr lang="en-US" dirty="0" smtClean="0"/>
-              <a:t>Questions/Comments</a:t>
-            </a:r>
+            <a:pPr lvl="0"/>
+            <a:r>
+              <a:rPr lang="en-GB" dirty="0"/>
+              <a:t>Explorative approach</a:t>
+            </a:r>
+            <a:endParaRPr lang="de-CH" dirty="0"/>
+          </a:p>
+          <a:p>
+            <a:pPr lvl="1"/>
+            <a:r>
+              <a:rPr lang="en-GB" dirty="0"/>
+              <a:t>So many Possibilities, very little time</a:t>
+            </a:r>
+            <a:endParaRPr lang="de-CH" dirty="0"/>
+          </a:p>
+          <a:p>
+            <a:pPr lvl="0"/>
+            <a:r>
+              <a:rPr lang="en-GB" dirty="0" smtClean="0"/>
+              <a:t>(Almost) no </a:t>
+            </a:r>
+            <a:r>
+              <a:rPr lang="en-GB" dirty="0"/>
+              <a:t>prior work to draw </a:t>
+            </a:r>
+            <a:r>
+              <a:rPr lang="en-GB" dirty="0" smtClean="0"/>
+              <a:t>on</a:t>
+            </a:r>
+          </a:p>
+          <a:p>
+            <a:pPr lvl="0"/>
+            <a:r>
+              <a:rPr lang="en-GB" dirty="0" smtClean="0"/>
+              <a:t>Classification of results (statistics by biome, PFT, </a:t>
+            </a:r>
+            <a:r>
+              <a:rPr lang="en-GB" dirty="0" err="1" smtClean="0"/>
+              <a:t>pixelwise</a:t>
+            </a:r>
+            <a:r>
+              <a:rPr lang="en-GB" dirty="0" smtClean="0"/>
+              <a:t>, …)</a:t>
+            </a:r>
+            <a:endParaRPr lang="de-CH" dirty="0"/>
+          </a:p>
+          <a:p>
             <a:endParaRPr lang="en-US" dirty="0"/>
           </a:p>
         </p:txBody>
       </p:sp>
       <p:sp>
         <p:nvSpPr>
-          <p:cNvPr id="5" name="Footer Placeholder 4"/>
+          <p:cNvPr id="4" name="Footer Placeholder 3"/>
           <p:cNvSpPr>
             <a:spLocks noGrp="1"/>
           </p:cNvSpPr>
@@ -5126,7 +6366,7 @@
       </p:sp>
       <p:sp>
         <p:nvSpPr>
-          <p:cNvPr id="6" name="Slide Number Placeholder 5"/>
+          <p:cNvPr id="5" name="Slide Number Placeholder 4"/>
           <p:cNvSpPr>
             <a:spLocks noGrp="1"/>
           </p:cNvSpPr>
@@ -5148,16 +6388,126 @@
           </a:p>
         </p:txBody>
       </p:sp>
+      <p:grpSp>
+        <p:nvGrpSpPr>
+          <p:cNvPr id="6" name="Group 5"/>
+          <p:cNvGrpSpPr/>
+          <p:nvPr/>
+        </p:nvGrpSpPr>
+        <p:grpSpPr>
+          <a:xfrm>
+            <a:off x="0" y="0"/>
+            <a:ext cx="9144000" cy="384830"/>
+            <a:chOff x="0" y="0"/>
+            <a:chExt cx="9144000" cy="384830"/>
+          </a:xfrm>
+        </p:grpSpPr>
+        <p:sp>
+          <p:nvSpPr>
+            <p:cNvPr id="7" name="Rectangle 6"/>
+            <p:cNvSpPr/>
+            <p:nvPr/>
+          </p:nvSpPr>
+          <p:spPr>
+            <a:xfrm>
+              <a:off x="0" y="0"/>
+              <a:ext cx="9144000" cy="384830"/>
+            </a:xfrm>
+            <a:prstGeom prst="rect">
+              <a:avLst/>
+            </a:prstGeom>
+            <a:solidFill>
+              <a:schemeClr val="bg1">
+                <a:lumMod val="85000"/>
+              </a:schemeClr>
+            </a:solidFill>
+            <a:ln>
+              <a:noFill/>
+            </a:ln>
+            <a:effectLst/>
+          </p:spPr>
+          <p:style>
+            <a:lnRef idx="1">
+              <a:schemeClr val="accent1"/>
+            </a:lnRef>
+            <a:fillRef idx="3">
+              <a:schemeClr val="accent1"/>
+            </a:fillRef>
+            <a:effectRef idx="2">
+              <a:schemeClr val="accent1"/>
+            </a:effectRef>
+            <a:fontRef idx="minor">
+              <a:schemeClr val="lt1"/>
+            </a:fontRef>
+          </p:style>
+          <p:txBody>
+            <a:bodyPr rtlCol="0" anchor="ctr"/>
+            <a:lstStyle/>
+            <a:p>
+              <a:pPr algn="ctr"/>
+              <a:endParaRPr lang="en-US"/>
+            </a:p>
+          </p:txBody>
+        </p:sp>
+        <p:sp>
+          <p:nvSpPr>
+            <p:cNvPr id="8" name="TextBox 7"/>
+            <p:cNvSpPr txBox="1"/>
+            <p:nvPr/>
+          </p:nvSpPr>
+          <p:spPr>
+            <a:xfrm>
+              <a:off x="614933" y="13372"/>
+              <a:ext cx="7840608" cy="369332"/>
+            </a:xfrm>
+            <a:prstGeom prst="rect">
+              <a:avLst/>
+            </a:prstGeom>
+            <a:noFill/>
+          </p:spPr>
+          <p:txBody>
+            <a:bodyPr wrap="none" rtlCol="0">
+              <a:spAutoFit/>
+            </a:bodyPr>
+            <a:lstStyle/>
+            <a:p>
+              <a:r>
+                <a:rPr lang="en-US" dirty="0" smtClean="0"/>
+                <a:t>Introduction | Materials and Method | Expected Results | </a:t>
+              </a:r>
+              <a:r>
+                <a:rPr lang="en-US" b="1" dirty="0" smtClean="0"/>
+                <a:t>Challenges </a:t>
+              </a:r>
+              <a:r>
+                <a:rPr lang="en-US" dirty="0" smtClean="0"/>
+                <a:t>| </a:t>
+              </a:r>
+              <a:r>
+                <a:rPr lang="en-US" dirty="0"/>
+                <a:t>Timetable</a:t>
+              </a:r>
+            </a:p>
+          </p:txBody>
+        </p:sp>
+      </p:grpSp>
     </p:spTree>
     <p:extLst>
       <p:ext uri="{BB962C8B-B14F-4D97-AF65-F5344CB8AC3E}">
-        <p14:creationId xmlns:p14="http://schemas.microsoft.com/office/powerpoint/2010/main" val="2065250361"/>
+        <p14:creationId xmlns:p14="http://schemas.microsoft.com/office/powerpoint/2010/main" val="4231464201"/>
       </p:ext>
     </p:extLst>
   </p:cSld>
   <p:clrMapOvr>
     <a:masterClrMapping/>
   </p:clrMapOvr>
+  <p:timing>
+    <p:tnLst>
+      <p:par>
+        <p:cTn xmlns:p14="http://schemas.microsoft.com/office/powerpoint/2010/main" id="1" dur="indefinite" restart="never" nodeType="tmRoot"/>
+      </p:par>
+    </p:tnLst>
+  </p:timing>
 </p:sld>
 </file>
 
@@ -5190,18 +6540,12 @@
         </p:nvSpPr>
         <p:spPr/>
         <p:txBody>
-          <a:bodyPr>
-            <a:normAutofit/>
-          </a:bodyPr>
-          <a:lstStyle/>
-          <a:p>
-            <a:r>
-              <a:rPr lang="en-GB" dirty="0"/>
-              <a:t>Expected </a:t>
-            </a:r>
-            <a:r>
-              <a:rPr lang="en-GB" dirty="0" smtClean="0"/>
-              <a:t>Results</a:t>
+          <a:bodyPr/>
+          <a:lstStyle/>
+          <a:p>
+            <a:r>
+              <a:rPr lang="en-US" dirty="0" smtClean="0"/>
+              <a:t>Timetable</a:t>
             </a:r>
             <a:endParaRPr lang="en-US" dirty="0"/>
           </a:p>
@@ -5222,25 +6566,7 @@
           <a:bodyPr/>
           <a:lstStyle/>
           <a:p>
-            <a:pPr lvl="0"/>
-            <a:r>
-              <a:rPr lang="en-GB" dirty="0"/>
-              <a:t>Slight rise of GSL in temperature-controlled areas</a:t>
-            </a:r>
-            <a:endParaRPr lang="de-CH" dirty="0"/>
-          </a:p>
-          <a:p>
-            <a:r>
-              <a:rPr lang="en-GB" dirty="0"/>
-              <a:t>no expectations for VPD, unclear how it affects LSP</a:t>
-            </a:r>
-            <a:r>
-              <a:rPr lang="de-CH" dirty="0" smtClean="0">
-                <a:effectLst/>
-              </a:rPr>
-              <a:t> </a:t>
-            </a:r>
-            <a:endParaRPr lang="en-US" dirty="0"/>
+            <a:endParaRPr lang="en-US"/>
           </a:p>
         </p:txBody>
       </p:sp>
@@ -5291,16 +6617,126 @@
           </a:p>
         </p:txBody>
       </p:sp>
+      <p:grpSp>
+        <p:nvGrpSpPr>
+          <p:cNvPr id="6" name="Group 5"/>
+          <p:cNvGrpSpPr/>
+          <p:nvPr/>
+        </p:nvGrpSpPr>
+        <p:grpSpPr>
+          <a:xfrm>
+            <a:off x="0" y="0"/>
+            <a:ext cx="9144000" cy="384830"/>
+            <a:chOff x="0" y="0"/>
+            <a:chExt cx="9144000" cy="384830"/>
+          </a:xfrm>
+        </p:grpSpPr>
+        <p:sp>
+          <p:nvSpPr>
+            <p:cNvPr id="7" name="Rectangle 6"/>
+            <p:cNvSpPr/>
+            <p:nvPr/>
+          </p:nvSpPr>
+          <p:spPr>
+            <a:xfrm>
+              <a:off x="0" y="0"/>
+              <a:ext cx="9144000" cy="384830"/>
+            </a:xfrm>
+            <a:prstGeom prst="rect">
+              <a:avLst/>
+            </a:prstGeom>
+            <a:solidFill>
+              <a:schemeClr val="bg1">
+                <a:lumMod val="85000"/>
+              </a:schemeClr>
+            </a:solidFill>
+            <a:ln>
+              <a:noFill/>
+            </a:ln>
+            <a:effectLst/>
+          </p:spPr>
+          <p:style>
+            <a:lnRef idx="1">
+              <a:schemeClr val="accent1"/>
+            </a:lnRef>
+            <a:fillRef idx="3">
+              <a:schemeClr val="accent1"/>
+            </a:fillRef>
+            <a:effectRef idx="2">
+              <a:schemeClr val="accent1"/>
+            </a:effectRef>
+            <a:fontRef idx="minor">
+              <a:schemeClr val="lt1"/>
+            </a:fontRef>
+          </p:style>
+          <p:txBody>
+            <a:bodyPr rtlCol="0" anchor="ctr"/>
+            <a:lstStyle/>
+            <a:p>
+              <a:pPr algn="ctr"/>
+              <a:endParaRPr lang="en-US"/>
+            </a:p>
+          </p:txBody>
+        </p:sp>
+        <p:sp>
+          <p:nvSpPr>
+            <p:cNvPr id="8" name="TextBox 7"/>
+            <p:cNvSpPr txBox="1"/>
+            <p:nvPr/>
+          </p:nvSpPr>
+          <p:spPr>
+            <a:xfrm>
+              <a:off x="614933" y="13372"/>
+              <a:ext cx="7840608" cy="369332"/>
+            </a:xfrm>
+            <a:prstGeom prst="rect">
+              <a:avLst/>
+            </a:prstGeom>
+            <a:noFill/>
+          </p:spPr>
+          <p:txBody>
+            <a:bodyPr wrap="none" rtlCol="0">
+              <a:spAutoFit/>
+            </a:bodyPr>
+            <a:lstStyle/>
+            <a:p>
+              <a:r>
+                <a:rPr lang="en-US" dirty="0" smtClean="0"/>
+                <a:t>Introduction | Materials and Method | Expected Results | Challenges</a:t>
+              </a:r>
+              <a:r>
+                <a:rPr lang="en-US" b="1" dirty="0" smtClean="0"/>
+                <a:t> </a:t>
+              </a:r>
+              <a:r>
+                <a:rPr lang="en-US" dirty="0" smtClean="0"/>
+                <a:t>| </a:t>
+              </a:r>
+              <a:r>
+                <a:rPr lang="en-US" b="1" dirty="0"/>
+                <a:t>Timetable</a:t>
+              </a:r>
+            </a:p>
+          </p:txBody>
+        </p:sp>
+      </p:grpSp>
     </p:spTree>
     <p:extLst>
       <p:ext uri="{BB962C8B-B14F-4D97-AF65-F5344CB8AC3E}">
-        <p14:creationId xmlns:p14="http://schemas.microsoft.com/office/powerpoint/2010/main" val="2244223920"/>
+        <p14:creationId xmlns:p14="http://schemas.microsoft.com/office/powerpoint/2010/main" val="465458837"/>
       </p:ext>
     </p:extLst>
   </p:cSld>
   <p:clrMapOvr>
     <a:masterClrMapping/>
   </p:clrMapOvr>
+  <p:timing>
+    <p:tnLst>
+      <p:par>
+        <p:cTn xmlns:p14="http://schemas.microsoft.com/office/powerpoint/2010/main" id="1" dur="indefinite" restart="never" nodeType="tmRoot"/>
+      </p:par>
+    </p:tnLst>
+  </p:timing>
 </p:sld>
 </file>
 
@@ -5338,7 +6774,7 @@
           <a:p>
             <a:r>
               <a:rPr lang="en-US" dirty="0" smtClean="0"/>
-              <a:t>Content</a:t>
+              <a:t>Contents</a:t>
             </a:r>
             <a:endParaRPr lang="en-US" dirty="0"/>
           </a:p>
@@ -5373,21 +6809,21 @@
           <a:p>
             <a:r>
               <a:rPr lang="en-US" dirty="0" smtClean="0"/>
+              <a:t>Expected Results</a:t>
+            </a:r>
+          </a:p>
+          <a:p>
+            <a:r>
+              <a:rPr lang="en-US" dirty="0" smtClean="0"/>
               <a:t>Challenges</a:t>
             </a:r>
           </a:p>
           <a:p>
             <a:r>
-              <a:rPr lang="en-US" dirty="0" smtClean="0"/>
-              <a:t>Expected Results</a:t>
-            </a:r>
-          </a:p>
-          <a:p>
-            <a:r>
-              <a:rPr lang="en-US" dirty="0" smtClean="0"/>
-              <a:t>Questions/Comments</a:t>
-            </a:r>
-            <a:endParaRPr lang="en-US" dirty="0"/>
+              <a:rPr lang="en-US" smtClean="0"/>
+              <a:t>Timetable</a:t>
+            </a:r>
+            <a:endParaRPr lang="en-US" dirty="0" smtClean="0"/>
           </a:p>
         </p:txBody>
       </p:sp>
@@ -5448,6 +6884,13 @@
   <p:clrMapOvr>
     <a:masterClrMapping/>
   </p:clrMapOvr>
+  <p:timing>
+    <p:tnLst>
+      <p:par>
+        <p:cTn xmlns:p14="http://schemas.microsoft.com/office/powerpoint/2010/main" id="1" dur="indefinite" restart="never" nodeType="tmRoot"/>
+      </p:par>
+    </p:tnLst>
+  </p:timing>
 </p:sld>
 </file>
 
@@ -5483,7 +6926,11 @@
           <a:bodyPr/>
           <a:lstStyle/>
           <a:p>
-            <a:endParaRPr lang="en-US"/>
+            <a:r>
+              <a:rPr lang="en-US" dirty="0" smtClean="0"/>
+              <a:t>Literature</a:t>
+            </a:r>
+            <a:endParaRPr lang="en-US" dirty="0"/>
           </a:p>
         </p:txBody>
       </p:sp>
@@ -5502,39 +6949,7 @@
           <a:bodyPr/>
           <a:lstStyle/>
           <a:p>
-            <a:pPr marL="0" indent="0" algn="ctr">
-              <a:buNone/>
-            </a:pPr>
-            <a:endParaRPr lang="en-US" dirty="0" smtClean="0"/>
-          </a:p>
-          <a:p>
-            <a:pPr marL="0" indent="0" algn="ctr">
-              <a:buNone/>
-            </a:pPr>
-            <a:r>
-              <a:rPr lang="en-US" dirty="0" smtClean="0"/>
-              <a:t>Thank you for your attention!</a:t>
-            </a:r>
-          </a:p>
-          <a:p>
-            <a:pPr marL="0" indent="0" algn="ctr">
-              <a:buNone/>
-            </a:pPr>
-            <a:endParaRPr lang="en-US" dirty="0"/>
-          </a:p>
-          <a:p>
-            <a:pPr marL="0" indent="0" algn="ctr">
-              <a:buNone/>
-            </a:pPr>
-            <a:r>
-              <a:rPr lang="en-US" smtClean="0"/>
-              <a:t>Question time</a:t>
-            </a:r>
-            <a:r>
-              <a:rPr lang="en-US" dirty="0" smtClean="0"/>
-              <a:t>!</a:t>
-            </a:r>
-            <a:endParaRPr lang="en-US" dirty="0"/>
+            <a:endParaRPr lang="en-US"/>
           </a:p>
         </p:txBody>
       </p:sp>
@@ -5588,7 +7003,309 @@
     </p:spTree>
     <p:extLst>
       <p:ext uri="{BB962C8B-B14F-4D97-AF65-F5344CB8AC3E}">
+        <p14:creationId xmlns:p14="http://schemas.microsoft.com/office/powerpoint/2010/main" val="2184761379"/>
+      </p:ext>
+    </p:extLst>
+  </p:cSld>
+  <p:clrMapOvr>
+    <a:masterClrMapping/>
+  </p:clrMapOvr>
+</p:sld>
+</file>
+
+<file path=ppt/slides/slide21.xml><?xml version="1.0" encoding="utf-8"?>
+<p:sld xmlns:a="http://schemas.openxmlformats.org/drawingml/2006/main" xmlns:r="http://schemas.openxmlformats.org/officeDocument/2006/relationships" xmlns:p="http://schemas.openxmlformats.org/presentationml/2006/main">
+  <p:cSld>
+    <p:spTree>
+      <p:nvGrpSpPr>
+        <p:cNvPr id="1" name=""/>
+        <p:cNvGrpSpPr/>
+        <p:nvPr/>
+      </p:nvGrpSpPr>
+      <p:grpSpPr>
+        <a:xfrm>
+          <a:off x="0" y="0"/>
+          <a:ext cx="0" cy="0"/>
+          <a:chOff x="0" y="0"/>
+          <a:chExt cx="0" cy="0"/>
+        </a:xfrm>
+      </p:grpSpPr>
+      <p:sp>
+        <p:nvSpPr>
+          <p:cNvPr id="2" name="Title 1"/>
+          <p:cNvSpPr>
+            <a:spLocks noGrp="1"/>
+          </p:cNvSpPr>
+          <p:nvPr>
+            <p:ph type="title"/>
+          </p:nvPr>
+        </p:nvSpPr>
+        <p:spPr/>
+        <p:txBody>
+          <a:bodyPr/>
+          <a:lstStyle/>
+          <a:p>
+            <a:endParaRPr lang="en-US"/>
+          </a:p>
+        </p:txBody>
+      </p:sp>
+      <p:sp>
+        <p:nvSpPr>
+          <p:cNvPr id="3" name="Content Placeholder 2"/>
+          <p:cNvSpPr>
+            <a:spLocks noGrp="1"/>
+          </p:cNvSpPr>
+          <p:nvPr>
+            <p:ph idx="1"/>
+          </p:nvPr>
+        </p:nvSpPr>
+        <p:spPr/>
+        <p:txBody>
+          <a:bodyPr/>
+          <a:lstStyle/>
+          <a:p>
+            <a:pPr marL="0" indent="0" algn="ctr">
+              <a:buNone/>
+            </a:pPr>
+            <a:endParaRPr lang="en-US" dirty="0" smtClean="0"/>
+          </a:p>
+          <a:p>
+            <a:pPr marL="0" indent="0" algn="ctr">
+              <a:buNone/>
+            </a:pPr>
+            <a:r>
+              <a:rPr lang="en-US" dirty="0" smtClean="0"/>
+              <a:t>Thanks for your attention!</a:t>
+            </a:r>
+          </a:p>
+          <a:p>
+            <a:pPr marL="0" indent="0" algn="ctr">
+              <a:buNone/>
+            </a:pPr>
+            <a:endParaRPr lang="en-US" dirty="0"/>
+          </a:p>
+          <a:p>
+            <a:pPr marL="0" indent="0" algn="ctr">
+              <a:buNone/>
+            </a:pPr>
+            <a:r>
+              <a:rPr lang="en-US" dirty="0" smtClean="0"/>
+              <a:t>Question time!</a:t>
+            </a:r>
+            <a:endParaRPr lang="en-US" dirty="0"/>
+          </a:p>
+        </p:txBody>
+      </p:sp>
+      <p:sp>
+        <p:nvSpPr>
+          <p:cNvPr id="4" name="Footer Placeholder 3"/>
+          <p:cNvSpPr>
+            <a:spLocks noGrp="1"/>
+          </p:cNvSpPr>
+          <p:nvPr>
+            <p:ph type="ftr" sz="quarter" idx="11"/>
+          </p:nvPr>
+        </p:nvSpPr>
+        <p:spPr/>
+        <p:txBody>
+          <a:bodyPr/>
+          <a:lstStyle/>
+          <a:p>
+            <a:r>
+              <a:rPr lang="en-US" smtClean="0"/>
+              <a:t>MSc. Concept Presentation David Schenkel</a:t>
+            </a:r>
+            <a:endParaRPr lang="en-US"/>
+          </a:p>
+        </p:txBody>
+      </p:sp>
+      <p:sp>
+        <p:nvSpPr>
+          <p:cNvPr id="5" name="Slide Number Placeholder 4"/>
+          <p:cNvSpPr>
+            <a:spLocks noGrp="1"/>
+          </p:cNvSpPr>
+          <p:nvPr>
+            <p:ph type="sldNum" sz="quarter" idx="12"/>
+          </p:nvPr>
+        </p:nvSpPr>
+        <p:spPr/>
+        <p:txBody>
+          <a:bodyPr/>
+          <a:lstStyle/>
+          <a:p>
+            <a:fld id="{BA9B540C-44DA-4F69-89C9-7C84606640D3}" type="slidenum">
+              <a:rPr lang="en-US" smtClean="0"/>
+              <a:pPr/>
+              <a:t>21</a:t>
+            </a:fld>
+            <a:endParaRPr lang="en-US"/>
+          </a:p>
+        </p:txBody>
+      </p:sp>
+    </p:spTree>
+    <p:extLst>
+      <p:ext uri="{BB962C8B-B14F-4D97-AF65-F5344CB8AC3E}">
         <p14:creationId xmlns:p14="http://schemas.microsoft.com/office/powerpoint/2010/main" val="638810489"/>
+      </p:ext>
+    </p:extLst>
+  </p:cSld>
+  <p:clrMapOvr>
+    <a:masterClrMapping/>
+  </p:clrMapOvr>
+  <p:timing>
+    <p:tnLst>
+      <p:par>
+        <p:cTn xmlns:p14="http://schemas.microsoft.com/office/powerpoint/2010/main" id="1" dur="indefinite" restart="never" nodeType="tmRoot"/>
+      </p:par>
+    </p:tnLst>
+  </p:timing>
+</p:sld>
+</file>
+
+<file path=ppt/slides/slide22.xml><?xml version="1.0" encoding="utf-8"?>
+<p:sld xmlns:a="http://schemas.openxmlformats.org/drawingml/2006/main" xmlns:r="http://schemas.openxmlformats.org/officeDocument/2006/relationships" xmlns:p="http://schemas.openxmlformats.org/presentationml/2006/main">
+  <p:cSld>
+    <p:spTree>
+      <p:nvGrpSpPr>
+        <p:cNvPr id="1" name=""/>
+        <p:cNvGrpSpPr/>
+        <p:nvPr/>
+      </p:nvGrpSpPr>
+      <p:grpSpPr>
+        <a:xfrm>
+          <a:off x="0" y="0"/>
+          <a:ext cx="0" cy="0"/>
+          <a:chOff x="0" y="0"/>
+          <a:chExt cx="0" cy="0"/>
+        </a:xfrm>
+      </p:grpSpPr>
+      <p:sp>
+        <p:nvSpPr>
+          <p:cNvPr id="2" name="Title 1"/>
+          <p:cNvSpPr>
+            <a:spLocks noGrp="1"/>
+          </p:cNvSpPr>
+          <p:nvPr>
+            <p:ph type="title"/>
+          </p:nvPr>
+        </p:nvSpPr>
+        <p:spPr/>
+        <p:txBody>
+          <a:bodyPr/>
+          <a:lstStyle/>
+          <a:p>
+            <a:r>
+              <a:rPr lang="en-US" dirty="0" smtClean="0"/>
+              <a:t>MODIS! MODIS everywhere!</a:t>
+            </a:r>
+            <a:endParaRPr lang="en-US" dirty="0"/>
+          </a:p>
+        </p:txBody>
+      </p:sp>
+      <p:sp>
+        <p:nvSpPr>
+          <p:cNvPr id="3" name="Content Placeholder 2"/>
+          <p:cNvSpPr>
+            <a:spLocks noGrp="1"/>
+          </p:cNvSpPr>
+          <p:nvPr>
+            <p:ph idx="1"/>
+          </p:nvPr>
+        </p:nvSpPr>
+        <p:spPr/>
+        <p:txBody>
+          <a:bodyPr/>
+          <a:lstStyle/>
+          <a:p>
+            <a:r>
+              <a:rPr lang="en-US" dirty="0" smtClean="0"/>
+              <a:t>Why not compare LAI-re to widely used  MODIS LAI?</a:t>
+            </a:r>
+          </a:p>
+          <a:p>
+            <a:pPr lvl="1"/>
+            <a:r>
+              <a:rPr lang="en-US" dirty="0" smtClean="0"/>
+              <a:t>LAI-re and LAI3g both assimilated with MODIS LAI data</a:t>
+            </a:r>
+          </a:p>
+          <a:p>
+            <a:pPr lvl="1"/>
+            <a:r>
+              <a:rPr lang="en-US" dirty="0" smtClean="0"/>
+              <a:t>MODIS LAI has a smaller resolution – possible </a:t>
+            </a:r>
+            <a:r>
+              <a:rPr lang="en-US" dirty="0" err="1" smtClean="0"/>
+              <a:t>upscaling</a:t>
+            </a:r>
+            <a:r>
+              <a:rPr lang="en-US" dirty="0" smtClean="0"/>
+              <a:t> effects (introduces more uncertainty)</a:t>
+            </a:r>
+          </a:p>
+          <a:p>
+            <a:pPr lvl="1"/>
+            <a:endParaRPr lang="en-US" dirty="0" smtClean="0"/>
+          </a:p>
+          <a:p>
+            <a:pPr lvl="1"/>
+            <a:endParaRPr lang="en-US" dirty="0"/>
+          </a:p>
+        </p:txBody>
+      </p:sp>
+      <p:sp>
+        <p:nvSpPr>
+          <p:cNvPr id="4" name="Footer Placeholder 3"/>
+          <p:cNvSpPr>
+            <a:spLocks noGrp="1"/>
+          </p:cNvSpPr>
+          <p:nvPr>
+            <p:ph type="ftr" sz="quarter" idx="11"/>
+          </p:nvPr>
+        </p:nvSpPr>
+        <p:spPr/>
+        <p:txBody>
+          <a:bodyPr/>
+          <a:lstStyle/>
+          <a:p>
+            <a:r>
+              <a:rPr lang="en-US" smtClean="0"/>
+              <a:t>MSc. Concept Presentation David Schenkel</a:t>
+            </a:r>
+            <a:endParaRPr lang="en-US"/>
+          </a:p>
+        </p:txBody>
+      </p:sp>
+      <p:sp>
+        <p:nvSpPr>
+          <p:cNvPr id="5" name="Slide Number Placeholder 4"/>
+          <p:cNvSpPr>
+            <a:spLocks noGrp="1"/>
+          </p:cNvSpPr>
+          <p:nvPr>
+            <p:ph type="sldNum" sz="quarter" idx="12"/>
+          </p:nvPr>
+        </p:nvSpPr>
+        <p:spPr/>
+        <p:txBody>
+          <a:bodyPr/>
+          <a:lstStyle/>
+          <a:p>
+            <a:fld id="{BA9B540C-44DA-4F69-89C9-7C84606640D3}" type="slidenum">
+              <a:rPr lang="en-US" smtClean="0"/>
+              <a:pPr/>
+              <a:t>22</a:t>
+            </a:fld>
+            <a:endParaRPr lang="en-US"/>
+          </a:p>
+        </p:txBody>
+      </p:sp>
+    </p:spTree>
+    <p:extLst>
+      <p:ext uri="{BB962C8B-B14F-4D97-AF65-F5344CB8AC3E}">
+        <p14:creationId xmlns:p14="http://schemas.microsoft.com/office/powerpoint/2010/main" val="3441198559"/>
       </p:ext>
     </p:extLst>
   </p:cSld>
@@ -5627,18 +7344,18 @@
         </p:nvSpPr>
         <p:spPr/>
         <p:txBody>
-          <a:bodyPr/>
+          <a:bodyPr>
+            <a:normAutofit/>
+          </a:bodyPr>
           <a:lstStyle/>
           <a:p>
             <a:r>
               <a:rPr lang="en-GB" dirty="0"/>
-              <a:t>Land Surface Phenology</a:t>
-            </a:r>
-            <a:r>
-              <a:rPr lang="de-CH" dirty="0" smtClean="0">
-                <a:effectLst/>
-              </a:rPr>
-              <a:t> </a:t>
+              <a:t>Land Surface </a:t>
+            </a:r>
+            <a:r>
+              <a:rPr lang="en-GB" dirty="0" smtClean="0"/>
+              <a:t>Phenology</a:t>
             </a:r>
             <a:endParaRPr lang="en-US" dirty="0"/>
           </a:p>
@@ -5659,7 +7376,48 @@
           <a:bodyPr/>
           <a:lstStyle/>
           <a:p>
-            <a:endParaRPr lang="en-US"/>
+            <a:r>
+              <a:rPr lang="en-GB" dirty="0" smtClean="0"/>
+              <a:t>Phenology key regulator of ecosystems</a:t>
+            </a:r>
+          </a:p>
+          <a:p>
+            <a:r>
+              <a:rPr lang="en-GB" dirty="0" smtClean="0"/>
+              <a:t>Lots of research on </a:t>
+            </a:r>
+            <a:r>
+              <a:rPr lang="en-GB" dirty="0" smtClean="0"/>
+              <a:t>measured </a:t>
+            </a:r>
+            <a:r>
+              <a:rPr lang="en-GB" dirty="0" smtClean="0"/>
+              <a:t>and </a:t>
+            </a:r>
+            <a:r>
+              <a:rPr lang="en-GB" dirty="0" smtClean="0"/>
+              <a:t>modelled LSP</a:t>
+            </a:r>
+          </a:p>
+          <a:p>
+            <a:pPr lvl="1"/>
+            <a:r>
+              <a:rPr lang="en-GB" dirty="0" smtClean="0"/>
+              <a:t>NDVI/LAI trend analysis</a:t>
+            </a:r>
+          </a:p>
+          <a:p>
+            <a:r>
+              <a:rPr lang="en-GB" dirty="0" smtClean="0"/>
+              <a:t>Lots of research on impact of climate on phenology</a:t>
+            </a:r>
+          </a:p>
+          <a:p>
+            <a:r>
+              <a:rPr lang="en-GB" dirty="0" smtClean="0"/>
+              <a:t>Very little research on impact of climatic controls on LSP on global scales</a:t>
+            </a:r>
+            <a:endParaRPr lang="en-GB" dirty="0"/>
           </a:p>
         </p:txBody>
       </p:sp>
@@ -5679,10 +7437,14 @@
           <a:lstStyle/>
           <a:p>
             <a:r>
-              <a:rPr lang="en-US" smtClean="0"/>
-              <a:t>MSc. Concept Presentation David Schenkel</a:t>
-            </a:r>
-            <a:endParaRPr lang="en-US"/>
+              <a:rPr lang="en-US" dirty="0" smtClean="0"/>
+              <a:t>MSc. Concept Presentation David </a:t>
+            </a:r>
+            <a:r>
+              <a:rPr lang="en-US" dirty="0" err="1" smtClean="0"/>
+              <a:t>Schenkel</a:t>
+            </a:r>
+            <a:endParaRPr lang="en-US" dirty="0"/>
           </a:p>
         </p:txBody>
       </p:sp>
@@ -5710,6 +7472,102 @@
           </a:p>
         </p:txBody>
       </p:sp>
+      <p:grpSp>
+        <p:nvGrpSpPr>
+          <p:cNvPr id="9" name="Group 8"/>
+          <p:cNvGrpSpPr/>
+          <p:nvPr/>
+        </p:nvGrpSpPr>
+        <p:grpSpPr>
+          <a:xfrm>
+            <a:off x="0" y="0"/>
+            <a:ext cx="9144000" cy="384830"/>
+            <a:chOff x="0" y="0"/>
+            <a:chExt cx="9144000" cy="384830"/>
+          </a:xfrm>
+        </p:grpSpPr>
+        <p:sp>
+          <p:nvSpPr>
+            <p:cNvPr id="8" name="Rectangle 7"/>
+            <p:cNvSpPr/>
+            <p:nvPr/>
+          </p:nvSpPr>
+          <p:spPr>
+            <a:xfrm>
+              <a:off x="0" y="0"/>
+              <a:ext cx="9144000" cy="384830"/>
+            </a:xfrm>
+            <a:prstGeom prst="rect">
+              <a:avLst/>
+            </a:prstGeom>
+            <a:solidFill>
+              <a:schemeClr val="bg1">
+                <a:lumMod val="85000"/>
+              </a:schemeClr>
+            </a:solidFill>
+            <a:ln>
+              <a:noFill/>
+            </a:ln>
+            <a:effectLst/>
+          </p:spPr>
+          <p:style>
+            <a:lnRef idx="1">
+              <a:schemeClr val="accent1"/>
+            </a:lnRef>
+            <a:fillRef idx="3">
+              <a:schemeClr val="accent1"/>
+            </a:fillRef>
+            <a:effectRef idx="2">
+              <a:schemeClr val="accent1"/>
+            </a:effectRef>
+            <a:fontRef idx="minor">
+              <a:schemeClr val="lt1"/>
+            </a:fontRef>
+          </p:style>
+          <p:txBody>
+            <a:bodyPr rtlCol="0" anchor="ctr"/>
+            <a:lstStyle/>
+            <a:p>
+              <a:pPr algn="ctr"/>
+              <a:endParaRPr lang="en-US"/>
+            </a:p>
+          </p:txBody>
+        </p:sp>
+        <p:sp>
+          <p:nvSpPr>
+            <p:cNvPr id="7" name="TextBox 6"/>
+            <p:cNvSpPr txBox="1"/>
+            <p:nvPr/>
+          </p:nvSpPr>
+          <p:spPr>
+            <a:xfrm>
+              <a:off x="614933" y="13372"/>
+              <a:ext cx="7861873" cy="369332"/>
+            </a:xfrm>
+            <a:prstGeom prst="rect">
+              <a:avLst/>
+            </a:prstGeom>
+            <a:noFill/>
+          </p:spPr>
+          <p:txBody>
+            <a:bodyPr wrap="none" rtlCol="0">
+              <a:spAutoFit/>
+            </a:bodyPr>
+            <a:lstStyle/>
+            <a:p>
+              <a:r>
+                <a:rPr lang="en-US" b="1" dirty="0" smtClean="0"/>
+                <a:t>Introduction</a:t>
+              </a:r>
+              <a:r>
+                <a:rPr lang="en-US" dirty="0" smtClean="0"/>
+                <a:t> | Materials and Method | Expected Results | Challenges | Timetable</a:t>
+              </a:r>
+              <a:endParaRPr lang="en-US" dirty="0"/>
+            </a:p>
+          </p:txBody>
+        </p:sp>
+      </p:grpSp>
     </p:spTree>
     <p:extLst>
       <p:ext uri="{BB962C8B-B14F-4D97-AF65-F5344CB8AC3E}">
@@ -5720,6 +7578,13 @@
   <p:clrMapOvr>
     <a:masterClrMapping/>
   </p:clrMapOvr>
+  <p:timing>
+    <p:tnLst>
+      <p:par>
+        <p:cTn xmlns:p14="http://schemas.microsoft.com/office/powerpoint/2010/main" id="1" dur="indefinite" restart="never" nodeType="tmRoot"/>
+      </p:par>
+    </p:tnLst>
+  </p:timing>
 </p:sld>
 </file>
 
@@ -5759,11 +7624,11 @@
           <a:p>
             <a:r>
               <a:rPr lang="en-GB" dirty="0"/>
-              <a:t>Climatic Controls in the </a:t>
+              <a:t>Climatic </a:t>
             </a:r>
             <a:r>
               <a:rPr lang="en-GB" dirty="0" smtClean="0"/>
-              <a:t>LSP</a:t>
+              <a:t>Controls</a:t>
             </a:r>
             <a:endParaRPr lang="de-CH" dirty="0"/>
           </a:p>
@@ -5786,111 +7651,66 @@
           <a:p>
             <a:r>
               <a:rPr lang="en-GB" dirty="0" smtClean="0"/>
-              <a:t>Growing </a:t>
-            </a:r>
-            <a:r>
-              <a:rPr lang="en-GB" dirty="0"/>
-              <a:t>Season Index (Jolly 2005)</a:t>
-            </a:r>
-            <a:endParaRPr lang="de-CH" dirty="0"/>
-          </a:p>
-          <a:p>
-            <a:r>
-              <a:rPr lang="de-DE" dirty="0" err="1" smtClean="0"/>
-              <a:t>Based</a:t>
-            </a:r>
-            <a:r>
-              <a:rPr lang="de-DE" dirty="0" smtClean="0"/>
-              <a:t> </a:t>
-            </a:r>
-            <a:r>
-              <a:rPr lang="de-DE" dirty="0"/>
-              <a:t>on </a:t>
-            </a:r>
-            <a:r>
-              <a:rPr lang="de-DE" dirty="0" err="1"/>
-              <a:t>Temperature</a:t>
-            </a:r>
-            <a:r>
-              <a:rPr lang="de-DE" dirty="0"/>
-              <a:t>, </a:t>
-            </a:r>
-            <a:r>
-              <a:rPr lang="de-DE" dirty="0" err="1"/>
-              <a:t>Vapour</a:t>
-            </a:r>
-            <a:r>
-              <a:rPr lang="de-DE" dirty="0"/>
-              <a:t> </a:t>
-            </a:r>
-            <a:r>
-              <a:rPr lang="de-DE" dirty="0" err="1"/>
-              <a:t>Pressure</a:t>
-            </a:r>
-            <a:r>
-              <a:rPr lang="de-DE" dirty="0"/>
-              <a:t> </a:t>
-            </a:r>
-            <a:r>
-              <a:rPr lang="de-DE" dirty="0" err="1"/>
-              <a:t>Defficit</a:t>
-            </a:r>
-            <a:r>
-              <a:rPr lang="de-DE" dirty="0"/>
-              <a:t> (VPD) </a:t>
-            </a:r>
-            <a:r>
-              <a:rPr lang="de-DE" dirty="0" err="1"/>
-              <a:t>and</a:t>
-            </a:r>
-            <a:r>
-              <a:rPr lang="de-DE" dirty="0"/>
-              <a:t> </a:t>
-            </a:r>
-            <a:r>
-              <a:rPr lang="de-DE" dirty="0" err="1"/>
-              <a:t>photoperiod</a:t>
-            </a:r>
-            <a:endParaRPr lang="de-CH" dirty="0"/>
-          </a:p>
-          <a:p>
-            <a:r>
-              <a:rPr lang="de-DE" dirty="0" err="1" smtClean="0"/>
-              <a:t>Very</a:t>
-            </a:r>
-            <a:r>
-              <a:rPr lang="de-DE" dirty="0" smtClean="0"/>
-              <a:t> </a:t>
-            </a:r>
-            <a:r>
-              <a:rPr lang="de-DE" dirty="0"/>
-              <a:t>simple linear </a:t>
-            </a:r>
-            <a:r>
-              <a:rPr lang="de-DE" dirty="0" err="1"/>
-              <a:t>relationships</a:t>
-            </a:r>
-            <a:r>
-              <a:rPr lang="de-DE" dirty="0"/>
-              <a:t> </a:t>
-            </a:r>
-            <a:r>
-              <a:rPr lang="de-DE" dirty="0" err="1"/>
-              <a:t>and</a:t>
-            </a:r>
-            <a:r>
-              <a:rPr lang="de-DE" dirty="0"/>
-              <a:t> </a:t>
-            </a:r>
-            <a:r>
-              <a:rPr lang="de-DE" dirty="0" err="1"/>
-              <a:t>thresholds</a:t>
-            </a:r>
-            <a:r>
-              <a:rPr lang="de-DE" dirty="0"/>
-              <a:t> </a:t>
-            </a:r>
-            <a:endParaRPr lang="de-CH" dirty="0"/>
+              <a:t>Jolly’s (2005) Growing Season Index</a:t>
+            </a:r>
+          </a:p>
+          <a:p>
+            <a:pPr lvl="1"/>
+            <a:r>
+              <a:rPr lang="en-GB" dirty="0" smtClean="0"/>
+              <a:t>Based on </a:t>
+            </a:r>
+            <a:r>
+              <a:rPr lang="en-GB" dirty="0" err="1" smtClean="0"/>
+              <a:t>T</a:t>
+            </a:r>
+            <a:r>
+              <a:rPr lang="en-GB" baseline="-25000" dirty="0" err="1" smtClean="0"/>
+              <a:t>min</a:t>
+            </a:r>
+            <a:r>
+              <a:rPr lang="en-GB" dirty="0" smtClean="0"/>
+              <a:t>, Vapour Pressure Deficit (VPD) and photoperiod</a:t>
+            </a:r>
+          </a:p>
+          <a:p>
+            <a:pPr lvl="1"/>
+            <a:r>
+              <a:rPr lang="en-GB" dirty="0" smtClean="0"/>
+              <a:t>Simple linear relationships and thresholds</a:t>
+            </a:r>
+          </a:p>
+          <a:p>
+            <a:pPr lvl="1"/>
+            <a:r>
+              <a:rPr lang="en-GB" i="1" dirty="0" smtClean="0"/>
+              <a:t>GSI = </a:t>
+            </a:r>
+            <a:r>
+              <a:rPr lang="en-GB" i="1" dirty="0" err="1" smtClean="0"/>
+              <a:t>iT</a:t>
+            </a:r>
+            <a:r>
+              <a:rPr lang="en-GB" i="1" baseline="-25000" dirty="0" err="1" smtClean="0"/>
+              <a:t>min</a:t>
+            </a:r>
+            <a:r>
+              <a:rPr lang="en-GB" i="1" dirty="0" smtClean="0"/>
+              <a:t> * </a:t>
+            </a:r>
+            <a:r>
+              <a:rPr lang="en-GB" i="1" dirty="0" err="1"/>
+              <a:t>i</a:t>
+            </a:r>
+            <a:r>
+              <a:rPr lang="en-GB" i="1" dirty="0" err="1" smtClean="0"/>
+              <a:t>VPD</a:t>
+            </a:r>
+            <a:r>
+              <a:rPr lang="en-GB" i="1" dirty="0" smtClean="0"/>
+              <a:t> * iPhoto</a:t>
+            </a:r>
+            <a:endParaRPr lang="en-GB" i="1" dirty="0"/>
           </a:p>
         </p:txBody>
       </p:sp>
@@ -5941,6 +7761,222 @@
           </a:p>
         </p:txBody>
       </p:sp>
+      <p:pic>
+        <p:nvPicPr>
+          <p:cNvPr id="6" name="Picture 5" descr="jolly-R.png"/>
+          <p:cNvPicPr>
+            <a:picLocks noChangeAspect="1"/>
+          </p:cNvPicPr>
+          <p:nvPr/>
+        </p:nvPicPr>
+        <p:blipFill>
+          <a:blip r:embed="rId2">
+            <a:extLst>
+              <a:ext uri="{28A0092B-C50C-407E-A947-70E740481C1C}">
+                <a14:useLocalDpi xmlns:a14="http://schemas.microsoft.com/office/drawing/2010/main" val="0"/>
+              </a:ext>
+            </a:extLst>
+          </a:blip>
+          <a:stretch>
+            <a:fillRect/>
+          </a:stretch>
+        </p:blipFill>
+        <p:spPr>
+          <a:xfrm>
+            <a:off x="5801706" y="4329843"/>
+            <a:ext cx="2753065" cy="2026507"/>
+          </a:xfrm>
+          <a:prstGeom prst="rect">
+            <a:avLst/>
+          </a:prstGeom>
+        </p:spPr>
+      </p:pic>
+      <p:pic>
+        <p:nvPicPr>
+          <p:cNvPr id="7" name="Picture 6" descr="jolly-VPD.png"/>
+          <p:cNvPicPr>
+            <a:picLocks noChangeAspect="1"/>
+          </p:cNvPicPr>
+          <p:nvPr/>
+        </p:nvPicPr>
+        <p:blipFill>
+          <a:blip r:embed="rId3">
+            <a:extLst>
+              <a:ext uri="{28A0092B-C50C-407E-A947-70E740481C1C}">
+                <a14:useLocalDpi xmlns:a14="http://schemas.microsoft.com/office/drawing/2010/main" val="0"/>
+              </a:ext>
+            </a:extLst>
+          </a:blip>
+          <a:stretch>
+            <a:fillRect/>
+          </a:stretch>
+        </p:blipFill>
+        <p:spPr>
+          <a:xfrm>
+            <a:off x="3124200" y="4329843"/>
+            <a:ext cx="2740610" cy="2026507"/>
+          </a:xfrm>
+          <a:prstGeom prst="rect">
+            <a:avLst/>
+          </a:prstGeom>
+        </p:spPr>
+      </p:pic>
+      <p:pic>
+        <p:nvPicPr>
+          <p:cNvPr id="8" name="Picture 7" descr="jolly-T.png"/>
+          <p:cNvPicPr>
+            <a:picLocks noChangeAspect="1"/>
+          </p:cNvPicPr>
+          <p:nvPr/>
+        </p:nvPicPr>
+        <p:blipFill>
+          <a:blip r:embed="rId4">
+            <a:extLst>
+              <a:ext uri="{28A0092B-C50C-407E-A947-70E740481C1C}">
+                <a14:useLocalDpi xmlns:a14="http://schemas.microsoft.com/office/drawing/2010/main" val="0"/>
+              </a:ext>
+            </a:extLst>
+          </a:blip>
+          <a:stretch>
+            <a:fillRect/>
+          </a:stretch>
+        </p:blipFill>
+        <p:spPr>
+          <a:xfrm>
+            <a:off x="382083" y="4329843"/>
+            <a:ext cx="2764462" cy="2026507"/>
+          </a:xfrm>
+          <a:prstGeom prst="rect">
+            <a:avLst/>
+          </a:prstGeom>
+        </p:spPr>
+      </p:pic>
+      <p:sp>
+        <p:nvSpPr>
+          <p:cNvPr id="10" name="TextBox 9"/>
+          <p:cNvSpPr txBox="1"/>
+          <p:nvPr/>
+        </p:nvSpPr>
+        <p:spPr>
+          <a:xfrm>
+            <a:off x="542547" y="6217850"/>
+            <a:ext cx="1147520" cy="276999"/>
+          </a:xfrm>
+          <a:prstGeom prst="rect">
+            <a:avLst/>
+          </a:prstGeom>
+          <a:noFill/>
+        </p:spPr>
+        <p:txBody>
+          <a:bodyPr wrap="none" rtlCol="0">
+            <a:spAutoFit/>
+          </a:bodyPr>
+          <a:lstStyle/>
+          <a:p>
+            <a:r>
+              <a:rPr lang="en-US" sz="1200" dirty="0" smtClean="0"/>
+              <a:t>Jolly et al. 2005</a:t>
+            </a:r>
+            <a:endParaRPr lang="en-US" sz="1200" dirty="0"/>
+          </a:p>
+        </p:txBody>
+      </p:sp>
+      <p:grpSp>
+        <p:nvGrpSpPr>
+          <p:cNvPr id="11" name="Group 10"/>
+          <p:cNvGrpSpPr/>
+          <p:nvPr/>
+        </p:nvGrpSpPr>
+        <p:grpSpPr>
+          <a:xfrm>
+            <a:off x="0" y="0"/>
+            <a:ext cx="9144000" cy="384830"/>
+            <a:chOff x="0" y="0"/>
+            <a:chExt cx="9144000" cy="384830"/>
+          </a:xfrm>
+        </p:grpSpPr>
+        <p:sp>
+          <p:nvSpPr>
+            <p:cNvPr id="12" name="Rectangle 11"/>
+            <p:cNvSpPr/>
+            <p:nvPr/>
+          </p:nvSpPr>
+          <p:spPr>
+            <a:xfrm>
+              <a:off x="0" y="0"/>
+              <a:ext cx="9144000" cy="384830"/>
+            </a:xfrm>
+            <a:prstGeom prst="rect">
+              <a:avLst/>
+            </a:prstGeom>
+            <a:solidFill>
+              <a:schemeClr val="bg1">
+                <a:lumMod val="85000"/>
+              </a:schemeClr>
+            </a:solidFill>
+            <a:ln>
+              <a:noFill/>
+            </a:ln>
+            <a:effectLst/>
+          </p:spPr>
+          <p:style>
+            <a:lnRef idx="1">
+              <a:schemeClr val="accent1"/>
+            </a:lnRef>
+            <a:fillRef idx="3">
+              <a:schemeClr val="accent1"/>
+            </a:fillRef>
+            <a:effectRef idx="2">
+              <a:schemeClr val="accent1"/>
+            </a:effectRef>
+            <a:fontRef idx="minor">
+              <a:schemeClr val="lt1"/>
+            </a:fontRef>
+          </p:style>
+          <p:txBody>
+            <a:bodyPr rtlCol="0" anchor="ctr"/>
+            <a:lstStyle/>
+            <a:p>
+              <a:pPr algn="ctr"/>
+              <a:endParaRPr lang="en-US"/>
+            </a:p>
+          </p:txBody>
+        </p:sp>
+        <p:sp>
+          <p:nvSpPr>
+            <p:cNvPr id="13" name="TextBox 12"/>
+            <p:cNvSpPr txBox="1"/>
+            <p:nvPr/>
+          </p:nvSpPr>
+          <p:spPr>
+            <a:xfrm>
+              <a:off x="614933" y="13372"/>
+              <a:ext cx="7861873" cy="369332"/>
+            </a:xfrm>
+            <a:prstGeom prst="rect">
+              <a:avLst/>
+            </a:prstGeom>
+            <a:noFill/>
+          </p:spPr>
+          <p:txBody>
+            <a:bodyPr wrap="none" rtlCol="0">
+              <a:spAutoFit/>
+            </a:bodyPr>
+            <a:lstStyle/>
+            <a:p>
+              <a:r>
+                <a:rPr lang="en-US" b="1" dirty="0" smtClean="0"/>
+                <a:t>Introduction</a:t>
+              </a:r>
+              <a:r>
+                <a:rPr lang="en-US" dirty="0" smtClean="0"/>
+                <a:t> | Materials and Method | Expected Results | Challenges | Timetable</a:t>
+              </a:r>
+              <a:endParaRPr lang="en-US" dirty="0"/>
+            </a:p>
+          </p:txBody>
+        </p:sp>
+      </p:grpSp>
     </p:spTree>
     <p:extLst>
       <p:ext uri="{BB962C8B-B14F-4D97-AF65-F5344CB8AC3E}">
@@ -5951,6 +7987,13 @@
   <p:clrMapOvr>
     <a:masterClrMapping/>
   </p:clrMapOvr>
+  <p:timing>
+    <p:tnLst>
+      <p:par>
+        <p:cTn xmlns:p14="http://schemas.microsoft.com/office/powerpoint/2010/main" id="1" dur="indefinite" restart="never" nodeType="tmRoot"/>
+      </p:par>
+    </p:tnLst>
+  </p:timing>
 </p:sld>
 </file>
 
@@ -5983,12 +8026,14 @@
         </p:nvSpPr>
         <p:spPr/>
         <p:txBody>
-          <a:bodyPr/>
-          <a:lstStyle/>
-          <a:p>
-            <a:r>
-              <a:rPr lang="en-US" dirty="0" smtClean="0"/>
-              <a:t>LAI Reanalysis</a:t>
+          <a:bodyPr>
+            <a:normAutofit/>
+          </a:bodyPr>
+          <a:lstStyle/>
+          <a:p>
+            <a:r>
+              <a:rPr lang="en-GB" dirty="0" smtClean="0"/>
+              <a:t>Research Questions</a:t>
             </a:r>
             <a:endParaRPr lang="en-US" dirty="0"/>
           </a:p>
@@ -6007,30 +8052,38 @@
         <p:spPr/>
         <p:txBody>
           <a:bodyPr>
-            <a:normAutofit lnSpcReduction="10000"/>
+            <a:normAutofit/>
           </a:bodyPr>
           <a:lstStyle/>
           <a:p>
             <a:pPr lvl="0"/>
             <a:r>
-              <a:rPr lang="en-GB" b="1" dirty="0"/>
-              <a:t>Modelled</a:t>
+              <a:rPr lang="en-GB" dirty="0" smtClean="0"/>
+              <a:t>How </a:t>
             </a:r>
             <a:r>
               <a:rPr lang="en-GB" dirty="0"/>
-              <a:t> LAI based on GSI,  Plant Functional Type (PFT) and elevation </a:t>
+              <a:t>does </a:t>
             </a:r>
             <a:r>
               <a:rPr lang="en-GB" dirty="0" smtClean="0"/>
-              <a:t>classes (</a:t>
-            </a:r>
-            <a:r>
-              <a:rPr lang="en-GB" dirty="0" err="1" smtClean="0"/>
-              <a:t>Stöckli</a:t>
+              <a:t>a modelled LAI </a:t>
+            </a:r>
+            <a:r>
+              <a:rPr lang="en-GB" dirty="0"/>
+              <a:t>compare to </a:t>
             </a:r>
             <a:r>
               <a:rPr lang="en-GB" dirty="0" smtClean="0"/>
-              <a:t> et al. 2011)</a:t>
+              <a:t>a remotely sensed LAI? (How) Do </a:t>
+            </a:r>
+            <a:r>
+              <a:rPr lang="en-GB" dirty="0"/>
+              <a:t>they </a:t>
+            </a:r>
+            <a:r>
+              <a:rPr lang="en-GB" dirty="0" smtClean="0"/>
+              <a:t>differ? </a:t>
             </a:r>
             <a:endParaRPr lang="de-CH" dirty="0"/>
           </a:p>
@@ -6038,7 +8091,19 @@
             <a:pPr lvl="0"/>
             <a:r>
               <a:rPr lang="en-GB" dirty="0"/>
-              <a:t>Prediction assimilated with 10 years of MODIS LAI and FPAR data</a:t>
+              <a:t>How do climatic controls </a:t>
+            </a:r>
+            <a:r>
+              <a:rPr lang="en-GB" dirty="0" smtClean="0"/>
+              <a:t>impact </a:t>
+            </a:r>
+            <a:r>
+              <a:rPr lang="en-GB" dirty="0"/>
+              <a:t>different </a:t>
+            </a:r>
+            <a:r>
+              <a:rPr lang="en-GB" dirty="0" smtClean="0"/>
+              <a:t>regions over time?</a:t>
             </a:r>
             <a:endParaRPr lang="de-CH" dirty="0"/>
           </a:p>
@@ -6046,35 +8111,8 @@
             <a:pPr lvl="0"/>
             <a:r>
               <a:rPr lang="en-GB" dirty="0"/>
-              <a:t>50 years of global LAI &amp; FPAR data (1 </a:t>
-            </a:r>
-            <a:r>
-              <a:rPr lang="en-GB" dirty="0" err="1"/>
-              <a:t>deg</a:t>
-            </a:r>
-            <a:r>
-              <a:rPr lang="en-GB" dirty="0"/>
-              <a:t> resolution)</a:t>
-            </a:r>
-            <a:endParaRPr lang="de-CH" dirty="0"/>
-          </a:p>
-          <a:p>
-            <a:pPr lvl="0"/>
-            <a:r>
-              <a:rPr lang="en-GB" dirty="0"/>
-              <a:t>32 years of global LAI &amp; FPAR data (0.5 </a:t>
-            </a:r>
-            <a:r>
-              <a:rPr lang="en-GB" dirty="0" err="1"/>
-              <a:t>deg</a:t>
-            </a:r>
-            <a:r>
-              <a:rPr lang="en-GB" dirty="0"/>
-              <a:t> resolution)</a:t>
-            </a:r>
-            <a:endParaRPr lang="de-CH" dirty="0"/>
-          </a:p>
-          <a:p>
+              <a:t>(How) do changes in LSP depend on changes in climatic controls? </a:t>
+            </a:r>
             <a:endParaRPr lang="de-CH" dirty="0"/>
           </a:p>
           <a:p>
@@ -6129,16 +8167,122 @@
           </a:p>
         </p:txBody>
       </p:sp>
+      <p:grpSp>
+        <p:nvGrpSpPr>
+          <p:cNvPr id="6" name="Group 5"/>
+          <p:cNvGrpSpPr/>
+          <p:nvPr/>
+        </p:nvGrpSpPr>
+        <p:grpSpPr>
+          <a:xfrm>
+            <a:off x="0" y="0"/>
+            <a:ext cx="9144000" cy="384830"/>
+            <a:chOff x="0" y="0"/>
+            <a:chExt cx="9144000" cy="384830"/>
+          </a:xfrm>
+        </p:grpSpPr>
+        <p:sp>
+          <p:nvSpPr>
+            <p:cNvPr id="7" name="Rectangle 6"/>
+            <p:cNvSpPr/>
+            <p:nvPr/>
+          </p:nvSpPr>
+          <p:spPr>
+            <a:xfrm>
+              <a:off x="0" y="0"/>
+              <a:ext cx="9144000" cy="384830"/>
+            </a:xfrm>
+            <a:prstGeom prst="rect">
+              <a:avLst/>
+            </a:prstGeom>
+            <a:solidFill>
+              <a:schemeClr val="bg1">
+                <a:lumMod val="85000"/>
+              </a:schemeClr>
+            </a:solidFill>
+            <a:ln>
+              <a:noFill/>
+            </a:ln>
+            <a:effectLst/>
+          </p:spPr>
+          <p:style>
+            <a:lnRef idx="1">
+              <a:schemeClr val="accent1"/>
+            </a:lnRef>
+            <a:fillRef idx="3">
+              <a:schemeClr val="accent1"/>
+            </a:fillRef>
+            <a:effectRef idx="2">
+              <a:schemeClr val="accent1"/>
+            </a:effectRef>
+            <a:fontRef idx="minor">
+              <a:schemeClr val="lt1"/>
+            </a:fontRef>
+          </p:style>
+          <p:txBody>
+            <a:bodyPr rtlCol="0" anchor="ctr"/>
+            <a:lstStyle/>
+            <a:p>
+              <a:pPr algn="ctr"/>
+              <a:endParaRPr lang="en-US"/>
+            </a:p>
+          </p:txBody>
+        </p:sp>
+        <p:sp>
+          <p:nvSpPr>
+            <p:cNvPr id="8" name="TextBox 7"/>
+            <p:cNvSpPr txBox="1"/>
+            <p:nvPr/>
+          </p:nvSpPr>
+          <p:spPr>
+            <a:xfrm>
+              <a:off x="614933" y="13372"/>
+              <a:ext cx="7840608" cy="369332"/>
+            </a:xfrm>
+            <a:prstGeom prst="rect">
+              <a:avLst/>
+            </a:prstGeom>
+            <a:noFill/>
+          </p:spPr>
+          <p:txBody>
+            <a:bodyPr wrap="none" rtlCol="0">
+              <a:spAutoFit/>
+            </a:bodyPr>
+            <a:lstStyle/>
+            <a:p>
+              <a:r>
+                <a:rPr lang="en-US" b="1" dirty="0" smtClean="0"/>
+                <a:t>Introduction</a:t>
+              </a:r>
+              <a:r>
+                <a:rPr lang="en-US" dirty="0" smtClean="0"/>
+                <a:t> | Materials and Method | Expected Results | Challenges | </a:t>
+              </a:r>
+              <a:r>
+                <a:rPr lang="en-US" dirty="0"/>
+                <a:t>Timetable</a:t>
+              </a:r>
+            </a:p>
+          </p:txBody>
+        </p:sp>
+      </p:grpSp>
     </p:spTree>
     <p:extLst>
       <p:ext uri="{BB962C8B-B14F-4D97-AF65-F5344CB8AC3E}">
-        <p14:creationId xmlns:p14="http://schemas.microsoft.com/office/powerpoint/2010/main" val="731536536"/>
+        <p14:creationId xmlns:p14="http://schemas.microsoft.com/office/powerpoint/2010/main" val="3696580849"/>
       </p:ext>
     </p:extLst>
   </p:cSld>
   <p:clrMapOvr>
     <a:masterClrMapping/>
   </p:clrMapOvr>
+  <p:timing>
+    <p:tnLst>
+      <p:par>
+        <p:cTn xmlns:p14="http://schemas.microsoft.com/office/powerpoint/2010/main" id="1" dur="indefinite" restart="never" nodeType="tmRoot"/>
+      </p:par>
+    </p:tnLst>
+  </p:timing>
 </p:sld>
 </file>
 
@@ -6171,14 +8315,12 @@
         </p:nvSpPr>
         <p:spPr/>
         <p:txBody>
-          <a:bodyPr>
-            <a:normAutofit/>
-          </a:bodyPr>
-          <a:lstStyle/>
-          <a:p>
-            <a:r>
-              <a:rPr lang="en-GB" dirty="0" smtClean="0"/>
-              <a:t>How plausible is LAI-re?</a:t>
+          <a:bodyPr/>
+          <a:lstStyle/>
+          <a:p>
+            <a:r>
+              <a:rPr lang="en-US" dirty="0" smtClean="0"/>
+              <a:t>Contents</a:t>
             </a:r>
             <a:endParaRPr lang="en-US" dirty="0"/>
           </a:p>
@@ -6199,38 +8341,36 @@
           <a:bodyPr/>
           <a:lstStyle/>
           <a:p>
-            <a:pPr lvl="0"/>
-            <a:r>
-              <a:rPr lang="en-GB" dirty="0" smtClean="0"/>
-              <a:t>Comparison </a:t>
-            </a:r>
-            <a:r>
-              <a:rPr lang="en-GB" dirty="0"/>
-              <a:t>to an established LAI product is needed</a:t>
-            </a:r>
-            <a:endParaRPr lang="de-CH" dirty="0"/>
-          </a:p>
-          <a:p>
-            <a:pPr lvl="0"/>
-            <a:r>
-              <a:rPr lang="en-GB" dirty="0"/>
-              <a:t>LAI3g is the newest iteration of the AVHRR GIMMS </a:t>
-            </a:r>
-            <a:r>
-              <a:rPr lang="en-GB" dirty="0" err="1"/>
-              <a:t>timeseries</a:t>
-            </a:r>
-            <a:endParaRPr lang="de-CH" dirty="0"/>
-          </a:p>
-          <a:p>
-            <a:pPr lvl="0"/>
-            <a:r>
-              <a:rPr lang="en-GB" dirty="0"/>
-              <a:t>LAI3g computed with remotely sensed NDVI3g and MODIS LAI and FPAR neural network</a:t>
-            </a:r>
-            <a:endParaRPr lang="de-CH" dirty="0"/>
-          </a:p>
-          <a:p>
+            <a:r>
+              <a:rPr lang="en-US" dirty="0" smtClean="0"/>
+              <a:t>Introduction</a:t>
+            </a:r>
+          </a:p>
+          <a:p>
+            <a:r>
+              <a:rPr lang="en-US" b="1" dirty="0" smtClean="0"/>
+              <a:t>Materials and Methods</a:t>
+            </a:r>
+            <a:endParaRPr lang="en-US" dirty="0" smtClean="0"/>
+          </a:p>
+          <a:p>
+            <a:r>
+              <a:rPr lang="en-US" dirty="0" smtClean="0"/>
+              <a:t>Expected Results</a:t>
+            </a:r>
+          </a:p>
+          <a:p>
+            <a:r>
+              <a:rPr lang="en-US" dirty="0"/>
+              <a:t>Challenges</a:t>
+            </a:r>
+            <a:endParaRPr lang="en-US" dirty="0" smtClean="0"/>
+          </a:p>
+          <a:p>
+            <a:r>
+              <a:rPr lang="en-US" dirty="0"/>
+              <a:t>Timetable</a:t>
+            </a:r>
             <a:endParaRPr lang="en-US" dirty="0"/>
           </a:p>
         </p:txBody>
@@ -6285,13 +8425,20 @@
     </p:spTree>
     <p:extLst>
       <p:ext uri="{BB962C8B-B14F-4D97-AF65-F5344CB8AC3E}">
-        <p14:creationId xmlns:p14="http://schemas.microsoft.com/office/powerpoint/2010/main" val="1173314887"/>
+        <p14:creationId xmlns:p14="http://schemas.microsoft.com/office/powerpoint/2010/main" val="4020068410"/>
       </p:ext>
     </p:extLst>
   </p:cSld>
   <p:clrMapOvr>
     <a:masterClrMapping/>
   </p:clrMapOvr>
+  <p:timing>
+    <p:tnLst>
+      <p:par>
+        <p:cTn xmlns:p14="http://schemas.microsoft.com/office/powerpoint/2010/main" id="1" dur="indefinite" restart="never" nodeType="tmRoot"/>
+      </p:par>
+    </p:tnLst>
+  </p:timing>
 </p:sld>
 </file>
 
@@ -6331,7 +8478,7 @@
           <a:p>
             <a:r>
               <a:rPr lang="en-GB" dirty="0" smtClean="0"/>
-              <a:t>Research Questions</a:t>
+              <a:t>Data &amp; Data Pre-Processing</a:t>
             </a:r>
             <a:endParaRPr lang="en-US" dirty="0"/>
           </a:p>
@@ -6350,55 +8497,116 @@
         <p:spPr/>
         <p:txBody>
           <a:bodyPr>
-            <a:normAutofit/>
+            <a:normAutofit fontScale="70000" lnSpcReduction="20000"/>
           </a:bodyPr>
           <a:lstStyle/>
           <a:p>
+            <a:pPr marL="0" indent="0">
+              <a:buNone/>
+            </a:pPr>
+            <a:r>
+              <a:rPr lang="en-GB" i="1" dirty="0" smtClean="0"/>
+              <a:t>Available data</a:t>
+            </a:r>
+            <a:endParaRPr lang="de-CH" dirty="0" smtClean="0"/>
+          </a:p>
+          <a:p>
             <a:pPr lvl="0"/>
             <a:r>
               <a:rPr lang="en-GB" dirty="0" smtClean="0"/>
-              <a:t>How </a:t>
-            </a:r>
-            <a:r>
-              <a:rPr lang="en-GB" dirty="0"/>
-              <a:t>does the LAI-re compare to the LAI3g dataset? </a:t>
-            </a:r>
+              <a:t>LAI3g </a:t>
+            </a:r>
+          </a:p>
+          <a:p>
+            <a:pPr lvl="1"/>
             <a:r>
               <a:rPr lang="en-GB" dirty="0" smtClean="0"/>
-              <a:t>(How) Do </a:t>
-            </a:r>
-            <a:r>
-              <a:rPr lang="en-GB" dirty="0"/>
-              <a:t>they </a:t>
-            </a:r>
+              <a:t>Based on AVHRR/GIMMS NDVI3g </a:t>
+            </a:r>
+          </a:p>
+          <a:p>
+            <a:pPr lvl="1"/>
             <a:r>
               <a:rPr lang="en-GB" dirty="0" smtClean="0"/>
-              <a:t>differ? </a:t>
+              <a:t>30 years (1982-2011) of global, 15-day composite LAI data</a:t>
+            </a:r>
+          </a:p>
+          <a:p>
+            <a:pPr lvl="1"/>
+            <a:r>
+              <a:rPr lang="en-GB" dirty="0" smtClean="0"/>
+              <a:t>spatial resolution: </a:t>
+            </a:r>
+            <a:r>
+              <a:rPr lang="en-GB" baseline="30000" dirty="0" smtClean="0"/>
+              <a:t>1</a:t>
+            </a:r>
+            <a:r>
+              <a:rPr lang="en-GB" dirty="0" smtClean="0"/>
+              <a:t>/</a:t>
+            </a:r>
+            <a:r>
+              <a:rPr lang="en-GB" baseline="-25000" dirty="0" smtClean="0"/>
+              <a:t>12</a:t>
+            </a:r>
+            <a:r>
+              <a:rPr lang="en-GB" dirty="0" smtClean="0"/>
+              <a:t> degree</a:t>
+            </a:r>
+          </a:p>
+          <a:p>
+            <a:pPr lvl="0"/>
+            <a:r>
+              <a:rPr lang="en-GB" dirty="0" smtClean="0"/>
+              <a:t>LAI-re </a:t>
+            </a:r>
+          </a:p>
+          <a:p>
+            <a:pPr lvl="1"/>
+            <a:r>
+              <a:rPr lang="en-GB" dirty="0" smtClean="0"/>
+              <a:t>Modelled</a:t>
+            </a:r>
+          </a:p>
+          <a:p>
+            <a:pPr lvl="1"/>
+            <a:r>
+              <a:rPr lang="en-GB" dirty="0" smtClean="0"/>
+              <a:t>33 years (1980-2012) of global, daily LAI and climatic control data</a:t>
+            </a:r>
+          </a:p>
+          <a:p>
+            <a:pPr lvl="1"/>
+            <a:r>
+              <a:rPr lang="en-GB" dirty="0" smtClean="0"/>
+              <a:t>spatial resolution ½ degree</a:t>
+            </a:r>
+          </a:p>
+          <a:p>
+            <a:pPr marL="0" lvl="0" indent="0">
+              <a:buNone/>
+            </a:pPr>
+            <a:r>
+              <a:rPr lang="en-GB" i="1" dirty="0" smtClean="0"/>
+              <a:t>Pre-Processing:</a:t>
+            </a:r>
+            <a:endParaRPr lang="de-CH" dirty="0" smtClean="0"/>
+          </a:p>
+          <a:p>
+            <a:pPr lvl="0"/>
+            <a:r>
+              <a:rPr lang="en-GB" dirty="0" smtClean="0"/>
+              <a:t>Resize LAI3g to fit LAI-re resolution</a:t>
+            </a:r>
+            <a:endParaRPr lang="de-CH" dirty="0" smtClean="0"/>
+          </a:p>
+          <a:p>
+            <a:pPr lvl="0"/>
+            <a:r>
+              <a:rPr lang="en-GB" dirty="0" smtClean="0"/>
+              <a:t>Resample temporal frequency of LAI-re (daily) to fit LAI3g (15 day composites)</a:t>
             </a:r>
             <a:endParaRPr lang="de-CH" dirty="0"/>
-          </a:p>
-          <a:p>
-            <a:pPr lvl="0"/>
-            <a:r>
-              <a:rPr lang="en-GB" dirty="0"/>
-              <a:t>How do climatic controls (temperature, VPD) impact different </a:t>
-            </a:r>
-            <a:r>
-              <a:rPr lang="en-GB" dirty="0" smtClean="0"/>
-              <a:t>regions over time?</a:t>
-            </a:r>
-            <a:endParaRPr lang="de-CH" dirty="0"/>
-          </a:p>
-          <a:p>
-            <a:pPr lvl="0"/>
-            <a:r>
-              <a:rPr lang="en-GB" dirty="0"/>
-              <a:t>(How) do changes in LSP depend on changes in climatic controls? </a:t>
-            </a:r>
-            <a:endParaRPr lang="de-CH" dirty="0"/>
-          </a:p>
-          <a:p>
-            <a:endParaRPr lang="en-US" dirty="0"/>
           </a:p>
         </p:txBody>
       </p:sp>
@@ -6449,16 +8657,126 @@
           </a:p>
         </p:txBody>
       </p:sp>
+      <p:grpSp>
+        <p:nvGrpSpPr>
+          <p:cNvPr id="6" name="Group 5"/>
+          <p:cNvGrpSpPr/>
+          <p:nvPr/>
+        </p:nvGrpSpPr>
+        <p:grpSpPr>
+          <a:xfrm>
+            <a:off x="0" y="0"/>
+            <a:ext cx="9144000" cy="384830"/>
+            <a:chOff x="0" y="0"/>
+            <a:chExt cx="9144000" cy="384830"/>
+          </a:xfrm>
+        </p:grpSpPr>
+        <p:sp>
+          <p:nvSpPr>
+            <p:cNvPr id="7" name="Rectangle 6"/>
+            <p:cNvSpPr/>
+            <p:nvPr/>
+          </p:nvSpPr>
+          <p:spPr>
+            <a:xfrm>
+              <a:off x="0" y="0"/>
+              <a:ext cx="9144000" cy="384830"/>
+            </a:xfrm>
+            <a:prstGeom prst="rect">
+              <a:avLst/>
+            </a:prstGeom>
+            <a:solidFill>
+              <a:schemeClr val="bg1">
+                <a:lumMod val="85000"/>
+              </a:schemeClr>
+            </a:solidFill>
+            <a:ln>
+              <a:noFill/>
+            </a:ln>
+            <a:effectLst/>
+          </p:spPr>
+          <p:style>
+            <a:lnRef idx="1">
+              <a:schemeClr val="accent1"/>
+            </a:lnRef>
+            <a:fillRef idx="3">
+              <a:schemeClr val="accent1"/>
+            </a:fillRef>
+            <a:effectRef idx="2">
+              <a:schemeClr val="accent1"/>
+            </a:effectRef>
+            <a:fontRef idx="minor">
+              <a:schemeClr val="lt1"/>
+            </a:fontRef>
+          </p:style>
+          <p:txBody>
+            <a:bodyPr rtlCol="0" anchor="ctr"/>
+            <a:lstStyle/>
+            <a:p>
+              <a:pPr algn="ctr"/>
+              <a:endParaRPr lang="en-US"/>
+            </a:p>
+          </p:txBody>
+        </p:sp>
+        <p:sp>
+          <p:nvSpPr>
+            <p:cNvPr id="8" name="TextBox 7"/>
+            <p:cNvSpPr txBox="1"/>
+            <p:nvPr/>
+          </p:nvSpPr>
+          <p:spPr>
+            <a:xfrm>
+              <a:off x="614933" y="13372"/>
+              <a:ext cx="7840608" cy="369332"/>
+            </a:xfrm>
+            <a:prstGeom prst="rect">
+              <a:avLst/>
+            </a:prstGeom>
+            <a:noFill/>
+          </p:spPr>
+          <p:txBody>
+            <a:bodyPr wrap="none" rtlCol="0">
+              <a:spAutoFit/>
+            </a:bodyPr>
+            <a:lstStyle/>
+            <a:p>
+              <a:r>
+                <a:rPr lang="en-US" dirty="0" smtClean="0"/>
+                <a:t>Introduction | </a:t>
+              </a:r>
+              <a:r>
+                <a:rPr lang="en-US" b="1" dirty="0" smtClean="0"/>
+                <a:t>Materials and Method</a:t>
+              </a:r>
+              <a:r>
+                <a:rPr lang="en-US" dirty="0" smtClean="0"/>
+                <a:t> | Expected Results | Challenges | </a:t>
+              </a:r>
+              <a:r>
+                <a:rPr lang="en-US" dirty="0"/>
+                <a:t>Timetable</a:t>
+              </a:r>
+            </a:p>
+          </p:txBody>
+        </p:sp>
+      </p:grpSp>
     </p:spTree>
     <p:extLst>
       <p:ext uri="{BB962C8B-B14F-4D97-AF65-F5344CB8AC3E}">
-        <p14:creationId xmlns:p14="http://schemas.microsoft.com/office/powerpoint/2010/main" val="3696580849"/>
+        <p14:creationId xmlns:p14="http://schemas.microsoft.com/office/powerpoint/2010/main" val="514367902"/>
       </p:ext>
     </p:extLst>
   </p:cSld>
   <p:clrMapOvr>
     <a:masterClrMapping/>
   </p:clrMapOvr>
+  <p:timing>
+    <p:tnLst>
+      <p:par>
+        <p:cTn xmlns:p14="http://schemas.microsoft.com/office/powerpoint/2010/main" id="1" dur="indefinite" restart="never" nodeType="tmRoot"/>
+      </p:par>
+    </p:tnLst>
+  </p:timing>
 </p:sld>
 </file>
 
@@ -6496,7 +8814,11 @@
           <a:p>
             <a:r>
               <a:rPr lang="en-US" dirty="0" smtClean="0"/>
-              <a:t>Content</a:t>
+              <a:t>LAI </a:t>
+            </a:r>
+            <a:r>
+              <a:rPr lang="en-US" dirty="0" err="1" smtClean="0"/>
+              <a:t>Reanalysed</a:t>
             </a:r>
             <a:endParaRPr lang="en-US" dirty="0"/>
           </a:p>
@@ -6514,42 +8836,64 @@
         </p:nvSpPr>
         <p:spPr/>
         <p:txBody>
-          <a:bodyPr/>
-          <a:lstStyle/>
-          <a:p>
-            <a:r>
-              <a:rPr lang="en-US" dirty="0" smtClean="0"/>
-              <a:t>Introduction</a:t>
-            </a:r>
-          </a:p>
-          <a:p>
-            <a:r>
-              <a:rPr lang="en-US" b="1" dirty="0" smtClean="0"/>
-              <a:t>Materials and Methods</a:t>
-            </a:r>
-          </a:p>
-          <a:p>
-            <a:r>
-              <a:rPr lang="en-US" dirty="0" smtClean="0"/>
-              <a:t>Challenges</a:t>
-            </a:r>
-          </a:p>
-          <a:p>
-            <a:r>
-              <a:rPr lang="en-US" dirty="0" smtClean="0"/>
-              <a:t>Expected Results</a:t>
-            </a:r>
-          </a:p>
-          <a:p>
-            <a:r>
-              <a:rPr lang="en-US" dirty="0" smtClean="0"/>
-              <a:t>Questions/Comments</a:t>
-            </a:r>
+          <a:bodyPr>
+            <a:normAutofit/>
+          </a:bodyPr>
+          <a:lstStyle/>
+          <a:p>
+            <a:pPr lvl="0"/>
+            <a:r>
+              <a:rPr lang="en-GB" dirty="0" err="1" smtClean="0"/>
+              <a:t>Stöckli</a:t>
+            </a:r>
+            <a:r>
+              <a:rPr lang="en-GB" dirty="0" smtClean="0"/>
+              <a:t> et al. (2011) </a:t>
+            </a:r>
+            <a:r>
+              <a:rPr lang="en-GB" b="1" dirty="0" smtClean="0"/>
+              <a:t>modelled</a:t>
+            </a:r>
+            <a:r>
+              <a:rPr lang="en-GB" dirty="0" smtClean="0"/>
+              <a:t> </a:t>
+            </a:r>
+            <a:r>
+              <a:rPr lang="en-GB" dirty="0"/>
+              <a:t>LAI based on GSI,  Plant Functional Type (PFT) and elevation </a:t>
+            </a:r>
+            <a:r>
+              <a:rPr lang="en-GB" dirty="0" smtClean="0"/>
+              <a:t>classes</a:t>
+            </a:r>
+          </a:p>
+          <a:p>
+            <a:pPr lvl="0"/>
+            <a:r>
+              <a:rPr lang="en-GB" dirty="0" smtClean="0"/>
+              <a:t>Uses reanalysed meteorological data for T, VPD, incoming radiation</a:t>
+            </a:r>
+            <a:endParaRPr lang="de-CH" dirty="0"/>
+          </a:p>
+          <a:p>
+            <a:pPr lvl="0"/>
+            <a:r>
+              <a:rPr lang="en-GB" dirty="0" smtClean="0"/>
+              <a:t>Model assimilated </a:t>
+            </a:r>
+            <a:r>
+              <a:rPr lang="en-GB" dirty="0"/>
+              <a:t>with 10 years of MODIS LAI and FPAR data</a:t>
+            </a:r>
+            <a:endParaRPr lang="de-CH" dirty="0"/>
           </a:p>
           <a:p>
             <a:pPr marL="0" indent="0">
               <a:buNone/>
             </a:pPr>
+            <a:endParaRPr lang="de-CH" dirty="0"/>
+          </a:p>
+          <a:p>
             <a:endParaRPr lang="en-US" dirty="0"/>
           </a:p>
         </p:txBody>
@@ -6601,16 +8945,126 @@
           </a:p>
         </p:txBody>
       </p:sp>
+      <p:grpSp>
+        <p:nvGrpSpPr>
+          <p:cNvPr id="6" name="Group 5"/>
+          <p:cNvGrpSpPr/>
+          <p:nvPr/>
+        </p:nvGrpSpPr>
+        <p:grpSpPr>
+          <a:xfrm>
+            <a:off x="0" y="0"/>
+            <a:ext cx="9144000" cy="384830"/>
+            <a:chOff x="0" y="0"/>
+            <a:chExt cx="9144000" cy="384830"/>
+          </a:xfrm>
+        </p:grpSpPr>
+        <p:sp>
+          <p:nvSpPr>
+            <p:cNvPr id="7" name="Rectangle 6"/>
+            <p:cNvSpPr/>
+            <p:nvPr/>
+          </p:nvSpPr>
+          <p:spPr>
+            <a:xfrm>
+              <a:off x="0" y="0"/>
+              <a:ext cx="9144000" cy="384830"/>
+            </a:xfrm>
+            <a:prstGeom prst="rect">
+              <a:avLst/>
+            </a:prstGeom>
+            <a:solidFill>
+              <a:schemeClr val="bg1">
+                <a:lumMod val="85000"/>
+              </a:schemeClr>
+            </a:solidFill>
+            <a:ln>
+              <a:noFill/>
+            </a:ln>
+            <a:effectLst/>
+          </p:spPr>
+          <p:style>
+            <a:lnRef idx="1">
+              <a:schemeClr val="accent1"/>
+            </a:lnRef>
+            <a:fillRef idx="3">
+              <a:schemeClr val="accent1"/>
+            </a:fillRef>
+            <a:effectRef idx="2">
+              <a:schemeClr val="accent1"/>
+            </a:effectRef>
+            <a:fontRef idx="minor">
+              <a:schemeClr val="lt1"/>
+            </a:fontRef>
+          </p:style>
+          <p:txBody>
+            <a:bodyPr rtlCol="0" anchor="ctr"/>
+            <a:lstStyle/>
+            <a:p>
+              <a:pPr algn="ctr"/>
+              <a:endParaRPr lang="en-US"/>
+            </a:p>
+          </p:txBody>
+        </p:sp>
+        <p:sp>
+          <p:nvSpPr>
+            <p:cNvPr id="8" name="TextBox 7"/>
+            <p:cNvSpPr txBox="1"/>
+            <p:nvPr/>
+          </p:nvSpPr>
+          <p:spPr>
+            <a:xfrm>
+              <a:off x="614933" y="13372"/>
+              <a:ext cx="7840608" cy="369332"/>
+            </a:xfrm>
+            <a:prstGeom prst="rect">
+              <a:avLst/>
+            </a:prstGeom>
+            <a:noFill/>
+          </p:spPr>
+          <p:txBody>
+            <a:bodyPr wrap="none" rtlCol="0">
+              <a:spAutoFit/>
+            </a:bodyPr>
+            <a:lstStyle/>
+            <a:p>
+              <a:r>
+                <a:rPr lang="en-US" dirty="0" smtClean="0"/>
+                <a:t>Introduction | </a:t>
+              </a:r>
+              <a:r>
+                <a:rPr lang="en-US" b="1" dirty="0" smtClean="0"/>
+                <a:t>Materials and Method</a:t>
+              </a:r>
+              <a:r>
+                <a:rPr lang="en-US" dirty="0" smtClean="0"/>
+                <a:t> | Expected Results | Challenges | </a:t>
+              </a:r>
+              <a:r>
+                <a:rPr lang="en-US" dirty="0"/>
+                <a:t>Timetable</a:t>
+              </a:r>
+            </a:p>
+          </p:txBody>
+        </p:sp>
+      </p:grpSp>
     </p:spTree>
     <p:extLst>
       <p:ext uri="{BB962C8B-B14F-4D97-AF65-F5344CB8AC3E}">
-        <p14:creationId xmlns:p14="http://schemas.microsoft.com/office/powerpoint/2010/main" val="4020068410"/>
+        <p14:creationId xmlns:p14="http://schemas.microsoft.com/office/powerpoint/2010/main" val="731536536"/>
       </p:ext>
     </p:extLst>
   </p:cSld>
   <p:clrMapOvr>
     <a:masterClrMapping/>
   </p:clrMapOvr>
+  <p:timing>
+    <p:tnLst>
+      <p:par>
+        <p:cTn xmlns:p14="http://schemas.microsoft.com/office/powerpoint/2010/main" id="1" dur="indefinite" restart="never" nodeType="tmRoot"/>
+      </p:par>
+    </p:tnLst>
+  </p:timing>
 </p:sld>
 </file>
 
@@ -6641,98 +9095,23 @@
             <p:ph type="title"/>
           </p:nvPr>
         </p:nvSpPr>
-        <p:spPr/>
+        <p:spPr>
+          <a:xfrm>
+            <a:off x="457200" y="341478"/>
+            <a:ext cx="8229600" cy="549094"/>
+          </a:xfrm>
+        </p:spPr>
         <p:txBody>
           <a:bodyPr>
-            <a:normAutofit/>
+            <a:normAutofit fontScale="90000"/>
           </a:bodyPr>
           <a:lstStyle/>
           <a:p>
             <a:r>
-              <a:rPr lang="en-GB" dirty="0" smtClean="0"/>
-              <a:t>Data &amp; Data preparation 1/2</a:t>
+              <a:rPr lang="en-US" dirty="0" smtClean="0"/>
+              <a:t>Example: LAI-re for 18 April 2001</a:t>
             </a:r>
             <a:endParaRPr lang="en-US" dirty="0"/>
-          </a:p>
-        </p:txBody>
-      </p:sp>
-      <p:sp>
-        <p:nvSpPr>
-          <p:cNvPr id="3" name="Content Placeholder 2"/>
-          <p:cNvSpPr>
-            <a:spLocks noGrp="1"/>
-          </p:cNvSpPr>
-          <p:nvPr>
-            <p:ph idx="1"/>
-          </p:nvPr>
-        </p:nvSpPr>
-        <p:spPr/>
-        <p:txBody>
-          <a:bodyPr>
-            <a:normAutofit fontScale="85000" lnSpcReduction="10000"/>
-          </a:bodyPr>
-          <a:lstStyle/>
-          <a:p>
-            <a:r>
-              <a:rPr lang="en-GB" i="1" dirty="0" smtClean="0"/>
-              <a:t>Available </a:t>
-            </a:r>
-            <a:r>
-              <a:rPr lang="en-GB" i="1" dirty="0"/>
-              <a:t>data</a:t>
-            </a:r>
-            <a:endParaRPr lang="de-CH" dirty="0"/>
-          </a:p>
-          <a:p>
-            <a:pPr lvl="0"/>
-            <a:r>
-              <a:rPr lang="en-GB" dirty="0"/>
-              <a:t>LAI3g: 30 years (1982-2011) of global, 15-day composite LAI data (spatial resolution: 1/12 degree)</a:t>
-            </a:r>
-            <a:endParaRPr lang="de-CH" dirty="0"/>
-          </a:p>
-          <a:p>
-            <a:pPr lvl="0"/>
-            <a:r>
-              <a:rPr lang="en-GB" dirty="0"/>
-              <a:t>LAI-re: 33 years (1980-2012) of global, daily LAI and climatic control data</a:t>
-            </a:r>
-            <a:r>
-              <a:rPr lang="en-GB" b="1" dirty="0"/>
-              <a:t> </a:t>
-            </a:r>
-            <a:r>
-              <a:rPr lang="en-GB" dirty="0"/>
-              <a:t>(spatial resolution ½ degree)</a:t>
-            </a:r>
-            <a:r>
-              <a:rPr lang="en-GB" b="1" dirty="0"/>
-              <a:t/>
-            </a:r>
-            <a:br>
-              <a:rPr lang="en-GB" b="1" dirty="0"/>
-            </a:br>
-            <a:r>
-              <a:rPr lang="en-GB" i="1" dirty="0"/>
-              <a:t>Preparation:</a:t>
-            </a:r>
-            <a:endParaRPr lang="de-CH" dirty="0"/>
-          </a:p>
-          <a:p>
-            <a:pPr lvl="0"/>
-            <a:r>
-              <a:rPr lang="en-GB" dirty="0"/>
-              <a:t>Resize LAI3g to fit LAI-re resolution (1/2 degree, bilinear)</a:t>
-            </a:r>
-            <a:endParaRPr lang="de-CH" dirty="0"/>
-          </a:p>
-          <a:p>
-            <a:pPr lvl="0"/>
-            <a:r>
-              <a:rPr lang="en-GB" dirty="0"/>
-              <a:t>resample temporal frequency of LAI-re (daily) to fit LAI3g (15 day composites)</a:t>
-            </a:r>
-            <a:endParaRPr lang="de-CH" dirty="0"/>
           </a:p>
         </p:txBody>
       </p:sp>
@@ -6783,16 +9162,246 @@
           </a:p>
         </p:txBody>
       </p:sp>
+      <p:pic>
+        <p:nvPicPr>
+          <p:cNvPr id="12" name="Picture 11"/>
+          <p:cNvPicPr>
+            <a:picLocks noChangeAspect="1"/>
+          </p:cNvPicPr>
+          <p:nvPr/>
+        </p:nvPicPr>
+        <p:blipFill>
+          <a:blip r:embed="rId3">
+            <a:extLst>
+              <a:ext uri="{28A0092B-C50C-407E-A947-70E740481C1C}">
+                <a14:useLocalDpi xmlns:a14="http://schemas.microsoft.com/office/drawing/2010/main" val="0"/>
+              </a:ext>
+            </a:extLst>
+          </a:blip>
+          <a:stretch>
+            <a:fillRect/>
+          </a:stretch>
+        </p:blipFill>
+        <p:spPr>
+          <a:xfrm>
+            <a:off x="236696" y="903319"/>
+            <a:ext cx="4273873" cy="2797444"/>
+          </a:xfrm>
+          <a:prstGeom prst="rect">
+            <a:avLst/>
+          </a:prstGeom>
+        </p:spPr>
+      </p:pic>
+      <p:pic>
+        <p:nvPicPr>
+          <p:cNvPr id="13" name="Picture 12"/>
+          <p:cNvPicPr>
+            <a:picLocks noChangeAspect="1"/>
+          </p:cNvPicPr>
+          <p:nvPr/>
+        </p:nvPicPr>
+        <p:blipFill>
+          <a:blip r:embed="rId4">
+            <a:extLst>
+              <a:ext uri="{28A0092B-C50C-407E-A947-70E740481C1C}">
+                <a14:useLocalDpi xmlns:a14="http://schemas.microsoft.com/office/drawing/2010/main" val="0"/>
+              </a:ext>
+            </a:extLst>
+          </a:blip>
+          <a:stretch>
+            <a:fillRect/>
+          </a:stretch>
+        </p:blipFill>
+        <p:spPr>
+          <a:xfrm>
+            <a:off x="288663" y="3705769"/>
+            <a:ext cx="4279514" cy="2801136"/>
+          </a:xfrm>
+          <a:prstGeom prst="rect">
+            <a:avLst/>
+          </a:prstGeom>
+        </p:spPr>
+      </p:pic>
+      <p:pic>
+        <p:nvPicPr>
+          <p:cNvPr id="14" name="Picture 13"/>
+          <p:cNvPicPr>
+            <a:picLocks noChangeAspect="1"/>
+          </p:cNvPicPr>
+          <p:nvPr/>
+        </p:nvPicPr>
+        <p:blipFill>
+          <a:blip r:embed="rId5">
+            <a:extLst>
+              <a:ext uri="{28A0092B-C50C-407E-A947-70E740481C1C}">
+                <a14:useLocalDpi xmlns:a14="http://schemas.microsoft.com/office/drawing/2010/main" val="0"/>
+              </a:ext>
+            </a:extLst>
+          </a:blip>
+          <a:stretch>
+            <a:fillRect/>
+          </a:stretch>
+        </p:blipFill>
+        <p:spPr>
+          <a:xfrm>
+            <a:off x="4533386" y="903319"/>
+            <a:ext cx="4266436" cy="2792577"/>
+          </a:xfrm>
+          <a:prstGeom prst="rect">
+            <a:avLst/>
+          </a:prstGeom>
+        </p:spPr>
+      </p:pic>
+      <p:pic>
+        <p:nvPicPr>
+          <p:cNvPr id="15" name="Picture 14"/>
+          <p:cNvPicPr>
+            <a:picLocks noChangeAspect="1"/>
+          </p:cNvPicPr>
+          <p:nvPr/>
+        </p:nvPicPr>
+        <p:blipFill>
+          <a:blip r:embed="rId6">
+            <a:extLst>
+              <a:ext uri="{28A0092B-C50C-407E-A947-70E740481C1C}">
+                <a14:useLocalDpi xmlns:a14="http://schemas.microsoft.com/office/drawing/2010/main" val="0"/>
+              </a:ext>
+            </a:extLst>
+          </a:blip>
+          <a:stretch>
+            <a:fillRect/>
+          </a:stretch>
+        </p:blipFill>
+        <p:spPr>
+          <a:xfrm>
+            <a:off x="4568175" y="3711697"/>
+            <a:ext cx="4288224" cy="2806837"/>
+          </a:xfrm>
+          <a:prstGeom prst="rect">
+            <a:avLst/>
+          </a:prstGeom>
+        </p:spPr>
+      </p:pic>
+      <p:grpSp>
+        <p:nvGrpSpPr>
+          <p:cNvPr id="9" name="Group 8"/>
+          <p:cNvGrpSpPr/>
+          <p:nvPr/>
+        </p:nvGrpSpPr>
+        <p:grpSpPr>
+          <a:xfrm>
+            <a:off x="0" y="0"/>
+            <a:ext cx="9144000" cy="384830"/>
+            <a:chOff x="0" y="0"/>
+            <a:chExt cx="9144000" cy="384830"/>
+          </a:xfrm>
+        </p:grpSpPr>
+        <p:sp>
+          <p:nvSpPr>
+            <p:cNvPr id="10" name="Rectangle 9"/>
+            <p:cNvSpPr/>
+            <p:nvPr/>
+          </p:nvSpPr>
+          <p:spPr>
+            <a:xfrm>
+              <a:off x="0" y="0"/>
+              <a:ext cx="9144000" cy="384830"/>
+            </a:xfrm>
+            <a:prstGeom prst="rect">
+              <a:avLst/>
+            </a:prstGeom>
+            <a:solidFill>
+              <a:schemeClr val="bg1">
+                <a:lumMod val="85000"/>
+              </a:schemeClr>
+            </a:solidFill>
+            <a:ln>
+              <a:noFill/>
+            </a:ln>
+            <a:effectLst/>
+          </p:spPr>
+          <p:style>
+            <a:lnRef idx="1">
+              <a:schemeClr val="accent1"/>
+            </a:lnRef>
+            <a:fillRef idx="3">
+              <a:schemeClr val="accent1"/>
+            </a:fillRef>
+            <a:effectRef idx="2">
+              <a:schemeClr val="accent1"/>
+            </a:effectRef>
+            <a:fontRef idx="minor">
+              <a:schemeClr val="lt1"/>
+            </a:fontRef>
+          </p:style>
+          <p:txBody>
+            <a:bodyPr rtlCol="0" anchor="ctr"/>
+            <a:lstStyle/>
+            <a:p>
+              <a:pPr algn="ctr"/>
+              <a:endParaRPr lang="en-US"/>
+            </a:p>
+          </p:txBody>
+        </p:sp>
+        <p:sp>
+          <p:nvSpPr>
+            <p:cNvPr id="11" name="TextBox 10"/>
+            <p:cNvSpPr txBox="1"/>
+            <p:nvPr/>
+          </p:nvSpPr>
+          <p:spPr>
+            <a:xfrm>
+              <a:off x="614933" y="13372"/>
+              <a:ext cx="7840608" cy="369332"/>
+            </a:xfrm>
+            <a:prstGeom prst="rect">
+              <a:avLst/>
+            </a:prstGeom>
+            <a:noFill/>
+          </p:spPr>
+          <p:txBody>
+            <a:bodyPr wrap="none" rtlCol="0">
+              <a:spAutoFit/>
+            </a:bodyPr>
+            <a:lstStyle/>
+            <a:p>
+              <a:r>
+                <a:rPr lang="en-US" dirty="0" smtClean="0"/>
+                <a:t>Introduction | </a:t>
+              </a:r>
+              <a:r>
+                <a:rPr lang="en-US" b="1" dirty="0" smtClean="0"/>
+                <a:t>Materials and Method</a:t>
+              </a:r>
+              <a:r>
+                <a:rPr lang="en-US" dirty="0" smtClean="0"/>
+                <a:t> | Expected Results | Challenges | </a:t>
+              </a:r>
+              <a:r>
+                <a:rPr lang="en-US" dirty="0"/>
+                <a:t>Timetable</a:t>
+              </a:r>
+            </a:p>
+          </p:txBody>
+        </p:sp>
+      </p:grpSp>
     </p:spTree>
     <p:extLst>
       <p:ext uri="{BB962C8B-B14F-4D97-AF65-F5344CB8AC3E}">
-        <p14:creationId xmlns:p14="http://schemas.microsoft.com/office/powerpoint/2010/main" val="514367902"/>
+        <p14:creationId xmlns:p14="http://schemas.microsoft.com/office/powerpoint/2010/main" val="1148264446"/>
       </p:ext>
     </p:extLst>
   </p:cSld>
   <p:clrMapOvr>
     <a:masterClrMapping/>
   </p:clrMapOvr>
+  <p:timing>
+    <p:tnLst>
+      <p:par>
+        <p:cTn xmlns:p14="http://schemas.microsoft.com/office/powerpoint/2010/main" id="1" dur="indefinite" restart="never" nodeType="tmRoot"/>
+      </p:par>
+    </p:tnLst>
+  </p:timing>
 </p:sld>
 </file>
 

--- a/concept_presentation.pptx
+++ b/concept_presentation.pptx
@@ -6553,25 +6553,6 @@
       </p:sp>
       <p:sp>
         <p:nvSpPr>
-          <p:cNvPr id="3" name="Content Placeholder 2"/>
-          <p:cNvSpPr>
-            <a:spLocks noGrp="1"/>
-          </p:cNvSpPr>
-          <p:nvPr>
-            <p:ph idx="1"/>
-          </p:nvPr>
-        </p:nvSpPr>
-        <p:spPr/>
-        <p:txBody>
-          <a:bodyPr/>
-          <a:lstStyle/>
-          <a:p>
-            <a:endParaRPr lang="en-US"/>
-          </a:p>
-        </p:txBody>
-      </p:sp>
-      <p:sp>
-        <p:nvSpPr>
           <p:cNvPr id="4" name="Footer Placeholder 3"/>
           <p:cNvSpPr>
             <a:spLocks noGrp="1"/>
@@ -6720,6 +6701,2967 @@
           </p:txBody>
         </p:sp>
       </p:grpSp>
+      <p:graphicFrame>
+        <p:nvGraphicFramePr>
+          <p:cNvPr id="11" name="Content Placeholder 10"/>
+          <p:cNvGraphicFramePr>
+            <a:graphicFrameLocks noGrp="1"/>
+          </p:cNvGraphicFramePr>
+          <p:nvPr>
+            <p:ph idx="1"/>
+            <p:extLst>
+              <p:ext uri="{D42A27DB-BD31-4B8C-83A1-F6EECF244321}">
+                <p14:modId xmlns:p14="http://schemas.microsoft.com/office/powerpoint/2010/main" val="4130062099"/>
+              </p:ext>
+            </p:extLst>
+          </p:nvPr>
+        </p:nvGraphicFramePr>
+        <p:xfrm>
+          <a:off x="614934" y="1128080"/>
+          <a:ext cx="7840607" cy="5228270"/>
+        </p:xfrm>
+        <a:graphic>
+          <a:graphicData uri="http://schemas.openxmlformats.org/drawingml/2006/table">
+            <a:tbl>
+              <a:tblPr/>
+              <a:tblGrid>
+                <a:gridCol w="1149275"/>
+                <a:gridCol w="4609868"/>
+                <a:gridCol w="2081464"/>
+              </a:tblGrid>
+              <a:tr h="128541">
+                <a:tc>
+                  <a:txBody>
+                    <a:bodyPr/>
+                    <a:lstStyle/>
+                    <a:p>
+                      <a:pPr algn="l" fontAlgn="b"/>
+                      <a:r>
+                        <a:rPr lang="en-US" sz="1600" b="1" i="0" u="none" strike="noStrike" dirty="0">
+                          <a:solidFill>
+                            <a:srgbClr val="000000"/>
+                          </a:solidFill>
+                          <a:effectLst/>
+                          <a:latin typeface="Calibri"/>
+                        </a:rPr>
+                        <a:t>Month</a:t>
+                      </a:r>
+                    </a:p>
+                  </a:txBody>
+                  <a:tcPr marL="7801" marR="7801" marT="7801" marB="0" anchor="b">
+                    <a:lnL w="6350" cap="flat" cmpd="sng" algn="ctr">
+                      <a:solidFill>
+                        <a:srgbClr val="000000"/>
+                      </a:solidFill>
+                      <a:prstDash val="solid"/>
+                      <a:round/>
+                      <a:headEnd type="none" w="med" len="med"/>
+                      <a:tailEnd type="none" w="med" len="med"/>
+                    </a:lnL>
+                    <a:lnR w="6350" cap="flat" cmpd="sng" algn="ctr">
+                      <a:solidFill>
+                        <a:srgbClr val="000000"/>
+                      </a:solidFill>
+                      <a:prstDash val="solid"/>
+                      <a:round/>
+                      <a:headEnd type="none" w="med" len="med"/>
+                      <a:tailEnd type="none" w="med" len="med"/>
+                    </a:lnR>
+                    <a:lnT w="6350" cap="flat" cmpd="sng" algn="ctr">
+                      <a:solidFill>
+                        <a:srgbClr val="000000"/>
+                      </a:solidFill>
+                      <a:prstDash val="solid"/>
+                      <a:round/>
+                      <a:headEnd type="none" w="med" len="med"/>
+                      <a:tailEnd type="none" w="med" len="med"/>
+                    </a:lnT>
+                    <a:lnB w="6350" cap="flat" cmpd="sng" algn="ctr">
+                      <a:solidFill>
+                        <a:srgbClr val="000000"/>
+                      </a:solidFill>
+                      <a:prstDash val="solid"/>
+                      <a:round/>
+                      <a:headEnd type="none" w="med" len="med"/>
+                      <a:tailEnd type="none" w="med" len="med"/>
+                    </a:lnB>
+                    <a:solidFill>
+                      <a:srgbClr val="D9D9D9"/>
+                    </a:solidFill>
+                  </a:tcPr>
+                </a:tc>
+                <a:tc>
+                  <a:txBody>
+                    <a:bodyPr/>
+                    <a:lstStyle/>
+                    <a:p>
+                      <a:pPr algn="l" fontAlgn="ctr"/>
+                      <a:r>
+                        <a:rPr lang="en-US" sz="1600" b="1" i="0" u="none" strike="noStrike" dirty="0">
+                          <a:solidFill>
+                            <a:srgbClr val="000000"/>
+                          </a:solidFill>
+                          <a:effectLst/>
+                          <a:latin typeface="Calibri"/>
+                        </a:rPr>
+                        <a:t>Tasks</a:t>
+                      </a:r>
+                    </a:p>
+                  </a:txBody>
+                  <a:tcPr marL="7801" marR="7801" marT="7801" marB="0" anchor="ctr">
+                    <a:lnL w="6350" cap="flat" cmpd="sng" algn="ctr">
+                      <a:solidFill>
+                        <a:srgbClr val="000000"/>
+                      </a:solidFill>
+                      <a:prstDash val="solid"/>
+                      <a:round/>
+                      <a:headEnd type="none" w="med" len="med"/>
+                      <a:tailEnd type="none" w="med" len="med"/>
+                    </a:lnL>
+                    <a:lnR w="6350" cap="flat" cmpd="sng" algn="ctr">
+                      <a:solidFill>
+                        <a:srgbClr val="000000"/>
+                      </a:solidFill>
+                      <a:prstDash val="solid"/>
+                      <a:round/>
+                      <a:headEnd type="none" w="med" len="med"/>
+                      <a:tailEnd type="none" w="med" len="med"/>
+                    </a:lnR>
+                    <a:lnT w="6350" cap="flat" cmpd="sng" algn="ctr">
+                      <a:solidFill>
+                        <a:srgbClr val="000000"/>
+                      </a:solidFill>
+                      <a:prstDash val="solid"/>
+                      <a:round/>
+                      <a:headEnd type="none" w="med" len="med"/>
+                      <a:tailEnd type="none" w="med" len="med"/>
+                    </a:lnT>
+                    <a:lnB w="6350" cap="flat" cmpd="sng" algn="ctr">
+                      <a:solidFill>
+                        <a:srgbClr val="000000"/>
+                      </a:solidFill>
+                      <a:prstDash val="solid"/>
+                      <a:round/>
+                      <a:headEnd type="none" w="med" len="med"/>
+                      <a:tailEnd type="none" w="med" len="med"/>
+                    </a:lnB>
+                    <a:solidFill>
+                      <a:srgbClr val="D9D9D9"/>
+                    </a:solidFill>
+                  </a:tcPr>
+                </a:tc>
+                <a:tc>
+                  <a:txBody>
+                    <a:bodyPr/>
+                    <a:lstStyle/>
+                    <a:p>
+                      <a:pPr algn="l" fontAlgn="b"/>
+                      <a:r>
+                        <a:rPr lang="en-US" sz="1600" b="1" i="0" u="none" strike="noStrike" dirty="0">
+                          <a:solidFill>
+                            <a:srgbClr val="000000"/>
+                          </a:solidFill>
+                          <a:effectLst/>
+                          <a:latin typeface="Calibri"/>
+                        </a:rPr>
+                        <a:t>Writing</a:t>
+                      </a:r>
+                    </a:p>
+                  </a:txBody>
+                  <a:tcPr marL="7801" marR="7801" marT="7801" marB="0" anchor="b">
+                    <a:lnL w="6350" cap="flat" cmpd="sng" algn="ctr">
+                      <a:solidFill>
+                        <a:srgbClr val="000000"/>
+                      </a:solidFill>
+                      <a:prstDash val="solid"/>
+                      <a:round/>
+                      <a:headEnd type="none" w="med" len="med"/>
+                      <a:tailEnd type="none" w="med" len="med"/>
+                    </a:lnL>
+                    <a:lnR w="6350" cap="flat" cmpd="sng" algn="ctr">
+                      <a:solidFill>
+                        <a:srgbClr val="000000"/>
+                      </a:solidFill>
+                      <a:prstDash val="solid"/>
+                      <a:round/>
+                      <a:headEnd type="none" w="med" len="med"/>
+                      <a:tailEnd type="none" w="med" len="med"/>
+                    </a:lnR>
+                    <a:lnT w="6350" cap="flat" cmpd="sng" algn="ctr">
+                      <a:solidFill>
+                        <a:srgbClr val="000000"/>
+                      </a:solidFill>
+                      <a:prstDash val="solid"/>
+                      <a:round/>
+                      <a:headEnd type="none" w="med" len="med"/>
+                      <a:tailEnd type="none" w="med" len="med"/>
+                    </a:lnT>
+                    <a:lnB w="6350" cap="flat" cmpd="sng" algn="ctr">
+                      <a:solidFill>
+                        <a:srgbClr val="000000"/>
+                      </a:solidFill>
+                      <a:prstDash val="solid"/>
+                      <a:round/>
+                      <a:headEnd type="none" w="med" len="med"/>
+                      <a:tailEnd type="none" w="med" len="med"/>
+                    </a:lnB>
+                    <a:solidFill>
+                      <a:srgbClr val="D9D9D9"/>
+                    </a:solidFill>
+                  </a:tcPr>
+                </a:tc>
+              </a:tr>
+              <a:tr h="350564">
+                <a:tc>
+                  <a:txBody>
+                    <a:bodyPr/>
+                    <a:lstStyle/>
+                    <a:p>
+                      <a:pPr lvl="0" algn="l" fontAlgn="ctr"/>
+                      <a:r>
+                        <a:rPr lang="en-US" sz="1400" b="0" i="0" u="none" strike="noStrike" dirty="0" smtClean="0">
+                          <a:solidFill>
+                            <a:srgbClr val="000000"/>
+                          </a:solidFill>
+                          <a:effectLst/>
+                          <a:latin typeface="Calibri"/>
+                        </a:rPr>
+                        <a:t> October</a:t>
+                      </a:r>
+                      <a:endParaRPr lang="en-US" sz="1400" b="0" i="0" u="none" strike="noStrike" dirty="0">
+                        <a:solidFill>
+                          <a:srgbClr val="000000"/>
+                        </a:solidFill>
+                        <a:effectLst/>
+                        <a:latin typeface="Calibri"/>
+                      </a:endParaRPr>
+                    </a:p>
+                  </a:txBody>
+                  <a:tcPr marL="7801" marR="7801" marT="7801" marB="0" anchor="ctr">
+                    <a:lnL w="6350" cap="flat" cmpd="sng" algn="ctr">
+                      <a:solidFill>
+                        <a:srgbClr val="000000"/>
+                      </a:solidFill>
+                      <a:prstDash val="solid"/>
+                      <a:round/>
+                      <a:headEnd type="none" w="med" len="med"/>
+                      <a:tailEnd type="none" w="med" len="med"/>
+                    </a:lnL>
+                    <a:lnR w="6350" cap="flat" cmpd="sng" algn="ctr">
+                      <a:solidFill>
+                        <a:srgbClr val="000000"/>
+                      </a:solidFill>
+                      <a:prstDash val="solid"/>
+                      <a:round/>
+                      <a:headEnd type="none" w="med" len="med"/>
+                      <a:tailEnd type="none" w="med" len="med"/>
+                    </a:lnR>
+                    <a:lnT w="6350" cap="flat" cmpd="sng" algn="ctr">
+                      <a:solidFill>
+                        <a:srgbClr val="000000"/>
+                      </a:solidFill>
+                      <a:prstDash val="solid"/>
+                      <a:round/>
+                      <a:headEnd type="none" w="med" len="med"/>
+                      <a:tailEnd type="none" w="med" len="med"/>
+                    </a:lnT>
+                    <a:lnB w="6350" cap="flat" cmpd="sng" algn="ctr">
+                      <a:solidFill>
+                        <a:srgbClr val="000000"/>
+                      </a:solidFill>
+                      <a:prstDash val="solid"/>
+                      <a:round/>
+                      <a:headEnd type="none" w="med" len="med"/>
+                      <a:tailEnd type="none" w="med" len="med"/>
+                    </a:lnB>
+                    <a:solidFill>
+                      <a:srgbClr val="D9D9D9"/>
+                    </a:solidFill>
+                  </a:tcPr>
+                </a:tc>
+                <a:tc>
+                  <a:txBody>
+                    <a:bodyPr/>
+                    <a:lstStyle/>
+                    <a:p>
+                      <a:pPr lvl="0" algn="l" fontAlgn="ctr"/>
+                      <a:r>
+                        <a:rPr lang="en-US" sz="1400" b="0" i="0" u="none" strike="noStrike" dirty="0" smtClean="0">
+                          <a:solidFill>
+                            <a:srgbClr val="000000"/>
+                          </a:solidFill>
+                          <a:effectLst/>
+                          <a:latin typeface="Calibri"/>
+                        </a:rPr>
+                        <a:t> Reading</a:t>
+                      </a:r>
+                      <a:r>
+                        <a:rPr lang="en-US" sz="1400" b="0" i="0" u="none" strike="noStrike" dirty="0">
+                          <a:solidFill>
+                            <a:srgbClr val="000000"/>
+                          </a:solidFill>
+                          <a:effectLst/>
+                          <a:latin typeface="Calibri"/>
+                        </a:rPr>
+                        <a:t>, introduction to R coding, Data overview</a:t>
+                      </a:r>
+                    </a:p>
+                  </a:txBody>
+                  <a:tcPr marL="7801" marR="7801" marT="7801" marB="0" anchor="ctr">
+                    <a:lnL w="6350" cap="flat" cmpd="sng" algn="ctr">
+                      <a:solidFill>
+                        <a:srgbClr val="000000"/>
+                      </a:solidFill>
+                      <a:prstDash val="solid"/>
+                      <a:round/>
+                      <a:headEnd type="none" w="med" len="med"/>
+                      <a:tailEnd type="none" w="med" len="med"/>
+                    </a:lnL>
+                    <a:lnR w="6350" cap="flat" cmpd="sng" algn="ctr">
+                      <a:solidFill>
+                        <a:srgbClr val="000000"/>
+                      </a:solidFill>
+                      <a:prstDash val="solid"/>
+                      <a:round/>
+                      <a:headEnd type="none" w="med" len="med"/>
+                      <a:tailEnd type="none" w="med" len="med"/>
+                    </a:lnR>
+                    <a:lnT w="6350" cap="flat" cmpd="sng" algn="ctr">
+                      <a:solidFill>
+                        <a:srgbClr val="000000"/>
+                      </a:solidFill>
+                      <a:prstDash val="solid"/>
+                      <a:round/>
+                      <a:headEnd type="none" w="med" len="med"/>
+                      <a:tailEnd type="none" w="med" len="med"/>
+                    </a:lnT>
+                    <a:lnB w="6350" cap="flat" cmpd="sng" algn="ctr">
+                      <a:solidFill>
+                        <a:srgbClr val="000000"/>
+                      </a:solidFill>
+                      <a:prstDash val="solid"/>
+                      <a:round/>
+                      <a:headEnd type="none" w="med" len="med"/>
+                      <a:tailEnd type="none" w="med" len="med"/>
+                    </a:lnB>
+                    <a:solidFill>
+                      <a:srgbClr val="E6B8B7"/>
+                    </a:solidFill>
+                  </a:tcPr>
+                </a:tc>
+                <a:tc>
+                  <a:txBody>
+                    <a:bodyPr/>
+                    <a:lstStyle/>
+                    <a:p>
+                      <a:pPr lvl="0" algn="l" fontAlgn="ctr"/>
+                      <a:r>
+                        <a:rPr lang="en-US" sz="1400" b="0" i="0" u="none" strike="noStrike" dirty="0">
+                          <a:solidFill>
+                            <a:srgbClr val="000000"/>
+                          </a:solidFill>
+                          <a:effectLst/>
+                          <a:latin typeface="Calibri"/>
+                        </a:rPr>
+                        <a:t> </a:t>
+                      </a:r>
+                    </a:p>
+                  </a:txBody>
+                  <a:tcPr marL="7801" marR="7801" marT="7801" marB="0" anchor="ctr">
+                    <a:lnL w="6350" cap="flat" cmpd="sng" algn="ctr">
+                      <a:solidFill>
+                        <a:srgbClr val="000000"/>
+                      </a:solidFill>
+                      <a:prstDash val="solid"/>
+                      <a:round/>
+                      <a:headEnd type="none" w="med" len="med"/>
+                      <a:tailEnd type="none" w="med" len="med"/>
+                    </a:lnL>
+                    <a:lnR w="6350" cap="flat" cmpd="sng" algn="ctr">
+                      <a:solidFill>
+                        <a:srgbClr val="000000"/>
+                      </a:solidFill>
+                      <a:prstDash val="solid"/>
+                      <a:round/>
+                      <a:headEnd type="none" w="med" len="med"/>
+                      <a:tailEnd type="none" w="med" len="med"/>
+                    </a:lnR>
+                    <a:lnT w="6350" cap="flat" cmpd="sng" algn="ctr">
+                      <a:solidFill>
+                        <a:srgbClr val="000000"/>
+                      </a:solidFill>
+                      <a:prstDash val="solid"/>
+                      <a:round/>
+                      <a:headEnd type="none" w="med" len="med"/>
+                      <a:tailEnd type="none" w="med" len="med"/>
+                    </a:lnT>
+                    <a:lnB w="6350" cap="flat" cmpd="sng" algn="ctr">
+                      <a:solidFill>
+                        <a:srgbClr val="000000"/>
+                      </a:solidFill>
+                      <a:prstDash val="solid"/>
+                      <a:round/>
+                      <a:headEnd type="none" w="med" len="med"/>
+                      <a:tailEnd type="none" w="med" len="med"/>
+                    </a:lnB>
+                    <a:solidFill>
+                      <a:srgbClr val="8DB4E2"/>
+                    </a:solidFill>
+                  </a:tcPr>
+                </a:tc>
+              </a:tr>
+              <a:tr h="350564">
+                <a:tc>
+                  <a:txBody>
+                    <a:bodyPr/>
+                    <a:lstStyle/>
+                    <a:p>
+                      <a:pPr lvl="0" algn="l" fontAlgn="ctr"/>
+                      <a:r>
+                        <a:rPr lang="en-US" sz="1400" b="0" i="0" u="none" strike="noStrike" dirty="0" smtClean="0">
+                          <a:solidFill>
+                            <a:srgbClr val="000000"/>
+                          </a:solidFill>
+                          <a:effectLst/>
+                          <a:latin typeface="Calibri"/>
+                        </a:rPr>
+                        <a:t> November</a:t>
+                      </a:r>
+                      <a:endParaRPr lang="en-US" sz="1400" b="0" i="0" u="none" strike="noStrike" dirty="0">
+                        <a:solidFill>
+                          <a:srgbClr val="000000"/>
+                        </a:solidFill>
+                        <a:effectLst/>
+                        <a:latin typeface="Calibri"/>
+                      </a:endParaRPr>
+                    </a:p>
+                  </a:txBody>
+                  <a:tcPr marL="7801" marR="7801" marT="7801" marB="0" anchor="ctr">
+                    <a:lnL w="6350" cap="flat" cmpd="sng" algn="ctr">
+                      <a:solidFill>
+                        <a:srgbClr val="000000"/>
+                      </a:solidFill>
+                      <a:prstDash val="solid"/>
+                      <a:round/>
+                      <a:headEnd type="none" w="med" len="med"/>
+                      <a:tailEnd type="none" w="med" len="med"/>
+                    </a:lnL>
+                    <a:lnR w="6350" cap="flat" cmpd="sng" algn="ctr">
+                      <a:solidFill>
+                        <a:srgbClr val="000000"/>
+                      </a:solidFill>
+                      <a:prstDash val="solid"/>
+                      <a:round/>
+                      <a:headEnd type="none" w="med" len="med"/>
+                      <a:tailEnd type="none" w="med" len="med"/>
+                    </a:lnR>
+                    <a:lnT w="6350" cap="flat" cmpd="sng" algn="ctr">
+                      <a:solidFill>
+                        <a:srgbClr val="000000"/>
+                      </a:solidFill>
+                      <a:prstDash val="solid"/>
+                      <a:round/>
+                      <a:headEnd type="none" w="med" len="med"/>
+                      <a:tailEnd type="none" w="med" len="med"/>
+                    </a:lnT>
+                    <a:lnB w="6350" cap="flat" cmpd="sng" algn="ctr">
+                      <a:solidFill>
+                        <a:srgbClr val="000000"/>
+                      </a:solidFill>
+                      <a:prstDash val="solid"/>
+                      <a:round/>
+                      <a:headEnd type="none" w="med" len="med"/>
+                      <a:tailEnd type="none" w="med" len="med"/>
+                    </a:lnB>
+                    <a:solidFill>
+                      <a:srgbClr val="D9D9D9"/>
+                    </a:solidFill>
+                  </a:tcPr>
+                </a:tc>
+                <a:tc>
+                  <a:txBody>
+                    <a:bodyPr/>
+                    <a:lstStyle/>
+                    <a:p>
+                      <a:pPr lvl="0" algn="l" fontAlgn="ctr"/>
+                      <a:r>
+                        <a:rPr lang="en-US" sz="1400" b="0" i="0" u="none" strike="noStrike" dirty="0" smtClean="0">
+                          <a:solidFill>
+                            <a:srgbClr val="000000"/>
+                          </a:solidFill>
+                          <a:effectLst/>
+                          <a:latin typeface="Calibri"/>
+                        </a:rPr>
+                        <a:t> Data </a:t>
+                      </a:r>
+                      <a:r>
+                        <a:rPr lang="en-US" sz="1400" b="0" i="0" u="none" strike="noStrike" dirty="0">
+                          <a:solidFill>
+                            <a:srgbClr val="000000"/>
+                          </a:solidFill>
+                          <a:effectLst/>
+                          <a:latin typeface="Calibri"/>
+                        </a:rPr>
+                        <a:t>preprocessing (resizing)</a:t>
+                      </a:r>
+                    </a:p>
+                  </a:txBody>
+                  <a:tcPr marL="7801" marR="7801" marT="7801" marB="0" anchor="ctr">
+                    <a:lnL w="6350" cap="flat" cmpd="sng" algn="ctr">
+                      <a:solidFill>
+                        <a:srgbClr val="000000"/>
+                      </a:solidFill>
+                      <a:prstDash val="solid"/>
+                      <a:round/>
+                      <a:headEnd type="none" w="med" len="med"/>
+                      <a:tailEnd type="none" w="med" len="med"/>
+                    </a:lnL>
+                    <a:lnR w="6350" cap="flat" cmpd="sng" algn="ctr">
+                      <a:solidFill>
+                        <a:srgbClr val="000000"/>
+                      </a:solidFill>
+                      <a:prstDash val="solid"/>
+                      <a:round/>
+                      <a:headEnd type="none" w="med" len="med"/>
+                      <a:tailEnd type="none" w="med" len="med"/>
+                    </a:lnR>
+                    <a:lnT w="6350" cap="flat" cmpd="sng" algn="ctr">
+                      <a:solidFill>
+                        <a:srgbClr val="000000"/>
+                      </a:solidFill>
+                      <a:prstDash val="solid"/>
+                      <a:round/>
+                      <a:headEnd type="none" w="med" len="med"/>
+                      <a:tailEnd type="none" w="med" len="med"/>
+                    </a:lnT>
+                    <a:lnB w="6350" cap="flat" cmpd="sng" algn="ctr">
+                      <a:solidFill>
+                        <a:srgbClr val="000000"/>
+                      </a:solidFill>
+                      <a:prstDash val="solid"/>
+                      <a:round/>
+                      <a:headEnd type="none" w="med" len="med"/>
+                      <a:tailEnd type="none" w="med" len="med"/>
+                    </a:lnB>
+                    <a:solidFill>
+                      <a:srgbClr val="E6B8B7"/>
+                    </a:solidFill>
+                  </a:tcPr>
+                </a:tc>
+                <a:tc>
+                  <a:txBody>
+                    <a:bodyPr/>
+                    <a:lstStyle/>
+                    <a:p>
+                      <a:pPr lvl="0" algn="l" fontAlgn="ctr"/>
+                      <a:r>
+                        <a:rPr lang="en-US" sz="1400" b="0" i="0" u="none" strike="noStrike" dirty="0" smtClean="0">
+                          <a:solidFill>
+                            <a:srgbClr val="000000"/>
+                          </a:solidFill>
+                          <a:effectLst/>
+                          <a:latin typeface="Calibri"/>
+                        </a:rPr>
+                        <a:t> Concept</a:t>
+                      </a:r>
+                      <a:endParaRPr lang="en-US" sz="1400" b="0" i="0" u="none" strike="noStrike" dirty="0">
+                        <a:solidFill>
+                          <a:srgbClr val="000000"/>
+                        </a:solidFill>
+                        <a:effectLst/>
+                        <a:latin typeface="Calibri"/>
+                      </a:endParaRPr>
+                    </a:p>
+                  </a:txBody>
+                  <a:tcPr marL="7801" marR="7801" marT="7801" marB="0" anchor="ctr">
+                    <a:lnL w="6350" cap="flat" cmpd="sng" algn="ctr">
+                      <a:solidFill>
+                        <a:srgbClr val="000000"/>
+                      </a:solidFill>
+                      <a:prstDash val="solid"/>
+                      <a:round/>
+                      <a:headEnd type="none" w="med" len="med"/>
+                      <a:tailEnd type="none" w="med" len="med"/>
+                    </a:lnL>
+                    <a:lnR w="6350" cap="flat" cmpd="sng" algn="ctr">
+                      <a:solidFill>
+                        <a:srgbClr val="000000"/>
+                      </a:solidFill>
+                      <a:prstDash val="solid"/>
+                      <a:round/>
+                      <a:headEnd type="none" w="med" len="med"/>
+                      <a:tailEnd type="none" w="med" len="med"/>
+                    </a:lnR>
+                    <a:lnT w="6350" cap="flat" cmpd="sng" algn="ctr">
+                      <a:solidFill>
+                        <a:srgbClr val="000000"/>
+                      </a:solidFill>
+                      <a:prstDash val="solid"/>
+                      <a:round/>
+                      <a:headEnd type="none" w="med" len="med"/>
+                      <a:tailEnd type="none" w="med" len="med"/>
+                    </a:lnT>
+                    <a:lnB w="6350" cap="flat" cmpd="sng" algn="ctr">
+                      <a:solidFill>
+                        <a:srgbClr val="000000"/>
+                      </a:solidFill>
+                      <a:prstDash val="solid"/>
+                      <a:round/>
+                      <a:headEnd type="none" w="med" len="med"/>
+                      <a:tailEnd type="none" w="med" len="med"/>
+                    </a:lnB>
+                    <a:solidFill>
+                      <a:srgbClr val="8DB4E2"/>
+                    </a:solidFill>
+                  </a:tcPr>
+                </a:tc>
+              </a:tr>
+              <a:tr h="368927">
+                <a:tc>
+                  <a:txBody>
+                    <a:bodyPr/>
+                    <a:lstStyle/>
+                    <a:p>
+                      <a:pPr lvl="0" algn="l" fontAlgn="ctr"/>
+                      <a:r>
+                        <a:rPr lang="en-US" sz="1400" b="0" i="0" u="none" strike="noStrike" dirty="0" smtClean="0">
+                          <a:solidFill>
+                            <a:srgbClr val="000000"/>
+                          </a:solidFill>
+                          <a:effectLst/>
+                          <a:latin typeface="Calibri"/>
+                        </a:rPr>
+                        <a:t> December</a:t>
+                      </a:r>
+                      <a:endParaRPr lang="en-US" sz="1400" b="0" i="0" u="none" strike="noStrike" dirty="0">
+                        <a:solidFill>
+                          <a:srgbClr val="000000"/>
+                        </a:solidFill>
+                        <a:effectLst/>
+                        <a:latin typeface="Calibri"/>
+                      </a:endParaRPr>
+                    </a:p>
+                  </a:txBody>
+                  <a:tcPr marL="7801" marR="7801" marT="7801" marB="0" anchor="ctr">
+                    <a:lnL w="6350" cap="flat" cmpd="sng" algn="ctr">
+                      <a:solidFill>
+                        <a:srgbClr val="000000"/>
+                      </a:solidFill>
+                      <a:prstDash val="solid"/>
+                      <a:round/>
+                      <a:headEnd type="none" w="med" len="med"/>
+                      <a:tailEnd type="none" w="med" len="med"/>
+                    </a:lnL>
+                    <a:lnR w="6350" cap="flat" cmpd="sng" algn="ctr">
+                      <a:solidFill>
+                        <a:srgbClr val="000000"/>
+                      </a:solidFill>
+                      <a:prstDash val="solid"/>
+                      <a:round/>
+                      <a:headEnd type="none" w="med" len="med"/>
+                      <a:tailEnd type="none" w="med" len="med"/>
+                    </a:lnR>
+                    <a:lnT w="6350" cap="flat" cmpd="sng" algn="ctr">
+                      <a:solidFill>
+                        <a:srgbClr val="000000"/>
+                      </a:solidFill>
+                      <a:prstDash val="solid"/>
+                      <a:round/>
+                      <a:headEnd type="none" w="med" len="med"/>
+                      <a:tailEnd type="none" w="med" len="med"/>
+                    </a:lnT>
+                    <a:lnB w="6350" cap="flat" cmpd="sng" algn="ctr">
+                      <a:solidFill>
+                        <a:srgbClr val="000000"/>
+                      </a:solidFill>
+                      <a:prstDash val="solid"/>
+                      <a:round/>
+                      <a:headEnd type="none" w="med" len="med"/>
+                      <a:tailEnd type="none" w="med" len="med"/>
+                    </a:lnB>
+                    <a:solidFill>
+                      <a:srgbClr val="D9D9D9"/>
+                    </a:solidFill>
+                  </a:tcPr>
+                </a:tc>
+                <a:tc>
+                  <a:txBody>
+                    <a:bodyPr/>
+                    <a:lstStyle/>
+                    <a:p>
+                      <a:pPr lvl="0" algn="l" fontAlgn="ctr"/>
+                      <a:r>
+                        <a:rPr lang="en-US" sz="1400" b="0" i="0" u="none" strike="noStrike" dirty="0" smtClean="0">
+                          <a:solidFill>
+                            <a:srgbClr val="000000"/>
+                          </a:solidFill>
+                          <a:effectLst/>
+                          <a:latin typeface="Calibri"/>
+                        </a:rPr>
+                        <a:t> Concept </a:t>
+                      </a:r>
+                      <a:r>
+                        <a:rPr lang="en-US" sz="1400" b="0" i="0" u="none" strike="noStrike" dirty="0">
+                          <a:solidFill>
+                            <a:srgbClr val="000000"/>
+                          </a:solidFill>
+                          <a:effectLst/>
+                          <a:latin typeface="Calibri"/>
+                        </a:rPr>
+                        <a:t>presentation (17th Dec), data processing (HANTS)</a:t>
+                      </a:r>
+                    </a:p>
+                  </a:txBody>
+                  <a:tcPr marL="7801" marR="7801" marT="7801" marB="0" anchor="ctr">
+                    <a:lnL w="6350" cap="flat" cmpd="sng" algn="ctr">
+                      <a:solidFill>
+                        <a:srgbClr val="000000"/>
+                      </a:solidFill>
+                      <a:prstDash val="solid"/>
+                      <a:round/>
+                      <a:headEnd type="none" w="med" len="med"/>
+                      <a:tailEnd type="none" w="med" len="med"/>
+                    </a:lnL>
+                    <a:lnR w="6350" cap="flat" cmpd="sng" algn="ctr">
+                      <a:solidFill>
+                        <a:srgbClr val="000000"/>
+                      </a:solidFill>
+                      <a:prstDash val="solid"/>
+                      <a:round/>
+                      <a:headEnd type="none" w="med" len="med"/>
+                      <a:tailEnd type="none" w="med" len="med"/>
+                    </a:lnR>
+                    <a:lnT w="6350" cap="flat" cmpd="sng" algn="ctr">
+                      <a:solidFill>
+                        <a:srgbClr val="000000"/>
+                      </a:solidFill>
+                      <a:prstDash val="solid"/>
+                      <a:round/>
+                      <a:headEnd type="none" w="med" len="med"/>
+                      <a:tailEnd type="none" w="med" len="med"/>
+                    </a:lnT>
+                    <a:lnB w="6350" cap="flat" cmpd="sng" algn="ctr">
+                      <a:solidFill>
+                        <a:srgbClr val="000000"/>
+                      </a:solidFill>
+                      <a:prstDash val="solid"/>
+                      <a:round/>
+                      <a:headEnd type="none" w="med" len="med"/>
+                      <a:tailEnd type="none" w="med" len="med"/>
+                    </a:lnB>
+                    <a:solidFill>
+                      <a:srgbClr val="E6B8B7"/>
+                    </a:solidFill>
+                  </a:tcPr>
+                </a:tc>
+                <a:tc>
+                  <a:txBody>
+                    <a:bodyPr/>
+                    <a:lstStyle/>
+                    <a:p>
+                      <a:pPr lvl="0" algn="l" fontAlgn="ctr"/>
+                      <a:r>
+                        <a:rPr lang="en-US" sz="1400" b="0" i="0" u="none" strike="noStrike" dirty="0" smtClean="0">
+                          <a:solidFill>
+                            <a:srgbClr val="000000"/>
+                          </a:solidFill>
+                          <a:effectLst/>
+                          <a:latin typeface="Calibri"/>
+                        </a:rPr>
+                        <a:t> Concept </a:t>
+                      </a:r>
+                      <a:r>
+                        <a:rPr lang="en-US" sz="1400" b="0" i="0" u="none" strike="noStrike" dirty="0">
+                          <a:solidFill>
+                            <a:srgbClr val="000000"/>
+                          </a:solidFill>
+                          <a:effectLst/>
+                          <a:latin typeface="Calibri"/>
+                        </a:rPr>
+                        <a:t>Presentation</a:t>
+                      </a:r>
+                    </a:p>
+                  </a:txBody>
+                  <a:tcPr marL="7801" marR="7801" marT="7801" marB="0" anchor="ctr">
+                    <a:lnL w="6350" cap="flat" cmpd="sng" algn="ctr">
+                      <a:solidFill>
+                        <a:srgbClr val="000000"/>
+                      </a:solidFill>
+                      <a:prstDash val="solid"/>
+                      <a:round/>
+                      <a:headEnd type="none" w="med" len="med"/>
+                      <a:tailEnd type="none" w="med" len="med"/>
+                    </a:lnL>
+                    <a:lnR w="6350" cap="flat" cmpd="sng" algn="ctr">
+                      <a:solidFill>
+                        <a:srgbClr val="000000"/>
+                      </a:solidFill>
+                      <a:prstDash val="solid"/>
+                      <a:round/>
+                      <a:headEnd type="none" w="med" len="med"/>
+                      <a:tailEnd type="none" w="med" len="med"/>
+                    </a:lnR>
+                    <a:lnT w="6350" cap="flat" cmpd="sng" algn="ctr">
+                      <a:solidFill>
+                        <a:srgbClr val="000000"/>
+                      </a:solidFill>
+                      <a:prstDash val="solid"/>
+                      <a:round/>
+                      <a:headEnd type="none" w="med" len="med"/>
+                      <a:tailEnd type="none" w="med" len="med"/>
+                    </a:lnT>
+                    <a:lnB w="6350" cap="flat" cmpd="sng" algn="ctr">
+                      <a:solidFill>
+                        <a:srgbClr val="000000"/>
+                      </a:solidFill>
+                      <a:prstDash val="solid"/>
+                      <a:round/>
+                      <a:headEnd type="none" w="med" len="med"/>
+                      <a:tailEnd type="none" w="med" len="med"/>
+                    </a:lnB>
+                    <a:solidFill>
+                      <a:srgbClr val="8DB4E2"/>
+                    </a:solidFill>
+                  </a:tcPr>
+                </a:tc>
+              </a:tr>
+              <a:tr h="368927">
+                <a:tc>
+                  <a:txBody>
+                    <a:bodyPr/>
+                    <a:lstStyle/>
+                    <a:p>
+                      <a:pPr lvl="0" algn="l" fontAlgn="ctr"/>
+                      <a:r>
+                        <a:rPr lang="en-US" sz="1400" b="0" i="0" u="none" strike="noStrike" dirty="0" smtClean="0">
+                          <a:solidFill>
+                            <a:srgbClr val="000000"/>
+                          </a:solidFill>
+                          <a:effectLst/>
+                          <a:latin typeface="Calibri"/>
+                        </a:rPr>
+                        <a:t> January</a:t>
+                      </a:r>
+                      <a:endParaRPr lang="en-US" sz="1400" b="0" i="0" u="none" strike="noStrike" dirty="0">
+                        <a:solidFill>
+                          <a:srgbClr val="000000"/>
+                        </a:solidFill>
+                        <a:effectLst/>
+                        <a:latin typeface="Calibri"/>
+                      </a:endParaRPr>
+                    </a:p>
+                  </a:txBody>
+                  <a:tcPr marL="7801" marR="7801" marT="7801" marB="0" anchor="ctr">
+                    <a:lnL w="6350" cap="flat" cmpd="sng" algn="ctr">
+                      <a:solidFill>
+                        <a:srgbClr val="000000"/>
+                      </a:solidFill>
+                      <a:prstDash val="solid"/>
+                      <a:round/>
+                      <a:headEnd type="none" w="med" len="med"/>
+                      <a:tailEnd type="none" w="med" len="med"/>
+                    </a:lnL>
+                    <a:lnR w="6350" cap="flat" cmpd="sng" algn="ctr">
+                      <a:solidFill>
+                        <a:srgbClr val="000000"/>
+                      </a:solidFill>
+                      <a:prstDash val="solid"/>
+                      <a:round/>
+                      <a:headEnd type="none" w="med" len="med"/>
+                      <a:tailEnd type="none" w="med" len="med"/>
+                    </a:lnR>
+                    <a:lnT w="6350" cap="flat" cmpd="sng" algn="ctr">
+                      <a:solidFill>
+                        <a:srgbClr val="000000"/>
+                      </a:solidFill>
+                      <a:prstDash val="solid"/>
+                      <a:round/>
+                      <a:headEnd type="none" w="med" len="med"/>
+                      <a:tailEnd type="none" w="med" len="med"/>
+                    </a:lnT>
+                    <a:lnB w="6350" cap="flat" cmpd="sng" algn="ctr">
+                      <a:solidFill>
+                        <a:srgbClr val="000000"/>
+                      </a:solidFill>
+                      <a:prstDash val="solid"/>
+                      <a:round/>
+                      <a:headEnd type="none" w="med" len="med"/>
+                      <a:tailEnd type="none" w="med" len="med"/>
+                    </a:lnB>
+                    <a:solidFill>
+                      <a:srgbClr val="D9D9D9"/>
+                    </a:solidFill>
+                  </a:tcPr>
+                </a:tc>
+                <a:tc>
+                  <a:txBody>
+                    <a:bodyPr/>
+                    <a:lstStyle/>
+                    <a:p>
+                      <a:pPr lvl="0" algn="l" fontAlgn="ctr"/>
+                      <a:r>
+                        <a:rPr lang="en-US" sz="1400" b="0" i="0" u="none" strike="noStrike" dirty="0" smtClean="0">
+                          <a:solidFill>
+                            <a:srgbClr val="000000"/>
+                          </a:solidFill>
+                          <a:effectLst/>
+                          <a:latin typeface="Calibri"/>
+                        </a:rPr>
+                        <a:t> data </a:t>
+                      </a:r>
+                      <a:r>
+                        <a:rPr lang="en-US" sz="1400" b="0" i="0" u="none" strike="noStrike" dirty="0">
+                          <a:solidFill>
+                            <a:srgbClr val="000000"/>
+                          </a:solidFill>
+                          <a:effectLst/>
+                          <a:latin typeface="Calibri"/>
+                        </a:rPr>
+                        <a:t>processing (extracting LSP Indices), preliminary </a:t>
+                      </a:r>
+                      <a:r>
+                        <a:rPr lang="en-US" sz="1400" b="0" i="0" u="none" strike="noStrike" dirty="0" smtClean="0">
+                          <a:solidFill>
+                            <a:srgbClr val="000000"/>
+                          </a:solidFill>
+                          <a:effectLst/>
+                          <a:latin typeface="Calibri"/>
+                        </a:rPr>
+                        <a:t>LAI</a:t>
+                      </a:r>
+                      <a:br>
+                        <a:rPr lang="en-US" sz="1400" b="0" i="0" u="none" strike="noStrike" dirty="0" smtClean="0">
+                          <a:solidFill>
+                            <a:srgbClr val="000000"/>
+                          </a:solidFill>
+                          <a:effectLst/>
+                          <a:latin typeface="Calibri"/>
+                        </a:rPr>
+                      </a:br>
+                      <a:r>
+                        <a:rPr lang="en-US" sz="1400" b="0" i="0" u="none" strike="noStrike" dirty="0" smtClean="0">
+                          <a:solidFill>
+                            <a:srgbClr val="000000"/>
+                          </a:solidFill>
+                          <a:effectLst/>
+                          <a:latin typeface="Calibri"/>
+                        </a:rPr>
+                        <a:t> comparison</a:t>
+                      </a:r>
+                      <a:endParaRPr lang="en-US" sz="1400" b="0" i="0" u="none" strike="noStrike" dirty="0">
+                        <a:solidFill>
+                          <a:srgbClr val="000000"/>
+                        </a:solidFill>
+                        <a:effectLst/>
+                        <a:latin typeface="Calibri"/>
+                      </a:endParaRPr>
+                    </a:p>
+                  </a:txBody>
+                  <a:tcPr marL="7801" marR="7801" marT="7801" marB="0" anchor="ctr">
+                    <a:lnL w="6350" cap="flat" cmpd="sng" algn="ctr">
+                      <a:solidFill>
+                        <a:srgbClr val="000000"/>
+                      </a:solidFill>
+                      <a:prstDash val="solid"/>
+                      <a:round/>
+                      <a:headEnd type="none" w="med" len="med"/>
+                      <a:tailEnd type="none" w="med" len="med"/>
+                    </a:lnL>
+                    <a:lnR w="6350" cap="flat" cmpd="sng" algn="ctr">
+                      <a:solidFill>
+                        <a:srgbClr val="000000"/>
+                      </a:solidFill>
+                      <a:prstDash val="solid"/>
+                      <a:round/>
+                      <a:headEnd type="none" w="med" len="med"/>
+                      <a:tailEnd type="none" w="med" len="med"/>
+                    </a:lnR>
+                    <a:lnT w="6350" cap="flat" cmpd="sng" algn="ctr">
+                      <a:solidFill>
+                        <a:srgbClr val="000000"/>
+                      </a:solidFill>
+                      <a:prstDash val="solid"/>
+                      <a:round/>
+                      <a:headEnd type="none" w="med" len="med"/>
+                      <a:tailEnd type="none" w="med" len="med"/>
+                    </a:lnT>
+                    <a:lnB w="6350" cap="flat" cmpd="sng" algn="ctr">
+                      <a:solidFill>
+                        <a:srgbClr val="000000"/>
+                      </a:solidFill>
+                      <a:prstDash val="solid"/>
+                      <a:round/>
+                      <a:headEnd type="none" w="med" len="med"/>
+                      <a:tailEnd type="none" w="med" len="med"/>
+                    </a:lnB>
+                    <a:solidFill>
+                      <a:srgbClr val="E6B8B7"/>
+                    </a:solidFill>
+                  </a:tcPr>
+                </a:tc>
+                <a:tc>
+                  <a:txBody>
+                    <a:bodyPr/>
+                    <a:lstStyle/>
+                    <a:p>
+                      <a:pPr lvl="0" algn="l" fontAlgn="ctr"/>
+                      <a:r>
+                        <a:rPr lang="en-US" sz="1400" b="0" i="0" u="none" strike="noStrike" dirty="0" smtClean="0">
+                          <a:solidFill>
+                            <a:srgbClr val="000000"/>
+                          </a:solidFill>
+                          <a:effectLst/>
+                          <a:latin typeface="Calibri"/>
+                        </a:rPr>
+                        <a:t> start </a:t>
+                      </a:r>
+                      <a:r>
+                        <a:rPr lang="en-US" sz="1400" b="0" i="0" u="none" strike="noStrike" dirty="0">
+                          <a:solidFill>
+                            <a:srgbClr val="000000"/>
+                          </a:solidFill>
+                          <a:effectLst/>
+                          <a:latin typeface="Calibri"/>
+                        </a:rPr>
+                        <a:t>Methods</a:t>
+                      </a:r>
+                    </a:p>
+                  </a:txBody>
+                  <a:tcPr marL="7801" marR="7801" marT="7801" marB="0" anchor="ctr">
+                    <a:lnL w="6350" cap="flat" cmpd="sng" algn="ctr">
+                      <a:solidFill>
+                        <a:srgbClr val="000000"/>
+                      </a:solidFill>
+                      <a:prstDash val="solid"/>
+                      <a:round/>
+                      <a:headEnd type="none" w="med" len="med"/>
+                      <a:tailEnd type="none" w="med" len="med"/>
+                    </a:lnL>
+                    <a:lnR w="6350" cap="flat" cmpd="sng" algn="ctr">
+                      <a:solidFill>
+                        <a:srgbClr val="000000"/>
+                      </a:solidFill>
+                      <a:prstDash val="solid"/>
+                      <a:round/>
+                      <a:headEnd type="none" w="med" len="med"/>
+                      <a:tailEnd type="none" w="med" len="med"/>
+                    </a:lnR>
+                    <a:lnT w="6350" cap="flat" cmpd="sng" algn="ctr">
+                      <a:solidFill>
+                        <a:srgbClr val="000000"/>
+                      </a:solidFill>
+                      <a:prstDash val="solid"/>
+                      <a:round/>
+                      <a:headEnd type="none" w="med" len="med"/>
+                      <a:tailEnd type="none" w="med" len="med"/>
+                    </a:lnT>
+                    <a:lnB w="6350" cap="flat" cmpd="sng" algn="ctr">
+                      <a:solidFill>
+                        <a:srgbClr val="000000"/>
+                      </a:solidFill>
+                      <a:prstDash val="solid"/>
+                      <a:round/>
+                      <a:headEnd type="none" w="med" len="med"/>
+                      <a:tailEnd type="none" w="med" len="med"/>
+                    </a:lnB>
+                    <a:solidFill>
+                      <a:srgbClr val="8DB4E2"/>
+                    </a:solidFill>
+                  </a:tcPr>
+                </a:tc>
+              </a:tr>
+              <a:tr h="350564">
+                <a:tc>
+                  <a:txBody>
+                    <a:bodyPr/>
+                    <a:lstStyle/>
+                    <a:p>
+                      <a:pPr lvl="0" algn="l" fontAlgn="ctr"/>
+                      <a:r>
+                        <a:rPr lang="en-US" sz="1400" b="0" i="0" u="none" strike="noStrike" dirty="0" smtClean="0">
+                          <a:solidFill>
+                            <a:srgbClr val="000000"/>
+                          </a:solidFill>
+                          <a:effectLst/>
+                          <a:latin typeface="Calibri"/>
+                        </a:rPr>
+                        <a:t> February</a:t>
+                      </a:r>
+                      <a:endParaRPr lang="en-US" sz="1400" b="0" i="0" u="none" strike="noStrike" dirty="0">
+                        <a:solidFill>
+                          <a:srgbClr val="000000"/>
+                        </a:solidFill>
+                        <a:effectLst/>
+                        <a:latin typeface="Calibri"/>
+                      </a:endParaRPr>
+                    </a:p>
+                  </a:txBody>
+                  <a:tcPr marL="7801" marR="7801" marT="7801" marB="0" anchor="ctr">
+                    <a:lnL w="6350" cap="flat" cmpd="sng" algn="ctr">
+                      <a:solidFill>
+                        <a:srgbClr val="000000"/>
+                      </a:solidFill>
+                      <a:prstDash val="solid"/>
+                      <a:round/>
+                      <a:headEnd type="none" w="med" len="med"/>
+                      <a:tailEnd type="none" w="med" len="med"/>
+                    </a:lnL>
+                    <a:lnR w="6350" cap="flat" cmpd="sng" algn="ctr">
+                      <a:solidFill>
+                        <a:srgbClr val="000000"/>
+                      </a:solidFill>
+                      <a:prstDash val="solid"/>
+                      <a:round/>
+                      <a:headEnd type="none" w="med" len="med"/>
+                      <a:tailEnd type="none" w="med" len="med"/>
+                    </a:lnR>
+                    <a:lnT w="6350" cap="flat" cmpd="sng" algn="ctr">
+                      <a:solidFill>
+                        <a:srgbClr val="000000"/>
+                      </a:solidFill>
+                      <a:prstDash val="solid"/>
+                      <a:round/>
+                      <a:headEnd type="none" w="med" len="med"/>
+                      <a:tailEnd type="none" w="med" len="med"/>
+                    </a:lnT>
+                    <a:lnB w="6350" cap="flat" cmpd="sng" algn="ctr">
+                      <a:solidFill>
+                        <a:srgbClr val="000000"/>
+                      </a:solidFill>
+                      <a:prstDash val="solid"/>
+                      <a:round/>
+                      <a:headEnd type="none" w="med" len="med"/>
+                      <a:tailEnd type="none" w="med" len="med"/>
+                    </a:lnB>
+                    <a:solidFill>
+                      <a:srgbClr val="D9D9D9"/>
+                    </a:solidFill>
+                  </a:tcPr>
+                </a:tc>
+                <a:tc>
+                  <a:txBody>
+                    <a:bodyPr/>
+                    <a:lstStyle/>
+                    <a:p>
+                      <a:pPr lvl="0" algn="l" fontAlgn="ctr"/>
+                      <a:r>
+                        <a:rPr lang="en-US" sz="1400" b="0" i="0" u="none" strike="noStrike" dirty="0" smtClean="0">
+                          <a:solidFill>
+                            <a:srgbClr val="000000"/>
+                          </a:solidFill>
+                          <a:effectLst/>
+                          <a:latin typeface="Calibri"/>
+                        </a:rPr>
+                        <a:t> Holidays</a:t>
+                      </a:r>
+                      <a:endParaRPr lang="en-US" sz="1400" b="0" i="0" u="none" strike="noStrike" dirty="0">
+                        <a:solidFill>
+                          <a:srgbClr val="000000"/>
+                        </a:solidFill>
+                        <a:effectLst/>
+                        <a:latin typeface="Calibri"/>
+                      </a:endParaRPr>
+                    </a:p>
+                  </a:txBody>
+                  <a:tcPr marL="7801" marR="7801" marT="7801" marB="0" anchor="ctr">
+                    <a:lnL w="6350" cap="flat" cmpd="sng" algn="ctr">
+                      <a:solidFill>
+                        <a:srgbClr val="000000"/>
+                      </a:solidFill>
+                      <a:prstDash val="solid"/>
+                      <a:round/>
+                      <a:headEnd type="none" w="med" len="med"/>
+                      <a:tailEnd type="none" w="med" len="med"/>
+                    </a:lnL>
+                    <a:lnR w="6350" cap="flat" cmpd="sng" algn="ctr">
+                      <a:solidFill>
+                        <a:srgbClr val="000000"/>
+                      </a:solidFill>
+                      <a:prstDash val="solid"/>
+                      <a:round/>
+                      <a:headEnd type="none" w="med" len="med"/>
+                      <a:tailEnd type="none" w="med" len="med"/>
+                    </a:lnR>
+                    <a:lnT w="6350" cap="flat" cmpd="sng" algn="ctr">
+                      <a:solidFill>
+                        <a:srgbClr val="000000"/>
+                      </a:solidFill>
+                      <a:prstDash val="solid"/>
+                      <a:round/>
+                      <a:headEnd type="none" w="med" len="med"/>
+                      <a:tailEnd type="none" w="med" len="med"/>
+                    </a:lnT>
+                    <a:lnB w="6350" cap="flat" cmpd="sng" algn="ctr">
+                      <a:solidFill>
+                        <a:srgbClr val="000000"/>
+                      </a:solidFill>
+                      <a:prstDash val="solid"/>
+                      <a:round/>
+                      <a:headEnd type="none" w="med" len="med"/>
+                      <a:tailEnd type="none" w="med" len="med"/>
+                    </a:lnB>
+                    <a:solidFill>
+                      <a:srgbClr val="E6B8B7"/>
+                    </a:solidFill>
+                  </a:tcPr>
+                </a:tc>
+                <a:tc>
+                  <a:txBody>
+                    <a:bodyPr/>
+                    <a:lstStyle/>
+                    <a:p>
+                      <a:pPr lvl="0" algn="l" fontAlgn="ctr"/>
+                      <a:r>
+                        <a:rPr lang="en-US" sz="1400" b="0" i="0" u="none" strike="noStrike" dirty="0">
+                          <a:solidFill>
+                            <a:srgbClr val="000000"/>
+                          </a:solidFill>
+                          <a:effectLst/>
+                          <a:latin typeface="Calibri"/>
+                        </a:rPr>
+                        <a:t> </a:t>
+                      </a:r>
+                    </a:p>
+                  </a:txBody>
+                  <a:tcPr marL="7801" marR="7801" marT="7801" marB="0" anchor="ctr">
+                    <a:lnL w="6350" cap="flat" cmpd="sng" algn="ctr">
+                      <a:solidFill>
+                        <a:srgbClr val="000000"/>
+                      </a:solidFill>
+                      <a:prstDash val="solid"/>
+                      <a:round/>
+                      <a:headEnd type="none" w="med" len="med"/>
+                      <a:tailEnd type="none" w="med" len="med"/>
+                    </a:lnL>
+                    <a:lnR w="6350" cap="flat" cmpd="sng" algn="ctr">
+                      <a:solidFill>
+                        <a:srgbClr val="000000"/>
+                      </a:solidFill>
+                      <a:prstDash val="solid"/>
+                      <a:round/>
+                      <a:headEnd type="none" w="med" len="med"/>
+                      <a:tailEnd type="none" w="med" len="med"/>
+                    </a:lnR>
+                    <a:lnT w="6350" cap="flat" cmpd="sng" algn="ctr">
+                      <a:solidFill>
+                        <a:srgbClr val="000000"/>
+                      </a:solidFill>
+                      <a:prstDash val="solid"/>
+                      <a:round/>
+                      <a:headEnd type="none" w="med" len="med"/>
+                      <a:tailEnd type="none" w="med" len="med"/>
+                    </a:lnT>
+                    <a:lnB w="6350" cap="flat" cmpd="sng" algn="ctr">
+                      <a:solidFill>
+                        <a:srgbClr val="000000"/>
+                      </a:solidFill>
+                      <a:prstDash val="solid"/>
+                      <a:round/>
+                      <a:headEnd type="none" w="med" len="med"/>
+                      <a:tailEnd type="none" w="med" len="med"/>
+                    </a:lnB>
+                    <a:solidFill>
+                      <a:srgbClr val="8DB4E2"/>
+                    </a:solidFill>
+                  </a:tcPr>
+                </a:tc>
+              </a:tr>
+              <a:tr h="368927">
+                <a:tc>
+                  <a:txBody>
+                    <a:bodyPr/>
+                    <a:lstStyle/>
+                    <a:p>
+                      <a:pPr lvl="0" algn="l" fontAlgn="ctr"/>
+                      <a:r>
+                        <a:rPr lang="en-US" sz="1400" b="0" i="0" u="none" strike="noStrike" dirty="0" smtClean="0">
+                          <a:solidFill>
+                            <a:srgbClr val="000000"/>
+                          </a:solidFill>
+                          <a:effectLst/>
+                          <a:latin typeface="Calibri"/>
+                        </a:rPr>
+                        <a:t> March</a:t>
+                      </a:r>
+                      <a:endParaRPr lang="en-US" sz="1400" b="0" i="0" u="none" strike="noStrike" dirty="0">
+                        <a:solidFill>
+                          <a:srgbClr val="000000"/>
+                        </a:solidFill>
+                        <a:effectLst/>
+                        <a:latin typeface="Calibri"/>
+                      </a:endParaRPr>
+                    </a:p>
+                  </a:txBody>
+                  <a:tcPr marL="7801" marR="7801" marT="7801" marB="0" anchor="ctr">
+                    <a:lnL w="6350" cap="flat" cmpd="sng" algn="ctr">
+                      <a:solidFill>
+                        <a:srgbClr val="000000"/>
+                      </a:solidFill>
+                      <a:prstDash val="solid"/>
+                      <a:round/>
+                      <a:headEnd type="none" w="med" len="med"/>
+                      <a:tailEnd type="none" w="med" len="med"/>
+                    </a:lnL>
+                    <a:lnR w="6350" cap="flat" cmpd="sng" algn="ctr">
+                      <a:solidFill>
+                        <a:srgbClr val="000000"/>
+                      </a:solidFill>
+                      <a:prstDash val="solid"/>
+                      <a:round/>
+                      <a:headEnd type="none" w="med" len="med"/>
+                      <a:tailEnd type="none" w="med" len="med"/>
+                    </a:lnR>
+                    <a:lnT w="6350" cap="flat" cmpd="sng" algn="ctr">
+                      <a:solidFill>
+                        <a:srgbClr val="000000"/>
+                      </a:solidFill>
+                      <a:prstDash val="solid"/>
+                      <a:round/>
+                      <a:headEnd type="none" w="med" len="med"/>
+                      <a:tailEnd type="none" w="med" len="med"/>
+                    </a:lnT>
+                    <a:lnB w="6350" cap="flat" cmpd="sng" algn="ctr">
+                      <a:solidFill>
+                        <a:srgbClr val="000000"/>
+                      </a:solidFill>
+                      <a:prstDash val="solid"/>
+                      <a:round/>
+                      <a:headEnd type="none" w="med" len="med"/>
+                      <a:tailEnd type="none" w="med" len="med"/>
+                    </a:lnB>
+                    <a:solidFill>
+                      <a:srgbClr val="D9D9D9"/>
+                    </a:solidFill>
+                  </a:tcPr>
+                </a:tc>
+                <a:tc>
+                  <a:txBody>
+                    <a:bodyPr/>
+                    <a:lstStyle/>
+                    <a:p>
+                      <a:pPr lvl="0" algn="l" fontAlgn="ctr"/>
+                      <a:r>
+                        <a:rPr lang="en-US" sz="1400" b="0" i="0" u="none" strike="noStrike" dirty="0" smtClean="0">
+                          <a:solidFill>
+                            <a:srgbClr val="000000"/>
+                          </a:solidFill>
+                          <a:effectLst/>
+                          <a:latin typeface="Calibri"/>
+                        </a:rPr>
+                        <a:t> buffer</a:t>
+                      </a:r>
+                      <a:endParaRPr lang="en-US" sz="1400" b="0" i="0" u="none" strike="noStrike" dirty="0">
+                        <a:solidFill>
+                          <a:srgbClr val="000000"/>
+                        </a:solidFill>
+                        <a:effectLst/>
+                        <a:latin typeface="Calibri"/>
+                      </a:endParaRPr>
+                    </a:p>
+                  </a:txBody>
+                  <a:tcPr marL="7801" marR="7801" marT="7801" marB="0" anchor="ctr">
+                    <a:lnL w="6350" cap="flat" cmpd="sng" algn="ctr">
+                      <a:solidFill>
+                        <a:srgbClr val="000000"/>
+                      </a:solidFill>
+                      <a:prstDash val="solid"/>
+                      <a:round/>
+                      <a:headEnd type="none" w="med" len="med"/>
+                      <a:tailEnd type="none" w="med" len="med"/>
+                    </a:lnL>
+                    <a:lnR w="6350" cap="flat" cmpd="sng" algn="ctr">
+                      <a:solidFill>
+                        <a:srgbClr val="000000"/>
+                      </a:solidFill>
+                      <a:prstDash val="solid"/>
+                      <a:round/>
+                      <a:headEnd type="none" w="med" len="med"/>
+                      <a:tailEnd type="none" w="med" len="med"/>
+                    </a:lnR>
+                    <a:lnT w="6350" cap="flat" cmpd="sng" algn="ctr">
+                      <a:solidFill>
+                        <a:srgbClr val="000000"/>
+                      </a:solidFill>
+                      <a:prstDash val="solid"/>
+                      <a:round/>
+                      <a:headEnd type="none" w="med" len="med"/>
+                      <a:tailEnd type="none" w="med" len="med"/>
+                    </a:lnT>
+                    <a:lnB w="6350" cap="flat" cmpd="sng" algn="ctr">
+                      <a:solidFill>
+                        <a:srgbClr val="000000"/>
+                      </a:solidFill>
+                      <a:prstDash val="solid"/>
+                      <a:round/>
+                      <a:headEnd type="none" w="med" len="med"/>
+                      <a:tailEnd type="none" w="med" len="med"/>
+                    </a:lnB>
+                    <a:solidFill>
+                      <a:srgbClr val="E6B8B7"/>
+                    </a:solidFill>
+                  </a:tcPr>
+                </a:tc>
+                <a:tc>
+                  <a:txBody>
+                    <a:bodyPr/>
+                    <a:lstStyle/>
+                    <a:p>
+                      <a:pPr lvl="0" algn="l" fontAlgn="ctr"/>
+                      <a:r>
+                        <a:rPr lang="en-US" sz="1400" b="0" i="0" u="none" strike="noStrike" dirty="0" smtClean="0">
+                          <a:solidFill>
+                            <a:srgbClr val="000000"/>
+                          </a:solidFill>
+                          <a:effectLst/>
+                          <a:latin typeface="Calibri"/>
+                        </a:rPr>
+                        <a:t> Methods</a:t>
+                      </a:r>
+                      <a:r>
+                        <a:rPr lang="en-US" sz="1400" b="0" i="0" u="none" strike="noStrike" dirty="0">
+                          <a:solidFill>
+                            <a:srgbClr val="000000"/>
+                          </a:solidFill>
+                          <a:effectLst/>
+                          <a:latin typeface="Calibri"/>
+                        </a:rPr>
+                        <a:t>, Results as </a:t>
+                      </a:r>
+                      <a:r>
+                        <a:rPr lang="en-US" sz="1400" b="0" i="0" u="none" strike="noStrike" dirty="0" smtClean="0">
+                          <a:solidFill>
+                            <a:srgbClr val="000000"/>
+                          </a:solidFill>
+                          <a:effectLst/>
+                          <a:latin typeface="Calibri"/>
+                        </a:rPr>
+                        <a:t>they</a:t>
+                      </a:r>
+                      <a:br>
+                        <a:rPr lang="en-US" sz="1400" b="0" i="0" u="none" strike="noStrike" dirty="0" smtClean="0">
+                          <a:solidFill>
+                            <a:srgbClr val="000000"/>
+                          </a:solidFill>
+                          <a:effectLst/>
+                          <a:latin typeface="Calibri"/>
+                        </a:rPr>
+                      </a:br>
+                      <a:r>
+                        <a:rPr lang="en-US" sz="1400" b="0" i="0" u="none" strike="noStrike" dirty="0" smtClean="0">
+                          <a:solidFill>
+                            <a:srgbClr val="000000"/>
+                          </a:solidFill>
+                          <a:effectLst/>
+                          <a:latin typeface="Calibri"/>
+                        </a:rPr>
+                        <a:t> </a:t>
+                      </a:r>
+                      <a:r>
+                        <a:rPr lang="en-US" sz="1400" b="0" i="0" u="none" strike="noStrike" dirty="0">
+                          <a:solidFill>
+                            <a:srgbClr val="000000"/>
+                          </a:solidFill>
+                          <a:effectLst/>
+                          <a:latin typeface="Calibri"/>
+                        </a:rPr>
+                        <a:t>come in)</a:t>
+                      </a:r>
+                    </a:p>
+                  </a:txBody>
+                  <a:tcPr marL="7801" marR="7801" marT="7801" marB="0" anchor="ctr">
+                    <a:lnL w="6350" cap="flat" cmpd="sng" algn="ctr">
+                      <a:solidFill>
+                        <a:srgbClr val="000000"/>
+                      </a:solidFill>
+                      <a:prstDash val="solid"/>
+                      <a:round/>
+                      <a:headEnd type="none" w="med" len="med"/>
+                      <a:tailEnd type="none" w="med" len="med"/>
+                    </a:lnL>
+                    <a:lnR w="6350" cap="flat" cmpd="sng" algn="ctr">
+                      <a:solidFill>
+                        <a:srgbClr val="000000"/>
+                      </a:solidFill>
+                      <a:prstDash val="solid"/>
+                      <a:round/>
+                      <a:headEnd type="none" w="med" len="med"/>
+                      <a:tailEnd type="none" w="med" len="med"/>
+                    </a:lnR>
+                    <a:lnT w="6350" cap="flat" cmpd="sng" algn="ctr">
+                      <a:solidFill>
+                        <a:srgbClr val="000000"/>
+                      </a:solidFill>
+                      <a:prstDash val="solid"/>
+                      <a:round/>
+                      <a:headEnd type="none" w="med" len="med"/>
+                      <a:tailEnd type="none" w="med" len="med"/>
+                    </a:lnT>
+                    <a:lnB w="6350" cap="flat" cmpd="sng" algn="ctr">
+                      <a:solidFill>
+                        <a:srgbClr val="000000"/>
+                      </a:solidFill>
+                      <a:prstDash val="solid"/>
+                      <a:round/>
+                      <a:headEnd type="none" w="med" len="med"/>
+                      <a:tailEnd type="none" w="med" len="med"/>
+                    </a:lnB>
+                    <a:solidFill>
+                      <a:srgbClr val="8DB4E2"/>
+                    </a:solidFill>
+                  </a:tcPr>
+                </a:tc>
+              </a:tr>
+              <a:tr h="368927">
+                <a:tc>
+                  <a:txBody>
+                    <a:bodyPr/>
+                    <a:lstStyle/>
+                    <a:p>
+                      <a:pPr lvl="0" algn="l" fontAlgn="ctr"/>
+                      <a:r>
+                        <a:rPr lang="en-US" sz="1400" b="0" i="0" u="none" strike="noStrike" dirty="0" smtClean="0">
+                          <a:solidFill>
+                            <a:srgbClr val="000000"/>
+                          </a:solidFill>
+                          <a:effectLst/>
+                          <a:latin typeface="Calibri"/>
+                        </a:rPr>
+                        <a:t> April</a:t>
+                      </a:r>
+                      <a:endParaRPr lang="en-US" sz="1400" b="0" i="0" u="none" strike="noStrike" dirty="0">
+                        <a:solidFill>
+                          <a:srgbClr val="000000"/>
+                        </a:solidFill>
+                        <a:effectLst/>
+                        <a:latin typeface="Calibri"/>
+                      </a:endParaRPr>
+                    </a:p>
+                  </a:txBody>
+                  <a:tcPr marL="7801" marR="7801" marT="7801" marB="0" anchor="ctr">
+                    <a:lnL w="6350" cap="flat" cmpd="sng" algn="ctr">
+                      <a:solidFill>
+                        <a:srgbClr val="000000"/>
+                      </a:solidFill>
+                      <a:prstDash val="solid"/>
+                      <a:round/>
+                      <a:headEnd type="none" w="med" len="med"/>
+                      <a:tailEnd type="none" w="med" len="med"/>
+                    </a:lnL>
+                    <a:lnR w="6350" cap="flat" cmpd="sng" algn="ctr">
+                      <a:solidFill>
+                        <a:srgbClr val="000000"/>
+                      </a:solidFill>
+                      <a:prstDash val="solid"/>
+                      <a:round/>
+                      <a:headEnd type="none" w="med" len="med"/>
+                      <a:tailEnd type="none" w="med" len="med"/>
+                    </a:lnR>
+                    <a:lnT w="6350" cap="flat" cmpd="sng" algn="ctr">
+                      <a:solidFill>
+                        <a:srgbClr val="000000"/>
+                      </a:solidFill>
+                      <a:prstDash val="solid"/>
+                      <a:round/>
+                      <a:headEnd type="none" w="med" len="med"/>
+                      <a:tailEnd type="none" w="med" len="med"/>
+                    </a:lnT>
+                    <a:lnB w="6350" cap="flat" cmpd="sng" algn="ctr">
+                      <a:solidFill>
+                        <a:srgbClr val="000000"/>
+                      </a:solidFill>
+                      <a:prstDash val="solid"/>
+                      <a:round/>
+                      <a:headEnd type="none" w="med" len="med"/>
+                      <a:tailEnd type="none" w="med" len="med"/>
+                    </a:lnB>
+                    <a:solidFill>
+                      <a:srgbClr val="D9D9D9"/>
+                    </a:solidFill>
+                  </a:tcPr>
+                </a:tc>
+                <a:tc>
+                  <a:txBody>
+                    <a:bodyPr/>
+                    <a:lstStyle/>
+                    <a:p>
+                      <a:pPr lvl="0" algn="l" fontAlgn="ctr"/>
+                      <a:r>
+                        <a:rPr lang="en-US" sz="1400" b="0" i="0" u="none" strike="noStrike" dirty="0" smtClean="0">
+                          <a:solidFill>
+                            <a:srgbClr val="000000"/>
+                          </a:solidFill>
+                          <a:effectLst/>
+                          <a:latin typeface="Calibri"/>
+                        </a:rPr>
+                        <a:t> start </a:t>
+                      </a:r>
+                      <a:r>
+                        <a:rPr lang="en-US" sz="1400" b="0" i="0" u="none" strike="noStrike" dirty="0">
+                          <a:solidFill>
+                            <a:srgbClr val="000000"/>
+                          </a:solidFill>
+                          <a:effectLst/>
+                          <a:latin typeface="Calibri"/>
+                        </a:rPr>
+                        <a:t>work on </a:t>
+                      </a:r>
+                      <a:r>
+                        <a:rPr lang="en-US" sz="1400" b="0" i="0" u="none" strike="noStrike" dirty="0" err="1">
+                          <a:solidFill>
+                            <a:srgbClr val="000000"/>
+                          </a:solidFill>
+                          <a:effectLst/>
+                          <a:latin typeface="Calibri"/>
+                        </a:rPr>
+                        <a:t>extraced</a:t>
+                      </a:r>
+                      <a:r>
+                        <a:rPr lang="en-US" sz="1400" b="0" i="0" u="none" strike="noStrike" dirty="0">
+                          <a:solidFill>
+                            <a:srgbClr val="000000"/>
+                          </a:solidFill>
+                          <a:effectLst/>
+                          <a:latin typeface="Calibri"/>
+                        </a:rPr>
+                        <a:t> indices: Correlation coefficients, </a:t>
+                      </a:r>
+                      <a:r>
+                        <a:rPr lang="en-US" sz="1400" b="0" i="0" u="none" strike="noStrike" dirty="0" smtClean="0">
+                          <a:solidFill>
+                            <a:srgbClr val="000000"/>
+                          </a:solidFill>
+                          <a:effectLst/>
+                          <a:latin typeface="Calibri"/>
+                        </a:rPr>
+                        <a:t/>
+                      </a:r>
+                      <a:br>
+                        <a:rPr lang="en-US" sz="1400" b="0" i="0" u="none" strike="noStrike" dirty="0" smtClean="0">
+                          <a:solidFill>
+                            <a:srgbClr val="000000"/>
+                          </a:solidFill>
+                          <a:effectLst/>
+                          <a:latin typeface="Calibri"/>
+                        </a:rPr>
+                      </a:br>
+                      <a:r>
+                        <a:rPr lang="en-US" sz="1400" b="0" i="0" u="none" strike="noStrike" baseline="0" dirty="0" smtClean="0">
+                          <a:solidFill>
+                            <a:srgbClr val="000000"/>
+                          </a:solidFill>
+                          <a:effectLst/>
+                          <a:latin typeface="Calibri"/>
+                        </a:rPr>
+                        <a:t> </a:t>
+                      </a:r>
+                      <a:r>
+                        <a:rPr lang="en-US" sz="1400" b="0" i="0" u="none" strike="noStrike" dirty="0" smtClean="0">
+                          <a:solidFill>
+                            <a:srgbClr val="000000"/>
+                          </a:solidFill>
+                          <a:effectLst/>
+                          <a:latin typeface="Calibri"/>
+                        </a:rPr>
+                        <a:t>regression </a:t>
+                      </a:r>
+                      <a:r>
+                        <a:rPr lang="en-US" sz="1400" b="0" i="0" u="none" strike="noStrike" dirty="0">
+                          <a:solidFill>
+                            <a:srgbClr val="000000"/>
+                          </a:solidFill>
+                          <a:effectLst/>
+                          <a:latin typeface="Calibri"/>
+                        </a:rPr>
+                        <a:t>analysis</a:t>
+                      </a:r>
+                    </a:p>
+                  </a:txBody>
+                  <a:tcPr marL="7801" marR="7801" marT="7801" marB="0" anchor="ctr">
+                    <a:lnL w="6350" cap="flat" cmpd="sng" algn="ctr">
+                      <a:solidFill>
+                        <a:srgbClr val="000000"/>
+                      </a:solidFill>
+                      <a:prstDash val="solid"/>
+                      <a:round/>
+                      <a:headEnd type="none" w="med" len="med"/>
+                      <a:tailEnd type="none" w="med" len="med"/>
+                    </a:lnL>
+                    <a:lnR w="6350" cap="flat" cmpd="sng" algn="ctr">
+                      <a:solidFill>
+                        <a:srgbClr val="000000"/>
+                      </a:solidFill>
+                      <a:prstDash val="solid"/>
+                      <a:round/>
+                      <a:headEnd type="none" w="med" len="med"/>
+                      <a:tailEnd type="none" w="med" len="med"/>
+                    </a:lnR>
+                    <a:lnT w="6350" cap="flat" cmpd="sng" algn="ctr">
+                      <a:solidFill>
+                        <a:srgbClr val="000000"/>
+                      </a:solidFill>
+                      <a:prstDash val="solid"/>
+                      <a:round/>
+                      <a:headEnd type="none" w="med" len="med"/>
+                      <a:tailEnd type="none" w="med" len="med"/>
+                    </a:lnT>
+                    <a:lnB w="6350" cap="flat" cmpd="sng" algn="ctr">
+                      <a:solidFill>
+                        <a:srgbClr val="000000"/>
+                      </a:solidFill>
+                      <a:prstDash val="solid"/>
+                      <a:round/>
+                      <a:headEnd type="none" w="med" len="med"/>
+                      <a:tailEnd type="none" w="med" len="med"/>
+                    </a:lnB>
+                    <a:solidFill>
+                      <a:srgbClr val="E6B8B7"/>
+                    </a:solidFill>
+                  </a:tcPr>
+                </a:tc>
+                <a:tc>
+                  <a:txBody>
+                    <a:bodyPr/>
+                    <a:lstStyle/>
+                    <a:p>
+                      <a:pPr lvl="0" algn="l" fontAlgn="ctr"/>
+                      <a:r>
+                        <a:rPr lang="en-US" sz="1400" b="0" i="0" u="none" strike="noStrike" dirty="0" smtClean="0">
+                          <a:solidFill>
+                            <a:srgbClr val="000000"/>
+                          </a:solidFill>
+                          <a:effectLst/>
+                          <a:latin typeface="Calibri"/>
+                        </a:rPr>
+                        <a:t> Results </a:t>
+                      </a:r>
+                      <a:r>
+                        <a:rPr lang="en-US" sz="1400" b="0" i="0" u="none" strike="noStrike" dirty="0">
+                          <a:solidFill>
+                            <a:srgbClr val="000000"/>
+                          </a:solidFill>
+                          <a:effectLst/>
+                          <a:latin typeface="Calibri"/>
+                        </a:rPr>
+                        <a:t>(as they come in)</a:t>
+                      </a:r>
+                    </a:p>
+                  </a:txBody>
+                  <a:tcPr marL="7801" marR="7801" marT="7801" marB="0" anchor="ctr">
+                    <a:lnL w="6350" cap="flat" cmpd="sng" algn="ctr">
+                      <a:solidFill>
+                        <a:srgbClr val="000000"/>
+                      </a:solidFill>
+                      <a:prstDash val="solid"/>
+                      <a:round/>
+                      <a:headEnd type="none" w="med" len="med"/>
+                      <a:tailEnd type="none" w="med" len="med"/>
+                    </a:lnL>
+                    <a:lnR w="6350" cap="flat" cmpd="sng" algn="ctr">
+                      <a:solidFill>
+                        <a:srgbClr val="000000"/>
+                      </a:solidFill>
+                      <a:prstDash val="solid"/>
+                      <a:round/>
+                      <a:headEnd type="none" w="med" len="med"/>
+                      <a:tailEnd type="none" w="med" len="med"/>
+                    </a:lnR>
+                    <a:lnT w="6350" cap="flat" cmpd="sng" algn="ctr">
+                      <a:solidFill>
+                        <a:srgbClr val="000000"/>
+                      </a:solidFill>
+                      <a:prstDash val="solid"/>
+                      <a:round/>
+                      <a:headEnd type="none" w="med" len="med"/>
+                      <a:tailEnd type="none" w="med" len="med"/>
+                    </a:lnT>
+                    <a:lnB w="6350" cap="flat" cmpd="sng" algn="ctr">
+                      <a:solidFill>
+                        <a:srgbClr val="000000"/>
+                      </a:solidFill>
+                      <a:prstDash val="solid"/>
+                      <a:round/>
+                      <a:headEnd type="none" w="med" len="med"/>
+                      <a:tailEnd type="none" w="med" len="med"/>
+                    </a:lnB>
+                    <a:solidFill>
+                      <a:srgbClr val="8DB4E2"/>
+                    </a:solidFill>
+                  </a:tcPr>
+                </a:tc>
+              </a:tr>
+              <a:tr h="368927">
+                <a:tc>
+                  <a:txBody>
+                    <a:bodyPr/>
+                    <a:lstStyle/>
+                    <a:p>
+                      <a:pPr lvl="0" algn="l" fontAlgn="ctr"/>
+                      <a:r>
+                        <a:rPr lang="en-US" sz="1400" b="0" i="0" u="none" strike="noStrike" dirty="0" smtClean="0">
+                          <a:solidFill>
+                            <a:srgbClr val="000000"/>
+                          </a:solidFill>
+                          <a:effectLst/>
+                          <a:latin typeface="Calibri"/>
+                        </a:rPr>
+                        <a:t> May</a:t>
+                      </a:r>
+                      <a:endParaRPr lang="en-US" sz="1400" b="0" i="0" u="none" strike="noStrike" dirty="0">
+                        <a:solidFill>
+                          <a:srgbClr val="000000"/>
+                        </a:solidFill>
+                        <a:effectLst/>
+                        <a:latin typeface="Calibri"/>
+                      </a:endParaRPr>
+                    </a:p>
+                  </a:txBody>
+                  <a:tcPr marL="7801" marR="7801" marT="7801" marB="0" anchor="ctr">
+                    <a:lnL w="6350" cap="flat" cmpd="sng" algn="ctr">
+                      <a:solidFill>
+                        <a:srgbClr val="000000"/>
+                      </a:solidFill>
+                      <a:prstDash val="solid"/>
+                      <a:round/>
+                      <a:headEnd type="none" w="med" len="med"/>
+                      <a:tailEnd type="none" w="med" len="med"/>
+                    </a:lnL>
+                    <a:lnR w="6350" cap="flat" cmpd="sng" algn="ctr">
+                      <a:solidFill>
+                        <a:srgbClr val="000000"/>
+                      </a:solidFill>
+                      <a:prstDash val="solid"/>
+                      <a:round/>
+                      <a:headEnd type="none" w="med" len="med"/>
+                      <a:tailEnd type="none" w="med" len="med"/>
+                    </a:lnR>
+                    <a:lnT w="6350" cap="flat" cmpd="sng" algn="ctr">
+                      <a:solidFill>
+                        <a:srgbClr val="000000"/>
+                      </a:solidFill>
+                      <a:prstDash val="solid"/>
+                      <a:round/>
+                      <a:headEnd type="none" w="med" len="med"/>
+                      <a:tailEnd type="none" w="med" len="med"/>
+                    </a:lnT>
+                    <a:lnB w="6350" cap="flat" cmpd="sng" algn="ctr">
+                      <a:solidFill>
+                        <a:srgbClr val="000000"/>
+                      </a:solidFill>
+                      <a:prstDash val="solid"/>
+                      <a:round/>
+                      <a:headEnd type="none" w="med" len="med"/>
+                      <a:tailEnd type="none" w="med" len="med"/>
+                    </a:lnB>
+                    <a:solidFill>
+                      <a:srgbClr val="D9D9D9"/>
+                    </a:solidFill>
+                  </a:tcPr>
+                </a:tc>
+                <a:tc>
+                  <a:txBody>
+                    <a:bodyPr/>
+                    <a:lstStyle/>
+                    <a:p>
+                      <a:pPr lvl="0" algn="l" fontAlgn="ctr"/>
+                      <a:r>
+                        <a:rPr lang="en-US" sz="1400" b="0" i="0" u="none" strike="noStrike" dirty="0" smtClean="0">
+                          <a:solidFill>
+                            <a:srgbClr val="000000"/>
+                          </a:solidFill>
+                          <a:effectLst/>
+                          <a:latin typeface="Calibri"/>
+                        </a:rPr>
+                        <a:t> Interpretation </a:t>
+                      </a:r>
+                      <a:r>
+                        <a:rPr lang="en-US" sz="1400" b="0" i="0" u="none" strike="noStrike" dirty="0">
+                          <a:solidFill>
+                            <a:srgbClr val="000000"/>
+                          </a:solidFill>
+                          <a:effectLst/>
+                          <a:latin typeface="Calibri"/>
+                        </a:rPr>
+                        <a:t>of trend analysis / doing/redoing statistics</a:t>
+                      </a:r>
+                    </a:p>
+                  </a:txBody>
+                  <a:tcPr marL="7801" marR="7801" marT="7801" marB="0" anchor="ctr">
+                    <a:lnL w="6350" cap="flat" cmpd="sng" algn="ctr">
+                      <a:solidFill>
+                        <a:srgbClr val="000000"/>
+                      </a:solidFill>
+                      <a:prstDash val="solid"/>
+                      <a:round/>
+                      <a:headEnd type="none" w="med" len="med"/>
+                      <a:tailEnd type="none" w="med" len="med"/>
+                    </a:lnL>
+                    <a:lnR w="6350" cap="flat" cmpd="sng" algn="ctr">
+                      <a:solidFill>
+                        <a:srgbClr val="000000"/>
+                      </a:solidFill>
+                      <a:prstDash val="solid"/>
+                      <a:round/>
+                      <a:headEnd type="none" w="med" len="med"/>
+                      <a:tailEnd type="none" w="med" len="med"/>
+                    </a:lnR>
+                    <a:lnT w="6350" cap="flat" cmpd="sng" algn="ctr">
+                      <a:solidFill>
+                        <a:srgbClr val="000000"/>
+                      </a:solidFill>
+                      <a:prstDash val="solid"/>
+                      <a:round/>
+                      <a:headEnd type="none" w="med" len="med"/>
+                      <a:tailEnd type="none" w="med" len="med"/>
+                    </a:lnT>
+                    <a:lnB w="6350" cap="flat" cmpd="sng" algn="ctr">
+                      <a:solidFill>
+                        <a:srgbClr val="000000"/>
+                      </a:solidFill>
+                      <a:prstDash val="solid"/>
+                      <a:round/>
+                      <a:headEnd type="none" w="med" len="med"/>
+                      <a:tailEnd type="none" w="med" len="med"/>
+                    </a:lnB>
+                    <a:solidFill>
+                      <a:srgbClr val="E6B8B7"/>
+                    </a:solidFill>
+                  </a:tcPr>
+                </a:tc>
+                <a:tc>
+                  <a:txBody>
+                    <a:bodyPr/>
+                    <a:lstStyle/>
+                    <a:p>
+                      <a:pPr lvl="0" algn="l" fontAlgn="ctr"/>
+                      <a:r>
+                        <a:rPr lang="en-US" sz="1400" b="0" i="0" u="none" strike="noStrike" dirty="0" smtClean="0">
+                          <a:solidFill>
+                            <a:srgbClr val="000000"/>
+                          </a:solidFill>
+                          <a:effectLst/>
+                          <a:latin typeface="Calibri"/>
+                        </a:rPr>
+                        <a:t> finish </a:t>
+                      </a:r>
+                      <a:r>
+                        <a:rPr lang="en-US" sz="1400" b="0" i="0" u="none" strike="noStrike" dirty="0">
+                          <a:solidFill>
+                            <a:srgbClr val="000000"/>
+                          </a:solidFill>
+                          <a:effectLst/>
+                          <a:latin typeface="Calibri"/>
+                        </a:rPr>
+                        <a:t>Methods, Analysis </a:t>
+                      </a:r>
+                      <a:r>
+                        <a:rPr lang="en-US" sz="1400" b="0" i="0" u="none" strike="noStrike" dirty="0" smtClean="0">
+                          <a:solidFill>
+                            <a:srgbClr val="000000"/>
+                          </a:solidFill>
+                          <a:effectLst/>
+                          <a:latin typeface="Calibri"/>
+                        </a:rPr>
+                        <a:t/>
+                      </a:r>
+                      <a:br>
+                        <a:rPr lang="en-US" sz="1400" b="0" i="0" u="none" strike="noStrike" dirty="0" smtClean="0">
+                          <a:solidFill>
+                            <a:srgbClr val="000000"/>
+                          </a:solidFill>
+                          <a:effectLst/>
+                          <a:latin typeface="Calibri"/>
+                        </a:rPr>
+                      </a:br>
+                      <a:r>
+                        <a:rPr lang="en-US" sz="1400" b="0" i="0" u="none" strike="noStrike" dirty="0" smtClean="0">
+                          <a:solidFill>
+                            <a:srgbClr val="000000"/>
+                          </a:solidFill>
+                          <a:effectLst/>
+                          <a:latin typeface="Calibri"/>
+                        </a:rPr>
+                        <a:t> (</a:t>
+                      </a:r>
+                      <a:r>
+                        <a:rPr lang="en-US" sz="1400" b="0" i="0" u="none" strike="noStrike" dirty="0">
+                          <a:solidFill>
+                            <a:srgbClr val="000000"/>
+                          </a:solidFill>
+                          <a:effectLst/>
+                          <a:latin typeface="Calibri"/>
+                        </a:rPr>
+                        <a:t>preliminary)</a:t>
+                      </a:r>
+                    </a:p>
+                  </a:txBody>
+                  <a:tcPr marL="7801" marR="7801" marT="7801" marB="0" anchor="ctr">
+                    <a:lnL w="6350" cap="flat" cmpd="sng" algn="ctr">
+                      <a:solidFill>
+                        <a:srgbClr val="000000"/>
+                      </a:solidFill>
+                      <a:prstDash val="solid"/>
+                      <a:round/>
+                      <a:headEnd type="none" w="med" len="med"/>
+                      <a:tailEnd type="none" w="med" len="med"/>
+                    </a:lnL>
+                    <a:lnR w="6350" cap="flat" cmpd="sng" algn="ctr">
+                      <a:solidFill>
+                        <a:srgbClr val="000000"/>
+                      </a:solidFill>
+                      <a:prstDash val="solid"/>
+                      <a:round/>
+                      <a:headEnd type="none" w="med" len="med"/>
+                      <a:tailEnd type="none" w="med" len="med"/>
+                    </a:lnR>
+                    <a:lnT w="6350" cap="flat" cmpd="sng" algn="ctr">
+                      <a:solidFill>
+                        <a:srgbClr val="000000"/>
+                      </a:solidFill>
+                      <a:prstDash val="solid"/>
+                      <a:round/>
+                      <a:headEnd type="none" w="med" len="med"/>
+                      <a:tailEnd type="none" w="med" len="med"/>
+                    </a:lnT>
+                    <a:lnB w="6350" cap="flat" cmpd="sng" algn="ctr">
+                      <a:solidFill>
+                        <a:srgbClr val="000000"/>
+                      </a:solidFill>
+                      <a:prstDash val="solid"/>
+                      <a:round/>
+                      <a:headEnd type="none" w="med" len="med"/>
+                      <a:tailEnd type="none" w="med" len="med"/>
+                    </a:lnB>
+                    <a:solidFill>
+                      <a:srgbClr val="8DB4E2"/>
+                    </a:solidFill>
+                  </a:tcPr>
+                </a:tc>
+              </a:tr>
+              <a:tr h="368927">
+                <a:tc>
+                  <a:txBody>
+                    <a:bodyPr/>
+                    <a:lstStyle/>
+                    <a:p>
+                      <a:pPr lvl="0" algn="l" fontAlgn="ctr"/>
+                      <a:r>
+                        <a:rPr lang="en-US" sz="1400" b="0" i="0" u="none" strike="noStrike" dirty="0" smtClean="0">
+                          <a:solidFill>
+                            <a:srgbClr val="000000"/>
+                          </a:solidFill>
+                          <a:effectLst/>
+                          <a:latin typeface="Calibri"/>
+                        </a:rPr>
+                        <a:t> June</a:t>
+                      </a:r>
+                      <a:endParaRPr lang="en-US" sz="1400" b="0" i="0" u="none" strike="noStrike" dirty="0">
+                        <a:solidFill>
+                          <a:srgbClr val="000000"/>
+                        </a:solidFill>
+                        <a:effectLst/>
+                        <a:latin typeface="Calibri"/>
+                      </a:endParaRPr>
+                    </a:p>
+                  </a:txBody>
+                  <a:tcPr marL="7801" marR="7801" marT="7801" marB="0" anchor="ctr">
+                    <a:lnL w="6350" cap="flat" cmpd="sng" algn="ctr">
+                      <a:solidFill>
+                        <a:srgbClr val="000000"/>
+                      </a:solidFill>
+                      <a:prstDash val="solid"/>
+                      <a:round/>
+                      <a:headEnd type="none" w="med" len="med"/>
+                      <a:tailEnd type="none" w="med" len="med"/>
+                    </a:lnL>
+                    <a:lnR w="6350" cap="flat" cmpd="sng" algn="ctr">
+                      <a:solidFill>
+                        <a:srgbClr val="000000"/>
+                      </a:solidFill>
+                      <a:prstDash val="solid"/>
+                      <a:round/>
+                      <a:headEnd type="none" w="med" len="med"/>
+                      <a:tailEnd type="none" w="med" len="med"/>
+                    </a:lnR>
+                    <a:lnT w="6350" cap="flat" cmpd="sng" algn="ctr">
+                      <a:solidFill>
+                        <a:srgbClr val="000000"/>
+                      </a:solidFill>
+                      <a:prstDash val="solid"/>
+                      <a:round/>
+                      <a:headEnd type="none" w="med" len="med"/>
+                      <a:tailEnd type="none" w="med" len="med"/>
+                    </a:lnT>
+                    <a:lnB w="6350" cap="flat" cmpd="sng" algn="ctr">
+                      <a:solidFill>
+                        <a:srgbClr val="000000"/>
+                      </a:solidFill>
+                      <a:prstDash val="solid"/>
+                      <a:round/>
+                      <a:headEnd type="none" w="med" len="med"/>
+                      <a:tailEnd type="none" w="med" len="med"/>
+                    </a:lnB>
+                    <a:solidFill>
+                      <a:srgbClr val="D9D9D9"/>
+                    </a:solidFill>
+                  </a:tcPr>
+                </a:tc>
+                <a:tc>
+                  <a:txBody>
+                    <a:bodyPr/>
+                    <a:lstStyle/>
+                    <a:p>
+                      <a:pPr lvl="0" algn="l" fontAlgn="ctr"/>
+                      <a:r>
+                        <a:rPr lang="en-US" sz="1400" b="0" i="0" u="none" strike="noStrike" dirty="0" smtClean="0">
+                          <a:solidFill>
+                            <a:srgbClr val="000000"/>
+                          </a:solidFill>
+                          <a:effectLst/>
+                          <a:latin typeface="Calibri"/>
+                        </a:rPr>
+                        <a:t> More </a:t>
+                      </a:r>
+                      <a:r>
+                        <a:rPr lang="en-US" sz="1400" b="0" i="0" u="none" strike="noStrike" dirty="0">
+                          <a:solidFill>
+                            <a:srgbClr val="000000"/>
+                          </a:solidFill>
+                          <a:effectLst/>
+                          <a:latin typeface="Calibri"/>
+                        </a:rPr>
+                        <a:t>time for statistics (Climatic Controls - LAI)</a:t>
+                      </a:r>
+                    </a:p>
+                  </a:txBody>
+                  <a:tcPr marL="7801" marR="7801" marT="7801" marB="0" anchor="ctr">
+                    <a:lnL w="6350" cap="flat" cmpd="sng" algn="ctr">
+                      <a:solidFill>
+                        <a:srgbClr val="000000"/>
+                      </a:solidFill>
+                      <a:prstDash val="solid"/>
+                      <a:round/>
+                      <a:headEnd type="none" w="med" len="med"/>
+                      <a:tailEnd type="none" w="med" len="med"/>
+                    </a:lnL>
+                    <a:lnR w="6350" cap="flat" cmpd="sng" algn="ctr">
+                      <a:solidFill>
+                        <a:srgbClr val="000000"/>
+                      </a:solidFill>
+                      <a:prstDash val="solid"/>
+                      <a:round/>
+                      <a:headEnd type="none" w="med" len="med"/>
+                      <a:tailEnd type="none" w="med" len="med"/>
+                    </a:lnR>
+                    <a:lnT w="6350" cap="flat" cmpd="sng" algn="ctr">
+                      <a:solidFill>
+                        <a:srgbClr val="000000"/>
+                      </a:solidFill>
+                      <a:prstDash val="solid"/>
+                      <a:round/>
+                      <a:headEnd type="none" w="med" len="med"/>
+                      <a:tailEnd type="none" w="med" len="med"/>
+                    </a:lnT>
+                    <a:lnB w="6350" cap="flat" cmpd="sng" algn="ctr">
+                      <a:solidFill>
+                        <a:srgbClr val="000000"/>
+                      </a:solidFill>
+                      <a:prstDash val="solid"/>
+                      <a:round/>
+                      <a:headEnd type="none" w="med" len="med"/>
+                      <a:tailEnd type="none" w="med" len="med"/>
+                    </a:lnB>
+                    <a:solidFill>
+                      <a:srgbClr val="E6B8B7"/>
+                    </a:solidFill>
+                  </a:tcPr>
+                </a:tc>
+                <a:tc>
+                  <a:txBody>
+                    <a:bodyPr/>
+                    <a:lstStyle/>
+                    <a:p>
+                      <a:pPr lvl="0" algn="l" fontAlgn="ctr"/>
+                      <a:r>
+                        <a:rPr lang="en-US" sz="1400" b="0" i="0" u="none" strike="noStrike" dirty="0" smtClean="0">
+                          <a:solidFill>
+                            <a:srgbClr val="000000"/>
+                          </a:solidFill>
+                          <a:effectLst/>
+                          <a:latin typeface="Calibri"/>
+                        </a:rPr>
+                        <a:t> Analysis</a:t>
+                      </a:r>
+                      <a:r>
+                        <a:rPr lang="en-US" sz="1400" b="0" i="0" u="none" strike="noStrike" dirty="0">
+                          <a:solidFill>
+                            <a:srgbClr val="000000"/>
+                          </a:solidFill>
+                          <a:effectLst/>
+                          <a:latin typeface="Calibri"/>
+                        </a:rPr>
+                        <a:t>, start Discussion</a:t>
+                      </a:r>
+                    </a:p>
+                  </a:txBody>
+                  <a:tcPr marL="7801" marR="7801" marT="7801" marB="0" anchor="ctr">
+                    <a:lnL w="6350" cap="flat" cmpd="sng" algn="ctr">
+                      <a:solidFill>
+                        <a:srgbClr val="000000"/>
+                      </a:solidFill>
+                      <a:prstDash val="solid"/>
+                      <a:round/>
+                      <a:headEnd type="none" w="med" len="med"/>
+                      <a:tailEnd type="none" w="med" len="med"/>
+                    </a:lnL>
+                    <a:lnR w="6350" cap="flat" cmpd="sng" algn="ctr">
+                      <a:solidFill>
+                        <a:srgbClr val="000000"/>
+                      </a:solidFill>
+                      <a:prstDash val="solid"/>
+                      <a:round/>
+                      <a:headEnd type="none" w="med" len="med"/>
+                      <a:tailEnd type="none" w="med" len="med"/>
+                    </a:lnR>
+                    <a:lnT w="6350" cap="flat" cmpd="sng" algn="ctr">
+                      <a:solidFill>
+                        <a:srgbClr val="000000"/>
+                      </a:solidFill>
+                      <a:prstDash val="solid"/>
+                      <a:round/>
+                      <a:headEnd type="none" w="med" len="med"/>
+                      <a:tailEnd type="none" w="med" len="med"/>
+                    </a:lnT>
+                    <a:lnB w="6350" cap="flat" cmpd="sng" algn="ctr">
+                      <a:solidFill>
+                        <a:srgbClr val="000000"/>
+                      </a:solidFill>
+                      <a:prstDash val="solid"/>
+                      <a:round/>
+                      <a:headEnd type="none" w="med" len="med"/>
+                      <a:tailEnd type="none" w="med" len="med"/>
+                    </a:lnB>
+                    <a:solidFill>
+                      <a:srgbClr val="8DB4E2"/>
+                    </a:solidFill>
+                  </a:tcPr>
+                </a:tc>
+              </a:tr>
+              <a:tr h="350564">
+                <a:tc>
+                  <a:txBody>
+                    <a:bodyPr/>
+                    <a:lstStyle/>
+                    <a:p>
+                      <a:pPr lvl="0" algn="l" fontAlgn="ctr"/>
+                      <a:r>
+                        <a:rPr lang="en-US" sz="1400" b="0" i="0" u="none" strike="noStrike" dirty="0" smtClean="0">
+                          <a:solidFill>
+                            <a:srgbClr val="000000"/>
+                          </a:solidFill>
+                          <a:effectLst/>
+                          <a:latin typeface="Calibri"/>
+                        </a:rPr>
+                        <a:t> July</a:t>
+                      </a:r>
+                      <a:endParaRPr lang="en-US" sz="1400" b="0" i="0" u="none" strike="noStrike" dirty="0">
+                        <a:solidFill>
+                          <a:srgbClr val="000000"/>
+                        </a:solidFill>
+                        <a:effectLst/>
+                        <a:latin typeface="Calibri"/>
+                      </a:endParaRPr>
+                    </a:p>
+                  </a:txBody>
+                  <a:tcPr marL="7801" marR="7801" marT="7801" marB="0" anchor="ctr">
+                    <a:lnL w="6350" cap="flat" cmpd="sng" algn="ctr">
+                      <a:solidFill>
+                        <a:srgbClr val="000000"/>
+                      </a:solidFill>
+                      <a:prstDash val="solid"/>
+                      <a:round/>
+                      <a:headEnd type="none" w="med" len="med"/>
+                      <a:tailEnd type="none" w="med" len="med"/>
+                    </a:lnL>
+                    <a:lnR w="6350" cap="flat" cmpd="sng" algn="ctr">
+                      <a:solidFill>
+                        <a:srgbClr val="000000"/>
+                      </a:solidFill>
+                      <a:prstDash val="solid"/>
+                      <a:round/>
+                      <a:headEnd type="none" w="med" len="med"/>
+                      <a:tailEnd type="none" w="med" len="med"/>
+                    </a:lnR>
+                    <a:lnT w="6350" cap="flat" cmpd="sng" algn="ctr">
+                      <a:solidFill>
+                        <a:srgbClr val="000000"/>
+                      </a:solidFill>
+                      <a:prstDash val="solid"/>
+                      <a:round/>
+                      <a:headEnd type="none" w="med" len="med"/>
+                      <a:tailEnd type="none" w="med" len="med"/>
+                    </a:lnT>
+                    <a:lnB w="6350" cap="flat" cmpd="sng" algn="ctr">
+                      <a:solidFill>
+                        <a:srgbClr val="000000"/>
+                      </a:solidFill>
+                      <a:prstDash val="solid"/>
+                      <a:round/>
+                      <a:headEnd type="none" w="med" len="med"/>
+                      <a:tailEnd type="none" w="med" len="med"/>
+                    </a:lnB>
+                    <a:solidFill>
+                      <a:srgbClr val="D9D9D9"/>
+                    </a:solidFill>
+                  </a:tcPr>
+                </a:tc>
+                <a:tc>
+                  <a:txBody>
+                    <a:bodyPr/>
+                    <a:lstStyle/>
+                    <a:p>
+                      <a:pPr lvl="0" algn="l" fontAlgn="ctr"/>
+                      <a:r>
+                        <a:rPr lang="en-US" sz="1400" b="0" i="0" u="none" strike="noStrike" dirty="0" smtClean="0">
+                          <a:solidFill>
+                            <a:srgbClr val="000000"/>
+                          </a:solidFill>
+                          <a:effectLst/>
+                          <a:latin typeface="Calibri"/>
+                        </a:rPr>
+                        <a:t> buffer</a:t>
+                      </a:r>
+                      <a:endParaRPr lang="en-US" sz="1400" b="0" i="0" u="none" strike="noStrike" dirty="0">
+                        <a:solidFill>
+                          <a:srgbClr val="000000"/>
+                        </a:solidFill>
+                        <a:effectLst/>
+                        <a:latin typeface="Calibri"/>
+                      </a:endParaRPr>
+                    </a:p>
+                  </a:txBody>
+                  <a:tcPr marL="7801" marR="7801" marT="7801" marB="0" anchor="ctr">
+                    <a:lnL w="6350" cap="flat" cmpd="sng" algn="ctr">
+                      <a:solidFill>
+                        <a:srgbClr val="000000"/>
+                      </a:solidFill>
+                      <a:prstDash val="solid"/>
+                      <a:round/>
+                      <a:headEnd type="none" w="med" len="med"/>
+                      <a:tailEnd type="none" w="med" len="med"/>
+                    </a:lnL>
+                    <a:lnR w="6350" cap="flat" cmpd="sng" algn="ctr">
+                      <a:solidFill>
+                        <a:srgbClr val="000000"/>
+                      </a:solidFill>
+                      <a:prstDash val="solid"/>
+                      <a:round/>
+                      <a:headEnd type="none" w="med" len="med"/>
+                      <a:tailEnd type="none" w="med" len="med"/>
+                    </a:lnR>
+                    <a:lnT w="6350" cap="flat" cmpd="sng" algn="ctr">
+                      <a:solidFill>
+                        <a:srgbClr val="000000"/>
+                      </a:solidFill>
+                      <a:prstDash val="solid"/>
+                      <a:round/>
+                      <a:headEnd type="none" w="med" len="med"/>
+                      <a:tailEnd type="none" w="med" len="med"/>
+                    </a:lnT>
+                    <a:lnB w="6350" cap="flat" cmpd="sng" algn="ctr">
+                      <a:solidFill>
+                        <a:srgbClr val="000000"/>
+                      </a:solidFill>
+                      <a:prstDash val="solid"/>
+                      <a:round/>
+                      <a:headEnd type="none" w="med" len="med"/>
+                      <a:tailEnd type="none" w="med" len="med"/>
+                    </a:lnB>
+                    <a:solidFill>
+                      <a:srgbClr val="E6B8B7"/>
+                    </a:solidFill>
+                  </a:tcPr>
+                </a:tc>
+                <a:tc>
+                  <a:txBody>
+                    <a:bodyPr/>
+                    <a:lstStyle/>
+                    <a:p>
+                      <a:pPr lvl="0" algn="l" fontAlgn="ctr"/>
+                      <a:r>
+                        <a:rPr lang="en-US" sz="1400" b="0" i="0" u="none" strike="noStrike" dirty="0">
+                          <a:solidFill>
+                            <a:srgbClr val="000000"/>
+                          </a:solidFill>
+                          <a:effectLst/>
+                          <a:latin typeface="Calibri"/>
+                        </a:rPr>
+                        <a:t> </a:t>
+                      </a:r>
+                    </a:p>
+                  </a:txBody>
+                  <a:tcPr marL="7801" marR="7801" marT="7801" marB="0" anchor="ctr">
+                    <a:lnL w="6350" cap="flat" cmpd="sng" algn="ctr">
+                      <a:solidFill>
+                        <a:srgbClr val="000000"/>
+                      </a:solidFill>
+                      <a:prstDash val="solid"/>
+                      <a:round/>
+                      <a:headEnd type="none" w="med" len="med"/>
+                      <a:tailEnd type="none" w="med" len="med"/>
+                    </a:lnL>
+                    <a:lnR w="6350" cap="flat" cmpd="sng" algn="ctr">
+                      <a:solidFill>
+                        <a:srgbClr val="000000"/>
+                      </a:solidFill>
+                      <a:prstDash val="solid"/>
+                      <a:round/>
+                      <a:headEnd type="none" w="med" len="med"/>
+                      <a:tailEnd type="none" w="med" len="med"/>
+                    </a:lnR>
+                    <a:lnT w="6350" cap="flat" cmpd="sng" algn="ctr">
+                      <a:solidFill>
+                        <a:srgbClr val="000000"/>
+                      </a:solidFill>
+                      <a:prstDash val="solid"/>
+                      <a:round/>
+                      <a:headEnd type="none" w="med" len="med"/>
+                      <a:tailEnd type="none" w="med" len="med"/>
+                    </a:lnT>
+                    <a:lnB w="6350" cap="flat" cmpd="sng" algn="ctr">
+                      <a:solidFill>
+                        <a:srgbClr val="000000"/>
+                      </a:solidFill>
+                      <a:prstDash val="solid"/>
+                      <a:round/>
+                      <a:headEnd type="none" w="med" len="med"/>
+                      <a:tailEnd type="none" w="med" len="med"/>
+                    </a:lnB>
+                    <a:solidFill>
+                      <a:srgbClr val="8DB4E2"/>
+                    </a:solidFill>
+                  </a:tcPr>
+                </a:tc>
+              </a:tr>
+              <a:tr h="549218">
+                <a:tc>
+                  <a:txBody>
+                    <a:bodyPr/>
+                    <a:lstStyle/>
+                    <a:p>
+                      <a:pPr lvl="0" algn="l" fontAlgn="ctr"/>
+                      <a:r>
+                        <a:rPr lang="en-US" sz="1400" b="0" i="0" u="none" strike="noStrike" dirty="0" smtClean="0">
+                          <a:solidFill>
+                            <a:srgbClr val="000000"/>
+                          </a:solidFill>
+                          <a:effectLst/>
+                          <a:latin typeface="Calibri"/>
+                        </a:rPr>
+                        <a:t> August</a:t>
+                      </a:r>
+                      <a:endParaRPr lang="en-US" sz="1400" b="0" i="0" u="none" strike="noStrike" dirty="0">
+                        <a:solidFill>
+                          <a:srgbClr val="000000"/>
+                        </a:solidFill>
+                        <a:effectLst/>
+                        <a:latin typeface="Calibri"/>
+                      </a:endParaRPr>
+                    </a:p>
+                  </a:txBody>
+                  <a:tcPr marL="7801" marR="7801" marT="7801" marB="0" anchor="ctr">
+                    <a:lnL w="6350" cap="flat" cmpd="sng" algn="ctr">
+                      <a:solidFill>
+                        <a:srgbClr val="000000"/>
+                      </a:solidFill>
+                      <a:prstDash val="solid"/>
+                      <a:round/>
+                      <a:headEnd type="none" w="med" len="med"/>
+                      <a:tailEnd type="none" w="med" len="med"/>
+                    </a:lnL>
+                    <a:lnR w="6350" cap="flat" cmpd="sng" algn="ctr">
+                      <a:solidFill>
+                        <a:srgbClr val="000000"/>
+                      </a:solidFill>
+                      <a:prstDash val="solid"/>
+                      <a:round/>
+                      <a:headEnd type="none" w="med" len="med"/>
+                      <a:tailEnd type="none" w="med" len="med"/>
+                    </a:lnR>
+                    <a:lnT w="6350" cap="flat" cmpd="sng" algn="ctr">
+                      <a:solidFill>
+                        <a:srgbClr val="000000"/>
+                      </a:solidFill>
+                      <a:prstDash val="solid"/>
+                      <a:round/>
+                      <a:headEnd type="none" w="med" len="med"/>
+                      <a:tailEnd type="none" w="med" len="med"/>
+                    </a:lnT>
+                    <a:lnB w="6350" cap="flat" cmpd="sng" algn="ctr">
+                      <a:solidFill>
+                        <a:srgbClr val="000000"/>
+                      </a:solidFill>
+                      <a:prstDash val="solid"/>
+                      <a:round/>
+                      <a:headEnd type="none" w="med" len="med"/>
+                      <a:tailEnd type="none" w="med" len="med"/>
+                    </a:lnB>
+                    <a:solidFill>
+                      <a:srgbClr val="D9D9D9"/>
+                    </a:solidFill>
+                  </a:tcPr>
+                </a:tc>
+                <a:tc>
+                  <a:txBody>
+                    <a:bodyPr/>
+                    <a:lstStyle/>
+                    <a:p>
+                      <a:pPr lvl="0" algn="l" fontAlgn="ctr"/>
+                      <a:r>
+                        <a:rPr lang="en-US" sz="1400" b="0" i="0" u="none" strike="noStrike" dirty="0" smtClean="0">
+                          <a:solidFill>
+                            <a:srgbClr val="000000"/>
+                          </a:solidFill>
+                          <a:effectLst/>
+                          <a:latin typeface="Calibri"/>
+                        </a:rPr>
+                        <a:t> Writing </a:t>
+                      </a:r>
+                      <a:r>
+                        <a:rPr lang="en-US" sz="1400" b="0" i="0" u="none" strike="noStrike" dirty="0">
+                          <a:solidFill>
+                            <a:srgbClr val="000000"/>
+                          </a:solidFill>
+                          <a:effectLst/>
+                          <a:latin typeface="Calibri"/>
+                        </a:rPr>
+                        <a:t>&amp; </a:t>
+                      </a:r>
+                      <a:r>
+                        <a:rPr lang="en-US" sz="1400" b="0" i="0" u="none" strike="noStrike" dirty="0" err="1">
+                          <a:solidFill>
+                            <a:srgbClr val="000000"/>
+                          </a:solidFill>
+                          <a:effectLst/>
+                          <a:latin typeface="Calibri"/>
+                        </a:rPr>
+                        <a:t>Layouting</a:t>
+                      </a:r>
+                      <a:r>
+                        <a:rPr lang="en-US" sz="1400" b="0" i="0" u="none" strike="noStrike" dirty="0">
+                          <a:solidFill>
+                            <a:srgbClr val="000000"/>
+                          </a:solidFill>
+                          <a:effectLst/>
+                          <a:latin typeface="Calibri"/>
+                        </a:rPr>
+                        <a:t>, finishing touches </a:t>
+                      </a:r>
+                    </a:p>
+                  </a:txBody>
+                  <a:tcPr marL="7801" marR="7801" marT="7801" marB="0" anchor="ctr">
+                    <a:lnL w="6350" cap="flat" cmpd="sng" algn="ctr">
+                      <a:solidFill>
+                        <a:srgbClr val="000000"/>
+                      </a:solidFill>
+                      <a:prstDash val="solid"/>
+                      <a:round/>
+                      <a:headEnd type="none" w="med" len="med"/>
+                      <a:tailEnd type="none" w="med" len="med"/>
+                    </a:lnL>
+                    <a:lnR w="6350" cap="flat" cmpd="sng" algn="ctr">
+                      <a:solidFill>
+                        <a:srgbClr val="000000"/>
+                      </a:solidFill>
+                      <a:prstDash val="solid"/>
+                      <a:round/>
+                      <a:headEnd type="none" w="med" len="med"/>
+                      <a:tailEnd type="none" w="med" len="med"/>
+                    </a:lnR>
+                    <a:lnT w="6350" cap="flat" cmpd="sng" algn="ctr">
+                      <a:solidFill>
+                        <a:srgbClr val="000000"/>
+                      </a:solidFill>
+                      <a:prstDash val="solid"/>
+                      <a:round/>
+                      <a:headEnd type="none" w="med" len="med"/>
+                      <a:tailEnd type="none" w="med" len="med"/>
+                    </a:lnT>
+                    <a:lnB w="6350" cap="flat" cmpd="sng" algn="ctr">
+                      <a:solidFill>
+                        <a:srgbClr val="000000"/>
+                      </a:solidFill>
+                      <a:prstDash val="solid"/>
+                      <a:round/>
+                      <a:headEnd type="none" w="med" len="med"/>
+                      <a:tailEnd type="none" w="med" len="med"/>
+                    </a:lnB>
+                    <a:solidFill>
+                      <a:srgbClr val="E6B8B7"/>
+                    </a:solidFill>
+                  </a:tcPr>
+                </a:tc>
+                <a:tc>
+                  <a:txBody>
+                    <a:bodyPr/>
+                    <a:lstStyle/>
+                    <a:p>
+                      <a:pPr lvl="0" algn="l" fontAlgn="ctr"/>
+                      <a:r>
+                        <a:rPr lang="en-US" sz="1400" b="0" i="0" u="none" strike="noStrike" dirty="0" smtClean="0">
+                          <a:solidFill>
+                            <a:srgbClr val="000000"/>
+                          </a:solidFill>
+                          <a:effectLst/>
+                          <a:latin typeface="Calibri"/>
+                        </a:rPr>
+                        <a:t> Analysis</a:t>
+                      </a:r>
+                      <a:r>
+                        <a:rPr lang="en-US" sz="1400" b="0" i="0" u="none" strike="noStrike" dirty="0">
+                          <a:solidFill>
+                            <a:srgbClr val="000000"/>
+                          </a:solidFill>
+                          <a:effectLst/>
+                          <a:latin typeface="Calibri"/>
+                        </a:rPr>
+                        <a:t>, Introduction</a:t>
+                      </a:r>
+                      <a:r>
+                        <a:rPr lang="en-US" sz="1400" b="0" i="0" u="none" strike="noStrike" dirty="0" smtClean="0">
+                          <a:solidFill>
+                            <a:srgbClr val="000000"/>
+                          </a:solidFill>
+                          <a:effectLst/>
+                          <a:latin typeface="Calibri"/>
+                        </a:rPr>
+                        <a:t>,</a:t>
+                      </a:r>
+                      <a:br>
+                        <a:rPr lang="en-US" sz="1400" b="0" i="0" u="none" strike="noStrike" dirty="0" smtClean="0">
+                          <a:solidFill>
+                            <a:srgbClr val="000000"/>
+                          </a:solidFill>
+                          <a:effectLst/>
+                          <a:latin typeface="Calibri"/>
+                        </a:rPr>
+                      </a:br>
+                      <a:r>
+                        <a:rPr lang="en-US" sz="1400" b="0" i="0" u="none" strike="noStrike" dirty="0" smtClean="0">
+                          <a:solidFill>
+                            <a:srgbClr val="000000"/>
+                          </a:solidFill>
+                          <a:effectLst/>
+                          <a:latin typeface="Calibri"/>
+                        </a:rPr>
+                        <a:t> </a:t>
+                      </a:r>
+                      <a:r>
+                        <a:rPr lang="en-US" sz="1400" b="0" i="0" u="none" strike="noStrike" dirty="0">
+                          <a:solidFill>
+                            <a:srgbClr val="000000"/>
+                          </a:solidFill>
+                          <a:effectLst/>
+                          <a:latin typeface="Calibri"/>
+                        </a:rPr>
+                        <a:t>Discussion</a:t>
+                      </a:r>
+                    </a:p>
+                  </a:txBody>
+                  <a:tcPr marL="7801" marR="7801" marT="7801" marB="0" anchor="ctr">
+                    <a:lnL w="6350" cap="flat" cmpd="sng" algn="ctr">
+                      <a:solidFill>
+                        <a:srgbClr val="000000"/>
+                      </a:solidFill>
+                      <a:prstDash val="solid"/>
+                      <a:round/>
+                      <a:headEnd type="none" w="med" len="med"/>
+                      <a:tailEnd type="none" w="med" len="med"/>
+                    </a:lnL>
+                    <a:lnR w="6350" cap="flat" cmpd="sng" algn="ctr">
+                      <a:solidFill>
+                        <a:srgbClr val="000000"/>
+                      </a:solidFill>
+                      <a:prstDash val="solid"/>
+                      <a:round/>
+                      <a:headEnd type="none" w="med" len="med"/>
+                      <a:tailEnd type="none" w="med" len="med"/>
+                    </a:lnR>
+                    <a:lnT w="6350" cap="flat" cmpd="sng" algn="ctr">
+                      <a:solidFill>
+                        <a:srgbClr val="000000"/>
+                      </a:solidFill>
+                      <a:prstDash val="solid"/>
+                      <a:round/>
+                      <a:headEnd type="none" w="med" len="med"/>
+                      <a:tailEnd type="none" w="med" len="med"/>
+                    </a:lnT>
+                    <a:lnB w="6350" cap="flat" cmpd="sng" algn="ctr">
+                      <a:solidFill>
+                        <a:srgbClr val="000000"/>
+                      </a:solidFill>
+                      <a:prstDash val="solid"/>
+                      <a:round/>
+                      <a:headEnd type="none" w="med" len="med"/>
+                      <a:tailEnd type="none" w="med" len="med"/>
+                    </a:lnB>
+                    <a:solidFill>
+                      <a:srgbClr val="8DB4E2"/>
+                    </a:solidFill>
+                  </a:tcPr>
+                </a:tc>
+              </a:tr>
+              <a:tr h="549218">
+                <a:tc>
+                  <a:txBody>
+                    <a:bodyPr/>
+                    <a:lstStyle/>
+                    <a:p>
+                      <a:pPr lvl="0" algn="l" fontAlgn="ctr"/>
+                      <a:r>
+                        <a:rPr lang="en-US" sz="1400" b="0" i="0" u="none" strike="noStrike" dirty="0" smtClean="0">
+                          <a:solidFill>
+                            <a:srgbClr val="000000"/>
+                          </a:solidFill>
+                          <a:effectLst/>
+                          <a:latin typeface="Calibri"/>
+                        </a:rPr>
+                        <a:t> September</a:t>
+                      </a:r>
+                      <a:endParaRPr lang="en-US" sz="1400" b="0" i="0" u="none" strike="noStrike" dirty="0">
+                        <a:solidFill>
+                          <a:srgbClr val="000000"/>
+                        </a:solidFill>
+                        <a:effectLst/>
+                        <a:latin typeface="Calibri"/>
+                      </a:endParaRPr>
+                    </a:p>
+                  </a:txBody>
+                  <a:tcPr marL="7801" marR="7801" marT="7801" marB="0" anchor="ctr">
+                    <a:lnL w="6350" cap="flat" cmpd="sng" algn="ctr">
+                      <a:solidFill>
+                        <a:srgbClr val="000000"/>
+                      </a:solidFill>
+                      <a:prstDash val="solid"/>
+                      <a:round/>
+                      <a:headEnd type="none" w="med" len="med"/>
+                      <a:tailEnd type="none" w="med" len="med"/>
+                    </a:lnL>
+                    <a:lnR w="6350" cap="flat" cmpd="sng" algn="ctr">
+                      <a:solidFill>
+                        <a:srgbClr val="000000"/>
+                      </a:solidFill>
+                      <a:prstDash val="solid"/>
+                      <a:round/>
+                      <a:headEnd type="none" w="med" len="med"/>
+                      <a:tailEnd type="none" w="med" len="med"/>
+                    </a:lnR>
+                    <a:lnT w="6350" cap="flat" cmpd="sng" algn="ctr">
+                      <a:solidFill>
+                        <a:srgbClr val="000000"/>
+                      </a:solidFill>
+                      <a:prstDash val="solid"/>
+                      <a:round/>
+                      <a:headEnd type="none" w="med" len="med"/>
+                      <a:tailEnd type="none" w="med" len="med"/>
+                    </a:lnT>
+                    <a:lnB w="6350" cap="flat" cmpd="sng" algn="ctr">
+                      <a:solidFill>
+                        <a:srgbClr val="000000"/>
+                      </a:solidFill>
+                      <a:prstDash val="solid"/>
+                      <a:round/>
+                      <a:headEnd type="none" w="med" len="med"/>
+                      <a:tailEnd type="none" w="med" len="med"/>
+                    </a:lnB>
+                    <a:solidFill>
+                      <a:srgbClr val="D9D9D9"/>
+                    </a:solidFill>
+                  </a:tcPr>
+                </a:tc>
+                <a:tc>
+                  <a:txBody>
+                    <a:bodyPr/>
+                    <a:lstStyle/>
+                    <a:p>
+                      <a:pPr lvl="0" algn="l" fontAlgn="ctr"/>
+                      <a:r>
+                        <a:rPr lang="en-US" sz="1400" b="0" i="0" u="none" strike="noStrike" dirty="0" smtClean="0">
+                          <a:solidFill>
+                            <a:srgbClr val="000000"/>
+                          </a:solidFill>
+                          <a:effectLst/>
+                          <a:latin typeface="Calibri"/>
+                        </a:rPr>
+                        <a:t> Final </a:t>
+                      </a:r>
+                      <a:r>
+                        <a:rPr lang="en-US" sz="1400" b="0" i="0" u="none" strike="noStrike" dirty="0">
+                          <a:solidFill>
+                            <a:srgbClr val="000000"/>
+                          </a:solidFill>
+                          <a:effectLst/>
+                          <a:latin typeface="Calibri"/>
+                        </a:rPr>
+                        <a:t>Presentation, more finishing touches</a:t>
+                      </a:r>
+                    </a:p>
+                  </a:txBody>
+                  <a:tcPr marL="7801" marR="7801" marT="7801" marB="0" anchor="ctr">
+                    <a:lnL w="6350" cap="flat" cmpd="sng" algn="ctr">
+                      <a:solidFill>
+                        <a:srgbClr val="000000"/>
+                      </a:solidFill>
+                      <a:prstDash val="solid"/>
+                      <a:round/>
+                      <a:headEnd type="none" w="med" len="med"/>
+                      <a:tailEnd type="none" w="med" len="med"/>
+                    </a:lnL>
+                    <a:lnR w="6350" cap="flat" cmpd="sng" algn="ctr">
+                      <a:solidFill>
+                        <a:srgbClr val="000000"/>
+                      </a:solidFill>
+                      <a:prstDash val="solid"/>
+                      <a:round/>
+                      <a:headEnd type="none" w="med" len="med"/>
+                      <a:tailEnd type="none" w="med" len="med"/>
+                    </a:lnR>
+                    <a:lnT w="6350" cap="flat" cmpd="sng" algn="ctr">
+                      <a:solidFill>
+                        <a:srgbClr val="000000"/>
+                      </a:solidFill>
+                      <a:prstDash val="solid"/>
+                      <a:round/>
+                      <a:headEnd type="none" w="med" len="med"/>
+                      <a:tailEnd type="none" w="med" len="med"/>
+                    </a:lnT>
+                    <a:lnB w="6350" cap="flat" cmpd="sng" algn="ctr">
+                      <a:solidFill>
+                        <a:srgbClr val="000000"/>
+                      </a:solidFill>
+                      <a:prstDash val="solid"/>
+                      <a:round/>
+                      <a:headEnd type="none" w="med" len="med"/>
+                      <a:tailEnd type="none" w="med" len="med"/>
+                    </a:lnB>
+                    <a:solidFill>
+                      <a:srgbClr val="E6B8B7"/>
+                    </a:solidFill>
+                  </a:tcPr>
+                </a:tc>
+                <a:tc>
+                  <a:txBody>
+                    <a:bodyPr/>
+                    <a:lstStyle/>
+                    <a:p>
+                      <a:pPr lvl="0" algn="l" fontAlgn="ctr"/>
+                      <a:r>
+                        <a:rPr lang="en-US" sz="1400" b="0" i="0" u="none" strike="noStrike" dirty="0" smtClean="0">
+                          <a:solidFill>
+                            <a:srgbClr val="000000"/>
+                          </a:solidFill>
+                          <a:effectLst/>
+                          <a:latin typeface="Calibri"/>
+                        </a:rPr>
+                        <a:t> more </a:t>
+                      </a:r>
+                      <a:r>
+                        <a:rPr lang="en-US" sz="1400" b="0" i="0" u="none" strike="noStrike" dirty="0">
+                          <a:solidFill>
+                            <a:srgbClr val="000000"/>
+                          </a:solidFill>
+                          <a:effectLst/>
+                          <a:latin typeface="Calibri"/>
+                        </a:rPr>
+                        <a:t>finishing touches, </a:t>
+                      </a:r>
+                      <a:r>
+                        <a:rPr lang="en-US" sz="1400" b="0" i="0" u="none" strike="noStrike" dirty="0" smtClean="0">
+                          <a:solidFill>
+                            <a:srgbClr val="000000"/>
+                          </a:solidFill>
+                          <a:effectLst/>
+                          <a:latin typeface="Calibri"/>
+                        </a:rPr>
+                        <a:t> </a:t>
+                      </a:r>
+                      <a:br>
+                        <a:rPr lang="en-US" sz="1400" b="0" i="0" u="none" strike="noStrike" dirty="0" smtClean="0">
+                          <a:solidFill>
+                            <a:srgbClr val="000000"/>
+                          </a:solidFill>
+                          <a:effectLst/>
+                          <a:latin typeface="Calibri"/>
+                        </a:rPr>
+                      </a:br>
+                      <a:r>
+                        <a:rPr lang="en-US" sz="1400" b="0" i="0" u="none" strike="noStrike" dirty="0" smtClean="0">
+                          <a:solidFill>
+                            <a:srgbClr val="000000"/>
+                          </a:solidFill>
+                          <a:effectLst/>
+                          <a:latin typeface="Calibri"/>
+                        </a:rPr>
+                        <a:t> Thesis </a:t>
+                      </a:r>
+                      <a:r>
+                        <a:rPr lang="en-US" sz="1400" b="0" i="0" u="none" strike="noStrike" dirty="0">
+                          <a:solidFill>
+                            <a:srgbClr val="000000"/>
+                          </a:solidFill>
+                          <a:effectLst/>
+                          <a:latin typeface="Calibri"/>
+                        </a:rPr>
+                        <a:t>defense</a:t>
+                      </a:r>
+                    </a:p>
+                  </a:txBody>
+                  <a:tcPr marL="7801" marR="7801" marT="7801" marB="0" anchor="ctr">
+                    <a:lnL w="6350" cap="flat" cmpd="sng" algn="ctr">
+                      <a:solidFill>
+                        <a:srgbClr val="000000"/>
+                      </a:solidFill>
+                      <a:prstDash val="solid"/>
+                      <a:round/>
+                      <a:headEnd type="none" w="med" len="med"/>
+                      <a:tailEnd type="none" w="med" len="med"/>
+                    </a:lnL>
+                    <a:lnR w="6350" cap="flat" cmpd="sng" algn="ctr">
+                      <a:solidFill>
+                        <a:srgbClr val="000000"/>
+                      </a:solidFill>
+                      <a:prstDash val="solid"/>
+                      <a:round/>
+                      <a:headEnd type="none" w="med" len="med"/>
+                      <a:tailEnd type="none" w="med" len="med"/>
+                    </a:lnR>
+                    <a:lnT w="6350" cap="flat" cmpd="sng" algn="ctr">
+                      <a:solidFill>
+                        <a:srgbClr val="000000"/>
+                      </a:solidFill>
+                      <a:prstDash val="solid"/>
+                      <a:round/>
+                      <a:headEnd type="none" w="med" len="med"/>
+                      <a:tailEnd type="none" w="med" len="med"/>
+                    </a:lnT>
+                    <a:lnB w="6350" cap="flat" cmpd="sng" algn="ctr">
+                      <a:solidFill>
+                        <a:srgbClr val="000000"/>
+                      </a:solidFill>
+                      <a:prstDash val="solid"/>
+                      <a:round/>
+                      <a:headEnd type="none" w="med" len="med"/>
+                      <a:tailEnd type="none" w="med" len="med"/>
+                    </a:lnB>
+                    <a:solidFill>
+                      <a:srgbClr val="8DB4E2"/>
+                    </a:solidFill>
+                  </a:tcPr>
+                </a:tc>
+              </a:tr>
+            </a:tbl>
+          </a:graphicData>
+        </a:graphic>
+      </p:graphicFrame>
     </p:spTree>
     <p:extLst>
       <p:ext uri="{BB962C8B-B14F-4D97-AF65-F5344CB8AC3E}">
@@ -6820,7 +9762,7 @@
           </a:p>
           <a:p>
             <a:r>
-              <a:rPr lang="en-US" smtClean="0"/>
+              <a:rPr lang="en-US" dirty="0" smtClean="0"/>
               <a:t>Timetable</a:t>
             </a:r>
             <a:endParaRPr lang="en-US" dirty="0" smtClean="0"/>

--- a/concept_presentation.pptx
+++ b/concept_presentation.pptx
@@ -6711,7 +6711,7 @@
             <p:ph idx="1"/>
             <p:extLst>
               <p:ext uri="{D42A27DB-BD31-4B8C-83A1-F6EECF244321}">
-                <p14:modId xmlns:p14="http://schemas.microsoft.com/office/powerpoint/2010/main" val="4130062099"/>
+                <p14:modId xmlns:p14="http://schemas.microsoft.com/office/powerpoint/2010/main" val="1486615825"/>
               </p:ext>
             </p:extLst>
           </p:nvPr>
@@ -8306,14 +8306,14 @@
                         <a:t>work on </a:t>
                       </a:r>
                       <a:r>
-                        <a:rPr lang="en-US" sz="1400" b="0" i="0" u="none" strike="noStrike" dirty="0" err="1">
+                        <a:rPr lang="en-US" sz="1400" b="0" i="0" u="none" strike="noStrike" dirty="0" smtClean="0">
                           <a:solidFill>
                             <a:srgbClr val="000000"/>
                           </a:solidFill>
                           <a:effectLst/>
                           <a:latin typeface="Calibri"/>
                         </a:rPr>
-                        <a:t>extraced</a:t>
+                        <a:t>extracted </a:t>
                       </a:r>
                       <a:r>
                         <a:rPr lang="en-US" sz="1400" b="0" i="0" u="none" strike="noStrike" dirty="0">
@@ -8323,7 +8323,7 @@
                           <a:effectLst/>
                           <a:latin typeface="Calibri"/>
                         </a:rPr>
-                        <a:t> indices: Correlation coefficients, </a:t>
+                        <a:t>indices: Correlation coefficients, </a:t>
                       </a:r>
                       <a:r>
                         <a:rPr lang="en-US" sz="1400" b="0" i="0" u="none" strike="noStrike" dirty="0" smtClean="0">
@@ -9227,7 +9227,7 @@
                         <a:t> Writing </a:t>
                       </a:r>
                       <a:r>
-                        <a:rPr lang="en-US" sz="1400" b="0" i="0" u="none" strike="noStrike" dirty="0">
+                        <a:rPr lang="en-US" sz="1400" b="0" i="0" u="none" strike="noStrike">
                           <a:solidFill>
                             <a:srgbClr val="000000"/>
                           </a:solidFill>
@@ -9237,14 +9237,14 @@
                         <a:t>&amp; </a:t>
                       </a:r>
                       <a:r>
-                        <a:rPr lang="en-US" sz="1400" b="0" i="0" u="none" strike="noStrike" dirty="0" err="1">
+                        <a:rPr lang="en-US" sz="1400" b="0" i="0" u="none" strike="noStrike" smtClean="0">
                           <a:solidFill>
                             <a:srgbClr val="000000"/>
                           </a:solidFill>
                           <a:effectLst/>
                           <a:latin typeface="Calibri"/>
                         </a:rPr>
-                        <a:t>Layouting</a:t>
+                        <a:t>Layout, </a:t>
                       </a:r>
                       <a:r>
                         <a:rPr lang="en-US" sz="1400" b="0" i="0" u="none" strike="noStrike" dirty="0">
@@ -9254,7 +9254,7 @@
                           <a:effectLst/>
                           <a:latin typeface="Calibri"/>
                         </a:rPr>
-                        <a:t>, finishing touches </a:t>
+                        <a:t>finishing touches </a:t>
                       </a:r>
                     </a:p>
                   </a:txBody>

--- a/concept_presentation.pptx
+++ b/concept_presentation.pptx
@@ -3965,7 +3965,6 @@
               <a:rPr lang="en-US" sz="1800" dirty="0" smtClean="0"/>
               <a:t>UZH – Remote Sensing Laboratories</a:t>
             </a:r>
-            <a:endParaRPr lang="en-US" sz="1800" dirty="0" smtClean="0"/>
           </a:p>
           <a:p>
             <a:r>
@@ -4092,11 +4091,7 @@
           <a:p>
             <a:r>
               <a:rPr lang="en-GB" dirty="0" smtClean="0"/>
-              <a:t>Comparison: Modelled vs. </a:t>
-            </a:r>
-            <a:r>
-              <a:rPr lang="en-GB" dirty="0" smtClean="0"/>
-              <a:t>Measured</a:t>
+              <a:t>Comparison: Modelled vs. Measured</a:t>
             </a:r>
             <a:endParaRPr lang="en-US" dirty="0"/>
           </a:p>
@@ -4122,15 +4117,7 @@
             <a:pPr lvl="0"/>
             <a:r>
               <a:rPr lang="en-GB" dirty="0" smtClean="0"/>
-              <a:t>LAI-re not yet </a:t>
-            </a:r>
-            <a:r>
-              <a:rPr lang="en-GB" dirty="0" smtClean="0"/>
-              <a:t>proved </a:t>
-            </a:r>
-            <a:r>
-              <a:rPr lang="en-GB" dirty="0" smtClean="0"/>
-              <a:t>and tested</a:t>
+              <a:t>LAI-re not yet proved and tested</a:t>
             </a:r>
           </a:p>
           <a:p>
@@ -4155,13 +4142,8 @@
           <a:p>
             <a:r>
               <a:rPr lang="en-GB" dirty="0" smtClean="0"/>
-              <a:t>Compare extracted LSP indices and </a:t>
-            </a:r>
-            <a:r>
-              <a:rPr lang="en-GB" dirty="0" smtClean="0"/>
-              <a:t>trend</a:t>
-            </a:r>
-            <a:endParaRPr lang="en-GB" dirty="0" smtClean="0"/>
+              <a:t>Compare extracted LSP indices and trend</a:t>
+            </a:r>
           </a:p>
         </p:txBody>
       </p:sp>
@@ -5612,7 +5594,6 @@
               <a:rPr lang="en-US" dirty="0"/>
               <a:t>Timetable</a:t>
             </a:r>
-            <a:endParaRPr lang="en-US" dirty="0"/>
           </a:p>
         </p:txBody>
       </p:sp>
@@ -9227,7 +9208,7 @@
                         <a:t> Writing </a:t>
                       </a:r>
                       <a:r>
-                        <a:rPr lang="en-US" sz="1400" b="0" i="0" u="none" strike="noStrike">
+                        <a:rPr lang="en-US" sz="1400" b="0" i="0" u="none" strike="noStrike" dirty="0">
                           <a:solidFill>
                             <a:srgbClr val="000000"/>
                           </a:solidFill>
@@ -9237,7 +9218,7 @@
                         <a:t>&amp; </a:t>
                       </a:r>
                       <a:r>
-                        <a:rPr lang="en-US" sz="1400" b="0" i="0" u="none" strike="noStrike" smtClean="0">
+                        <a:rPr lang="en-US" sz="1400" b="0" i="0" u="none" strike="noStrike" dirty="0" smtClean="0">
                           <a:solidFill>
                             <a:srgbClr val="000000"/>
                           </a:solidFill>
@@ -9765,7 +9746,6 @@
               <a:rPr lang="en-US" dirty="0" smtClean="0"/>
               <a:t>Timetable</a:t>
             </a:r>
-            <a:endParaRPr lang="en-US" dirty="0" smtClean="0"/>
           </a:p>
         </p:txBody>
       </p:sp>
@@ -9888,10 +9868,171 @@
         </p:nvSpPr>
         <p:spPr/>
         <p:txBody>
-          <a:bodyPr/>
-          <a:lstStyle/>
-          <a:p>
-            <a:endParaRPr lang="en-US"/>
+          <a:bodyPr>
+            <a:normAutofit fontScale="62500" lnSpcReduction="20000"/>
+          </a:bodyPr>
+          <a:lstStyle/>
+          <a:p>
+            <a:r>
+              <a:rPr lang="en-US" dirty="0" err="1"/>
+              <a:t>Garonna</a:t>
+            </a:r>
+            <a:r>
+              <a:rPr lang="en-US" dirty="0"/>
+              <a:t>, I., de Jong, R., de Wit, A. J. W., </a:t>
+            </a:r>
+            <a:r>
+              <a:rPr lang="en-US" dirty="0" err="1"/>
+              <a:t>Mücher</a:t>
+            </a:r>
+            <a:r>
+              <a:rPr lang="en-US" dirty="0"/>
+              <a:t>, C. a, </a:t>
+            </a:r>
+            <a:r>
+              <a:rPr lang="en-US" dirty="0" err="1"/>
+              <a:t>Schmid</a:t>
+            </a:r>
+            <a:r>
+              <a:rPr lang="en-US" dirty="0"/>
+              <a:t>, B., &amp; </a:t>
+            </a:r>
+            <a:r>
+              <a:rPr lang="en-US" dirty="0" err="1"/>
+              <a:t>Schaepman</a:t>
+            </a:r>
+            <a:r>
+              <a:rPr lang="en-US" dirty="0"/>
+              <a:t>, M. E. (2014). Strong contribution of autumn phenology to changes in satellite-derived growing season length estimates across Europe (1982-2011). Global Change Biology, 20(11), 3457–70</a:t>
+            </a:r>
+            <a:r>
+              <a:rPr lang="en-US" dirty="0" smtClean="0"/>
+              <a:t>.</a:t>
+            </a:r>
+            <a:endParaRPr lang="en-US" dirty="0"/>
+          </a:p>
+          <a:p>
+            <a:r>
+              <a:rPr lang="en-US" dirty="0"/>
+              <a:t>Jolly, W. M., </a:t>
+            </a:r>
+            <a:r>
+              <a:rPr lang="en-US" dirty="0" err="1"/>
+              <a:t>Nemani</a:t>
+            </a:r>
+            <a:r>
+              <a:rPr lang="en-US" dirty="0"/>
+              <a:t>, R., &amp; Running, S. W. (2005). A generalized, bioclimatic index to predict foliar phenology in response to climate. Global Change Biology, 11(4), 619–632. </a:t>
+            </a:r>
+            <a:endParaRPr lang="en-US" dirty="0" smtClean="0"/>
+          </a:p>
+          <a:p>
+            <a:r>
+              <a:rPr lang="en-US" dirty="0"/>
+              <a:t>Reed, B. C., Michael White, and </a:t>
+            </a:r>
+            <a:r>
+              <a:rPr lang="en-US" dirty="0" err="1"/>
+              <a:t>Jesslyn</a:t>
+            </a:r>
+            <a:r>
+              <a:rPr lang="en-US" dirty="0"/>
+              <a:t> F. Brown. (2003). “Remote Sensing Phenology.” Pp. 365–81 in Phenology: An Integra3ve Environmental Science SE - 23, vol. 39, edited by </a:t>
+            </a:r>
+            <a:r>
+              <a:rPr lang="en-US" dirty="0" err="1"/>
+              <a:t>MarkD</a:t>
+            </a:r>
+            <a:r>
+              <a:rPr lang="en-US" dirty="0"/>
+              <a:t>. Schwartz. </a:t>
+            </a:r>
+            <a:r>
+              <a:rPr lang="en-US"/>
+              <a:t>Springer </a:t>
+            </a:r>
+            <a:r>
+              <a:rPr lang="en-US"/>
+              <a:t>Netherlands</a:t>
+            </a:r>
+            <a:r>
+              <a:rPr lang="en-US" smtClean="0"/>
+              <a:t>.</a:t>
+            </a:r>
+            <a:endParaRPr lang="en-US" dirty="0"/>
+          </a:p>
+          <a:p>
+            <a:r>
+              <a:rPr lang="en-US" dirty="0" err="1"/>
+              <a:t>Roerink</a:t>
+            </a:r>
+            <a:r>
+              <a:rPr lang="en-US" dirty="0"/>
+              <a:t>, G. J., </a:t>
+            </a:r>
+            <a:r>
+              <a:rPr lang="en-US" dirty="0" err="1"/>
+              <a:t>Menenti</a:t>
+            </a:r>
+            <a:r>
+              <a:rPr lang="en-US" dirty="0"/>
+              <a:t>, M., &amp; </a:t>
+            </a:r>
+            <a:r>
+              <a:rPr lang="en-US" dirty="0" err="1"/>
+              <a:t>Verhoef</a:t>
+            </a:r>
+            <a:r>
+              <a:rPr lang="en-US" dirty="0"/>
+              <a:t>, W. (2000). Reconstructing </a:t>
+            </a:r>
+            <a:r>
+              <a:rPr lang="en-US" dirty="0" err="1"/>
+              <a:t>cloudfree</a:t>
+            </a:r>
+            <a:r>
+              <a:rPr lang="en-US" dirty="0"/>
+              <a:t> NDVI composites using Fourier analysis of time series. International Journal of Remote Sensing, 21(9), 1911–</a:t>
+            </a:r>
+            <a:r>
+              <a:rPr lang="en-US" dirty="0" smtClean="0"/>
+              <a:t>1917</a:t>
+            </a:r>
+            <a:endParaRPr lang="en-US" dirty="0"/>
+          </a:p>
+          <a:p>
+            <a:r>
+              <a:rPr lang="en-US" dirty="0" err="1"/>
+              <a:t>Stöckli</a:t>
+            </a:r>
+            <a:r>
+              <a:rPr lang="en-US" dirty="0"/>
+              <a:t>, R., </a:t>
+            </a:r>
+            <a:r>
+              <a:rPr lang="en-US" dirty="0" err="1"/>
+              <a:t>Rutishauser</a:t>
+            </a:r>
+            <a:r>
+              <a:rPr lang="en-US" dirty="0"/>
+              <a:t>, T., Baker, I., </a:t>
+            </a:r>
+            <a:r>
+              <a:rPr lang="en-US" dirty="0" err="1"/>
+              <a:t>Liniger</a:t>
+            </a:r>
+            <a:r>
+              <a:rPr lang="en-US" dirty="0"/>
+              <a:t>, M. a., &amp; Denning, a. S. (2011). A global reanalysis of vegetation phenology. Journal of Geophysical Research, 116(</a:t>
+            </a:r>
+            <a:r>
+              <a:rPr lang="en-US" dirty="0" smtClean="0"/>
+              <a:t>G3)</a:t>
+            </a:r>
+            <a:endParaRPr lang="en-US" dirty="0"/>
+          </a:p>
+          <a:p>
+            <a:endParaRPr lang="en-US" dirty="0"/>
           </a:p>
         </p:txBody>
       </p:sp>
@@ -9952,6 +10093,13 @@
   <p:clrMapOvr>
     <a:masterClrMapping/>
   </p:clrMapOvr>
+  <p:timing>
+    <p:tnLst>
+      <p:par>
+        <p:cTn xmlns:p14="http://schemas.microsoft.com/office/powerpoint/2010/main" id="1" dur="indefinite" restart="never" nodeType="tmRoot"/>
+      </p:par>
+    </p:tnLst>
+  </p:timing>
 </p:sld>
 </file>
 
@@ -10169,23 +10317,53 @@
             <a:pPr lvl="1"/>
             <a:r>
               <a:rPr lang="en-US" dirty="0" smtClean="0"/>
-              <a:t>LAI-re and LAI3g both assimilated with MODIS LAI data</a:t>
+              <a:t>LAI-re and LAI3g both assimilated with MODIS LAI </a:t>
+            </a:r>
+            <a:r>
+              <a:rPr lang="en-US" dirty="0" smtClean="0"/>
+              <a:t>data</a:t>
             </a:r>
           </a:p>
           <a:p>
             <a:pPr lvl="1"/>
             <a:r>
               <a:rPr lang="en-US" dirty="0" smtClean="0"/>
-              <a:t>MODIS LAI has a smaller resolution – possible </a:t>
-            </a:r>
-            <a:r>
-              <a:rPr lang="en-US" dirty="0" err="1" smtClean="0"/>
-              <a:t>upscaling</a:t>
-            </a:r>
+              <a:t>MODIS dataset only from year 2000 onwards</a:t>
+            </a:r>
+            <a:endParaRPr lang="en-US" dirty="0" smtClean="0"/>
+          </a:p>
+          <a:p>
+            <a:pPr lvl="1"/>
             <a:r>
               <a:rPr lang="en-US" dirty="0" smtClean="0"/>
-              <a:t> effects (introduces more uncertainty)</a:t>
-            </a:r>
+              <a:t>MODIS LAI has a </a:t>
+            </a:r>
+            <a:r>
+              <a:rPr lang="en-US" dirty="0" smtClean="0"/>
+              <a:t>much higher resolution – </a:t>
+            </a:r>
+            <a:r>
+              <a:rPr lang="en-US" dirty="0" smtClean="0"/>
+              <a:t>possible </a:t>
+            </a:r>
+            <a:r>
+              <a:rPr lang="en-US" dirty="0" smtClean="0"/>
+              <a:t>scaling </a:t>
+            </a:r>
+            <a:r>
+              <a:rPr lang="en-US" dirty="0" smtClean="0"/>
+              <a:t>effects (introduces more uncertainty</a:t>
+            </a:r>
+            <a:r>
+              <a:rPr lang="en-US" dirty="0" smtClean="0"/>
+              <a:t>)</a:t>
+            </a:r>
+          </a:p>
+          <a:p>
+            <a:pPr marL="457200" lvl="1" indent="0">
+              <a:buNone/>
+            </a:pPr>
+            <a:endParaRPr lang="en-US" dirty="0" smtClean="0"/>
           </a:p>
           <a:p>
             <a:pPr lvl="1"/>
@@ -10254,6 +10432,13 @@
   <p:clrMapOvr>
     <a:masterClrMapping/>
   </p:clrMapOvr>
+  <p:timing>
+    <p:tnLst>
+      <p:par>
+        <p:cTn xmlns:p14="http://schemas.microsoft.com/office/powerpoint/2010/main" id="1" dur="indefinite" restart="never" nodeType="tmRoot"/>
+      </p:par>
+    </p:tnLst>
+  </p:timing>
 </p:sld>
 </file>
 
@@ -10326,26 +10511,22 @@
           <a:p>
             <a:r>
               <a:rPr lang="en-GB" dirty="0" smtClean="0"/>
-              <a:t>Lots of research on </a:t>
-            </a:r>
+              <a:t>Lots of research on measured and modelled LSP</a:t>
+            </a:r>
+          </a:p>
+          <a:p>
+            <a:pPr lvl="1"/>
             <a:r>
               <a:rPr lang="en-GB" dirty="0" smtClean="0"/>
-              <a:t>measured </a:t>
+              <a:t>NDVI/LAI trend analysis (e.g. </a:t>
+            </a:r>
+            <a:r>
+              <a:rPr lang="en-GB" dirty="0" err="1" smtClean="0"/>
+              <a:t>Garonna</a:t>
             </a:r>
             <a:r>
               <a:rPr lang="en-GB" dirty="0" smtClean="0"/>
-              <a:t>and </a:t>
-            </a:r>
-            <a:r>
-              <a:rPr lang="en-GB" dirty="0" smtClean="0"/>
-              <a:t>modelled LSP</a:t>
-            </a:r>
-          </a:p>
-          <a:p>
-            <a:pPr lvl="1"/>
-            <a:r>
-              <a:rPr lang="en-GB" dirty="0" smtClean="0"/>
-              <a:t>NDVI/LAI trend analysis</a:t>
+              <a:t> et al. 2011)</a:t>
             </a:r>
           </a:p>
           <a:p>
@@ -11313,7 +11494,6 @@
               <a:rPr lang="en-US" dirty="0"/>
               <a:t>Timetable</a:t>
             </a:r>
-            <a:endParaRPr lang="en-US" dirty="0"/>
           </a:p>
         </p:txBody>
       </p:sp>

--- a/concept_presentation.pptx
+++ b/concept_presentation.pptx
@@ -5,19 +5,19 @@
     <p:sldMasterId id="2147483660" r:id="rId1"/>
   </p:sldMasterIdLst>
   <p:notesMasterIdLst>
-    <p:notesMasterId r:id="rId24"/>
+    <p:notesMasterId r:id="rId25"/>
   </p:notesMasterIdLst>
   <p:handoutMasterIdLst>
-    <p:handoutMasterId r:id="rId25"/>
+    <p:handoutMasterId r:id="rId26"/>
   </p:handoutMasterIdLst>
   <p:sldIdLst>
     <p:sldId id="256" r:id="rId2"/>
     <p:sldId id="257" r:id="rId3"/>
     <p:sldId id="258" r:id="rId4"/>
-    <p:sldId id="259" r:id="rId5"/>
-    <p:sldId id="262" r:id="rId6"/>
-    <p:sldId id="263" r:id="rId7"/>
-    <p:sldId id="264" r:id="rId8"/>
+    <p:sldId id="262" r:id="rId5"/>
+    <p:sldId id="263" r:id="rId6"/>
+    <p:sldId id="264" r:id="rId7"/>
+    <p:sldId id="259" r:id="rId8"/>
     <p:sldId id="260" r:id="rId9"/>
     <p:sldId id="276" r:id="rId10"/>
     <p:sldId id="261" r:id="rId11"/>
@@ -32,7 +32,8 @@
     <p:sldId id="277" r:id="rId20"/>
     <p:sldId id="278" r:id="rId21"/>
     <p:sldId id="275" r:id="rId22"/>
-    <p:sldId id="279" r:id="rId23"/>
+    <p:sldId id="280" r:id="rId23"/>
+    <p:sldId id="279" r:id="rId24"/>
   </p:sldIdLst>
   <p:sldSz cx="9144000" cy="6858000" type="screen4x3"/>
   <p:notesSz cx="6858000" cy="9144000"/>
@@ -3916,7 +3917,22 @@
           <a:p>
             <a:r>
               <a:rPr lang="en-US" sz="4800" dirty="0"/>
-              <a:t>Assessing the impact of climatic controls on global changes in land-surface phenology</a:t>
+              <a:t>Assessing the impact of climatic controls on global changes in </a:t>
+            </a:r>
+            <a:r>
+              <a:rPr lang="en-US" sz="4800" dirty="0" smtClean="0"/>
+              <a:t/>
+            </a:r>
+            <a:br>
+              <a:rPr lang="en-US" sz="4800" dirty="0" smtClean="0"/>
+            </a:br>
+            <a:r>
+              <a:rPr lang="en-US" sz="4800" dirty="0" smtClean="0"/>
+              <a:t>land surface </a:t>
+            </a:r>
+            <a:r>
+              <a:rPr lang="en-US" sz="4800" dirty="0"/>
+              <a:t>phenology</a:t>
             </a:r>
           </a:p>
         </p:txBody>
@@ -4117,7 +4133,15 @@
             <a:pPr lvl="0"/>
             <a:r>
               <a:rPr lang="en-GB" dirty="0" smtClean="0"/>
-              <a:t>LAI-re not yet proved and tested</a:t>
+              <a:t>LAI-re not yet </a:t>
+            </a:r>
+            <a:r>
+              <a:rPr lang="en-GB" dirty="0" smtClean="0"/>
+              <a:t>tried and </a:t>
+            </a:r>
+            <a:r>
+              <a:rPr lang="en-GB" dirty="0" smtClean="0"/>
+              <a:t>tested</a:t>
             </a:r>
           </a:p>
           <a:p>
@@ -4130,8 +4154,27 @@
           <a:p>
             <a:r>
               <a:rPr lang="en-GB" dirty="0" smtClean="0"/>
-              <a:t>LAI3g as reference dataset</a:t>
-            </a:r>
+              <a:t>LAI3g as reference </a:t>
+            </a:r>
+            <a:r>
+              <a:rPr lang="en-GB" dirty="0" smtClean="0"/>
+              <a:t>dataset</a:t>
+            </a:r>
+          </a:p>
+          <a:p>
+            <a:pPr lvl="1"/>
+            <a:r>
+              <a:rPr lang="en-GB" dirty="0" smtClean="0"/>
+              <a:t>LAI3g and predecessors often used</a:t>
+            </a:r>
+          </a:p>
+          <a:p>
+            <a:pPr lvl="1"/>
+            <a:r>
+              <a:rPr lang="en-GB" dirty="0" smtClean="0"/>
+              <a:t>Based on measurements</a:t>
+            </a:r>
+            <a:endParaRPr lang="en-GB" dirty="0" smtClean="0"/>
           </a:p>
           <a:p>
             <a:r>
@@ -4196,7 +4239,7 @@
       </p:sp>
       <p:grpSp>
         <p:nvGrpSpPr>
-          <p:cNvPr id="6" name="Group 5"/>
+          <p:cNvPr id="12" name="Group 11"/>
           <p:cNvGrpSpPr/>
           <p:nvPr/>
         </p:nvGrpSpPr>
@@ -4210,7 +4253,7 @@
         </p:grpSpPr>
         <p:sp>
           <p:nvSpPr>
-            <p:cNvPr id="7" name="Rectangle 6"/>
+            <p:cNvPr id="13" name="Rectangle 12"/>
             <p:cNvSpPr/>
             <p:nvPr/>
           </p:nvSpPr>
@@ -4257,14 +4300,14 @@
         </p:sp>
         <p:sp>
           <p:nvSpPr>
-            <p:cNvPr id="8" name="TextBox 7"/>
+            <p:cNvPr id="14" name="TextBox 13"/>
             <p:cNvSpPr txBox="1"/>
             <p:nvPr/>
           </p:nvSpPr>
           <p:spPr>
             <a:xfrm>
-              <a:off x="614933" y="13372"/>
-              <a:ext cx="7840608" cy="369332"/>
+              <a:off x="147053" y="13372"/>
+              <a:ext cx="8996947" cy="369332"/>
             </a:xfrm>
             <a:prstGeom prst="rect">
               <a:avLst/>
@@ -4272,7 +4315,7 @@
             <a:noFill/>
           </p:spPr>
           <p:txBody>
-            <a:bodyPr wrap="none" rtlCol="0">
+            <a:bodyPr wrap="square" rtlCol="0">
               <a:spAutoFit/>
             </a:bodyPr>
             <a:lstStyle/>
@@ -4283,16 +4326,29 @@
               </a:r>
               <a:r>
                 <a:rPr lang="en-US" b="1" dirty="0" smtClean="0"/>
-                <a:t>Materials and Method</a:t>
+                <a:t>Materials </a:t>
+              </a:r>
+              <a:r>
+                <a:rPr lang="en-US" b="1" dirty="0" smtClean="0"/>
+                <a:t>&amp; </a:t>
+              </a:r>
+              <a:r>
+                <a:rPr lang="en-US" b="1" dirty="0" smtClean="0"/>
+                <a:t>Method </a:t>
               </a:r>
               <a:r>
                 <a:rPr lang="en-US" dirty="0" smtClean="0"/>
-                <a:t> | Expected Results | Challenges | </a:t>
+                <a:t>| Expected Results | </a:t>
               </a:r>
               <a:r>
-                <a:rPr lang="en-US" dirty="0"/>
-                <a:t>Timetable</a:t>
+                <a:rPr lang="en-US" dirty="0" smtClean="0"/>
+                <a:t>Limitations &amp; Challenges </a:t>
               </a:r>
+              <a:r>
+                <a:rPr lang="en-US" dirty="0" smtClean="0"/>
+                <a:t>| Timetable</a:t>
+              </a:r>
+              <a:endParaRPr lang="en-US" dirty="0"/>
             </a:p>
           </p:txBody>
         </p:sp>
@@ -4577,7 +4633,7 @@
       </p:sp>
       <p:grpSp>
         <p:nvGrpSpPr>
-          <p:cNvPr id="8" name="Group 7"/>
+          <p:cNvPr id="14" name="Group 13"/>
           <p:cNvGrpSpPr/>
           <p:nvPr/>
         </p:nvGrpSpPr>
@@ -4591,7 +4647,7 @@
         </p:grpSpPr>
         <p:sp>
           <p:nvSpPr>
-            <p:cNvPr id="9" name="Rectangle 8"/>
+            <p:cNvPr id="15" name="Rectangle 14"/>
             <p:cNvSpPr/>
             <p:nvPr/>
           </p:nvSpPr>
@@ -4638,14 +4694,14 @@
         </p:sp>
         <p:sp>
           <p:nvSpPr>
-            <p:cNvPr id="10" name="TextBox 9"/>
+            <p:cNvPr id="16" name="TextBox 15"/>
             <p:cNvSpPr txBox="1"/>
             <p:nvPr/>
           </p:nvSpPr>
           <p:spPr>
             <a:xfrm>
-              <a:off x="614933" y="13372"/>
-              <a:ext cx="7840608" cy="369332"/>
+              <a:off x="147053" y="13372"/>
+              <a:ext cx="8996947" cy="369332"/>
             </a:xfrm>
             <a:prstGeom prst="rect">
               <a:avLst/>
@@ -4653,7 +4709,7 @@
             <a:noFill/>
           </p:spPr>
           <p:txBody>
-            <a:bodyPr wrap="none" rtlCol="0">
+            <a:bodyPr wrap="square" rtlCol="0">
               <a:spAutoFit/>
             </a:bodyPr>
             <a:lstStyle/>
@@ -4664,16 +4720,29 @@
               </a:r>
               <a:r>
                 <a:rPr lang="en-US" b="1" dirty="0" smtClean="0"/>
-                <a:t>Materials and Method</a:t>
+                <a:t>Materials </a:t>
+              </a:r>
+              <a:r>
+                <a:rPr lang="en-US" b="1" dirty="0" smtClean="0"/>
+                <a:t>&amp; </a:t>
+              </a:r>
+              <a:r>
+                <a:rPr lang="en-US" b="1" dirty="0" smtClean="0"/>
+                <a:t>Method </a:t>
               </a:r>
               <a:r>
                 <a:rPr lang="en-US" dirty="0" smtClean="0"/>
-                <a:t> | Expected Results | Challenges | </a:t>
+                <a:t>| Expected Results | </a:t>
               </a:r>
               <a:r>
-                <a:rPr lang="en-US" dirty="0"/>
-                <a:t>Timetable</a:t>
+                <a:rPr lang="en-US" dirty="0" smtClean="0"/>
+                <a:t>Limitations &amp; Challenges </a:t>
               </a:r>
+              <a:r>
+                <a:rPr lang="en-US" dirty="0" smtClean="0"/>
+                <a:t>| Timetable</a:t>
+              </a:r>
+              <a:endParaRPr lang="en-US" dirty="0"/>
             </a:p>
           </p:txBody>
         </p:sp>
@@ -4830,7 +4899,7 @@
       </p:sp>
       <p:grpSp>
         <p:nvGrpSpPr>
-          <p:cNvPr id="6" name="Group 5"/>
+          <p:cNvPr id="12" name="Group 11"/>
           <p:cNvGrpSpPr/>
           <p:nvPr/>
         </p:nvGrpSpPr>
@@ -4844,7 +4913,7 @@
         </p:grpSpPr>
         <p:sp>
           <p:nvSpPr>
-            <p:cNvPr id="7" name="Rectangle 6"/>
+            <p:cNvPr id="13" name="Rectangle 12"/>
             <p:cNvSpPr/>
             <p:nvPr/>
           </p:nvSpPr>
@@ -4891,14 +4960,14 @@
         </p:sp>
         <p:sp>
           <p:nvSpPr>
-            <p:cNvPr id="8" name="TextBox 7"/>
+            <p:cNvPr id="14" name="TextBox 13"/>
             <p:cNvSpPr txBox="1"/>
             <p:nvPr/>
           </p:nvSpPr>
           <p:spPr>
             <a:xfrm>
-              <a:off x="614933" y="13372"/>
-              <a:ext cx="7840608" cy="369332"/>
+              <a:off x="147053" y="13372"/>
+              <a:ext cx="8996947" cy="369332"/>
             </a:xfrm>
             <a:prstGeom prst="rect">
               <a:avLst/>
@@ -4906,7 +4975,7 @@
             <a:noFill/>
           </p:spPr>
           <p:txBody>
-            <a:bodyPr wrap="none" rtlCol="0">
+            <a:bodyPr wrap="square" rtlCol="0">
               <a:spAutoFit/>
             </a:bodyPr>
             <a:lstStyle/>
@@ -4917,16 +4986,29 @@
               </a:r>
               <a:r>
                 <a:rPr lang="en-US" b="1" dirty="0" smtClean="0"/>
-                <a:t>Materials and Method</a:t>
+                <a:t>Materials </a:t>
+              </a:r>
+              <a:r>
+                <a:rPr lang="en-US" b="1" dirty="0" smtClean="0"/>
+                <a:t>&amp; </a:t>
+              </a:r>
+              <a:r>
+                <a:rPr lang="en-US" b="1" dirty="0" smtClean="0"/>
+                <a:t>Method </a:t>
               </a:r>
               <a:r>
                 <a:rPr lang="en-US" dirty="0" smtClean="0"/>
-                <a:t> | Expected Results | Challenges | </a:t>
+                <a:t>| Expected Results | </a:t>
               </a:r>
               <a:r>
-                <a:rPr lang="en-US" dirty="0"/>
-                <a:t>Timetable</a:t>
+                <a:rPr lang="en-US" dirty="0" smtClean="0"/>
+                <a:t>Limitations &amp; Challenges </a:t>
               </a:r>
+              <a:r>
+                <a:rPr lang="en-US" dirty="0" smtClean="0"/>
+                <a:t>| Timetable</a:t>
+              </a:r>
+              <a:endParaRPr lang="en-US" dirty="0"/>
             </a:p>
           </p:txBody>
         </p:sp>
@@ -5113,7 +5195,7 @@
       </p:sp>
       <p:grpSp>
         <p:nvGrpSpPr>
-          <p:cNvPr id="6" name="Group 5"/>
+          <p:cNvPr id="33" name="Group 32"/>
           <p:cNvGrpSpPr/>
           <p:nvPr/>
         </p:nvGrpSpPr>
@@ -5127,7 +5209,7 @@
         </p:grpSpPr>
         <p:sp>
           <p:nvSpPr>
-            <p:cNvPr id="7" name="Rectangle 6"/>
+            <p:cNvPr id="34" name="Rectangle 33"/>
             <p:cNvSpPr/>
             <p:nvPr/>
           </p:nvSpPr>
@@ -5174,14 +5256,14 @@
         </p:sp>
         <p:sp>
           <p:nvSpPr>
-            <p:cNvPr id="8" name="TextBox 7"/>
+            <p:cNvPr id="35" name="TextBox 34"/>
             <p:cNvSpPr txBox="1"/>
             <p:nvPr/>
           </p:nvSpPr>
           <p:spPr>
             <a:xfrm>
-              <a:off x="614933" y="13372"/>
-              <a:ext cx="7840608" cy="369332"/>
+              <a:off x="147053" y="13372"/>
+              <a:ext cx="8996947" cy="369332"/>
             </a:xfrm>
             <a:prstGeom prst="rect">
               <a:avLst/>
@@ -5189,7 +5271,7 @@
             <a:noFill/>
           </p:spPr>
           <p:txBody>
-            <a:bodyPr wrap="none" rtlCol="0">
+            <a:bodyPr wrap="square" rtlCol="0">
               <a:spAutoFit/>
             </a:bodyPr>
             <a:lstStyle/>
@@ -5200,16 +5282,29 @@
               </a:r>
               <a:r>
                 <a:rPr lang="en-US" b="1" dirty="0" smtClean="0"/>
-                <a:t>Materials and Method</a:t>
+                <a:t>Materials </a:t>
+              </a:r>
+              <a:r>
+                <a:rPr lang="en-US" b="1" dirty="0" smtClean="0"/>
+                <a:t>&amp; </a:t>
+              </a:r>
+              <a:r>
+                <a:rPr lang="en-US" b="1" dirty="0" smtClean="0"/>
+                <a:t>Method </a:t>
               </a:r>
               <a:r>
                 <a:rPr lang="en-US" dirty="0" smtClean="0"/>
-                <a:t> | Expected Results | Challenges | </a:t>
+                <a:t>| Expected Results | </a:t>
               </a:r>
               <a:r>
-                <a:rPr lang="en-US" dirty="0"/>
-                <a:t>Timetable</a:t>
+                <a:rPr lang="en-US" dirty="0" smtClean="0"/>
+                <a:t>Limitations &amp; Challenges </a:t>
               </a:r>
+              <a:r>
+                <a:rPr lang="en-US" dirty="0" smtClean="0"/>
+                <a:t>| Timetable</a:t>
+              </a:r>
+              <a:endParaRPr lang="en-US" dirty="0"/>
             </a:p>
           </p:txBody>
         </p:sp>
@@ -5333,7 +5428,11 @@
           <a:p>
             <a:r>
               <a:rPr lang="en-GB" dirty="0" smtClean="0"/>
-              <a:t>Climatic Controls and LAI: GSL-lengthening with increase in T </a:t>
+              <a:t>Climatic Controls and LAI: GSL-lengthening with increase in </a:t>
+            </a:r>
+            <a:r>
+              <a:rPr lang="en-GB" dirty="0" smtClean="0"/>
+              <a:t>T</a:t>
             </a:r>
             <a:endParaRPr lang="en-GB" dirty="0"/>
           </a:p>
@@ -5388,7 +5487,7 @@
       </p:sp>
       <p:grpSp>
         <p:nvGrpSpPr>
-          <p:cNvPr id="6" name="Group 5"/>
+          <p:cNvPr id="12" name="Group 11"/>
           <p:cNvGrpSpPr/>
           <p:nvPr/>
         </p:nvGrpSpPr>
@@ -5402,7 +5501,7 @@
         </p:grpSpPr>
         <p:sp>
           <p:nvSpPr>
-            <p:cNvPr id="7" name="Rectangle 6"/>
+            <p:cNvPr id="13" name="Rectangle 12"/>
             <p:cNvSpPr/>
             <p:nvPr/>
           </p:nvSpPr>
@@ -5449,14 +5548,14 @@
         </p:sp>
         <p:sp>
           <p:nvSpPr>
-            <p:cNvPr id="8" name="TextBox 7"/>
+            <p:cNvPr id="14" name="TextBox 13"/>
             <p:cNvSpPr txBox="1"/>
             <p:nvPr/>
           </p:nvSpPr>
           <p:spPr>
             <a:xfrm>
-              <a:off x="614933" y="13372"/>
-              <a:ext cx="7840608" cy="369332"/>
+              <a:off x="147053" y="13372"/>
+              <a:ext cx="8996947" cy="369332"/>
             </a:xfrm>
             <a:prstGeom prst="rect">
               <a:avLst/>
@@ -5464,14 +5563,26 @@
             <a:noFill/>
           </p:spPr>
           <p:txBody>
-            <a:bodyPr wrap="none" rtlCol="0">
+            <a:bodyPr wrap="square" rtlCol="0">
               <a:spAutoFit/>
             </a:bodyPr>
             <a:lstStyle/>
             <a:p>
               <a:r>
                 <a:rPr lang="en-US" dirty="0" smtClean="0"/>
-                <a:t>Introduction | Materials and Method | </a:t>
+                <a:t>Introduction | Materials </a:t>
+              </a:r>
+              <a:r>
+                <a:rPr lang="en-US" dirty="0" smtClean="0"/>
+                <a:t>&amp; </a:t>
+              </a:r>
+              <a:r>
+                <a:rPr lang="en-US" dirty="0" smtClean="0"/>
+                <a:t>Method </a:t>
+              </a:r>
+              <a:r>
+                <a:rPr lang="en-US" dirty="0" smtClean="0"/>
+                <a:t>| </a:t>
               </a:r>
               <a:r>
                 <a:rPr lang="en-US" b="1" dirty="0" smtClean="0"/>
@@ -5479,12 +5590,17 @@
               </a:r>
               <a:r>
                 <a:rPr lang="en-US" dirty="0" smtClean="0"/>
-                <a:t>| Challenges | </a:t>
+                <a:t>| </a:t>
               </a:r>
               <a:r>
-                <a:rPr lang="en-US" dirty="0"/>
-                <a:t>Timetable</a:t>
+                <a:rPr lang="en-US" dirty="0" smtClean="0"/>
+                <a:t>Limitations &amp; Challenges </a:t>
               </a:r>
+              <a:r>
+                <a:rPr lang="en-US" dirty="0" smtClean="0"/>
+                <a:t>| Timetable</a:t>
+              </a:r>
+              <a:endParaRPr lang="en-US" dirty="0"/>
             </a:p>
           </p:txBody>
         </p:sp>
@@ -5736,7 +5852,23 @@
             <a:pPr lvl="0"/>
             <a:r>
               <a:rPr lang="en-GB" dirty="0"/>
-              <a:t>No absolute plausibility test possible within the scope of thesis</a:t>
+              <a:t>No absolute </a:t>
+            </a:r>
+            <a:r>
+              <a:rPr lang="en-GB" dirty="0" smtClean="0"/>
+              <a:t>verification of </a:t>
+            </a:r>
+            <a:r>
+              <a:rPr lang="en-GB" dirty="0" smtClean="0"/>
+              <a:t>LAI-re </a:t>
+            </a:r>
+            <a:r>
+              <a:rPr lang="en-GB" dirty="0" smtClean="0"/>
+              <a:t>possible </a:t>
+            </a:r>
+            <a:r>
+              <a:rPr lang="en-GB" dirty="0"/>
+              <a:t>within the scope of thesis</a:t>
             </a:r>
             <a:endParaRPr lang="de-CH" dirty="0"/>
           </a:p>
@@ -5923,6 +6055,114 @@
           </p:txBody>
         </p:sp>
       </p:grpSp>
+      <p:grpSp>
+        <p:nvGrpSpPr>
+          <p:cNvPr id="9" name="Group 8"/>
+          <p:cNvGrpSpPr/>
+          <p:nvPr/>
+        </p:nvGrpSpPr>
+        <p:grpSpPr>
+          <a:xfrm>
+            <a:off x="0" y="0"/>
+            <a:ext cx="9723617" cy="384830"/>
+            <a:chOff x="0" y="0"/>
+            <a:chExt cx="9723617" cy="384830"/>
+          </a:xfrm>
+        </p:grpSpPr>
+        <p:sp>
+          <p:nvSpPr>
+            <p:cNvPr id="10" name="Rectangle 9"/>
+            <p:cNvSpPr/>
+            <p:nvPr/>
+          </p:nvSpPr>
+          <p:spPr>
+            <a:xfrm>
+              <a:off x="0" y="0"/>
+              <a:ext cx="9144000" cy="384830"/>
+            </a:xfrm>
+            <a:prstGeom prst="rect">
+              <a:avLst/>
+            </a:prstGeom>
+            <a:solidFill>
+              <a:schemeClr val="bg1">
+                <a:lumMod val="85000"/>
+              </a:schemeClr>
+            </a:solidFill>
+            <a:ln>
+              <a:noFill/>
+            </a:ln>
+            <a:effectLst/>
+          </p:spPr>
+          <p:style>
+            <a:lnRef idx="1">
+              <a:schemeClr val="accent1"/>
+            </a:lnRef>
+            <a:fillRef idx="3">
+              <a:schemeClr val="accent1"/>
+            </a:fillRef>
+            <a:effectRef idx="2">
+              <a:schemeClr val="accent1"/>
+            </a:effectRef>
+            <a:fontRef idx="minor">
+              <a:schemeClr val="lt1"/>
+            </a:fontRef>
+          </p:style>
+          <p:txBody>
+            <a:bodyPr rtlCol="0" anchor="ctr"/>
+            <a:lstStyle/>
+            <a:p>
+              <a:pPr algn="ctr"/>
+              <a:endParaRPr lang="en-US"/>
+            </a:p>
+          </p:txBody>
+        </p:sp>
+        <p:sp>
+          <p:nvSpPr>
+            <p:cNvPr id="11" name="TextBox 10"/>
+            <p:cNvSpPr txBox="1"/>
+            <p:nvPr/>
+          </p:nvSpPr>
+          <p:spPr>
+            <a:xfrm>
+              <a:off x="120316" y="13372"/>
+              <a:ext cx="9603301" cy="369332"/>
+            </a:xfrm>
+            <a:prstGeom prst="rect">
+              <a:avLst/>
+            </a:prstGeom>
+            <a:noFill/>
+          </p:spPr>
+          <p:txBody>
+            <a:bodyPr wrap="square" rtlCol="0">
+              <a:spAutoFit/>
+            </a:bodyPr>
+            <a:lstStyle/>
+            <a:p>
+              <a:r>
+                <a:rPr lang="en-US" dirty="0" smtClean="0"/>
+                <a:t>Introduction | Materials </a:t>
+              </a:r>
+              <a:r>
+                <a:rPr lang="en-US" dirty="0" smtClean="0"/>
+                <a:t>&amp; Method </a:t>
+              </a:r>
+              <a:r>
+                <a:rPr lang="en-US" dirty="0" smtClean="0"/>
+                <a:t>| Expected Results | </a:t>
+              </a:r>
+              <a:r>
+                <a:rPr lang="en-US" b="1" dirty="0" smtClean="0"/>
+                <a:t>Limitations &amp; Challenges </a:t>
+              </a:r>
+              <a:r>
+                <a:rPr lang="en-US" dirty="0" smtClean="0"/>
+                <a:t>| Timetable</a:t>
+              </a:r>
+              <a:endParaRPr lang="en-US" dirty="0"/>
+            </a:p>
+          </p:txBody>
+        </p:sp>
+      </p:grpSp>
     </p:spTree>
     <p:extLst>
       <p:ext uri="{BB962C8B-B14F-4D97-AF65-F5344CB8AC3E}">
@@ -6190,6 +6430,114 @@
           </p:txBody>
         </p:sp>
       </p:grpSp>
+      <p:grpSp>
+        <p:nvGrpSpPr>
+          <p:cNvPr id="15" name="Group 14"/>
+          <p:cNvGrpSpPr/>
+          <p:nvPr/>
+        </p:nvGrpSpPr>
+        <p:grpSpPr>
+          <a:xfrm>
+            <a:off x="0" y="0"/>
+            <a:ext cx="9723617" cy="384830"/>
+            <a:chOff x="0" y="0"/>
+            <a:chExt cx="9723617" cy="384830"/>
+          </a:xfrm>
+        </p:grpSpPr>
+        <p:sp>
+          <p:nvSpPr>
+            <p:cNvPr id="16" name="Rectangle 15"/>
+            <p:cNvSpPr/>
+            <p:nvPr/>
+          </p:nvSpPr>
+          <p:spPr>
+            <a:xfrm>
+              <a:off x="0" y="0"/>
+              <a:ext cx="9144000" cy="384830"/>
+            </a:xfrm>
+            <a:prstGeom prst="rect">
+              <a:avLst/>
+            </a:prstGeom>
+            <a:solidFill>
+              <a:schemeClr val="bg1">
+                <a:lumMod val="85000"/>
+              </a:schemeClr>
+            </a:solidFill>
+            <a:ln>
+              <a:noFill/>
+            </a:ln>
+            <a:effectLst/>
+          </p:spPr>
+          <p:style>
+            <a:lnRef idx="1">
+              <a:schemeClr val="accent1"/>
+            </a:lnRef>
+            <a:fillRef idx="3">
+              <a:schemeClr val="accent1"/>
+            </a:fillRef>
+            <a:effectRef idx="2">
+              <a:schemeClr val="accent1"/>
+            </a:effectRef>
+            <a:fontRef idx="minor">
+              <a:schemeClr val="lt1"/>
+            </a:fontRef>
+          </p:style>
+          <p:txBody>
+            <a:bodyPr rtlCol="0" anchor="ctr"/>
+            <a:lstStyle/>
+            <a:p>
+              <a:pPr algn="ctr"/>
+              <a:endParaRPr lang="en-US"/>
+            </a:p>
+          </p:txBody>
+        </p:sp>
+        <p:sp>
+          <p:nvSpPr>
+            <p:cNvPr id="17" name="TextBox 16"/>
+            <p:cNvSpPr txBox="1"/>
+            <p:nvPr/>
+          </p:nvSpPr>
+          <p:spPr>
+            <a:xfrm>
+              <a:off x="120316" y="13372"/>
+              <a:ext cx="9603301" cy="369332"/>
+            </a:xfrm>
+            <a:prstGeom prst="rect">
+              <a:avLst/>
+            </a:prstGeom>
+            <a:noFill/>
+          </p:spPr>
+          <p:txBody>
+            <a:bodyPr wrap="square" rtlCol="0">
+              <a:spAutoFit/>
+            </a:bodyPr>
+            <a:lstStyle/>
+            <a:p>
+              <a:r>
+                <a:rPr lang="en-US" dirty="0" smtClean="0"/>
+                <a:t>Introduction | Materials </a:t>
+              </a:r>
+              <a:r>
+                <a:rPr lang="en-US" dirty="0" smtClean="0"/>
+                <a:t>&amp; Method </a:t>
+              </a:r>
+              <a:r>
+                <a:rPr lang="en-US" dirty="0" smtClean="0"/>
+                <a:t>| Expected Results | </a:t>
+              </a:r>
+              <a:r>
+                <a:rPr lang="en-US" b="1" dirty="0" smtClean="0"/>
+                <a:t>Limitations &amp; Challenges </a:t>
+              </a:r>
+              <a:r>
+                <a:rPr lang="en-US" dirty="0" smtClean="0"/>
+                <a:t>| Timetable</a:t>
+              </a:r>
+              <a:endParaRPr lang="en-US" dirty="0"/>
+            </a:p>
+          </p:txBody>
+        </p:sp>
+      </p:grpSp>
     </p:spTree>
     <p:extLst>
       <p:ext uri="{BB962C8B-B14F-4D97-AF65-F5344CB8AC3E}">
@@ -6305,7 +6653,11 @@
             <a:pPr lvl="0"/>
             <a:r>
               <a:rPr lang="en-GB" dirty="0" smtClean="0"/>
-              <a:t>Classification of results (statistics by biome, PFT, </a:t>
+              <a:t>Stratification of </a:t>
+            </a:r>
+            <a:r>
+              <a:rPr lang="en-GB" dirty="0" smtClean="0"/>
+              <a:t>results (statistics by biome, PFT, </a:t>
             </a:r>
             <a:r>
               <a:rPr lang="en-GB" dirty="0" err="1" smtClean="0"/>
@@ -6313,7 +6665,11 @@
             </a:r>
             <a:r>
               <a:rPr lang="en-GB" dirty="0" smtClean="0"/>
-              <a:t>, …)</a:t>
+              <a:t>, …</a:t>
+            </a:r>
+            <a:r>
+              <a:rPr lang="en-GB" dirty="0" smtClean="0"/>
+              <a:t>) not yet clear</a:t>
             </a:r>
             <a:endParaRPr lang="de-CH" dirty="0"/>
           </a:p>
@@ -6472,6 +6828,114 @@
           </p:txBody>
         </p:sp>
       </p:grpSp>
+      <p:grpSp>
+        <p:nvGrpSpPr>
+          <p:cNvPr id="9" name="Group 8"/>
+          <p:cNvGrpSpPr/>
+          <p:nvPr/>
+        </p:nvGrpSpPr>
+        <p:grpSpPr>
+          <a:xfrm>
+            <a:off x="0" y="0"/>
+            <a:ext cx="9723617" cy="384830"/>
+            <a:chOff x="0" y="0"/>
+            <a:chExt cx="9723617" cy="384830"/>
+          </a:xfrm>
+        </p:grpSpPr>
+        <p:sp>
+          <p:nvSpPr>
+            <p:cNvPr id="10" name="Rectangle 9"/>
+            <p:cNvSpPr/>
+            <p:nvPr/>
+          </p:nvSpPr>
+          <p:spPr>
+            <a:xfrm>
+              <a:off x="0" y="0"/>
+              <a:ext cx="9144000" cy="384830"/>
+            </a:xfrm>
+            <a:prstGeom prst="rect">
+              <a:avLst/>
+            </a:prstGeom>
+            <a:solidFill>
+              <a:schemeClr val="bg1">
+                <a:lumMod val="85000"/>
+              </a:schemeClr>
+            </a:solidFill>
+            <a:ln>
+              <a:noFill/>
+            </a:ln>
+            <a:effectLst/>
+          </p:spPr>
+          <p:style>
+            <a:lnRef idx="1">
+              <a:schemeClr val="accent1"/>
+            </a:lnRef>
+            <a:fillRef idx="3">
+              <a:schemeClr val="accent1"/>
+            </a:fillRef>
+            <a:effectRef idx="2">
+              <a:schemeClr val="accent1"/>
+            </a:effectRef>
+            <a:fontRef idx="minor">
+              <a:schemeClr val="lt1"/>
+            </a:fontRef>
+          </p:style>
+          <p:txBody>
+            <a:bodyPr rtlCol="0" anchor="ctr"/>
+            <a:lstStyle/>
+            <a:p>
+              <a:pPr algn="ctr"/>
+              <a:endParaRPr lang="en-US"/>
+            </a:p>
+          </p:txBody>
+        </p:sp>
+        <p:sp>
+          <p:nvSpPr>
+            <p:cNvPr id="11" name="TextBox 10"/>
+            <p:cNvSpPr txBox="1"/>
+            <p:nvPr/>
+          </p:nvSpPr>
+          <p:spPr>
+            <a:xfrm>
+              <a:off x="120316" y="13372"/>
+              <a:ext cx="9603301" cy="369332"/>
+            </a:xfrm>
+            <a:prstGeom prst="rect">
+              <a:avLst/>
+            </a:prstGeom>
+            <a:noFill/>
+          </p:spPr>
+          <p:txBody>
+            <a:bodyPr wrap="square" rtlCol="0">
+              <a:spAutoFit/>
+            </a:bodyPr>
+            <a:lstStyle/>
+            <a:p>
+              <a:r>
+                <a:rPr lang="en-US" dirty="0" smtClean="0"/>
+                <a:t>Introduction | Materials </a:t>
+              </a:r>
+              <a:r>
+                <a:rPr lang="en-US" dirty="0" smtClean="0"/>
+                <a:t>&amp; Method </a:t>
+              </a:r>
+              <a:r>
+                <a:rPr lang="en-US" dirty="0" smtClean="0"/>
+                <a:t>| Expected Results | </a:t>
+              </a:r>
+              <a:r>
+                <a:rPr lang="en-US" b="1" dirty="0" smtClean="0"/>
+                <a:t>Limitations &amp; Challenges </a:t>
+              </a:r>
+              <a:r>
+                <a:rPr lang="en-US" dirty="0" smtClean="0"/>
+                <a:t>| Timetable</a:t>
+              </a:r>
+              <a:endParaRPr lang="en-US" dirty="0"/>
+            </a:p>
+          </p:txBody>
+        </p:sp>
+      </p:grpSp>
     </p:spTree>
     <p:extLst>
       <p:ext uri="{BB962C8B-B14F-4D97-AF65-F5344CB8AC3E}">
@@ -6519,7 +6983,12 @@
             <p:ph type="title"/>
           </p:nvPr>
         </p:nvSpPr>
-        <p:spPr/>
+        <p:spPr>
+          <a:xfrm>
+            <a:off x="457200" y="181062"/>
+            <a:ext cx="8229600" cy="1143000"/>
+          </a:xfrm>
+        </p:spPr>
         <p:txBody>
           <a:bodyPr/>
           <a:lstStyle/>
@@ -6692,7 +7161,7 @@
             <p:ph idx="1"/>
             <p:extLst>
               <p:ext uri="{D42A27DB-BD31-4B8C-83A1-F6EECF244321}">
-                <p14:modId xmlns:p14="http://schemas.microsoft.com/office/powerpoint/2010/main" val="1486615825"/>
+                <p14:modId xmlns:p14="http://schemas.microsoft.com/office/powerpoint/2010/main" val="3199446059"/>
               </p:ext>
             </p:extLst>
           </p:nvPr>
@@ -6707,8 +7176,8 @@
               <a:tblPr/>
               <a:tblGrid>
                 <a:gridCol w="1149275"/>
-                <a:gridCol w="4609868"/>
-                <a:gridCol w="2081464"/>
+                <a:gridCol w="4438738"/>
+                <a:gridCol w="2252594"/>
               </a:tblGrid>
               <a:tr h="128541">
                 <a:tc>
@@ -6716,7 +7185,7 @@
                     <a:bodyPr/>
                     <a:lstStyle/>
                     <a:p>
-                      <a:pPr algn="l" fontAlgn="b"/>
+                      <a:pPr algn="ctr" fontAlgn="b"/>
                       <a:r>
                         <a:rPr lang="en-US" sz="1600" b="1" i="0" u="none" strike="noStrike" dirty="0">
                           <a:solidFill>
@@ -6729,7 +7198,7 @@
                       </a:r>
                     </a:p>
                   </a:txBody>
-                  <a:tcPr marL="7801" marR="7801" marT="7801" marB="0" anchor="b">
+                  <a:tcPr marL="7801" marR="7801" marT="7801" marB="0">
                     <a:lnL w="6350" cap="flat" cmpd="sng" algn="ctr">
                       <a:solidFill>
                         <a:srgbClr val="000000"/>
@@ -6776,7 +7245,7 @@
                     <a:bodyPr/>
                     <a:lstStyle/>
                     <a:p>
-                      <a:pPr algn="l" fontAlgn="ctr"/>
+                      <a:pPr algn="ctr" fontAlgn="ctr"/>
                       <a:r>
                         <a:rPr lang="en-US" sz="1600" b="1" i="0" u="none" strike="noStrike" dirty="0">
                           <a:solidFill>
@@ -6789,7 +7258,7 @@
                       </a:r>
                     </a:p>
                   </a:txBody>
-                  <a:tcPr marL="7801" marR="7801" marT="7801" marB="0" anchor="ctr">
+                  <a:tcPr marL="7801" marR="7801" marT="7801" marB="0" anchor="b">
                     <a:lnL w="6350" cap="flat" cmpd="sng" algn="ctr">
                       <a:solidFill>
                         <a:srgbClr val="000000"/>
@@ -6836,7 +7305,7 @@
                     <a:bodyPr/>
                     <a:lstStyle/>
                     <a:p>
-                      <a:pPr algn="l" fontAlgn="b"/>
+                      <a:pPr algn="ctr" fontAlgn="b"/>
                       <a:r>
                         <a:rPr lang="en-US" sz="1600" b="1" i="0" u="none" strike="noStrike" dirty="0">
                           <a:solidFill>
@@ -6849,7 +7318,7 @@
                       </a:r>
                     </a:p>
                   </a:txBody>
-                  <a:tcPr marL="7801" marR="7801" marT="7801" marB="0" anchor="b">
+                  <a:tcPr marL="7801" marR="7801" marT="7801" marB="0">
                     <a:lnL w="6350" cap="flat" cmpd="sng" algn="ctr">
                       <a:solidFill>
                         <a:srgbClr val="000000"/>
@@ -9582,18 +10051,25 @@
                           <a:effectLst/>
                           <a:latin typeface="Calibri"/>
                         </a:rPr>
-                        <a:t> Thesis </a:t>
+                        <a:t> </a:t>
                       </a:r>
                       <a:r>
-                        <a:rPr lang="en-US" sz="1400" b="0" i="0" u="none" strike="noStrike" dirty="0">
+                        <a:rPr lang="en-US" sz="1400" b="0" i="0" u="none" strike="noStrike" dirty="0" smtClean="0">
                           <a:solidFill>
                             <a:srgbClr val="000000"/>
                           </a:solidFill>
                           <a:effectLst/>
                           <a:latin typeface="Calibri"/>
                         </a:rPr>
-                        <a:t>defense</a:t>
+                        <a:t>Final Presentation</a:t>
                       </a:r>
+                      <a:endParaRPr lang="en-US" sz="1400" b="0" i="0" u="none" strike="noStrike" dirty="0">
+                        <a:solidFill>
+                          <a:srgbClr val="000000"/>
+                        </a:solidFill>
+                        <a:effectLst/>
+                        <a:latin typeface="Calibri"/>
+                      </a:endParaRPr>
                     </a:p>
                   </a:txBody>
                   <a:tcPr marL="7801" marR="7801" marT="7801" marB="0" anchor="ctr">
@@ -9643,6 +10119,118 @@
           </a:graphicData>
         </a:graphic>
       </p:graphicFrame>
+      <p:grpSp>
+        <p:nvGrpSpPr>
+          <p:cNvPr id="9" name="Group 8"/>
+          <p:cNvGrpSpPr/>
+          <p:nvPr/>
+        </p:nvGrpSpPr>
+        <p:grpSpPr>
+          <a:xfrm>
+            <a:off x="0" y="0"/>
+            <a:ext cx="9723617" cy="384830"/>
+            <a:chOff x="0" y="0"/>
+            <a:chExt cx="9723617" cy="384830"/>
+          </a:xfrm>
+        </p:grpSpPr>
+        <p:sp>
+          <p:nvSpPr>
+            <p:cNvPr id="10" name="Rectangle 9"/>
+            <p:cNvSpPr/>
+            <p:nvPr/>
+          </p:nvSpPr>
+          <p:spPr>
+            <a:xfrm>
+              <a:off x="0" y="0"/>
+              <a:ext cx="9144000" cy="384830"/>
+            </a:xfrm>
+            <a:prstGeom prst="rect">
+              <a:avLst/>
+            </a:prstGeom>
+            <a:solidFill>
+              <a:schemeClr val="bg1">
+                <a:lumMod val="85000"/>
+              </a:schemeClr>
+            </a:solidFill>
+            <a:ln>
+              <a:noFill/>
+            </a:ln>
+            <a:effectLst/>
+          </p:spPr>
+          <p:style>
+            <a:lnRef idx="1">
+              <a:schemeClr val="accent1"/>
+            </a:lnRef>
+            <a:fillRef idx="3">
+              <a:schemeClr val="accent1"/>
+            </a:fillRef>
+            <a:effectRef idx="2">
+              <a:schemeClr val="accent1"/>
+            </a:effectRef>
+            <a:fontRef idx="minor">
+              <a:schemeClr val="lt1"/>
+            </a:fontRef>
+          </p:style>
+          <p:txBody>
+            <a:bodyPr rtlCol="0" anchor="ctr"/>
+            <a:lstStyle/>
+            <a:p>
+              <a:pPr algn="ctr"/>
+              <a:endParaRPr lang="en-US"/>
+            </a:p>
+          </p:txBody>
+        </p:sp>
+        <p:sp>
+          <p:nvSpPr>
+            <p:cNvPr id="12" name="TextBox 11"/>
+            <p:cNvSpPr txBox="1"/>
+            <p:nvPr/>
+          </p:nvSpPr>
+          <p:spPr>
+            <a:xfrm>
+              <a:off x="120316" y="13372"/>
+              <a:ext cx="9603301" cy="369332"/>
+            </a:xfrm>
+            <a:prstGeom prst="rect">
+              <a:avLst/>
+            </a:prstGeom>
+            <a:noFill/>
+          </p:spPr>
+          <p:txBody>
+            <a:bodyPr wrap="square" rtlCol="0">
+              <a:spAutoFit/>
+            </a:bodyPr>
+            <a:lstStyle/>
+            <a:p>
+              <a:r>
+                <a:rPr lang="en-US" dirty="0" smtClean="0"/>
+                <a:t>Introduction | Materials </a:t>
+              </a:r>
+              <a:r>
+                <a:rPr lang="en-US" dirty="0" smtClean="0"/>
+                <a:t>&amp; Method </a:t>
+              </a:r>
+              <a:r>
+                <a:rPr lang="en-US" dirty="0" smtClean="0"/>
+                <a:t>| Expected Results | </a:t>
+              </a:r>
+              <a:r>
+                <a:rPr lang="en-US" dirty="0" smtClean="0"/>
+                <a:t>Limitations &amp; Challenges </a:t>
+              </a:r>
+              <a:r>
+                <a:rPr lang="en-US" dirty="0" smtClean="0"/>
+                <a:t>| </a:t>
+              </a:r>
+              <a:r>
+                <a:rPr lang="en-US" b="1" dirty="0" smtClean="0"/>
+                <a:t>Timetable</a:t>
+              </a:r>
+              <a:endParaRPr lang="en-US" b="1" dirty="0"/>
+            </a:p>
+          </p:txBody>
+        </p:sp>
+      </p:grpSp>
     </p:spTree>
     <p:extLst>
       <p:ext uri="{BB962C8B-B14F-4D97-AF65-F5344CB8AC3E}">
@@ -9738,8 +10326,9 @@
           <a:p>
             <a:r>
               <a:rPr lang="en-US" dirty="0" smtClean="0"/>
-              <a:t>Challenges</a:t>
-            </a:r>
+              <a:t>Limitations &amp; Challenges</a:t>
+            </a:r>
+            <a:endParaRPr lang="en-US" dirty="0" smtClean="0"/>
           </a:p>
           <a:p>
             <a:r>
@@ -9874,36 +10463,40 @@
           <a:lstStyle/>
           <a:p>
             <a:r>
-              <a:rPr lang="en-US" dirty="0" err="1"/>
+              <a:rPr lang="en-US" i="1" dirty="0" err="1"/>
               <a:t>Garonna</a:t>
             </a:r>
             <a:r>
+              <a:rPr lang="en-US" i="1" dirty="0"/>
+              <a:t>, I., de Jong, R., de Wit, A. J. W., </a:t>
+            </a:r>
+            <a:r>
+              <a:rPr lang="en-US" i="1" dirty="0" err="1"/>
+              <a:t>Mücher</a:t>
+            </a:r>
+            <a:r>
+              <a:rPr lang="en-US" i="1" dirty="0"/>
+              <a:t>, C. a, </a:t>
+            </a:r>
+            <a:r>
+              <a:rPr lang="en-US" i="1" dirty="0" err="1"/>
+              <a:t>Schmid</a:t>
+            </a:r>
+            <a:r>
+              <a:rPr lang="en-US" i="1" dirty="0"/>
+              <a:t>, B., &amp; </a:t>
+            </a:r>
+            <a:r>
+              <a:rPr lang="en-US" i="1" dirty="0" err="1"/>
+              <a:t>Schaepman</a:t>
+            </a:r>
+            <a:r>
+              <a:rPr lang="en-US" i="1" dirty="0"/>
+              <a:t>, M. E. (2014). </a:t>
+            </a:r>
+            <a:r>
               <a:rPr lang="en-US" dirty="0"/>
-              <a:t>, I., de Jong, R., de Wit, A. J. W., </a:t>
-            </a:r>
-            <a:r>
-              <a:rPr lang="en-US" dirty="0" err="1"/>
-              <a:t>Mücher</a:t>
-            </a:r>
-            <a:r>
-              <a:rPr lang="en-US" dirty="0"/>
-              <a:t>, C. a, </a:t>
-            </a:r>
-            <a:r>
-              <a:rPr lang="en-US" dirty="0" err="1"/>
-              <a:t>Schmid</a:t>
-            </a:r>
-            <a:r>
-              <a:rPr lang="en-US" dirty="0"/>
-              <a:t>, B., &amp; </a:t>
-            </a:r>
-            <a:r>
-              <a:rPr lang="en-US" dirty="0" err="1"/>
-              <a:t>Schaepman</a:t>
-            </a:r>
-            <a:r>
-              <a:rPr lang="en-US" dirty="0"/>
-              <a:t>, M. E. (2014). Strong contribution of autumn phenology to changes in satellite-derived growing season length estimates across Europe (1982-2011). Global Change Biology, 20(11), 3457–70</a:t>
+              <a:t>Strong contribution of autumn phenology to changes in satellite-derived growing season length estimates across Europe (1982-2011). Global Change Biology, 20(11), 3457–70</a:t>
             </a:r>
             <a:r>
               <a:rPr lang="en-US" dirty="0" smtClean="0"/>
@@ -9913,31 +10506,39 @@
           </a:p>
           <a:p>
             <a:r>
+              <a:rPr lang="en-US" i="1" dirty="0"/>
+              <a:t>Jolly, W. M., </a:t>
+            </a:r>
+            <a:r>
+              <a:rPr lang="en-US" i="1" dirty="0" err="1"/>
+              <a:t>Nemani</a:t>
+            </a:r>
+            <a:r>
+              <a:rPr lang="en-US" i="1" dirty="0"/>
+              <a:t>, R., &amp; Running, S. W. (2005)</a:t>
+            </a:r>
+            <a:r>
               <a:rPr lang="en-US" dirty="0"/>
-              <a:t>Jolly, W. M., </a:t>
-            </a:r>
-            <a:r>
-              <a:rPr lang="en-US" dirty="0" err="1"/>
-              <a:t>Nemani</a:t>
+              <a:t>. A generalized, bioclimatic index to predict foliar phenology in response to climate. Global Change Biology, 11(4), 619–632. </a:t>
+            </a:r>
+            <a:endParaRPr lang="en-US" dirty="0" smtClean="0"/>
+          </a:p>
+          <a:p>
+            <a:r>
+              <a:rPr lang="en-US" i="1" dirty="0"/>
+              <a:t>Reed, B. C., Michael White, and </a:t>
+            </a:r>
+            <a:r>
+              <a:rPr lang="en-US" i="1" dirty="0" err="1"/>
+              <a:t>Jesslyn</a:t>
+            </a:r>
+            <a:r>
+              <a:rPr lang="en-US" i="1" dirty="0"/>
+              <a:t> F. Brown. (2003)</a:t>
             </a:r>
             <a:r>
               <a:rPr lang="en-US" dirty="0"/>
-              <a:t>, R., &amp; Running, S. W. (2005). A generalized, bioclimatic index to predict foliar phenology in response to climate. Global Change Biology, 11(4), 619–632. </a:t>
-            </a:r>
-            <a:endParaRPr lang="en-US" dirty="0" smtClean="0"/>
-          </a:p>
-          <a:p>
-            <a:r>
-              <a:rPr lang="en-US" dirty="0"/>
-              <a:t>Reed, B. C., Michael White, and </a:t>
-            </a:r>
-            <a:r>
-              <a:rPr lang="en-US" dirty="0" err="1"/>
-              <a:t>Jesslyn</a:t>
-            </a:r>
-            <a:r>
-              <a:rPr lang="en-US" dirty="0"/>
-              <a:t> F. Brown. (2003). “Remote Sensing Phenology.” Pp. 365–81 in Phenology: An Integra3ve Environmental Science SE - 23, vol. 39, edited by </a:t>
+              <a:t>. “Remote Sensing Phenology.” Pp. 365–81 in Phenology: An Integra3ve Environmental Science SE - 23, vol. 39, edited by </a:t>
             </a:r>
             <a:r>
               <a:rPr lang="en-US" dirty="0" err="1"/>
@@ -9945,46 +10546,42 @@
             </a:r>
             <a:r>
               <a:rPr lang="en-US" dirty="0"/>
-              <a:t>. Schwartz. </a:t>
-            </a:r>
-            <a:r>
-              <a:rPr lang="en-US"/>
-              <a:t>Springer </a:t>
-            </a:r>
-            <a:r>
-              <a:rPr lang="en-US"/>
-              <a:t>Netherlands</a:t>
-            </a:r>
-            <a:r>
-              <a:rPr lang="en-US" smtClean="0"/>
+              <a:t>. Schwartz. Springer Netherlands</a:t>
+            </a:r>
+            <a:r>
+              <a:rPr lang="en-US" dirty="0" smtClean="0"/>
               <a:t>.</a:t>
             </a:r>
             <a:endParaRPr lang="en-US" dirty="0"/>
           </a:p>
           <a:p>
             <a:r>
-              <a:rPr lang="en-US" dirty="0" err="1"/>
+              <a:rPr lang="en-US" i="1" dirty="0" err="1"/>
               <a:t>Roerink</a:t>
             </a:r>
             <a:r>
+              <a:rPr lang="en-US" i="1" dirty="0"/>
+              <a:t>, G. J., </a:t>
+            </a:r>
+            <a:r>
+              <a:rPr lang="en-US" i="1" dirty="0" err="1"/>
+              <a:t>Menenti</a:t>
+            </a:r>
+            <a:r>
+              <a:rPr lang="en-US" i="1" dirty="0"/>
+              <a:t>, M., &amp; </a:t>
+            </a:r>
+            <a:r>
+              <a:rPr lang="en-US" i="1" dirty="0" err="1"/>
+              <a:t>Verhoef</a:t>
+            </a:r>
+            <a:r>
+              <a:rPr lang="en-US" i="1" dirty="0"/>
+              <a:t>, W. (2000)</a:t>
+            </a:r>
+            <a:r>
               <a:rPr lang="en-US" dirty="0"/>
-              <a:t>, G. J., </a:t>
-            </a:r>
-            <a:r>
-              <a:rPr lang="en-US" dirty="0" err="1"/>
-              <a:t>Menenti</a:t>
-            </a:r>
-            <a:r>
-              <a:rPr lang="en-US" dirty="0"/>
-              <a:t>, M., &amp; </a:t>
-            </a:r>
-            <a:r>
-              <a:rPr lang="en-US" dirty="0" err="1"/>
-              <a:t>Verhoef</a:t>
-            </a:r>
-            <a:r>
-              <a:rPr lang="en-US" dirty="0"/>
-              <a:t>, W. (2000). Reconstructing </a:t>
+              <a:t>. Reconstructing </a:t>
             </a:r>
             <a:r>
               <a:rPr lang="en-US" dirty="0" err="1"/>
@@ -10002,28 +10599,32 @@
           </a:p>
           <a:p>
             <a:r>
-              <a:rPr lang="en-US" dirty="0" err="1"/>
+              <a:rPr lang="en-US" i="1" dirty="0" err="1"/>
               <a:t>Stöckli</a:t>
             </a:r>
             <a:r>
+              <a:rPr lang="en-US" i="1" dirty="0"/>
+              <a:t>, R., </a:t>
+            </a:r>
+            <a:r>
+              <a:rPr lang="en-US" i="1" dirty="0" err="1"/>
+              <a:t>Rutishauser</a:t>
+            </a:r>
+            <a:r>
+              <a:rPr lang="en-US" i="1" dirty="0"/>
+              <a:t>, T., Baker, I., </a:t>
+            </a:r>
+            <a:r>
+              <a:rPr lang="en-US" i="1" dirty="0" err="1"/>
+              <a:t>Liniger</a:t>
+            </a:r>
+            <a:r>
+              <a:rPr lang="en-US" i="1" dirty="0"/>
+              <a:t>, M. a., &amp; Denning, a. S. (2011)</a:t>
+            </a:r>
+            <a:r>
               <a:rPr lang="en-US" dirty="0"/>
-              <a:t>, R., </a:t>
-            </a:r>
-            <a:r>
-              <a:rPr lang="en-US" dirty="0" err="1"/>
-              <a:t>Rutishauser</a:t>
-            </a:r>
-            <a:r>
-              <a:rPr lang="en-US" dirty="0"/>
-              <a:t>, T., Baker, I., </a:t>
-            </a:r>
-            <a:r>
-              <a:rPr lang="en-US" dirty="0" err="1"/>
-              <a:t>Liniger</a:t>
-            </a:r>
-            <a:r>
-              <a:rPr lang="en-US" dirty="0"/>
-              <a:t>, M. a., &amp; Denning, a. S. (2011). A global reanalysis of vegetation phenology. Journal of Geophysical Research, 116(</a:t>
+              <a:t>. A global reanalysis of vegetation phenology. Journal of Geophysical Research, 116(</a:t>
             </a:r>
             <a:r>
               <a:rPr lang="en-US" dirty="0" smtClean="0"/>
@@ -10165,7 +10766,11 @@
             </a:pPr>
             <a:r>
               <a:rPr lang="en-US" dirty="0" smtClean="0"/>
-              <a:t>Thanks for your attention!</a:t>
+              <a:t>Thank you </a:t>
+            </a:r>
+            <a:r>
+              <a:rPr lang="en-US" dirty="0" smtClean="0"/>
+              <a:t>for your attention!</a:t>
             </a:r>
           </a:p>
           <a:p>
@@ -10180,7 +10785,11 @@
             </a:pPr>
             <a:r>
               <a:rPr lang="en-US" dirty="0" smtClean="0"/>
-              <a:t>Question time!</a:t>
+              <a:t>Question </a:t>
+            </a:r>
+            <a:r>
+              <a:rPr lang="en-US" dirty="0" smtClean="0"/>
+              <a:t>time…</a:t>
             </a:r>
             <a:endParaRPr lang="en-US" dirty="0"/>
           </a:p>
@@ -10285,6 +10894,128 @@
           <a:bodyPr/>
           <a:lstStyle/>
           <a:p>
+            <a:endParaRPr lang="en-US"/>
+          </a:p>
+        </p:txBody>
+      </p:sp>
+      <p:sp>
+        <p:nvSpPr>
+          <p:cNvPr id="3" name="Content Placeholder 2"/>
+          <p:cNvSpPr>
+            <a:spLocks noGrp="1"/>
+          </p:cNvSpPr>
+          <p:nvPr>
+            <p:ph idx="1"/>
+          </p:nvPr>
+        </p:nvSpPr>
+        <p:spPr/>
+        <p:txBody>
+          <a:bodyPr/>
+          <a:lstStyle/>
+          <a:p>
+            <a:endParaRPr lang="en-US"/>
+          </a:p>
+        </p:txBody>
+      </p:sp>
+      <p:sp>
+        <p:nvSpPr>
+          <p:cNvPr id="4" name="Footer Placeholder 3"/>
+          <p:cNvSpPr>
+            <a:spLocks noGrp="1"/>
+          </p:cNvSpPr>
+          <p:nvPr>
+            <p:ph type="ftr" sz="quarter" idx="11"/>
+          </p:nvPr>
+        </p:nvSpPr>
+        <p:spPr/>
+        <p:txBody>
+          <a:bodyPr/>
+          <a:lstStyle/>
+          <a:p>
+            <a:r>
+              <a:rPr lang="en-US" smtClean="0"/>
+              <a:t>MSc. Concept Presentation David Schenkel</a:t>
+            </a:r>
+            <a:endParaRPr lang="en-US"/>
+          </a:p>
+        </p:txBody>
+      </p:sp>
+      <p:sp>
+        <p:nvSpPr>
+          <p:cNvPr id="5" name="Slide Number Placeholder 4"/>
+          <p:cNvSpPr>
+            <a:spLocks noGrp="1"/>
+          </p:cNvSpPr>
+          <p:nvPr>
+            <p:ph type="sldNum" sz="quarter" idx="12"/>
+          </p:nvPr>
+        </p:nvSpPr>
+        <p:spPr/>
+        <p:txBody>
+          <a:bodyPr/>
+          <a:lstStyle/>
+          <a:p>
+            <a:fld id="{BA9B540C-44DA-4F69-89C9-7C84606640D3}" type="slidenum">
+              <a:rPr lang="en-US" smtClean="0"/>
+              <a:pPr/>
+              <a:t>22</a:t>
+            </a:fld>
+            <a:endParaRPr lang="en-US"/>
+          </a:p>
+        </p:txBody>
+      </p:sp>
+    </p:spTree>
+    <p:extLst>
+      <p:ext uri="{BB962C8B-B14F-4D97-AF65-F5344CB8AC3E}">
+        <p14:creationId xmlns:p14="http://schemas.microsoft.com/office/powerpoint/2010/main" val="2627566711"/>
+      </p:ext>
+    </p:extLst>
+  </p:cSld>
+  <p:clrMapOvr>
+    <a:masterClrMapping/>
+  </p:clrMapOvr>
+  <p:timing>
+    <p:tnLst>
+      <p:par>
+        <p:cTn xmlns:p14="http://schemas.microsoft.com/office/powerpoint/2010/main" id="1" dur="indefinite" restart="never" nodeType="tmRoot"/>
+      </p:par>
+    </p:tnLst>
+  </p:timing>
+</p:sld>
+</file>
+
+<file path=ppt/slides/slide23.xml><?xml version="1.0" encoding="utf-8"?>
+<p:sld xmlns:a="http://schemas.openxmlformats.org/drawingml/2006/main" xmlns:r="http://schemas.openxmlformats.org/officeDocument/2006/relationships" xmlns:p="http://schemas.openxmlformats.org/presentationml/2006/main">
+  <p:cSld>
+    <p:spTree>
+      <p:nvGrpSpPr>
+        <p:cNvPr id="1" name=""/>
+        <p:cNvGrpSpPr/>
+        <p:nvPr/>
+      </p:nvGrpSpPr>
+      <p:grpSpPr>
+        <a:xfrm>
+          <a:off x="0" y="0"/>
+          <a:ext cx="0" cy="0"/>
+          <a:chOff x="0" y="0"/>
+          <a:chExt cx="0" cy="0"/>
+        </a:xfrm>
+      </p:grpSpPr>
+      <p:sp>
+        <p:nvSpPr>
+          <p:cNvPr id="2" name="Title 1"/>
+          <p:cNvSpPr>
+            <a:spLocks noGrp="1"/>
+          </p:cNvSpPr>
+          <p:nvPr>
+            <p:ph type="title"/>
+          </p:nvPr>
+        </p:nvSpPr>
+        <p:spPr/>
+        <p:txBody>
+          <a:bodyPr/>
+          <a:lstStyle/>
+          <a:p>
             <a:r>
               <a:rPr lang="en-US" dirty="0" smtClean="0"/>
               <a:t>MODIS! MODIS everywhere!</a:t>
@@ -10416,7 +11147,7 @@
             <a:fld id="{BA9B540C-44DA-4F69-89C9-7C84606640D3}" type="slidenum">
               <a:rPr lang="en-US" smtClean="0"/>
               <a:pPr/>
-              <a:t>22</a:t>
+              <a:t>23</a:t>
             </a:fld>
             <a:endParaRPr lang="en-US"/>
           </a:p>
@@ -10664,8 +11395,8 @@
           </p:nvSpPr>
           <p:spPr>
             <a:xfrm>
-              <a:off x="614933" y="13372"/>
-              <a:ext cx="7861873" cy="369332"/>
+              <a:off x="147053" y="13372"/>
+              <a:ext cx="8876631" cy="369332"/>
             </a:xfrm>
             <a:prstGeom prst="rect">
               <a:avLst/>
@@ -10673,7 +11404,7 @@
             <a:noFill/>
           </p:spPr>
           <p:txBody>
-            <a:bodyPr wrap="none" rtlCol="0">
+            <a:bodyPr wrap="square" rtlCol="0">
               <a:spAutoFit/>
             </a:bodyPr>
             <a:lstStyle/>
@@ -10684,7 +11415,27 @@
               </a:r>
               <a:r>
                 <a:rPr lang="en-US" dirty="0" smtClean="0"/>
-                <a:t> | Materials and Method | Expected Results | Challenges | Timetable</a:t>
+                <a:t> | Materials </a:t>
+              </a:r>
+              <a:r>
+                <a:rPr lang="en-US" dirty="0" smtClean="0"/>
+                <a:t>&amp; </a:t>
+              </a:r>
+              <a:r>
+                <a:rPr lang="en-US" dirty="0" smtClean="0"/>
+                <a:t>Method </a:t>
+              </a:r>
+              <a:r>
+                <a:rPr lang="en-US" dirty="0" smtClean="0"/>
+                <a:t>| Expected Results | </a:t>
+              </a:r>
+              <a:r>
+                <a:rPr lang="en-US" dirty="0" smtClean="0"/>
+                <a:t>Limitations &amp; Challenges </a:t>
+              </a:r>
+              <a:r>
+                <a:rPr lang="en-US" dirty="0" smtClean="0"/>
+                <a:t>| Timetable</a:t>
               </a:r>
               <a:endParaRPr lang="en-US" dirty="0"/>
             </a:p>
@@ -10746,94 +11497,103 @@
           <a:lstStyle/>
           <a:p>
             <a:r>
+              <a:rPr lang="en-GB" dirty="0" smtClean="0"/>
+              <a:t>Research Questions</a:t>
+            </a:r>
+            <a:endParaRPr lang="en-US" dirty="0"/>
+          </a:p>
+        </p:txBody>
+      </p:sp>
+      <p:sp>
+        <p:nvSpPr>
+          <p:cNvPr id="3" name="Content Placeholder 2"/>
+          <p:cNvSpPr>
+            <a:spLocks noGrp="1"/>
+          </p:cNvSpPr>
+          <p:nvPr>
+            <p:ph idx="1"/>
+          </p:nvPr>
+        </p:nvSpPr>
+        <p:spPr/>
+        <p:txBody>
+          <a:bodyPr>
+            <a:normAutofit/>
+          </a:bodyPr>
+          <a:lstStyle/>
+          <a:p>
+            <a:pPr lvl="0"/>
+            <a:r>
+              <a:rPr lang="en-GB" dirty="0" smtClean="0"/>
+              <a:t>How </a:t>
+            </a:r>
+            <a:r>
               <a:rPr lang="en-GB" dirty="0"/>
-              <a:t>Climatic </a:t>
+              <a:t>does </a:t>
             </a:r>
             <a:r>
               <a:rPr lang="en-GB" dirty="0" smtClean="0"/>
-              <a:t>Controls</a:t>
+              <a:t>a modelled LAI </a:t>
+            </a:r>
+            <a:r>
+              <a:rPr lang="en-GB" dirty="0" smtClean="0"/>
+              <a:t>(LAI-re) compare </a:t>
+            </a:r>
+            <a:r>
+              <a:rPr lang="en-GB" dirty="0"/>
+              <a:t>to </a:t>
+            </a:r>
+            <a:r>
+              <a:rPr lang="en-GB" dirty="0" smtClean="0"/>
+              <a:t>a remotely sensed </a:t>
+            </a:r>
+            <a:r>
+              <a:rPr lang="en-GB" dirty="0" smtClean="0"/>
+              <a:t>LAI (LAI3g)? </a:t>
+            </a:r>
+            <a:r>
+              <a:rPr lang="en-GB" dirty="0" smtClean="0"/>
+              <a:t>(How) Do </a:t>
+            </a:r>
+            <a:r>
+              <a:rPr lang="en-GB" dirty="0"/>
+              <a:t>they </a:t>
+            </a:r>
+            <a:r>
+              <a:rPr lang="en-GB" dirty="0" smtClean="0"/>
+              <a:t>differ? </a:t>
             </a:r>
             <a:endParaRPr lang="de-CH" dirty="0"/>
           </a:p>
-        </p:txBody>
-      </p:sp>
-      <p:sp>
-        <p:nvSpPr>
-          <p:cNvPr id="3" name="Content Placeholder 2"/>
-          <p:cNvSpPr>
-            <a:spLocks noGrp="1"/>
-          </p:cNvSpPr>
-          <p:nvPr>
-            <p:ph idx="1"/>
-          </p:nvPr>
-        </p:nvSpPr>
-        <p:spPr/>
-        <p:txBody>
-          <a:bodyPr/>
-          <a:lstStyle/>
-          <a:p>
+          <a:p>
+            <a:pPr lvl="0"/>
+            <a:r>
+              <a:rPr lang="en-GB" dirty="0"/>
+              <a:t>How do climatic controls </a:t>
+            </a:r>
             <a:r>
               <a:rPr lang="en-GB" dirty="0" smtClean="0"/>
-              <a:t>Jolly’s (2005) Growing Season Index</a:t>
-            </a:r>
-          </a:p>
-          <a:p>
-            <a:pPr lvl="1"/>
+              <a:t>impact </a:t>
+            </a:r>
+            <a:r>
+              <a:rPr lang="en-GB" dirty="0"/>
+              <a:t>different </a:t>
+            </a:r>
             <a:r>
               <a:rPr lang="en-GB" dirty="0" smtClean="0"/>
-              <a:t>Based on </a:t>
-            </a:r>
-            <a:r>
-              <a:rPr lang="en-GB" dirty="0" err="1" smtClean="0"/>
-              <a:t>T</a:t>
-            </a:r>
-            <a:r>
-              <a:rPr lang="en-GB" baseline="-25000" dirty="0" err="1" smtClean="0"/>
-              <a:t>min</a:t>
-            </a:r>
-            <a:r>
-              <a:rPr lang="en-GB" dirty="0" smtClean="0"/>
-              <a:t>, Vapour Pressure Deficit (VPD) and photoperiod</a:t>
-            </a:r>
-          </a:p>
-          <a:p>
-            <a:pPr lvl="1"/>
-            <a:r>
-              <a:rPr lang="en-GB" dirty="0" smtClean="0"/>
-              <a:t>Simple linear relationships and thresholds</a:t>
-            </a:r>
-          </a:p>
-          <a:p>
-            <a:pPr lvl="1"/>
-            <a:r>
-              <a:rPr lang="en-GB" i="1" dirty="0" smtClean="0"/>
-              <a:t>GSI = </a:t>
-            </a:r>
-            <a:r>
-              <a:rPr lang="en-GB" i="1" dirty="0" err="1" smtClean="0"/>
-              <a:t>iT</a:t>
-            </a:r>
-            <a:r>
-              <a:rPr lang="en-GB" i="1" baseline="-25000" dirty="0" err="1" smtClean="0"/>
-              <a:t>min</a:t>
-            </a:r>
-            <a:r>
-              <a:rPr lang="en-GB" i="1" dirty="0" smtClean="0"/>
-              <a:t> * </a:t>
-            </a:r>
-            <a:r>
-              <a:rPr lang="en-GB" i="1" dirty="0" err="1"/>
-              <a:t>i</a:t>
-            </a:r>
-            <a:r>
-              <a:rPr lang="en-GB" i="1" dirty="0" err="1" smtClean="0"/>
-              <a:t>VPD</a:t>
-            </a:r>
-            <a:r>
-              <a:rPr lang="en-GB" i="1" dirty="0" smtClean="0"/>
-              <a:t> * iPhoto</a:t>
-            </a:r>
-            <a:endParaRPr lang="en-GB" i="1" dirty="0"/>
+              <a:t>regions over time?</a:t>
+            </a:r>
+            <a:endParaRPr lang="de-CH" dirty="0"/>
+          </a:p>
+          <a:p>
+            <a:pPr lvl="0"/>
+            <a:r>
+              <a:rPr lang="en-GB" dirty="0"/>
+              <a:t>(How) do changes in LSP depend on changes in climatic controls? </a:t>
+            </a:r>
+            <a:endParaRPr lang="de-CH" dirty="0"/>
+          </a:p>
+          <a:p>
+            <a:endParaRPr lang="en-US" dirty="0"/>
           </a:p>
         </p:txBody>
       </p:sp>
@@ -10879,6 +11639,821 @@
               <a:rPr lang="en-US" smtClean="0"/>
               <a:pPr/>
               <a:t>4</a:t>
+            </a:fld>
+            <a:endParaRPr lang="en-US"/>
+          </a:p>
+        </p:txBody>
+      </p:sp>
+      <p:grpSp>
+        <p:nvGrpSpPr>
+          <p:cNvPr id="12" name="Group 11"/>
+          <p:cNvGrpSpPr/>
+          <p:nvPr/>
+        </p:nvGrpSpPr>
+        <p:grpSpPr>
+          <a:xfrm>
+            <a:off x="0" y="0"/>
+            <a:ext cx="9144000" cy="384830"/>
+            <a:chOff x="0" y="0"/>
+            <a:chExt cx="9144000" cy="384830"/>
+          </a:xfrm>
+        </p:grpSpPr>
+        <p:sp>
+          <p:nvSpPr>
+            <p:cNvPr id="13" name="Rectangle 12"/>
+            <p:cNvSpPr/>
+            <p:nvPr/>
+          </p:nvSpPr>
+          <p:spPr>
+            <a:xfrm>
+              <a:off x="0" y="0"/>
+              <a:ext cx="9144000" cy="384830"/>
+            </a:xfrm>
+            <a:prstGeom prst="rect">
+              <a:avLst/>
+            </a:prstGeom>
+            <a:solidFill>
+              <a:schemeClr val="bg1">
+                <a:lumMod val="85000"/>
+              </a:schemeClr>
+            </a:solidFill>
+            <a:ln>
+              <a:noFill/>
+            </a:ln>
+            <a:effectLst/>
+          </p:spPr>
+          <p:style>
+            <a:lnRef idx="1">
+              <a:schemeClr val="accent1"/>
+            </a:lnRef>
+            <a:fillRef idx="3">
+              <a:schemeClr val="accent1"/>
+            </a:fillRef>
+            <a:effectRef idx="2">
+              <a:schemeClr val="accent1"/>
+            </a:effectRef>
+            <a:fontRef idx="minor">
+              <a:schemeClr val="lt1"/>
+            </a:fontRef>
+          </p:style>
+          <p:txBody>
+            <a:bodyPr rtlCol="0" anchor="ctr"/>
+            <a:lstStyle/>
+            <a:p>
+              <a:pPr algn="ctr"/>
+              <a:endParaRPr lang="en-US"/>
+            </a:p>
+          </p:txBody>
+        </p:sp>
+        <p:sp>
+          <p:nvSpPr>
+            <p:cNvPr id="14" name="TextBox 13"/>
+            <p:cNvSpPr txBox="1"/>
+            <p:nvPr/>
+          </p:nvSpPr>
+          <p:spPr>
+            <a:xfrm>
+              <a:off x="147053" y="13372"/>
+              <a:ext cx="8876631" cy="369332"/>
+            </a:xfrm>
+            <a:prstGeom prst="rect">
+              <a:avLst/>
+            </a:prstGeom>
+            <a:noFill/>
+          </p:spPr>
+          <p:txBody>
+            <a:bodyPr wrap="square" rtlCol="0">
+              <a:spAutoFit/>
+            </a:bodyPr>
+            <a:lstStyle/>
+            <a:p>
+              <a:r>
+                <a:rPr lang="en-US" b="1" dirty="0" smtClean="0"/>
+                <a:t>Introduction</a:t>
+              </a:r>
+              <a:r>
+                <a:rPr lang="en-US" dirty="0" smtClean="0"/>
+                <a:t> | Materials </a:t>
+              </a:r>
+              <a:r>
+                <a:rPr lang="en-US" dirty="0" smtClean="0"/>
+                <a:t>&amp; </a:t>
+              </a:r>
+              <a:r>
+                <a:rPr lang="en-US" dirty="0" smtClean="0"/>
+                <a:t>Method </a:t>
+              </a:r>
+              <a:r>
+                <a:rPr lang="en-US" dirty="0" smtClean="0"/>
+                <a:t>| Expected Results | </a:t>
+              </a:r>
+              <a:r>
+                <a:rPr lang="en-US" dirty="0" smtClean="0"/>
+                <a:t>Limitations &amp; Challenges </a:t>
+              </a:r>
+              <a:r>
+                <a:rPr lang="en-US" dirty="0" smtClean="0"/>
+                <a:t>| Timetable</a:t>
+              </a:r>
+              <a:endParaRPr lang="en-US" dirty="0"/>
+            </a:p>
+          </p:txBody>
+        </p:sp>
+      </p:grpSp>
+    </p:spTree>
+    <p:extLst>
+      <p:ext uri="{BB962C8B-B14F-4D97-AF65-F5344CB8AC3E}">
+        <p14:creationId xmlns:p14="http://schemas.microsoft.com/office/powerpoint/2010/main" val="3696580849"/>
+      </p:ext>
+    </p:extLst>
+  </p:cSld>
+  <p:clrMapOvr>
+    <a:masterClrMapping/>
+  </p:clrMapOvr>
+  <p:timing>
+    <p:tnLst>
+      <p:par>
+        <p:cTn xmlns:p14="http://schemas.microsoft.com/office/powerpoint/2010/main" id="1" dur="indefinite" restart="never" nodeType="tmRoot"/>
+      </p:par>
+    </p:tnLst>
+  </p:timing>
+</p:sld>
+</file>
+
+<file path=ppt/slides/slide5.xml><?xml version="1.0" encoding="utf-8"?>
+<p:sld xmlns:a="http://schemas.openxmlformats.org/drawingml/2006/main" xmlns:r="http://schemas.openxmlformats.org/officeDocument/2006/relationships" xmlns:p="http://schemas.openxmlformats.org/presentationml/2006/main">
+  <p:cSld>
+    <p:spTree>
+      <p:nvGrpSpPr>
+        <p:cNvPr id="1" name=""/>
+        <p:cNvGrpSpPr/>
+        <p:nvPr/>
+      </p:nvGrpSpPr>
+      <p:grpSpPr>
+        <a:xfrm>
+          <a:off x="0" y="0"/>
+          <a:ext cx="0" cy="0"/>
+          <a:chOff x="0" y="0"/>
+          <a:chExt cx="0" cy="0"/>
+        </a:xfrm>
+      </p:grpSpPr>
+      <p:sp>
+        <p:nvSpPr>
+          <p:cNvPr id="2" name="Title 1"/>
+          <p:cNvSpPr>
+            <a:spLocks noGrp="1"/>
+          </p:cNvSpPr>
+          <p:nvPr>
+            <p:ph type="title"/>
+          </p:nvPr>
+        </p:nvSpPr>
+        <p:spPr/>
+        <p:txBody>
+          <a:bodyPr/>
+          <a:lstStyle/>
+          <a:p>
+            <a:r>
+              <a:rPr lang="en-US" dirty="0" smtClean="0"/>
+              <a:t>Contents</a:t>
+            </a:r>
+            <a:endParaRPr lang="en-US" dirty="0"/>
+          </a:p>
+        </p:txBody>
+      </p:sp>
+      <p:sp>
+        <p:nvSpPr>
+          <p:cNvPr id="3" name="Content Placeholder 2"/>
+          <p:cNvSpPr>
+            <a:spLocks noGrp="1"/>
+          </p:cNvSpPr>
+          <p:nvPr>
+            <p:ph idx="1"/>
+          </p:nvPr>
+        </p:nvSpPr>
+        <p:spPr/>
+        <p:txBody>
+          <a:bodyPr/>
+          <a:lstStyle/>
+          <a:p>
+            <a:r>
+              <a:rPr lang="en-US" dirty="0" smtClean="0"/>
+              <a:t>Introduction</a:t>
+            </a:r>
+          </a:p>
+          <a:p>
+            <a:r>
+              <a:rPr lang="en-US" b="1" dirty="0" smtClean="0"/>
+              <a:t>Materials and Methods</a:t>
+            </a:r>
+            <a:endParaRPr lang="en-US" dirty="0" smtClean="0"/>
+          </a:p>
+          <a:p>
+            <a:r>
+              <a:rPr lang="en-US" dirty="0" smtClean="0"/>
+              <a:t>Expected Results</a:t>
+            </a:r>
+          </a:p>
+          <a:p>
+            <a:r>
+              <a:rPr lang="en-US" dirty="0"/>
+              <a:t>Challenges</a:t>
+            </a:r>
+            <a:endParaRPr lang="en-US" dirty="0" smtClean="0"/>
+          </a:p>
+          <a:p>
+            <a:r>
+              <a:rPr lang="en-US" dirty="0"/>
+              <a:t>Timetable</a:t>
+            </a:r>
+          </a:p>
+        </p:txBody>
+      </p:sp>
+      <p:sp>
+        <p:nvSpPr>
+          <p:cNvPr id="4" name="Footer Placeholder 3"/>
+          <p:cNvSpPr>
+            <a:spLocks noGrp="1"/>
+          </p:cNvSpPr>
+          <p:nvPr>
+            <p:ph type="ftr" sz="quarter" idx="11"/>
+          </p:nvPr>
+        </p:nvSpPr>
+        <p:spPr/>
+        <p:txBody>
+          <a:bodyPr/>
+          <a:lstStyle/>
+          <a:p>
+            <a:r>
+              <a:rPr lang="en-US" smtClean="0"/>
+              <a:t>MSc. Concept Presentation David Schenkel</a:t>
+            </a:r>
+            <a:endParaRPr lang="en-US"/>
+          </a:p>
+        </p:txBody>
+      </p:sp>
+      <p:sp>
+        <p:nvSpPr>
+          <p:cNvPr id="5" name="Slide Number Placeholder 4"/>
+          <p:cNvSpPr>
+            <a:spLocks noGrp="1"/>
+          </p:cNvSpPr>
+          <p:nvPr>
+            <p:ph type="sldNum" sz="quarter" idx="12"/>
+          </p:nvPr>
+        </p:nvSpPr>
+        <p:spPr/>
+        <p:txBody>
+          <a:bodyPr/>
+          <a:lstStyle/>
+          <a:p>
+            <a:fld id="{BA9B540C-44DA-4F69-89C9-7C84606640D3}" type="slidenum">
+              <a:rPr lang="en-US" smtClean="0"/>
+              <a:pPr/>
+              <a:t>5</a:t>
+            </a:fld>
+            <a:endParaRPr lang="en-US"/>
+          </a:p>
+        </p:txBody>
+      </p:sp>
+    </p:spTree>
+    <p:extLst>
+      <p:ext uri="{BB962C8B-B14F-4D97-AF65-F5344CB8AC3E}">
+        <p14:creationId xmlns:p14="http://schemas.microsoft.com/office/powerpoint/2010/main" val="4020068410"/>
+      </p:ext>
+    </p:extLst>
+  </p:cSld>
+  <p:clrMapOvr>
+    <a:masterClrMapping/>
+  </p:clrMapOvr>
+  <p:timing>
+    <p:tnLst>
+      <p:par>
+        <p:cTn xmlns:p14="http://schemas.microsoft.com/office/powerpoint/2010/main" id="1" dur="indefinite" restart="never" nodeType="tmRoot"/>
+      </p:par>
+    </p:tnLst>
+  </p:timing>
+</p:sld>
+</file>
+
+<file path=ppt/slides/slide6.xml><?xml version="1.0" encoding="utf-8"?>
+<p:sld xmlns:a="http://schemas.openxmlformats.org/drawingml/2006/main" xmlns:r="http://schemas.openxmlformats.org/officeDocument/2006/relationships" xmlns:p="http://schemas.openxmlformats.org/presentationml/2006/main">
+  <p:cSld>
+    <p:spTree>
+      <p:nvGrpSpPr>
+        <p:cNvPr id="1" name=""/>
+        <p:cNvGrpSpPr/>
+        <p:nvPr/>
+      </p:nvGrpSpPr>
+      <p:grpSpPr>
+        <a:xfrm>
+          <a:off x="0" y="0"/>
+          <a:ext cx="0" cy="0"/>
+          <a:chOff x="0" y="0"/>
+          <a:chExt cx="0" cy="0"/>
+        </a:xfrm>
+      </p:grpSpPr>
+      <p:sp>
+        <p:nvSpPr>
+          <p:cNvPr id="2" name="Title 1"/>
+          <p:cNvSpPr>
+            <a:spLocks noGrp="1"/>
+          </p:cNvSpPr>
+          <p:nvPr>
+            <p:ph type="title"/>
+          </p:nvPr>
+        </p:nvSpPr>
+        <p:spPr/>
+        <p:txBody>
+          <a:bodyPr>
+            <a:normAutofit/>
+          </a:bodyPr>
+          <a:lstStyle/>
+          <a:p>
+            <a:r>
+              <a:rPr lang="en-GB" dirty="0" smtClean="0"/>
+              <a:t>Data &amp; Data Pre-Processing</a:t>
+            </a:r>
+            <a:endParaRPr lang="en-US" dirty="0"/>
+          </a:p>
+        </p:txBody>
+      </p:sp>
+      <p:sp>
+        <p:nvSpPr>
+          <p:cNvPr id="3" name="Content Placeholder 2"/>
+          <p:cNvSpPr>
+            <a:spLocks noGrp="1"/>
+          </p:cNvSpPr>
+          <p:nvPr>
+            <p:ph idx="1"/>
+          </p:nvPr>
+        </p:nvSpPr>
+        <p:spPr/>
+        <p:txBody>
+          <a:bodyPr>
+            <a:normAutofit fontScale="70000" lnSpcReduction="20000"/>
+          </a:bodyPr>
+          <a:lstStyle/>
+          <a:p>
+            <a:pPr marL="0" indent="0">
+              <a:buNone/>
+            </a:pPr>
+            <a:r>
+              <a:rPr lang="en-GB" i="1" dirty="0" smtClean="0"/>
+              <a:t>Available data</a:t>
+            </a:r>
+            <a:endParaRPr lang="de-CH" dirty="0" smtClean="0"/>
+          </a:p>
+          <a:p>
+            <a:pPr lvl="0"/>
+            <a:r>
+              <a:rPr lang="en-GB" dirty="0" smtClean="0"/>
+              <a:t>LAI3g </a:t>
+            </a:r>
+          </a:p>
+          <a:p>
+            <a:pPr lvl="1"/>
+            <a:r>
+              <a:rPr lang="en-GB" dirty="0" smtClean="0"/>
+              <a:t>Based on AVHRR/GIMMS NDVI3g </a:t>
+            </a:r>
+          </a:p>
+          <a:p>
+            <a:pPr lvl="1"/>
+            <a:r>
+              <a:rPr lang="en-GB" dirty="0" smtClean="0"/>
+              <a:t>30 years (1982-2011) of global, 15-day composite LAI data</a:t>
+            </a:r>
+          </a:p>
+          <a:p>
+            <a:pPr lvl="1"/>
+            <a:r>
+              <a:rPr lang="en-GB" dirty="0" smtClean="0"/>
+              <a:t>spatial resolution: </a:t>
+            </a:r>
+            <a:r>
+              <a:rPr lang="en-GB" baseline="30000" dirty="0" smtClean="0"/>
+              <a:t>1</a:t>
+            </a:r>
+            <a:r>
+              <a:rPr lang="en-GB" dirty="0" smtClean="0"/>
+              <a:t>/</a:t>
+            </a:r>
+            <a:r>
+              <a:rPr lang="en-GB" baseline="-25000" dirty="0" smtClean="0"/>
+              <a:t>12</a:t>
+            </a:r>
+            <a:r>
+              <a:rPr lang="en-GB" dirty="0" smtClean="0"/>
+              <a:t> degree</a:t>
+            </a:r>
+          </a:p>
+          <a:p>
+            <a:pPr lvl="0"/>
+            <a:r>
+              <a:rPr lang="en-GB" dirty="0" smtClean="0"/>
+              <a:t>LAI-re </a:t>
+            </a:r>
+          </a:p>
+          <a:p>
+            <a:pPr lvl="1"/>
+            <a:r>
+              <a:rPr lang="en-GB" dirty="0" smtClean="0"/>
+              <a:t>Modelled</a:t>
+            </a:r>
+          </a:p>
+          <a:p>
+            <a:pPr lvl="1"/>
+            <a:r>
+              <a:rPr lang="en-GB" dirty="0" smtClean="0"/>
+              <a:t>33 years (1980-2012) of global, daily LAI and climatic control data</a:t>
+            </a:r>
+          </a:p>
+          <a:p>
+            <a:pPr lvl="1"/>
+            <a:r>
+              <a:rPr lang="en-GB" dirty="0" smtClean="0"/>
+              <a:t>spatial resolution ½ degree</a:t>
+            </a:r>
+          </a:p>
+          <a:p>
+            <a:pPr marL="0" lvl="0" indent="0">
+              <a:buNone/>
+            </a:pPr>
+            <a:r>
+              <a:rPr lang="en-GB" i="1" dirty="0" smtClean="0"/>
+              <a:t>Pre-Processing:</a:t>
+            </a:r>
+            <a:endParaRPr lang="de-CH" dirty="0" smtClean="0"/>
+          </a:p>
+          <a:p>
+            <a:pPr lvl="0"/>
+            <a:r>
+              <a:rPr lang="en-GB" dirty="0" smtClean="0"/>
+              <a:t>Resize LAI3g to fit LAI-re resolution</a:t>
+            </a:r>
+            <a:endParaRPr lang="de-CH" dirty="0" smtClean="0"/>
+          </a:p>
+          <a:p>
+            <a:pPr lvl="0"/>
+            <a:r>
+              <a:rPr lang="en-GB" dirty="0" smtClean="0"/>
+              <a:t>Resample temporal frequency of LAI-re (daily) to fit LAI3g (15 day composites)</a:t>
+            </a:r>
+            <a:endParaRPr lang="de-CH" dirty="0"/>
+          </a:p>
+        </p:txBody>
+      </p:sp>
+      <p:sp>
+        <p:nvSpPr>
+          <p:cNvPr id="4" name="Footer Placeholder 3"/>
+          <p:cNvSpPr>
+            <a:spLocks noGrp="1"/>
+          </p:cNvSpPr>
+          <p:nvPr>
+            <p:ph type="ftr" sz="quarter" idx="11"/>
+          </p:nvPr>
+        </p:nvSpPr>
+        <p:spPr/>
+        <p:txBody>
+          <a:bodyPr/>
+          <a:lstStyle/>
+          <a:p>
+            <a:r>
+              <a:rPr lang="en-US" smtClean="0"/>
+              <a:t>MSc. Concept Presentation David Schenkel</a:t>
+            </a:r>
+            <a:endParaRPr lang="en-US"/>
+          </a:p>
+        </p:txBody>
+      </p:sp>
+      <p:sp>
+        <p:nvSpPr>
+          <p:cNvPr id="5" name="Slide Number Placeholder 4"/>
+          <p:cNvSpPr>
+            <a:spLocks noGrp="1"/>
+          </p:cNvSpPr>
+          <p:nvPr>
+            <p:ph type="sldNum" sz="quarter" idx="12"/>
+          </p:nvPr>
+        </p:nvSpPr>
+        <p:spPr/>
+        <p:txBody>
+          <a:bodyPr/>
+          <a:lstStyle/>
+          <a:p>
+            <a:fld id="{BA9B540C-44DA-4F69-89C9-7C84606640D3}" type="slidenum">
+              <a:rPr lang="en-US" smtClean="0"/>
+              <a:pPr/>
+              <a:t>6</a:t>
+            </a:fld>
+            <a:endParaRPr lang="en-US"/>
+          </a:p>
+        </p:txBody>
+      </p:sp>
+      <p:grpSp>
+        <p:nvGrpSpPr>
+          <p:cNvPr id="12" name="Group 11"/>
+          <p:cNvGrpSpPr/>
+          <p:nvPr/>
+        </p:nvGrpSpPr>
+        <p:grpSpPr>
+          <a:xfrm>
+            <a:off x="0" y="0"/>
+            <a:ext cx="9144000" cy="384830"/>
+            <a:chOff x="0" y="0"/>
+            <a:chExt cx="9144000" cy="384830"/>
+          </a:xfrm>
+        </p:grpSpPr>
+        <p:sp>
+          <p:nvSpPr>
+            <p:cNvPr id="13" name="Rectangle 12"/>
+            <p:cNvSpPr/>
+            <p:nvPr/>
+          </p:nvSpPr>
+          <p:spPr>
+            <a:xfrm>
+              <a:off x="0" y="0"/>
+              <a:ext cx="9144000" cy="384830"/>
+            </a:xfrm>
+            <a:prstGeom prst="rect">
+              <a:avLst/>
+            </a:prstGeom>
+            <a:solidFill>
+              <a:schemeClr val="bg1">
+                <a:lumMod val="85000"/>
+              </a:schemeClr>
+            </a:solidFill>
+            <a:ln>
+              <a:noFill/>
+            </a:ln>
+            <a:effectLst/>
+          </p:spPr>
+          <p:style>
+            <a:lnRef idx="1">
+              <a:schemeClr val="accent1"/>
+            </a:lnRef>
+            <a:fillRef idx="3">
+              <a:schemeClr val="accent1"/>
+            </a:fillRef>
+            <a:effectRef idx="2">
+              <a:schemeClr val="accent1"/>
+            </a:effectRef>
+            <a:fontRef idx="minor">
+              <a:schemeClr val="lt1"/>
+            </a:fontRef>
+          </p:style>
+          <p:txBody>
+            <a:bodyPr rtlCol="0" anchor="ctr"/>
+            <a:lstStyle/>
+            <a:p>
+              <a:pPr algn="ctr"/>
+              <a:endParaRPr lang="en-US"/>
+            </a:p>
+          </p:txBody>
+        </p:sp>
+        <p:sp>
+          <p:nvSpPr>
+            <p:cNvPr id="14" name="TextBox 13"/>
+            <p:cNvSpPr txBox="1"/>
+            <p:nvPr/>
+          </p:nvSpPr>
+          <p:spPr>
+            <a:xfrm>
+              <a:off x="147053" y="13372"/>
+              <a:ext cx="8996947" cy="369332"/>
+            </a:xfrm>
+            <a:prstGeom prst="rect">
+              <a:avLst/>
+            </a:prstGeom>
+            <a:noFill/>
+          </p:spPr>
+          <p:txBody>
+            <a:bodyPr wrap="square" rtlCol="0">
+              <a:spAutoFit/>
+            </a:bodyPr>
+            <a:lstStyle/>
+            <a:p>
+              <a:r>
+                <a:rPr lang="en-US" dirty="0" smtClean="0"/>
+                <a:t>Introduction | </a:t>
+              </a:r>
+              <a:r>
+                <a:rPr lang="en-US" b="1" dirty="0" smtClean="0"/>
+                <a:t>Materials </a:t>
+              </a:r>
+              <a:r>
+                <a:rPr lang="en-US" b="1" dirty="0" smtClean="0"/>
+                <a:t>&amp; </a:t>
+              </a:r>
+              <a:r>
+                <a:rPr lang="en-US" b="1" dirty="0" smtClean="0"/>
+                <a:t>Method </a:t>
+              </a:r>
+              <a:r>
+                <a:rPr lang="en-US" dirty="0" smtClean="0"/>
+                <a:t>| Expected Results | </a:t>
+              </a:r>
+              <a:r>
+                <a:rPr lang="en-US" dirty="0" smtClean="0"/>
+                <a:t>Limitations &amp; Challenges </a:t>
+              </a:r>
+              <a:r>
+                <a:rPr lang="en-US" dirty="0" smtClean="0"/>
+                <a:t>| Timetable</a:t>
+              </a:r>
+              <a:endParaRPr lang="en-US" dirty="0"/>
+            </a:p>
+          </p:txBody>
+        </p:sp>
+      </p:grpSp>
+    </p:spTree>
+    <p:extLst>
+      <p:ext uri="{BB962C8B-B14F-4D97-AF65-F5344CB8AC3E}">
+        <p14:creationId xmlns:p14="http://schemas.microsoft.com/office/powerpoint/2010/main" val="514367902"/>
+      </p:ext>
+    </p:extLst>
+  </p:cSld>
+  <p:clrMapOvr>
+    <a:masterClrMapping/>
+  </p:clrMapOvr>
+  <p:timing>
+    <p:tnLst>
+      <p:par>
+        <p:cTn xmlns:p14="http://schemas.microsoft.com/office/powerpoint/2010/main" id="1" dur="indefinite" restart="never" nodeType="tmRoot"/>
+      </p:par>
+    </p:tnLst>
+  </p:timing>
+</p:sld>
+</file>
+
+<file path=ppt/slides/slide7.xml><?xml version="1.0" encoding="utf-8"?>
+<p:sld xmlns:a="http://schemas.openxmlformats.org/drawingml/2006/main" xmlns:r="http://schemas.openxmlformats.org/officeDocument/2006/relationships" xmlns:p="http://schemas.openxmlformats.org/presentationml/2006/main">
+  <p:cSld>
+    <p:spTree>
+      <p:nvGrpSpPr>
+        <p:cNvPr id="1" name=""/>
+        <p:cNvGrpSpPr/>
+        <p:nvPr/>
+      </p:nvGrpSpPr>
+      <p:grpSpPr>
+        <a:xfrm>
+          <a:off x="0" y="0"/>
+          <a:ext cx="0" cy="0"/>
+          <a:chOff x="0" y="0"/>
+          <a:chExt cx="0" cy="0"/>
+        </a:xfrm>
+      </p:grpSpPr>
+      <p:sp>
+        <p:nvSpPr>
+          <p:cNvPr id="2" name="Title 1"/>
+          <p:cNvSpPr>
+            <a:spLocks noGrp="1"/>
+          </p:cNvSpPr>
+          <p:nvPr>
+            <p:ph type="title"/>
+          </p:nvPr>
+        </p:nvSpPr>
+        <p:spPr/>
+        <p:txBody>
+          <a:bodyPr>
+            <a:normAutofit/>
+          </a:bodyPr>
+          <a:lstStyle/>
+          <a:p>
+            <a:r>
+              <a:rPr lang="en-GB" dirty="0"/>
+              <a:t>Climatic </a:t>
+            </a:r>
+            <a:r>
+              <a:rPr lang="en-GB" dirty="0" smtClean="0"/>
+              <a:t>Controls - GSI</a:t>
+            </a:r>
+            <a:endParaRPr lang="de-CH" dirty="0"/>
+          </a:p>
+        </p:txBody>
+      </p:sp>
+      <p:sp>
+        <p:nvSpPr>
+          <p:cNvPr id="3" name="Content Placeholder 2"/>
+          <p:cNvSpPr>
+            <a:spLocks noGrp="1"/>
+          </p:cNvSpPr>
+          <p:nvPr>
+            <p:ph idx="1"/>
+          </p:nvPr>
+        </p:nvSpPr>
+        <p:spPr/>
+        <p:txBody>
+          <a:bodyPr/>
+          <a:lstStyle/>
+          <a:p>
+            <a:r>
+              <a:rPr lang="en-GB" dirty="0" smtClean="0"/>
+              <a:t>Jolly’s (2005) Growing Season Index</a:t>
+            </a:r>
+          </a:p>
+          <a:p>
+            <a:pPr lvl="1"/>
+            <a:r>
+              <a:rPr lang="en-GB" dirty="0" smtClean="0"/>
+              <a:t>Based on </a:t>
+            </a:r>
+            <a:r>
+              <a:rPr lang="en-GB" dirty="0" err="1" smtClean="0"/>
+              <a:t>T</a:t>
+            </a:r>
+            <a:r>
+              <a:rPr lang="en-GB" baseline="-25000" dirty="0" err="1" smtClean="0"/>
+              <a:t>min</a:t>
+            </a:r>
+            <a:r>
+              <a:rPr lang="en-GB" dirty="0" smtClean="0"/>
+              <a:t>, Vapour Pressure Deficit (VPD) and photoperiod</a:t>
+            </a:r>
+          </a:p>
+          <a:p>
+            <a:pPr lvl="1"/>
+            <a:r>
+              <a:rPr lang="en-GB" dirty="0" smtClean="0"/>
+              <a:t>Simple linear relationships and thresholds</a:t>
+            </a:r>
+          </a:p>
+          <a:p>
+            <a:pPr lvl="1"/>
+            <a:r>
+              <a:rPr lang="en-GB" i="1" dirty="0" smtClean="0"/>
+              <a:t>GSI = </a:t>
+            </a:r>
+            <a:r>
+              <a:rPr lang="en-GB" i="1" dirty="0" err="1" smtClean="0"/>
+              <a:t>iT</a:t>
+            </a:r>
+            <a:r>
+              <a:rPr lang="en-GB" i="1" baseline="-25000" dirty="0" err="1" smtClean="0"/>
+              <a:t>min</a:t>
+            </a:r>
+            <a:r>
+              <a:rPr lang="en-GB" i="1" dirty="0" smtClean="0"/>
+              <a:t> * </a:t>
+            </a:r>
+            <a:r>
+              <a:rPr lang="en-GB" i="1" dirty="0" err="1"/>
+              <a:t>i</a:t>
+            </a:r>
+            <a:r>
+              <a:rPr lang="en-GB" i="1" dirty="0" err="1" smtClean="0"/>
+              <a:t>VPD</a:t>
+            </a:r>
+            <a:r>
+              <a:rPr lang="en-GB" i="1" dirty="0" smtClean="0"/>
+              <a:t> * iPhoto</a:t>
+            </a:r>
+            <a:endParaRPr lang="en-GB" i="1" dirty="0"/>
+          </a:p>
+        </p:txBody>
+      </p:sp>
+      <p:sp>
+        <p:nvSpPr>
+          <p:cNvPr id="4" name="Footer Placeholder 3"/>
+          <p:cNvSpPr>
+            <a:spLocks noGrp="1"/>
+          </p:cNvSpPr>
+          <p:nvPr>
+            <p:ph type="ftr" sz="quarter" idx="11"/>
+          </p:nvPr>
+        </p:nvSpPr>
+        <p:spPr/>
+        <p:txBody>
+          <a:bodyPr/>
+          <a:lstStyle/>
+          <a:p>
+            <a:r>
+              <a:rPr lang="en-US" smtClean="0"/>
+              <a:t>MSc. Concept Presentation David Schenkel</a:t>
+            </a:r>
+            <a:endParaRPr lang="en-US"/>
+          </a:p>
+        </p:txBody>
+      </p:sp>
+      <p:sp>
+        <p:nvSpPr>
+          <p:cNvPr id="5" name="Slide Number Placeholder 4"/>
+          <p:cNvSpPr>
+            <a:spLocks noGrp="1"/>
+          </p:cNvSpPr>
+          <p:nvPr>
+            <p:ph type="sldNum" sz="quarter" idx="12"/>
+          </p:nvPr>
+        </p:nvSpPr>
+        <p:spPr/>
+        <p:txBody>
+          <a:bodyPr/>
+          <a:lstStyle/>
+          <a:p>
+            <a:fld id="{BA9B540C-44DA-4F69-89C9-7C84606640D3}" type="slidenum">
+              <a:rPr lang="en-US" smtClean="0"/>
+              <a:pPr/>
+              <a:t>7</a:t>
             </a:fld>
             <a:endParaRPr lang="en-US"/>
           </a:p>
@@ -11006,7 +12581,7 @@
       </p:sp>
       <p:grpSp>
         <p:nvGrpSpPr>
-          <p:cNvPr id="11" name="Group 10"/>
+          <p:cNvPr id="29" name="Group 28"/>
           <p:cNvGrpSpPr/>
           <p:nvPr/>
         </p:nvGrpSpPr>
@@ -11020,7 +12595,7 @@
         </p:grpSpPr>
         <p:sp>
           <p:nvSpPr>
-            <p:cNvPr id="12" name="Rectangle 11"/>
+            <p:cNvPr id="30" name="Rectangle 29"/>
             <p:cNvSpPr/>
             <p:nvPr/>
           </p:nvSpPr>
@@ -11067,14 +12642,14 @@
         </p:sp>
         <p:sp>
           <p:nvSpPr>
-            <p:cNvPr id="13" name="TextBox 12"/>
+            <p:cNvPr id="31" name="TextBox 30"/>
             <p:cNvSpPr txBox="1"/>
             <p:nvPr/>
           </p:nvSpPr>
           <p:spPr>
             <a:xfrm>
-              <a:off x="614933" y="13372"/>
-              <a:ext cx="7861873" cy="369332"/>
+              <a:off x="147053" y="13372"/>
+              <a:ext cx="8996947" cy="369332"/>
             </a:xfrm>
             <a:prstGeom prst="rect">
               <a:avLst/>
@@ -11082,18 +12657,38 @@
             <a:noFill/>
           </p:spPr>
           <p:txBody>
-            <a:bodyPr wrap="none" rtlCol="0">
+            <a:bodyPr wrap="square" rtlCol="0">
               <a:spAutoFit/>
             </a:bodyPr>
             <a:lstStyle/>
             <a:p>
               <a:r>
+                <a:rPr lang="en-US" dirty="0" smtClean="0"/>
+                <a:t>Introduction | </a:t>
+              </a:r>
+              <a:r>
                 <a:rPr lang="en-US" b="1" dirty="0" smtClean="0"/>
-                <a:t>Introduction</a:t>
+                <a:t>Materials </a:t>
+              </a:r>
+              <a:r>
+                <a:rPr lang="en-US" b="1" dirty="0" smtClean="0"/>
+                <a:t>&amp; </a:t>
+              </a:r>
+              <a:r>
+                <a:rPr lang="en-US" b="1" dirty="0" smtClean="0"/>
+                <a:t>Method </a:t>
               </a:r>
               <a:r>
                 <a:rPr lang="en-US" dirty="0" smtClean="0"/>
-                <a:t> | Materials and Method | Expected Results | Challenges | Timetable</a:t>
+                <a:t>| Expected Results | </a:t>
+              </a:r>
+              <a:r>
+                <a:rPr lang="en-US" dirty="0" smtClean="0"/>
+                <a:t>Limitations &amp; Challenges </a:t>
+              </a:r>
+              <a:r>
+                <a:rPr lang="en-US" dirty="0" smtClean="0"/>
+                <a:t>| Timetable</a:t>
               </a:r>
               <a:endParaRPr lang="en-US" dirty="0"/>
             </a:p>
@@ -11120,7 +12715,7 @@
 </p:sld>
 </file>
 
-<file path=ppt/slides/slide5.xml><?xml version="1.0" encoding="utf-8"?>
+<file path=ppt/slides/slide8.xml><?xml version="1.0" encoding="utf-8"?>
 <p:sld xmlns:a="http://schemas.openxmlformats.org/drawingml/2006/main" xmlns:r="http://schemas.openxmlformats.org/officeDocument/2006/relationships" xmlns:p="http://schemas.openxmlformats.org/presentationml/2006/main">
   <p:cSld>
     <p:spTree>
@@ -11149,93 +12744,104 @@
         </p:nvSpPr>
         <p:spPr/>
         <p:txBody>
+          <a:bodyPr/>
+          <a:lstStyle/>
+          <a:p>
+            <a:r>
+              <a:rPr lang="en-US" dirty="0" smtClean="0"/>
+              <a:t>LAI </a:t>
+            </a:r>
+            <a:r>
+              <a:rPr lang="en-US" dirty="0" err="1" smtClean="0"/>
+              <a:t>Reanalysed</a:t>
+            </a:r>
+            <a:endParaRPr lang="en-US" dirty="0"/>
+          </a:p>
+        </p:txBody>
+      </p:sp>
+      <p:sp>
+        <p:nvSpPr>
+          <p:cNvPr id="3" name="Content Placeholder 2"/>
+          <p:cNvSpPr>
+            <a:spLocks noGrp="1"/>
+          </p:cNvSpPr>
+          <p:nvPr>
+            <p:ph idx="1"/>
+          </p:nvPr>
+        </p:nvSpPr>
+        <p:spPr/>
+        <p:txBody>
           <a:bodyPr>
             <a:normAutofit/>
           </a:bodyPr>
           <a:lstStyle/>
           <a:p>
+            <a:pPr lvl="0"/>
+            <a:r>
+              <a:rPr lang="en-GB" dirty="0" err="1" smtClean="0"/>
+              <a:t>Stöckli</a:t>
+            </a:r>
             <a:r>
               <a:rPr lang="en-GB" dirty="0" smtClean="0"/>
-              <a:t>Research Questions</a:t>
-            </a:r>
-            <a:endParaRPr lang="en-US" dirty="0"/>
-          </a:p>
-        </p:txBody>
-      </p:sp>
-      <p:sp>
-        <p:nvSpPr>
-          <p:cNvPr id="3" name="Content Placeholder 2"/>
-          <p:cNvSpPr>
-            <a:spLocks noGrp="1"/>
-          </p:cNvSpPr>
-          <p:nvPr>
-            <p:ph idx="1"/>
-          </p:nvPr>
-        </p:nvSpPr>
-        <p:spPr/>
-        <p:txBody>
-          <a:bodyPr>
-            <a:normAutofit/>
-          </a:bodyPr>
-          <a:lstStyle/>
+              <a:t> et al. (2011) </a:t>
+            </a:r>
+            <a:r>
+              <a:rPr lang="en-GB" b="1" dirty="0" smtClean="0"/>
+              <a:t>modelled</a:t>
+            </a:r>
+            <a:r>
+              <a:rPr lang="en-GB" dirty="0" smtClean="0"/>
+              <a:t> </a:t>
+            </a:r>
+            <a:r>
+              <a:rPr lang="en-GB" dirty="0"/>
+              <a:t>LAI based on GSI</a:t>
+            </a:r>
+            <a:r>
+              <a:rPr lang="en-GB" dirty="0" smtClean="0"/>
+              <a:t>, </a:t>
+            </a:r>
+            <a:r>
+              <a:rPr lang="en-GB" dirty="0"/>
+              <a:t>Plant Functional Type </a:t>
+            </a:r>
+            <a:r>
+              <a:rPr lang="en-GB" dirty="0" smtClean="0"/>
+              <a:t>and </a:t>
+            </a:r>
+            <a:r>
+              <a:rPr lang="en-GB" dirty="0"/>
+              <a:t>elevation </a:t>
+            </a:r>
+            <a:r>
+              <a:rPr lang="en-GB" dirty="0" smtClean="0"/>
+              <a:t>classes</a:t>
+            </a:r>
+          </a:p>
           <a:p>
             <a:pPr lvl="0"/>
             <a:r>
               <a:rPr lang="en-GB" dirty="0" smtClean="0"/>
-              <a:t>How </a:t>
+              <a:t>Uses reanalysed meteorological data for T, VPD, incoming radiation</a:t>
+            </a:r>
+            <a:endParaRPr lang="de-CH" dirty="0"/>
+          </a:p>
+          <a:p>
+            <a:pPr lvl="0"/>
+            <a:r>
+              <a:rPr lang="en-GB" dirty="0" smtClean="0"/>
+              <a:t>Model assimilated </a:t>
             </a:r>
             <a:r>
               <a:rPr lang="en-GB" dirty="0"/>
-              <a:t>does </a:t>
-            </a:r>
-            <a:r>
-              <a:rPr lang="en-GB" dirty="0" smtClean="0"/>
-              <a:t>a modelled LAI </a:t>
-            </a:r>
-            <a:r>
-              <a:rPr lang="en-GB" dirty="0"/>
-              <a:t>compare to </a:t>
-            </a:r>
-            <a:r>
-              <a:rPr lang="en-GB" dirty="0" smtClean="0"/>
-              <a:t>a remotely sensed LAI? (How) Do </a:t>
-            </a:r>
-            <a:r>
-              <a:rPr lang="en-GB" dirty="0"/>
-              <a:t>they </a:t>
-            </a:r>
-            <a:r>
-              <a:rPr lang="en-GB" dirty="0" smtClean="0"/>
-              <a:t>differ? </a:t>
+              <a:t>with 10 years of MODIS LAI and FPAR data</a:t>
             </a:r>
             <a:endParaRPr lang="de-CH" dirty="0"/>
           </a:p>
           <a:p>
-            <a:pPr lvl="0"/>
-            <a:r>
-              <a:rPr lang="en-GB" dirty="0"/>
-              <a:t>How do climatic controls </a:t>
-            </a:r>
-            <a:r>
-              <a:rPr lang="en-GB" dirty="0" smtClean="0"/>
-              <a:t>impact </a:t>
-            </a:r>
-            <a:r>
-              <a:rPr lang="en-GB" dirty="0"/>
-              <a:t>different </a:t>
-            </a:r>
-            <a:r>
-              <a:rPr lang="en-GB" dirty="0" smtClean="0"/>
-              <a:t>regions over time?</a:t>
-            </a:r>
-            <a:endParaRPr lang="de-CH" dirty="0"/>
-          </a:p>
-          <a:p>
-            <a:pPr lvl="0"/>
-            <a:r>
-              <a:rPr lang="en-GB" dirty="0"/>
-              <a:t>(How) do changes in LSP depend on changes in climatic controls? </a:t>
-            </a:r>
+            <a:pPr marL="0" indent="0">
+              <a:buNone/>
+            </a:pPr>
             <a:endParaRPr lang="de-CH" dirty="0"/>
           </a:p>
           <a:p>
@@ -11284,7 +12890,7 @@
             <a:fld id="{BA9B540C-44DA-4F69-89C9-7C84606640D3}" type="slidenum">
               <a:rPr lang="en-US" smtClean="0"/>
               <a:pPr/>
-              <a:t>5</a:t>
+              <a:t>8</a:t>
             </a:fld>
             <a:endParaRPr lang="en-US"/>
           </a:p>
@@ -11292,7 +12898,7 @@
       </p:sp>
       <p:grpSp>
         <p:nvGrpSpPr>
-          <p:cNvPr id="6" name="Group 5"/>
+          <p:cNvPr id="12" name="Group 11"/>
           <p:cNvGrpSpPr/>
           <p:nvPr/>
         </p:nvGrpSpPr>
@@ -11306,7 +12912,7 @@
         </p:grpSpPr>
         <p:sp>
           <p:nvSpPr>
-            <p:cNvPr id="7" name="Rectangle 6"/>
+            <p:cNvPr id="13" name="Rectangle 12"/>
             <p:cNvSpPr/>
             <p:nvPr/>
           </p:nvSpPr>
@@ -11353,14 +12959,14 @@
         </p:sp>
         <p:sp>
           <p:nvSpPr>
-            <p:cNvPr id="8" name="TextBox 7"/>
+            <p:cNvPr id="14" name="TextBox 13"/>
             <p:cNvSpPr txBox="1"/>
             <p:nvPr/>
           </p:nvSpPr>
           <p:spPr>
             <a:xfrm>
-              <a:off x="614933" y="13372"/>
-              <a:ext cx="7840608" cy="369332"/>
+              <a:off x="147053" y="13372"/>
+              <a:ext cx="8996947" cy="369332"/>
             </a:xfrm>
             <a:prstGeom prst="rect">
               <a:avLst/>
@@ -11368,496 +12974,7 @@
             <a:noFill/>
           </p:spPr>
           <p:txBody>
-            <a:bodyPr wrap="none" rtlCol="0">
-              <a:spAutoFit/>
-            </a:bodyPr>
-            <a:lstStyle/>
-            <a:p>
-              <a:r>
-                <a:rPr lang="en-US" b="1" dirty="0" smtClean="0"/>
-                <a:t>Introduction</a:t>
-              </a:r>
-              <a:r>
-                <a:rPr lang="en-US" dirty="0" smtClean="0"/>
-                <a:t> | Materials and Method | Expected Results | Challenges | </a:t>
-              </a:r>
-              <a:r>
-                <a:rPr lang="en-US" dirty="0"/>
-                <a:t>Timetable</a:t>
-              </a:r>
-            </a:p>
-          </p:txBody>
-        </p:sp>
-      </p:grpSp>
-    </p:spTree>
-    <p:extLst>
-      <p:ext uri="{BB962C8B-B14F-4D97-AF65-F5344CB8AC3E}">
-        <p14:creationId xmlns:p14="http://schemas.microsoft.com/office/powerpoint/2010/main" val="3696580849"/>
-      </p:ext>
-    </p:extLst>
-  </p:cSld>
-  <p:clrMapOvr>
-    <a:masterClrMapping/>
-  </p:clrMapOvr>
-  <p:timing>
-    <p:tnLst>
-      <p:par>
-        <p:cTn xmlns:p14="http://schemas.microsoft.com/office/powerpoint/2010/main" id="1" dur="indefinite" restart="never" nodeType="tmRoot"/>
-      </p:par>
-    </p:tnLst>
-  </p:timing>
-</p:sld>
-</file>
-
-<file path=ppt/slides/slide6.xml><?xml version="1.0" encoding="utf-8"?>
-<p:sld xmlns:a="http://schemas.openxmlformats.org/drawingml/2006/main" xmlns:r="http://schemas.openxmlformats.org/officeDocument/2006/relationships" xmlns:p="http://schemas.openxmlformats.org/presentationml/2006/main">
-  <p:cSld>
-    <p:spTree>
-      <p:nvGrpSpPr>
-        <p:cNvPr id="1" name=""/>
-        <p:cNvGrpSpPr/>
-        <p:nvPr/>
-      </p:nvGrpSpPr>
-      <p:grpSpPr>
-        <a:xfrm>
-          <a:off x="0" y="0"/>
-          <a:ext cx="0" cy="0"/>
-          <a:chOff x="0" y="0"/>
-          <a:chExt cx="0" cy="0"/>
-        </a:xfrm>
-      </p:grpSpPr>
-      <p:sp>
-        <p:nvSpPr>
-          <p:cNvPr id="2" name="Title 1"/>
-          <p:cNvSpPr>
-            <a:spLocks noGrp="1"/>
-          </p:cNvSpPr>
-          <p:nvPr>
-            <p:ph type="title"/>
-          </p:nvPr>
-        </p:nvSpPr>
-        <p:spPr/>
-        <p:txBody>
-          <a:bodyPr/>
-          <a:lstStyle/>
-          <a:p>
-            <a:r>
-              <a:rPr lang="en-US" dirty="0" smtClean="0"/>
-              <a:t>Contents</a:t>
-            </a:r>
-            <a:endParaRPr lang="en-US" dirty="0"/>
-          </a:p>
-        </p:txBody>
-      </p:sp>
-      <p:sp>
-        <p:nvSpPr>
-          <p:cNvPr id="3" name="Content Placeholder 2"/>
-          <p:cNvSpPr>
-            <a:spLocks noGrp="1"/>
-          </p:cNvSpPr>
-          <p:nvPr>
-            <p:ph idx="1"/>
-          </p:nvPr>
-        </p:nvSpPr>
-        <p:spPr/>
-        <p:txBody>
-          <a:bodyPr/>
-          <a:lstStyle/>
-          <a:p>
-            <a:r>
-              <a:rPr lang="en-US" dirty="0" smtClean="0"/>
-              <a:t>Introduction</a:t>
-            </a:r>
-          </a:p>
-          <a:p>
-            <a:r>
-              <a:rPr lang="en-US" b="1" dirty="0" smtClean="0"/>
-              <a:t>Materials and Methods</a:t>
-            </a:r>
-            <a:endParaRPr lang="en-US" dirty="0" smtClean="0"/>
-          </a:p>
-          <a:p>
-            <a:r>
-              <a:rPr lang="en-US" dirty="0" smtClean="0"/>
-              <a:t>Expected Results</a:t>
-            </a:r>
-          </a:p>
-          <a:p>
-            <a:r>
-              <a:rPr lang="en-US" dirty="0"/>
-              <a:t>Challenges</a:t>
-            </a:r>
-            <a:endParaRPr lang="en-US" dirty="0" smtClean="0"/>
-          </a:p>
-          <a:p>
-            <a:r>
-              <a:rPr lang="en-US" dirty="0"/>
-              <a:t>Timetable</a:t>
-            </a:r>
-          </a:p>
-        </p:txBody>
-      </p:sp>
-      <p:sp>
-        <p:nvSpPr>
-          <p:cNvPr id="4" name="Footer Placeholder 3"/>
-          <p:cNvSpPr>
-            <a:spLocks noGrp="1"/>
-          </p:cNvSpPr>
-          <p:nvPr>
-            <p:ph type="ftr" sz="quarter" idx="11"/>
-          </p:nvPr>
-        </p:nvSpPr>
-        <p:spPr/>
-        <p:txBody>
-          <a:bodyPr/>
-          <a:lstStyle/>
-          <a:p>
-            <a:r>
-              <a:rPr lang="en-US" smtClean="0"/>
-              <a:t>MSc. Concept Presentation David Schenkel</a:t>
-            </a:r>
-            <a:endParaRPr lang="en-US"/>
-          </a:p>
-        </p:txBody>
-      </p:sp>
-      <p:sp>
-        <p:nvSpPr>
-          <p:cNvPr id="5" name="Slide Number Placeholder 4"/>
-          <p:cNvSpPr>
-            <a:spLocks noGrp="1"/>
-          </p:cNvSpPr>
-          <p:nvPr>
-            <p:ph type="sldNum" sz="quarter" idx="12"/>
-          </p:nvPr>
-        </p:nvSpPr>
-        <p:spPr/>
-        <p:txBody>
-          <a:bodyPr/>
-          <a:lstStyle/>
-          <a:p>
-            <a:fld id="{BA9B540C-44DA-4F69-89C9-7C84606640D3}" type="slidenum">
-              <a:rPr lang="en-US" smtClean="0"/>
-              <a:pPr/>
-              <a:t>6</a:t>
-            </a:fld>
-            <a:endParaRPr lang="en-US"/>
-          </a:p>
-        </p:txBody>
-      </p:sp>
-    </p:spTree>
-    <p:extLst>
-      <p:ext uri="{BB962C8B-B14F-4D97-AF65-F5344CB8AC3E}">
-        <p14:creationId xmlns:p14="http://schemas.microsoft.com/office/powerpoint/2010/main" val="4020068410"/>
-      </p:ext>
-    </p:extLst>
-  </p:cSld>
-  <p:clrMapOvr>
-    <a:masterClrMapping/>
-  </p:clrMapOvr>
-  <p:timing>
-    <p:tnLst>
-      <p:par>
-        <p:cTn xmlns:p14="http://schemas.microsoft.com/office/powerpoint/2010/main" id="1" dur="indefinite" restart="never" nodeType="tmRoot"/>
-      </p:par>
-    </p:tnLst>
-  </p:timing>
-</p:sld>
-</file>
-
-<file path=ppt/slides/slide7.xml><?xml version="1.0" encoding="utf-8"?>
-<p:sld xmlns:a="http://schemas.openxmlformats.org/drawingml/2006/main" xmlns:r="http://schemas.openxmlformats.org/officeDocument/2006/relationships" xmlns:p="http://schemas.openxmlformats.org/presentationml/2006/main">
-  <p:cSld>
-    <p:spTree>
-      <p:nvGrpSpPr>
-        <p:cNvPr id="1" name=""/>
-        <p:cNvGrpSpPr/>
-        <p:nvPr/>
-      </p:nvGrpSpPr>
-      <p:grpSpPr>
-        <a:xfrm>
-          <a:off x="0" y="0"/>
-          <a:ext cx="0" cy="0"/>
-          <a:chOff x="0" y="0"/>
-          <a:chExt cx="0" cy="0"/>
-        </a:xfrm>
-      </p:grpSpPr>
-      <p:sp>
-        <p:nvSpPr>
-          <p:cNvPr id="2" name="Title 1"/>
-          <p:cNvSpPr>
-            <a:spLocks noGrp="1"/>
-          </p:cNvSpPr>
-          <p:nvPr>
-            <p:ph type="title"/>
-          </p:nvPr>
-        </p:nvSpPr>
-        <p:spPr/>
-        <p:txBody>
-          <a:bodyPr>
-            <a:normAutofit/>
-          </a:bodyPr>
-          <a:lstStyle/>
-          <a:p>
-            <a:r>
-              <a:rPr lang="en-GB" dirty="0" smtClean="0"/>
-              <a:t>Data &amp; Data Pre-Processing</a:t>
-            </a:r>
-            <a:endParaRPr lang="en-US" dirty="0"/>
-          </a:p>
-        </p:txBody>
-      </p:sp>
-      <p:sp>
-        <p:nvSpPr>
-          <p:cNvPr id="3" name="Content Placeholder 2"/>
-          <p:cNvSpPr>
-            <a:spLocks noGrp="1"/>
-          </p:cNvSpPr>
-          <p:nvPr>
-            <p:ph idx="1"/>
-          </p:nvPr>
-        </p:nvSpPr>
-        <p:spPr/>
-        <p:txBody>
-          <a:bodyPr>
-            <a:normAutofit fontScale="70000" lnSpcReduction="20000"/>
-          </a:bodyPr>
-          <a:lstStyle/>
-          <a:p>
-            <a:pPr marL="0" indent="0">
-              <a:buNone/>
-            </a:pPr>
-            <a:r>
-              <a:rPr lang="en-GB" i="1" dirty="0" smtClean="0"/>
-              <a:t>Available data</a:t>
-            </a:r>
-            <a:endParaRPr lang="de-CH" dirty="0" smtClean="0"/>
-          </a:p>
-          <a:p>
-            <a:pPr lvl="0"/>
-            <a:r>
-              <a:rPr lang="en-GB" dirty="0" smtClean="0"/>
-              <a:t>LAI3g </a:t>
-            </a:r>
-          </a:p>
-          <a:p>
-            <a:pPr lvl="1"/>
-            <a:r>
-              <a:rPr lang="en-GB" dirty="0" smtClean="0"/>
-              <a:t>Based on AVHRR/GIMMS NDVI3g </a:t>
-            </a:r>
-          </a:p>
-          <a:p>
-            <a:pPr lvl="1"/>
-            <a:r>
-              <a:rPr lang="en-GB" dirty="0" smtClean="0"/>
-              <a:t>30 years (1982-2011) of global, 15-day composite LAI data</a:t>
-            </a:r>
-          </a:p>
-          <a:p>
-            <a:pPr lvl="1"/>
-            <a:r>
-              <a:rPr lang="en-GB" dirty="0" smtClean="0"/>
-              <a:t>spatial resolution: </a:t>
-            </a:r>
-            <a:r>
-              <a:rPr lang="en-GB" baseline="30000" dirty="0" smtClean="0"/>
-              <a:t>1</a:t>
-            </a:r>
-            <a:r>
-              <a:rPr lang="en-GB" dirty="0" smtClean="0"/>
-              <a:t>/</a:t>
-            </a:r>
-            <a:r>
-              <a:rPr lang="en-GB" baseline="-25000" dirty="0" smtClean="0"/>
-              <a:t>12</a:t>
-            </a:r>
-            <a:r>
-              <a:rPr lang="en-GB" dirty="0" smtClean="0"/>
-              <a:t> degree</a:t>
-            </a:r>
-          </a:p>
-          <a:p>
-            <a:pPr lvl="0"/>
-            <a:r>
-              <a:rPr lang="en-GB" dirty="0" smtClean="0"/>
-              <a:t>LAI-re </a:t>
-            </a:r>
-          </a:p>
-          <a:p>
-            <a:pPr lvl="1"/>
-            <a:r>
-              <a:rPr lang="en-GB" dirty="0" smtClean="0"/>
-              <a:t>Modelled</a:t>
-            </a:r>
-          </a:p>
-          <a:p>
-            <a:pPr lvl="1"/>
-            <a:r>
-              <a:rPr lang="en-GB" dirty="0" smtClean="0"/>
-              <a:t>33 years (1980-2012) of global, daily LAI and climatic control data</a:t>
-            </a:r>
-          </a:p>
-          <a:p>
-            <a:pPr lvl="1"/>
-            <a:r>
-              <a:rPr lang="en-GB" dirty="0" smtClean="0"/>
-              <a:t>spatial resolution ½ degree</a:t>
-            </a:r>
-          </a:p>
-          <a:p>
-            <a:pPr marL="0" lvl="0" indent="0">
-              <a:buNone/>
-            </a:pPr>
-            <a:r>
-              <a:rPr lang="en-GB" i="1" dirty="0" smtClean="0"/>
-              <a:t>Pre-Processing:</a:t>
-            </a:r>
-            <a:endParaRPr lang="de-CH" dirty="0" smtClean="0"/>
-          </a:p>
-          <a:p>
-            <a:pPr lvl="0"/>
-            <a:r>
-              <a:rPr lang="en-GB" dirty="0" smtClean="0"/>
-              <a:t>Resize LAI3g to fit LAI-re resolution</a:t>
-            </a:r>
-            <a:endParaRPr lang="de-CH" dirty="0" smtClean="0"/>
-          </a:p>
-          <a:p>
-            <a:pPr lvl="0"/>
-            <a:r>
-              <a:rPr lang="en-GB" dirty="0" smtClean="0"/>
-              <a:t>Resample temporal frequency of LAI-re (daily) to fit LAI3g (15 day composites)</a:t>
-            </a:r>
-            <a:endParaRPr lang="de-CH" dirty="0"/>
-          </a:p>
-        </p:txBody>
-      </p:sp>
-      <p:sp>
-        <p:nvSpPr>
-          <p:cNvPr id="4" name="Footer Placeholder 3"/>
-          <p:cNvSpPr>
-            <a:spLocks noGrp="1"/>
-          </p:cNvSpPr>
-          <p:nvPr>
-            <p:ph type="ftr" sz="quarter" idx="11"/>
-          </p:nvPr>
-        </p:nvSpPr>
-        <p:spPr/>
-        <p:txBody>
-          <a:bodyPr/>
-          <a:lstStyle/>
-          <a:p>
-            <a:r>
-              <a:rPr lang="en-US" smtClean="0"/>
-              <a:t>MSc. Concept Presentation David Schenkel</a:t>
-            </a:r>
-            <a:endParaRPr lang="en-US"/>
-          </a:p>
-        </p:txBody>
-      </p:sp>
-      <p:sp>
-        <p:nvSpPr>
-          <p:cNvPr id="5" name="Slide Number Placeholder 4"/>
-          <p:cNvSpPr>
-            <a:spLocks noGrp="1"/>
-          </p:cNvSpPr>
-          <p:nvPr>
-            <p:ph type="sldNum" sz="quarter" idx="12"/>
-          </p:nvPr>
-        </p:nvSpPr>
-        <p:spPr/>
-        <p:txBody>
-          <a:bodyPr/>
-          <a:lstStyle/>
-          <a:p>
-            <a:fld id="{BA9B540C-44DA-4F69-89C9-7C84606640D3}" type="slidenum">
-              <a:rPr lang="en-US" smtClean="0"/>
-              <a:pPr/>
-              <a:t>7</a:t>
-            </a:fld>
-            <a:endParaRPr lang="en-US"/>
-          </a:p>
-        </p:txBody>
-      </p:sp>
-      <p:grpSp>
-        <p:nvGrpSpPr>
-          <p:cNvPr id="6" name="Group 5"/>
-          <p:cNvGrpSpPr/>
-          <p:nvPr/>
-        </p:nvGrpSpPr>
-        <p:grpSpPr>
-          <a:xfrm>
-            <a:off x="0" y="0"/>
-            <a:ext cx="9144000" cy="384830"/>
-            <a:chOff x="0" y="0"/>
-            <a:chExt cx="9144000" cy="384830"/>
-          </a:xfrm>
-        </p:grpSpPr>
-        <p:sp>
-          <p:nvSpPr>
-            <p:cNvPr id="7" name="Rectangle 6"/>
-            <p:cNvSpPr/>
-            <p:nvPr/>
-          </p:nvSpPr>
-          <p:spPr>
-            <a:xfrm>
-              <a:off x="0" y="0"/>
-              <a:ext cx="9144000" cy="384830"/>
-            </a:xfrm>
-            <a:prstGeom prst="rect">
-              <a:avLst/>
-            </a:prstGeom>
-            <a:solidFill>
-              <a:schemeClr val="bg1">
-                <a:lumMod val="85000"/>
-              </a:schemeClr>
-            </a:solidFill>
-            <a:ln>
-              <a:noFill/>
-            </a:ln>
-            <a:effectLst/>
-          </p:spPr>
-          <p:style>
-            <a:lnRef idx="1">
-              <a:schemeClr val="accent1"/>
-            </a:lnRef>
-            <a:fillRef idx="3">
-              <a:schemeClr val="accent1"/>
-            </a:fillRef>
-            <a:effectRef idx="2">
-              <a:schemeClr val="accent1"/>
-            </a:effectRef>
-            <a:fontRef idx="minor">
-              <a:schemeClr val="lt1"/>
-            </a:fontRef>
-          </p:style>
-          <p:txBody>
-            <a:bodyPr rtlCol="0" anchor="ctr"/>
-            <a:lstStyle/>
-            <a:p>
-              <a:pPr algn="ctr"/>
-              <a:endParaRPr lang="en-US"/>
-            </a:p>
-          </p:txBody>
-        </p:sp>
-        <p:sp>
-          <p:nvSpPr>
-            <p:cNvPr id="8" name="TextBox 7"/>
-            <p:cNvSpPr txBox="1"/>
-            <p:nvPr/>
-          </p:nvSpPr>
-          <p:spPr>
-            <a:xfrm>
-              <a:off x="614933" y="13372"/>
-              <a:ext cx="7840608" cy="369332"/>
-            </a:xfrm>
-            <a:prstGeom prst="rect">
-              <a:avLst/>
-            </a:prstGeom>
-            <a:noFill/>
-          </p:spPr>
-          <p:txBody>
-            <a:bodyPr wrap="none" rtlCol="0">
+            <a:bodyPr wrap="square" rtlCol="0">
               <a:spAutoFit/>
             </a:bodyPr>
             <a:lstStyle/>
@@ -11868,304 +12985,29 @@
               </a:r>
               <a:r>
                 <a:rPr lang="en-US" b="1" dirty="0" smtClean="0"/>
-                <a:t>Materials and Method</a:t>
+                <a:t>Materials </a:t>
+              </a:r>
+              <a:r>
+                <a:rPr lang="en-US" b="1" dirty="0" smtClean="0"/>
+                <a:t>&amp; </a:t>
+              </a:r>
+              <a:r>
+                <a:rPr lang="en-US" b="1" dirty="0" smtClean="0"/>
+                <a:t>Method </a:t>
               </a:r>
               <a:r>
                 <a:rPr lang="en-US" dirty="0" smtClean="0"/>
-                <a:t> | Expected Results | Challenges | </a:t>
-              </a:r>
-              <a:r>
-                <a:rPr lang="en-US" dirty="0"/>
-                <a:t>Timetable</a:t>
-              </a:r>
-            </a:p>
-          </p:txBody>
-        </p:sp>
-      </p:grpSp>
-    </p:spTree>
-    <p:extLst>
-      <p:ext uri="{BB962C8B-B14F-4D97-AF65-F5344CB8AC3E}">
-        <p14:creationId xmlns:p14="http://schemas.microsoft.com/office/powerpoint/2010/main" val="514367902"/>
-      </p:ext>
-    </p:extLst>
-  </p:cSld>
-  <p:clrMapOvr>
-    <a:masterClrMapping/>
-  </p:clrMapOvr>
-  <p:timing>
-    <p:tnLst>
-      <p:par>
-        <p:cTn xmlns:p14="http://schemas.microsoft.com/office/powerpoint/2010/main" id="1" dur="indefinite" restart="never" nodeType="tmRoot"/>
-      </p:par>
-    </p:tnLst>
-  </p:timing>
-</p:sld>
-</file>
-
-<file path=ppt/slides/slide8.xml><?xml version="1.0" encoding="utf-8"?>
-<p:sld xmlns:a="http://schemas.openxmlformats.org/drawingml/2006/main" xmlns:r="http://schemas.openxmlformats.org/officeDocument/2006/relationships" xmlns:p="http://schemas.openxmlformats.org/presentationml/2006/main">
-  <p:cSld>
-    <p:spTree>
-      <p:nvGrpSpPr>
-        <p:cNvPr id="1" name=""/>
-        <p:cNvGrpSpPr/>
-        <p:nvPr/>
-      </p:nvGrpSpPr>
-      <p:grpSpPr>
-        <a:xfrm>
-          <a:off x="0" y="0"/>
-          <a:ext cx="0" cy="0"/>
-          <a:chOff x="0" y="0"/>
-          <a:chExt cx="0" cy="0"/>
-        </a:xfrm>
-      </p:grpSpPr>
-      <p:sp>
-        <p:nvSpPr>
-          <p:cNvPr id="2" name="Title 1"/>
-          <p:cNvSpPr>
-            <a:spLocks noGrp="1"/>
-          </p:cNvSpPr>
-          <p:nvPr>
-            <p:ph type="title"/>
-          </p:nvPr>
-        </p:nvSpPr>
-        <p:spPr/>
-        <p:txBody>
-          <a:bodyPr/>
-          <a:lstStyle/>
-          <a:p>
-            <a:r>
-              <a:rPr lang="en-US" dirty="0" smtClean="0"/>
-              <a:t>LAI </a:t>
-            </a:r>
-            <a:r>
-              <a:rPr lang="en-US" dirty="0" err="1" smtClean="0"/>
-              <a:t>Reanalysed</a:t>
-            </a:r>
-            <a:endParaRPr lang="en-US" dirty="0"/>
-          </a:p>
-        </p:txBody>
-      </p:sp>
-      <p:sp>
-        <p:nvSpPr>
-          <p:cNvPr id="3" name="Content Placeholder 2"/>
-          <p:cNvSpPr>
-            <a:spLocks noGrp="1"/>
-          </p:cNvSpPr>
-          <p:nvPr>
-            <p:ph idx="1"/>
-          </p:nvPr>
-        </p:nvSpPr>
-        <p:spPr/>
-        <p:txBody>
-          <a:bodyPr>
-            <a:normAutofit/>
-          </a:bodyPr>
-          <a:lstStyle/>
-          <a:p>
-            <a:pPr lvl="0"/>
-            <a:r>
-              <a:rPr lang="en-GB" dirty="0" err="1" smtClean="0"/>
-              <a:t>Stöckli</a:t>
-            </a:r>
-            <a:r>
-              <a:rPr lang="en-GB" dirty="0" smtClean="0"/>
-              <a:t> et al. (2011) </a:t>
-            </a:r>
-            <a:r>
-              <a:rPr lang="en-GB" b="1" dirty="0" smtClean="0"/>
-              <a:t>modelled</a:t>
-            </a:r>
-            <a:r>
-              <a:rPr lang="en-GB" dirty="0" smtClean="0"/>
-              <a:t> </a:t>
-            </a:r>
-            <a:r>
-              <a:rPr lang="en-GB" dirty="0"/>
-              <a:t>LAI based on GSI,  Plant Functional Type (PFT) and elevation </a:t>
-            </a:r>
-            <a:r>
-              <a:rPr lang="en-GB" dirty="0" smtClean="0"/>
-              <a:t>classes</a:t>
-            </a:r>
-          </a:p>
-          <a:p>
-            <a:pPr lvl="0"/>
-            <a:r>
-              <a:rPr lang="en-GB" dirty="0" smtClean="0"/>
-              <a:t>Uses reanalysed meteorological data for T, VPD, incoming radiation</a:t>
-            </a:r>
-            <a:endParaRPr lang="de-CH" dirty="0"/>
-          </a:p>
-          <a:p>
-            <a:pPr lvl="0"/>
-            <a:r>
-              <a:rPr lang="en-GB" dirty="0" smtClean="0"/>
-              <a:t>Model assimilated </a:t>
-            </a:r>
-            <a:r>
-              <a:rPr lang="en-GB" dirty="0"/>
-              <a:t>with 10 years of MODIS LAI and FPAR data</a:t>
-            </a:r>
-            <a:endParaRPr lang="de-CH" dirty="0"/>
-          </a:p>
-          <a:p>
-            <a:pPr marL="0" indent="0">
-              <a:buNone/>
-            </a:pPr>
-            <a:endParaRPr lang="de-CH" dirty="0"/>
-          </a:p>
-          <a:p>
-            <a:endParaRPr lang="en-US" dirty="0"/>
-          </a:p>
-        </p:txBody>
-      </p:sp>
-      <p:sp>
-        <p:nvSpPr>
-          <p:cNvPr id="4" name="Footer Placeholder 3"/>
-          <p:cNvSpPr>
-            <a:spLocks noGrp="1"/>
-          </p:cNvSpPr>
-          <p:nvPr>
-            <p:ph type="ftr" sz="quarter" idx="11"/>
-          </p:nvPr>
-        </p:nvSpPr>
-        <p:spPr/>
-        <p:txBody>
-          <a:bodyPr/>
-          <a:lstStyle/>
-          <a:p>
-            <a:r>
-              <a:rPr lang="en-US" smtClean="0"/>
-              <a:t>MSc. Concept Presentation David Schenkel</a:t>
-            </a:r>
-            <a:endParaRPr lang="en-US"/>
-          </a:p>
-        </p:txBody>
-      </p:sp>
-      <p:sp>
-        <p:nvSpPr>
-          <p:cNvPr id="5" name="Slide Number Placeholder 4"/>
-          <p:cNvSpPr>
-            <a:spLocks noGrp="1"/>
-          </p:cNvSpPr>
-          <p:nvPr>
-            <p:ph type="sldNum" sz="quarter" idx="12"/>
-          </p:nvPr>
-        </p:nvSpPr>
-        <p:spPr/>
-        <p:txBody>
-          <a:bodyPr/>
-          <a:lstStyle/>
-          <a:p>
-            <a:fld id="{BA9B540C-44DA-4F69-89C9-7C84606640D3}" type="slidenum">
-              <a:rPr lang="en-US" smtClean="0"/>
-              <a:pPr/>
-              <a:t>8</a:t>
-            </a:fld>
-            <a:endParaRPr lang="en-US"/>
-          </a:p>
-        </p:txBody>
-      </p:sp>
-      <p:grpSp>
-        <p:nvGrpSpPr>
-          <p:cNvPr id="6" name="Group 5"/>
-          <p:cNvGrpSpPr/>
-          <p:nvPr/>
-        </p:nvGrpSpPr>
-        <p:grpSpPr>
-          <a:xfrm>
-            <a:off x="0" y="0"/>
-            <a:ext cx="9144000" cy="384830"/>
-            <a:chOff x="0" y="0"/>
-            <a:chExt cx="9144000" cy="384830"/>
-          </a:xfrm>
-        </p:grpSpPr>
-        <p:sp>
-          <p:nvSpPr>
-            <p:cNvPr id="7" name="Rectangle 6"/>
-            <p:cNvSpPr/>
-            <p:nvPr/>
-          </p:nvSpPr>
-          <p:spPr>
-            <a:xfrm>
-              <a:off x="0" y="0"/>
-              <a:ext cx="9144000" cy="384830"/>
-            </a:xfrm>
-            <a:prstGeom prst="rect">
-              <a:avLst/>
-            </a:prstGeom>
-            <a:solidFill>
-              <a:schemeClr val="bg1">
-                <a:lumMod val="85000"/>
-              </a:schemeClr>
-            </a:solidFill>
-            <a:ln>
-              <a:noFill/>
-            </a:ln>
-            <a:effectLst/>
-          </p:spPr>
-          <p:style>
-            <a:lnRef idx="1">
-              <a:schemeClr val="accent1"/>
-            </a:lnRef>
-            <a:fillRef idx="3">
-              <a:schemeClr val="accent1"/>
-            </a:fillRef>
-            <a:effectRef idx="2">
-              <a:schemeClr val="accent1"/>
-            </a:effectRef>
-            <a:fontRef idx="minor">
-              <a:schemeClr val="lt1"/>
-            </a:fontRef>
-          </p:style>
-          <p:txBody>
-            <a:bodyPr rtlCol="0" anchor="ctr"/>
-            <a:lstStyle/>
-            <a:p>
-              <a:pPr algn="ctr"/>
-              <a:endParaRPr lang="en-US"/>
-            </a:p>
-          </p:txBody>
-        </p:sp>
-        <p:sp>
-          <p:nvSpPr>
-            <p:cNvPr id="8" name="TextBox 7"/>
-            <p:cNvSpPr txBox="1"/>
-            <p:nvPr/>
-          </p:nvSpPr>
-          <p:spPr>
-            <a:xfrm>
-              <a:off x="614933" y="13372"/>
-              <a:ext cx="7840608" cy="369332"/>
-            </a:xfrm>
-            <a:prstGeom prst="rect">
-              <a:avLst/>
-            </a:prstGeom>
-            <a:noFill/>
-          </p:spPr>
-          <p:txBody>
-            <a:bodyPr wrap="none" rtlCol="0">
-              <a:spAutoFit/>
-            </a:bodyPr>
-            <a:lstStyle/>
-            <a:p>
-              <a:r>
-                <a:rPr lang="en-US" dirty="0" smtClean="0"/>
-                <a:t>Introduction | </a:t>
-              </a:r>
-              <a:r>
-                <a:rPr lang="en-US" b="1" dirty="0" smtClean="0"/>
-                <a:t>Materials and Method</a:t>
+                <a:t>| Expected Results | </a:t>
               </a:r>
               <a:r>
                 <a:rPr lang="en-US" dirty="0" smtClean="0"/>
-                <a:t> | Expected Results | Challenges | </a:t>
+                <a:t>Limitations &amp; Challenges </a:t>
               </a:r>
               <a:r>
-                <a:rPr lang="en-US" dirty="0"/>
-                <a:t>Timetable</a:t>
+                <a:rPr lang="en-US" dirty="0" smtClean="0"/>
+                <a:t>| Timetable</a:t>
               </a:r>
+              <a:endParaRPr lang="en-US" dirty="0"/>
             </a:p>
           </p:txBody>
         </p:sp>
@@ -12406,7 +13248,7 @@
       </p:pic>
       <p:grpSp>
         <p:nvGrpSpPr>
-          <p:cNvPr id="9" name="Group 8"/>
+          <p:cNvPr id="19" name="Group 18"/>
           <p:cNvGrpSpPr/>
           <p:nvPr/>
         </p:nvGrpSpPr>
@@ -12420,7 +13262,7 @@
         </p:grpSpPr>
         <p:sp>
           <p:nvSpPr>
-            <p:cNvPr id="10" name="Rectangle 9"/>
+            <p:cNvPr id="20" name="Rectangle 19"/>
             <p:cNvSpPr/>
             <p:nvPr/>
           </p:nvSpPr>
@@ -12467,14 +13309,14 @@
         </p:sp>
         <p:sp>
           <p:nvSpPr>
-            <p:cNvPr id="11" name="TextBox 10"/>
+            <p:cNvPr id="21" name="TextBox 20"/>
             <p:cNvSpPr txBox="1"/>
             <p:nvPr/>
           </p:nvSpPr>
           <p:spPr>
             <a:xfrm>
-              <a:off x="614933" y="13372"/>
-              <a:ext cx="7840608" cy="369332"/>
+              <a:off x="147053" y="13372"/>
+              <a:ext cx="8996947" cy="369332"/>
             </a:xfrm>
             <a:prstGeom prst="rect">
               <a:avLst/>
@@ -12482,7 +13324,7 @@
             <a:noFill/>
           </p:spPr>
           <p:txBody>
-            <a:bodyPr wrap="none" rtlCol="0">
+            <a:bodyPr wrap="square" rtlCol="0">
               <a:spAutoFit/>
             </a:bodyPr>
             <a:lstStyle/>
@@ -12493,16 +13335,29 @@
               </a:r>
               <a:r>
                 <a:rPr lang="en-US" b="1" dirty="0" smtClean="0"/>
-                <a:t>Materials and Method</a:t>
+                <a:t>Materials </a:t>
+              </a:r>
+              <a:r>
+                <a:rPr lang="en-US" b="1" dirty="0" smtClean="0"/>
+                <a:t>&amp; </a:t>
+              </a:r>
+              <a:r>
+                <a:rPr lang="en-US" b="1" dirty="0" smtClean="0"/>
+                <a:t>Method </a:t>
               </a:r>
               <a:r>
                 <a:rPr lang="en-US" dirty="0" smtClean="0"/>
-                <a:t> | Expected Results | Challenges | </a:t>
+                <a:t>| Expected Results | </a:t>
               </a:r>
               <a:r>
-                <a:rPr lang="en-US" dirty="0"/>
-                <a:t>Timetable</a:t>
+                <a:rPr lang="en-US" dirty="0" smtClean="0"/>
+                <a:t>Limitations &amp; Challenges </a:t>
               </a:r>
+              <a:r>
+                <a:rPr lang="en-US" dirty="0" smtClean="0"/>
+                <a:t>| Timetable</a:t>
+              </a:r>
+              <a:endParaRPr lang="en-US" dirty="0"/>
             </a:p>
           </p:txBody>
         </p:sp>

--- a/concept_presentation.pptx
+++ b/concept_presentation.pptx
@@ -11257,8 +11257,13 @@
             </a:r>
             <a:r>
               <a:rPr lang="en-GB" dirty="0" smtClean="0"/>
-              <a:t> et al. 2011)</a:t>
-            </a:r>
+              <a:t> et al. </a:t>
+            </a:r>
+            <a:r>
+              <a:rPr lang="en-GB" dirty="0" smtClean="0"/>
+              <a:t>2014)</a:t>
+            </a:r>
+            <a:endParaRPr lang="en-GB" dirty="0" smtClean="0"/>
           </a:p>
           <a:p>
             <a:r>
@@ -11521,7 +11526,10 @@
           </a:bodyPr>
           <a:lstStyle/>
           <a:p>
-            <a:pPr lvl="0"/>
+            <a:pPr marL="514350" lvl="0" indent="-514350">
+              <a:buFont typeface="+mj-lt"/>
+              <a:buAutoNum type="arabicPeriod"/>
+            </a:pPr>
             <a:r>
               <a:rPr lang="en-GB" dirty="0" smtClean="0"/>
               <a:t>How </a:t>
@@ -11536,7 +11544,7 @@
             </a:r>
             <a:r>
               <a:rPr lang="en-GB" dirty="0" smtClean="0"/>
-              <a:t>(LAI-re) compare </a:t>
+              <a:t>compare </a:t>
             </a:r>
             <a:r>
               <a:rPr lang="en-GB" dirty="0"/>
@@ -11548,11 +11556,7 @@
             </a:r>
             <a:r>
               <a:rPr lang="en-GB" dirty="0" smtClean="0"/>
-              <a:t>LAI (LAI3g)? </a:t>
-            </a:r>
-            <a:r>
-              <a:rPr lang="en-GB" dirty="0" smtClean="0"/>
-              <a:t>(How) Do </a:t>
+              <a:t>LAI? Where do </a:t>
             </a:r>
             <a:r>
               <a:rPr lang="en-GB" dirty="0"/>
@@ -11565,7 +11569,10 @@
             <a:endParaRPr lang="de-CH" dirty="0"/>
           </a:p>
           <a:p>
-            <a:pPr lvl="0"/>
+            <a:pPr marL="514350" lvl="0" indent="-514350">
+              <a:buFont typeface="+mj-lt"/>
+              <a:buAutoNum type="arabicPeriod"/>
+            </a:pPr>
             <a:r>
               <a:rPr lang="en-GB" dirty="0"/>
               <a:t>How do climatic controls </a:t>
@@ -11585,10 +11592,21 @@
             <a:endParaRPr lang="de-CH" dirty="0"/>
           </a:p>
           <a:p>
-            <a:pPr lvl="0"/>
+            <a:pPr marL="514350" lvl="0" indent="-514350">
+              <a:buFont typeface="+mj-lt"/>
+              <a:buAutoNum type="arabicPeriod"/>
+            </a:pPr>
+            <a:r>
+              <a:rPr lang="en-GB" dirty="0" smtClean="0"/>
+              <a:t>Do </a:t>
+            </a:r>
+            <a:r>
+              <a:rPr lang="en-GB" dirty="0" smtClean="0"/>
+              <a:t>changes </a:t>
+            </a:r>
             <a:r>
               <a:rPr lang="en-GB" dirty="0"/>
-              <a:t>(How) do changes in LSP depend on changes in climatic controls? </a:t>
+              <a:t>in LSP depend on changes in climatic controls? </a:t>
             </a:r>
             <a:endParaRPr lang="de-CH" dirty="0"/>
           </a:p>
@@ -11990,7 +12008,7 @@
         <p:spPr/>
         <p:txBody>
           <a:bodyPr>
-            <a:normAutofit fontScale="70000" lnSpcReduction="20000"/>
+            <a:normAutofit fontScale="92500"/>
           </a:bodyPr>
           <a:lstStyle/>
           <a:p>
@@ -12021,7 +12039,15 @@
             <a:pPr lvl="1"/>
             <a:r>
               <a:rPr lang="en-GB" dirty="0" smtClean="0"/>
-              <a:t>30 years (1982-2011) of global, 15-day composite LAI data</a:t>
+              <a:t>30 years </a:t>
+            </a:r>
+            <a:r>
+              <a:rPr lang="en-GB" dirty="0" smtClean="0"/>
+              <a:t>of </a:t>
+            </a:r>
+            <a:r>
+              <a:rPr lang="en-GB" dirty="0" smtClean="0"/>
+              <a:t>global, 15-day composite LAI data</a:t>
             </a:r>
           </a:p>
           <a:p>
@@ -12065,41 +12091,28 @@
             <a:pPr lvl="1"/>
             <a:r>
               <a:rPr lang="en-GB" dirty="0" smtClean="0"/>
-              <a:t>33 years (1980-2012) of global, daily LAI and climatic control data</a:t>
+              <a:t>33 </a:t>
+            </a:r>
+            <a:r>
+              <a:rPr lang="en-GB" dirty="0" smtClean="0"/>
+              <a:t>years of </a:t>
+            </a:r>
+            <a:r>
+              <a:rPr lang="en-GB" dirty="0" smtClean="0"/>
+              <a:t>global, daily LAI and climatic control data</a:t>
             </a:r>
           </a:p>
           <a:p>
             <a:pPr lvl="1"/>
             <a:r>
               <a:rPr lang="en-GB" dirty="0" smtClean="0"/>
-              <a:t>spatial resolution ½ degree</a:t>
-            </a:r>
-          </a:p>
-          <a:p>
-            <a:pPr marL="0" lvl="0" indent="0">
-              <a:buNone/>
-            </a:pPr>
-            <a:r>
-              <a:rPr lang="en-GB" i="1" dirty="0" smtClean="0"/>
-              <a:t>Pre-Processing:</a:t>
-            </a:r>
-            <a:endParaRPr lang="de-CH" dirty="0" smtClean="0"/>
-          </a:p>
-          <a:p>
-            <a:pPr lvl="0"/>
+              <a:t>spatial resolution ½ </a:t>
+            </a:r>
             <a:r>
               <a:rPr lang="en-GB" dirty="0" smtClean="0"/>
-              <a:t>Resize LAI3g to fit LAI-re resolution</a:t>
-            </a:r>
-            <a:endParaRPr lang="de-CH" dirty="0" smtClean="0"/>
-          </a:p>
-          <a:p>
-            <a:pPr lvl="0"/>
-            <a:r>
-              <a:rPr lang="en-GB" dirty="0" smtClean="0"/>
-              <a:t>Resample temporal frequency of LAI-re (daily) to fit LAI3g (15 day composites)</a:t>
-            </a:r>
-            <a:endParaRPr lang="de-CH" dirty="0"/>
+              <a:t>degree</a:t>
+            </a:r>
+            <a:endParaRPr lang="en-GB" dirty="0" smtClean="0"/>
           </a:p>
         </p:txBody>
       </p:sp>

--- a/concept_presentation.pptx
+++ b/concept_presentation.pptx
@@ -5,37 +5,40 @@
     <p:sldMasterId id="2147483660" r:id="rId1"/>
   </p:sldMasterIdLst>
   <p:notesMasterIdLst>
-    <p:notesMasterId r:id="rId27"/>
+    <p:notesMasterId r:id="rId30"/>
   </p:notesMasterIdLst>
   <p:handoutMasterIdLst>
-    <p:handoutMasterId r:id="rId28"/>
+    <p:handoutMasterId r:id="rId31"/>
   </p:handoutMasterIdLst>
   <p:sldIdLst>
     <p:sldId id="256" r:id="rId2"/>
     <p:sldId id="257" r:id="rId3"/>
     <p:sldId id="281" r:id="rId4"/>
     <p:sldId id="258" r:id="rId5"/>
-    <p:sldId id="262" r:id="rId6"/>
-    <p:sldId id="263" r:id="rId7"/>
-    <p:sldId id="264" r:id="rId8"/>
-    <p:sldId id="259" r:id="rId9"/>
-    <p:sldId id="260" r:id="rId10"/>
-    <p:sldId id="276" r:id="rId11"/>
-    <p:sldId id="261" r:id="rId12"/>
-    <p:sldId id="265" r:id="rId13"/>
-    <p:sldId id="267" r:id="rId14"/>
-    <p:sldId id="268" r:id="rId15"/>
-    <p:sldId id="274" r:id="rId16"/>
-    <p:sldId id="282" r:id="rId17"/>
-    <p:sldId id="270" r:id="rId18"/>
-    <p:sldId id="269" r:id="rId19"/>
-    <p:sldId id="271" r:id="rId20"/>
-    <p:sldId id="272" r:id="rId21"/>
-    <p:sldId id="277" r:id="rId22"/>
-    <p:sldId id="278" r:id="rId23"/>
-    <p:sldId id="275" r:id="rId24"/>
-    <p:sldId id="280" r:id="rId25"/>
-    <p:sldId id="279" r:id="rId26"/>
+    <p:sldId id="283" r:id="rId6"/>
+    <p:sldId id="285" r:id="rId7"/>
+    <p:sldId id="262" r:id="rId8"/>
+    <p:sldId id="263" r:id="rId9"/>
+    <p:sldId id="264" r:id="rId10"/>
+    <p:sldId id="284" r:id="rId11"/>
+    <p:sldId id="259" r:id="rId12"/>
+    <p:sldId id="260" r:id="rId13"/>
+    <p:sldId id="276" r:id="rId14"/>
+    <p:sldId id="265" r:id="rId15"/>
+    <p:sldId id="261" r:id="rId16"/>
+    <p:sldId id="267" r:id="rId17"/>
+    <p:sldId id="268" r:id="rId18"/>
+    <p:sldId id="274" r:id="rId19"/>
+    <p:sldId id="282" r:id="rId20"/>
+    <p:sldId id="270" r:id="rId21"/>
+    <p:sldId id="269" r:id="rId22"/>
+    <p:sldId id="271" r:id="rId23"/>
+    <p:sldId id="272" r:id="rId24"/>
+    <p:sldId id="277" r:id="rId25"/>
+    <p:sldId id="278" r:id="rId26"/>
+    <p:sldId id="275" r:id="rId27"/>
+    <p:sldId id="280" r:id="rId28"/>
+    <p:sldId id="279" r:id="rId29"/>
   </p:sldIdLst>
   <p:sldSz cx="9144000" cy="6858000" type="screen4x3"/>
   <p:notesSz cx="6858000" cy="9144000"/>
@@ -803,7 +806,7 @@
           <a:p>
             <a:fld id="{7A5E1329-8783-B347-BB71-6F100FAD1B34}" type="slidenum">
               <a:rPr lang="en-US" smtClean="0"/>
-              <a:t>10</a:t>
+              <a:t>13</a:t>
             </a:fld>
             <a:endParaRPr lang="en-US"/>
           </a:p>
@@ -4100,6 +4103,835 @@
             <p:ph type="title"/>
           </p:nvPr>
         </p:nvSpPr>
+        <p:spPr/>
+        <p:txBody>
+          <a:bodyPr/>
+          <a:lstStyle/>
+          <a:p>
+            <a:r>
+              <a:rPr lang="en-US" dirty="0" smtClean="0"/>
+              <a:t>Measured LAI: GIMMS LAI3g</a:t>
+            </a:r>
+            <a:endParaRPr lang="en-US" dirty="0"/>
+          </a:p>
+        </p:txBody>
+      </p:sp>
+      <p:sp>
+        <p:nvSpPr>
+          <p:cNvPr id="3" name="Content Placeholder 2"/>
+          <p:cNvSpPr>
+            <a:spLocks noGrp="1"/>
+          </p:cNvSpPr>
+          <p:nvPr>
+            <p:ph idx="1"/>
+          </p:nvPr>
+        </p:nvSpPr>
+        <p:spPr/>
+        <p:txBody>
+          <a:bodyPr/>
+          <a:lstStyle/>
+          <a:p>
+            <a:endParaRPr lang="en-US" dirty="0"/>
+          </a:p>
+        </p:txBody>
+      </p:sp>
+      <p:sp>
+        <p:nvSpPr>
+          <p:cNvPr id="4" name="Footer Placeholder 3"/>
+          <p:cNvSpPr>
+            <a:spLocks noGrp="1"/>
+          </p:cNvSpPr>
+          <p:nvPr>
+            <p:ph type="ftr" sz="quarter" idx="11"/>
+          </p:nvPr>
+        </p:nvSpPr>
+        <p:spPr/>
+        <p:txBody>
+          <a:bodyPr/>
+          <a:lstStyle/>
+          <a:p>
+            <a:r>
+              <a:rPr lang="en-US" smtClean="0"/>
+              <a:t>MSc. Concept Presentation David Schenkel</a:t>
+            </a:r>
+            <a:endParaRPr lang="en-US"/>
+          </a:p>
+        </p:txBody>
+      </p:sp>
+      <p:sp>
+        <p:nvSpPr>
+          <p:cNvPr id="5" name="Slide Number Placeholder 4"/>
+          <p:cNvSpPr>
+            <a:spLocks noGrp="1"/>
+          </p:cNvSpPr>
+          <p:nvPr>
+            <p:ph type="sldNum" sz="quarter" idx="12"/>
+          </p:nvPr>
+        </p:nvSpPr>
+        <p:spPr/>
+        <p:txBody>
+          <a:bodyPr/>
+          <a:lstStyle/>
+          <a:p>
+            <a:fld id="{BA9B540C-44DA-4F69-89C9-7C84606640D3}" type="slidenum">
+              <a:rPr lang="en-US" smtClean="0"/>
+              <a:pPr/>
+              <a:t>10</a:t>
+            </a:fld>
+            <a:endParaRPr lang="en-US"/>
+          </a:p>
+        </p:txBody>
+      </p:sp>
+    </p:spTree>
+    <p:extLst>
+      <p:ext uri="{BB962C8B-B14F-4D97-AF65-F5344CB8AC3E}">
+        <p14:creationId xmlns:p14="http://schemas.microsoft.com/office/powerpoint/2010/main" val="2470781099"/>
+      </p:ext>
+    </p:extLst>
+  </p:cSld>
+  <p:clrMapOvr>
+    <a:masterClrMapping/>
+  </p:clrMapOvr>
+</p:sld>
+</file>
+
+<file path=ppt/slides/slide11.xml><?xml version="1.0" encoding="utf-8"?>
+<p:sld xmlns:a="http://schemas.openxmlformats.org/drawingml/2006/main" xmlns:r="http://schemas.openxmlformats.org/officeDocument/2006/relationships" xmlns:p="http://schemas.openxmlformats.org/presentationml/2006/main">
+  <p:cSld>
+    <p:spTree>
+      <p:nvGrpSpPr>
+        <p:cNvPr id="1" name=""/>
+        <p:cNvGrpSpPr/>
+        <p:nvPr/>
+      </p:nvGrpSpPr>
+      <p:grpSpPr>
+        <a:xfrm>
+          <a:off x="0" y="0"/>
+          <a:ext cx="0" cy="0"/>
+          <a:chOff x="0" y="0"/>
+          <a:chExt cx="0" cy="0"/>
+        </a:xfrm>
+      </p:grpSpPr>
+      <p:sp>
+        <p:nvSpPr>
+          <p:cNvPr id="2" name="Title 1"/>
+          <p:cNvSpPr>
+            <a:spLocks noGrp="1"/>
+          </p:cNvSpPr>
+          <p:nvPr>
+            <p:ph type="title"/>
+          </p:nvPr>
+        </p:nvSpPr>
+        <p:spPr/>
+        <p:txBody>
+          <a:bodyPr>
+            <a:normAutofit/>
+          </a:bodyPr>
+          <a:lstStyle/>
+          <a:p>
+            <a:r>
+              <a:rPr lang="en-GB" dirty="0" smtClean="0"/>
+              <a:t>LAI-re: Modelling Climatic Controls</a:t>
+            </a:r>
+            <a:endParaRPr lang="de-CH" dirty="0"/>
+          </a:p>
+        </p:txBody>
+      </p:sp>
+      <p:sp>
+        <p:nvSpPr>
+          <p:cNvPr id="3" name="Content Placeholder 2"/>
+          <p:cNvSpPr>
+            <a:spLocks noGrp="1"/>
+          </p:cNvSpPr>
+          <p:nvPr>
+            <p:ph idx="1"/>
+          </p:nvPr>
+        </p:nvSpPr>
+        <p:spPr/>
+        <p:txBody>
+          <a:bodyPr/>
+          <a:lstStyle/>
+          <a:p>
+            <a:r>
+              <a:rPr lang="en-GB" dirty="0" smtClean="0"/>
+              <a:t>Jolly’s (2005) Growing Season Index</a:t>
+            </a:r>
+          </a:p>
+          <a:p>
+            <a:pPr lvl="1"/>
+            <a:r>
+              <a:rPr lang="en-GB" dirty="0" smtClean="0"/>
+              <a:t>Based on </a:t>
+            </a:r>
+            <a:r>
+              <a:rPr lang="en-GB" dirty="0" err="1" smtClean="0"/>
+              <a:t>T</a:t>
+            </a:r>
+            <a:r>
+              <a:rPr lang="en-GB" baseline="-25000" dirty="0" err="1" smtClean="0"/>
+              <a:t>min</a:t>
+            </a:r>
+            <a:r>
+              <a:rPr lang="en-GB" dirty="0" smtClean="0"/>
+              <a:t>, Vapour Pressure Deficit (VPD) and photoperiod</a:t>
+            </a:r>
+          </a:p>
+          <a:p>
+            <a:pPr lvl="1"/>
+            <a:r>
+              <a:rPr lang="en-GB" dirty="0" smtClean="0"/>
+              <a:t>Simple linear relationships and thresholds</a:t>
+            </a:r>
+          </a:p>
+          <a:p>
+            <a:pPr lvl="1"/>
+            <a:r>
+              <a:rPr lang="en-GB" i="1" dirty="0" smtClean="0"/>
+              <a:t>GSI = </a:t>
+            </a:r>
+            <a:r>
+              <a:rPr lang="en-GB" i="1" dirty="0" err="1" smtClean="0"/>
+              <a:t>iT</a:t>
+            </a:r>
+            <a:r>
+              <a:rPr lang="en-GB" i="1" baseline="-25000" dirty="0" err="1" smtClean="0"/>
+              <a:t>min</a:t>
+            </a:r>
+            <a:r>
+              <a:rPr lang="en-GB" i="1" dirty="0" smtClean="0"/>
+              <a:t> * </a:t>
+            </a:r>
+            <a:r>
+              <a:rPr lang="en-GB" i="1" dirty="0" err="1"/>
+              <a:t>i</a:t>
+            </a:r>
+            <a:r>
+              <a:rPr lang="en-GB" i="1" dirty="0" err="1" smtClean="0"/>
+              <a:t>VPD</a:t>
+            </a:r>
+            <a:r>
+              <a:rPr lang="en-GB" i="1" dirty="0" smtClean="0"/>
+              <a:t> * iPhoto</a:t>
+            </a:r>
+            <a:endParaRPr lang="en-GB" i="1" dirty="0"/>
+          </a:p>
+        </p:txBody>
+      </p:sp>
+      <p:sp>
+        <p:nvSpPr>
+          <p:cNvPr id="4" name="Footer Placeholder 3"/>
+          <p:cNvSpPr>
+            <a:spLocks noGrp="1"/>
+          </p:cNvSpPr>
+          <p:nvPr>
+            <p:ph type="ftr" sz="quarter" idx="11"/>
+          </p:nvPr>
+        </p:nvSpPr>
+        <p:spPr/>
+        <p:txBody>
+          <a:bodyPr/>
+          <a:lstStyle/>
+          <a:p>
+            <a:r>
+              <a:rPr lang="en-US" smtClean="0"/>
+              <a:t>MSc. Concept Presentation David Schenkel</a:t>
+            </a:r>
+            <a:endParaRPr lang="en-US"/>
+          </a:p>
+        </p:txBody>
+      </p:sp>
+      <p:sp>
+        <p:nvSpPr>
+          <p:cNvPr id="5" name="Slide Number Placeholder 4"/>
+          <p:cNvSpPr>
+            <a:spLocks noGrp="1"/>
+          </p:cNvSpPr>
+          <p:nvPr>
+            <p:ph type="sldNum" sz="quarter" idx="12"/>
+          </p:nvPr>
+        </p:nvSpPr>
+        <p:spPr/>
+        <p:txBody>
+          <a:bodyPr/>
+          <a:lstStyle/>
+          <a:p>
+            <a:fld id="{BA9B540C-44DA-4F69-89C9-7C84606640D3}" type="slidenum">
+              <a:rPr lang="en-US" smtClean="0"/>
+              <a:pPr/>
+              <a:t>11</a:t>
+            </a:fld>
+            <a:endParaRPr lang="en-US"/>
+          </a:p>
+        </p:txBody>
+      </p:sp>
+      <p:pic>
+        <p:nvPicPr>
+          <p:cNvPr id="6" name="Picture 5" descr="jolly-R.png"/>
+          <p:cNvPicPr>
+            <a:picLocks noChangeAspect="1"/>
+          </p:cNvPicPr>
+          <p:nvPr/>
+        </p:nvPicPr>
+        <p:blipFill>
+          <a:blip r:embed="rId2">
+            <a:extLst>
+              <a:ext uri="{28A0092B-C50C-407E-A947-70E740481C1C}">
+                <a14:useLocalDpi xmlns:a14="http://schemas.microsoft.com/office/drawing/2010/main" val="0"/>
+              </a:ext>
+            </a:extLst>
+          </a:blip>
+          <a:stretch>
+            <a:fillRect/>
+          </a:stretch>
+        </p:blipFill>
+        <p:spPr>
+          <a:xfrm>
+            <a:off x="5801706" y="4329843"/>
+            <a:ext cx="2753065" cy="2026507"/>
+          </a:xfrm>
+          <a:prstGeom prst="rect">
+            <a:avLst/>
+          </a:prstGeom>
+        </p:spPr>
+      </p:pic>
+      <p:pic>
+        <p:nvPicPr>
+          <p:cNvPr id="7" name="Picture 6" descr="jolly-VPD.png"/>
+          <p:cNvPicPr>
+            <a:picLocks noChangeAspect="1"/>
+          </p:cNvPicPr>
+          <p:nvPr/>
+        </p:nvPicPr>
+        <p:blipFill>
+          <a:blip r:embed="rId3">
+            <a:extLst>
+              <a:ext uri="{28A0092B-C50C-407E-A947-70E740481C1C}">
+                <a14:useLocalDpi xmlns:a14="http://schemas.microsoft.com/office/drawing/2010/main" val="0"/>
+              </a:ext>
+            </a:extLst>
+          </a:blip>
+          <a:stretch>
+            <a:fillRect/>
+          </a:stretch>
+        </p:blipFill>
+        <p:spPr>
+          <a:xfrm>
+            <a:off x="3124200" y="4329843"/>
+            <a:ext cx="2740610" cy="2026507"/>
+          </a:xfrm>
+          <a:prstGeom prst="rect">
+            <a:avLst/>
+          </a:prstGeom>
+        </p:spPr>
+      </p:pic>
+      <p:pic>
+        <p:nvPicPr>
+          <p:cNvPr id="8" name="Picture 7" descr="jolly-T.png"/>
+          <p:cNvPicPr>
+            <a:picLocks noChangeAspect="1"/>
+          </p:cNvPicPr>
+          <p:nvPr/>
+        </p:nvPicPr>
+        <p:blipFill>
+          <a:blip r:embed="rId4">
+            <a:extLst>
+              <a:ext uri="{28A0092B-C50C-407E-A947-70E740481C1C}">
+                <a14:useLocalDpi xmlns:a14="http://schemas.microsoft.com/office/drawing/2010/main" val="0"/>
+              </a:ext>
+            </a:extLst>
+          </a:blip>
+          <a:stretch>
+            <a:fillRect/>
+          </a:stretch>
+        </p:blipFill>
+        <p:spPr>
+          <a:xfrm>
+            <a:off x="382083" y="4329843"/>
+            <a:ext cx="2764462" cy="2026507"/>
+          </a:xfrm>
+          <a:prstGeom prst="rect">
+            <a:avLst/>
+          </a:prstGeom>
+        </p:spPr>
+      </p:pic>
+      <p:sp>
+        <p:nvSpPr>
+          <p:cNvPr id="10" name="TextBox 9"/>
+          <p:cNvSpPr txBox="1"/>
+          <p:nvPr/>
+        </p:nvSpPr>
+        <p:spPr>
+          <a:xfrm>
+            <a:off x="542547" y="6217850"/>
+            <a:ext cx="1147520" cy="276999"/>
+          </a:xfrm>
+          <a:prstGeom prst="rect">
+            <a:avLst/>
+          </a:prstGeom>
+          <a:noFill/>
+        </p:spPr>
+        <p:txBody>
+          <a:bodyPr wrap="none" rtlCol="0">
+            <a:spAutoFit/>
+          </a:bodyPr>
+          <a:lstStyle/>
+          <a:p>
+            <a:r>
+              <a:rPr lang="en-US" sz="1200" dirty="0" smtClean="0"/>
+              <a:t>Jolly et al. 2005</a:t>
+            </a:r>
+            <a:endParaRPr lang="en-US" sz="1200" dirty="0"/>
+          </a:p>
+        </p:txBody>
+      </p:sp>
+      <p:grpSp>
+        <p:nvGrpSpPr>
+          <p:cNvPr id="29" name="Group 28"/>
+          <p:cNvGrpSpPr/>
+          <p:nvPr/>
+        </p:nvGrpSpPr>
+        <p:grpSpPr>
+          <a:xfrm>
+            <a:off x="0" y="0"/>
+            <a:ext cx="9144000" cy="384830"/>
+            <a:chOff x="0" y="0"/>
+            <a:chExt cx="9144000" cy="384830"/>
+          </a:xfrm>
+        </p:grpSpPr>
+        <p:sp>
+          <p:nvSpPr>
+            <p:cNvPr id="30" name="Rectangle 29"/>
+            <p:cNvSpPr/>
+            <p:nvPr/>
+          </p:nvSpPr>
+          <p:spPr>
+            <a:xfrm>
+              <a:off x="0" y="0"/>
+              <a:ext cx="9144000" cy="384830"/>
+            </a:xfrm>
+            <a:prstGeom prst="rect">
+              <a:avLst/>
+            </a:prstGeom>
+            <a:solidFill>
+              <a:schemeClr val="bg1">
+                <a:lumMod val="85000"/>
+              </a:schemeClr>
+            </a:solidFill>
+            <a:ln>
+              <a:noFill/>
+            </a:ln>
+            <a:effectLst/>
+          </p:spPr>
+          <p:style>
+            <a:lnRef idx="1">
+              <a:schemeClr val="accent1"/>
+            </a:lnRef>
+            <a:fillRef idx="3">
+              <a:schemeClr val="accent1"/>
+            </a:fillRef>
+            <a:effectRef idx="2">
+              <a:schemeClr val="accent1"/>
+            </a:effectRef>
+            <a:fontRef idx="minor">
+              <a:schemeClr val="lt1"/>
+            </a:fontRef>
+          </p:style>
+          <p:txBody>
+            <a:bodyPr rtlCol="0" anchor="ctr"/>
+            <a:lstStyle/>
+            <a:p>
+              <a:pPr algn="ctr"/>
+              <a:endParaRPr lang="en-US"/>
+            </a:p>
+          </p:txBody>
+        </p:sp>
+        <p:sp>
+          <p:nvSpPr>
+            <p:cNvPr id="31" name="TextBox 30"/>
+            <p:cNvSpPr txBox="1"/>
+            <p:nvPr/>
+          </p:nvSpPr>
+          <p:spPr>
+            <a:xfrm>
+              <a:off x="147053" y="13372"/>
+              <a:ext cx="8996947" cy="369332"/>
+            </a:xfrm>
+            <a:prstGeom prst="rect">
+              <a:avLst/>
+            </a:prstGeom>
+            <a:noFill/>
+          </p:spPr>
+          <p:txBody>
+            <a:bodyPr wrap="square" rtlCol="0">
+              <a:spAutoFit/>
+            </a:bodyPr>
+            <a:lstStyle/>
+            <a:p>
+              <a:r>
+                <a:rPr lang="en-US" dirty="0" smtClean="0"/>
+                <a:t>Introduction | </a:t>
+              </a:r>
+              <a:r>
+                <a:rPr lang="en-US" b="1" dirty="0" smtClean="0"/>
+                <a:t>Materials &amp; Method </a:t>
+              </a:r>
+              <a:r>
+                <a:rPr lang="en-US" dirty="0" smtClean="0"/>
+                <a:t>| Expected Results | Limitations &amp; Challenges | Timetable</a:t>
+              </a:r>
+              <a:endParaRPr lang="en-US" dirty="0"/>
+            </a:p>
+          </p:txBody>
+        </p:sp>
+      </p:grpSp>
+    </p:spTree>
+    <p:extLst>
+      <p:ext uri="{BB962C8B-B14F-4D97-AF65-F5344CB8AC3E}">
+        <p14:creationId xmlns:p14="http://schemas.microsoft.com/office/powerpoint/2010/main" val="3794526226"/>
+      </p:ext>
+    </p:extLst>
+  </p:cSld>
+  <p:clrMapOvr>
+    <a:masterClrMapping/>
+  </p:clrMapOvr>
+  <p:timing>
+    <p:tnLst>
+      <p:par>
+        <p:cTn xmlns:p14="http://schemas.microsoft.com/office/powerpoint/2010/main" id="1" dur="indefinite" restart="never" nodeType="tmRoot"/>
+      </p:par>
+    </p:tnLst>
+  </p:timing>
+</p:sld>
+</file>
+
+<file path=ppt/slides/slide12.xml><?xml version="1.0" encoding="utf-8"?>
+<p:sld xmlns:a="http://schemas.openxmlformats.org/drawingml/2006/main" xmlns:r="http://schemas.openxmlformats.org/officeDocument/2006/relationships" xmlns:p="http://schemas.openxmlformats.org/presentationml/2006/main">
+  <p:cSld>
+    <p:spTree>
+      <p:nvGrpSpPr>
+        <p:cNvPr id="1" name=""/>
+        <p:cNvGrpSpPr/>
+        <p:nvPr/>
+      </p:nvGrpSpPr>
+      <p:grpSpPr>
+        <a:xfrm>
+          <a:off x="0" y="0"/>
+          <a:ext cx="0" cy="0"/>
+          <a:chOff x="0" y="0"/>
+          <a:chExt cx="0" cy="0"/>
+        </a:xfrm>
+      </p:grpSpPr>
+      <p:sp>
+        <p:nvSpPr>
+          <p:cNvPr id="2" name="Title 1"/>
+          <p:cNvSpPr>
+            <a:spLocks noGrp="1"/>
+          </p:cNvSpPr>
+          <p:nvPr>
+            <p:ph type="title"/>
+          </p:nvPr>
+        </p:nvSpPr>
+        <p:spPr/>
+        <p:txBody>
+          <a:bodyPr/>
+          <a:lstStyle/>
+          <a:p>
+            <a:r>
+              <a:rPr lang="en-US" dirty="0" smtClean="0"/>
+              <a:t>LAI </a:t>
+            </a:r>
+            <a:r>
+              <a:rPr lang="en-US" dirty="0" err="1" smtClean="0"/>
+              <a:t>Reanalysed</a:t>
+            </a:r>
+            <a:endParaRPr lang="en-US" dirty="0"/>
+          </a:p>
+        </p:txBody>
+      </p:sp>
+      <p:sp>
+        <p:nvSpPr>
+          <p:cNvPr id="3" name="Content Placeholder 2"/>
+          <p:cNvSpPr>
+            <a:spLocks noGrp="1"/>
+          </p:cNvSpPr>
+          <p:nvPr>
+            <p:ph idx="1"/>
+          </p:nvPr>
+        </p:nvSpPr>
+        <p:spPr/>
+        <p:txBody>
+          <a:bodyPr>
+            <a:normAutofit/>
+          </a:bodyPr>
+          <a:lstStyle/>
+          <a:p>
+            <a:pPr lvl="0"/>
+            <a:r>
+              <a:rPr lang="en-GB" dirty="0" err="1" smtClean="0"/>
+              <a:t>Stöckli</a:t>
+            </a:r>
+            <a:r>
+              <a:rPr lang="en-GB" dirty="0" smtClean="0"/>
+              <a:t> et al. (2011) </a:t>
+            </a:r>
+            <a:r>
+              <a:rPr lang="en-GB" b="1" dirty="0" smtClean="0"/>
+              <a:t>modelled</a:t>
+            </a:r>
+            <a:r>
+              <a:rPr lang="en-GB" dirty="0" smtClean="0"/>
+              <a:t> </a:t>
+            </a:r>
+            <a:r>
+              <a:rPr lang="en-GB" dirty="0"/>
+              <a:t>LAI based on GSI</a:t>
+            </a:r>
+            <a:r>
+              <a:rPr lang="en-GB" dirty="0" smtClean="0"/>
+              <a:t>, </a:t>
+            </a:r>
+            <a:r>
+              <a:rPr lang="en-GB" dirty="0"/>
+              <a:t>Plant Functional Type </a:t>
+            </a:r>
+            <a:r>
+              <a:rPr lang="en-GB" dirty="0" smtClean="0"/>
+              <a:t>and </a:t>
+            </a:r>
+            <a:r>
+              <a:rPr lang="en-GB" dirty="0"/>
+              <a:t>elevation </a:t>
+            </a:r>
+            <a:r>
+              <a:rPr lang="en-GB" dirty="0" smtClean="0"/>
+              <a:t>classes</a:t>
+            </a:r>
+          </a:p>
+          <a:p>
+            <a:pPr lvl="0"/>
+            <a:r>
+              <a:rPr lang="en-GB" dirty="0" smtClean="0"/>
+              <a:t>Uses reanalysed meteorological data for T, VPD, incoming radiation</a:t>
+            </a:r>
+            <a:endParaRPr lang="de-CH" dirty="0"/>
+          </a:p>
+          <a:p>
+            <a:pPr lvl="0"/>
+            <a:r>
+              <a:rPr lang="en-GB" dirty="0" smtClean="0"/>
+              <a:t>Model assimilated </a:t>
+            </a:r>
+            <a:r>
+              <a:rPr lang="en-GB" dirty="0"/>
+              <a:t>with 10 years of MODIS LAI and FPAR data</a:t>
+            </a:r>
+            <a:endParaRPr lang="de-CH" dirty="0"/>
+          </a:p>
+          <a:p>
+            <a:pPr marL="0" indent="0">
+              <a:buNone/>
+            </a:pPr>
+            <a:endParaRPr lang="de-CH" dirty="0"/>
+          </a:p>
+          <a:p>
+            <a:endParaRPr lang="en-US" dirty="0"/>
+          </a:p>
+        </p:txBody>
+      </p:sp>
+      <p:sp>
+        <p:nvSpPr>
+          <p:cNvPr id="4" name="Footer Placeholder 3"/>
+          <p:cNvSpPr>
+            <a:spLocks noGrp="1"/>
+          </p:cNvSpPr>
+          <p:nvPr>
+            <p:ph type="ftr" sz="quarter" idx="11"/>
+          </p:nvPr>
+        </p:nvSpPr>
+        <p:spPr/>
+        <p:txBody>
+          <a:bodyPr/>
+          <a:lstStyle/>
+          <a:p>
+            <a:r>
+              <a:rPr lang="en-US" smtClean="0"/>
+              <a:t>MSc. Concept Presentation David Schenkel</a:t>
+            </a:r>
+            <a:endParaRPr lang="en-US"/>
+          </a:p>
+        </p:txBody>
+      </p:sp>
+      <p:sp>
+        <p:nvSpPr>
+          <p:cNvPr id="5" name="Slide Number Placeholder 4"/>
+          <p:cNvSpPr>
+            <a:spLocks noGrp="1"/>
+          </p:cNvSpPr>
+          <p:nvPr>
+            <p:ph type="sldNum" sz="quarter" idx="12"/>
+          </p:nvPr>
+        </p:nvSpPr>
+        <p:spPr/>
+        <p:txBody>
+          <a:bodyPr/>
+          <a:lstStyle/>
+          <a:p>
+            <a:fld id="{BA9B540C-44DA-4F69-89C9-7C84606640D3}" type="slidenum">
+              <a:rPr lang="en-US" smtClean="0"/>
+              <a:pPr/>
+              <a:t>12</a:t>
+            </a:fld>
+            <a:endParaRPr lang="en-US"/>
+          </a:p>
+        </p:txBody>
+      </p:sp>
+      <p:grpSp>
+        <p:nvGrpSpPr>
+          <p:cNvPr id="12" name="Group 11"/>
+          <p:cNvGrpSpPr/>
+          <p:nvPr/>
+        </p:nvGrpSpPr>
+        <p:grpSpPr>
+          <a:xfrm>
+            <a:off x="0" y="0"/>
+            <a:ext cx="9144000" cy="384830"/>
+            <a:chOff x="0" y="0"/>
+            <a:chExt cx="9144000" cy="384830"/>
+          </a:xfrm>
+        </p:grpSpPr>
+        <p:sp>
+          <p:nvSpPr>
+            <p:cNvPr id="13" name="Rectangle 12"/>
+            <p:cNvSpPr/>
+            <p:nvPr/>
+          </p:nvSpPr>
+          <p:spPr>
+            <a:xfrm>
+              <a:off x="0" y="0"/>
+              <a:ext cx="9144000" cy="384830"/>
+            </a:xfrm>
+            <a:prstGeom prst="rect">
+              <a:avLst/>
+            </a:prstGeom>
+            <a:solidFill>
+              <a:schemeClr val="bg1">
+                <a:lumMod val="85000"/>
+              </a:schemeClr>
+            </a:solidFill>
+            <a:ln>
+              <a:noFill/>
+            </a:ln>
+            <a:effectLst/>
+          </p:spPr>
+          <p:style>
+            <a:lnRef idx="1">
+              <a:schemeClr val="accent1"/>
+            </a:lnRef>
+            <a:fillRef idx="3">
+              <a:schemeClr val="accent1"/>
+            </a:fillRef>
+            <a:effectRef idx="2">
+              <a:schemeClr val="accent1"/>
+            </a:effectRef>
+            <a:fontRef idx="minor">
+              <a:schemeClr val="lt1"/>
+            </a:fontRef>
+          </p:style>
+          <p:txBody>
+            <a:bodyPr rtlCol="0" anchor="ctr"/>
+            <a:lstStyle/>
+            <a:p>
+              <a:pPr algn="ctr"/>
+              <a:endParaRPr lang="en-US"/>
+            </a:p>
+          </p:txBody>
+        </p:sp>
+        <p:sp>
+          <p:nvSpPr>
+            <p:cNvPr id="14" name="TextBox 13"/>
+            <p:cNvSpPr txBox="1"/>
+            <p:nvPr/>
+          </p:nvSpPr>
+          <p:spPr>
+            <a:xfrm>
+              <a:off x="147053" y="13372"/>
+              <a:ext cx="8996947" cy="369332"/>
+            </a:xfrm>
+            <a:prstGeom prst="rect">
+              <a:avLst/>
+            </a:prstGeom>
+            <a:noFill/>
+          </p:spPr>
+          <p:txBody>
+            <a:bodyPr wrap="square" rtlCol="0">
+              <a:spAutoFit/>
+            </a:bodyPr>
+            <a:lstStyle/>
+            <a:p>
+              <a:r>
+                <a:rPr lang="en-US" dirty="0" smtClean="0"/>
+                <a:t>Introduction | </a:t>
+              </a:r>
+              <a:r>
+                <a:rPr lang="en-US" b="1" dirty="0" smtClean="0"/>
+                <a:t>Materials &amp; Method </a:t>
+              </a:r>
+              <a:r>
+                <a:rPr lang="en-US" dirty="0" smtClean="0"/>
+                <a:t>| Expected Results | Limitations &amp; Challenges | Timetable</a:t>
+              </a:r>
+              <a:endParaRPr lang="en-US" dirty="0"/>
+            </a:p>
+          </p:txBody>
+        </p:sp>
+      </p:grpSp>
+    </p:spTree>
+    <p:extLst>
+      <p:ext uri="{BB962C8B-B14F-4D97-AF65-F5344CB8AC3E}">
+        <p14:creationId xmlns:p14="http://schemas.microsoft.com/office/powerpoint/2010/main" val="731536536"/>
+      </p:ext>
+    </p:extLst>
+  </p:cSld>
+  <p:clrMapOvr>
+    <a:masterClrMapping/>
+  </p:clrMapOvr>
+  <p:timing>
+    <p:tnLst>
+      <p:par>
+        <p:cTn xmlns:p14="http://schemas.microsoft.com/office/powerpoint/2010/main" id="1" dur="indefinite" restart="never" nodeType="tmRoot"/>
+      </p:par>
+    </p:tnLst>
+  </p:timing>
+</p:sld>
+</file>
+
+<file path=ppt/slides/slide13.xml><?xml version="1.0" encoding="utf-8"?>
+<p:sld xmlns:a="http://schemas.openxmlformats.org/drawingml/2006/main" xmlns:r="http://schemas.openxmlformats.org/officeDocument/2006/relationships" xmlns:p="http://schemas.openxmlformats.org/presentationml/2006/main">
+  <p:cSld>
+    <p:spTree>
+      <p:nvGrpSpPr>
+        <p:cNvPr id="1" name=""/>
+        <p:cNvGrpSpPr/>
+        <p:nvPr/>
+      </p:nvGrpSpPr>
+      <p:grpSpPr>
+        <a:xfrm>
+          <a:off x="0" y="0"/>
+          <a:ext cx="0" cy="0"/>
+          <a:chOff x="0" y="0"/>
+          <a:chExt cx="0" cy="0"/>
+        </a:xfrm>
+      </p:grpSpPr>
+      <p:sp>
+        <p:nvSpPr>
+          <p:cNvPr id="2" name="Title 1"/>
+          <p:cNvSpPr>
+            <a:spLocks noGrp="1"/>
+          </p:cNvSpPr>
+          <p:nvPr>
+            <p:ph type="title"/>
+          </p:nvPr>
+        </p:nvSpPr>
         <p:spPr>
           <a:xfrm>
             <a:off x="457200" y="341478"/>
@@ -4161,7 +4993,7 @@
             <a:fld id="{BA9B540C-44DA-4F69-89C9-7C84606640D3}" type="slidenum">
               <a:rPr lang="en-US" smtClean="0"/>
               <a:pPr/>
-              <a:t>10</a:t>
+              <a:t>13</a:t>
             </a:fld>
             <a:endParaRPr lang="en-US"/>
           </a:p>
@@ -4219,7 +5051,7 @@
         </p:blipFill>
         <p:spPr>
           <a:xfrm>
-            <a:off x="288663" y="3705769"/>
+            <a:off x="288663" y="3698385"/>
             <a:ext cx="4279514" cy="2801136"/>
           </a:xfrm>
           <a:prstGeom prst="rect">
@@ -4279,7 +5111,7 @@
         </p:blipFill>
         <p:spPr>
           <a:xfrm>
-            <a:off x="4568175" y="3711697"/>
+            <a:off x="4568175" y="3696929"/>
             <a:ext cx="4288224" cy="2806837"/>
           </a:xfrm>
           <a:prstGeom prst="rect">
@@ -4376,27 +5208,11 @@
               </a:r>
               <a:r>
                 <a:rPr lang="en-US" b="1" dirty="0" smtClean="0"/>
-                <a:t>Materials </a:t>
-              </a:r>
-              <a:r>
-                <a:rPr lang="en-US" b="1" dirty="0" smtClean="0"/>
-                <a:t>&amp; </a:t>
-              </a:r>
-              <a:r>
-                <a:rPr lang="en-US" b="1" dirty="0" smtClean="0"/>
-                <a:t>Method </a:t>
+                <a:t>Materials &amp; Method </a:t>
               </a:r>
               <a:r>
                 <a:rPr lang="en-US" dirty="0" smtClean="0"/>
-                <a:t>| Expected Results | </a:t>
-              </a:r>
-              <a:r>
-                <a:rPr lang="en-US" dirty="0" smtClean="0"/>
-                <a:t>Limitations &amp; Challenges </a:t>
-              </a:r>
-              <a:r>
-                <a:rPr lang="en-US" dirty="0" smtClean="0"/>
-                <a:t>| Timetable</a:t>
+                <a:t>| Expected Results | Limitations &amp; Challenges | Timetable</a:t>
               </a:r>
               <a:endParaRPr lang="en-US" dirty="0"/>
             </a:p>
@@ -4423,7 +5239,7 @@
 </p:sld>
 </file>
 
-<file path=ppt/slides/slide11.xml><?xml version="1.0" encoding="utf-8"?>
+<file path=ppt/slides/slide14.xml><?xml version="1.0" encoding="utf-8"?>
 <p:sld xmlns:a="http://schemas.openxmlformats.org/drawingml/2006/main" xmlns:r="http://schemas.openxmlformats.org/officeDocument/2006/relationships" xmlns:p="http://schemas.openxmlformats.org/presentationml/2006/main">
   <p:cSld>
     <p:spTree>
@@ -4453,13 +5269,21 @@
         <p:spPr/>
         <p:txBody>
           <a:bodyPr>
-            <a:normAutofit fontScale="90000"/>
+            <a:normAutofit/>
           </a:bodyPr>
           <a:lstStyle/>
           <a:p>
             <a:r>
               <a:rPr lang="en-GB" dirty="0" smtClean="0"/>
-              <a:t>Comparison: Modelled vs. Measured</a:t>
+              <a:t>Extracting </a:t>
+            </a:r>
+            <a:r>
+              <a:rPr lang="en-GB" dirty="0"/>
+              <a:t>LSP I</a:t>
+            </a:r>
+            <a:r>
+              <a:rPr lang="en-GB" dirty="0" smtClean="0"/>
+              <a:t>ndices</a:t>
             </a:r>
             <a:endParaRPr lang="en-US" dirty="0"/>
           </a:p>
@@ -4484,61 +5308,85 @@
           <a:p>
             <a:pPr lvl="0"/>
             <a:r>
-              <a:rPr lang="en-GB" dirty="0" smtClean="0"/>
-              <a:t>LAI-re not yet </a:t>
-            </a:r>
-            <a:r>
-              <a:rPr lang="en-GB" dirty="0" smtClean="0"/>
-              <a:t>tried and </a:t>
-            </a:r>
-            <a:r>
-              <a:rPr lang="en-GB" dirty="0" smtClean="0"/>
-              <a:t>tested</a:t>
+              <a:rPr lang="en-GB" sz="2200" dirty="0" smtClean="0"/>
+              <a:t>Goal: Get </a:t>
+            </a:r>
+            <a:r>
+              <a:rPr lang="en-GB" sz="2200" i="1" dirty="0" smtClean="0"/>
+              <a:t>Start of Season</a:t>
+            </a:r>
+            <a:r>
+              <a:rPr lang="en-GB" sz="2200" dirty="0" smtClean="0"/>
+              <a:t>, </a:t>
+            </a:r>
+            <a:r>
+              <a:rPr lang="en-GB" sz="2200" i="1" dirty="0" smtClean="0"/>
+              <a:t>End of Season </a:t>
+            </a:r>
+            <a:r>
+              <a:rPr lang="en-GB" sz="2200" dirty="0" smtClean="0"/>
+              <a:t>and </a:t>
+            </a:r>
+            <a:r>
+              <a:rPr lang="en-GB" sz="2200" i="1" dirty="0" smtClean="0"/>
+              <a:t>Growing Season Length</a:t>
+            </a:r>
+          </a:p>
+          <a:p>
+            <a:pPr lvl="0"/>
+            <a:r>
+              <a:rPr lang="en-GB" sz="2200" dirty="0" smtClean="0"/>
+              <a:t>Harmonic Analysis to get smooth yearly LAI profiles using HANTS-algorithm (</a:t>
+            </a:r>
+            <a:r>
+              <a:rPr lang="en-GB" sz="2200" dirty="0" err="1" smtClean="0"/>
+              <a:t>Roerink</a:t>
+            </a:r>
+            <a:r>
+              <a:rPr lang="en-GB" sz="2200" dirty="0" smtClean="0"/>
+              <a:t> et al. 2000)</a:t>
             </a:r>
           </a:p>
           <a:p>
             <a:pPr lvl="1"/>
             <a:r>
-              <a:rPr lang="en-GB" dirty="0" smtClean="0"/>
-              <a:t>Plausibility analysis necessary</a:t>
-            </a:r>
-          </a:p>
-          <a:p>
-            <a:r>
-              <a:rPr lang="en-GB" dirty="0" smtClean="0"/>
-              <a:t>LAI3g as reference </a:t>
-            </a:r>
-            <a:r>
-              <a:rPr lang="en-GB" dirty="0" smtClean="0"/>
-              <a:t>dataset</a:t>
-            </a:r>
-          </a:p>
-          <a:p>
-            <a:pPr lvl="1"/>
-            <a:r>
-              <a:rPr lang="en-GB" dirty="0" smtClean="0"/>
-              <a:t>LAI3g and predecessors often used</a:t>
-            </a:r>
-          </a:p>
-          <a:p>
-            <a:pPr lvl="1"/>
-            <a:r>
-              <a:rPr lang="en-GB" dirty="0" smtClean="0"/>
-              <a:t>Based on measurements</a:t>
-            </a:r>
-            <a:endParaRPr lang="en-GB" dirty="0" smtClean="0"/>
-          </a:p>
-          <a:p>
-            <a:r>
-              <a:rPr lang="en-GB" dirty="0" smtClean="0"/>
-              <a:t>Compare raw LAI-re data to LAI3g data (yearly averages, monthly averages)</a:t>
-            </a:r>
-          </a:p>
-          <a:p>
-            <a:r>
-              <a:rPr lang="en-GB" dirty="0" smtClean="0"/>
-              <a:t>Compare extracted LSP indices and trend</a:t>
-            </a:r>
+              <a:rPr lang="en-GB" sz="2200" dirty="0" smtClean="0"/>
+              <a:t>Developed for NDVI, </a:t>
+            </a:r>
+            <a:br>
+              <a:rPr lang="en-GB" sz="2200" dirty="0" smtClean="0"/>
+            </a:br>
+            <a:r>
+              <a:rPr lang="en-GB" sz="2200" dirty="0" smtClean="0"/>
+              <a:t>but same principle </a:t>
+            </a:r>
+            <a:br>
+              <a:rPr lang="en-GB" sz="2200" dirty="0" smtClean="0"/>
+            </a:br>
+            <a:r>
+              <a:rPr lang="en-GB" sz="2200" dirty="0" smtClean="0"/>
+              <a:t>applies for LAI</a:t>
+            </a:r>
+          </a:p>
+          <a:p>
+            <a:r>
+              <a:rPr lang="en-GB" sz="2400" dirty="0" smtClean="0"/>
+              <a:t>Several possibilities</a:t>
+            </a:r>
+            <a:br>
+              <a:rPr lang="en-GB" sz="2400" dirty="0" smtClean="0"/>
+            </a:br>
+            <a:r>
+              <a:rPr lang="en-GB" sz="2400" dirty="0" smtClean="0"/>
+              <a:t>for definition of SOS/EOS</a:t>
+            </a:r>
+          </a:p>
+          <a:p>
+            <a:r>
+              <a:rPr lang="en-GB" sz="2000" dirty="0" smtClean="0"/>
+              <a:t>GSL = EOS - SOS</a:t>
+            </a:r>
+            <a:endParaRPr lang="en-GB" sz="2000" dirty="0"/>
           </a:p>
         </p:txBody>
       </p:sp>
@@ -4583,7 +5431,315 @@
             <a:fld id="{BA9B540C-44DA-4F69-89C9-7C84606640D3}" type="slidenum">
               <a:rPr lang="en-US" smtClean="0"/>
               <a:pPr/>
-              <a:t>11</a:t>
+              <a:t>14</a:t>
+            </a:fld>
+            <a:endParaRPr lang="en-US"/>
+          </a:p>
+        </p:txBody>
+      </p:sp>
+      <p:pic>
+        <p:nvPicPr>
+          <p:cNvPr id="6" name="Picture 5" descr="Bildschirmfoto 2014-03-26 um 15.55.46.png"/>
+          <p:cNvPicPr>
+            <a:picLocks noChangeAspect="1"/>
+          </p:cNvPicPr>
+          <p:nvPr/>
+        </p:nvPicPr>
+        <p:blipFill>
+          <a:blip r:embed="rId2" cstate="screen">
+            <a:extLst>
+              <a:ext uri="{28A0092B-C50C-407E-A947-70E740481C1C}">
+                <a14:useLocalDpi xmlns:a14="http://schemas.microsoft.com/office/drawing/2010/main"/>
+              </a:ext>
+            </a:extLst>
+          </a:blip>
+          <a:stretch>
+            <a:fillRect/>
+          </a:stretch>
+        </p:blipFill>
+        <p:spPr>
+          <a:xfrm>
+            <a:off x="4221793" y="3247846"/>
+            <a:ext cx="3981301" cy="2240665"/>
+          </a:xfrm>
+          <a:prstGeom prst="rect">
+            <a:avLst/>
+          </a:prstGeom>
+        </p:spPr>
+      </p:pic>
+      <p:sp>
+        <p:nvSpPr>
+          <p:cNvPr id="7" name="TextBox 6"/>
+          <p:cNvSpPr txBox="1"/>
+          <p:nvPr/>
+        </p:nvSpPr>
+        <p:spPr>
+          <a:xfrm>
+            <a:off x="6363603" y="5496723"/>
+            <a:ext cx="1839491" cy="369332"/>
+          </a:xfrm>
+          <a:prstGeom prst="rect">
+            <a:avLst/>
+          </a:prstGeom>
+          <a:noFill/>
+        </p:spPr>
+        <p:txBody>
+          <a:bodyPr wrap="none" rtlCol="0">
+            <a:spAutoFit/>
+          </a:bodyPr>
+          <a:lstStyle/>
+          <a:p>
+            <a:r>
+              <a:rPr lang="en-US" dirty="0" smtClean="0"/>
+              <a:t>Reed et al. (2003)</a:t>
+            </a:r>
+            <a:endParaRPr lang="en-US" dirty="0"/>
+          </a:p>
+        </p:txBody>
+      </p:sp>
+      <p:grpSp>
+        <p:nvGrpSpPr>
+          <p:cNvPr id="14" name="Group 13"/>
+          <p:cNvGrpSpPr/>
+          <p:nvPr/>
+        </p:nvGrpSpPr>
+        <p:grpSpPr>
+          <a:xfrm>
+            <a:off x="0" y="0"/>
+            <a:ext cx="9144000" cy="384830"/>
+            <a:chOff x="0" y="0"/>
+            <a:chExt cx="9144000" cy="384830"/>
+          </a:xfrm>
+        </p:grpSpPr>
+        <p:sp>
+          <p:nvSpPr>
+            <p:cNvPr id="15" name="Rectangle 14"/>
+            <p:cNvSpPr/>
+            <p:nvPr/>
+          </p:nvSpPr>
+          <p:spPr>
+            <a:xfrm>
+              <a:off x="0" y="0"/>
+              <a:ext cx="9144000" cy="384830"/>
+            </a:xfrm>
+            <a:prstGeom prst="rect">
+              <a:avLst/>
+            </a:prstGeom>
+            <a:solidFill>
+              <a:schemeClr val="bg1">
+                <a:lumMod val="85000"/>
+              </a:schemeClr>
+            </a:solidFill>
+            <a:ln>
+              <a:noFill/>
+            </a:ln>
+            <a:effectLst/>
+          </p:spPr>
+          <p:style>
+            <a:lnRef idx="1">
+              <a:schemeClr val="accent1"/>
+            </a:lnRef>
+            <a:fillRef idx="3">
+              <a:schemeClr val="accent1"/>
+            </a:fillRef>
+            <a:effectRef idx="2">
+              <a:schemeClr val="accent1"/>
+            </a:effectRef>
+            <a:fontRef idx="minor">
+              <a:schemeClr val="lt1"/>
+            </a:fontRef>
+          </p:style>
+          <p:txBody>
+            <a:bodyPr rtlCol="0" anchor="ctr"/>
+            <a:lstStyle/>
+            <a:p>
+              <a:pPr algn="ctr"/>
+              <a:endParaRPr lang="en-US"/>
+            </a:p>
+          </p:txBody>
+        </p:sp>
+        <p:sp>
+          <p:nvSpPr>
+            <p:cNvPr id="16" name="TextBox 15"/>
+            <p:cNvSpPr txBox="1"/>
+            <p:nvPr/>
+          </p:nvSpPr>
+          <p:spPr>
+            <a:xfrm>
+              <a:off x="147053" y="13372"/>
+              <a:ext cx="8996947" cy="369332"/>
+            </a:xfrm>
+            <a:prstGeom prst="rect">
+              <a:avLst/>
+            </a:prstGeom>
+            <a:noFill/>
+          </p:spPr>
+          <p:txBody>
+            <a:bodyPr wrap="square" rtlCol="0">
+              <a:spAutoFit/>
+            </a:bodyPr>
+            <a:lstStyle/>
+            <a:p>
+              <a:r>
+                <a:rPr lang="en-US" dirty="0" smtClean="0"/>
+                <a:t>Introduction | </a:t>
+              </a:r>
+              <a:r>
+                <a:rPr lang="en-US" b="1" dirty="0" smtClean="0"/>
+                <a:t>Materials &amp; Method </a:t>
+              </a:r>
+              <a:r>
+                <a:rPr lang="en-US" dirty="0" smtClean="0"/>
+                <a:t>| Expected Results | Limitations &amp; Challenges | Timetable</a:t>
+              </a:r>
+              <a:endParaRPr lang="en-US" dirty="0"/>
+            </a:p>
+          </p:txBody>
+        </p:sp>
+      </p:grpSp>
+    </p:spTree>
+    <p:extLst>
+      <p:ext uri="{BB962C8B-B14F-4D97-AF65-F5344CB8AC3E}">
+        <p14:creationId xmlns:p14="http://schemas.microsoft.com/office/powerpoint/2010/main" val="3939210545"/>
+      </p:ext>
+    </p:extLst>
+  </p:cSld>
+  <p:clrMapOvr>
+    <a:masterClrMapping/>
+  </p:clrMapOvr>
+  <p:timing>
+    <p:tnLst>
+      <p:par>
+        <p:cTn xmlns:p14="http://schemas.microsoft.com/office/powerpoint/2010/main" id="1" dur="indefinite" restart="never" nodeType="tmRoot"/>
+      </p:par>
+    </p:tnLst>
+  </p:timing>
+</p:sld>
+</file>
+
+<file path=ppt/slides/slide15.xml><?xml version="1.0" encoding="utf-8"?>
+<p:sld xmlns:a="http://schemas.openxmlformats.org/drawingml/2006/main" xmlns:r="http://schemas.openxmlformats.org/officeDocument/2006/relationships" xmlns:p="http://schemas.openxmlformats.org/presentationml/2006/main">
+  <p:cSld>
+    <p:spTree>
+      <p:nvGrpSpPr>
+        <p:cNvPr id="1" name=""/>
+        <p:cNvGrpSpPr/>
+        <p:nvPr/>
+      </p:nvGrpSpPr>
+      <p:grpSpPr>
+        <a:xfrm>
+          <a:off x="0" y="0"/>
+          <a:ext cx="0" cy="0"/>
+          <a:chOff x="0" y="0"/>
+          <a:chExt cx="0" cy="0"/>
+        </a:xfrm>
+      </p:grpSpPr>
+      <p:sp>
+        <p:nvSpPr>
+          <p:cNvPr id="2" name="Title 1"/>
+          <p:cNvSpPr>
+            <a:spLocks noGrp="1"/>
+          </p:cNvSpPr>
+          <p:nvPr>
+            <p:ph type="title"/>
+          </p:nvPr>
+        </p:nvSpPr>
+        <p:spPr/>
+        <p:txBody>
+          <a:bodyPr>
+            <a:normAutofit/>
+          </a:bodyPr>
+          <a:lstStyle/>
+          <a:p>
+            <a:r>
+              <a:rPr lang="en-GB" sz="4000" dirty="0" smtClean="0"/>
+              <a:t>RQ1: compare LAI datasets</a:t>
+            </a:r>
+            <a:endParaRPr lang="en-US" sz="4000" dirty="0"/>
+          </a:p>
+        </p:txBody>
+      </p:sp>
+      <p:sp>
+        <p:nvSpPr>
+          <p:cNvPr id="3" name="Content Placeholder 2"/>
+          <p:cNvSpPr>
+            <a:spLocks noGrp="1"/>
+          </p:cNvSpPr>
+          <p:nvPr>
+            <p:ph idx="1"/>
+          </p:nvPr>
+        </p:nvSpPr>
+        <p:spPr/>
+        <p:txBody>
+          <a:bodyPr>
+            <a:normAutofit/>
+          </a:bodyPr>
+          <a:lstStyle/>
+          <a:p>
+            <a:r>
+              <a:rPr lang="en-GB" dirty="0" smtClean="0"/>
+              <a:t>Compare </a:t>
+            </a:r>
+            <a:r>
+              <a:rPr lang="en-GB" dirty="0" smtClean="0"/>
+              <a:t>raw LAI-re data to LAI3g data (yearly averages, monthly averages)</a:t>
+            </a:r>
+          </a:p>
+          <a:p>
+            <a:r>
+              <a:rPr lang="en-GB" dirty="0" smtClean="0"/>
+              <a:t>Compare extracted LSP indices and </a:t>
+            </a:r>
+            <a:r>
+              <a:rPr lang="en-GB" dirty="0" smtClean="0"/>
+              <a:t>trends</a:t>
+            </a:r>
+            <a:endParaRPr lang="en-GB" dirty="0" smtClean="0"/>
+          </a:p>
+        </p:txBody>
+      </p:sp>
+      <p:sp>
+        <p:nvSpPr>
+          <p:cNvPr id="4" name="Footer Placeholder 3"/>
+          <p:cNvSpPr>
+            <a:spLocks noGrp="1"/>
+          </p:cNvSpPr>
+          <p:nvPr>
+            <p:ph type="ftr" sz="quarter" idx="11"/>
+          </p:nvPr>
+        </p:nvSpPr>
+        <p:spPr/>
+        <p:txBody>
+          <a:bodyPr/>
+          <a:lstStyle/>
+          <a:p>
+            <a:r>
+              <a:rPr lang="en-US" smtClean="0"/>
+              <a:t>MSc. Concept Presentation David Schenkel</a:t>
+            </a:r>
+            <a:endParaRPr lang="en-US"/>
+          </a:p>
+        </p:txBody>
+      </p:sp>
+      <p:sp>
+        <p:nvSpPr>
+          <p:cNvPr id="5" name="Slide Number Placeholder 4"/>
+          <p:cNvSpPr>
+            <a:spLocks noGrp="1"/>
+          </p:cNvSpPr>
+          <p:nvPr>
+            <p:ph type="sldNum" sz="quarter" idx="12"/>
+          </p:nvPr>
+        </p:nvSpPr>
+        <p:spPr/>
+        <p:txBody>
+          <a:bodyPr/>
+          <a:lstStyle/>
+          <a:p>
+            <a:fld id="{BA9B540C-44DA-4F69-89C9-7C84606640D3}" type="slidenum">
+              <a:rPr lang="en-US" smtClean="0"/>
+              <a:pPr/>
+              <a:t>15</a:t>
             </a:fld>
             <a:endParaRPr lang="en-US"/>
           </a:p>
@@ -4678,27 +5834,11 @@
               </a:r>
               <a:r>
                 <a:rPr lang="en-US" b="1" dirty="0" smtClean="0"/>
-                <a:t>Materials </a:t>
-              </a:r>
-              <a:r>
-                <a:rPr lang="en-US" b="1" dirty="0" smtClean="0"/>
-                <a:t>&amp; </a:t>
-              </a:r>
-              <a:r>
-                <a:rPr lang="en-US" b="1" dirty="0" smtClean="0"/>
-                <a:t>Method </a:t>
+                <a:t>Materials &amp; Method </a:t>
               </a:r>
               <a:r>
                 <a:rPr lang="en-US" dirty="0" smtClean="0"/>
-                <a:t>| Expected Results | </a:t>
-              </a:r>
-              <a:r>
-                <a:rPr lang="en-US" dirty="0" smtClean="0"/>
-                <a:t>Limitations &amp; Challenges </a:t>
-              </a:r>
-              <a:r>
-                <a:rPr lang="en-US" dirty="0" smtClean="0"/>
-                <a:t>| Timetable</a:t>
+                <a:t>| Expected Results | Limitations &amp; Challenges | Timetable</a:t>
               </a:r>
               <a:endParaRPr lang="en-US" dirty="0"/>
             </a:p>
@@ -4725,7 +5865,7 @@
 </p:sld>
 </file>
 
-<file path=ppt/slides/slide12.xml><?xml version="1.0" encoding="utf-8"?>
+<file path=ppt/slides/slide16.xml><?xml version="1.0" encoding="utf-8"?>
 <p:sld xmlns:a="http://schemas.openxmlformats.org/drawingml/2006/main" xmlns:r="http://schemas.openxmlformats.org/officeDocument/2006/relationships" xmlns:p="http://schemas.openxmlformats.org/presentationml/2006/main">
   <p:cSld>
     <p:spTree>
@@ -4755,124 +5895,67 @@
         <p:spPr/>
         <p:txBody>
           <a:bodyPr>
-            <a:normAutofit/>
+            <a:noAutofit/>
           </a:bodyPr>
           <a:lstStyle/>
           <a:p>
             <a:r>
+              <a:rPr lang="en-GB" sz="3200" dirty="0" smtClean="0"/>
+              <a:t>RQ2: Analysing the impact of Climatic Controls over time</a:t>
+            </a:r>
+            <a:endParaRPr lang="en-US" sz="3200" dirty="0"/>
+          </a:p>
+        </p:txBody>
+      </p:sp>
+      <p:sp>
+        <p:nvSpPr>
+          <p:cNvPr id="3" name="Content Placeholder 2"/>
+          <p:cNvSpPr>
+            <a:spLocks noGrp="1"/>
+          </p:cNvSpPr>
+          <p:nvPr>
+            <p:ph idx="1"/>
+          </p:nvPr>
+        </p:nvSpPr>
+        <p:spPr/>
+        <p:txBody>
+          <a:bodyPr/>
+          <a:lstStyle/>
+          <a:p>
+            <a:pPr lvl="0"/>
+            <a:r>
               <a:rPr lang="en-GB" dirty="0" smtClean="0"/>
-              <a:t>Extracting </a:t>
-            </a:r>
-            <a:r>
-              <a:rPr lang="en-GB" dirty="0"/>
-              <a:t>LSP I</a:t>
+              <a:t>Trend analysis for monthly and yearly </a:t>
             </a:r>
             <a:r>
               <a:rPr lang="en-GB" dirty="0" smtClean="0"/>
-              <a:t>ndices</a:t>
-            </a:r>
-            <a:endParaRPr lang="en-US" dirty="0"/>
-          </a:p>
-        </p:txBody>
-      </p:sp>
-      <p:sp>
-        <p:nvSpPr>
-          <p:cNvPr id="3" name="Content Placeholder 2"/>
-          <p:cNvSpPr>
-            <a:spLocks noGrp="1"/>
-          </p:cNvSpPr>
-          <p:nvPr>
-            <p:ph idx="1"/>
-          </p:nvPr>
-        </p:nvSpPr>
-        <p:spPr/>
-        <p:txBody>
-          <a:bodyPr>
-            <a:normAutofit/>
-          </a:bodyPr>
-          <a:lstStyle/>
+              <a:t>averages of </a:t>
+            </a:r>
+            <a:r>
+              <a:rPr lang="en-GB" dirty="0" err="1" smtClean="0"/>
+              <a:t>T</a:t>
+            </a:r>
+            <a:r>
+              <a:rPr lang="en-GB" baseline="-25000" dirty="0" err="1" smtClean="0"/>
+              <a:t>min</a:t>
+            </a:r>
+            <a:r>
+              <a:rPr lang="en-GB" dirty="0" smtClean="0"/>
+              <a:t> and VPD</a:t>
+            </a:r>
+            <a:endParaRPr lang="en-GB" dirty="0" smtClean="0"/>
+          </a:p>
           <a:p>
             <a:pPr lvl="0"/>
             <a:r>
-              <a:rPr lang="en-GB" sz="2200" dirty="0" smtClean="0"/>
-              <a:t>Goal: Get </a:t>
-            </a:r>
-            <a:r>
-              <a:rPr lang="en-GB" sz="2200" i="1" dirty="0" smtClean="0"/>
-              <a:t>Start of Season</a:t>
-            </a:r>
-            <a:r>
-              <a:rPr lang="en-GB" sz="2200" dirty="0" smtClean="0"/>
-              <a:t>, </a:t>
-            </a:r>
-            <a:r>
-              <a:rPr lang="en-GB" sz="2200" i="1" dirty="0" smtClean="0"/>
-              <a:t>End of Season </a:t>
-            </a:r>
-            <a:r>
-              <a:rPr lang="en-GB" sz="2200" dirty="0" smtClean="0"/>
-              <a:t>and </a:t>
-            </a:r>
-            <a:r>
-              <a:rPr lang="en-GB" sz="2200" i="1" dirty="0" smtClean="0"/>
-              <a:t>Growing Season Length</a:t>
-            </a:r>
-          </a:p>
-          <a:p>
-            <a:pPr lvl="0"/>
-            <a:r>
-              <a:rPr lang="en-GB" sz="2200" dirty="0" smtClean="0"/>
-              <a:t>Harmonic Analysis to get smooth yearly LAI profiles using HANTS-algorithm (</a:t>
-            </a:r>
-            <a:r>
-              <a:rPr lang="en-GB" sz="2200" dirty="0" err="1" smtClean="0"/>
-              <a:t>Roerink</a:t>
-            </a:r>
-            <a:r>
-              <a:rPr lang="en-GB" sz="2200" dirty="0" smtClean="0"/>
-              <a:t> et al. 2000)</a:t>
-            </a:r>
-          </a:p>
-          <a:p>
-            <a:pPr lvl="1"/>
-            <a:r>
-              <a:rPr lang="en-GB" sz="2200" dirty="0" smtClean="0"/>
-              <a:t>Developed for NDVI, </a:t>
-            </a:r>
-            <a:br>
-              <a:rPr lang="en-GB" sz="2200" dirty="0" smtClean="0"/>
-            </a:br>
-            <a:r>
-              <a:rPr lang="en-GB" sz="2200" dirty="0" smtClean="0"/>
-              <a:t>but same principle </a:t>
-            </a:r>
-            <a:br>
-              <a:rPr lang="en-GB" sz="2200" dirty="0" smtClean="0"/>
-            </a:br>
-            <a:r>
-              <a:rPr lang="en-GB" sz="2200" dirty="0" smtClean="0"/>
-              <a:t>applies for LAI</a:t>
-            </a:r>
-          </a:p>
-          <a:p>
-            <a:r>
-              <a:rPr lang="en-GB" sz="2400" dirty="0" smtClean="0"/>
-              <a:t>Several possibilities</a:t>
-            </a:r>
-            <a:br>
-              <a:rPr lang="en-GB" sz="2400" dirty="0" smtClean="0"/>
-            </a:br>
-            <a:r>
-              <a:rPr lang="en-GB" sz="2400" dirty="0" smtClean="0"/>
-              <a:t>for definition of SOS/EOS</a:t>
-            </a:r>
-          </a:p>
-          <a:p>
-            <a:r>
-              <a:rPr lang="en-GB" sz="2000" dirty="0" smtClean="0"/>
-              <a:t>GSL = EOS - SOS</a:t>
-            </a:r>
-            <a:endParaRPr lang="en-GB" sz="2000" dirty="0"/>
+              <a:rPr lang="en-GB" dirty="0" smtClean="0"/>
+              <a:t>Extract and </a:t>
+            </a:r>
+            <a:r>
+              <a:rPr lang="en-GB" dirty="0" smtClean="0"/>
+              <a:t>compare onset of changes</a:t>
+            </a:r>
+            <a:endParaRPr lang="de-CH" dirty="0"/>
           </a:p>
         </p:txBody>
       </p:sp>
@@ -4917,333 +6000,7 @@
             <a:fld id="{BA9B540C-44DA-4F69-89C9-7C84606640D3}" type="slidenum">
               <a:rPr lang="en-US" smtClean="0"/>
               <a:pPr/>
-              <a:t>12</a:t>
-            </a:fld>
-            <a:endParaRPr lang="en-US"/>
-          </a:p>
-        </p:txBody>
-      </p:sp>
-      <p:pic>
-        <p:nvPicPr>
-          <p:cNvPr id="6" name="Picture 5" descr="Bildschirmfoto 2014-03-26 um 15.55.46.png"/>
-          <p:cNvPicPr>
-            <a:picLocks noChangeAspect="1"/>
-          </p:cNvPicPr>
-          <p:nvPr/>
-        </p:nvPicPr>
-        <p:blipFill>
-          <a:blip r:embed="rId2" cstate="screen">
-            <a:extLst>
-              <a:ext uri="{28A0092B-C50C-407E-A947-70E740481C1C}">
-                <a14:useLocalDpi xmlns:a14="http://schemas.microsoft.com/office/drawing/2010/main"/>
-              </a:ext>
-            </a:extLst>
-          </a:blip>
-          <a:stretch>
-            <a:fillRect/>
-          </a:stretch>
-        </p:blipFill>
-        <p:spPr>
-          <a:xfrm>
-            <a:off x="4221793" y="3247846"/>
-            <a:ext cx="3981301" cy="2240665"/>
-          </a:xfrm>
-          <a:prstGeom prst="rect">
-            <a:avLst/>
-          </a:prstGeom>
-        </p:spPr>
-      </p:pic>
-      <p:sp>
-        <p:nvSpPr>
-          <p:cNvPr id="7" name="TextBox 6"/>
-          <p:cNvSpPr txBox="1"/>
-          <p:nvPr/>
-        </p:nvSpPr>
-        <p:spPr>
-          <a:xfrm>
-            <a:off x="6363603" y="5496723"/>
-            <a:ext cx="1839491" cy="369332"/>
-          </a:xfrm>
-          <a:prstGeom prst="rect">
-            <a:avLst/>
-          </a:prstGeom>
-          <a:noFill/>
-        </p:spPr>
-        <p:txBody>
-          <a:bodyPr wrap="none" rtlCol="0">
-            <a:spAutoFit/>
-          </a:bodyPr>
-          <a:lstStyle/>
-          <a:p>
-            <a:r>
-              <a:rPr lang="en-US" dirty="0" smtClean="0"/>
-              <a:t>Reed et al. (2003)</a:t>
-            </a:r>
-            <a:endParaRPr lang="en-US" dirty="0"/>
-          </a:p>
-        </p:txBody>
-      </p:sp>
-      <p:grpSp>
-        <p:nvGrpSpPr>
-          <p:cNvPr id="14" name="Group 13"/>
-          <p:cNvGrpSpPr/>
-          <p:nvPr/>
-        </p:nvGrpSpPr>
-        <p:grpSpPr>
-          <a:xfrm>
-            <a:off x="0" y="0"/>
-            <a:ext cx="9144000" cy="384830"/>
-            <a:chOff x="0" y="0"/>
-            <a:chExt cx="9144000" cy="384830"/>
-          </a:xfrm>
-        </p:grpSpPr>
-        <p:sp>
-          <p:nvSpPr>
-            <p:cNvPr id="15" name="Rectangle 14"/>
-            <p:cNvSpPr/>
-            <p:nvPr/>
-          </p:nvSpPr>
-          <p:spPr>
-            <a:xfrm>
-              <a:off x="0" y="0"/>
-              <a:ext cx="9144000" cy="384830"/>
-            </a:xfrm>
-            <a:prstGeom prst="rect">
-              <a:avLst/>
-            </a:prstGeom>
-            <a:solidFill>
-              <a:schemeClr val="bg1">
-                <a:lumMod val="85000"/>
-              </a:schemeClr>
-            </a:solidFill>
-            <a:ln>
-              <a:noFill/>
-            </a:ln>
-            <a:effectLst/>
-          </p:spPr>
-          <p:style>
-            <a:lnRef idx="1">
-              <a:schemeClr val="accent1"/>
-            </a:lnRef>
-            <a:fillRef idx="3">
-              <a:schemeClr val="accent1"/>
-            </a:fillRef>
-            <a:effectRef idx="2">
-              <a:schemeClr val="accent1"/>
-            </a:effectRef>
-            <a:fontRef idx="minor">
-              <a:schemeClr val="lt1"/>
-            </a:fontRef>
-          </p:style>
-          <p:txBody>
-            <a:bodyPr rtlCol="0" anchor="ctr"/>
-            <a:lstStyle/>
-            <a:p>
-              <a:pPr algn="ctr"/>
-              <a:endParaRPr lang="en-US"/>
-            </a:p>
-          </p:txBody>
-        </p:sp>
-        <p:sp>
-          <p:nvSpPr>
-            <p:cNvPr id="16" name="TextBox 15"/>
-            <p:cNvSpPr txBox="1"/>
-            <p:nvPr/>
-          </p:nvSpPr>
-          <p:spPr>
-            <a:xfrm>
-              <a:off x="147053" y="13372"/>
-              <a:ext cx="8996947" cy="369332"/>
-            </a:xfrm>
-            <a:prstGeom prst="rect">
-              <a:avLst/>
-            </a:prstGeom>
-            <a:noFill/>
-          </p:spPr>
-          <p:txBody>
-            <a:bodyPr wrap="square" rtlCol="0">
-              <a:spAutoFit/>
-            </a:bodyPr>
-            <a:lstStyle/>
-            <a:p>
-              <a:r>
-                <a:rPr lang="en-US" dirty="0" smtClean="0"/>
-                <a:t>Introduction | </a:t>
-              </a:r>
-              <a:r>
-                <a:rPr lang="en-US" b="1" dirty="0" smtClean="0"/>
-                <a:t>Materials </a:t>
-              </a:r>
-              <a:r>
-                <a:rPr lang="en-US" b="1" dirty="0" smtClean="0"/>
-                <a:t>&amp; </a:t>
-              </a:r>
-              <a:r>
-                <a:rPr lang="en-US" b="1" dirty="0" smtClean="0"/>
-                <a:t>Method </a:t>
-              </a:r>
-              <a:r>
-                <a:rPr lang="en-US" dirty="0" smtClean="0"/>
-                <a:t>| Expected Results | </a:t>
-              </a:r>
-              <a:r>
-                <a:rPr lang="en-US" dirty="0" smtClean="0"/>
-                <a:t>Limitations &amp; Challenges </a:t>
-              </a:r>
-              <a:r>
-                <a:rPr lang="en-US" dirty="0" smtClean="0"/>
-                <a:t>| Timetable</a:t>
-              </a:r>
-              <a:endParaRPr lang="en-US" dirty="0"/>
-            </a:p>
-          </p:txBody>
-        </p:sp>
-      </p:grpSp>
-    </p:spTree>
-    <p:extLst>
-      <p:ext uri="{BB962C8B-B14F-4D97-AF65-F5344CB8AC3E}">
-        <p14:creationId xmlns:p14="http://schemas.microsoft.com/office/powerpoint/2010/main" val="3939210545"/>
-      </p:ext>
-    </p:extLst>
-  </p:cSld>
-  <p:clrMapOvr>
-    <a:masterClrMapping/>
-  </p:clrMapOvr>
-  <p:timing>
-    <p:tnLst>
-      <p:par>
-        <p:cTn xmlns:p14="http://schemas.microsoft.com/office/powerpoint/2010/main" id="1" dur="indefinite" restart="never" nodeType="tmRoot"/>
-      </p:par>
-    </p:tnLst>
-  </p:timing>
-</p:sld>
-</file>
-
-<file path=ppt/slides/slide13.xml><?xml version="1.0" encoding="utf-8"?>
-<p:sld xmlns:a="http://schemas.openxmlformats.org/drawingml/2006/main" xmlns:r="http://schemas.openxmlformats.org/officeDocument/2006/relationships" xmlns:p="http://schemas.openxmlformats.org/presentationml/2006/main">
-  <p:cSld>
-    <p:spTree>
-      <p:nvGrpSpPr>
-        <p:cNvPr id="1" name=""/>
-        <p:cNvGrpSpPr/>
-        <p:nvPr/>
-      </p:nvGrpSpPr>
-      <p:grpSpPr>
-        <a:xfrm>
-          <a:off x="0" y="0"/>
-          <a:ext cx="0" cy="0"/>
-          <a:chOff x="0" y="0"/>
-          <a:chExt cx="0" cy="0"/>
-        </a:xfrm>
-      </p:grpSpPr>
-      <p:sp>
-        <p:nvSpPr>
-          <p:cNvPr id="2" name="Title 1"/>
-          <p:cNvSpPr>
-            <a:spLocks noGrp="1"/>
-          </p:cNvSpPr>
-          <p:nvPr>
-            <p:ph type="title"/>
-          </p:nvPr>
-        </p:nvSpPr>
-        <p:spPr/>
-        <p:txBody>
-          <a:bodyPr>
-            <a:normAutofit fontScale="90000"/>
-          </a:bodyPr>
-          <a:lstStyle/>
-          <a:p>
-            <a:r>
-              <a:rPr lang="en-GB" dirty="0" smtClean="0"/>
-              <a:t>Analysing </a:t>
-            </a:r>
-            <a:r>
-              <a:rPr lang="en-GB" dirty="0"/>
-              <a:t>Changes in Climatic Controls</a:t>
-            </a:r>
-            <a:r>
-              <a:rPr lang="de-CH" dirty="0" smtClean="0">
-                <a:effectLst/>
-              </a:rPr>
-              <a:t> </a:t>
-            </a:r>
-            <a:endParaRPr lang="en-US" dirty="0"/>
-          </a:p>
-        </p:txBody>
-      </p:sp>
-      <p:sp>
-        <p:nvSpPr>
-          <p:cNvPr id="3" name="Content Placeholder 2"/>
-          <p:cNvSpPr>
-            <a:spLocks noGrp="1"/>
-          </p:cNvSpPr>
-          <p:nvPr>
-            <p:ph idx="1"/>
-          </p:nvPr>
-        </p:nvSpPr>
-        <p:spPr/>
-        <p:txBody>
-          <a:bodyPr/>
-          <a:lstStyle/>
-          <a:p>
-            <a:pPr lvl="0"/>
-            <a:r>
-              <a:rPr lang="en-GB" dirty="0" smtClean="0"/>
-              <a:t>Trend analysis for monthly and yearly averages</a:t>
-            </a:r>
-          </a:p>
-          <a:p>
-            <a:pPr lvl="0"/>
-            <a:r>
-              <a:rPr lang="en-GB" dirty="0" smtClean="0"/>
-              <a:t>Extract and analyse LSP indices</a:t>
-            </a:r>
-            <a:endParaRPr lang="de-CH" dirty="0"/>
-          </a:p>
-        </p:txBody>
-      </p:sp>
-      <p:sp>
-        <p:nvSpPr>
-          <p:cNvPr id="4" name="Footer Placeholder 3"/>
-          <p:cNvSpPr>
-            <a:spLocks noGrp="1"/>
-          </p:cNvSpPr>
-          <p:nvPr>
-            <p:ph type="ftr" sz="quarter" idx="11"/>
-          </p:nvPr>
-        </p:nvSpPr>
-        <p:spPr/>
-        <p:txBody>
-          <a:bodyPr/>
-          <a:lstStyle/>
-          <a:p>
-            <a:r>
-              <a:rPr lang="en-US" smtClean="0"/>
-              <a:t>MSc. Concept Presentation David Schenkel</a:t>
-            </a:r>
-            <a:endParaRPr lang="en-US"/>
-          </a:p>
-        </p:txBody>
-      </p:sp>
-      <p:sp>
-        <p:nvSpPr>
-          <p:cNvPr id="5" name="Slide Number Placeholder 4"/>
-          <p:cNvSpPr>
-            <a:spLocks noGrp="1"/>
-          </p:cNvSpPr>
-          <p:nvPr>
-            <p:ph type="sldNum" sz="quarter" idx="12"/>
-          </p:nvPr>
-        </p:nvSpPr>
-        <p:spPr/>
-        <p:txBody>
-          <a:bodyPr/>
-          <a:lstStyle/>
-          <a:p>
-            <a:fld id="{BA9B540C-44DA-4F69-89C9-7C84606640D3}" type="slidenum">
-              <a:rPr lang="en-US" smtClean="0"/>
-              <a:pPr/>
-              <a:t>13</a:t>
+              <a:t>16</a:t>
             </a:fld>
             <a:endParaRPr lang="en-US"/>
           </a:p>
@@ -5338,33 +6095,47 @@
               </a:r>
               <a:r>
                 <a:rPr lang="en-US" b="1" dirty="0" smtClean="0"/>
-                <a:t>Materials </a:t>
-              </a:r>
-              <a:r>
-                <a:rPr lang="en-US" b="1" dirty="0" smtClean="0"/>
-                <a:t>&amp; </a:t>
-              </a:r>
-              <a:r>
-                <a:rPr lang="en-US" b="1" dirty="0" smtClean="0"/>
-                <a:t>Method </a:t>
+                <a:t>Materials &amp; Method </a:t>
               </a:r>
               <a:r>
                 <a:rPr lang="en-US" dirty="0" smtClean="0"/>
-                <a:t>| Expected Results | </a:t>
-              </a:r>
-              <a:r>
-                <a:rPr lang="en-US" dirty="0" smtClean="0"/>
-                <a:t>Limitations &amp; Challenges </a:t>
-              </a:r>
-              <a:r>
-                <a:rPr lang="en-US" dirty="0" smtClean="0"/>
-                <a:t>| Timetable</a:t>
+                <a:t>| Expected Results | Limitations &amp; Challenges | Timetable</a:t>
               </a:r>
               <a:endParaRPr lang="en-US" dirty="0"/>
             </a:p>
           </p:txBody>
         </p:sp>
       </p:grpSp>
+      <p:pic>
+        <p:nvPicPr>
+          <p:cNvPr id="6" name="Picture 5" descr="gsi_alaska.png"/>
+          <p:cNvPicPr>
+            <a:picLocks noChangeAspect="1"/>
+          </p:cNvPicPr>
+          <p:nvPr/>
+        </p:nvPicPr>
+        <p:blipFill>
+          <a:blip r:embed="rId2">
+            <a:extLst>
+              <a:ext uri="{28A0092B-C50C-407E-A947-70E740481C1C}">
+                <a14:useLocalDpi xmlns:a14="http://schemas.microsoft.com/office/drawing/2010/main" val="0"/>
+              </a:ext>
+            </a:extLst>
+          </a:blip>
+          <a:stretch>
+            <a:fillRect/>
+          </a:stretch>
+        </p:blipFill>
+        <p:spPr>
+          <a:xfrm>
+            <a:off x="612863" y="3692234"/>
+            <a:ext cx="3367044" cy="2433929"/>
+          </a:xfrm>
+          <a:prstGeom prst="rect">
+            <a:avLst/>
+          </a:prstGeom>
+        </p:spPr>
+      </p:pic>
     </p:spTree>
     <p:extLst>
       <p:ext uri="{BB962C8B-B14F-4D97-AF65-F5344CB8AC3E}">
@@ -5385,7 +6156,7 @@
 </p:sld>
 </file>
 
-<file path=ppt/slides/slide14.xml><?xml version="1.0" encoding="utf-8"?>
+<file path=ppt/slides/slide17.xml><?xml version="1.0" encoding="utf-8"?>
 <p:sld xmlns:a="http://schemas.openxmlformats.org/drawingml/2006/main" xmlns:r="http://schemas.openxmlformats.org/officeDocument/2006/relationships" xmlns:p="http://schemas.openxmlformats.org/presentationml/2006/main">
   <p:cSld>
     <p:spTree>
@@ -5415,19 +6186,27 @@
         <p:spPr/>
         <p:txBody>
           <a:bodyPr>
-            <a:normAutofit/>
+            <a:noAutofit/>
           </a:bodyPr>
           <a:lstStyle/>
           <a:p>
             <a:r>
-              <a:rPr lang="en-GB" dirty="0"/>
-              <a:t>	Compare Climatic Controls to </a:t>
-            </a:r>
-            <a:r>
-              <a:rPr lang="en-GB" dirty="0" smtClean="0"/>
+              <a:rPr lang="en-GB" sz="3800" dirty="0"/>
+              <a:t>	</a:t>
+            </a:r>
+            <a:r>
+              <a:rPr lang="en-GB" sz="3800" dirty="0" smtClean="0"/>
+              <a:t>RQ3: Compare </a:t>
+            </a:r>
+            <a:r>
+              <a:rPr lang="en-GB" sz="3800" dirty="0"/>
+              <a:t>Climatic Controls to </a:t>
+            </a:r>
+            <a:r>
+              <a:rPr lang="en-GB" sz="3800" dirty="0" smtClean="0"/>
               <a:t>LAI</a:t>
             </a:r>
-            <a:endParaRPr lang="en-US" dirty="0"/>
+            <a:endParaRPr lang="en-US" sz="3800" dirty="0"/>
           </a:p>
         </p:txBody>
       </p:sp>
@@ -5539,7 +6318,7 @@
             <a:fld id="{BA9B540C-44DA-4F69-89C9-7C84606640D3}" type="slidenum">
               <a:rPr lang="en-US" smtClean="0"/>
               <a:pPr/>
-              <a:t>14</a:t>
+              <a:t>17</a:t>
             </a:fld>
             <a:endParaRPr lang="en-US"/>
           </a:p>
@@ -5634,27 +6413,11 @@
               </a:r>
               <a:r>
                 <a:rPr lang="en-US" b="1" dirty="0" smtClean="0"/>
-                <a:t>Materials </a:t>
-              </a:r>
-              <a:r>
-                <a:rPr lang="en-US" b="1" dirty="0" smtClean="0"/>
-                <a:t>&amp; </a:t>
-              </a:r>
-              <a:r>
-                <a:rPr lang="en-US" b="1" dirty="0" smtClean="0"/>
-                <a:t>Method </a:t>
+                <a:t>Materials &amp; Method </a:t>
               </a:r>
               <a:r>
                 <a:rPr lang="en-US" dirty="0" smtClean="0"/>
-                <a:t>| Expected Results | </a:t>
-              </a:r>
-              <a:r>
-                <a:rPr lang="en-US" dirty="0" smtClean="0"/>
-                <a:t>Limitations &amp; Challenges </a:t>
-              </a:r>
-              <a:r>
-                <a:rPr lang="en-US" dirty="0" smtClean="0"/>
-                <a:t>| Timetable</a:t>
+                <a:t>| Expected Results | Limitations &amp; Challenges | Timetable</a:t>
               </a:r>
               <a:endParaRPr lang="en-US" dirty="0"/>
             </a:p>
@@ -5681,7 +6444,7 @@
 </p:sld>
 </file>
 
-<file path=ppt/slides/slide15.xml><?xml version="1.0" encoding="utf-8"?>
+<file path=ppt/slides/slide18.xml><?xml version="1.0" encoding="utf-8"?>
 <p:sld xmlns:a="http://schemas.openxmlformats.org/drawingml/2006/main" xmlns:r="http://schemas.openxmlformats.org/officeDocument/2006/relationships" xmlns:p="http://schemas.openxmlformats.org/presentationml/2006/main">
   <p:cSld>
     <p:spTree>
@@ -5745,47 +6508,79 @@
           <a:lstStyle/>
           <a:p>
             <a:r>
-              <a:rPr lang="en-GB" i="1" dirty="0" smtClean="0"/>
-              <a:t>LAI3g-LAIre</a:t>
-            </a:r>
-            <a:r>
               <a:rPr lang="en-GB" dirty="0" smtClean="0"/>
-              <a:t>: generally good agreement expected </a:t>
-            </a:r>
-          </a:p>
-          <a:p>
-            <a:r>
-              <a:rPr lang="en-GB" i="1" dirty="0" smtClean="0"/>
-              <a:t>Climatic Controls</a:t>
+              <a:t>LAI3g-</a:t>
             </a:r>
             <a:r>
               <a:rPr lang="en-GB" dirty="0" smtClean="0"/>
-              <a:t>: </a:t>
+              <a:t>LAIre comparison</a:t>
             </a:r>
           </a:p>
           <a:p>
             <a:pPr lvl="1"/>
             <a:r>
               <a:rPr lang="en-GB" dirty="0" smtClean="0"/>
-              <a:t>rising temperatures global, differences regionally</a:t>
-            </a:r>
+              <a:t>Statistical analysis</a:t>
+            </a:r>
+            <a:endParaRPr lang="en-GB" dirty="0"/>
           </a:p>
           <a:p>
             <a:pPr lvl="1"/>
             <a:r>
               <a:rPr lang="en-GB" dirty="0" smtClean="0"/>
-              <a:t>VPD hard to predict</a:t>
-            </a:r>
+              <a:t>Map showing differences</a:t>
+            </a:r>
+            <a:endParaRPr lang="en-GB" dirty="0" smtClean="0"/>
           </a:p>
           <a:p>
             <a:r>
               <a:rPr lang="en-GB" dirty="0" smtClean="0"/>
-              <a:t>Climatic Controls and LAI: GSL-lengthening with increase in </a:t>
+              <a:t>Climatic </a:t>
             </a:r>
             <a:r>
               <a:rPr lang="en-GB" dirty="0" smtClean="0"/>
-              <a:t>T</a:t>
-            </a:r>
+              <a:t>Controls</a:t>
+            </a:r>
+            <a:endParaRPr lang="en-GB" dirty="0" smtClean="0"/>
+          </a:p>
+          <a:p>
+            <a:pPr lvl="1"/>
+            <a:r>
+              <a:rPr lang="en-GB" dirty="0" smtClean="0"/>
+              <a:t>Statistical analysis</a:t>
+            </a:r>
+          </a:p>
+          <a:p>
+            <a:pPr lvl="1"/>
+            <a:r>
+              <a:rPr lang="en-GB" dirty="0" smtClean="0"/>
+              <a:t>Map showing </a:t>
+            </a:r>
+            <a:r>
+              <a:rPr lang="en-GB" b="1" dirty="0" smtClean="0"/>
+              <a:t>changes </a:t>
+            </a:r>
+            <a:r>
+              <a:rPr lang="en-GB" dirty="0" smtClean="0"/>
+              <a:t>in climatic controls </a:t>
+            </a:r>
+          </a:p>
+          <a:p>
+            <a:r>
+              <a:rPr lang="en-GB" dirty="0" smtClean="0"/>
+              <a:t>Climatic </a:t>
+            </a:r>
+            <a:r>
+              <a:rPr lang="en-GB" dirty="0" smtClean="0"/>
+              <a:t>Controls </a:t>
+            </a:r>
+            <a:r>
+              <a:rPr lang="en-GB" dirty="0" smtClean="0"/>
+              <a:t>– LAI comparison</a:t>
+            </a:r>
+          </a:p>
+          <a:p>
+            <a:pPr lvl="1"/>
             <a:endParaRPr lang="en-GB" dirty="0"/>
           </a:p>
         </p:txBody>
@@ -5831,7 +6626,7 @@
             <a:fld id="{BA9B540C-44DA-4F69-89C9-7C84606640D3}" type="slidenum">
               <a:rPr lang="en-US" smtClean="0"/>
               <a:pPr/>
-              <a:t>15</a:t>
+              <a:t>18</a:t>
             </a:fld>
             <a:endParaRPr lang="en-US"/>
           </a:p>
@@ -5922,19 +6717,7 @@
             <a:p>
               <a:r>
                 <a:rPr lang="en-US" dirty="0" smtClean="0"/>
-                <a:t>Introduction | Materials </a:t>
-              </a:r>
-              <a:r>
-                <a:rPr lang="en-US" dirty="0" smtClean="0"/>
-                <a:t>&amp; </a:t>
-              </a:r>
-              <a:r>
-                <a:rPr lang="en-US" dirty="0" smtClean="0"/>
-                <a:t>Method </a:t>
-              </a:r>
-              <a:r>
-                <a:rPr lang="en-US" dirty="0" smtClean="0"/>
-                <a:t>| </a:t>
+                <a:t>Introduction | Materials &amp; Method | </a:t>
               </a:r>
               <a:r>
                 <a:rPr lang="en-US" b="1" dirty="0" smtClean="0"/>
@@ -5942,15 +6725,7 @@
               </a:r>
               <a:r>
                 <a:rPr lang="en-US" dirty="0" smtClean="0"/>
-                <a:t>| </a:t>
-              </a:r>
-              <a:r>
-                <a:rPr lang="en-US" dirty="0" smtClean="0"/>
-                <a:t>Limitations &amp; Challenges </a:t>
-              </a:r>
-              <a:r>
-                <a:rPr lang="en-US" dirty="0" smtClean="0"/>
-                <a:t>| Timetable</a:t>
+                <a:t>| Limitations &amp; Challenges | Timetable</a:t>
               </a:r>
               <a:endParaRPr lang="en-US" dirty="0"/>
             </a:p>
@@ -5977,7 +6752,7 @@
 </p:sld>
 </file>
 
-<file path=ppt/slides/slide16.xml><?xml version="1.0" encoding="utf-8"?>
+<file path=ppt/slides/slide19.xml><?xml version="1.0" encoding="utf-8"?>
 <p:sld xmlns:a="http://schemas.openxmlformats.org/drawingml/2006/main" xmlns:r="http://schemas.openxmlformats.org/officeDocument/2006/relationships" xmlns:p="http://schemas.openxmlformats.org/presentationml/2006/main">
   <p:cSld>
     <p:spTree>
@@ -6097,7 +6872,7 @@
             <a:fld id="{BA9B540C-44DA-4F69-89C9-7C84606640D3}" type="slidenum">
               <a:rPr lang="en-US" smtClean="0"/>
               <a:pPr/>
-              <a:t>16</a:t>
+              <a:t>19</a:t>
             </a:fld>
             <a:endParaRPr lang="en-US"/>
           </a:p>
@@ -6116,7 +6891,7 @@
 </p:sld>
 </file>
 
-<file path=ppt/slides/slide17.xml><?xml version="1.0" encoding="utf-8"?>
+<file path=ppt/slides/slide2.xml><?xml version="1.0" encoding="utf-8"?>
 <p:sld xmlns:a="http://schemas.openxmlformats.org/drawingml/2006/main" xmlns:r="http://schemas.openxmlformats.org/officeDocument/2006/relationships" xmlns:p="http://schemas.openxmlformats.org/presentationml/2006/main">
   <p:cSld>
     <p:spTree>
@@ -6172,7 +6947,7 @@
           <a:lstStyle/>
           <a:p>
             <a:r>
-              <a:rPr lang="en-US" dirty="0" smtClean="0"/>
+              <a:rPr lang="en-US" b="1" dirty="0" smtClean="0"/>
               <a:t>Introduction</a:t>
             </a:r>
           </a:p>
@@ -6181,7 +6956,6 @@
               <a:rPr lang="en-US" dirty="0" smtClean="0"/>
               <a:t>Materials and Methods</a:t>
             </a:r>
-            <a:endParaRPr lang="en-US" b="1" dirty="0" smtClean="0"/>
           </a:p>
           <a:p>
             <a:r>
@@ -6191,14 +6965,13 @@
           </a:p>
           <a:p>
             <a:r>
-              <a:rPr lang="en-US" b="1" dirty="0"/>
-              <a:t>Challenges</a:t>
-            </a:r>
-            <a:endParaRPr lang="en-US" b="1" dirty="0" smtClean="0"/>
-          </a:p>
-          <a:p>
-            <a:r>
-              <a:rPr lang="en-US" dirty="0"/>
+              <a:rPr lang="en-US" dirty="0" smtClean="0"/>
+              <a:t>Limitations &amp; Challenges</a:t>
+            </a:r>
+          </a:p>
+          <a:p>
+            <a:r>
+              <a:rPr lang="en-US" dirty="0" smtClean="0"/>
               <a:t>Timetable</a:t>
             </a:r>
           </a:p>
@@ -6245,7 +7018,162 @@
             <a:fld id="{BA9B540C-44DA-4F69-89C9-7C84606640D3}" type="slidenum">
               <a:rPr lang="en-US" smtClean="0"/>
               <a:pPr/>
-              <a:t>17</a:t>
+              <a:t>2</a:t>
+            </a:fld>
+            <a:endParaRPr lang="en-US"/>
+          </a:p>
+        </p:txBody>
+      </p:sp>
+    </p:spTree>
+    <p:extLst>
+      <p:ext uri="{BB962C8B-B14F-4D97-AF65-F5344CB8AC3E}">
+        <p14:creationId xmlns:p14="http://schemas.microsoft.com/office/powerpoint/2010/main" val="14853446"/>
+      </p:ext>
+    </p:extLst>
+  </p:cSld>
+  <p:clrMapOvr>
+    <a:masterClrMapping/>
+  </p:clrMapOvr>
+  <p:timing>
+    <p:tnLst>
+      <p:par>
+        <p:cTn xmlns:p14="http://schemas.microsoft.com/office/powerpoint/2010/main" id="1" dur="indefinite" restart="never" nodeType="tmRoot"/>
+      </p:par>
+    </p:tnLst>
+  </p:timing>
+</p:sld>
+</file>
+
+<file path=ppt/slides/slide20.xml><?xml version="1.0" encoding="utf-8"?>
+<p:sld xmlns:a="http://schemas.openxmlformats.org/drawingml/2006/main" xmlns:r="http://schemas.openxmlformats.org/officeDocument/2006/relationships" xmlns:p="http://schemas.openxmlformats.org/presentationml/2006/main">
+  <p:cSld>
+    <p:spTree>
+      <p:nvGrpSpPr>
+        <p:cNvPr id="1" name=""/>
+        <p:cNvGrpSpPr/>
+        <p:nvPr/>
+      </p:nvGrpSpPr>
+      <p:grpSpPr>
+        <a:xfrm>
+          <a:off x="0" y="0"/>
+          <a:ext cx="0" cy="0"/>
+          <a:chOff x="0" y="0"/>
+          <a:chExt cx="0" cy="0"/>
+        </a:xfrm>
+      </p:grpSpPr>
+      <p:sp>
+        <p:nvSpPr>
+          <p:cNvPr id="2" name="Title 1"/>
+          <p:cNvSpPr>
+            <a:spLocks noGrp="1"/>
+          </p:cNvSpPr>
+          <p:nvPr>
+            <p:ph type="title"/>
+          </p:nvPr>
+        </p:nvSpPr>
+        <p:spPr/>
+        <p:txBody>
+          <a:bodyPr/>
+          <a:lstStyle/>
+          <a:p>
+            <a:r>
+              <a:rPr lang="en-US" dirty="0" smtClean="0"/>
+              <a:t>Contents</a:t>
+            </a:r>
+            <a:endParaRPr lang="en-US" dirty="0"/>
+          </a:p>
+        </p:txBody>
+      </p:sp>
+      <p:sp>
+        <p:nvSpPr>
+          <p:cNvPr id="3" name="Content Placeholder 2"/>
+          <p:cNvSpPr>
+            <a:spLocks noGrp="1"/>
+          </p:cNvSpPr>
+          <p:nvPr>
+            <p:ph idx="1"/>
+          </p:nvPr>
+        </p:nvSpPr>
+        <p:spPr/>
+        <p:txBody>
+          <a:bodyPr/>
+          <a:lstStyle/>
+          <a:p>
+            <a:r>
+              <a:rPr lang="en-US" dirty="0" smtClean="0"/>
+              <a:t>Introduction</a:t>
+            </a:r>
+          </a:p>
+          <a:p>
+            <a:r>
+              <a:rPr lang="en-US" dirty="0" smtClean="0"/>
+              <a:t>Materials and Methods</a:t>
+            </a:r>
+            <a:endParaRPr lang="en-US" b="1" dirty="0" smtClean="0"/>
+          </a:p>
+          <a:p>
+            <a:r>
+              <a:rPr lang="en-US" dirty="0" smtClean="0"/>
+              <a:t>Expected Results</a:t>
+            </a:r>
+          </a:p>
+          <a:p>
+            <a:r>
+              <a:rPr lang="en-US" b="1" dirty="0"/>
+              <a:t>Challenges</a:t>
+            </a:r>
+            <a:endParaRPr lang="en-US" b="1" dirty="0" smtClean="0"/>
+          </a:p>
+          <a:p>
+            <a:r>
+              <a:rPr lang="en-US" dirty="0"/>
+              <a:t>Timetable</a:t>
+            </a:r>
+          </a:p>
+        </p:txBody>
+      </p:sp>
+      <p:sp>
+        <p:nvSpPr>
+          <p:cNvPr id="5" name="Footer Placeholder 4"/>
+          <p:cNvSpPr>
+            <a:spLocks noGrp="1"/>
+          </p:cNvSpPr>
+          <p:nvPr>
+            <p:ph type="ftr" sz="quarter" idx="11"/>
+          </p:nvPr>
+        </p:nvSpPr>
+        <p:spPr/>
+        <p:txBody>
+          <a:bodyPr/>
+          <a:lstStyle/>
+          <a:p>
+            <a:r>
+              <a:rPr lang="en-US" smtClean="0"/>
+              <a:t>MSc. Concept Presentation David Schenkel</a:t>
+            </a:r>
+            <a:endParaRPr lang="en-US"/>
+          </a:p>
+        </p:txBody>
+      </p:sp>
+      <p:sp>
+        <p:nvSpPr>
+          <p:cNvPr id="6" name="Slide Number Placeholder 5"/>
+          <p:cNvSpPr>
+            <a:spLocks noGrp="1"/>
+          </p:cNvSpPr>
+          <p:nvPr>
+            <p:ph type="sldNum" sz="quarter" idx="12"/>
+          </p:nvPr>
+        </p:nvSpPr>
+        <p:spPr/>
+        <p:txBody>
+          <a:bodyPr/>
+          <a:lstStyle/>
+          <a:p>
+            <a:fld id="{BA9B540C-44DA-4F69-89C9-7C84606640D3}" type="slidenum">
+              <a:rPr lang="en-US" smtClean="0"/>
+              <a:pPr/>
+              <a:t>20</a:t>
             </a:fld>
             <a:endParaRPr lang="en-US"/>
           </a:p>
@@ -6271,7 +7199,7 @@
 </p:sld>
 </file>
 
-<file path=ppt/slides/slide18.xml><?xml version="1.0" encoding="utf-8"?>
+<file path=ppt/slides/slide21.xml><?xml version="1.0" encoding="utf-8"?>
 <p:sld xmlns:a="http://schemas.openxmlformats.org/drawingml/2006/main" xmlns:r="http://schemas.openxmlformats.org/officeDocument/2006/relationships" xmlns:p="http://schemas.openxmlformats.org/presentationml/2006/main">
   <p:cSld>
     <p:spTree>
@@ -6304,14 +7232,20 @@
           <a:lstStyle/>
           <a:p>
             <a:r>
-              <a:rPr lang="en-GB" dirty="0"/>
-              <a:t>LAI Dataset Comparison</a:t>
-            </a:r>
-            <a:r>
-              <a:rPr lang="de-CH" dirty="0" smtClean="0">
-                <a:effectLst/>
-              </a:rPr>
-              <a:t> </a:t>
+              <a:rPr lang="de-CH" dirty="0" err="1" smtClean="0"/>
+              <a:t>Limitations</a:t>
+            </a:r>
+            <a:r>
+              <a:rPr lang="de-CH" dirty="0" smtClean="0"/>
+              <a:t>: </a:t>
+            </a:r>
+            <a:r>
+              <a:rPr lang="de-CH" dirty="0" smtClean="0"/>
+              <a:t>LAI </a:t>
+            </a:r>
+            <a:r>
+              <a:rPr lang="de-CH" dirty="0" err="1" smtClean="0"/>
+              <a:t>datasets</a:t>
             </a:r>
             <a:endParaRPr lang="en-US" dirty="0"/>
           </a:p>
@@ -6347,15 +7281,7 @@
             </a:r>
             <a:r>
               <a:rPr lang="en-GB" dirty="0" smtClean="0"/>
-              <a:t>verification of </a:t>
-            </a:r>
-            <a:r>
-              <a:rPr lang="en-GB" dirty="0" smtClean="0"/>
-              <a:t>LAI-re </a:t>
-            </a:r>
-            <a:r>
-              <a:rPr lang="en-GB" dirty="0" smtClean="0"/>
-              <a:t>possible </a:t>
+              <a:t>verification of LAI-re possible </a:t>
             </a:r>
             <a:r>
               <a:rPr lang="en-GB" dirty="0"/>
@@ -6367,7 +7293,11 @@
             <a:pPr lvl="0"/>
             <a:r>
               <a:rPr lang="en-GB" dirty="0"/>
-              <a:t>Differences in both datasets could arise for several reasons:</a:t>
+              <a:t>Differences in both datasets could arise for several </a:t>
+            </a:r>
+            <a:r>
+              <a:rPr lang="en-GB" dirty="0" smtClean="0"/>
+              <a:t>reasons</a:t>
             </a:r>
             <a:endParaRPr lang="de-CH" dirty="0"/>
           </a:p>
@@ -6437,7 +7367,7 @@
             <a:fld id="{BA9B540C-44DA-4F69-89C9-7C84606640D3}" type="slidenum">
               <a:rPr lang="en-US" smtClean="0"/>
               <a:pPr/>
-              <a:t>18</a:t>
+              <a:t>21</a:t>
             </a:fld>
             <a:endParaRPr lang="en-US"/>
           </a:p>
@@ -6631,15 +7561,7 @@
             <a:p>
               <a:r>
                 <a:rPr lang="en-US" dirty="0" smtClean="0"/>
-                <a:t>Introduction | Materials </a:t>
-              </a:r>
-              <a:r>
-                <a:rPr lang="en-US" dirty="0" smtClean="0"/>
-                <a:t>&amp; Method </a:t>
-              </a:r>
-              <a:r>
-                <a:rPr lang="en-US" dirty="0" smtClean="0"/>
-                <a:t>| Expected Results | </a:t>
+                <a:t>Introduction | Materials &amp; Method | Expected Results | </a:t>
               </a:r>
               <a:r>
                 <a:rPr lang="en-US" b="1" dirty="0" smtClean="0"/>
@@ -6674,7 +7596,7 @@
 </p:sld>
 </file>
 
-<file path=ppt/slides/slide19.xml><?xml version="1.0" encoding="utf-8"?>
+<file path=ppt/slides/slide22.xml><?xml version="1.0" encoding="utf-8"?>
 <p:sld xmlns:a="http://schemas.openxmlformats.org/drawingml/2006/main" xmlns:r="http://schemas.openxmlformats.org/officeDocument/2006/relationships" xmlns:p="http://schemas.openxmlformats.org/presentationml/2006/main">
   <p:cSld>
     <p:spTree>
@@ -6710,7 +7632,11 @@
           <a:p>
             <a:r>
               <a:rPr lang="en-GB" dirty="0" smtClean="0"/>
-              <a:t>Climatic Controls</a:t>
+              <a:t>Limitations: Climatic </a:t>
+            </a:r>
+            <a:r>
+              <a:rPr lang="en-GB" dirty="0" smtClean="0"/>
+              <a:t>Controls</a:t>
             </a:r>
             <a:endParaRPr lang="en-US" dirty="0"/>
           </a:p>
@@ -6812,7 +7738,7 @@
             <a:fld id="{BA9B540C-44DA-4F69-89C9-7C84606640D3}" type="slidenum">
               <a:rPr lang="en-US" smtClean="0"/>
               <a:pPr/>
-              <a:t>19</a:t>
+              <a:t>22</a:t>
             </a:fld>
             <a:endParaRPr lang="en-US"/>
           </a:p>
@@ -7006,15 +7932,7 @@
             <a:p>
               <a:r>
                 <a:rPr lang="en-US" dirty="0" smtClean="0"/>
-                <a:t>Introduction | Materials </a:t>
-              </a:r>
-              <a:r>
-                <a:rPr lang="en-US" dirty="0" smtClean="0"/>
-                <a:t>&amp; Method </a:t>
-              </a:r>
-              <a:r>
-                <a:rPr lang="en-US" dirty="0" smtClean="0"/>
-                <a:t>| Expected Results | </a:t>
+                <a:t>Introduction | Materials &amp; Method | Expected Results | </a:t>
               </a:r>
               <a:r>
                 <a:rPr lang="en-US" b="1" dirty="0" smtClean="0"/>
@@ -7049,7 +7967,7 @@
 </p:sld>
 </file>
 
-<file path=ppt/slides/slide2.xml><?xml version="1.0" encoding="utf-8"?>
+<file path=ppt/slides/slide23.xml><?xml version="1.0" encoding="utf-8"?>
 <p:sld xmlns:a="http://schemas.openxmlformats.org/drawingml/2006/main" xmlns:r="http://schemas.openxmlformats.org/officeDocument/2006/relationships" xmlns:p="http://schemas.openxmlformats.org/presentationml/2006/main">
   <p:cSld>
     <p:spTree>
@@ -7078,67 +7996,96 @@
         </p:nvSpPr>
         <p:spPr/>
         <p:txBody>
+          <a:bodyPr>
+            <a:normAutofit/>
+          </a:bodyPr>
+          <a:lstStyle/>
+          <a:p>
+            <a:r>
+              <a:rPr lang="en-GB" dirty="0" smtClean="0"/>
+              <a:t>Challenges</a:t>
+            </a:r>
+            <a:endParaRPr lang="en-US" dirty="0"/>
+          </a:p>
+        </p:txBody>
+      </p:sp>
+      <p:sp>
+        <p:nvSpPr>
+          <p:cNvPr id="3" name="Content Placeholder 2"/>
+          <p:cNvSpPr>
+            <a:spLocks noGrp="1"/>
+          </p:cNvSpPr>
+          <p:nvPr>
+            <p:ph idx="1"/>
+          </p:nvPr>
+        </p:nvSpPr>
+        <p:spPr/>
+        <p:txBody>
           <a:bodyPr/>
           <a:lstStyle/>
           <a:p>
-            <a:r>
-              <a:rPr lang="en-US" dirty="0" smtClean="0"/>
-              <a:t>Contents</a:t>
-            </a:r>
+            <a:pPr lvl="0"/>
+            <a:r>
+              <a:rPr lang="en-GB" dirty="0"/>
+              <a:t>Explorative approach</a:t>
+            </a:r>
+            <a:endParaRPr lang="de-CH" dirty="0"/>
+          </a:p>
+          <a:p>
+            <a:pPr lvl="1"/>
+            <a:r>
+              <a:rPr lang="en-GB" dirty="0"/>
+              <a:t>So many </a:t>
+            </a:r>
+            <a:r>
+              <a:rPr lang="en-GB" dirty="0" smtClean="0"/>
+              <a:t>possibilities</a:t>
+            </a:r>
+            <a:r>
+              <a:rPr lang="en-GB" dirty="0"/>
+              <a:t>, very little time</a:t>
+            </a:r>
+            <a:endParaRPr lang="de-CH" dirty="0"/>
+          </a:p>
+          <a:p>
+            <a:pPr lvl="0"/>
+            <a:r>
+              <a:rPr lang="en-GB" dirty="0" smtClean="0"/>
+              <a:t>(Almost) no </a:t>
+            </a:r>
+            <a:r>
+              <a:rPr lang="en-GB" dirty="0"/>
+              <a:t>prior work to draw </a:t>
+            </a:r>
+            <a:r>
+              <a:rPr lang="en-GB" dirty="0" smtClean="0"/>
+              <a:t>on</a:t>
+            </a:r>
+          </a:p>
+          <a:p>
+            <a:pPr lvl="0"/>
+            <a:r>
+              <a:rPr lang="en-GB" dirty="0" smtClean="0"/>
+              <a:t>Stratification of results (statistics by biome, PFT, </a:t>
+            </a:r>
+            <a:r>
+              <a:rPr lang="en-GB" dirty="0" err="1" smtClean="0"/>
+              <a:t>pixelwise</a:t>
+            </a:r>
+            <a:r>
+              <a:rPr lang="en-GB" dirty="0" smtClean="0"/>
+              <a:t>, …) not yet clear</a:t>
+            </a:r>
+            <a:endParaRPr lang="de-CH" dirty="0"/>
+          </a:p>
+          <a:p>
             <a:endParaRPr lang="en-US" dirty="0"/>
           </a:p>
         </p:txBody>
       </p:sp>
       <p:sp>
         <p:nvSpPr>
-          <p:cNvPr id="3" name="Content Placeholder 2"/>
-          <p:cNvSpPr>
-            <a:spLocks noGrp="1"/>
-          </p:cNvSpPr>
-          <p:nvPr>
-            <p:ph idx="1"/>
-          </p:nvPr>
-        </p:nvSpPr>
-        <p:spPr/>
-        <p:txBody>
-          <a:bodyPr/>
-          <a:lstStyle/>
-          <a:p>
-            <a:r>
-              <a:rPr lang="en-US" b="1" dirty="0" smtClean="0"/>
-              <a:t>Introduction</a:t>
-            </a:r>
-          </a:p>
-          <a:p>
-            <a:r>
-              <a:rPr lang="en-US" dirty="0" smtClean="0"/>
-              <a:t>Materials and Methods</a:t>
-            </a:r>
-          </a:p>
-          <a:p>
-            <a:r>
-              <a:rPr lang="en-US" dirty="0" smtClean="0"/>
-              <a:t>Expected Results</a:t>
-            </a:r>
-          </a:p>
-          <a:p>
-            <a:r>
-              <a:rPr lang="en-US" dirty="0" smtClean="0"/>
-              <a:t>Limitations &amp; Challenges</a:t>
-            </a:r>
-            <a:endParaRPr lang="en-US" dirty="0" smtClean="0"/>
-          </a:p>
-          <a:p>
-            <a:r>
-              <a:rPr lang="en-US" dirty="0" smtClean="0"/>
-              <a:t>Timetable</a:t>
-            </a:r>
-          </a:p>
-        </p:txBody>
-      </p:sp>
-      <p:sp>
-        <p:nvSpPr>
-          <p:cNvPr id="5" name="Footer Placeholder 4"/>
+          <p:cNvPr id="4" name="Footer Placeholder 3"/>
           <p:cNvSpPr>
             <a:spLocks noGrp="1"/>
           </p:cNvSpPr>
@@ -7161,7 +8108,7 @@
       </p:sp>
       <p:sp>
         <p:nvSpPr>
-          <p:cNvPr id="6" name="Slide Number Placeholder 5"/>
+          <p:cNvPr id="5" name="Slide Number Placeholder 4"/>
           <p:cNvSpPr>
             <a:spLocks noGrp="1"/>
           </p:cNvSpPr>
@@ -7177,194 +8124,7 @@
             <a:fld id="{BA9B540C-44DA-4F69-89C9-7C84606640D3}" type="slidenum">
               <a:rPr lang="en-US" smtClean="0"/>
               <a:pPr/>
-              <a:t>2</a:t>
-            </a:fld>
-            <a:endParaRPr lang="en-US"/>
-          </a:p>
-        </p:txBody>
-      </p:sp>
-    </p:spTree>
-    <p:extLst>
-      <p:ext uri="{BB962C8B-B14F-4D97-AF65-F5344CB8AC3E}">
-        <p14:creationId xmlns:p14="http://schemas.microsoft.com/office/powerpoint/2010/main" val="14853446"/>
-      </p:ext>
-    </p:extLst>
-  </p:cSld>
-  <p:clrMapOvr>
-    <a:masterClrMapping/>
-  </p:clrMapOvr>
-  <p:timing>
-    <p:tnLst>
-      <p:par>
-        <p:cTn xmlns:p14="http://schemas.microsoft.com/office/powerpoint/2010/main" id="1" dur="indefinite" restart="never" nodeType="tmRoot"/>
-      </p:par>
-    </p:tnLst>
-  </p:timing>
-</p:sld>
-</file>
-
-<file path=ppt/slides/slide20.xml><?xml version="1.0" encoding="utf-8"?>
-<p:sld xmlns:a="http://schemas.openxmlformats.org/drawingml/2006/main" xmlns:r="http://schemas.openxmlformats.org/officeDocument/2006/relationships" xmlns:p="http://schemas.openxmlformats.org/presentationml/2006/main">
-  <p:cSld>
-    <p:spTree>
-      <p:nvGrpSpPr>
-        <p:cNvPr id="1" name=""/>
-        <p:cNvGrpSpPr/>
-        <p:nvPr/>
-      </p:nvGrpSpPr>
-      <p:grpSpPr>
-        <a:xfrm>
-          <a:off x="0" y="0"/>
-          <a:ext cx="0" cy="0"/>
-          <a:chOff x="0" y="0"/>
-          <a:chExt cx="0" cy="0"/>
-        </a:xfrm>
-      </p:grpSpPr>
-      <p:sp>
-        <p:nvSpPr>
-          <p:cNvPr id="2" name="Title 1"/>
-          <p:cNvSpPr>
-            <a:spLocks noGrp="1"/>
-          </p:cNvSpPr>
-          <p:nvPr>
-            <p:ph type="title"/>
-          </p:nvPr>
-        </p:nvSpPr>
-        <p:spPr/>
-        <p:txBody>
-          <a:bodyPr>
-            <a:normAutofit/>
-          </a:bodyPr>
-          <a:lstStyle/>
-          <a:p>
-            <a:r>
-              <a:rPr lang="en-GB" dirty="0"/>
-              <a:t>Effect of Climatic Controls on </a:t>
-            </a:r>
-            <a:r>
-              <a:rPr lang="en-GB" dirty="0" smtClean="0"/>
-              <a:t>LSP</a:t>
-            </a:r>
-            <a:endParaRPr lang="en-US" dirty="0"/>
-          </a:p>
-        </p:txBody>
-      </p:sp>
-      <p:sp>
-        <p:nvSpPr>
-          <p:cNvPr id="3" name="Content Placeholder 2"/>
-          <p:cNvSpPr>
-            <a:spLocks noGrp="1"/>
-          </p:cNvSpPr>
-          <p:nvPr>
-            <p:ph idx="1"/>
-          </p:nvPr>
-        </p:nvSpPr>
-        <p:spPr/>
-        <p:txBody>
-          <a:bodyPr/>
-          <a:lstStyle/>
-          <a:p>
-            <a:pPr lvl="0"/>
-            <a:r>
-              <a:rPr lang="en-GB" dirty="0"/>
-              <a:t>Explorative approach</a:t>
-            </a:r>
-            <a:endParaRPr lang="de-CH" dirty="0"/>
-          </a:p>
-          <a:p>
-            <a:pPr lvl="1"/>
-            <a:r>
-              <a:rPr lang="en-GB" dirty="0"/>
-              <a:t>So many Possibilities, very little time</a:t>
-            </a:r>
-            <a:endParaRPr lang="de-CH" dirty="0"/>
-          </a:p>
-          <a:p>
-            <a:pPr lvl="0"/>
-            <a:r>
-              <a:rPr lang="en-GB" dirty="0" smtClean="0"/>
-              <a:t>(Almost) no </a:t>
-            </a:r>
-            <a:r>
-              <a:rPr lang="en-GB" dirty="0"/>
-              <a:t>prior work to draw </a:t>
-            </a:r>
-            <a:r>
-              <a:rPr lang="en-GB" dirty="0" smtClean="0"/>
-              <a:t>on</a:t>
-            </a:r>
-          </a:p>
-          <a:p>
-            <a:pPr lvl="0"/>
-            <a:r>
-              <a:rPr lang="en-GB" dirty="0" smtClean="0"/>
-              <a:t>Stratification of </a:t>
-            </a:r>
-            <a:r>
-              <a:rPr lang="en-GB" dirty="0" smtClean="0"/>
-              <a:t>results (statistics by biome, PFT, </a:t>
-            </a:r>
-            <a:r>
-              <a:rPr lang="en-GB" dirty="0" err="1" smtClean="0"/>
-              <a:t>pixelwise</a:t>
-            </a:r>
-            <a:r>
-              <a:rPr lang="en-GB" dirty="0" smtClean="0"/>
-              <a:t>, …</a:t>
-            </a:r>
-            <a:r>
-              <a:rPr lang="en-GB" dirty="0" smtClean="0"/>
-              <a:t>) not yet clear</a:t>
-            </a:r>
-            <a:endParaRPr lang="de-CH" dirty="0"/>
-          </a:p>
-          <a:p>
-            <a:endParaRPr lang="en-US" dirty="0"/>
-          </a:p>
-        </p:txBody>
-      </p:sp>
-      <p:sp>
-        <p:nvSpPr>
-          <p:cNvPr id="4" name="Footer Placeholder 3"/>
-          <p:cNvSpPr>
-            <a:spLocks noGrp="1"/>
-          </p:cNvSpPr>
-          <p:nvPr>
-            <p:ph type="ftr" sz="quarter" idx="11"/>
-          </p:nvPr>
-        </p:nvSpPr>
-        <p:spPr/>
-        <p:txBody>
-          <a:bodyPr/>
-          <a:lstStyle/>
-          <a:p>
-            <a:r>
-              <a:rPr lang="en-US" smtClean="0"/>
-              <a:t>MSc. Concept Presentation David Schenkel</a:t>
-            </a:r>
-            <a:endParaRPr lang="en-US"/>
-          </a:p>
-        </p:txBody>
-      </p:sp>
-      <p:sp>
-        <p:nvSpPr>
-          <p:cNvPr id="5" name="Slide Number Placeholder 4"/>
-          <p:cNvSpPr>
-            <a:spLocks noGrp="1"/>
-          </p:cNvSpPr>
-          <p:nvPr>
-            <p:ph type="sldNum" sz="quarter" idx="12"/>
-          </p:nvPr>
-        </p:nvSpPr>
-        <p:spPr/>
-        <p:txBody>
-          <a:bodyPr/>
-          <a:lstStyle/>
-          <a:p>
-            <a:fld id="{BA9B540C-44DA-4F69-89C9-7C84606640D3}" type="slidenum">
-              <a:rPr lang="en-US" smtClean="0"/>
-              <a:pPr/>
-              <a:t>20</a:t>
+              <a:t>23</a:t>
             </a:fld>
             <a:endParaRPr lang="en-US"/>
           </a:p>
@@ -7558,15 +8318,7 @@
             <a:p>
               <a:r>
                 <a:rPr lang="en-US" dirty="0" smtClean="0"/>
-                <a:t>Introduction | Materials </a:t>
-              </a:r>
-              <a:r>
-                <a:rPr lang="en-US" dirty="0" smtClean="0"/>
-                <a:t>&amp; Method </a:t>
-              </a:r>
-              <a:r>
-                <a:rPr lang="en-US" dirty="0" smtClean="0"/>
-                <a:t>| Expected Results | </a:t>
+                <a:t>Introduction | Materials &amp; Method | Expected Results | </a:t>
               </a:r>
               <a:r>
                 <a:rPr lang="en-US" b="1" dirty="0" smtClean="0"/>
@@ -7601,7 +8353,7 @@
 </p:sld>
 </file>
 
-<file path=ppt/slides/slide21.xml><?xml version="1.0" encoding="utf-8"?>
+<file path=ppt/slides/slide24.xml><?xml version="1.0" encoding="utf-8"?>
 <p:sld xmlns:a="http://schemas.openxmlformats.org/drawingml/2006/main" xmlns:r="http://schemas.openxmlformats.org/officeDocument/2006/relationships" xmlns:p="http://schemas.openxmlformats.org/presentationml/2006/main">
   <p:cSld>
     <p:spTree>
@@ -7687,7 +8439,7 @@
             <a:fld id="{BA9B540C-44DA-4F69-89C9-7C84606640D3}" type="slidenum">
               <a:rPr lang="en-US" smtClean="0"/>
               <a:pPr/>
-              <a:t>21</a:t>
+              <a:t>24</a:t>
             </a:fld>
             <a:endParaRPr lang="en-US"/>
           </a:p>
@@ -10696,17 +11448,7 @@
                           <a:effectLst/>
                           <a:latin typeface="Calibri"/>
                         </a:rPr>
-                        <a:t> </a:t>
-                      </a:r>
-                      <a:r>
-                        <a:rPr lang="en-US" sz="1400" b="0" i="0" u="none" strike="noStrike" dirty="0" smtClean="0">
-                          <a:solidFill>
-                            <a:srgbClr val="000000"/>
-                          </a:solidFill>
-                          <a:effectLst/>
-                          <a:latin typeface="Calibri"/>
-                        </a:rPr>
-                        <a:t>Final Presentation</a:t>
+                        <a:t> Final Presentation</a:t>
                       </a:r>
                       <a:endParaRPr lang="en-US" sz="1400" b="0" i="0" u="none" strike="noStrike" dirty="0">
                         <a:solidFill>
@@ -10849,23 +11591,7 @@
             <a:p>
               <a:r>
                 <a:rPr lang="en-US" dirty="0" smtClean="0"/>
-                <a:t>Introduction | Materials </a:t>
-              </a:r>
-              <a:r>
-                <a:rPr lang="en-US" dirty="0" smtClean="0"/>
-                <a:t>&amp; Method </a:t>
-              </a:r>
-              <a:r>
-                <a:rPr lang="en-US" dirty="0" smtClean="0"/>
-                <a:t>| Expected Results | </a:t>
-              </a:r>
-              <a:r>
-                <a:rPr lang="en-US" dirty="0" smtClean="0"/>
-                <a:t>Limitations &amp; Challenges </a:t>
-              </a:r>
-              <a:r>
-                <a:rPr lang="en-US" dirty="0" smtClean="0"/>
-                <a:t>| </a:t>
+                <a:t>Introduction | Materials &amp; Method | Expected Results | Limitations &amp; Challenges | </a:t>
               </a:r>
               <a:r>
                 <a:rPr lang="en-US" b="1" dirty="0" smtClean="0"/>
@@ -10880,585 +11606,6 @@
     <p:extLst>
       <p:ext uri="{BB962C8B-B14F-4D97-AF65-F5344CB8AC3E}">
         <p14:creationId xmlns:p14="http://schemas.microsoft.com/office/powerpoint/2010/main" val="465458837"/>
-      </p:ext>
-    </p:extLst>
-  </p:cSld>
-  <p:clrMapOvr>
-    <a:masterClrMapping/>
-  </p:clrMapOvr>
-  <p:timing>
-    <p:tnLst>
-      <p:par>
-        <p:cTn xmlns:p14="http://schemas.microsoft.com/office/powerpoint/2010/main" id="1" dur="indefinite" restart="never" nodeType="tmRoot"/>
-      </p:par>
-    </p:tnLst>
-  </p:timing>
-</p:sld>
-</file>
-
-<file path=ppt/slides/slide22.xml><?xml version="1.0" encoding="utf-8"?>
-<p:sld xmlns:a="http://schemas.openxmlformats.org/drawingml/2006/main" xmlns:r="http://schemas.openxmlformats.org/officeDocument/2006/relationships" xmlns:p="http://schemas.openxmlformats.org/presentationml/2006/main">
-  <p:cSld>
-    <p:spTree>
-      <p:nvGrpSpPr>
-        <p:cNvPr id="1" name=""/>
-        <p:cNvGrpSpPr/>
-        <p:nvPr/>
-      </p:nvGrpSpPr>
-      <p:grpSpPr>
-        <a:xfrm>
-          <a:off x="0" y="0"/>
-          <a:ext cx="0" cy="0"/>
-          <a:chOff x="0" y="0"/>
-          <a:chExt cx="0" cy="0"/>
-        </a:xfrm>
-      </p:grpSpPr>
-      <p:sp>
-        <p:nvSpPr>
-          <p:cNvPr id="2" name="Title 1"/>
-          <p:cNvSpPr>
-            <a:spLocks noGrp="1"/>
-          </p:cNvSpPr>
-          <p:nvPr>
-            <p:ph type="title"/>
-          </p:nvPr>
-        </p:nvSpPr>
-        <p:spPr/>
-        <p:txBody>
-          <a:bodyPr/>
-          <a:lstStyle/>
-          <a:p>
-            <a:r>
-              <a:rPr lang="en-US" dirty="0" smtClean="0"/>
-              <a:t>Literature</a:t>
-            </a:r>
-            <a:endParaRPr lang="en-US" dirty="0"/>
-          </a:p>
-        </p:txBody>
-      </p:sp>
-      <p:sp>
-        <p:nvSpPr>
-          <p:cNvPr id="3" name="Content Placeholder 2"/>
-          <p:cNvSpPr>
-            <a:spLocks noGrp="1"/>
-          </p:cNvSpPr>
-          <p:nvPr>
-            <p:ph idx="1"/>
-          </p:nvPr>
-        </p:nvSpPr>
-        <p:spPr/>
-        <p:txBody>
-          <a:bodyPr>
-            <a:normAutofit fontScale="62500" lnSpcReduction="20000"/>
-          </a:bodyPr>
-          <a:lstStyle/>
-          <a:p>
-            <a:r>
-              <a:rPr lang="en-US" i="1" dirty="0" err="1"/>
-              <a:t>Garonna</a:t>
-            </a:r>
-            <a:r>
-              <a:rPr lang="en-US" i="1" dirty="0"/>
-              <a:t>, I., de Jong, R., de Wit, A. J. W., </a:t>
-            </a:r>
-            <a:r>
-              <a:rPr lang="en-US" i="1" dirty="0" err="1"/>
-              <a:t>Mücher</a:t>
-            </a:r>
-            <a:r>
-              <a:rPr lang="en-US" i="1" dirty="0"/>
-              <a:t>, C. a, </a:t>
-            </a:r>
-            <a:r>
-              <a:rPr lang="en-US" i="1" dirty="0" err="1"/>
-              <a:t>Schmid</a:t>
-            </a:r>
-            <a:r>
-              <a:rPr lang="en-US" i="1" dirty="0"/>
-              <a:t>, B., &amp; </a:t>
-            </a:r>
-            <a:r>
-              <a:rPr lang="en-US" i="1" dirty="0" err="1"/>
-              <a:t>Schaepman</a:t>
-            </a:r>
-            <a:r>
-              <a:rPr lang="en-US" i="1" dirty="0"/>
-              <a:t>, M. E. (2014). </a:t>
-            </a:r>
-            <a:r>
-              <a:rPr lang="en-US" dirty="0"/>
-              <a:t>Strong contribution of autumn phenology to changes in satellite-derived growing season length estimates across Europe (1982-2011). Global Change Biology, 20(11), 3457–70</a:t>
-            </a:r>
-            <a:r>
-              <a:rPr lang="en-US" dirty="0" smtClean="0"/>
-              <a:t>.</a:t>
-            </a:r>
-            <a:endParaRPr lang="en-US" dirty="0"/>
-          </a:p>
-          <a:p>
-            <a:r>
-              <a:rPr lang="en-US" i="1" dirty="0"/>
-              <a:t>Jolly, W. M., </a:t>
-            </a:r>
-            <a:r>
-              <a:rPr lang="en-US" i="1" dirty="0" err="1"/>
-              <a:t>Nemani</a:t>
-            </a:r>
-            <a:r>
-              <a:rPr lang="en-US" i="1" dirty="0"/>
-              <a:t>, R., &amp; Running, S. W. (2005)</a:t>
-            </a:r>
-            <a:r>
-              <a:rPr lang="en-US" dirty="0"/>
-              <a:t>. A generalized, bioclimatic index to predict foliar phenology in response to climate. Global Change Biology, 11(4), 619–632. </a:t>
-            </a:r>
-            <a:endParaRPr lang="en-US" dirty="0" smtClean="0"/>
-          </a:p>
-          <a:p>
-            <a:r>
-              <a:rPr lang="en-US" i="1" dirty="0"/>
-              <a:t>Reed, B. C., Michael White, and </a:t>
-            </a:r>
-            <a:r>
-              <a:rPr lang="en-US" i="1" dirty="0" err="1"/>
-              <a:t>Jesslyn</a:t>
-            </a:r>
-            <a:r>
-              <a:rPr lang="en-US" i="1" dirty="0"/>
-              <a:t> F. Brown. (2003)</a:t>
-            </a:r>
-            <a:r>
-              <a:rPr lang="en-US" dirty="0"/>
-              <a:t>. “Remote Sensing Phenology.” Pp. 365–81 in Phenology: An Integra3ve Environmental Science SE - 23, vol. 39, edited by </a:t>
-            </a:r>
-            <a:r>
-              <a:rPr lang="en-US" dirty="0" err="1"/>
-              <a:t>MarkD</a:t>
-            </a:r>
-            <a:r>
-              <a:rPr lang="en-US" dirty="0"/>
-              <a:t>. Schwartz. Springer Netherlands</a:t>
-            </a:r>
-            <a:r>
-              <a:rPr lang="en-US" dirty="0" smtClean="0"/>
-              <a:t>.</a:t>
-            </a:r>
-            <a:endParaRPr lang="en-US" dirty="0"/>
-          </a:p>
-          <a:p>
-            <a:r>
-              <a:rPr lang="en-US" i="1" dirty="0" err="1"/>
-              <a:t>Roerink</a:t>
-            </a:r>
-            <a:r>
-              <a:rPr lang="en-US" i="1" dirty="0"/>
-              <a:t>, G. J., </a:t>
-            </a:r>
-            <a:r>
-              <a:rPr lang="en-US" i="1" dirty="0" err="1"/>
-              <a:t>Menenti</a:t>
-            </a:r>
-            <a:r>
-              <a:rPr lang="en-US" i="1" dirty="0"/>
-              <a:t>, M., &amp; </a:t>
-            </a:r>
-            <a:r>
-              <a:rPr lang="en-US" i="1" dirty="0" err="1"/>
-              <a:t>Verhoef</a:t>
-            </a:r>
-            <a:r>
-              <a:rPr lang="en-US" i="1" dirty="0"/>
-              <a:t>, W. (2000)</a:t>
-            </a:r>
-            <a:r>
-              <a:rPr lang="en-US" dirty="0"/>
-              <a:t>. Reconstructing </a:t>
-            </a:r>
-            <a:r>
-              <a:rPr lang="en-US" dirty="0" err="1"/>
-              <a:t>cloudfree</a:t>
-            </a:r>
-            <a:r>
-              <a:rPr lang="en-US" dirty="0"/>
-              <a:t> NDVI composites using Fourier analysis of time series. International Journal of Remote Sensing, 21(9), 1911–</a:t>
-            </a:r>
-            <a:r>
-              <a:rPr lang="en-US" dirty="0" smtClean="0"/>
-              <a:t>1917</a:t>
-            </a:r>
-            <a:endParaRPr lang="en-US" dirty="0"/>
-          </a:p>
-          <a:p>
-            <a:r>
-              <a:rPr lang="en-US" i="1" dirty="0" err="1"/>
-              <a:t>Stöckli</a:t>
-            </a:r>
-            <a:r>
-              <a:rPr lang="en-US" i="1" dirty="0"/>
-              <a:t>, R., </a:t>
-            </a:r>
-            <a:r>
-              <a:rPr lang="en-US" i="1" dirty="0" err="1"/>
-              <a:t>Rutishauser</a:t>
-            </a:r>
-            <a:r>
-              <a:rPr lang="en-US" i="1" dirty="0"/>
-              <a:t>, T., Baker, I., </a:t>
-            </a:r>
-            <a:r>
-              <a:rPr lang="en-US" i="1" dirty="0" err="1"/>
-              <a:t>Liniger</a:t>
-            </a:r>
-            <a:r>
-              <a:rPr lang="en-US" i="1" dirty="0"/>
-              <a:t>, M. a., &amp; Denning, a. S. (2011)</a:t>
-            </a:r>
-            <a:r>
-              <a:rPr lang="en-US" dirty="0"/>
-              <a:t>. A global reanalysis of vegetation phenology. Journal of Geophysical Research, 116(</a:t>
-            </a:r>
-            <a:r>
-              <a:rPr lang="en-US" dirty="0" smtClean="0"/>
-              <a:t>G3)</a:t>
-            </a:r>
-            <a:endParaRPr lang="en-US" dirty="0"/>
-          </a:p>
-          <a:p>
-            <a:endParaRPr lang="en-US" dirty="0"/>
-          </a:p>
-        </p:txBody>
-      </p:sp>
-      <p:sp>
-        <p:nvSpPr>
-          <p:cNvPr id="4" name="Footer Placeholder 3"/>
-          <p:cNvSpPr>
-            <a:spLocks noGrp="1"/>
-          </p:cNvSpPr>
-          <p:nvPr>
-            <p:ph type="ftr" sz="quarter" idx="11"/>
-          </p:nvPr>
-        </p:nvSpPr>
-        <p:spPr/>
-        <p:txBody>
-          <a:bodyPr/>
-          <a:lstStyle/>
-          <a:p>
-            <a:r>
-              <a:rPr lang="en-US" smtClean="0"/>
-              <a:t>MSc. Concept Presentation David Schenkel</a:t>
-            </a:r>
-            <a:endParaRPr lang="en-US"/>
-          </a:p>
-        </p:txBody>
-      </p:sp>
-      <p:sp>
-        <p:nvSpPr>
-          <p:cNvPr id="5" name="Slide Number Placeholder 4"/>
-          <p:cNvSpPr>
-            <a:spLocks noGrp="1"/>
-          </p:cNvSpPr>
-          <p:nvPr>
-            <p:ph type="sldNum" sz="quarter" idx="12"/>
-          </p:nvPr>
-        </p:nvSpPr>
-        <p:spPr/>
-        <p:txBody>
-          <a:bodyPr/>
-          <a:lstStyle/>
-          <a:p>
-            <a:fld id="{BA9B540C-44DA-4F69-89C9-7C84606640D3}" type="slidenum">
-              <a:rPr lang="en-US" smtClean="0"/>
-              <a:pPr/>
-              <a:t>22</a:t>
-            </a:fld>
-            <a:endParaRPr lang="en-US"/>
-          </a:p>
-        </p:txBody>
-      </p:sp>
-    </p:spTree>
-    <p:extLst>
-      <p:ext uri="{BB962C8B-B14F-4D97-AF65-F5344CB8AC3E}">
-        <p14:creationId xmlns:p14="http://schemas.microsoft.com/office/powerpoint/2010/main" val="2184761379"/>
-      </p:ext>
-    </p:extLst>
-  </p:cSld>
-  <p:clrMapOvr>
-    <a:masterClrMapping/>
-  </p:clrMapOvr>
-  <p:timing>
-    <p:tnLst>
-      <p:par>
-        <p:cTn xmlns:p14="http://schemas.microsoft.com/office/powerpoint/2010/main" id="1" dur="indefinite" restart="never" nodeType="tmRoot"/>
-      </p:par>
-    </p:tnLst>
-  </p:timing>
-</p:sld>
-</file>
-
-<file path=ppt/slides/slide23.xml><?xml version="1.0" encoding="utf-8"?>
-<p:sld xmlns:a="http://schemas.openxmlformats.org/drawingml/2006/main" xmlns:r="http://schemas.openxmlformats.org/officeDocument/2006/relationships" xmlns:p="http://schemas.openxmlformats.org/presentationml/2006/main">
-  <p:cSld>
-    <p:spTree>
-      <p:nvGrpSpPr>
-        <p:cNvPr id="1" name=""/>
-        <p:cNvGrpSpPr/>
-        <p:nvPr/>
-      </p:nvGrpSpPr>
-      <p:grpSpPr>
-        <a:xfrm>
-          <a:off x="0" y="0"/>
-          <a:ext cx="0" cy="0"/>
-          <a:chOff x="0" y="0"/>
-          <a:chExt cx="0" cy="0"/>
-        </a:xfrm>
-      </p:grpSpPr>
-      <p:sp>
-        <p:nvSpPr>
-          <p:cNvPr id="2" name="Title 1"/>
-          <p:cNvSpPr>
-            <a:spLocks noGrp="1"/>
-          </p:cNvSpPr>
-          <p:nvPr>
-            <p:ph type="title"/>
-          </p:nvPr>
-        </p:nvSpPr>
-        <p:spPr/>
-        <p:txBody>
-          <a:bodyPr/>
-          <a:lstStyle/>
-          <a:p>
-            <a:endParaRPr lang="en-US"/>
-          </a:p>
-        </p:txBody>
-      </p:sp>
-      <p:sp>
-        <p:nvSpPr>
-          <p:cNvPr id="3" name="Content Placeholder 2"/>
-          <p:cNvSpPr>
-            <a:spLocks noGrp="1"/>
-          </p:cNvSpPr>
-          <p:nvPr>
-            <p:ph idx="1"/>
-          </p:nvPr>
-        </p:nvSpPr>
-        <p:spPr/>
-        <p:txBody>
-          <a:bodyPr/>
-          <a:lstStyle/>
-          <a:p>
-            <a:pPr marL="0" indent="0" algn="ctr">
-              <a:buNone/>
-            </a:pPr>
-            <a:endParaRPr lang="en-US" dirty="0" smtClean="0"/>
-          </a:p>
-          <a:p>
-            <a:pPr marL="0" indent="0" algn="ctr">
-              <a:buNone/>
-            </a:pPr>
-            <a:r>
-              <a:rPr lang="en-US" dirty="0" smtClean="0"/>
-              <a:t>Thank you </a:t>
-            </a:r>
-            <a:r>
-              <a:rPr lang="en-US" dirty="0" smtClean="0"/>
-              <a:t>for your attention!</a:t>
-            </a:r>
-          </a:p>
-          <a:p>
-            <a:pPr marL="0" indent="0" algn="ctr">
-              <a:buNone/>
-            </a:pPr>
-            <a:endParaRPr lang="en-US" dirty="0"/>
-          </a:p>
-          <a:p>
-            <a:pPr marL="0" indent="0" algn="ctr">
-              <a:buNone/>
-            </a:pPr>
-            <a:r>
-              <a:rPr lang="en-US" dirty="0" smtClean="0"/>
-              <a:t>Question </a:t>
-            </a:r>
-            <a:r>
-              <a:rPr lang="en-US" dirty="0" smtClean="0"/>
-              <a:t>time…</a:t>
-            </a:r>
-            <a:endParaRPr lang="en-US" dirty="0"/>
-          </a:p>
-        </p:txBody>
-      </p:sp>
-      <p:sp>
-        <p:nvSpPr>
-          <p:cNvPr id="4" name="Footer Placeholder 3"/>
-          <p:cNvSpPr>
-            <a:spLocks noGrp="1"/>
-          </p:cNvSpPr>
-          <p:nvPr>
-            <p:ph type="ftr" sz="quarter" idx="11"/>
-          </p:nvPr>
-        </p:nvSpPr>
-        <p:spPr/>
-        <p:txBody>
-          <a:bodyPr/>
-          <a:lstStyle/>
-          <a:p>
-            <a:r>
-              <a:rPr lang="en-US" smtClean="0"/>
-              <a:t>MSc. Concept Presentation David Schenkel</a:t>
-            </a:r>
-            <a:endParaRPr lang="en-US"/>
-          </a:p>
-        </p:txBody>
-      </p:sp>
-      <p:sp>
-        <p:nvSpPr>
-          <p:cNvPr id="5" name="Slide Number Placeholder 4"/>
-          <p:cNvSpPr>
-            <a:spLocks noGrp="1"/>
-          </p:cNvSpPr>
-          <p:nvPr>
-            <p:ph type="sldNum" sz="quarter" idx="12"/>
-          </p:nvPr>
-        </p:nvSpPr>
-        <p:spPr/>
-        <p:txBody>
-          <a:bodyPr/>
-          <a:lstStyle/>
-          <a:p>
-            <a:fld id="{BA9B540C-44DA-4F69-89C9-7C84606640D3}" type="slidenum">
-              <a:rPr lang="en-US" smtClean="0"/>
-              <a:pPr/>
-              <a:t>23</a:t>
-            </a:fld>
-            <a:endParaRPr lang="en-US"/>
-          </a:p>
-        </p:txBody>
-      </p:sp>
-    </p:spTree>
-    <p:extLst>
-      <p:ext uri="{BB962C8B-B14F-4D97-AF65-F5344CB8AC3E}">
-        <p14:creationId xmlns:p14="http://schemas.microsoft.com/office/powerpoint/2010/main" val="638810489"/>
-      </p:ext>
-    </p:extLst>
-  </p:cSld>
-  <p:clrMapOvr>
-    <a:masterClrMapping/>
-  </p:clrMapOvr>
-  <p:timing>
-    <p:tnLst>
-      <p:par>
-        <p:cTn xmlns:p14="http://schemas.microsoft.com/office/powerpoint/2010/main" id="1" dur="indefinite" restart="never" nodeType="tmRoot"/>
-      </p:par>
-    </p:tnLst>
-  </p:timing>
-</p:sld>
-</file>
-
-<file path=ppt/slides/slide24.xml><?xml version="1.0" encoding="utf-8"?>
-<p:sld xmlns:a="http://schemas.openxmlformats.org/drawingml/2006/main" xmlns:r="http://schemas.openxmlformats.org/officeDocument/2006/relationships" xmlns:p="http://schemas.openxmlformats.org/presentationml/2006/main">
-  <p:cSld>
-    <p:spTree>
-      <p:nvGrpSpPr>
-        <p:cNvPr id="1" name=""/>
-        <p:cNvGrpSpPr/>
-        <p:nvPr/>
-      </p:nvGrpSpPr>
-      <p:grpSpPr>
-        <a:xfrm>
-          <a:off x="0" y="0"/>
-          <a:ext cx="0" cy="0"/>
-          <a:chOff x="0" y="0"/>
-          <a:chExt cx="0" cy="0"/>
-        </a:xfrm>
-      </p:grpSpPr>
-      <p:sp>
-        <p:nvSpPr>
-          <p:cNvPr id="2" name="Title 1"/>
-          <p:cNvSpPr>
-            <a:spLocks noGrp="1"/>
-          </p:cNvSpPr>
-          <p:nvPr>
-            <p:ph type="title"/>
-          </p:nvPr>
-        </p:nvSpPr>
-        <p:spPr/>
-        <p:txBody>
-          <a:bodyPr/>
-          <a:lstStyle/>
-          <a:p>
-            <a:endParaRPr lang="en-US"/>
-          </a:p>
-        </p:txBody>
-      </p:sp>
-      <p:sp>
-        <p:nvSpPr>
-          <p:cNvPr id="3" name="Content Placeholder 2"/>
-          <p:cNvSpPr>
-            <a:spLocks noGrp="1"/>
-          </p:cNvSpPr>
-          <p:nvPr>
-            <p:ph idx="1"/>
-          </p:nvPr>
-        </p:nvSpPr>
-        <p:spPr/>
-        <p:txBody>
-          <a:bodyPr/>
-          <a:lstStyle/>
-          <a:p>
-            <a:endParaRPr lang="en-US"/>
-          </a:p>
-        </p:txBody>
-      </p:sp>
-      <p:sp>
-        <p:nvSpPr>
-          <p:cNvPr id="4" name="Footer Placeholder 3"/>
-          <p:cNvSpPr>
-            <a:spLocks noGrp="1"/>
-          </p:cNvSpPr>
-          <p:nvPr>
-            <p:ph type="ftr" sz="quarter" idx="11"/>
-          </p:nvPr>
-        </p:nvSpPr>
-        <p:spPr/>
-        <p:txBody>
-          <a:bodyPr/>
-          <a:lstStyle/>
-          <a:p>
-            <a:r>
-              <a:rPr lang="en-US" smtClean="0"/>
-              <a:t>MSc. Concept Presentation David Schenkel</a:t>
-            </a:r>
-            <a:endParaRPr lang="en-US"/>
-          </a:p>
-        </p:txBody>
-      </p:sp>
-      <p:sp>
-        <p:nvSpPr>
-          <p:cNvPr id="5" name="Slide Number Placeholder 4"/>
-          <p:cNvSpPr>
-            <a:spLocks noGrp="1"/>
-          </p:cNvSpPr>
-          <p:nvPr>
-            <p:ph type="sldNum" sz="quarter" idx="12"/>
-          </p:nvPr>
-        </p:nvSpPr>
-        <p:spPr/>
-        <p:txBody>
-          <a:bodyPr/>
-          <a:lstStyle/>
-          <a:p>
-            <a:fld id="{BA9B540C-44DA-4F69-89C9-7C84606640D3}" type="slidenum">
-              <a:rPr lang="en-US" smtClean="0"/>
-              <a:pPr/>
-              <a:t>24</a:t>
-            </a:fld>
-            <a:endParaRPr lang="en-US"/>
-          </a:p>
-        </p:txBody>
-      </p:sp>
-    </p:spTree>
-    <p:extLst>
-      <p:ext uri="{BB962C8B-B14F-4D97-AF65-F5344CB8AC3E}">
-        <p14:creationId xmlns:p14="http://schemas.microsoft.com/office/powerpoint/2010/main" val="2627566711"/>
       </p:ext>
     </p:extLst>
   </p:cSld>
@@ -11509,6 +11656,577 @@
           <a:p>
             <a:r>
               <a:rPr lang="en-US" dirty="0" smtClean="0"/>
+              <a:t>Literature</a:t>
+            </a:r>
+            <a:endParaRPr lang="en-US" dirty="0"/>
+          </a:p>
+        </p:txBody>
+      </p:sp>
+      <p:sp>
+        <p:nvSpPr>
+          <p:cNvPr id="3" name="Content Placeholder 2"/>
+          <p:cNvSpPr>
+            <a:spLocks noGrp="1"/>
+          </p:cNvSpPr>
+          <p:nvPr>
+            <p:ph idx="1"/>
+          </p:nvPr>
+        </p:nvSpPr>
+        <p:spPr/>
+        <p:txBody>
+          <a:bodyPr>
+            <a:normAutofit fontScale="62500" lnSpcReduction="20000"/>
+          </a:bodyPr>
+          <a:lstStyle/>
+          <a:p>
+            <a:r>
+              <a:rPr lang="en-US" i="1" dirty="0" err="1"/>
+              <a:t>Garonna</a:t>
+            </a:r>
+            <a:r>
+              <a:rPr lang="en-US" i="1" dirty="0"/>
+              <a:t>, I., de Jong, R., de Wit, A. J. W., </a:t>
+            </a:r>
+            <a:r>
+              <a:rPr lang="en-US" i="1" dirty="0" err="1"/>
+              <a:t>Mücher</a:t>
+            </a:r>
+            <a:r>
+              <a:rPr lang="en-US" i="1" dirty="0"/>
+              <a:t>, C. a, </a:t>
+            </a:r>
+            <a:r>
+              <a:rPr lang="en-US" i="1" dirty="0" err="1"/>
+              <a:t>Schmid</a:t>
+            </a:r>
+            <a:r>
+              <a:rPr lang="en-US" i="1" dirty="0"/>
+              <a:t>, B., &amp; </a:t>
+            </a:r>
+            <a:r>
+              <a:rPr lang="en-US" i="1" dirty="0" err="1"/>
+              <a:t>Schaepman</a:t>
+            </a:r>
+            <a:r>
+              <a:rPr lang="en-US" i="1" dirty="0"/>
+              <a:t>, M. E. (2014). </a:t>
+            </a:r>
+            <a:r>
+              <a:rPr lang="en-US" dirty="0"/>
+              <a:t>Strong contribution of autumn phenology to changes in satellite-derived growing season length estimates across Europe (1982-2011). Global Change Biology, 20(11), 3457–70</a:t>
+            </a:r>
+            <a:r>
+              <a:rPr lang="en-US" dirty="0" smtClean="0"/>
+              <a:t>.</a:t>
+            </a:r>
+            <a:endParaRPr lang="en-US" dirty="0"/>
+          </a:p>
+          <a:p>
+            <a:r>
+              <a:rPr lang="en-US" i="1" dirty="0"/>
+              <a:t>Jolly, W. M., </a:t>
+            </a:r>
+            <a:r>
+              <a:rPr lang="en-US" i="1" dirty="0" err="1"/>
+              <a:t>Nemani</a:t>
+            </a:r>
+            <a:r>
+              <a:rPr lang="en-US" i="1" dirty="0"/>
+              <a:t>, R., &amp; Running, S. W. (2005)</a:t>
+            </a:r>
+            <a:r>
+              <a:rPr lang="en-US" dirty="0"/>
+              <a:t>. A generalized, bioclimatic index to predict foliar phenology in response to climate. Global Change Biology, 11(4), 619–632. </a:t>
+            </a:r>
+            <a:endParaRPr lang="en-US" dirty="0" smtClean="0"/>
+          </a:p>
+          <a:p>
+            <a:r>
+              <a:rPr lang="en-US" i="1" dirty="0"/>
+              <a:t>Reed, B. C., Michael White, and </a:t>
+            </a:r>
+            <a:r>
+              <a:rPr lang="en-US" i="1" dirty="0" err="1"/>
+              <a:t>Jesslyn</a:t>
+            </a:r>
+            <a:r>
+              <a:rPr lang="en-US" i="1" dirty="0"/>
+              <a:t> F. Brown. (2003)</a:t>
+            </a:r>
+            <a:r>
+              <a:rPr lang="en-US" dirty="0"/>
+              <a:t>. “Remote Sensing Phenology.” Pp. 365–81 in Phenology: An Integra3ve Environmental Science SE - 23, vol. 39, edited by </a:t>
+            </a:r>
+            <a:r>
+              <a:rPr lang="en-US" dirty="0" err="1"/>
+              <a:t>MarkD</a:t>
+            </a:r>
+            <a:r>
+              <a:rPr lang="en-US" dirty="0"/>
+              <a:t>. Schwartz. Springer Netherlands</a:t>
+            </a:r>
+            <a:r>
+              <a:rPr lang="en-US" dirty="0" smtClean="0"/>
+              <a:t>.</a:t>
+            </a:r>
+            <a:endParaRPr lang="en-US" dirty="0"/>
+          </a:p>
+          <a:p>
+            <a:r>
+              <a:rPr lang="en-US" i="1" dirty="0" err="1"/>
+              <a:t>Roerink</a:t>
+            </a:r>
+            <a:r>
+              <a:rPr lang="en-US" i="1" dirty="0"/>
+              <a:t>, G. J., </a:t>
+            </a:r>
+            <a:r>
+              <a:rPr lang="en-US" i="1" dirty="0" err="1"/>
+              <a:t>Menenti</a:t>
+            </a:r>
+            <a:r>
+              <a:rPr lang="en-US" i="1" dirty="0"/>
+              <a:t>, M., &amp; </a:t>
+            </a:r>
+            <a:r>
+              <a:rPr lang="en-US" i="1" dirty="0" err="1"/>
+              <a:t>Verhoef</a:t>
+            </a:r>
+            <a:r>
+              <a:rPr lang="en-US" i="1" dirty="0"/>
+              <a:t>, W. (2000)</a:t>
+            </a:r>
+            <a:r>
+              <a:rPr lang="en-US" dirty="0"/>
+              <a:t>. Reconstructing </a:t>
+            </a:r>
+            <a:r>
+              <a:rPr lang="en-US" dirty="0" err="1"/>
+              <a:t>cloudfree</a:t>
+            </a:r>
+            <a:r>
+              <a:rPr lang="en-US" dirty="0"/>
+              <a:t> NDVI composites using Fourier analysis of time series. International Journal of Remote Sensing, 21(9), 1911–</a:t>
+            </a:r>
+            <a:r>
+              <a:rPr lang="en-US" dirty="0" smtClean="0"/>
+              <a:t>1917</a:t>
+            </a:r>
+            <a:endParaRPr lang="en-US" dirty="0"/>
+          </a:p>
+          <a:p>
+            <a:r>
+              <a:rPr lang="en-US" i="1" dirty="0" err="1"/>
+              <a:t>Stöckli</a:t>
+            </a:r>
+            <a:r>
+              <a:rPr lang="en-US" i="1" dirty="0"/>
+              <a:t>, R., </a:t>
+            </a:r>
+            <a:r>
+              <a:rPr lang="en-US" i="1" dirty="0" err="1"/>
+              <a:t>Rutishauser</a:t>
+            </a:r>
+            <a:r>
+              <a:rPr lang="en-US" i="1" dirty="0"/>
+              <a:t>, T., Baker, I., </a:t>
+            </a:r>
+            <a:r>
+              <a:rPr lang="en-US" i="1" dirty="0" err="1"/>
+              <a:t>Liniger</a:t>
+            </a:r>
+            <a:r>
+              <a:rPr lang="en-US" i="1" dirty="0"/>
+              <a:t>, M. a., &amp; Denning, a. S. (2011)</a:t>
+            </a:r>
+            <a:r>
+              <a:rPr lang="en-US" dirty="0"/>
+              <a:t>. A global reanalysis of vegetation phenology. Journal of Geophysical Research, 116(</a:t>
+            </a:r>
+            <a:r>
+              <a:rPr lang="en-US" dirty="0" smtClean="0"/>
+              <a:t>G3)</a:t>
+            </a:r>
+            <a:endParaRPr lang="en-US" dirty="0"/>
+          </a:p>
+          <a:p>
+            <a:endParaRPr lang="en-US" dirty="0"/>
+          </a:p>
+        </p:txBody>
+      </p:sp>
+      <p:sp>
+        <p:nvSpPr>
+          <p:cNvPr id="4" name="Footer Placeholder 3"/>
+          <p:cNvSpPr>
+            <a:spLocks noGrp="1"/>
+          </p:cNvSpPr>
+          <p:nvPr>
+            <p:ph type="ftr" sz="quarter" idx="11"/>
+          </p:nvPr>
+        </p:nvSpPr>
+        <p:spPr/>
+        <p:txBody>
+          <a:bodyPr/>
+          <a:lstStyle/>
+          <a:p>
+            <a:r>
+              <a:rPr lang="en-US" smtClean="0"/>
+              <a:t>MSc. Concept Presentation David Schenkel</a:t>
+            </a:r>
+            <a:endParaRPr lang="en-US"/>
+          </a:p>
+        </p:txBody>
+      </p:sp>
+      <p:sp>
+        <p:nvSpPr>
+          <p:cNvPr id="5" name="Slide Number Placeholder 4"/>
+          <p:cNvSpPr>
+            <a:spLocks noGrp="1"/>
+          </p:cNvSpPr>
+          <p:nvPr>
+            <p:ph type="sldNum" sz="quarter" idx="12"/>
+          </p:nvPr>
+        </p:nvSpPr>
+        <p:spPr/>
+        <p:txBody>
+          <a:bodyPr/>
+          <a:lstStyle/>
+          <a:p>
+            <a:fld id="{BA9B540C-44DA-4F69-89C9-7C84606640D3}" type="slidenum">
+              <a:rPr lang="en-US" smtClean="0"/>
+              <a:pPr/>
+              <a:t>25</a:t>
+            </a:fld>
+            <a:endParaRPr lang="en-US"/>
+          </a:p>
+        </p:txBody>
+      </p:sp>
+    </p:spTree>
+    <p:extLst>
+      <p:ext uri="{BB962C8B-B14F-4D97-AF65-F5344CB8AC3E}">
+        <p14:creationId xmlns:p14="http://schemas.microsoft.com/office/powerpoint/2010/main" val="2184761379"/>
+      </p:ext>
+    </p:extLst>
+  </p:cSld>
+  <p:clrMapOvr>
+    <a:masterClrMapping/>
+  </p:clrMapOvr>
+  <p:timing>
+    <p:tnLst>
+      <p:par>
+        <p:cTn xmlns:p14="http://schemas.microsoft.com/office/powerpoint/2010/main" id="1" dur="indefinite" restart="never" nodeType="tmRoot"/>
+      </p:par>
+    </p:tnLst>
+  </p:timing>
+</p:sld>
+</file>
+
+<file path=ppt/slides/slide26.xml><?xml version="1.0" encoding="utf-8"?>
+<p:sld xmlns:a="http://schemas.openxmlformats.org/drawingml/2006/main" xmlns:r="http://schemas.openxmlformats.org/officeDocument/2006/relationships" xmlns:p="http://schemas.openxmlformats.org/presentationml/2006/main">
+  <p:cSld>
+    <p:spTree>
+      <p:nvGrpSpPr>
+        <p:cNvPr id="1" name=""/>
+        <p:cNvGrpSpPr/>
+        <p:nvPr/>
+      </p:nvGrpSpPr>
+      <p:grpSpPr>
+        <a:xfrm>
+          <a:off x="0" y="0"/>
+          <a:ext cx="0" cy="0"/>
+          <a:chOff x="0" y="0"/>
+          <a:chExt cx="0" cy="0"/>
+        </a:xfrm>
+      </p:grpSpPr>
+      <p:sp>
+        <p:nvSpPr>
+          <p:cNvPr id="2" name="Title 1"/>
+          <p:cNvSpPr>
+            <a:spLocks noGrp="1"/>
+          </p:cNvSpPr>
+          <p:nvPr>
+            <p:ph type="title"/>
+          </p:nvPr>
+        </p:nvSpPr>
+        <p:spPr/>
+        <p:txBody>
+          <a:bodyPr/>
+          <a:lstStyle/>
+          <a:p>
+            <a:endParaRPr lang="en-US"/>
+          </a:p>
+        </p:txBody>
+      </p:sp>
+      <p:sp>
+        <p:nvSpPr>
+          <p:cNvPr id="3" name="Content Placeholder 2"/>
+          <p:cNvSpPr>
+            <a:spLocks noGrp="1"/>
+          </p:cNvSpPr>
+          <p:nvPr>
+            <p:ph idx="1"/>
+          </p:nvPr>
+        </p:nvSpPr>
+        <p:spPr/>
+        <p:txBody>
+          <a:bodyPr/>
+          <a:lstStyle/>
+          <a:p>
+            <a:pPr marL="0" indent="0" algn="ctr">
+              <a:buNone/>
+            </a:pPr>
+            <a:endParaRPr lang="en-US" dirty="0" smtClean="0"/>
+          </a:p>
+          <a:p>
+            <a:pPr marL="0" indent="0" algn="ctr">
+              <a:buNone/>
+            </a:pPr>
+            <a:r>
+              <a:rPr lang="en-US" dirty="0" smtClean="0"/>
+              <a:t>Thank you for your attention!</a:t>
+            </a:r>
+          </a:p>
+          <a:p>
+            <a:pPr marL="0" indent="0" algn="ctr">
+              <a:buNone/>
+            </a:pPr>
+            <a:endParaRPr lang="en-US" dirty="0"/>
+          </a:p>
+          <a:p>
+            <a:pPr marL="0" indent="0" algn="ctr">
+              <a:buNone/>
+            </a:pPr>
+            <a:r>
+              <a:rPr lang="en-US" dirty="0" smtClean="0"/>
+              <a:t>Question time…</a:t>
+            </a:r>
+            <a:endParaRPr lang="en-US" dirty="0"/>
+          </a:p>
+        </p:txBody>
+      </p:sp>
+      <p:sp>
+        <p:nvSpPr>
+          <p:cNvPr id="4" name="Footer Placeholder 3"/>
+          <p:cNvSpPr>
+            <a:spLocks noGrp="1"/>
+          </p:cNvSpPr>
+          <p:nvPr>
+            <p:ph type="ftr" sz="quarter" idx="11"/>
+          </p:nvPr>
+        </p:nvSpPr>
+        <p:spPr/>
+        <p:txBody>
+          <a:bodyPr/>
+          <a:lstStyle/>
+          <a:p>
+            <a:r>
+              <a:rPr lang="en-US" smtClean="0"/>
+              <a:t>MSc. Concept Presentation David Schenkel</a:t>
+            </a:r>
+            <a:endParaRPr lang="en-US"/>
+          </a:p>
+        </p:txBody>
+      </p:sp>
+      <p:sp>
+        <p:nvSpPr>
+          <p:cNvPr id="5" name="Slide Number Placeholder 4"/>
+          <p:cNvSpPr>
+            <a:spLocks noGrp="1"/>
+          </p:cNvSpPr>
+          <p:nvPr>
+            <p:ph type="sldNum" sz="quarter" idx="12"/>
+          </p:nvPr>
+        </p:nvSpPr>
+        <p:spPr/>
+        <p:txBody>
+          <a:bodyPr/>
+          <a:lstStyle/>
+          <a:p>
+            <a:fld id="{BA9B540C-44DA-4F69-89C9-7C84606640D3}" type="slidenum">
+              <a:rPr lang="en-US" smtClean="0"/>
+              <a:pPr/>
+              <a:t>26</a:t>
+            </a:fld>
+            <a:endParaRPr lang="en-US"/>
+          </a:p>
+        </p:txBody>
+      </p:sp>
+    </p:spTree>
+    <p:extLst>
+      <p:ext uri="{BB962C8B-B14F-4D97-AF65-F5344CB8AC3E}">
+        <p14:creationId xmlns:p14="http://schemas.microsoft.com/office/powerpoint/2010/main" val="638810489"/>
+      </p:ext>
+    </p:extLst>
+  </p:cSld>
+  <p:clrMapOvr>
+    <a:masterClrMapping/>
+  </p:clrMapOvr>
+  <p:timing>
+    <p:tnLst>
+      <p:par>
+        <p:cTn xmlns:p14="http://schemas.microsoft.com/office/powerpoint/2010/main" id="1" dur="indefinite" restart="never" nodeType="tmRoot"/>
+      </p:par>
+    </p:tnLst>
+  </p:timing>
+</p:sld>
+</file>
+
+<file path=ppt/slides/slide27.xml><?xml version="1.0" encoding="utf-8"?>
+<p:sld xmlns:a="http://schemas.openxmlformats.org/drawingml/2006/main" xmlns:r="http://schemas.openxmlformats.org/officeDocument/2006/relationships" xmlns:p="http://schemas.openxmlformats.org/presentationml/2006/main">
+  <p:cSld>
+    <p:spTree>
+      <p:nvGrpSpPr>
+        <p:cNvPr id="1" name=""/>
+        <p:cNvGrpSpPr/>
+        <p:nvPr/>
+      </p:nvGrpSpPr>
+      <p:grpSpPr>
+        <a:xfrm>
+          <a:off x="0" y="0"/>
+          <a:ext cx="0" cy="0"/>
+          <a:chOff x="0" y="0"/>
+          <a:chExt cx="0" cy="0"/>
+        </a:xfrm>
+      </p:grpSpPr>
+      <p:sp>
+        <p:nvSpPr>
+          <p:cNvPr id="2" name="Title 1"/>
+          <p:cNvSpPr>
+            <a:spLocks noGrp="1"/>
+          </p:cNvSpPr>
+          <p:nvPr>
+            <p:ph type="title"/>
+          </p:nvPr>
+        </p:nvSpPr>
+        <p:spPr/>
+        <p:txBody>
+          <a:bodyPr/>
+          <a:lstStyle/>
+          <a:p>
+            <a:endParaRPr lang="en-US"/>
+          </a:p>
+        </p:txBody>
+      </p:sp>
+      <p:sp>
+        <p:nvSpPr>
+          <p:cNvPr id="3" name="Content Placeholder 2"/>
+          <p:cNvSpPr>
+            <a:spLocks noGrp="1"/>
+          </p:cNvSpPr>
+          <p:nvPr>
+            <p:ph idx="1"/>
+          </p:nvPr>
+        </p:nvSpPr>
+        <p:spPr/>
+        <p:txBody>
+          <a:bodyPr/>
+          <a:lstStyle/>
+          <a:p>
+            <a:endParaRPr lang="en-US"/>
+          </a:p>
+        </p:txBody>
+      </p:sp>
+      <p:sp>
+        <p:nvSpPr>
+          <p:cNvPr id="4" name="Footer Placeholder 3"/>
+          <p:cNvSpPr>
+            <a:spLocks noGrp="1"/>
+          </p:cNvSpPr>
+          <p:nvPr>
+            <p:ph type="ftr" sz="quarter" idx="11"/>
+          </p:nvPr>
+        </p:nvSpPr>
+        <p:spPr/>
+        <p:txBody>
+          <a:bodyPr/>
+          <a:lstStyle/>
+          <a:p>
+            <a:r>
+              <a:rPr lang="en-US" smtClean="0"/>
+              <a:t>MSc. Concept Presentation David Schenkel</a:t>
+            </a:r>
+            <a:endParaRPr lang="en-US"/>
+          </a:p>
+        </p:txBody>
+      </p:sp>
+      <p:sp>
+        <p:nvSpPr>
+          <p:cNvPr id="5" name="Slide Number Placeholder 4"/>
+          <p:cNvSpPr>
+            <a:spLocks noGrp="1"/>
+          </p:cNvSpPr>
+          <p:nvPr>
+            <p:ph type="sldNum" sz="quarter" idx="12"/>
+          </p:nvPr>
+        </p:nvSpPr>
+        <p:spPr/>
+        <p:txBody>
+          <a:bodyPr/>
+          <a:lstStyle/>
+          <a:p>
+            <a:fld id="{BA9B540C-44DA-4F69-89C9-7C84606640D3}" type="slidenum">
+              <a:rPr lang="en-US" smtClean="0"/>
+              <a:pPr/>
+              <a:t>27</a:t>
+            </a:fld>
+            <a:endParaRPr lang="en-US"/>
+          </a:p>
+        </p:txBody>
+      </p:sp>
+    </p:spTree>
+    <p:extLst>
+      <p:ext uri="{BB962C8B-B14F-4D97-AF65-F5344CB8AC3E}">
+        <p14:creationId xmlns:p14="http://schemas.microsoft.com/office/powerpoint/2010/main" val="2627566711"/>
+      </p:ext>
+    </p:extLst>
+  </p:cSld>
+  <p:clrMapOvr>
+    <a:masterClrMapping/>
+  </p:clrMapOvr>
+  <p:timing>
+    <p:tnLst>
+      <p:par>
+        <p:cTn xmlns:p14="http://schemas.microsoft.com/office/powerpoint/2010/main" id="1" dur="indefinite" restart="never" nodeType="tmRoot"/>
+      </p:par>
+    </p:tnLst>
+  </p:timing>
+</p:sld>
+</file>
+
+<file path=ppt/slides/slide28.xml><?xml version="1.0" encoding="utf-8"?>
+<p:sld xmlns:a="http://schemas.openxmlformats.org/drawingml/2006/main" xmlns:r="http://schemas.openxmlformats.org/officeDocument/2006/relationships" xmlns:p="http://schemas.openxmlformats.org/presentationml/2006/main">
+  <p:cSld>
+    <p:spTree>
+      <p:nvGrpSpPr>
+        <p:cNvPr id="1" name=""/>
+        <p:cNvGrpSpPr/>
+        <p:nvPr/>
+      </p:nvGrpSpPr>
+      <p:grpSpPr>
+        <a:xfrm>
+          <a:off x="0" y="0"/>
+          <a:ext cx="0" cy="0"/>
+          <a:chOff x="0" y="0"/>
+          <a:chExt cx="0" cy="0"/>
+        </a:xfrm>
+      </p:grpSpPr>
+      <p:sp>
+        <p:nvSpPr>
+          <p:cNvPr id="2" name="Title 1"/>
+          <p:cNvSpPr>
+            <a:spLocks noGrp="1"/>
+          </p:cNvSpPr>
+          <p:nvPr>
+            <p:ph type="title"/>
+          </p:nvPr>
+        </p:nvSpPr>
+        <p:spPr/>
+        <p:txBody>
+          <a:bodyPr/>
+          <a:lstStyle/>
+          <a:p>
+            <a:r>
+              <a:rPr lang="en-US" dirty="0" smtClean="0"/>
               <a:t>MODIS! MODIS everywhere!</a:t>
             </a:r>
             <a:endParaRPr lang="en-US" dirty="0"/>
@@ -11539,11 +12257,7 @@
             <a:pPr lvl="1"/>
             <a:r>
               <a:rPr lang="en-US" dirty="0" smtClean="0"/>
-              <a:t>LAI-re and LAI3g both assimilated with MODIS LAI </a:t>
-            </a:r>
-            <a:r>
-              <a:rPr lang="en-US" dirty="0" smtClean="0"/>
-              <a:t>data</a:t>
+              <a:t>LAI-re and LAI3g both assimilated with MODIS LAI data</a:t>
             </a:r>
           </a:p>
           <a:p>
@@ -11552,33 +12266,12 @@
               <a:rPr lang="en-US" dirty="0" smtClean="0"/>
               <a:t>MODIS dataset only from year 2000 onwards</a:t>
             </a:r>
-            <a:endParaRPr lang="en-US" dirty="0" smtClean="0"/>
           </a:p>
           <a:p>
             <a:pPr lvl="1"/>
             <a:r>
               <a:rPr lang="en-US" dirty="0" smtClean="0"/>
-              <a:t>MODIS LAI has a </a:t>
-            </a:r>
-            <a:r>
-              <a:rPr lang="en-US" dirty="0" smtClean="0"/>
-              <a:t>much higher resolution – </a:t>
-            </a:r>
-            <a:r>
-              <a:rPr lang="en-US" dirty="0" smtClean="0"/>
-              <a:t>possible </a:t>
-            </a:r>
-            <a:r>
-              <a:rPr lang="en-US" dirty="0" smtClean="0"/>
-              <a:t>scaling </a:t>
-            </a:r>
-            <a:r>
-              <a:rPr lang="en-US" dirty="0" smtClean="0"/>
-              <a:t>effects (introduces more uncertainty</a:t>
-            </a:r>
-            <a:r>
-              <a:rPr lang="en-US" dirty="0" smtClean="0"/>
-              <a:t>)</a:t>
+              <a:t>MODIS LAI has a much higher resolution – possible scaling effects (introduces more uncertainty)</a:t>
             </a:r>
           </a:p>
           <a:p>
@@ -11638,7 +12331,7 @@
             <a:fld id="{BA9B540C-44DA-4F69-89C9-7C84606640D3}" type="slidenum">
               <a:rPr lang="en-US" smtClean="0"/>
               <a:pPr/>
-              <a:t>25</a:t>
+              <a:t>28</a:t>
             </a:fld>
             <a:endParaRPr lang="en-US"/>
           </a:p>
@@ -11698,7 +12391,7 @@
           <a:p>
             <a:r>
               <a:rPr lang="en-US" dirty="0" smtClean="0"/>
-              <a:t>Phenology and Climatic Controls</a:t>
+              <a:t>Phenology</a:t>
             </a:r>
             <a:endParaRPr lang="en-US" dirty="0"/>
           </a:p>
@@ -11765,6 +12458,31 @@
         <p:txBody>
           <a:bodyPr/>
           <a:lstStyle/>
+          <a:p>
+            <a:r>
+              <a:rPr lang="en-US" dirty="0" smtClean="0"/>
+              <a:t>Phenology important driver for ecosystems</a:t>
+            </a:r>
+            <a:endParaRPr lang="en-US" dirty="0" smtClean="0"/>
+          </a:p>
+          <a:p>
+            <a:r>
+              <a:rPr lang="en-US" dirty="0" smtClean="0"/>
+              <a:t>Mainly influenced by weather and climate</a:t>
+            </a:r>
+          </a:p>
+          <a:p>
+            <a:endParaRPr lang="en-US" dirty="0" smtClean="0"/>
+          </a:p>
+          <a:p>
+            <a:pPr marL="0" indent="0">
+              <a:buNone/>
+            </a:pPr>
+            <a:endParaRPr lang="en-US" dirty="0" smtClean="0"/>
+          </a:p>
+          <a:p>
+            <a:endParaRPr lang="en-US" dirty="0" smtClean="0"/>
+          </a:p>
           <a:p>
             <a:endParaRPr lang="en-US" dirty="0"/>
           </a:p>
@@ -11792,8 +12510,8 @@
         </p:blipFill>
         <p:spPr>
           <a:xfrm>
-            <a:off x="965200" y="1417638"/>
-            <a:ext cx="7269747" cy="4700519"/>
+            <a:off x="3886046" y="2761660"/>
+            <a:ext cx="4568066" cy="2953648"/>
           </a:xfrm>
           <a:prstGeom prst="rect">
             <a:avLst/>
@@ -11808,8 +12526,8 @@
         </p:nvSpPr>
         <p:spPr>
           <a:xfrm>
-            <a:off x="6420810" y="5756831"/>
-            <a:ext cx="2265990" cy="369332"/>
+            <a:off x="6991726" y="5546031"/>
+            <a:ext cx="1803473" cy="307777"/>
           </a:xfrm>
           <a:prstGeom prst="rect">
             <a:avLst/>
@@ -11823,10 +12541,10 @@
           <a:lstStyle/>
           <a:p>
             <a:r>
-              <a:rPr lang="en-US" dirty="0" smtClean="0"/>
+              <a:rPr lang="en-US" sz="1400" dirty="0" smtClean="0"/>
               <a:t>Richardson et al. 2013</a:t>
             </a:r>
-            <a:endParaRPr lang="en-US" dirty="0"/>
+            <a:endParaRPr lang="en-US" sz="1400" dirty="0"/>
           </a:p>
         </p:txBody>
       </p:sp>
@@ -11909,18 +12627,24 @@
         </p:nvSpPr>
         <p:spPr/>
         <p:txBody>
-          <a:bodyPr/>
-          <a:lstStyle/>
-          <a:p>
-            <a:r>
-              <a:rPr lang="en-GB" dirty="0" smtClean="0"/>
-              <a:t>What are limiting factors fo</a:t>
-            </a:r>
-            <a:r>
-              <a:rPr lang="en-GB" dirty="0" smtClean="0"/>
-              <a:t>r Phenology?</a:t>
-            </a:r>
-            <a:endParaRPr lang="en-GB" dirty="0"/>
+          <a:bodyPr>
+            <a:normAutofit/>
+          </a:bodyPr>
+          <a:lstStyle/>
+          <a:p>
+            <a:r>
+              <a:rPr lang="en-GB" sz="2800" dirty="0" smtClean="0"/>
+              <a:t>What are </a:t>
+            </a:r>
+            <a:r>
+              <a:rPr lang="en-GB" sz="2800" dirty="0" smtClean="0"/>
+              <a:t>limiting climatic </a:t>
+            </a:r>
+            <a:r>
+              <a:rPr lang="en-GB" sz="2800" dirty="0" smtClean="0"/>
+              <a:t>factors for Phenology?</a:t>
+            </a:r>
+            <a:endParaRPr lang="en-GB" sz="2800" dirty="0"/>
           </a:p>
         </p:txBody>
       </p:sp>
@@ -12064,27 +12788,7 @@
               </a:r>
               <a:r>
                 <a:rPr lang="en-US" dirty="0" smtClean="0"/>
-                <a:t> | Materials </a:t>
-              </a:r>
-              <a:r>
-                <a:rPr lang="en-US" dirty="0" smtClean="0"/>
-                <a:t>&amp; </a:t>
-              </a:r>
-              <a:r>
-                <a:rPr lang="en-US" dirty="0" smtClean="0"/>
-                <a:t>Method </a:t>
-              </a:r>
-              <a:r>
-                <a:rPr lang="en-US" dirty="0" smtClean="0"/>
-                <a:t>| Expected Results | </a:t>
-              </a:r>
-              <a:r>
-                <a:rPr lang="en-US" dirty="0" smtClean="0"/>
-                <a:t>Limitations &amp; Challenges </a:t>
-              </a:r>
-              <a:r>
-                <a:rPr lang="en-US" dirty="0" smtClean="0"/>
-                <a:t>| Timetable</a:t>
+                <a:t> | Materials &amp; Method | Expected Results | Limitations &amp; Challenges | Timetable</a:t>
               </a:r>
               <a:endParaRPr lang="en-US" dirty="0"/>
             </a:p>
@@ -12121,6 +12825,36 @@
           </a:prstGeom>
         </p:spPr>
       </p:pic>
+      <p:sp>
+        <p:nvSpPr>
+          <p:cNvPr id="11" name="TextBox 10"/>
+          <p:cNvSpPr txBox="1"/>
+          <p:nvPr/>
+        </p:nvSpPr>
+        <p:spPr>
+          <a:xfrm>
+            <a:off x="7371426" y="5405743"/>
+            <a:ext cx="801947" cy="276999"/>
+          </a:xfrm>
+          <a:prstGeom prst="rect">
+            <a:avLst/>
+          </a:prstGeom>
+          <a:noFill/>
+        </p:spPr>
+        <p:txBody>
+          <a:bodyPr wrap="none" rtlCol="0">
+            <a:spAutoFit/>
+          </a:bodyPr>
+          <a:lstStyle/>
+          <a:p>
+            <a:r>
+              <a:rPr lang="en-US" sz="1200" dirty="0" smtClean="0"/>
+              <a:t>Jolly 2005</a:t>
+            </a:r>
+            <a:endParaRPr lang="en-US" sz="1200" dirty="0"/>
+          </a:p>
+        </p:txBody>
+      </p:sp>
     </p:spTree>
     <p:extLst>
       <p:ext uri="{BB962C8B-B14F-4D97-AF65-F5344CB8AC3E}">
@@ -12170,6 +12904,515 @@
         </p:nvSpPr>
         <p:spPr/>
         <p:txBody>
+          <a:bodyPr/>
+          <a:lstStyle/>
+          <a:p>
+            <a:r>
+              <a:rPr lang="en-US" dirty="0" smtClean="0"/>
+              <a:t>Climatic Controls</a:t>
+            </a:r>
+            <a:endParaRPr lang="en-US" dirty="0"/>
+          </a:p>
+        </p:txBody>
+      </p:sp>
+      <p:sp>
+        <p:nvSpPr>
+          <p:cNvPr id="3" name="Content Placeholder 2"/>
+          <p:cNvSpPr>
+            <a:spLocks noGrp="1"/>
+          </p:cNvSpPr>
+          <p:nvPr>
+            <p:ph idx="1"/>
+          </p:nvPr>
+        </p:nvSpPr>
+        <p:spPr/>
+        <p:txBody>
+          <a:bodyPr/>
+          <a:lstStyle/>
+          <a:p>
+            <a:r>
+              <a:rPr lang="en-US" dirty="0" smtClean="0"/>
+              <a:t>Dominating climatic control changes over time</a:t>
+            </a:r>
+          </a:p>
+          <a:p>
+            <a:pPr lvl="1"/>
+            <a:r>
+              <a:rPr lang="en-US" dirty="0" smtClean="0"/>
+              <a:t>Intra-annually</a:t>
+            </a:r>
+          </a:p>
+          <a:p>
+            <a:pPr lvl="1"/>
+            <a:r>
+              <a:rPr lang="en-US" dirty="0" smtClean="0"/>
+              <a:t>Over the years?</a:t>
+            </a:r>
+          </a:p>
+        </p:txBody>
+      </p:sp>
+      <p:sp>
+        <p:nvSpPr>
+          <p:cNvPr id="4" name="Footer Placeholder 3"/>
+          <p:cNvSpPr>
+            <a:spLocks noGrp="1"/>
+          </p:cNvSpPr>
+          <p:nvPr>
+            <p:ph type="ftr" sz="quarter" idx="11"/>
+          </p:nvPr>
+        </p:nvSpPr>
+        <p:spPr/>
+        <p:txBody>
+          <a:bodyPr/>
+          <a:lstStyle/>
+          <a:p>
+            <a:r>
+              <a:rPr lang="en-US" smtClean="0"/>
+              <a:t>MSc. Concept Presentation David Schenkel</a:t>
+            </a:r>
+            <a:endParaRPr lang="en-US"/>
+          </a:p>
+        </p:txBody>
+      </p:sp>
+      <p:sp>
+        <p:nvSpPr>
+          <p:cNvPr id="5" name="Slide Number Placeholder 4"/>
+          <p:cNvSpPr>
+            <a:spLocks noGrp="1"/>
+          </p:cNvSpPr>
+          <p:nvPr>
+            <p:ph type="sldNum" sz="quarter" idx="12"/>
+          </p:nvPr>
+        </p:nvSpPr>
+        <p:spPr/>
+        <p:txBody>
+          <a:bodyPr/>
+          <a:lstStyle/>
+          <a:p>
+            <a:fld id="{BA9B540C-44DA-4F69-89C9-7C84606640D3}" type="slidenum">
+              <a:rPr lang="en-US" smtClean="0"/>
+              <a:pPr/>
+              <a:t>5</a:t>
+            </a:fld>
+            <a:endParaRPr lang="en-US" dirty="0"/>
+          </a:p>
+        </p:txBody>
+      </p:sp>
+      <p:pic>
+        <p:nvPicPr>
+          <p:cNvPr id="8" name="Picture 7" descr="gsi_mongolia.png"/>
+          <p:cNvPicPr>
+            <a:picLocks noChangeAspect="1"/>
+          </p:cNvPicPr>
+          <p:nvPr/>
+        </p:nvPicPr>
+        <p:blipFill rotWithShape="1">
+          <a:blip r:embed="rId2">
+            <a:extLst>
+              <a:ext uri="{28A0092B-C50C-407E-A947-70E740481C1C}">
+                <a14:useLocalDpi xmlns:a14="http://schemas.microsoft.com/office/drawing/2010/main" val="0"/>
+              </a:ext>
+            </a:extLst>
+          </a:blip>
+          <a:srcRect l="-148" r="148" b="3514"/>
+          <a:stretch/>
+        </p:blipFill>
+        <p:spPr>
+          <a:xfrm>
+            <a:off x="457200" y="3839415"/>
+            <a:ext cx="3248074" cy="2286748"/>
+          </a:xfrm>
+          <a:prstGeom prst="rect">
+            <a:avLst/>
+          </a:prstGeom>
+        </p:spPr>
+      </p:pic>
+      <p:pic>
+        <p:nvPicPr>
+          <p:cNvPr id="9" name="Picture 8" descr="gsi_legend.png"/>
+          <p:cNvPicPr>
+            <a:picLocks noChangeAspect="1"/>
+          </p:cNvPicPr>
+          <p:nvPr/>
+        </p:nvPicPr>
+        <p:blipFill>
+          <a:blip r:embed="rId3">
+            <a:extLst>
+              <a:ext uri="{28A0092B-C50C-407E-A947-70E740481C1C}">
+                <a14:useLocalDpi xmlns:a14="http://schemas.microsoft.com/office/drawing/2010/main" val="0"/>
+              </a:ext>
+            </a:extLst>
+          </a:blip>
+          <a:stretch>
+            <a:fillRect/>
+          </a:stretch>
+        </p:blipFill>
+        <p:spPr>
+          <a:xfrm>
+            <a:off x="6850493" y="4435795"/>
+            <a:ext cx="1681852" cy="590651"/>
+          </a:xfrm>
+          <a:prstGeom prst="rect">
+            <a:avLst/>
+          </a:prstGeom>
+        </p:spPr>
+      </p:pic>
+      <p:sp>
+        <p:nvSpPr>
+          <p:cNvPr id="10" name="Rectangle 9"/>
+          <p:cNvSpPr/>
+          <p:nvPr/>
+        </p:nvSpPr>
+        <p:spPr>
+          <a:xfrm>
+            <a:off x="300331" y="3698215"/>
+            <a:ext cx="454786" cy="454768"/>
+          </a:xfrm>
+          <a:prstGeom prst="rect">
+            <a:avLst/>
+          </a:prstGeom>
+          <a:solidFill>
+            <a:schemeClr val="bg1"/>
+          </a:solidFill>
+          <a:ln>
+            <a:noFill/>
+          </a:ln>
+          <a:effectLst/>
+        </p:spPr>
+        <p:style>
+          <a:lnRef idx="1">
+            <a:schemeClr val="accent1"/>
+          </a:lnRef>
+          <a:fillRef idx="3">
+            <a:schemeClr val="accent1"/>
+          </a:fillRef>
+          <a:effectRef idx="2">
+            <a:schemeClr val="accent1"/>
+          </a:effectRef>
+          <a:fontRef idx="minor">
+            <a:schemeClr val="lt1"/>
+          </a:fontRef>
+        </p:style>
+        <p:txBody>
+          <a:bodyPr rtlCol="0" anchor="ctr"/>
+          <a:lstStyle/>
+          <a:p>
+            <a:pPr algn="ctr"/>
+            <a:endParaRPr lang="en-US"/>
+          </a:p>
+        </p:txBody>
+      </p:sp>
+      <p:grpSp>
+        <p:nvGrpSpPr>
+          <p:cNvPr id="12" name="Group 11"/>
+          <p:cNvGrpSpPr/>
+          <p:nvPr/>
+        </p:nvGrpSpPr>
+        <p:grpSpPr>
+          <a:xfrm>
+            <a:off x="3609021" y="3762190"/>
+            <a:ext cx="3241472" cy="2403460"/>
+            <a:chOff x="3609020" y="3698215"/>
+            <a:chExt cx="3276541" cy="2427948"/>
+          </a:xfrm>
+        </p:grpSpPr>
+        <p:pic>
+          <p:nvPicPr>
+            <p:cNvPr id="7" name="Picture 6" descr="gsi_alaska.png"/>
+            <p:cNvPicPr>
+              <a:picLocks noChangeAspect="1"/>
+            </p:cNvPicPr>
+            <p:nvPr/>
+          </p:nvPicPr>
+          <p:blipFill rotWithShape="1">
+            <a:blip r:embed="rId4">
+              <a:extLst>
+                <a:ext uri="{28A0092B-C50C-407E-A947-70E740481C1C}">
+                  <a14:useLocalDpi xmlns:a14="http://schemas.microsoft.com/office/drawing/2010/main" val="0"/>
+                </a:ext>
+              </a:extLst>
+            </a:blip>
+            <a:srcRect l="1853" t="2833" b="2655"/>
+            <a:stretch/>
+          </p:blipFill>
+          <p:spPr>
+            <a:xfrm>
+              <a:off x="3705274" y="3912382"/>
+              <a:ext cx="3180287" cy="2213781"/>
+            </a:xfrm>
+            <a:prstGeom prst="rect">
+              <a:avLst/>
+            </a:prstGeom>
+          </p:spPr>
+        </p:pic>
+        <p:sp>
+          <p:nvSpPr>
+            <p:cNvPr id="11" name="Rectangle 10"/>
+            <p:cNvSpPr/>
+            <p:nvPr/>
+          </p:nvSpPr>
+          <p:spPr>
+            <a:xfrm>
+              <a:off x="3609020" y="3698215"/>
+              <a:ext cx="329604" cy="454768"/>
+            </a:xfrm>
+            <a:prstGeom prst="rect">
+              <a:avLst/>
+            </a:prstGeom>
+            <a:solidFill>
+              <a:schemeClr val="bg1"/>
+            </a:solidFill>
+            <a:ln>
+              <a:noFill/>
+            </a:ln>
+            <a:effectLst/>
+          </p:spPr>
+          <p:style>
+            <a:lnRef idx="1">
+              <a:schemeClr val="accent1"/>
+            </a:lnRef>
+            <a:fillRef idx="3">
+              <a:schemeClr val="accent1"/>
+            </a:fillRef>
+            <a:effectRef idx="2">
+              <a:schemeClr val="accent1"/>
+            </a:effectRef>
+            <a:fontRef idx="minor">
+              <a:schemeClr val="lt1"/>
+            </a:fontRef>
+          </p:style>
+          <p:txBody>
+            <a:bodyPr rtlCol="0" anchor="ctr"/>
+            <a:lstStyle/>
+            <a:p>
+              <a:pPr algn="ctr"/>
+              <a:endParaRPr lang="en-US"/>
+            </a:p>
+          </p:txBody>
+        </p:sp>
+      </p:grpSp>
+      <p:sp>
+        <p:nvSpPr>
+          <p:cNvPr id="13" name="TextBox 12"/>
+          <p:cNvSpPr txBox="1"/>
+          <p:nvPr/>
+        </p:nvSpPr>
+        <p:spPr>
+          <a:xfrm>
+            <a:off x="7524637" y="5495461"/>
+            <a:ext cx="1007708" cy="338554"/>
+          </a:xfrm>
+          <a:prstGeom prst="rect">
+            <a:avLst/>
+          </a:prstGeom>
+          <a:noFill/>
+        </p:spPr>
+        <p:txBody>
+          <a:bodyPr wrap="none" rtlCol="0">
+            <a:spAutoFit/>
+          </a:bodyPr>
+          <a:lstStyle/>
+          <a:p>
+            <a:r>
+              <a:rPr lang="en-US" sz="1600" dirty="0" smtClean="0"/>
+              <a:t>Jolly 2005</a:t>
+            </a:r>
+            <a:endParaRPr lang="en-US" sz="1600" dirty="0"/>
+          </a:p>
+        </p:txBody>
+      </p:sp>
+    </p:spTree>
+    <p:extLst>
+      <p:ext uri="{BB962C8B-B14F-4D97-AF65-F5344CB8AC3E}">
+        <p14:creationId xmlns:p14="http://schemas.microsoft.com/office/powerpoint/2010/main" val="56769752"/>
+      </p:ext>
+    </p:extLst>
+  </p:cSld>
+  <p:clrMapOvr>
+    <a:masterClrMapping/>
+  </p:clrMapOvr>
+</p:sld>
+</file>
+
+<file path=ppt/slides/slide6.xml><?xml version="1.0" encoding="utf-8"?>
+<p:sld xmlns:a="http://schemas.openxmlformats.org/drawingml/2006/main" xmlns:r="http://schemas.openxmlformats.org/officeDocument/2006/relationships" xmlns:p="http://schemas.openxmlformats.org/presentationml/2006/main">
+  <p:cSld>
+    <p:spTree>
+      <p:nvGrpSpPr>
+        <p:cNvPr id="1" name=""/>
+        <p:cNvGrpSpPr/>
+        <p:nvPr/>
+      </p:nvGrpSpPr>
+      <p:grpSpPr>
+        <a:xfrm>
+          <a:off x="0" y="0"/>
+          <a:ext cx="0" cy="0"/>
+          <a:chOff x="0" y="0"/>
+          <a:chExt cx="0" cy="0"/>
+        </a:xfrm>
+      </p:grpSpPr>
+      <p:sp>
+        <p:nvSpPr>
+          <p:cNvPr id="2" name="Title 1"/>
+          <p:cNvSpPr>
+            <a:spLocks noGrp="1"/>
+          </p:cNvSpPr>
+          <p:nvPr>
+            <p:ph type="title"/>
+          </p:nvPr>
+        </p:nvSpPr>
+        <p:spPr/>
+        <p:txBody>
+          <a:bodyPr/>
+          <a:lstStyle/>
+          <a:p>
+            <a:r>
+              <a:rPr lang="en-US" dirty="0" smtClean="0"/>
+              <a:t>How do we measure Phenology</a:t>
+            </a:r>
+            <a:endParaRPr lang="en-US" dirty="0"/>
+          </a:p>
+        </p:txBody>
+      </p:sp>
+      <p:sp>
+        <p:nvSpPr>
+          <p:cNvPr id="3" name="Content Placeholder 2"/>
+          <p:cNvSpPr>
+            <a:spLocks noGrp="1"/>
+          </p:cNvSpPr>
+          <p:nvPr>
+            <p:ph idx="1"/>
+          </p:nvPr>
+        </p:nvSpPr>
+        <p:spPr/>
+        <p:txBody>
+          <a:bodyPr/>
+          <a:lstStyle/>
+          <a:p>
+            <a:r>
+              <a:rPr lang="en-GB" dirty="0" smtClean="0"/>
+              <a:t>Phenology can be measured</a:t>
+            </a:r>
+          </a:p>
+          <a:p>
+            <a:pPr lvl="1"/>
+            <a:r>
+              <a:rPr lang="en-GB" dirty="0" smtClean="0"/>
+              <a:t>NDVI</a:t>
+            </a:r>
+          </a:p>
+          <a:p>
+            <a:pPr lvl="1"/>
+            <a:r>
+              <a:rPr lang="en-GB" dirty="0" smtClean="0"/>
+              <a:t>LAI</a:t>
+            </a:r>
+          </a:p>
+          <a:p>
+            <a:r>
+              <a:rPr lang="en-GB" dirty="0" smtClean="0"/>
+              <a:t>Phenology can be modelled</a:t>
+            </a:r>
+          </a:p>
+          <a:p>
+            <a:pPr lvl="1"/>
+            <a:r>
+              <a:rPr lang="en-GB" dirty="0" smtClean="0"/>
+              <a:t>Based on climatic controls</a:t>
+            </a:r>
+            <a:endParaRPr lang="en-GB" dirty="0"/>
+          </a:p>
+        </p:txBody>
+      </p:sp>
+      <p:sp>
+        <p:nvSpPr>
+          <p:cNvPr id="4" name="Footer Placeholder 3"/>
+          <p:cNvSpPr>
+            <a:spLocks noGrp="1"/>
+          </p:cNvSpPr>
+          <p:nvPr>
+            <p:ph type="ftr" sz="quarter" idx="11"/>
+          </p:nvPr>
+        </p:nvSpPr>
+        <p:spPr/>
+        <p:txBody>
+          <a:bodyPr/>
+          <a:lstStyle/>
+          <a:p>
+            <a:r>
+              <a:rPr lang="en-US" smtClean="0"/>
+              <a:t>MSc. Concept Presentation David Schenkel</a:t>
+            </a:r>
+            <a:endParaRPr lang="en-US"/>
+          </a:p>
+        </p:txBody>
+      </p:sp>
+      <p:sp>
+        <p:nvSpPr>
+          <p:cNvPr id="5" name="Slide Number Placeholder 4"/>
+          <p:cNvSpPr>
+            <a:spLocks noGrp="1"/>
+          </p:cNvSpPr>
+          <p:nvPr>
+            <p:ph type="sldNum" sz="quarter" idx="12"/>
+          </p:nvPr>
+        </p:nvSpPr>
+        <p:spPr/>
+        <p:txBody>
+          <a:bodyPr/>
+          <a:lstStyle/>
+          <a:p>
+            <a:fld id="{BA9B540C-44DA-4F69-89C9-7C84606640D3}" type="slidenum">
+              <a:rPr lang="en-US" smtClean="0"/>
+              <a:pPr/>
+              <a:t>6</a:t>
+            </a:fld>
+            <a:endParaRPr lang="en-US"/>
+          </a:p>
+        </p:txBody>
+      </p:sp>
+    </p:spTree>
+    <p:extLst>
+      <p:ext uri="{BB962C8B-B14F-4D97-AF65-F5344CB8AC3E}">
+        <p14:creationId xmlns:p14="http://schemas.microsoft.com/office/powerpoint/2010/main" val="2168629905"/>
+      </p:ext>
+    </p:extLst>
+  </p:cSld>
+  <p:clrMapOvr>
+    <a:masterClrMapping/>
+  </p:clrMapOvr>
+</p:sld>
+</file>
+
+<file path=ppt/slides/slide7.xml><?xml version="1.0" encoding="utf-8"?>
+<p:sld xmlns:a="http://schemas.openxmlformats.org/drawingml/2006/main" xmlns:r="http://schemas.openxmlformats.org/officeDocument/2006/relationships" xmlns:p="http://schemas.openxmlformats.org/presentationml/2006/main">
+  <p:cSld>
+    <p:spTree>
+      <p:nvGrpSpPr>
+        <p:cNvPr id="1" name=""/>
+        <p:cNvGrpSpPr/>
+        <p:nvPr/>
+      </p:nvGrpSpPr>
+      <p:grpSpPr>
+        <a:xfrm>
+          <a:off x="0" y="0"/>
+          <a:ext cx="0" cy="0"/>
+          <a:chOff x="0" y="0"/>
+          <a:chExt cx="0" cy="0"/>
+        </a:xfrm>
+      </p:grpSpPr>
+      <p:sp>
+        <p:nvSpPr>
+          <p:cNvPr id="2" name="Title 1"/>
+          <p:cNvSpPr>
+            <a:spLocks noGrp="1"/>
+          </p:cNvSpPr>
+          <p:nvPr>
+            <p:ph type="title"/>
+          </p:nvPr>
+        </p:nvSpPr>
+        <p:spPr/>
+        <p:txBody>
           <a:bodyPr>
             <a:normAutofit/>
           </a:bodyPr>
@@ -12214,11 +13457,7 @@
             </a:r>
             <a:r>
               <a:rPr lang="en-GB" dirty="0" smtClean="0"/>
-              <a:t>a modelled LAI </a:t>
-            </a:r>
-            <a:r>
-              <a:rPr lang="en-GB" dirty="0" smtClean="0"/>
-              <a:t>compare </a:t>
+              <a:t>a modelled LAI compare </a:t>
             </a:r>
             <a:r>
               <a:rPr lang="en-GB" dirty="0"/>
@@ -12226,11 +13465,7 @@
             </a:r>
             <a:r>
               <a:rPr lang="en-GB" dirty="0" smtClean="0"/>
-              <a:t>a remotely sensed </a:t>
-            </a:r>
-            <a:r>
-              <a:rPr lang="en-GB" dirty="0" smtClean="0"/>
-              <a:t>LAI? Where do </a:t>
+              <a:t>a remotely sensed LAI? Where do </a:t>
             </a:r>
             <a:r>
               <a:rPr lang="en-GB" dirty="0"/>
@@ -12248,20 +13483,16 @@
               <a:buAutoNum type="arabicPeriod"/>
             </a:pPr>
             <a:r>
+              <a:rPr lang="en-GB" dirty="0" smtClean="0"/>
+              <a:t>Does the impact of climatic </a:t>
+            </a:r>
+            <a:r>
               <a:rPr lang="en-GB" dirty="0"/>
-              <a:t>How do climatic controls </a:t>
+              <a:t>controls </a:t>
             </a:r>
             <a:r>
               <a:rPr lang="en-GB" dirty="0" smtClean="0"/>
-              <a:t>impact </a:t>
-            </a:r>
-            <a:r>
-              <a:rPr lang="en-GB" dirty="0"/>
-              <a:t>different </a:t>
-            </a:r>
-            <a:r>
-              <a:rPr lang="en-GB" dirty="0" smtClean="0"/>
-              <a:t>regions over time?</a:t>
+              <a:t>for different regions change over time?</a:t>
             </a:r>
             <a:endParaRPr lang="de-CH" dirty="0"/>
           </a:p>
@@ -12272,11 +13503,7 @@
             </a:pPr>
             <a:r>
               <a:rPr lang="en-GB" dirty="0" smtClean="0"/>
-              <a:t>Do </a:t>
-            </a:r>
-            <a:r>
-              <a:rPr lang="en-GB" dirty="0" smtClean="0"/>
-              <a:t>changes </a:t>
+              <a:t>Do changes </a:t>
             </a:r>
             <a:r>
               <a:rPr lang="en-GB" dirty="0"/>
@@ -12330,7 +13557,7 @@
             <a:fld id="{BA9B540C-44DA-4F69-89C9-7C84606640D3}" type="slidenum">
               <a:rPr lang="en-US" smtClean="0"/>
               <a:pPr/>
-              <a:t>5</a:t>
+              <a:t>7</a:t>
             </a:fld>
             <a:endParaRPr lang="en-US"/>
           </a:p>
@@ -12425,27 +13652,7 @@
               </a:r>
               <a:r>
                 <a:rPr lang="en-US" dirty="0" smtClean="0"/>
-                <a:t> | Materials </a:t>
-              </a:r>
-              <a:r>
-                <a:rPr lang="en-US" dirty="0" smtClean="0"/>
-                <a:t>&amp; </a:t>
-              </a:r>
-              <a:r>
-                <a:rPr lang="en-US" dirty="0" smtClean="0"/>
-                <a:t>Method </a:t>
-              </a:r>
-              <a:r>
-                <a:rPr lang="en-US" dirty="0" smtClean="0"/>
-                <a:t>| Expected Results | </a:t>
-              </a:r>
-              <a:r>
-                <a:rPr lang="en-US" dirty="0" smtClean="0"/>
-                <a:t>Limitations &amp; Challenges </a:t>
-              </a:r>
-              <a:r>
-                <a:rPr lang="en-US" dirty="0" smtClean="0"/>
-                <a:t>| Timetable</a:t>
+                <a:t> | Materials &amp; Method | Expected Results | Limitations &amp; Challenges | Timetable</a:t>
               </a:r>
               <a:endParaRPr lang="en-US" dirty="0"/>
             </a:p>
@@ -12472,7 +13679,7 @@
 </p:sld>
 </file>
 
-<file path=ppt/slides/slide6.xml><?xml version="1.0" encoding="utf-8"?>
+<file path=ppt/slides/slide8.xml><?xml version="1.0" encoding="utf-8"?>
 <p:sld xmlns:a="http://schemas.openxmlformats.org/drawingml/2006/main" xmlns:r="http://schemas.openxmlformats.org/officeDocument/2006/relationships" xmlns:p="http://schemas.openxmlformats.org/presentationml/2006/main">
   <p:cSld>
     <p:spTree>
@@ -12601,7 +13808,7 @@
             <a:fld id="{BA9B540C-44DA-4F69-89C9-7C84606640D3}" type="slidenum">
               <a:rPr lang="en-US" smtClean="0"/>
               <a:pPr/>
-              <a:t>6</a:t>
+              <a:t>8</a:t>
             </a:fld>
             <a:endParaRPr lang="en-US"/>
           </a:p>
@@ -12627,7 +13834,7 @@
 </p:sld>
 </file>
 
-<file path=ppt/slides/slide7.xml><?xml version="1.0" encoding="utf-8"?>
+<file path=ppt/slides/slide9.xml><?xml version="1.0" encoding="utf-8"?>
 <p:sld xmlns:a="http://schemas.openxmlformats.org/drawingml/2006/main" xmlns:r="http://schemas.openxmlformats.org/officeDocument/2006/relationships" xmlns:p="http://schemas.openxmlformats.org/presentationml/2006/main">
   <p:cSld>
     <p:spTree>
@@ -12682,7 +13889,7 @@
         <p:spPr/>
         <p:txBody>
           <a:bodyPr>
-            <a:normAutofit fontScale="92500"/>
+            <a:normAutofit lnSpcReduction="10000"/>
           </a:bodyPr>
           <a:lstStyle/>
           <a:p>
@@ -12706,22 +13913,31 @@
             <a:pPr lvl="1"/>
             <a:r>
               <a:rPr lang="en-GB" dirty="0" smtClean="0"/>
-              <a:t>Based on AVHRR/GIMMS NDVI3g </a:t>
-            </a:r>
+              <a:t>Based </a:t>
+            </a:r>
+            <a:r>
+              <a:rPr lang="en-GB" dirty="0" smtClean="0"/>
+              <a:t>on AVHRR</a:t>
+            </a:r>
+            <a:r>
+              <a:rPr lang="en-GB" dirty="0" smtClean="0"/>
+              <a:t>/GIMMS NDVI3g </a:t>
+            </a:r>
+            <a:r>
+              <a:rPr lang="en-GB" dirty="0" smtClean="0"/>
+              <a:t>data</a:t>
+            </a:r>
+            <a:endParaRPr lang="en-GB" dirty="0" smtClean="0"/>
           </a:p>
           <a:p>
             <a:pPr lvl="1"/>
             <a:r>
               <a:rPr lang="en-GB" dirty="0" smtClean="0"/>
-              <a:t>30 years </a:t>
+              <a:t>15</a:t>
             </a:r>
             <a:r>
               <a:rPr lang="en-GB" dirty="0" smtClean="0"/>
-              <a:t>of </a:t>
-            </a:r>
-            <a:r>
-              <a:rPr lang="en-GB" dirty="0" smtClean="0"/>
-              <a:t>global, 15-day composite LAI data</a:t>
+              <a:t>-day composite LAI data</a:t>
             </a:r>
           </a:p>
           <a:p>
@@ -12744,7 +13960,11 @@
             </a:r>
             <a:r>
               <a:rPr lang="en-GB" dirty="0" smtClean="0"/>
-              <a:t> degree</a:t>
+              <a:t> </a:t>
+            </a:r>
+            <a:r>
+              <a:rPr lang="en-GB" dirty="0" smtClean="0"/>
+              <a:t>degree</a:t>
             </a:r>
           </a:p>
           <a:p>
@@ -12765,26 +13985,14 @@
             <a:pPr lvl="1"/>
             <a:r>
               <a:rPr lang="en-GB" dirty="0" smtClean="0"/>
-              <a:t>33 </a:t>
-            </a:r>
+              <a:t>daily LAI and climatic control data</a:t>
+            </a:r>
+          </a:p>
+          <a:p>
+            <a:pPr lvl="1"/>
             <a:r>
               <a:rPr lang="en-GB" dirty="0" smtClean="0"/>
-              <a:t>years of </a:t>
-            </a:r>
-            <a:r>
-              <a:rPr lang="en-GB" dirty="0" smtClean="0"/>
-              <a:t>global, daily LAI and climatic control data</a:t>
-            </a:r>
-          </a:p>
-          <a:p>
-            <a:pPr lvl="1"/>
-            <a:r>
-              <a:rPr lang="en-GB" dirty="0" smtClean="0"/>
-              <a:t>spatial resolution ½ </a:t>
-            </a:r>
-            <a:r>
-              <a:rPr lang="en-GB" dirty="0" smtClean="0"/>
-              <a:t>degree</a:t>
+              <a:t>spatial resolution: ½ degree</a:t>
             </a:r>
             <a:endParaRPr lang="en-GB" dirty="0" smtClean="0"/>
           </a:p>
@@ -12831,7 +14039,7 @@
             <a:fld id="{BA9B540C-44DA-4F69-89C9-7C84606640D3}" type="slidenum">
               <a:rPr lang="en-US" smtClean="0"/>
               <a:pPr/>
-              <a:t>7</a:t>
+              <a:t>9</a:t>
             </a:fld>
             <a:endParaRPr lang="en-US"/>
           </a:p>
@@ -12926,27 +14134,11 @@
               </a:r>
               <a:r>
                 <a:rPr lang="en-US" b="1" dirty="0" smtClean="0"/>
-                <a:t>Materials </a:t>
-              </a:r>
-              <a:r>
-                <a:rPr lang="en-US" b="1" dirty="0" smtClean="0"/>
-                <a:t>&amp; </a:t>
-              </a:r>
-              <a:r>
-                <a:rPr lang="en-US" b="1" dirty="0" smtClean="0"/>
-                <a:t>Method </a:t>
+                <a:t>Materials &amp; Method </a:t>
               </a:r>
               <a:r>
                 <a:rPr lang="en-US" dirty="0" smtClean="0"/>
-                <a:t>| Expected Results | </a:t>
-              </a:r>
-              <a:r>
-                <a:rPr lang="en-US" dirty="0" smtClean="0"/>
-                <a:t>Limitations &amp; Challenges </a:t>
-              </a:r>
-              <a:r>
-                <a:rPr lang="en-US" dirty="0" smtClean="0"/>
-                <a:t>| Timetable</a:t>
+                <a:t>| Expected Results | Limitations &amp; Challenges | Timetable</a:t>
               </a:r>
               <a:endParaRPr lang="en-US" dirty="0"/>
             </a:p>
@@ -12957,752 +14149,6 @@
     <p:extLst>
       <p:ext uri="{BB962C8B-B14F-4D97-AF65-F5344CB8AC3E}">
         <p14:creationId xmlns:p14="http://schemas.microsoft.com/office/powerpoint/2010/main" val="514367902"/>
-      </p:ext>
-    </p:extLst>
-  </p:cSld>
-  <p:clrMapOvr>
-    <a:masterClrMapping/>
-  </p:clrMapOvr>
-  <p:timing>
-    <p:tnLst>
-      <p:par>
-        <p:cTn xmlns:p14="http://schemas.microsoft.com/office/powerpoint/2010/main" id="1" dur="indefinite" restart="never" nodeType="tmRoot"/>
-      </p:par>
-    </p:tnLst>
-  </p:timing>
-</p:sld>
-</file>
-
-<file path=ppt/slides/slide8.xml><?xml version="1.0" encoding="utf-8"?>
-<p:sld xmlns:a="http://schemas.openxmlformats.org/drawingml/2006/main" xmlns:r="http://schemas.openxmlformats.org/officeDocument/2006/relationships" xmlns:p="http://schemas.openxmlformats.org/presentationml/2006/main">
-  <p:cSld>
-    <p:spTree>
-      <p:nvGrpSpPr>
-        <p:cNvPr id="1" name=""/>
-        <p:cNvGrpSpPr/>
-        <p:nvPr/>
-      </p:nvGrpSpPr>
-      <p:grpSpPr>
-        <a:xfrm>
-          <a:off x="0" y="0"/>
-          <a:ext cx="0" cy="0"/>
-          <a:chOff x="0" y="0"/>
-          <a:chExt cx="0" cy="0"/>
-        </a:xfrm>
-      </p:grpSpPr>
-      <p:sp>
-        <p:nvSpPr>
-          <p:cNvPr id="2" name="Title 1"/>
-          <p:cNvSpPr>
-            <a:spLocks noGrp="1"/>
-          </p:cNvSpPr>
-          <p:nvPr>
-            <p:ph type="title"/>
-          </p:nvPr>
-        </p:nvSpPr>
-        <p:spPr/>
-        <p:txBody>
-          <a:bodyPr>
-            <a:normAutofit/>
-          </a:bodyPr>
-          <a:lstStyle/>
-          <a:p>
-            <a:r>
-              <a:rPr lang="en-GB" dirty="0"/>
-              <a:t>Climatic </a:t>
-            </a:r>
-            <a:r>
-              <a:rPr lang="en-GB" dirty="0" smtClean="0"/>
-              <a:t>Controls - GSI</a:t>
-            </a:r>
-            <a:endParaRPr lang="de-CH" dirty="0"/>
-          </a:p>
-        </p:txBody>
-      </p:sp>
-      <p:sp>
-        <p:nvSpPr>
-          <p:cNvPr id="3" name="Content Placeholder 2"/>
-          <p:cNvSpPr>
-            <a:spLocks noGrp="1"/>
-          </p:cNvSpPr>
-          <p:nvPr>
-            <p:ph idx="1"/>
-          </p:nvPr>
-        </p:nvSpPr>
-        <p:spPr/>
-        <p:txBody>
-          <a:bodyPr/>
-          <a:lstStyle/>
-          <a:p>
-            <a:r>
-              <a:rPr lang="en-GB" dirty="0" smtClean="0"/>
-              <a:t>Jolly’s (2005) Growing Season Index</a:t>
-            </a:r>
-          </a:p>
-          <a:p>
-            <a:pPr lvl="1"/>
-            <a:r>
-              <a:rPr lang="en-GB" dirty="0" smtClean="0"/>
-              <a:t>Based on </a:t>
-            </a:r>
-            <a:r>
-              <a:rPr lang="en-GB" dirty="0" err="1" smtClean="0"/>
-              <a:t>T</a:t>
-            </a:r>
-            <a:r>
-              <a:rPr lang="en-GB" baseline="-25000" dirty="0" err="1" smtClean="0"/>
-              <a:t>min</a:t>
-            </a:r>
-            <a:r>
-              <a:rPr lang="en-GB" dirty="0" smtClean="0"/>
-              <a:t>, Vapour Pressure Deficit (VPD) and photoperiod</a:t>
-            </a:r>
-          </a:p>
-          <a:p>
-            <a:pPr lvl="1"/>
-            <a:r>
-              <a:rPr lang="en-GB" dirty="0" smtClean="0"/>
-              <a:t>Simple linear relationships and thresholds</a:t>
-            </a:r>
-          </a:p>
-          <a:p>
-            <a:pPr lvl="1"/>
-            <a:r>
-              <a:rPr lang="en-GB" i="1" dirty="0" smtClean="0"/>
-              <a:t>GSI = </a:t>
-            </a:r>
-            <a:r>
-              <a:rPr lang="en-GB" i="1" dirty="0" err="1" smtClean="0"/>
-              <a:t>iT</a:t>
-            </a:r>
-            <a:r>
-              <a:rPr lang="en-GB" i="1" baseline="-25000" dirty="0" err="1" smtClean="0"/>
-              <a:t>min</a:t>
-            </a:r>
-            <a:r>
-              <a:rPr lang="en-GB" i="1" dirty="0" smtClean="0"/>
-              <a:t> * </a:t>
-            </a:r>
-            <a:r>
-              <a:rPr lang="en-GB" i="1" dirty="0" err="1"/>
-              <a:t>i</a:t>
-            </a:r>
-            <a:r>
-              <a:rPr lang="en-GB" i="1" dirty="0" err="1" smtClean="0"/>
-              <a:t>VPD</a:t>
-            </a:r>
-            <a:r>
-              <a:rPr lang="en-GB" i="1" dirty="0" smtClean="0"/>
-              <a:t> * iPhoto</a:t>
-            </a:r>
-            <a:endParaRPr lang="en-GB" i="1" dirty="0"/>
-          </a:p>
-        </p:txBody>
-      </p:sp>
-      <p:sp>
-        <p:nvSpPr>
-          <p:cNvPr id="4" name="Footer Placeholder 3"/>
-          <p:cNvSpPr>
-            <a:spLocks noGrp="1"/>
-          </p:cNvSpPr>
-          <p:nvPr>
-            <p:ph type="ftr" sz="quarter" idx="11"/>
-          </p:nvPr>
-        </p:nvSpPr>
-        <p:spPr/>
-        <p:txBody>
-          <a:bodyPr/>
-          <a:lstStyle/>
-          <a:p>
-            <a:r>
-              <a:rPr lang="en-US" smtClean="0"/>
-              <a:t>MSc. Concept Presentation David Schenkel</a:t>
-            </a:r>
-            <a:endParaRPr lang="en-US"/>
-          </a:p>
-        </p:txBody>
-      </p:sp>
-      <p:sp>
-        <p:nvSpPr>
-          <p:cNvPr id="5" name="Slide Number Placeholder 4"/>
-          <p:cNvSpPr>
-            <a:spLocks noGrp="1"/>
-          </p:cNvSpPr>
-          <p:nvPr>
-            <p:ph type="sldNum" sz="quarter" idx="12"/>
-          </p:nvPr>
-        </p:nvSpPr>
-        <p:spPr/>
-        <p:txBody>
-          <a:bodyPr/>
-          <a:lstStyle/>
-          <a:p>
-            <a:fld id="{BA9B540C-44DA-4F69-89C9-7C84606640D3}" type="slidenum">
-              <a:rPr lang="en-US" smtClean="0"/>
-              <a:pPr/>
-              <a:t>8</a:t>
-            </a:fld>
-            <a:endParaRPr lang="en-US"/>
-          </a:p>
-        </p:txBody>
-      </p:sp>
-      <p:pic>
-        <p:nvPicPr>
-          <p:cNvPr id="6" name="Picture 5" descr="jolly-R.png"/>
-          <p:cNvPicPr>
-            <a:picLocks noChangeAspect="1"/>
-          </p:cNvPicPr>
-          <p:nvPr/>
-        </p:nvPicPr>
-        <p:blipFill>
-          <a:blip r:embed="rId2">
-            <a:extLst>
-              <a:ext uri="{28A0092B-C50C-407E-A947-70E740481C1C}">
-                <a14:useLocalDpi xmlns:a14="http://schemas.microsoft.com/office/drawing/2010/main" val="0"/>
-              </a:ext>
-            </a:extLst>
-          </a:blip>
-          <a:stretch>
-            <a:fillRect/>
-          </a:stretch>
-        </p:blipFill>
-        <p:spPr>
-          <a:xfrm>
-            <a:off x="5801706" y="4329843"/>
-            <a:ext cx="2753065" cy="2026507"/>
-          </a:xfrm>
-          <a:prstGeom prst="rect">
-            <a:avLst/>
-          </a:prstGeom>
-        </p:spPr>
-      </p:pic>
-      <p:pic>
-        <p:nvPicPr>
-          <p:cNvPr id="7" name="Picture 6" descr="jolly-VPD.png"/>
-          <p:cNvPicPr>
-            <a:picLocks noChangeAspect="1"/>
-          </p:cNvPicPr>
-          <p:nvPr/>
-        </p:nvPicPr>
-        <p:blipFill>
-          <a:blip r:embed="rId3">
-            <a:extLst>
-              <a:ext uri="{28A0092B-C50C-407E-A947-70E740481C1C}">
-                <a14:useLocalDpi xmlns:a14="http://schemas.microsoft.com/office/drawing/2010/main" val="0"/>
-              </a:ext>
-            </a:extLst>
-          </a:blip>
-          <a:stretch>
-            <a:fillRect/>
-          </a:stretch>
-        </p:blipFill>
-        <p:spPr>
-          <a:xfrm>
-            <a:off x="3124200" y="4329843"/>
-            <a:ext cx="2740610" cy="2026507"/>
-          </a:xfrm>
-          <a:prstGeom prst="rect">
-            <a:avLst/>
-          </a:prstGeom>
-        </p:spPr>
-      </p:pic>
-      <p:pic>
-        <p:nvPicPr>
-          <p:cNvPr id="8" name="Picture 7" descr="jolly-T.png"/>
-          <p:cNvPicPr>
-            <a:picLocks noChangeAspect="1"/>
-          </p:cNvPicPr>
-          <p:nvPr/>
-        </p:nvPicPr>
-        <p:blipFill>
-          <a:blip r:embed="rId4">
-            <a:extLst>
-              <a:ext uri="{28A0092B-C50C-407E-A947-70E740481C1C}">
-                <a14:useLocalDpi xmlns:a14="http://schemas.microsoft.com/office/drawing/2010/main" val="0"/>
-              </a:ext>
-            </a:extLst>
-          </a:blip>
-          <a:stretch>
-            <a:fillRect/>
-          </a:stretch>
-        </p:blipFill>
-        <p:spPr>
-          <a:xfrm>
-            <a:off x="382083" y="4329843"/>
-            <a:ext cx="2764462" cy="2026507"/>
-          </a:xfrm>
-          <a:prstGeom prst="rect">
-            <a:avLst/>
-          </a:prstGeom>
-        </p:spPr>
-      </p:pic>
-      <p:sp>
-        <p:nvSpPr>
-          <p:cNvPr id="10" name="TextBox 9"/>
-          <p:cNvSpPr txBox="1"/>
-          <p:nvPr/>
-        </p:nvSpPr>
-        <p:spPr>
-          <a:xfrm>
-            <a:off x="542547" y="6217850"/>
-            <a:ext cx="1147520" cy="276999"/>
-          </a:xfrm>
-          <a:prstGeom prst="rect">
-            <a:avLst/>
-          </a:prstGeom>
-          <a:noFill/>
-        </p:spPr>
-        <p:txBody>
-          <a:bodyPr wrap="none" rtlCol="0">
-            <a:spAutoFit/>
-          </a:bodyPr>
-          <a:lstStyle/>
-          <a:p>
-            <a:r>
-              <a:rPr lang="en-US" sz="1200" dirty="0" smtClean="0"/>
-              <a:t>Jolly et al. 2005</a:t>
-            </a:r>
-            <a:endParaRPr lang="en-US" sz="1200" dirty="0"/>
-          </a:p>
-        </p:txBody>
-      </p:sp>
-      <p:grpSp>
-        <p:nvGrpSpPr>
-          <p:cNvPr id="29" name="Group 28"/>
-          <p:cNvGrpSpPr/>
-          <p:nvPr/>
-        </p:nvGrpSpPr>
-        <p:grpSpPr>
-          <a:xfrm>
-            <a:off x="0" y="0"/>
-            <a:ext cx="9144000" cy="384830"/>
-            <a:chOff x="0" y="0"/>
-            <a:chExt cx="9144000" cy="384830"/>
-          </a:xfrm>
-        </p:grpSpPr>
-        <p:sp>
-          <p:nvSpPr>
-            <p:cNvPr id="30" name="Rectangle 29"/>
-            <p:cNvSpPr/>
-            <p:nvPr/>
-          </p:nvSpPr>
-          <p:spPr>
-            <a:xfrm>
-              <a:off x="0" y="0"/>
-              <a:ext cx="9144000" cy="384830"/>
-            </a:xfrm>
-            <a:prstGeom prst="rect">
-              <a:avLst/>
-            </a:prstGeom>
-            <a:solidFill>
-              <a:schemeClr val="bg1">
-                <a:lumMod val="85000"/>
-              </a:schemeClr>
-            </a:solidFill>
-            <a:ln>
-              <a:noFill/>
-            </a:ln>
-            <a:effectLst/>
-          </p:spPr>
-          <p:style>
-            <a:lnRef idx="1">
-              <a:schemeClr val="accent1"/>
-            </a:lnRef>
-            <a:fillRef idx="3">
-              <a:schemeClr val="accent1"/>
-            </a:fillRef>
-            <a:effectRef idx="2">
-              <a:schemeClr val="accent1"/>
-            </a:effectRef>
-            <a:fontRef idx="minor">
-              <a:schemeClr val="lt1"/>
-            </a:fontRef>
-          </p:style>
-          <p:txBody>
-            <a:bodyPr rtlCol="0" anchor="ctr"/>
-            <a:lstStyle/>
-            <a:p>
-              <a:pPr algn="ctr"/>
-              <a:endParaRPr lang="en-US"/>
-            </a:p>
-          </p:txBody>
-        </p:sp>
-        <p:sp>
-          <p:nvSpPr>
-            <p:cNvPr id="31" name="TextBox 30"/>
-            <p:cNvSpPr txBox="1"/>
-            <p:nvPr/>
-          </p:nvSpPr>
-          <p:spPr>
-            <a:xfrm>
-              <a:off x="147053" y="13372"/>
-              <a:ext cx="8996947" cy="369332"/>
-            </a:xfrm>
-            <a:prstGeom prst="rect">
-              <a:avLst/>
-            </a:prstGeom>
-            <a:noFill/>
-          </p:spPr>
-          <p:txBody>
-            <a:bodyPr wrap="square" rtlCol="0">
-              <a:spAutoFit/>
-            </a:bodyPr>
-            <a:lstStyle/>
-            <a:p>
-              <a:r>
-                <a:rPr lang="en-US" dirty="0" smtClean="0"/>
-                <a:t>Introduction | </a:t>
-              </a:r>
-              <a:r>
-                <a:rPr lang="en-US" b="1" dirty="0" smtClean="0"/>
-                <a:t>Materials </a:t>
-              </a:r>
-              <a:r>
-                <a:rPr lang="en-US" b="1" dirty="0" smtClean="0"/>
-                <a:t>&amp; </a:t>
-              </a:r>
-              <a:r>
-                <a:rPr lang="en-US" b="1" dirty="0" smtClean="0"/>
-                <a:t>Method </a:t>
-              </a:r>
-              <a:r>
-                <a:rPr lang="en-US" dirty="0" smtClean="0"/>
-                <a:t>| Expected Results | </a:t>
-              </a:r>
-              <a:r>
-                <a:rPr lang="en-US" dirty="0" smtClean="0"/>
-                <a:t>Limitations &amp; Challenges </a:t>
-              </a:r>
-              <a:r>
-                <a:rPr lang="en-US" dirty="0" smtClean="0"/>
-                <a:t>| Timetable</a:t>
-              </a:r>
-              <a:endParaRPr lang="en-US" dirty="0"/>
-            </a:p>
-          </p:txBody>
-        </p:sp>
-      </p:grpSp>
-    </p:spTree>
-    <p:extLst>
-      <p:ext uri="{BB962C8B-B14F-4D97-AF65-F5344CB8AC3E}">
-        <p14:creationId xmlns:p14="http://schemas.microsoft.com/office/powerpoint/2010/main" val="3794526226"/>
-      </p:ext>
-    </p:extLst>
-  </p:cSld>
-  <p:clrMapOvr>
-    <a:masterClrMapping/>
-  </p:clrMapOvr>
-  <p:timing>
-    <p:tnLst>
-      <p:par>
-        <p:cTn xmlns:p14="http://schemas.microsoft.com/office/powerpoint/2010/main" id="1" dur="indefinite" restart="never" nodeType="tmRoot"/>
-      </p:par>
-    </p:tnLst>
-  </p:timing>
-</p:sld>
-</file>
-
-<file path=ppt/slides/slide9.xml><?xml version="1.0" encoding="utf-8"?>
-<p:sld xmlns:a="http://schemas.openxmlformats.org/drawingml/2006/main" xmlns:r="http://schemas.openxmlformats.org/officeDocument/2006/relationships" xmlns:p="http://schemas.openxmlformats.org/presentationml/2006/main">
-  <p:cSld>
-    <p:spTree>
-      <p:nvGrpSpPr>
-        <p:cNvPr id="1" name=""/>
-        <p:cNvGrpSpPr/>
-        <p:nvPr/>
-      </p:nvGrpSpPr>
-      <p:grpSpPr>
-        <a:xfrm>
-          <a:off x="0" y="0"/>
-          <a:ext cx="0" cy="0"/>
-          <a:chOff x="0" y="0"/>
-          <a:chExt cx="0" cy="0"/>
-        </a:xfrm>
-      </p:grpSpPr>
-      <p:sp>
-        <p:nvSpPr>
-          <p:cNvPr id="2" name="Title 1"/>
-          <p:cNvSpPr>
-            <a:spLocks noGrp="1"/>
-          </p:cNvSpPr>
-          <p:nvPr>
-            <p:ph type="title"/>
-          </p:nvPr>
-        </p:nvSpPr>
-        <p:spPr/>
-        <p:txBody>
-          <a:bodyPr/>
-          <a:lstStyle/>
-          <a:p>
-            <a:r>
-              <a:rPr lang="en-US" dirty="0" smtClean="0"/>
-              <a:t>LAI </a:t>
-            </a:r>
-            <a:r>
-              <a:rPr lang="en-US" dirty="0" err="1" smtClean="0"/>
-              <a:t>Reanalysed</a:t>
-            </a:r>
-            <a:endParaRPr lang="en-US" dirty="0"/>
-          </a:p>
-        </p:txBody>
-      </p:sp>
-      <p:sp>
-        <p:nvSpPr>
-          <p:cNvPr id="3" name="Content Placeholder 2"/>
-          <p:cNvSpPr>
-            <a:spLocks noGrp="1"/>
-          </p:cNvSpPr>
-          <p:nvPr>
-            <p:ph idx="1"/>
-          </p:nvPr>
-        </p:nvSpPr>
-        <p:spPr/>
-        <p:txBody>
-          <a:bodyPr>
-            <a:normAutofit/>
-          </a:bodyPr>
-          <a:lstStyle/>
-          <a:p>
-            <a:pPr lvl="0"/>
-            <a:r>
-              <a:rPr lang="en-GB" dirty="0" err="1" smtClean="0"/>
-              <a:t>Stöckli</a:t>
-            </a:r>
-            <a:r>
-              <a:rPr lang="en-GB" dirty="0" smtClean="0"/>
-              <a:t> et al. (2011) </a:t>
-            </a:r>
-            <a:r>
-              <a:rPr lang="en-GB" b="1" dirty="0" smtClean="0"/>
-              <a:t>modelled</a:t>
-            </a:r>
-            <a:r>
-              <a:rPr lang="en-GB" dirty="0" smtClean="0"/>
-              <a:t> </a:t>
-            </a:r>
-            <a:r>
-              <a:rPr lang="en-GB" dirty="0"/>
-              <a:t>LAI based on GSI</a:t>
-            </a:r>
-            <a:r>
-              <a:rPr lang="en-GB" dirty="0" smtClean="0"/>
-              <a:t>, </a:t>
-            </a:r>
-            <a:r>
-              <a:rPr lang="en-GB" dirty="0"/>
-              <a:t>Plant Functional Type </a:t>
-            </a:r>
-            <a:r>
-              <a:rPr lang="en-GB" dirty="0" smtClean="0"/>
-              <a:t>and </a:t>
-            </a:r>
-            <a:r>
-              <a:rPr lang="en-GB" dirty="0"/>
-              <a:t>elevation </a:t>
-            </a:r>
-            <a:r>
-              <a:rPr lang="en-GB" dirty="0" smtClean="0"/>
-              <a:t>classes</a:t>
-            </a:r>
-          </a:p>
-          <a:p>
-            <a:pPr lvl="0"/>
-            <a:r>
-              <a:rPr lang="en-GB" dirty="0" smtClean="0"/>
-              <a:t>Uses reanalysed meteorological data for T, VPD, incoming radiation</a:t>
-            </a:r>
-            <a:endParaRPr lang="de-CH" dirty="0"/>
-          </a:p>
-          <a:p>
-            <a:pPr lvl="0"/>
-            <a:r>
-              <a:rPr lang="en-GB" dirty="0" smtClean="0"/>
-              <a:t>Model assimilated </a:t>
-            </a:r>
-            <a:r>
-              <a:rPr lang="en-GB" dirty="0"/>
-              <a:t>with 10 years of MODIS LAI and FPAR data</a:t>
-            </a:r>
-            <a:endParaRPr lang="de-CH" dirty="0"/>
-          </a:p>
-          <a:p>
-            <a:pPr marL="0" indent="0">
-              <a:buNone/>
-            </a:pPr>
-            <a:endParaRPr lang="de-CH" dirty="0"/>
-          </a:p>
-          <a:p>
-            <a:endParaRPr lang="en-US" dirty="0"/>
-          </a:p>
-        </p:txBody>
-      </p:sp>
-      <p:sp>
-        <p:nvSpPr>
-          <p:cNvPr id="4" name="Footer Placeholder 3"/>
-          <p:cNvSpPr>
-            <a:spLocks noGrp="1"/>
-          </p:cNvSpPr>
-          <p:nvPr>
-            <p:ph type="ftr" sz="quarter" idx="11"/>
-          </p:nvPr>
-        </p:nvSpPr>
-        <p:spPr/>
-        <p:txBody>
-          <a:bodyPr/>
-          <a:lstStyle/>
-          <a:p>
-            <a:r>
-              <a:rPr lang="en-US" smtClean="0"/>
-              <a:t>MSc. Concept Presentation David Schenkel</a:t>
-            </a:r>
-            <a:endParaRPr lang="en-US"/>
-          </a:p>
-        </p:txBody>
-      </p:sp>
-      <p:sp>
-        <p:nvSpPr>
-          <p:cNvPr id="5" name="Slide Number Placeholder 4"/>
-          <p:cNvSpPr>
-            <a:spLocks noGrp="1"/>
-          </p:cNvSpPr>
-          <p:nvPr>
-            <p:ph type="sldNum" sz="quarter" idx="12"/>
-          </p:nvPr>
-        </p:nvSpPr>
-        <p:spPr/>
-        <p:txBody>
-          <a:bodyPr/>
-          <a:lstStyle/>
-          <a:p>
-            <a:fld id="{BA9B540C-44DA-4F69-89C9-7C84606640D3}" type="slidenum">
-              <a:rPr lang="en-US" smtClean="0"/>
-              <a:pPr/>
-              <a:t>9</a:t>
-            </a:fld>
-            <a:endParaRPr lang="en-US"/>
-          </a:p>
-        </p:txBody>
-      </p:sp>
-      <p:grpSp>
-        <p:nvGrpSpPr>
-          <p:cNvPr id="12" name="Group 11"/>
-          <p:cNvGrpSpPr/>
-          <p:nvPr/>
-        </p:nvGrpSpPr>
-        <p:grpSpPr>
-          <a:xfrm>
-            <a:off x="0" y="0"/>
-            <a:ext cx="9144000" cy="384830"/>
-            <a:chOff x="0" y="0"/>
-            <a:chExt cx="9144000" cy="384830"/>
-          </a:xfrm>
-        </p:grpSpPr>
-        <p:sp>
-          <p:nvSpPr>
-            <p:cNvPr id="13" name="Rectangle 12"/>
-            <p:cNvSpPr/>
-            <p:nvPr/>
-          </p:nvSpPr>
-          <p:spPr>
-            <a:xfrm>
-              <a:off x="0" y="0"/>
-              <a:ext cx="9144000" cy="384830"/>
-            </a:xfrm>
-            <a:prstGeom prst="rect">
-              <a:avLst/>
-            </a:prstGeom>
-            <a:solidFill>
-              <a:schemeClr val="bg1">
-                <a:lumMod val="85000"/>
-              </a:schemeClr>
-            </a:solidFill>
-            <a:ln>
-              <a:noFill/>
-            </a:ln>
-            <a:effectLst/>
-          </p:spPr>
-          <p:style>
-            <a:lnRef idx="1">
-              <a:schemeClr val="accent1"/>
-            </a:lnRef>
-            <a:fillRef idx="3">
-              <a:schemeClr val="accent1"/>
-            </a:fillRef>
-            <a:effectRef idx="2">
-              <a:schemeClr val="accent1"/>
-            </a:effectRef>
-            <a:fontRef idx="minor">
-              <a:schemeClr val="lt1"/>
-            </a:fontRef>
-          </p:style>
-          <p:txBody>
-            <a:bodyPr rtlCol="0" anchor="ctr"/>
-            <a:lstStyle/>
-            <a:p>
-              <a:pPr algn="ctr"/>
-              <a:endParaRPr lang="en-US"/>
-            </a:p>
-          </p:txBody>
-        </p:sp>
-        <p:sp>
-          <p:nvSpPr>
-            <p:cNvPr id="14" name="TextBox 13"/>
-            <p:cNvSpPr txBox="1"/>
-            <p:nvPr/>
-          </p:nvSpPr>
-          <p:spPr>
-            <a:xfrm>
-              <a:off x="147053" y="13372"/>
-              <a:ext cx="8996947" cy="369332"/>
-            </a:xfrm>
-            <a:prstGeom prst="rect">
-              <a:avLst/>
-            </a:prstGeom>
-            <a:noFill/>
-          </p:spPr>
-          <p:txBody>
-            <a:bodyPr wrap="square" rtlCol="0">
-              <a:spAutoFit/>
-            </a:bodyPr>
-            <a:lstStyle/>
-            <a:p>
-              <a:r>
-                <a:rPr lang="en-US" dirty="0" smtClean="0"/>
-                <a:t>Introduction | </a:t>
-              </a:r>
-              <a:r>
-                <a:rPr lang="en-US" b="1" dirty="0" smtClean="0"/>
-                <a:t>Materials </a:t>
-              </a:r>
-              <a:r>
-                <a:rPr lang="en-US" b="1" dirty="0" smtClean="0"/>
-                <a:t>&amp; </a:t>
-              </a:r>
-              <a:r>
-                <a:rPr lang="en-US" b="1" dirty="0" smtClean="0"/>
-                <a:t>Method </a:t>
-              </a:r>
-              <a:r>
-                <a:rPr lang="en-US" dirty="0" smtClean="0"/>
-                <a:t>| Expected Results | </a:t>
-              </a:r>
-              <a:r>
-                <a:rPr lang="en-US" dirty="0" smtClean="0"/>
-                <a:t>Limitations &amp; Challenges </a:t>
-              </a:r>
-              <a:r>
-                <a:rPr lang="en-US" dirty="0" smtClean="0"/>
-                <a:t>| Timetable</a:t>
-              </a:r>
-              <a:endParaRPr lang="en-US" dirty="0"/>
-            </a:p>
-          </p:txBody>
-        </p:sp>
-      </p:grpSp>
-    </p:spTree>
-    <p:extLst>
-      <p:ext uri="{BB962C8B-B14F-4D97-AF65-F5344CB8AC3E}">
-        <p14:creationId xmlns:p14="http://schemas.microsoft.com/office/powerpoint/2010/main" val="731536536"/>
       </p:ext>
     </p:extLst>
   </p:cSld>

--- a/concept_presentation.pptx
+++ b/concept_presentation.pptx
@@ -220,7 +220,7 @@
           <a:p>
             <a:fld id="{61AA28D4-F388-CD4D-863E-D2DC4ADDE27D}" type="datetimeFigureOut">
               <a:rPr lang="en-US" smtClean="0"/>
-              <a:t>16.12.14</a:t>
+              <a:t>17.12.14</a:t>
             </a:fld>
             <a:endParaRPr lang="en-US"/>
           </a:p>
@@ -386,7 +386,7 @@
           <a:p>
             <a:fld id="{18E3DBB1-AED9-AA4B-940F-86C1FBD997C3}" type="datetimeFigureOut">
               <a:rPr lang="en-US" smtClean="0"/>
-              <a:t>16.12.14</a:t>
+              <a:t>17.12.14</a:t>
             </a:fld>
             <a:endParaRPr lang="en-US"/>
           </a:p>
@@ -1004,7 +1004,7 @@
           <a:p>
             <a:fld id="{0F437512-6A85-4845-8272-E57429F1E23A}" type="datetime1">
               <a:rPr lang="de-CH" smtClean="0"/>
-              <a:t>16.12.14</a:t>
+              <a:t>17.12.14</a:t>
             </a:fld>
             <a:endParaRPr lang="en-US" dirty="0"/>
           </a:p>
@@ -1179,7 +1179,7 @@
           <a:p>
             <a:fld id="{89BAAA09-27EA-FB49-BA55-97081CD4DB14}" type="datetime1">
               <a:rPr lang="de-CH" smtClean="0"/>
-              <a:t>16.12.14</a:t>
+              <a:t>17.12.14</a:t>
             </a:fld>
             <a:endParaRPr lang="en-US"/>
           </a:p>
@@ -1364,7 +1364,7 @@
           <a:p>
             <a:fld id="{8ABB462F-4B89-5643-B824-C27F9E0F03DC}" type="datetime1">
               <a:rPr lang="de-CH" smtClean="0"/>
-              <a:t>16.12.14</a:t>
+              <a:t>17.12.14</a:t>
             </a:fld>
             <a:endParaRPr lang="en-US"/>
           </a:p>
@@ -1539,7 +1539,7 @@
           <a:p>
             <a:fld id="{715510DB-BC7D-744B-9435-A40E4B1419F0}" type="datetime1">
               <a:rPr lang="de-CH" smtClean="0"/>
-              <a:t>16.12.14</a:t>
+              <a:t>17.12.14</a:t>
             </a:fld>
             <a:endParaRPr lang="en-US"/>
           </a:p>
@@ -1797,7 +1797,7 @@
           <a:p>
             <a:fld id="{B61E0C69-2429-DE4B-835E-8D58A2A4C43E}" type="datetime1">
               <a:rPr lang="de-CH" smtClean="0"/>
-              <a:t>16.12.14</a:t>
+              <a:t>17.12.14</a:t>
             </a:fld>
             <a:endParaRPr lang="en-US"/>
           </a:p>
@@ -2090,7 +2090,7 @@
           <a:p>
             <a:fld id="{D87505BE-013C-D94D-846C-441118E4A473}" type="datetime1">
               <a:rPr lang="de-CH" smtClean="0"/>
-              <a:t>16.12.14</a:t>
+              <a:t>17.12.14</a:t>
             </a:fld>
             <a:endParaRPr lang="en-US"/>
           </a:p>
@@ -2517,7 +2517,7 @@
           <a:p>
             <a:fld id="{9DF16ACF-2C5C-2949-9911-E22A6FEA238D}" type="datetime1">
               <a:rPr lang="de-CH" smtClean="0"/>
-              <a:t>16.12.14</a:t>
+              <a:t>17.12.14</a:t>
             </a:fld>
             <a:endParaRPr lang="en-US"/>
           </a:p>
@@ -2640,7 +2640,7 @@
           <a:p>
             <a:fld id="{256B82F5-4A74-AA47-95FD-C6EC54EC49D2}" type="datetime1">
               <a:rPr lang="de-CH" smtClean="0"/>
-              <a:t>16.12.14</a:t>
+              <a:t>17.12.14</a:t>
             </a:fld>
             <a:endParaRPr lang="en-US"/>
           </a:p>
@@ -2740,7 +2740,7 @@
           <a:p>
             <a:fld id="{09470DF1-3D53-E74E-B318-12C474EF531E}" type="datetime1">
               <a:rPr lang="de-CH" smtClean="0"/>
-              <a:t>16.12.14</a:t>
+              <a:t>17.12.14</a:t>
             </a:fld>
             <a:endParaRPr lang="en-US"/>
           </a:p>
@@ -3022,7 +3022,7 @@
           <a:p>
             <a:fld id="{4D5D0285-993C-DE46-9D70-C01531A479A1}" type="datetime1">
               <a:rPr lang="de-CH" smtClean="0"/>
-              <a:t>16.12.14</a:t>
+              <a:t>17.12.14</a:t>
             </a:fld>
             <a:endParaRPr lang="en-US"/>
           </a:p>
@@ -3280,7 +3280,7 @@
           <a:p>
             <a:fld id="{3324E98A-A18D-5D4D-9488-3A18075BBA41}" type="datetime1">
               <a:rPr lang="de-CH" smtClean="0"/>
-              <a:t>16.12.14</a:t>
+              <a:t>17.12.14</a:t>
             </a:fld>
             <a:endParaRPr lang="en-US"/>
           </a:p>
@@ -3515,7 +3515,7 @@
           <a:p>
             <a:fld id="{5B734BC3-F574-E44E-91D5-080B5DAF0250}" type="datetime1">
               <a:rPr lang="de-CH" smtClean="0"/>
-              <a:t>16.12.14</a:t>
+              <a:t>17.12.14</a:t>
             </a:fld>
             <a:endParaRPr lang="en-US" dirty="0"/>
           </a:p>
@@ -4108,11 +4108,7 @@
           <a:p>
             <a:r>
               <a:rPr lang="en-US" dirty="0" smtClean="0"/>
-              <a:t>Measured LAI: </a:t>
-            </a:r>
-            <a:r>
-              <a:rPr lang="en-US" dirty="0" smtClean="0"/>
-              <a:t>LAI3g</a:t>
+              <a:t>Measured LAI: LAI3g</a:t>
             </a:r>
             <a:endParaRPr lang="en-US" dirty="0"/>
           </a:p>
@@ -4143,7 +4139,6 @@
               <a:rPr lang="en-US" sz="2800" dirty="0" smtClean="0"/>
               <a:t>MODIS LAI used as training data</a:t>
             </a:r>
-            <a:endParaRPr lang="en-US" sz="2800" dirty="0" smtClean="0"/>
           </a:p>
           <a:p>
             <a:endParaRPr lang="en-US" dirty="0"/>
@@ -4420,15 +4415,7 @@
               </a:r>
               <a:r>
                 <a:rPr lang="en-US" dirty="0" smtClean="0"/>
-                <a:t> </a:t>
-              </a:r>
-              <a:r>
-                <a:rPr lang="en-US" dirty="0" smtClean="0"/>
-                <a:t>| Expected Results | </a:t>
-              </a:r>
-              <a:r>
-                <a:rPr lang="en-US" dirty="0" smtClean="0"/>
-                <a:t>Challenges</a:t>
+                <a:t> | Expected Results | Challenges</a:t>
               </a:r>
               <a:r>
                 <a:rPr lang="en-US" b="1" dirty="0" smtClean="0"/>
@@ -4945,15 +4932,7 @@
               </a:r>
               <a:r>
                 <a:rPr lang="en-US" dirty="0" smtClean="0"/>
-                <a:t> </a:t>
-              </a:r>
-              <a:r>
-                <a:rPr lang="en-US" dirty="0" smtClean="0"/>
-                <a:t>| Expected Results | </a:t>
-              </a:r>
-              <a:r>
-                <a:rPr lang="en-US" dirty="0" smtClean="0"/>
-                <a:t>Challenges</a:t>
+                <a:t> | Expected Results | Challenges</a:t>
               </a:r>
               <a:r>
                 <a:rPr lang="en-US" b="1" dirty="0" smtClean="0"/>
@@ -5370,15 +5349,7 @@
               </a:r>
               <a:r>
                 <a:rPr lang="en-US" dirty="0" smtClean="0"/>
-                <a:t> </a:t>
-              </a:r>
-              <a:r>
-                <a:rPr lang="en-US" dirty="0" smtClean="0"/>
-                <a:t>| Expected Results | </a:t>
-              </a:r>
-              <a:r>
-                <a:rPr lang="en-US" dirty="0" smtClean="0"/>
-                <a:t>Challenges</a:t>
+                <a:t> | Expected Results | Challenges</a:t>
               </a:r>
               <a:r>
                 <a:rPr lang="en-US" b="1" dirty="0" smtClean="0"/>
@@ -5925,15 +5896,7 @@
               </a:r>
               <a:r>
                 <a:rPr lang="en-US" dirty="0" smtClean="0"/>
-                <a:t> </a:t>
-              </a:r>
-              <a:r>
-                <a:rPr lang="en-US" dirty="0" smtClean="0"/>
-                <a:t>| Expected Results | </a:t>
-              </a:r>
-              <a:r>
-                <a:rPr lang="en-US" dirty="0" smtClean="0"/>
-                <a:t>Challenges</a:t>
+                <a:t> | Expected Results | Challenges</a:t>
               </a:r>
               <a:r>
                 <a:rPr lang="en-US" b="1" dirty="0" smtClean="0"/>
@@ -6037,42 +6000,45 @@
           <a:p>
             <a:pPr lvl="0"/>
             <a:r>
-              <a:rPr lang="en-GB" sz="2200" dirty="0" smtClean="0"/>
-              <a:t>Goal: Get </a:t>
-            </a:r>
-            <a:r>
-              <a:rPr lang="en-GB" sz="2200" i="1" dirty="0" smtClean="0"/>
+              <a:rPr lang="en-GB" sz="2400" dirty="0" smtClean="0"/>
+              <a:t>Goal: Extract </a:t>
+            </a:r>
+            <a:r>
+              <a:rPr lang="en-GB" sz="2400" i="1" dirty="0" smtClean="0"/>
               <a:t>Start of Season</a:t>
             </a:r>
             <a:r>
-              <a:rPr lang="en-GB" sz="2200" dirty="0" smtClean="0"/>
+              <a:rPr lang="en-GB" sz="2400" dirty="0" smtClean="0"/>
               <a:t>, </a:t>
             </a:r>
             <a:r>
-              <a:rPr lang="en-GB" sz="2200" i="1" dirty="0" smtClean="0"/>
+              <a:rPr lang="en-GB" sz="2400" i="1" dirty="0" smtClean="0"/>
               <a:t>End of Season </a:t>
             </a:r>
             <a:r>
-              <a:rPr lang="en-GB" sz="2200" dirty="0" smtClean="0"/>
+              <a:rPr lang="en-GB" sz="2400" dirty="0" smtClean="0"/>
               <a:t>and </a:t>
             </a:r>
-            <a:r>
-              <a:rPr lang="en-GB" sz="2200" i="1" dirty="0" smtClean="0"/>
+            <a:br>
+              <a:rPr lang="en-GB" sz="2400" dirty="0" smtClean="0"/>
+            </a:br>
+            <a:r>
+              <a:rPr lang="en-GB" sz="2400" i="1" dirty="0" smtClean="0"/>
               <a:t>Growing Season Length</a:t>
             </a:r>
           </a:p>
           <a:p>
             <a:pPr lvl="0"/>
             <a:r>
-              <a:rPr lang="en-GB" sz="2200" dirty="0" smtClean="0"/>
+              <a:rPr lang="en-GB" sz="2400" dirty="0" smtClean="0"/>
               <a:t>Harmonic Analysis to get smooth yearly LAI profiles using HANTS-algorithm (</a:t>
             </a:r>
             <a:r>
-              <a:rPr lang="en-GB" sz="2200" dirty="0" err="1" smtClean="0"/>
+              <a:rPr lang="en-GB" sz="2400" dirty="0" err="1" smtClean="0"/>
               <a:t>Roerink</a:t>
             </a:r>
             <a:r>
-              <a:rPr lang="en-GB" sz="2200" dirty="0" smtClean="0"/>
+              <a:rPr lang="en-GB" sz="2400" dirty="0" smtClean="0"/>
               <a:t> et al. 2000)</a:t>
             </a:r>
           </a:p>
@@ -6112,10 +6078,10 @@
           </a:p>
           <a:p>
             <a:r>
-              <a:rPr lang="en-GB" sz="2000" dirty="0" smtClean="0"/>
+              <a:rPr lang="en-GB" sz="2400" dirty="0" smtClean="0"/>
               <a:t>GSL = EOS - SOS</a:t>
             </a:r>
-            <a:endParaRPr lang="en-GB" sz="2000" dirty="0"/>
+            <a:endParaRPr lang="en-GB" sz="2400" dirty="0"/>
           </a:p>
         </p:txBody>
       </p:sp>
@@ -6419,15 +6385,7 @@
               </a:r>
               <a:r>
                 <a:rPr lang="en-US" dirty="0" smtClean="0"/>
-                <a:t> </a:t>
-              </a:r>
-              <a:r>
-                <a:rPr lang="en-US" dirty="0" smtClean="0"/>
-                <a:t>| Expected Results | </a:t>
-              </a:r>
-              <a:r>
-                <a:rPr lang="en-US" dirty="0" smtClean="0"/>
-                <a:t>Challenges</a:t>
+                <a:t> | Expected Results | Challenges</a:t>
               </a:r>
               <a:r>
                 <a:rPr lang="en-US" b="1" dirty="0" smtClean="0"/>
@@ -6455,9 +6413,249 @@
   <p:timing>
     <p:tnLst>
       <p:par>
-        <p:cTn xmlns:p14="http://schemas.microsoft.com/office/powerpoint/2010/main" id="1" dur="indefinite" restart="never" nodeType="tmRoot"/>
+        <p:cTn xmlns:p14="http://schemas.microsoft.com/office/powerpoint/2010/main" id="1" dur="indefinite" restart="never" nodeType="tmRoot">
+          <p:childTnLst>
+            <p:seq concurrent="1" nextAc="seek">
+              <p:cTn id="2" dur="indefinite" nodeType="mainSeq">
+                <p:childTnLst>
+                  <p:par>
+                    <p:cTn id="3" fill="hold">
+                      <p:stCondLst>
+                        <p:cond delay="indefinite"/>
+                      </p:stCondLst>
+                      <p:childTnLst>
+                        <p:par>
+                          <p:cTn id="4" fill="hold">
+                            <p:stCondLst>
+                              <p:cond delay="0"/>
+                            </p:stCondLst>
+                            <p:childTnLst>
+                              <p:par>
+                                <p:cTn id="5" presetID="1" presetClass="entr" presetSubtype="0" fill="hold" nodeType="clickEffect">
+                                  <p:stCondLst>
+                                    <p:cond delay="0"/>
+                                  </p:stCondLst>
+                                  <p:childTnLst>
+                                    <p:set>
+                                      <p:cBhvr>
+                                        <p:cTn id="6" dur="1" fill="hold">
+                                          <p:stCondLst>
+                                            <p:cond delay="0"/>
+                                          </p:stCondLst>
+                                        </p:cTn>
+                                        <p:tgtEl>
+                                          <p:spTgt spid="3">
+                                            <p:txEl>
+                                              <p:pRg st="1" end="1"/>
+                                            </p:txEl>
+                                          </p:spTgt>
+                                        </p:tgtEl>
+                                        <p:attrNameLst>
+                                          <p:attrName>style.visibility</p:attrName>
+                                        </p:attrNameLst>
+                                      </p:cBhvr>
+                                      <p:to>
+                                        <p:strVal val="visible"/>
+                                      </p:to>
+                                    </p:set>
+                                  </p:childTnLst>
+                                </p:cTn>
+                              </p:par>
+                              <p:par>
+                                <p:cTn id="7" presetID="1" presetClass="entr" presetSubtype="0" fill="hold" nodeType="withEffect">
+                                  <p:stCondLst>
+                                    <p:cond delay="0"/>
+                                  </p:stCondLst>
+                                  <p:childTnLst>
+                                    <p:set>
+                                      <p:cBhvr>
+                                        <p:cTn id="8" dur="1" fill="hold">
+                                          <p:stCondLst>
+                                            <p:cond delay="0"/>
+                                          </p:stCondLst>
+                                        </p:cTn>
+                                        <p:tgtEl>
+                                          <p:spTgt spid="3">
+                                            <p:txEl>
+                                              <p:pRg st="2" end="2"/>
+                                            </p:txEl>
+                                          </p:spTgt>
+                                        </p:tgtEl>
+                                        <p:attrNameLst>
+                                          <p:attrName>style.visibility</p:attrName>
+                                        </p:attrNameLst>
+                                      </p:cBhvr>
+                                      <p:to>
+                                        <p:strVal val="visible"/>
+                                      </p:to>
+                                    </p:set>
+                                  </p:childTnLst>
+                                </p:cTn>
+                              </p:par>
+                            </p:childTnLst>
+                          </p:cTn>
+                        </p:par>
+                      </p:childTnLst>
+                    </p:cTn>
+                  </p:par>
+                  <p:par>
+                    <p:cTn id="9" fill="hold">
+                      <p:stCondLst>
+                        <p:cond delay="indefinite"/>
+                      </p:stCondLst>
+                      <p:childTnLst>
+                        <p:par>
+                          <p:cTn id="10" fill="hold">
+                            <p:stCondLst>
+                              <p:cond delay="0"/>
+                            </p:stCondLst>
+                            <p:childTnLst>
+                              <p:par>
+                                <p:cTn id="11" presetID="1" presetClass="entr" presetSubtype="0" fill="hold" nodeType="clickEffect">
+                                  <p:stCondLst>
+                                    <p:cond delay="0"/>
+                                  </p:stCondLst>
+                                  <p:childTnLst>
+                                    <p:set>
+                                      <p:cBhvr>
+                                        <p:cTn id="12" dur="1" fill="hold">
+                                          <p:stCondLst>
+                                            <p:cond delay="0"/>
+                                          </p:stCondLst>
+                                        </p:cTn>
+                                        <p:tgtEl>
+                                          <p:spTgt spid="3">
+                                            <p:txEl>
+                                              <p:pRg st="3" end="3"/>
+                                            </p:txEl>
+                                          </p:spTgt>
+                                        </p:tgtEl>
+                                        <p:attrNameLst>
+                                          <p:attrName>style.visibility</p:attrName>
+                                        </p:attrNameLst>
+                                      </p:cBhvr>
+                                      <p:to>
+                                        <p:strVal val="visible"/>
+                                      </p:to>
+                                    </p:set>
+                                  </p:childTnLst>
+                                </p:cTn>
+                              </p:par>
+                              <p:par>
+                                <p:cTn id="13" presetID="1" presetClass="entr" presetSubtype="0" fill="hold" nodeType="withEffect">
+                                  <p:stCondLst>
+                                    <p:cond delay="0"/>
+                                  </p:stCondLst>
+                                  <p:childTnLst>
+                                    <p:set>
+                                      <p:cBhvr>
+                                        <p:cTn id="14" dur="1" fill="hold">
+                                          <p:stCondLst>
+                                            <p:cond delay="0"/>
+                                          </p:stCondLst>
+                                        </p:cTn>
+                                        <p:tgtEl>
+                                          <p:spTgt spid="3">
+                                            <p:txEl>
+                                              <p:pRg st="4" end="4"/>
+                                            </p:txEl>
+                                          </p:spTgt>
+                                        </p:tgtEl>
+                                        <p:attrNameLst>
+                                          <p:attrName>style.visibility</p:attrName>
+                                        </p:attrNameLst>
+                                      </p:cBhvr>
+                                      <p:to>
+                                        <p:strVal val="visible"/>
+                                      </p:to>
+                                    </p:set>
+                                  </p:childTnLst>
+                                </p:cTn>
+                              </p:par>
+                              <p:par>
+                                <p:cTn id="15" presetID="1" presetClass="entr" presetSubtype="0" fill="hold" nodeType="withEffect">
+                                  <p:stCondLst>
+                                    <p:cond delay="0"/>
+                                  </p:stCondLst>
+                                  <p:childTnLst>
+                                    <p:set>
+                                      <p:cBhvr>
+                                        <p:cTn id="16" dur="1" fill="hold">
+                                          <p:stCondLst>
+                                            <p:cond delay="0"/>
+                                          </p:stCondLst>
+                                        </p:cTn>
+                                        <p:tgtEl>
+                                          <p:spTgt spid="6"/>
+                                        </p:tgtEl>
+                                        <p:attrNameLst>
+                                          <p:attrName>style.visibility</p:attrName>
+                                        </p:attrNameLst>
+                                      </p:cBhvr>
+                                      <p:to>
+                                        <p:strVal val="visible"/>
+                                      </p:to>
+                                    </p:set>
+                                  </p:childTnLst>
+                                </p:cTn>
+                              </p:par>
+                              <p:par>
+                                <p:cTn id="17" presetID="1" presetClass="entr" presetSubtype="0" fill="hold" grpId="0" nodeType="withEffect">
+                                  <p:stCondLst>
+                                    <p:cond delay="0"/>
+                                  </p:stCondLst>
+                                  <p:childTnLst>
+                                    <p:set>
+                                      <p:cBhvr>
+                                        <p:cTn id="18" dur="1" fill="hold">
+                                          <p:stCondLst>
+                                            <p:cond delay="0"/>
+                                          </p:stCondLst>
+                                        </p:cTn>
+                                        <p:tgtEl>
+                                          <p:spTgt spid="7"/>
+                                        </p:tgtEl>
+                                        <p:attrNameLst>
+                                          <p:attrName>style.visibility</p:attrName>
+                                        </p:attrNameLst>
+                                      </p:cBhvr>
+                                      <p:to>
+                                        <p:strVal val="visible"/>
+                                      </p:to>
+                                    </p:set>
+                                  </p:childTnLst>
+                                </p:cTn>
+                              </p:par>
+                            </p:childTnLst>
+                          </p:cTn>
+                        </p:par>
+                      </p:childTnLst>
+                    </p:cTn>
+                  </p:par>
+                </p:childTnLst>
+              </p:cTn>
+              <p:prevCondLst>
+                <p:cond evt="onPrev" delay="0">
+                  <p:tgtEl>
+                    <p:sldTgt/>
+                  </p:tgtEl>
+                </p:cond>
+              </p:prevCondLst>
+              <p:nextCondLst>
+                <p:cond evt="onNext" delay="0">
+                  <p:tgtEl>
+                    <p:sldTgt/>
+                  </p:tgtEl>
+                </p:cond>
+              </p:nextCondLst>
+            </p:seq>
+          </p:childTnLst>
+        </p:cTn>
       </p:par>
     </p:tnLst>
+    <p:bldLst>
+      <p:bldP spid="7" grpId="0"/>
+    </p:bldLst>
   </p:timing>
 </p:sld>
 </file>
@@ -6506,11 +6704,7 @@
             </a:r>
             <a:r>
               <a:rPr lang="en-GB" sz="4000" dirty="0" smtClean="0"/>
-              <a:t>omparing </a:t>
-            </a:r>
-            <a:r>
-              <a:rPr lang="en-GB" sz="4000" dirty="0" smtClean="0"/>
-              <a:t>LAI datasets</a:t>
+              <a:t>omparing LAI datasets</a:t>
             </a:r>
             <a:endParaRPr lang="en-US" sz="4000" dirty="0"/>
           </a:p>
@@ -6535,13 +6729,8 @@
           <a:p>
             <a:r>
               <a:rPr lang="en-GB" dirty="0" smtClean="0"/>
-              <a:t>Compare </a:t>
-            </a:r>
-            <a:r>
-              <a:rPr lang="en-GB" dirty="0" smtClean="0"/>
-              <a:t>LAI averages (monthly, yearly)</a:t>
-            </a:r>
-            <a:endParaRPr lang="en-GB" dirty="0" smtClean="0"/>
+              <a:t>Compare LAI averages (monthly, yearly)</a:t>
+            </a:r>
           </a:p>
           <a:p>
             <a:r>
@@ -6791,15 +6980,7 @@
               </a:r>
               <a:r>
                 <a:rPr lang="en-US" dirty="0" smtClean="0"/>
-                <a:t> </a:t>
-              </a:r>
-              <a:r>
-                <a:rPr lang="en-US" dirty="0" smtClean="0"/>
-                <a:t>| Expected Results | </a:t>
-              </a:r>
-              <a:r>
-                <a:rPr lang="en-US" dirty="0" smtClean="0"/>
-                <a:t>Challenges</a:t>
+                <a:t> | Expected Results | Challenges</a:t>
               </a:r>
               <a:r>
                 <a:rPr lang="en-US" b="1" dirty="0" smtClean="0"/>
@@ -6870,15 +7051,7 @@
           <a:p>
             <a:r>
               <a:rPr lang="en-GB" sz="3200" dirty="0" smtClean="0"/>
-              <a:t>RQ2: Analysing the impact of </a:t>
-            </a:r>
-            <a:r>
-              <a:rPr lang="en-GB" sz="3200" dirty="0" smtClean="0"/>
-              <a:t>climatic controls </a:t>
-            </a:r>
-            <a:r>
-              <a:rPr lang="en-GB" sz="3200" dirty="0" smtClean="0"/>
-              <a:t>over time</a:t>
+              <a:t>RQ2: Analysing the impact of climatic controls over time</a:t>
             </a:r>
             <a:endParaRPr lang="en-US" sz="3200" dirty="0"/>
           </a:p>
@@ -6921,15 +7094,7 @@
             <a:pPr lvl="0"/>
             <a:r>
               <a:rPr lang="en-GB" dirty="0" smtClean="0"/>
-              <a:t>Extract and </a:t>
-            </a:r>
-            <a:r>
-              <a:rPr lang="en-GB" dirty="0" smtClean="0"/>
-              <a:t>analyse onset </a:t>
-            </a:r>
-            <a:r>
-              <a:rPr lang="en-GB" dirty="0" smtClean="0"/>
-              <a:t>of changes</a:t>
+              <a:t>Extract and analyse onset of changes</a:t>
             </a:r>
             <a:endParaRPr lang="de-CH" dirty="0"/>
           </a:p>
@@ -7230,15 +7395,7 @@
               </a:r>
               <a:r>
                 <a:rPr lang="en-US" dirty="0" smtClean="0"/>
-                <a:t> </a:t>
-              </a:r>
-              <a:r>
-                <a:rPr lang="en-US" dirty="0" smtClean="0"/>
-                <a:t>| Expected Results | </a:t>
-              </a:r>
-              <a:r>
-                <a:rPr lang="en-US" dirty="0" smtClean="0"/>
-                <a:t>Challenges</a:t>
+                <a:t> | Expected Results | Challenges</a:t>
               </a:r>
               <a:r>
                 <a:rPr lang="en-US" b="1" dirty="0" smtClean="0"/>
@@ -7377,7 +7534,15 @@
             <a:pPr lvl="1"/>
             <a:r>
               <a:rPr lang="en-GB" dirty="0"/>
-              <a:t>Compare GSL to annual mean or monthly means</a:t>
+              <a:t>Compare GSL to annual mean </a:t>
+            </a:r>
+            <a:r>
+              <a:rPr lang="en-GB"/>
+              <a:t>or </a:t>
+            </a:r>
+            <a:r>
+              <a:rPr lang="en-GB" smtClean="0"/>
+              <a:t>seasonal means</a:t>
             </a:r>
             <a:endParaRPr lang="de-CH" dirty="0"/>
           </a:p>
@@ -7534,15 +7699,7 @@
               </a:r>
               <a:r>
                 <a:rPr lang="en-US" dirty="0" smtClean="0"/>
-                <a:t> </a:t>
-              </a:r>
-              <a:r>
-                <a:rPr lang="en-US" dirty="0" smtClean="0"/>
-                <a:t>| Expected Results | </a:t>
-              </a:r>
-              <a:r>
-                <a:rPr lang="en-US" dirty="0" smtClean="0"/>
-                <a:t>Challenges</a:t>
+                <a:t> | Expected Results | Challenges</a:t>
               </a:r>
               <a:r>
                 <a:rPr lang="en-US" b="1" dirty="0" smtClean="0"/>
@@ -7853,11 +8010,7 @@
             <a:pPr lvl="1"/>
             <a:r>
               <a:rPr lang="en-GB" dirty="0" smtClean="0"/>
-              <a:t>Maps </a:t>
-            </a:r>
-            <a:r>
-              <a:rPr lang="en-GB" dirty="0" smtClean="0"/>
-              <a:t>showing differences</a:t>
+              <a:t>Maps showing differences</a:t>
             </a:r>
           </a:p>
           <a:p>
@@ -7877,11 +8030,7 @@
             <a:pPr lvl="1"/>
             <a:r>
               <a:rPr lang="en-GB" dirty="0" smtClean="0"/>
-              <a:t>Maps </a:t>
-            </a:r>
-            <a:r>
-              <a:rPr lang="en-GB" dirty="0" smtClean="0"/>
-              <a:t>showing </a:t>
+              <a:t>Maps showing </a:t>
             </a:r>
             <a:r>
               <a:rPr lang="en-GB" b="1" dirty="0" smtClean="0"/>
@@ -7889,22 +8038,13 @@
             </a:r>
             <a:r>
               <a:rPr lang="en-GB" dirty="0" smtClean="0"/>
-              <a:t>in climatic controls </a:t>
-            </a:r>
+              <a:t>in climatic controls over time</a:t>
+            </a:r>
+          </a:p>
+          <a:p>
             <a:r>
               <a:rPr lang="en-GB" dirty="0" smtClean="0"/>
-              <a:t>over time</a:t>
-            </a:r>
-            <a:endParaRPr lang="en-GB" dirty="0" smtClean="0"/>
-          </a:p>
-          <a:p>
-            <a:r>
-              <a:rPr lang="en-GB" dirty="0" smtClean="0"/>
-              <a:t>Climatic Controls – LAI </a:t>
-            </a:r>
-            <a:r>
-              <a:rPr lang="en-GB" dirty="0" smtClean="0"/>
-              <a:t>comparison</a:t>
+              <a:t>Climatic Controls – LAI comparison</a:t>
             </a:r>
           </a:p>
           <a:p>
@@ -8148,11 +8288,7 @@
             <a:p>
               <a:r>
                 <a:rPr lang="en-US" dirty="0" smtClean="0"/>
-                <a:t>Introduction | </a:t>
-              </a:r>
-              <a:r>
-                <a:rPr lang="en-US" dirty="0" smtClean="0"/>
-                <a:t>Data &amp; Methods | </a:t>
+                <a:t>Introduction | Data &amp; Methods | </a:t>
               </a:r>
               <a:r>
                 <a:rPr lang="en-US" b="1" dirty="0" smtClean="0"/>
@@ -8160,11 +8296,7 @@
               </a:r>
               <a:r>
                 <a:rPr lang="en-US" dirty="0" smtClean="0"/>
-                <a:t>| </a:t>
-              </a:r>
-              <a:r>
-                <a:rPr lang="en-US" dirty="0" smtClean="0"/>
-                <a:t>Challenges</a:t>
+                <a:t>| Challenges</a:t>
               </a:r>
               <a:r>
                 <a:rPr lang="en-US" b="1" dirty="0" smtClean="0"/>
@@ -8764,15 +8896,7 @@
             <a:p>
               <a:r>
                 <a:rPr lang="en-US" dirty="0" smtClean="0"/>
-                <a:t>Introduction | </a:t>
-              </a:r>
-              <a:r>
-                <a:rPr lang="en-US" dirty="0" smtClean="0"/>
-                <a:t>Data &amp; Methods | </a:t>
-              </a:r>
-              <a:r>
-                <a:rPr lang="en-US" dirty="0" smtClean="0"/>
-                <a:t>Expected Results | </a:t>
+                <a:t>Introduction | Data &amp; Methods | Expected Results | </a:t>
               </a:r>
               <a:r>
                 <a:rPr lang="en-US" b="1" dirty="0" smtClean="0"/>
@@ -8993,7 +9117,6 @@
               <a:rPr lang="en-US" dirty="0" smtClean="0"/>
               <a:t>Data &amp; Methods</a:t>
             </a:r>
-            <a:endParaRPr lang="en-US" dirty="0" smtClean="0"/>
           </a:p>
           <a:p>
             <a:r>
@@ -9006,7 +9129,6 @@
               <a:rPr lang="en-US" dirty="0" smtClean="0"/>
               <a:t>Challenges</a:t>
             </a:r>
-            <a:endParaRPr lang="en-US" dirty="0" smtClean="0"/>
           </a:p>
           <a:p>
             <a:r>
@@ -9363,19 +9485,7 @@
             <a:p>
               <a:r>
                 <a:rPr lang="en-US" dirty="0" smtClean="0"/>
-                <a:t>Introduction | </a:t>
-              </a:r>
-              <a:r>
-                <a:rPr lang="en-US" dirty="0" smtClean="0"/>
-                <a:t>Data &amp; Methods | </a:t>
-              </a:r>
-              <a:r>
-                <a:rPr lang="en-US" dirty="0" smtClean="0"/>
-                <a:t>Expected Results | </a:t>
-              </a:r>
-              <a:r>
-                <a:rPr lang="en-US" dirty="0" smtClean="0"/>
-                <a:t>Challenges</a:t>
+                <a:t>Introduction | Data &amp; Methods | Expected Results | Challenges</a:t>
               </a:r>
               <a:r>
                 <a:rPr lang="en-US" b="1" dirty="0" smtClean="0"/>
@@ -23845,7 +23955,6 @@
               <a:rPr lang="en-US" sz="6000" dirty="0"/>
               <a:t> control of vegetation feedbacks to the climate system. Agricultural and Forest Meteorology, 169, 156–173. doi:10.1016/j.agrformet.2012.09.012</a:t>
             </a:r>
-            <a:endParaRPr lang="en-US" sz="6000" dirty="0"/>
           </a:p>
           <a:p>
             <a:pPr>
@@ -24826,12 +24935,18 @@
         </p:nvSpPr>
         <p:spPr/>
         <p:txBody>
-          <a:bodyPr/>
+          <a:bodyPr>
+            <a:normAutofit/>
+          </a:bodyPr>
           <a:lstStyle/>
           <a:p>
             <a:r>
               <a:rPr lang="en-US" dirty="0" smtClean="0"/>
-              <a:t>Phenology</a:t>
+              <a:t>Climate – Phenology </a:t>
+            </a:r>
+            <a:r>
+              <a:rPr lang="en-US" dirty="0" smtClean="0"/>
+              <a:t>Feedbacks</a:t>
             </a:r>
             <a:endParaRPr lang="en-US" dirty="0"/>
           </a:p>
@@ -24898,18 +25013,6 @@
         <p:txBody>
           <a:bodyPr/>
           <a:lstStyle/>
-          <a:p>
-            <a:r>
-              <a:rPr lang="en-US" dirty="0" smtClean="0"/>
-              <a:t>Phenology important driver for ecosystems</a:t>
-            </a:r>
-          </a:p>
-          <a:p>
-            <a:r>
-              <a:rPr lang="en-US" dirty="0" smtClean="0"/>
-              <a:t>Mainly influenced by weather and climate</a:t>
-            </a:r>
-          </a:p>
           <a:p>
             <a:endParaRPr lang="en-US" dirty="0" smtClean="0"/>
           </a:p>
@@ -24949,8 +25052,8 @@
         </p:blipFill>
         <p:spPr>
           <a:xfrm>
-            <a:off x="1343834" y="2679916"/>
-            <a:ext cx="5329912" cy="3446247"/>
+            <a:off x="308917" y="1191201"/>
+            <a:ext cx="8046112" cy="5202505"/>
           </a:xfrm>
           <a:prstGeom prst="rect">
             <a:avLst/>
@@ -24965,7 +25068,7 @@
         </p:nvSpPr>
         <p:spPr>
           <a:xfrm>
-            <a:off x="4996664" y="5818386"/>
+            <a:off x="5937836" y="5880646"/>
             <a:ext cx="1803473" cy="307777"/>
           </a:xfrm>
           <a:prstGeom prst="rect">
@@ -25172,19 +25275,7 @@
               </a:r>
               <a:r>
                 <a:rPr lang="en-US" dirty="0" smtClean="0"/>
-                <a:t> | </a:t>
-              </a:r>
-              <a:r>
-                <a:rPr lang="en-US" dirty="0" smtClean="0"/>
-                <a:t>Data &amp; Methods </a:t>
-              </a:r>
-              <a:r>
-                <a:rPr lang="en-US" dirty="0" smtClean="0"/>
-                <a:t>| Expected Results | </a:t>
-              </a:r>
-              <a:r>
-                <a:rPr lang="en-US" dirty="0" smtClean="0"/>
-                <a:t>Challenges</a:t>
+                <a:t> | Data &amp; Methods | Expected Results | Challenges</a:t>
               </a:r>
               <a:r>
                 <a:rPr lang="en-US" b="1" dirty="0" smtClean="0"/>
@@ -25248,12 +25339,14 @@
         </p:nvSpPr>
         <p:spPr/>
         <p:txBody>
-          <a:bodyPr/>
+          <a:bodyPr>
+            <a:normAutofit fontScale="90000"/>
+          </a:bodyPr>
           <a:lstStyle/>
           <a:p>
             <a:r>
               <a:rPr lang="en-US" dirty="0" smtClean="0"/>
-              <a:t>Quantifying Phenology</a:t>
+              <a:t>Quantifying Land Surface Phenology</a:t>
             </a:r>
             <a:endParaRPr lang="en-US" dirty="0"/>
           </a:p>
@@ -25276,19 +25369,14 @@
           <a:p>
             <a:r>
               <a:rPr lang="en-GB" dirty="0" smtClean="0"/>
-              <a:t>Phenology can be </a:t>
-            </a:r>
+              <a:t>Land surface phenology can be observed</a:t>
+            </a:r>
+          </a:p>
+          <a:p>
+            <a:pPr lvl="1"/>
             <a:r>
               <a:rPr lang="en-GB" dirty="0" smtClean="0"/>
-              <a:t>measured</a:t>
-            </a:r>
-            <a:endParaRPr lang="en-GB" dirty="0" smtClean="0"/>
-          </a:p>
-          <a:p>
-            <a:pPr lvl="1"/>
-            <a:r>
-              <a:rPr lang="en-GB" dirty="0" smtClean="0"/>
-              <a:t>Time series of vegetation indices (NVDI, LAI)</a:t>
+              <a:t>Time series of vegetation indices (NDVI, LAI)</a:t>
             </a:r>
             <a:endParaRPr lang="en-GB" dirty="0"/>
           </a:p>
@@ -25301,13 +25389,8 @@
           <a:p>
             <a:r>
               <a:rPr lang="en-GB" dirty="0" smtClean="0"/>
-              <a:t>Phenology can be </a:t>
-            </a:r>
-            <a:r>
-              <a:rPr lang="en-GB" dirty="0" smtClean="0"/>
-              <a:t>modelled (e.g. LAI)</a:t>
-            </a:r>
-            <a:endParaRPr lang="en-GB" dirty="0" smtClean="0"/>
+              <a:t>Phenology can be modelled (e.g. LAI)</a:t>
+            </a:r>
           </a:p>
           <a:p>
             <a:pPr lvl="1"/>
@@ -25551,19 +25634,7 @@
               </a:r>
               <a:r>
                 <a:rPr lang="en-US" dirty="0" smtClean="0"/>
-                <a:t> | </a:t>
-              </a:r>
-              <a:r>
-                <a:rPr lang="en-US" dirty="0" smtClean="0"/>
-                <a:t>Data &amp; Methods </a:t>
-              </a:r>
-              <a:r>
-                <a:rPr lang="en-US" dirty="0" smtClean="0"/>
-                <a:t>| Expected Results | </a:t>
-              </a:r>
-              <a:r>
-                <a:rPr lang="en-US" dirty="0" smtClean="0"/>
-                <a:t>Challenges</a:t>
+                <a:t> | Data &amp; Methods | Expected Results | Challenges</a:t>
               </a:r>
               <a:r>
                 <a:rPr lang="en-US" b="1" dirty="0" smtClean="0"/>
@@ -25767,15 +25838,7 @@
           <a:p>
             <a:r>
               <a:rPr lang="en-GB" sz="2800" dirty="0" smtClean="0"/>
-              <a:t>What are limiting climatic factors for </a:t>
-            </a:r>
-            <a:r>
-              <a:rPr lang="en-GB" sz="2800" dirty="0" smtClean="0"/>
-              <a:t>phenology</a:t>
-            </a:r>
-            <a:r>
-              <a:rPr lang="en-GB" sz="2800" dirty="0" smtClean="0"/>
-              <a:t>?</a:t>
+              <a:t>What are limiting climatic factors for phenology?</a:t>
             </a:r>
             <a:endParaRPr lang="en-GB" sz="2800" dirty="0"/>
           </a:p>
@@ -26077,19 +26140,7 @@
               </a:r>
               <a:r>
                 <a:rPr lang="en-US" dirty="0" smtClean="0"/>
-                <a:t> | </a:t>
-              </a:r>
-              <a:r>
-                <a:rPr lang="en-US" dirty="0" smtClean="0"/>
-                <a:t>Data &amp; Methods </a:t>
-              </a:r>
-              <a:r>
-                <a:rPr lang="en-US" dirty="0" smtClean="0"/>
-                <a:t>| Expected Results | </a:t>
-              </a:r>
-              <a:r>
-                <a:rPr lang="en-US" dirty="0" smtClean="0"/>
-                <a:t>Challenges</a:t>
+                <a:t> | Data &amp; Methods | Expected Results | Challenges</a:t>
               </a:r>
               <a:r>
                 <a:rPr lang="en-US" b="1" dirty="0" smtClean="0"/>
@@ -26186,19 +26237,7 @@
           <a:p>
             <a:r>
               <a:rPr lang="en-US" dirty="0" smtClean="0"/>
-              <a:t>Influence </a:t>
-            </a:r>
-            <a:r>
-              <a:rPr lang="en-US" dirty="0" smtClean="0"/>
-              <a:t>of </a:t>
-            </a:r>
-            <a:r>
-              <a:rPr lang="en-US" dirty="0" smtClean="0"/>
-              <a:t>climatic controls change </a:t>
-            </a:r>
-            <a:r>
-              <a:rPr lang="en-US" dirty="0" smtClean="0"/>
-              <a:t>over time</a:t>
+              <a:t>Influence of climatic controls change over time</a:t>
             </a:r>
           </a:p>
           <a:p>
@@ -26212,11 +26251,7 @@
             <a:pPr lvl="1"/>
             <a:r>
               <a:rPr lang="en-US" dirty="0" smtClean="0"/>
-              <a:t>Over the years</a:t>
-            </a:r>
-            <a:r>
-              <a:rPr lang="en-US" dirty="0" smtClean="0"/>
-              <a:t>?</a:t>
+              <a:t>Over the years?</a:t>
             </a:r>
             <a:endParaRPr lang="en-US" dirty="0"/>
           </a:p>
@@ -26677,19 +26712,7 @@
               </a:r>
               <a:r>
                 <a:rPr lang="en-US" dirty="0" smtClean="0"/>
-                <a:t> | </a:t>
-              </a:r>
-              <a:r>
-                <a:rPr lang="en-US" dirty="0" smtClean="0"/>
-                <a:t>Data &amp; Methods </a:t>
-              </a:r>
-              <a:r>
-                <a:rPr lang="en-US" dirty="0" smtClean="0"/>
-                <a:t>| Expected Results | </a:t>
-              </a:r>
-              <a:r>
-                <a:rPr lang="en-US" dirty="0" smtClean="0"/>
-                <a:t>Challenges</a:t>
+                <a:t> | Data &amp; Methods | Expected Results | Challenges</a:t>
               </a:r>
               <a:r>
                 <a:rPr lang="en-US" b="1" dirty="0" smtClean="0"/>
@@ -26824,15 +26847,7 @@
             </a:pPr>
             <a:r>
               <a:rPr lang="en-GB" dirty="0" smtClean="0"/>
-              <a:t>Does </a:t>
-            </a:r>
-            <a:r>
-              <a:rPr lang="en-GB" dirty="0" smtClean="0"/>
-              <a:t>the relative impact </a:t>
-            </a:r>
-            <a:r>
-              <a:rPr lang="en-GB" dirty="0" smtClean="0"/>
-              <a:t>of climatic </a:t>
+              <a:t>Does the relative impact of climatic </a:t>
             </a:r>
             <a:r>
               <a:rPr lang="en-GB" dirty="0"/>
@@ -26840,11 +26855,7 @@
             </a:r>
             <a:r>
               <a:rPr lang="en-GB" dirty="0" smtClean="0"/>
-              <a:t>change </a:t>
-            </a:r>
-            <a:r>
-              <a:rPr lang="en-GB" dirty="0" smtClean="0"/>
-              <a:t>over time?</a:t>
+              <a:t>change over time?</a:t>
             </a:r>
             <a:endParaRPr lang="de-CH" dirty="0"/>
           </a:p>
@@ -27100,19 +27111,7 @@
               </a:r>
               <a:r>
                 <a:rPr lang="en-US" dirty="0" smtClean="0"/>
-                <a:t> | </a:t>
-              </a:r>
-              <a:r>
-                <a:rPr lang="en-US" dirty="0" smtClean="0"/>
-                <a:t>Data &amp; Methods </a:t>
-              </a:r>
-              <a:r>
-                <a:rPr lang="en-US" dirty="0" smtClean="0"/>
-                <a:t>| Expected Results | </a:t>
-              </a:r>
-              <a:r>
-                <a:rPr lang="en-US" dirty="0" smtClean="0"/>
-                <a:t>Challenges</a:t>
+                <a:t> | Data &amp; Methods | Expected Results | Challenges</a:t>
               </a:r>
               <a:r>
                 <a:rPr lang="en-US" b="1" dirty="0" smtClean="0"/>
@@ -27338,11 +27337,7 @@
           <a:p>
             <a:r>
               <a:rPr lang="en-US" dirty="0" smtClean="0"/>
-              <a:t>Expected </a:t>
-            </a:r>
-            <a:r>
-              <a:rPr lang="en-US" dirty="0" smtClean="0"/>
-              <a:t>Results</a:t>
+              <a:t>Expected Results</a:t>
             </a:r>
           </a:p>
           <a:p>
@@ -27350,7 +27345,6 @@
               <a:rPr lang="en-US" dirty="0" smtClean="0"/>
               <a:t>Challenges</a:t>
             </a:r>
-            <a:endParaRPr lang="en-US" dirty="0" smtClean="0"/>
           </a:p>
           <a:p>
             <a:r>
@@ -27491,11 +27485,7 @@
             </a:pPr>
             <a:r>
               <a:rPr lang="en-GB" i="1" dirty="0" smtClean="0"/>
-              <a:t>Available </a:t>
-            </a:r>
-            <a:r>
-              <a:rPr lang="en-GB" i="1" dirty="0" smtClean="0"/>
-              <a:t>data over 30 years:</a:t>
+              <a:t>Available data over 30 years:</a:t>
             </a:r>
             <a:endParaRPr lang="de-CH" dirty="0" smtClean="0"/>
           </a:p>
@@ -27512,7 +27502,6 @@
               <a:rPr lang="en-GB" dirty="0" smtClean="0"/>
               <a:t>Measured</a:t>
             </a:r>
-            <a:endParaRPr lang="en-GB" dirty="0" smtClean="0"/>
           </a:p>
           <a:p>
             <a:pPr lvl="1"/>
@@ -27814,15 +27803,7 @@
               </a:r>
               <a:r>
                 <a:rPr lang="en-US" dirty="0" smtClean="0"/>
-                <a:t> </a:t>
-              </a:r>
-              <a:r>
-                <a:rPr lang="en-US" dirty="0" smtClean="0"/>
-                <a:t>| Expected Results | </a:t>
-              </a:r>
-              <a:r>
-                <a:rPr lang="en-US" dirty="0" smtClean="0"/>
-                <a:t>Challenges</a:t>
+                <a:t> | Expected Results | Challenges</a:t>
               </a:r>
               <a:r>
                 <a:rPr lang="en-US" b="1" dirty="0" smtClean="0"/>
